--- a/Parte 2.pptx
+++ b/Parte 2.pptx
@@ -223,7 +223,7 @@
           <a:p>
             <a:fld id="{2C6EE50A-DEFA-44F0-BA6D-8AF59745F88F}" type="datetimeFigureOut">
               <a:rPr lang="en-US" smtClean="0"/>
-              <a:t>12/27/2020</a:t>
+              <a:t>1/4/2021</a:t>
             </a:fld>
             <a:endParaRPr lang="en-US"/>
           </a:p>
@@ -547,7 +547,7 @@
           <a:noFill/>
           <a:extLst>
             <a:ext uri="{909E8E84-426E-40dd-AFC4-6F175D3DCCD1}">
-              <a14:hiddenFill xmlns="" xmlns:a14="http://schemas.microsoft.com/office/drawing/2010/main">
+              <a14:hiddenFill xmlns:a14="http://schemas.microsoft.com/office/drawing/2010/main" xmlns="">
                 <a:solidFill>
                   <a:srgbClr val="FFFFFF"/>
                 </a:solidFill>
@@ -606,7 +606,7 @@
             </a:ln>
             <a:extLst>
               <a:ext uri="{91240B29-F687-4f45-9708-019B960494DF}">
-                <a14:hiddenLine xmlns="" xmlns:a14="http://schemas.microsoft.com/office/drawing/2010/main" w="9525">
+                <a14:hiddenLine xmlns:a14="http://schemas.microsoft.com/office/drawing/2010/main" xmlns="" w="9525">
                   <a:solidFill>
                     <a:srgbClr val="000000"/>
                   </a:solidFill>
@@ -696,7 +696,7 @@
             </a:ln>
             <a:extLst>
               <a:ext uri="{91240B29-F687-4f45-9708-019B960494DF}">
-                <a14:hiddenLine xmlns="" xmlns:a14="http://schemas.microsoft.com/office/drawing/2010/main" w="9525">
+                <a14:hiddenLine xmlns:a14="http://schemas.microsoft.com/office/drawing/2010/main" xmlns="" w="9525">
                   <a:solidFill>
                     <a:srgbClr val="000000"/>
                   </a:solidFill>
@@ -786,7 +786,7 @@
             </a:ln>
             <a:extLst>
               <a:ext uri="{91240B29-F687-4f45-9708-019B960494DF}">
-                <a14:hiddenLine xmlns="" xmlns:a14="http://schemas.microsoft.com/office/drawing/2010/main" w="9525">
+                <a14:hiddenLine xmlns:a14="http://schemas.microsoft.com/office/drawing/2010/main" xmlns="" w="9525">
                   <a:solidFill>
                     <a:srgbClr val="000000"/>
                   </a:solidFill>
@@ -820,7 +820,7 @@
             </a:ln>
             <a:extLst>
               <a:ext uri="{91240B29-F687-4f45-9708-019B960494DF}">
-                <a14:hiddenLine xmlns="" xmlns:a14="http://schemas.microsoft.com/office/drawing/2010/main" w="9525">
+                <a14:hiddenLine xmlns:a14="http://schemas.microsoft.com/office/drawing/2010/main" xmlns="" w="9525">
                   <a:solidFill>
                     <a:srgbClr val="000000"/>
                   </a:solidFill>
@@ -910,7 +910,7 @@
             </a:ln>
             <a:extLst>
               <a:ext uri="{91240B29-F687-4f45-9708-019B960494DF}">
-                <a14:hiddenLine xmlns="" xmlns:a14="http://schemas.microsoft.com/office/drawing/2010/main" w="9525">
+                <a14:hiddenLine xmlns:a14="http://schemas.microsoft.com/office/drawing/2010/main" xmlns="" w="9525">
                   <a:solidFill>
                     <a:srgbClr val="000000"/>
                   </a:solidFill>
@@ -972,7 +972,7 @@
             </a:ln>
             <a:extLst>
               <a:ext uri="{91240B29-F687-4f45-9708-019B960494DF}">
-                <a14:hiddenLine xmlns="" xmlns:a14="http://schemas.microsoft.com/office/drawing/2010/main" w="9525">
+                <a14:hiddenLine xmlns:a14="http://schemas.microsoft.com/office/drawing/2010/main" xmlns="" w="9525">
                   <a:solidFill>
                     <a:srgbClr val="000000"/>
                   </a:solidFill>
@@ -1034,7 +1034,7 @@
             </a:ln>
             <a:extLst>
               <a:ext uri="{91240B29-F687-4f45-9708-019B960494DF}">
-                <a14:hiddenLine xmlns="" xmlns:a14="http://schemas.microsoft.com/office/drawing/2010/main" w="9525">
+                <a14:hiddenLine xmlns:a14="http://schemas.microsoft.com/office/drawing/2010/main" xmlns="" w="9525">
                   <a:solidFill>
                     <a:srgbClr val="000000"/>
                   </a:solidFill>
@@ -1124,7 +1124,7 @@
             </a:ln>
             <a:extLst>
               <a:ext uri="{91240B29-F687-4f45-9708-019B960494DF}">
-                <a14:hiddenLine xmlns="" xmlns:a14="http://schemas.microsoft.com/office/drawing/2010/main" w="9525">
+                <a14:hiddenLine xmlns:a14="http://schemas.microsoft.com/office/drawing/2010/main" xmlns="" w="9525">
                   <a:solidFill>
                     <a:srgbClr val="000000"/>
                   </a:solidFill>
@@ -1186,7 +1186,7 @@
             </a:ln>
             <a:extLst>
               <a:ext uri="{91240B29-F687-4f45-9708-019B960494DF}">
-                <a14:hiddenLine xmlns="" xmlns:a14="http://schemas.microsoft.com/office/drawing/2010/main" w="9525">
+                <a14:hiddenLine xmlns:a14="http://schemas.microsoft.com/office/drawing/2010/main" xmlns="" w="9525">
                   <a:solidFill>
                     <a:srgbClr val="000000"/>
                   </a:solidFill>
@@ -1248,7 +1248,7 @@
             </a:ln>
             <a:extLst>
               <a:ext uri="{91240B29-F687-4f45-9708-019B960494DF}">
-                <a14:hiddenLine xmlns="" xmlns:a14="http://schemas.microsoft.com/office/drawing/2010/main" w="9525">
+                <a14:hiddenLine xmlns:a14="http://schemas.microsoft.com/office/drawing/2010/main" xmlns="" w="9525">
                   <a:solidFill>
                     <a:srgbClr val="000000"/>
                   </a:solidFill>
@@ -1338,7 +1338,7 @@
             </a:ln>
             <a:extLst>
               <a:ext uri="{91240B29-F687-4f45-9708-019B960494DF}">
-                <a14:hiddenLine xmlns="" xmlns:a14="http://schemas.microsoft.com/office/drawing/2010/main" w="9525">
+                <a14:hiddenLine xmlns:a14="http://schemas.microsoft.com/office/drawing/2010/main" xmlns="" w="9525">
                   <a:solidFill>
                     <a:srgbClr val="000000"/>
                   </a:solidFill>
@@ -1428,7 +1428,7 @@
             </a:ln>
             <a:extLst>
               <a:ext uri="{91240B29-F687-4f45-9708-019B960494DF}">
-                <a14:hiddenLine xmlns="" xmlns:a14="http://schemas.microsoft.com/office/drawing/2010/main" w="9525">
+                <a14:hiddenLine xmlns:a14="http://schemas.microsoft.com/office/drawing/2010/main" xmlns="" w="9525">
                   <a:solidFill>
                     <a:srgbClr val="000000"/>
                   </a:solidFill>
@@ -1490,7 +1490,7 @@
             </a:ln>
             <a:extLst>
               <a:ext uri="{91240B29-F687-4f45-9708-019B960494DF}">
-                <a14:hiddenLine xmlns="" xmlns:a14="http://schemas.microsoft.com/office/drawing/2010/main" w="9525">
+                <a14:hiddenLine xmlns:a14="http://schemas.microsoft.com/office/drawing/2010/main" xmlns="" w="9525">
                   <a:solidFill>
                     <a:srgbClr val="000000"/>
                   </a:solidFill>
@@ -1600,7 +1600,7 @@
             </a:ln>
             <a:extLst>
               <a:ext uri="{91240B29-F687-4f45-9708-019B960494DF}">
-                <a14:hiddenLine xmlns="" xmlns:a14="http://schemas.microsoft.com/office/drawing/2010/main" w="9525">
+                <a14:hiddenLine xmlns:a14="http://schemas.microsoft.com/office/drawing/2010/main" xmlns="" w="9525">
                   <a:solidFill>
                     <a:srgbClr val="000000"/>
                   </a:solidFill>
@@ -1662,7 +1662,7 @@
             </a:ln>
             <a:extLst>
               <a:ext uri="{91240B29-F687-4f45-9708-019B960494DF}">
-                <a14:hiddenLine xmlns="" xmlns:a14="http://schemas.microsoft.com/office/drawing/2010/main" w="9525">
+                <a14:hiddenLine xmlns:a14="http://schemas.microsoft.com/office/drawing/2010/main" xmlns="" w="9525">
                   <a:solidFill>
                     <a:srgbClr val="000000"/>
                   </a:solidFill>
@@ -1752,7 +1752,7 @@
             </a:ln>
             <a:extLst>
               <a:ext uri="{91240B29-F687-4f45-9708-019B960494DF}">
-                <a14:hiddenLine xmlns="" xmlns:a14="http://schemas.microsoft.com/office/drawing/2010/main" w="9525">
+                <a14:hiddenLine xmlns:a14="http://schemas.microsoft.com/office/drawing/2010/main" xmlns="" w="9525">
                   <a:solidFill>
                     <a:srgbClr val="000000"/>
                   </a:solidFill>
@@ -1842,7 +1842,7 @@
             </a:ln>
             <a:extLst>
               <a:ext uri="{91240B29-F687-4f45-9708-019B960494DF}">
-                <a14:hiddenLine xmlns="" xmlns:a14="http://schemas.microsoft.com/office/drawing/2010/main" w="9525">
+                <a14:hiddenLine xmlns:a14="http://schemas.microsoft.com/office/drawing/2010/main" xmlns="" w="9525">
                   <a:solidFill>
                     <a:srgbClr val="000000"/>
                   </a:solidFill>
@@ -1904,7 +1904,7 @@
             </a:ln>
             <a:extLst>
               <a:ext uri="{91240B29-F687-4f45-9708-019B960494DF}">
-                <a14:hiddenLine xmlns="" xmlns:a14="http://schemas.microsoft.com/office/drawing/2010/main" w="9525">
+                <a14:hiddenLine xmlns:a14="http://schemas.microsoft.com/office/drawing/2010/main" xmlns="" w="9525">
                   <a:solidFill>
                     <a:srgbClr val="000000"/>
                   </a:solidFill>
@@ -1994,7 +1994,7 @@
             </a:ln>
             <a:extLst>
               <a:ext uri="{91240B29-F687-4f45-9708-019B960494DF}">
-                <a14:hiddenLine xmlns="" xmlns:a14="http://schemas.microsoft.com/office/drawing/2010/main" w="9525">
+                <a14:hiddenLine xmlns:a14="http://schemas.microsoft.com/office/drawing/2010/main" xmlns="" w="9525">
                   <a:solidFill>
                     <a:srgbClr val="000000"/>
                   </a:solidFill>
@@ -2084,7 +2084,7 @@
             </a:ln>
             <a:extLst>
               <a:ext uri="{91240B29-F687-4f45-9708-019B960494DF}">
-                <a14:hiddenLine xmlns="" xmlns:a14="http://schemas.microsoft.com/office/drawing/2010/main" w="9525">
+                <a14:hiddenLine xmlns:a14="http://schemas.microsoft.com/office/drawing/2010/main" xmlns="" w="9525">
                   <a:solidFill>
                     <a:srgbClr val="000000"/>
                   </a:solidFill>
@@ -2140,7 +2140,7 @@
             </a:ln>
             <a:extLst>
               <a:ext uri="{91240B29-F687-4f45-9708-019B960494DF}">
-                <a14:hiddenLine xmlns="" xmlns:a14="http://schemas.microsoft.com/office/drawing/2010/main" w="9525">
+                <a14:hiddenLine xmlns:a14="http://schemas.microsoft.com/office/drawing/2010/main" xmlns="" w="9525">
                   <a:solidFill>
                     <a:srgbClr val="000000"/>
                   </a:solidFill>
@@ -2230,7 +2230,7 @@
             </a:ln>
             <a:extLst>
               <a:ext uri="{91240B29-F687-4f45-9708-019B960494DF}">
-                <a14:hiddenLine xmlns="" xmlns:a14="http://schemas.microsoft.com/office/drawing/2010/main" w="9525">
+                <a14:hiddenLine xmlns:a14="http://schemas.microsoft.com/office/drawing/2010/main" xmlns="" w="9525">
                   <a:solidFill>
                     <a:srgbClr val="000000"/>
                   </a:solidFill>
@@ -2286,7 +2286,7 @@
             </a:ln>
             <a:extLst>
               <a:ext uri="{91240B29-F687-4f45-9708-019B960494DF}">
-                <a14:hiddenLine xmlns="" xmlns:a14="http://schemas.microsoft.com/office/drawing/2010/main" w="9525">
+                <a14:hiddenLine xmlns:a14="http://schemas.microsoft.com/office/drawing/2010/main" xmlns="" w="9525">
                   <a:solidFill>
                     <a:srgbClr val="000000"/>
                   </a:solidFill>
@@ -2376,7 +2376,7 @@
             </a:ln>
             <a:extLst>
               <a:ext uri="{91240B29-F687-4f45-9708-019B960494DF}">
-                <a14:hiddenLine xmlns="" xmlns:a14="http://schemas.microsoft.com/office/drawing/2010/main" w="9525">
+                <a14:hiddenLine xmlns:a14="http://schemas.microsoft.com/office/drawing/2010/main" xmlns="" w="9525">
                   <a:solidFill>
                     <a:srgbClr val="000000"/>
                   </a:solidFill>
@@ -2444,7 +2444,7 @@
             </a:ln>
             <a:extLst>
               <a:ext uri="{91240B29-F687-4f45-9708-019B960494DF}">
-                <a14:hiddenLine xmlns="" xmlns:a14="http://schemas.microsoft.com/office/drawing/2010/main" w="9525">
+                <a14:hiddenLine xmlns:a14="http://schemas.microsoft.com/office/drawing/2010/main" xmlns="" w="9525">
                   <a:solidFill>
                     <a:srgbClr val="000000"/>
                   </a:solidFill>
@@ -2534,7 +2534,7 @@
             </a:ln>
             <a:extLst>
               <a:ext uri="{91240B29-F687-4f45-9708-019B960494DF}">
-                <a14:hiddenLine xmlns="" xmlns:a14="http://schemas.microsoft.com/office/drawing/2010/main" w="9525">
+                <a14:hiddenLine xmlns:a14="http://schemas.microsoft.com/office/drawing/2010/main" xmlns="" w="9525">
                   <a:solidFill>
                     <a:srgbClr val="000000"/>
                   </a:solidFill>
@@ -2602,7 +2602,7 @@
             </a:ln>
             <a:extLst>
               <a:ext uri="{91240B29-F687-4f45-9708-019B960494DF}">
-                <a14:hiddenLine xmlns="" xmlns:a14="http://schemas.microsoft.com/office/drawing/2010/main" w="9525">
+                <a14:hiddenLine xmlns:a14="http://schemas.microsoft.com/office/drawing/2010/main" xmlns="" w="9525">
                   <a:solidFill>
                     <a:srgbClr val="000000"/>
                   </a:solidFill>
@@ -2692,7 +2692,7 @@
             </a:ln>
             <a:extLst>
               <a:ext uri="{91240B29-F687-4f45-9708-019B960494DF}">
-                <a14:hiddenLine xmlns="" xmlns:a14="http://schemas.microsoft.com/office/drawing/2010/main" w="9525">
+                <a14:hiddenLine xmlns:a14="http://schemas.microsoft.com/office/drawing/2010/main" xmlns="" w="9525">
                   <a:solidFill>
                     <a:srgbClr val="000000"/>
                   </a:solidFill>
@@ -2726,7 +2726,7 @@
             </a:ln>
             <a:extLst>
               <a:ext uri="{91240B29-F687-4f45-9708-019B960494DF}">
-                <a14:hiddenLine xmlns="" xmlns:a14="http://schemas.microsoft.com/office/drawing/2010/main" w="9525">
+                <a14:hiddenLine xmlns:a14="http://schemas.microsoft.com/office/drawing/2010/main" xmlns="" w="9525">
                   <a:solidFill>
                     <a:srgbClr val="000000"/>
                   </a:solidFill>
@@ -2816,7 +2816,7 @@
             </a:ln>
             <a:extLst>
               <a:ext uri="{91240B29-F687-4f45-9708-019B960494DF}">
-                <a14:hiddenLine xmlns="" xmlns:a14="http://schemas.microsoft.com/office/drawing/2010/main" w="9525">
+                <a14:hiddenLine xmlns:a14="http://schemas.microsoft.com/office/drawing/2010/main" xmlns="" w="9525">
                   <a:solidFill>
                     <a:srgbClr val="000000"/>
                   </a:solidFill>
@@ -2878,7 +2878,7 @@
             </a:ln>
             <a:extLst>
               <a:ext uri="{91240B29-F687-4f45-9708-019B960494DF}">
-                <a14:hiddenLine xmlns="" xmlns:a14="http://schemas.microsoft.com/office/drawing/2010/main" w="9525">
+                <a14:hiddenLine xmlns:a14="http://schemas.microsoft.com/office/drawing/2010/main" xmlns="" w="9525">
                   <a:solidFill>
                     <a:srgbClr val="000000"/>
                   </a:solidFill>
@@ -2940,7 +2940,7 @@
             </a:ln>
             <a:extLst>
               <a:ext uri="{91240B29-F687-4f45-9708-019B960494DF}">
-                <a14:hiddenLine xmlns="" xmlns:a14="http://schemas.microsoft.com/office/drawing/2010/main" w="9525">
+                <a14:hiddenLine xmlns:a14="http://schemas.microsoft.com/office/drawing/2010/main" xmlns="" w="9525">
                   <a:solidFill>
                     <a:srgbClr val="000000"/>
                   </a:solidFill>
@@ -3030,7 +3030,7 @@
             </a:ln>
             <a:extLst>
               <a:ext uri="{91240B29-F687-4f45-9708-019B960494DF}">
-                <a14:hiddenLine xmlns="" xmlns:a14="http://schemas.microsoft.com/office/drawing/2010/main" w="9525">
+                <a14:hiddenLine xmlns:a14="http://schemas.microsoft.com/office/drawing/2010/main" xmlns="" w="9525">
                   <a:solidFill>
                     <a:srgbClr val="000000"/>
                   </a:solidFill>
@@ -3098,7 +3098,7 @@
             </a:ln>
             <a:extLst>
               <a:ext uri="{91240B29-F687-4f45-9708-019B960494DF}">
-                <a14:hiddenLine xmlns="" xmlns:a14="http://schemas.microsoft.com/office/drawing/2010/main" w="9525">
+                <a14:hiddenLine xmlns:a14="http://schemas.microsoft.com/office/drawing/2010/main" xmlns="" w="9525">
                   <a:solidFill>
                     <a:srgbClr val="000000"/>
                   </a:solidFill>
@@ -3160,7 +3160,7 @@
             </a:ln>
             <a:extLst>
               <a:ext uri="{91240B29-F687-4f45-9708-019B960494DF}">
-                <a14:hiddenLine xmlns="" xmlns:a14="http://schemas.microsoft.com/office/drawing/2010/main" w="9525">
+                <a14:hiddenLine xmlns:a14="http://schemas.microsoft.com/office/drawing/2010/main" xmlns="" w="9525">
                   <a:solidFill>
                     <a:srgbClr val="000000"/>
                   </a:solidFill>
@@ -3250,7 +3250,7 @@
             </a:ln>
             <a:extLst>
               <a:ext uri="{91240B29-F687-4f45-9708-019B960494DF}">
-                <a14:hiddenLine xmlns="" xmlns:a14="http://schemas.microsoft.com/office/drawing/2010/main" w="9525">
+                <a14:hiddenLine xmlns:a14="http://schemas.microsoft.com/office/drawing/2010/main" xmlns="" w="9525">
                   <a:solidFill>
                     <a:srgbClr val="000000"/>
                   </a:solidFill>
@@ -3312,7 +3312,7 @@
             </a:ln>
             <a:extLst>
               <a:ext uri="{91240B29-F687-4f45-9708-019B960494DF}">
-                <a14:hiddenLine xmlns="" xmlns:a14="http://schemas.microsoft.com/office/drawing/2010/main" w="9525">
+                <a14:hiddenLine xmlns:a14="http://schemas.microsoft.com/office/drawing/2010/main" xmlns="" w="9525">
                   <a:solidFill>
                     <a:srgbClr val="000000"/>
                   </a:solidFill>
@@ -3402,7 +3402,7 @@
             </a:ln>
             <a:extLst>
               <a:ext uri="{91240B29-F687-4f45-9708-019B960494DF}">
-                <a14:hiddenLine xmlns="" xmlns:a14="http://schemas.microsoft.com/office/drawing/2010/main" w="9525">
+                <a14:hiddenLine xmlns:a14="http://schemas.microsoft.com/office/drawing/2010/main" xmlns="" w="9525">
                   <a:solidFill>
                     <a:srgbClr val="000000"/>
                   </a:solidFill>
@@ -3464,7 +3464,7 @@
             </a:ln>
             <a:extLst>
               <a:ext uri="{91240B29-F687-4f45-9708-019B960494DF}">
-                <a14:hiddenLine xmlns="" xmlns:a14="http://schemas.microsoft.com/office/drawing/2010/main" w="9525">
+                <a14:hiddenLine xmlns:a14="http://schemas.microsoft.com/office/drawing/2010/main" xmlns="" w="9525">
                   <a:solidFill>
                     <a:srgbClr val="000000"/>
                   </a:solidFill>
@@ -3554,7 +3554,7 @@
             </a:ln>
             <a:extLst>
               <a:ext uri="{91240B29-F687-4f45-9708-019B960494DF}">
-                <a14:hiddenLine xmlns="" xmlns:a14="http://schemas.microsoft.com/office/drawing/2010/main" w="9525">
+                <a14:hiddenLine xmlns:a14="http://schemas.microsoft.com/office/drawing/2010/main" xmlns="" w="9525">
                   <a:solidFill>
                     <a:srgbClr val="000000"/>
                   </a:solidFill>
@@ -3588,7 +3588,7 @@
             </a:ln>
             <a:extLst>
               <a:ext uri="{91240B29-F687-4f45-9708-019B960494DF}">
-                <a14:hiddenLine xmlns="" xmlns:a14="http://schemas.microsoft.com/office/drawing/2010/main" w="9525">
+                <a14:hiddenLine xmlns:a14="http://schemas.microsoft.com/office/drawing/2010/main" xmlns="" w="9525">
                   <a:solidFill>
                     <a:srgbClr val="000000"/>
                   </a:solidFill>
@@ -3653,7 +3653,7 @@
             </a:ln>
             <a:extLst>
               <a:ext uri="{91240B29-F687-4f45-9708-019B960494DF}">
-                <a14:hiddenLine xmlns="" xmlns:a14="http://schemas.microsoft.com/office/drawing/2010/main" w="9525">
+                <a14:hiddenLine xmlns:a14="http://schemas.microsoft.com/office/drawing/2010/main" xmlns="" w="9525">
                   <a:solidFill>
                     <a:srgbClr val="000000"/>
                   </a:solidFill>
@@ -3743,7 +3743,7 @@
             </a:ln>
             <a:extLst>
               <a:ext uri="{91240B29-F687-4f45-9708-019B960494DF}">
-                <a14:hiddenLine xmlns="" xmlns:a14="http://schemas.microsoft.com/office/drawing/2010/main" w="9525">
+                <a14:hiddenLine xmlns:a14="http://schemas.microsoft.com/office/drawing/2010/main" xmlns="" w="9525">
                   <a:solidFill>
                     <a:srgbClr val="000000"/>
                   </a:solidFill>
@@ -3805,7 +3805,7 @@
             </a:ln>
             <a:extLst>
               <a:ext uri="{91240B29-F687-4f45-9708-019B960494DF}">
-                <a14:hiddenLine xmlns="" xmlns:a14="http://schemas.microsoft.com/office/drawing/2010/main" w="9525">
+                <a14:hiddenLine xmlns:a14="http://schemas.microsoft.com/office/drawing/2010/main" xmlns="" w="9525">
                   <a:solidFill>
                     <a:srgbClr val="000000"/>
                   </a:solidFill>
@@ -3895,7 +3895,7 @@
             </a:ln>
             <a:extLst>
               <a:ext uri="{91240B29-F687-4f45-9708-019B960494DF}">
-                <a14:hiddenLine xmlns="" xmlns:a14="http://schemas.microsoft.com/office/drawing/2010/main" w="9525">
+                <a14:hiddenLine xmlns:a14="http://schemas.microsoft.com/office/drawing/2010/main" xmlns="" w="9525">
                   <a:solidFill>
                     <a:srgbClr val="000000"/>
                   </a:solidFill>
@@ -3985,7 +3985,7 @@
             </a:ln>
             <a:extLst>
               <a:ext uri="{91240B29-F687-4f45-9708-019B960494DF}">
-                <a14:hiddenLine xmlns="" xmlns:a14="http://schemas.microsoft.com/office/drawing/2010/main" w="9525">
+                <a14:hiddenLine xmlns:a14="http://schemas.microsoft.com/office/drawing/2010/main" xmlns="" w="9525">
                   <a:solidFill>
                     <a:srgbClr val="000000"/>
                   </a:solidFill>
@@ -4050,7 +4050,7 @@
             </a:ln>
             <a:extLst>
               <a:ext uri="{91240B29-F687-4f45-9708-019B960494DF}">
-                <a14:hiddenLine xmlns="" xmlns:a14="http://schemas.microsoft.com/office/drawing/2010/main" w="9525">
+                <a14:hiddenLine xmlns:a14="http://schemas.microsoft.com/office/drawing/2010/main" xmlns="" w="9525">
                   <a:solidFill>
                     <a:srgbClr val="000000"/>
                   </a:solidFill>
@@ -4112,7 +4112,7 @@
             </a:ln>
             <a:extLst>
               <a:ext uri="{91240B29-F687-4f45-9708-019B960494DF}">
-                <a14:hiddenLine xmlns="" xmlns:a14="http://schemas.microsoft.com/office/drawing/2010/main" w="9525">
+                <a14:hiddenLine xmlns:a14="http://schemas.microsoft.com/office/drawing/2010/main" xmlns="" w="9525">
                   <a:solidFill>
                     <a:srgbClr val="000000"/>
                   </a:solidFill>
@@ -4202,7 +4202,7 @@
             </a:ln>
             <a:extLst>
               <a:ext uri="{91240B29-F687-4f45-9708-019B960494DF}">
-                <a14:hiddenLine xmlns="" xmlns:a14="http://schemas.microsoft.com/office/drawing/2010/main" w="9525">
+                <a14:hiddenLine xmlns:a14="http://schemas.microsoft.com/office/drawing/2010/main" xmlns="" w="9525">
                   <a:solidFill>
                     <a:srgbClr val="000000"/>
                   </a:solidFill>
@@ -4292,7 +4292,7 @@
             </a:ln>
             <a:extLst>
               <a:ext uri="{91240B29-F687-4f45-9708-019B960494DF}">
-                <a14:hiddenLine xmlns="" xmlns:a14="http://schemas.microsoft.com/office/drawing/2010/main" w="9525">
+                <a14:hiddenLine xmlns:a14="http://schemas.microsoft.com/office/drawing/2010/main" xmlns="" w="9525">
                   <a:solidFill>
                     <a:srgbClr val="000000"/>
                   </a:solidFill>
@@ -4354,7 +4354,7 @@
             </a:ln>
             <a:extLst>
               <a:ext uri="{91240B29-F687-4f45-9708-019B960494DF}">
-                <a14:hiddenLine xmlns="" xmlns:a14="http://schemas.microsoft.com/office/drawing/2010/main" w="9525">
+                <a14:hiddenLine xmlns:a14="http://schemas.microsoft.com/office/drawing/2010/main" xmlns="" w="9525">
                   <a:solidFill>
                     <a:srgbClr val="000000"/>
                   </a:solidFill>
@@ -4474,7 +4474,7 @@
             </a:ln>
             <a:extLst>
               <a:ext uri="{91240B29-F687-4f45-9708-019B960494DF}">
-                <a14:hiddenLine xmlns="" xmlns:a14="http://schemas.microsoft.com/office/drawing/2010/main" w="9525">
+                <a14:hiddenLine xmlns:a14="http://schemas.microsoft.com/office/drawing/2010/main" xmlns="" w="9525">
                   <a:solidFill>
                     <a:srgbClr val="000000"/>
                   </a:solidFill>
@@ -4542,7 +4542,7 @@
             </a:ln>
             <a:extLst>
               <a:ext uri="{91240B29-F687-4f45-9708-019B960494DF}">
-                <a14:hiddenLine xmlns="" xmlns:a14="http://schemas.microsoft.com/office/drawing/2010/main" w="9525">
+                <a14:hiddenLine xmlns:a14="http://schemas.microsoft.com/office/drawing/2010/main" xmlns="" w="9525">
                   <a:solidFill>
                     <a:srgbClr val="000000"/>
                   </a:solidFill>
@@ -4632,7 +4632,7 @@
             </a:ln>
             <a:extLst>
               <a:ext uri="{91240B29-F687-4f45-9708-019B960494DF}">
-                <a14:hiddenLine xmlns="" xmlns:a14="http://schemas.microsoft.com/office/drawing/2010/main" w="9525">
+                <a14:hiddenLine xmlns:a14="http://schemas.microsoft.com/office/drawing/2010/main" xmlns="" w="9525">
                   <a:solidFill>
                     <a:srgbClr val="000000"/>
                   </a:solidFill>
@@ -4772,7 +4772,7 @@
           <a:p>
             <a:fld id="{27DE8FD0-B8D1-4CF8-B65B-341A3FE1C371}" type="datetime1">
               <a:rPr lang="pt-PT" smtClean="0"/>
-              <a:t>27/12/2020</a:t>
+              <a:t>04/01/2021</a:t>
             </a:fld>
             <a:endParaRPr lang="pt-PT"/>
           </a:p>
@@ -5042,7 +5042,7 @@
           <a:p>
             <a:fld id="{E195478E-DBF5-43C3-A369-08A84CC12EB7}" type="datetime1">
               <a:rPr lang="pt-PT" smtClean="0"/>
-              <a:t>27/12/2020</a:t>
+              <a:t>04/01/2021</a:t>
             </a:fld>
             <a:endParaRPr lang="pt-PT"/>
           </a:p>
@@ -5241,7 +5241,7 @@
           <a:p>
             <a:fld id="{8260499F-8424-4F23-8E82-B14204570DD7}" type="datetime1">
               <a:rPr lang="pt-PT" smtClean="0"/>
-              <a:t>27/12/2020</a:t>
+              <a:t>04/01/2021</a:t>
             </a:fld>
             <a:endParaRPr lang="pt-PT"/>
           </a:p>
@@ -5507,7 +5507,7 @@
           <a:p>
             <a:fld id="{4846D8D5-C49C-4B12-95FD-F66350576C7D}" type="datetime1">
               <a:rPr lang="pt-PT" smtClean="0"/>
-              <a:t>27/12/2020</a:t>
+              <a:t>04/01/2021</a:t>
             </a:fld>
             <a:endParaRPr lang="pt-PT"/>
           </a:p>
@@ -5944,7 +5944,7 @@
           <a:p>
             <a:fld id="{5912AA66-6185-4FA3-A72C-E6CBCF0A6930}" type="datetime1">
               <a:rPr lang="pt-PT" smtClean="0"/>
-              <a:t>27/12/2020</a:t>
+              <a:t>04/01/2021</a:t>
             </a:fld>
             <a:endParaRPr lang="pt-PT"/>
           </a:p>
@@ -6493,7 +6493,7 @@
           <a:p>
             <a:fld id="{18853F53-A3A2-4982-B5B3-DDD492D2B770}" type="datetime1">
               <a:rPr lang="pt-PT" smtClean="0"/>
-              <a:t>27/12/2020</a:t>
+              <a:t>04/01/2021</a:t>
             </a:fld>
             <a:endParaRPr lang="pt-PT"/>
           </a:p>
@@ -7216,7 +7216,7 @@
           <a:p>
             <a:fld id="{2A2B9A31-2C19-477D-B1A5-188153B08B11}" type="datetime1">
               <a:rPr lang="pt-PT" smtClean="0"/>
-              <a:t>27/12/2020</a:t>
+              <a:t>04/01/2021</a:t>
             </a:fld>
             <a:endParaRPr lang="pt-PT"/>
           </a:p>
@@ -7389,7 +7389,7 @@
           <a:p>
             <a:fld id="{917FAF22-9758-4D36-8C39-FBAB9C6B0E56}" type="datetime1">
               <a:rPr lang="pt-PT" smtClean="0"/>
-              <a:t>27/12/2020</a:t>
+              <a:t>04/01/2021</a:t>
             </a:fld>
             <a:endParaRPr lang="pt-PT"/>
           </a:p>
@@ -7572,7 +7572,7 @@
           <a:p>
             <a:fld id="{22A86143-14B8-4393-8072-6285109451CD}" type="datetime1">
               <a:rPr lang="pt-PT" smtClean="0"/>
-              <a:t>27/12/2020</a:t>
+              <a:t>04/01/2021</a:t>
             </a:fld>
             <a:endParaRPr lang="pt-PT"/>
           </a:p>
@@ -7745,7 +7745,7 @@
           <a:p>
             <a:fld id="{AF72628B-060C-4ECB-955E-D39E4333B094}" type="datetime1">
               <a:rPr lang="pt-PT" smtClean="0"/>
-              <a:t>27/12/2020</a:t>
+              <a:t>04/01/2021</a:t>
             </a:fld>
             <a:endParaRPr lang="pt-PT"/>
           </a:p>
@@ -7998,7 +7998,7 @@
           <a:p>
             <a:fld id="{BFF7688C-C1A7-4ADF-844C-914343A5196F}" type="datetime1">
               <a:rPr lang="pt-PT" smtClean="0"/>
-              <a:t>27/12/2020</a:t>
+              <a:t>04/01/2021</a:t>
             </a:fld>
             <a:endParaRPr lang="pt-PT"/>
           </a:p>
@@ -8233,7 +8233,7 @@
           <a:p>
             <a:fld id="{1F636DAA-B9A4-4BD7-8FA9-71C8178E0C2D}" type="datetime1">
               <a:rPr lang="pt-PT" smtClean="0"/>
-              <a:t>27/12/2020</a:t>
+              <a:t>04/01/2021</a:t>
             </a:fld>
             <a:endParaRPr lang="pt-PT"/>
           </a:p>
@@ -8617,7 +8617,7 @@
           <a:p>
             <a:fld id="{6BA687B3-4116-4224-95AC-60ED592E9AE2}" type="datetime1">
               <a:rPr lang="pt-PT" smtClean="0"/>
-              <a:t>27/12/2020</a:t>
+              <a:t>04/01/2021</a:t>
             </a:fld>
             <a:endParaRPr lang="pt-PT"/>
           </a:p>
@@ -8738,7 +8738,7 @@
           <a:p>
             <a:fld id="{A4D0725B-1634-4FC2-BC65-86DC7EE043BE}" type="datetime1">
               <a:rPr lang="pt-PT" smtClean="0"/>
-              <a:t>27/12/2020</a:t>
+              <a:t>04/01/2021</a:t>
             </a:fld>
             <a:endParaRPr lang="pt-PT"/>
           </a:p>
@@ -8836,7 +8836,7 @@
           <a:p>
             <a:fld id="{5E0B111F-DDAD-46F2-AF00-A2166420382E}" type="datetime1">
               <a:rPr lang="pt-PT" smtClean="0"/>
-              <a:t>27/12/2020</a:t>
+              <a:t>04/01/2021</a:t>
             </a:fld>
             <a:endParaRPr lang="pt-PT"/>
           </a:p>
@@ -9088,7 +9088,7 @@
           <a:p>
             <a:fld id="{D34684B5-5D91-4586-A091-85811B1BBCE7}" type="datetime1">
               <a:rPr lang="pt-PT" smtClean="0"/>
-              <a:t>27/12/2020</a:t>
+              <a:t>04/01/2021</a:t>
             </a:fld>
             <a:endParaRPr lang="pt-PT"/>
           </a:p>
@@ -9371,7 +9371,7 @@
           <a:p>
             <a:fld id="{C02CEE88-EDC7-409F-915E-E3F464B307F7}" type="datetime1">
               <a:rPr lang="pt-PT" smtClean="0"/>
-              <a:t>27/12/2020</a:t>
+              <a:t>04/01/2021</a:t>
             </a:fld>
             <a:endParaRPr lang="pt-PT"/>
           </a:p>
@@ -9497,7 +9497,7 @@
           <a:noFill/>
           <a:extLst>
             <a:ext uri="{909E8E84-426E-40dd-AFC4-6F175D3DCCD1}">
-              <a14:hiddenFill xmlns="" xmlns:a14="http://schemas.microsoft.com/office/drawing/2010/main">
+              <a14:hiddenFill xmlns:a14="http://schemas.microsoft.com/office/drawing/2010/main" xmlns="">
                 <a:solidFill>
                   <a:srgbClr val="FFFFFF"/>
                 </a:solidFill>
@@ -9571,7 +9571,7 @@
               </a:ln>
               <a:extLst>
                 <a:ext uri="{91240B29-F687-4f45-9708-019B960494DF}">
-                  <a14:hiddenLine xmlns="" xmlns:a14="http://schemas.microsoft.com/office/drawing/2010/main" w="9525">
+                  <a14:hiddenLine xmlns:a14="http://schemas.microsoft.com/office/drawing/2010/main" xmlns="" w="9525">
                     <a:solidFill>
                       <a:srgbClr val="000000"/>
                     </a:solidFill>
@@ -9661,7 +9661,7 @@
               </a:ln>
               <a:extLst>
                 <a:ext uri="{91240B29-F687-4f45-9708-019B960494DF}">
-                  <a14:hiddenLine xmlns="" xmlns:a14="http://schemas.microsoft.com/office/drawing/2010/main" w="9525">
+                  <a14:hiddenLine xmlns:a14="http://schemas.microsoft.com/office/drawing/2010/main" xmlns="" w="9525">
                     <a:solidFill>
                       <a:srgbClr val="000000"/>
                     </a:solidFill>
@@ -9751,7 +9751,7 @@
               </a:ln>
               <a:extLst>
                 <a:ext uri="{91240B29-F687-4f45-9708-019B960494DF}">
-                  <a14:hiddenLine xmlns="" xmlns:a14="http://schemas.microsoft.com/office/drawing/2010/main" w="9525">
+                  <a14:hiddenLine xmlns:a14="http://schemas.microsoft.com/office/drawing/2010/main" xmlns="" w="9525">
                     <a:solidFill>
                       <a:srgbClr val="000000"/>
                     </a:solidFill>
@@ -9813,7 +9813,7 @@
               </a:ln>
               <a:extLst>
                 <a:ext uri="{91240B29-F687-4f45-9708-019B960494DF}">
-                  <a14:hiddenLine xmlns="" xmlns:a14="http://schemas.microsoft.com/office/drawing/2010/main" w="9525">
+                  <a14:hiddenLine xmlns:a14="http://schemas.microsoft.com/office/drawing/2010/main" xmlns="" w="9525">
                     <a:solidFill>
                       <a:srgbClr val="000000"/>
                     </a:solidFill>
@@ -9903,7 +9903,7 @@
               </a:ln>
               <a:extLst>
                 <a:ext uri="{91240B29-F687-4f45-9708-019B960494DF}">
-                  <a14:hiddenLine xmlns="" xmlns:a14="http://schemas.microsoft.com/office/drawing/2010/main" w="9525">
+                  <a14:hiddenLine xmlns:a14="http://schemas.microsoft.com/office/drawing/2010/main" xmlns="" w="9525">
                     <a:solidFill>
                       <a:srgbClr val="000000"/>
                     </a:solidFill>
@@ -9965,7 +9965,7 @@
               </a:ln>
               <a:extLst>
                 <a:ext uri="{91240B29-F687-4f45-9708-019B960494DF}">
-                  <a14:hiddenLine xmlns="" xmlns:a14="http://schemas.microsoft.com/office/drawing/2010/main" w="9525">
+                  <a14:hiddenLine xmlns:a14="http://schemas.microsoft.com/office/drawing/2010/main" xmlns="" w="9525">
                     <a:solidFill>
                       <a:srgbClr val="000000"/>
                     </a:solidFill>
@@ -10027,7 +10027,7 @@
               </a:ln>
               <a:extLst>
                 <a:ext uri="{91240B29-F687-4f45-9708-019B960494DF}">
-                  <a14:hiddenLine xmlns="" xmlns:a14="http://schemas.microsoft.com/office/drawing/2010/main" w="9525">
+                  <a14:hiddenLine xmlns:a14="http://schemas.microsoft.com/office/drawing/2010/main" xmlns="" w="9525">
                     <a:solidFill>
                       <a:srgbClr val="000000"/>
                     </a:solidFill>
@@ -10117,7 +10117,7 @@
               </a:ln>
               <a:extLst>
                 <a:ext uri="{91240B29-F687-4f45-9708-019B960494DF}">
-                  <a14:hiddenLine xmlns="" xmlns:a14="http://schemas.microsoft.com/office/drawing/2010/main" w="9525">
+                  <a14:hiddenLine xmlns:a14="http://schemas.microsoft.com/office/drawing/2010/main" xmlns="" w="9525">
                     <a:solidFill>
                       <a:srgbClr val="000000"/>
                     </a:solidFill>
@@ -10207,7 +10207,7 @@
               </a:ln>
               <a:extLst>
                 <a:ext uri="{91240B29-F687-4f45-9708-019B960494DF}">
-                  <a14:hiddenLine xmlns="" xmlns:a14="http://schemas.microsoft.com/office/drawing/2010/main" w="9525">
+                  <a14:hiddenLine xmlns:a14="http://schemas.microsoft.com/office/drawing/2010/main" xmlns="" w="9525">
                     <a:solidFill>
                       <a:srgbClr val="000000"/>
                     </a:solidFill>
@@ -10269,7 +10269,7 @@
               </a:ln>
               <a:extLst>
                 <a:ext uri="{91240B29-F687-4f45-9708-019B960494DF}">
-                  <a14:hiddenLine xmlns="" xmlns:a14="http://schemas.microsoft.com/office/drawing/2010/main" w="9525">
+                  <a14:hiddenLine xmlns:a14="http://schemas.microsoft.com/office/drawing/2010/main" xmlns="" w="9525">
                     <a:solidFill>
                       <a:srgbClr val="000000"/>
                     </a:solidFill>
@@ -10379,7 +10379,7 @@
               </a:ln>
               <a:extLst>
                 <a:ext uri="{91240B29-F687-4f45-9708-019B960494DF}">
-                  <a14:hiddenLine xmlns="" xmlns:a14="http://schemas.microsoft.com/office/drawing/2010/main" w="9525">
+                  <a14:hiddenLine xmlns:a14="http://schemas.microsoft.com/office/drawing/2010/main" xmlns="" w="9525">
                     <a:solidFill>
                       <a:srgbClr val="000000"/>
                     </a:solidFill>
@@ -10463,7 +10463,7 @@
               </a:ln>
               <a:extLst>
                 <a:ext uri="{91240B29-F687-4f45-9708-019B960494DF}">
-                  <a14:hiddenLine xmlns="" xmlns:a14="http://schemas.microsoft.com/office/drawing/2010/main" w="9525">
+                  <a14:hiddenLine xmlns:a14="http://schemas.microsoft.com/office/drawing/2010/main" xmlns="" w="9525">
                     <a:solidFill>
                       <a:srgbClr val="000000"/>
                     </a:solidFill>
@@ -10525,7 +10525,7 @@
               </a:ln>
               <a:extLst>
                 <a:ext uri="{91240B29-F687-4f45-9708-019B960494DF}">
-                  <a14:hiddenLine xmlns="" xmlns:a14="http://schemas.microsoft.com/office/drawing/2010/main" w="9525">
+                  <a14:hiddenLine xmlns:a14="http://schemas.microsoft.com/office/drawing/2010/main" xmlns="" w="9525">
                     <a:solidFill>
                       <a:srgbClr val="000000"/>
                     </a:solidFill>
@@ -10587,7 +10587,7 @@
               </a:ln>
               <a:extLst>
                 <a:ext uri="{91240B29-F687-4f45-9708-019B960494DF}">
-                  <a14:hiddenLine xmlns="" xmlns:a14="http://schemas.microsoft.com/office/drawing/2010/main" w="9525">
+                  <a14:hiddenLine xmlns:a14="http://schemas.microsoft.com/office/drawing/2010/main" xmlns="" w="9525">
                     <a:solidFill>
                       <a:srgbClr val="000000"/>
                     </a:solidFill>
@@ -10677,7 +10677,7 @@
               </a:ln>
               <a:extLst>
                 <a:ext uri="{91240B29-F687-4f45-9708-019B960494DF}">
-                  <a14:hiddenLine xmlns="" xmlns:a14="http://schemas.microsoft.com/office/drawing/2010/main" w="9525">
+                  <a14:hiddenLine xmlns:a14="http://schemas.microsoft.com/office/drawing/2010/main" xmlns="" w="9525">
                     <a:solidFill>
                       <a:srgbClr val="000000"/>
                     </a:solidFill>
@@ -10711,7 +10711,7 @@
               </a:ln>
               <a:extLst>
                 <a:ext uri="{91240B29-F687-4f45-9708-019B960494DF}">
-                  <a14:hiddenLine xmlns="" xmlns:a14="http://schemas.microsoft.com/office/drawing/2010/main" w="9525">
+                  <a14:hiddenLine xmlns:a14="http://schemas.microsoft.com/office/drawing/2010/main" xmlns="" w="9525">
                     <a:solidFill>
                       <a:srgbClr val="000000"/>
                     </a:solidFill>
@@ -10776,7 +10776,7 @@
               </a:ln>
               <a:extLst>
                 <a:ext uri="{91240B29-F687-4f45-9708-019B960494DF}">
-                  <a14:hiddenLine xmlns="" xmlns:a14="http://schemas.microsoft.com/office/drawing/2010/main" w="9525">
+                  <a14:hiddenLine xmlns:a14="http://schemas.microsoft.com/office/drawing/2010/main" xmlns="" w="9525">
                     <a:solidFill>
                       <a:srgbClr val="000000"/>
                     </a:solidFill>
@@ -10866,7 +10866,7 @@
               </a:ln>
               <a:extLst>
                 <a:ext uri="{91240B29-F687-4f45-9708-019B960494DF}">
-                  <a14:hiddenLine xmlns="" xmlns:a14="http://schemas.microsoft.com/office/drawing/2010/main" w="9525">
+                  <a14:hiddenLine xmlns:a14="http://schemas.microsoft.com/office/drawing/2010/main" xmlns="" w="9525">
                     <a:solidFill>
                       <a:srgbClr val="000000"/>
                     </a:solidFill>
@@ -10928,7 +10928,7 @@
               </a:ln>
               <a:extLst>
                 <a:ext uri="{91240B29-F687-4f45-9708-019B960494DF}">
-                  <a14:hiddenLine xmlns="" xmlns:a14="http://schemas.microsoft.com/office/drawing/2010/main" w="9525">
+                  <a14:hiddenLine xmlns:a14="http://schemas.microsoft.com/office/drawing/2010/main" xmlns="" w="9525">
                     <a:solidFill>
                       <a:srgbClr val="000000"/>
                     </a:solidFill>
@@ -11018,7 +11018,7 @@
               </a:ln>
               <a:extLst>
                 <a:ext uri="{91240B29-F687-4f45-9708-019B960494DF}">
-                  <a14:hiddenLine xmlns="" xmlns:a14="http://schemas.microsoft.com/office/drawing/2010/main" w="9525">
+                  <a14:hiddenLine xmlns:a14="http://schemas.microsoft.com/office/drawing/2010/main" xmlns="" w="9525">
                     <a:solidFill>
                       <a:srgbClr val="000000"/>
                     </a:solidFill>
@@ -11083,7 +11083,7 @@
               </a:ln>
               <a:extLst>
                 <a:ext uri="{91240B29-F687-4f45-9708-019B960494DF}">
-                  <a14:hiddenLine xmlns="" xmlns:a14="http://schemas.microsoft.com/office/drawing/2010/main" w="9525">
+                  <a14:hiddenLine xmlns:a14="http://schemas.microsoft.com/office/drawing/2010/main" xmlns="" w="9525">
                     <a:solidFill>
                       <a:srgbClr val="000000"/>
                     </a:solidFill>
@@ -11145,7 +11145,7 @@
               </a:ln>
               <a:extLst>
                 <a:ext uri="{91240B29-F687-4f45-9708-019B960494DF}">
-                  <a14:hiddenLine xmlns="" xmlns:a14="http://schemas.microsoft.com/office/drawing/2010/main" w="9525">
+                  <a14:hiddenLine xmlns:a14="http://schemas.microsoft.com/office/drawing/2010/main" xmlns="" w="9525">
                     <a:solidFill>
                       <a:srgbClr val="000000"/>
                     </a:solidFill>
@@ -11235,7 +11235,7 @@
               </a:ln>
               <a:extLst>
                 <a:ext uri="{91240B29-F687-4f45-9708-019B960494DF}">
-                  <a14:hiddenLine xmlns="" xmlns:a14="http://schemas.microsoft.com/office/drawing/2010/main" w="9525">
+                  <a14:hiddenLine xmlns:a14="http://schemas.microsoft.com/office/drawing/2010/main" xmlns="" w="9525">
                     <a:solidFill>
                       <a:srgbClr val="000000"/>
                     </a:solidFill>
@@ -11325,7 +11325,7 @@
               </a:ln>
               <a:extLst>
                 <a:ext uri="{91240B29-F687-4f45-9708-019B960494DF}">
-                  <a14:hiddenLine xmlns="" xmlns:a14="http://schemas.microsoft.com/office/drawing/2010/main" w="9525">
+                  <a14:hiddenLine xmlns:a14="http://schemas.microsoft.com/office/drawing/2010/main" xmlns="" w="9525">
                     <a:solidFill>
                       <a:srgbClr val="000000"/>
                     </a:solidFill>
@@ -11390,7 +11390,7 @@
               </a:ln>
               <a:extLst>
                 <a:ext uri="{91240B29-F687-4f45-9708-019B960494DF}">
-                  <a14:hiddenLine xmlns="" xmlns:a14="http://schemas.microsoft.com/office/drawing/2010/main" w="9525">
+                  <a14:hiddenLine xmlns:a14="http://schemas.microsoft.com/office/drawing/2010/main" xmlns="" w="9525">
                     <a:solidFill>
                       <a:srgbClr val="000000"/>
                     </a:solidFill>
@@ -11510,7 +11510,7 @@
               </a:ln>
               <a:extLst>
                 <a:ext uri="{91240B29-F687-4f45-9708-019B960494DF}">
-                  <a14:hiddenLine xmlns="" xmlns:a14="http://schemas.microsoft.com/office/drawing/2010/main" w="9525">
+                  <a14:hiddenLine xmlns:a14="http://schemas.microsoft.com/office/drawing/2010/main" xmlns="" w="9525">
                     <a:solidFill>
                       <a:srgbClr val="000000"/>
                     </a:solidFill>
@@ -11591,7 +11591,7 @@
               </a:ln>
               <a:extLst>
                 <a:ext uri="{91240B29-F687-4f45-9708-019B960494DF}">
-                  <a14:hiddenLine xmlns="" xmlns:a14="http://schemas.microsoft.com/office/drawing/2010/main" w="9525">
+                  <a14:hiddenLine xmlns:a14="http://schemas.microsoft.com/office/drawing/2010/main" xmlns="" w="9525">
                     <a:solidFill>
                       <a:srgbClr val="000000"/>
                     </a:solidFill>
@@ -11706,7 +11706,7 @@
               </a:ln>
               <a:extLst>
                 <a:ext uri="{91240B29-F687-4f45-9708-019B960494DF}">
-                  <a14:hiddenLine xmlns="" xmlns:a14="http://schemas.microsoft.com/office/drawing/2010/main" w="9525">
+                  <a14:hiddenLine xmlns:a14="http://schemas.microsoft.com/office/drawing/2010/main" xmlns="" w="9525">
                     <a:solidFill>
                       <a:srgbClr val="000000"/>
                     </a:solidFill>
@@ -11796,7 +11796,7 @@
               </a:ln>
               <a:extLst>
                 <a:ext uri="{91240B29-F687-4f45-9708-019B960494DF}">
-                  <a14:hiddenLine xmlns="" xmlns:a14="http://schemas.microsoft.com/office/drawing/2010/main" w="9525">
+                  <a14:hiddenLine xmlns:a14="http://schemas.microsoft.com/office/drawing/2010/main" xmlns="" w="9525">
                     <a:solidFill>
                       <a:srgbClr val="000000"/>
                     </a:solidFill>
@@ -11861,7 +11861,7 @@
               </a:ln>
               <a:extLst>
                 <a:ext uri="{91240B29-F687-4f45-9708-019B960494DF}">
-                  <a14:hiddenLine xmlns="" xmlns:a14="http://schemas.microsoft.com/office/drawing/2010/main" w="9525">
+                  <a14:hiddenLine xmlns:a14="http://schemas.microsoft.com/office/drawing/2010/main" xmlns="" w="9525">
                     <a:solidFill>
                       <a:srgbClr val="000000"/>
                     </a:solidFill>
@@ -11951,7 +11951,7 @@
               </a:ln>
               <a:extLst>
                 <a:ext uri="{91240B29-F687-4f45-9708-019B960494DF}">
-                  <a14:hiddenLine xmlns="" xmlns:a14="http://schemas.microsoft.com/office/drawing/2010/main" w="9525">
+                  <a14:hiddenLine xmlns:a14="http://schemas.microsoft.com/office/drawing/2010/main" xmlns="" w="9525">
                     <a:solidFill>
                       <a:srgbClr val="000000"/>
                     </a:solidFill>
@@ -12019,7 +12019,7 @@
               </a:ln>
               <a:extLst>
                 <a:ext uri="{91240B29-F687-4f45-9708-019B960494DF}">
-                  <a14:hiddenLine xmlns="" xmlns:a14="http://schemas.microsoft.com/office/drawing/2010/main" w="9525">
+                  <a14:hiddenLine xmlns:a14="http://schemas.microsoft.com/office/drawing/2010/main" xmlns="" w="9525">
                     <a:solidFill>
                       <a:srgbClr val="000000"/>
                     </a:solidFill>
@@ -12109,7 +12109,7 @@
               </a:ln>
               <a:extLst>
                 <a:ext uri="{91240B29-F687-4f45-9708-019B960494DF}">
-                  <a14:hiddenLine xmlns="" xmlns:a14="http://schemas.microsoft.com/office/drawing/2010/main" w="9525">
+                  <a14:hiddenLine xmlns:a14="http://schemas.microsoft.com/office/drawing/2010/main" xmlns="" w="9525">
                     <a:solidFill>
                       <a:srgbClr val="000000"/>
                     </a:solidFill>
@@ -12177,7 +12177,7 @@
               </a:ln>
               <a:extLst>
                 <a:ext uri="{91240B29-F687-4f45-9708-019B960494DF}">
-                  <a14:hiddenLine xmlns="" xmlns:a14="http://schemas.microsoft.com/office/drawing/2010/main" w="9525">
+                  <a14:hiddenLine xmlns:a14="http://schemas.microsoft.com/office/drawing/2010/main" xmlns="" w="9525">
                     <a:solidFill>
                       <a:srgbClr val="000000"/>
                     </a:solidFill>
@@ -12267,7 +12267,7 @@
               </a:ln>
               <a:extLst>
                 <a:ext uri="{91240B29-F687-4f45-9708-019B960494DF}">
-                  <a14:hiddenLine xmlns="" xmlns:a14="http://schemas.microsoft.com/office/drawing/2010/main" w="9525">
+                  <a14:hiddenLine xmlns:a14="http://schemas.microsoft.com/office/drawing/2010/main" xmlns="" w="9525">
                     <a:solidFill>
                       <a:srgbClr val="000000"/>
                     </a:solidFill>
@@ -12301,7 +12301,7 @@
               </a:ln>
               <a:extLst>
                 <a:ext uri="{91240B29-F687-4f45-9708-019B960494DF}">
-                  <a14:hiddenLine xmlns="" xmlns:a14="http://schemas.microsoft.com/office/drawing/2010/main" w="9525">
+                  <a14:hiddenLine xmlns:a14="http://schemas.microsoft.com/office/drawing/2010/main" xmlns="" w="9525">
                     <a:solidFill>
                       <a:srgbClr val="000000"/>
                     </a:solidFill>
@@ -12441,7 +12441,7 @@
           <a:p>
             <a:fld id="{79CFD873-FE55-4C14-B00F-33C689AAB81F}" type="datetime1">
               <a:rPr lang="pt-PT" smtClean="0"/>
-              <a:t>27/12/2020</a:t>
+              <a:t>04/01/2021</a:t>
             </a:fld>
             <a:endParaRPr lang="pt-PT"/>
           </a:p>
@@ -13267,7 +13267,7 @@
             </a:ln>
             <a:extLst>
               <a:ext uri="{91240B29-F687-4f45-9708-019B960494DF}">
-                <a14:hiddenLine xmlns:a14="http://schemas.microsoft.com/office/drawing/2010/main" xmlns:p14="http://schemas.microsoft.com/office/powerpoint/2010/main" xmlns:a16="http://schemas.microsoft.com/office/drawing/2014/main" xmlns="" w="9525">
+                <a14:hiddenLine xmlns="" xmlns:a16="http://schemas.microsoft.com/office/drawing/2014/main" xmlns:p14="http://schemas.microsoft.com/office/powerpoint/2010/main" xmlns:a14="http://schemas.microsoft.com/office/drawing/2010/main" w="9525">
                   <a:solidFill>
                     <a:srgbClr val="000000"/>
                   </a:solidFill>
@@ -13372,7 +13372,7 @@
             </a:ln>
             <a:extLst>
               <a:ext uri="{91240B29-F687-4f45-9708-019B960494DF}">
-                <a14:hiddenLine xmlns:a14="http://schemas.microsoft.com/office/drawing/2010/main" xmlns:p14="http://schemas.microsoft.com/office/powerpoint/2010/main" xmlns:a16="http://schemas.microsoft.com/office/drawing/2014/main" xmlns="" w="9525">
+                <a14:hiddenLine xmlns="" xmlns:a16="http://schemas.microsoft.com/office/drawing/2014/main" xmlns:p14="http://schemas.microsoft.com/office/powerpoint/2010/main" xmlns:a14="http://schemas.microsoft.com/office/drawing/2010/main" w="9525">
                   <a:solidFill>
                     <a:srgbClr val="000000"/>
                   </a:solidFill>
@@ -13477,7 +13477,7 @@
             </a:ln>
             <a:extLst>
               <a:ext uri="{91240B29-F687-4f45-9708-019B960494DF}">
-                <a14:hiddenLine xmlns:a14="http://schemas.microsoft.com/office/drawing/2010/main" xmlns:p14="http://schemas.microsoft.com/office/powerpoint/2010/main" xmlns:a16="http://schemas.microsoft.com/office/drawing/2014/main" xmlns="" w="9525">
+                <a14:hiddenLine xmlns="" xmlns:a16="http://schemas.microsoft.com/office/drawing/2014/main" xmlns:p14="http://schemas.microsoft.com/office/powerpoint/2010/main" xmlns:a14="http://schemas.microsoft.com/office/drawing/2010/main" w="9525">
                   <a:solidFill>
                     <a:srgbClr val="000000"/>
                   </a:solidFill>
@@ -13554,7 +13554,7 @@
             </a:ln>
             <a:extLst>
               <a:ext uri="{91240B29-F687-4f45-9708-019B960494DF}">
-                <a14:hiddenLine xmlns:a14="http://schemas.microsoft.com/office/drawing/2010/main" xmlns:p14="http://schemas.microsoft.com/office/powerpoint/2010/main" xmlns:a16="http://schemas.microsoft.com/office/drawing/2014/main" xmlns="" w="9525">
+                <a14:hiddenLine xmlns="" xmlns:a16="http://schemas.microsoft.com/office/drawing/2014/main" xmlns:p14="http://schemas.microsoft.com/office/powerpoint/2010/main" xmlns:a14="http://schemas.microsoft.com/office/drawing/2010/main" w="9525">
                   <a:solidFill>
                     <a:srgbClr val="000000"/>
                   </a:solidFill>
@@ -13659,7 +13659,7 @@
             </a:ln>
             <a:extLst>
               <a:ext uri="{91240B29-F687-4f45-9708-019B960494DF}">
-                <a14:hiddenLine xmlns:a14="http://schemas.microsoft.com/office/drawing/2010/main" xmlns:p14="http://schemas.microsoft.com/office/powerpoint/2010/main" xmlns:a16="http://schemas.microsoft.com/office/drawing/2014/main" xmlns="" w="9525">
+                <a14:hiddenLine xmlns="" xmlns:a16="http://schemas.microsoft.com/office/drawing/2014/main" xmlns:p14="http://schemas.microsoft.com/office/powerpoint/2010/main" xmlns:a14="http://schemas.microsoft.com/office/drawing/2010/main" w="9525">
                   <a:solidFill>
                     <a:srgbClr val="000000"/>
                   </a:solidFill>
@@ -13736,7 +13736,7 @@
             </a:ln>
             <a:extLst>
               <a:ext uri="{91240B29-F687-4f45-9708-019B960494DF}">
-                <a14:hiddenLine xmlns:a14="http://schemas.microsoft.com/office/drawing/2010/main" xmlns:p14="http://schemas.microsoft.com/office/powerpoint/2010/main" xmlns:a16="http://schemas.microsoft.com/office/drawing/2014/main" xmlns="" w="9525">
+                <a14:hiddenLine xmlns="" xmlns:a16="http://schemas.microsoft.com/office/drawing/2014/main" xmlns:p14="http://schemas.microsoft.com/office/powerpoint/2010/main" xmlns:a14="http://schemas.microsoft.com/office/drawing/2010/main" w="9525">
                   <a:solidFill>
                     <a:srgbClr val="000000"/>
                   </a:solidFill>
@@ -13813,7 +13813,7 @@
             </a:ln>
             <a:extLst>
               <a:ext uri="{91240B29-F687-4f45-9708-019B960494DF}">
-                <a14:hiddenLine xmlns:a14="http://schemas.microsoft.com/office/drawing/2010/main" xmlns:p14="http://schemas.microsoft.com/office/powerpoint/2010/main" xmlns:a16="http://schemas.microsoft.com/office/drawing/2014/main" xmlns="" w="9525">
+                <a14:hiddenLine xmlns="" xmlns:a16="http://schemas.microsoft.com/office/drawing/2014/main" xmlns:p14="http://schemas.microsoft.com/office/powerpoint/2010/main" xmlns:a14="http://schemas.microsoft.com/office/drawing/2010/main" w="9525">
                   <a:solidFill>
                     <a:srgbClr val="000000"/>
                   </a:solidFill>
@@ -13918,7 +13918,7 @@
             </a:ln>
             <a:extLst>
               <a:ext uri="{91240B29-F687-4f45-9708-019B960494DF}">
-                <a14:hiddenLine xmlns:a14="http://schemas.microsoft.com/office/drawing/2010/main" xmlns:p14="http://schemas.microsoft.com/office/powerpoint/2010/main" xmlns:a16="http://schemas.microsoft.com/office/drawing/2014/main" xmlns="" w="9525">
+                <a14:hiddenLine xmlns="" xmlns:a16="http://schemas.microsoft.com/office/drawing/2014/main" xmlns:p14="http://schemas.microsoft.com/office/powerpoint/2010/main" xmlns:a14="http://schemas.microsoft.com/office/drawing/2010/main" w="9525">
                   <a:solidFill>
                     <a:srgbClr val="000000"/>
                   </a:solidFill>
@@ -14023,7 +14023,7 @@
             </a:ln>
             <a:extLst>
               <a:ext uri="{91240B29-F687-4f45-9708-019B960494DF}">
-                <a14:hiddenLine xmlns:a14="http://schemas.microsoft.com/office/drawing/2010/main" xmlns:p14="http://schemas.microsoft.com/office/powerpoint/2010/main" xmlns:a16="http://schemas.microsoft.com/office/drawing/2014/main" xmlns="" w="9525">
+                <a14:hiddenLine xmlns="" xmlns:a16="http://schemas.microsoft.com/office/drawing/2014/main" xmlns:p14="http://schemas.microsoft.com/office/powerpoint/2010/main" xmlns:a14="http://schemas.microsoft.com/office/drawing/2010/main" w="9525">
                   <a:solidFill>
                     <a:srgbClr val="000000"/>
                   </a:solidFill>
@@ -14100,7 +14100,7 @@
             </a:ln>
             <a:extLst>
               <a:ext uri="{91240B29-F687-4f45-9708-019B960494DF}">
-                <a14:hiddenLine xmlns:a14="http://schemas.microsoft.com/office/drawing/2010/main" xmlns:p14="http://schemas.microsoft.com/office/powerpoint/2010/main" xmlns:a16="http://schemas.microsoft.com/office/drawing/2014/main" xmlns="" w="9525">
+                <a14:hiddenLine xmlns="" xmlns:a16="http://schemas.microsoft.com/office/drawing/2014/main" xmlns:p14="http://schemas.microsoft.com/office/powerpoint/2010/main" xmlns:a14="http://schemas.microsoft.com/office/drawing/2010/main" w="9525">
                   <a:solidFill>
                     <a:srgbClr val="000000"/>
                   </a:solidFill>
@@ -14225,7 +14225,7 @@
             </a:ln>
             <a:extLst>
               <a:ext uri="{91240B29-F687-4f45-9708-019B960494DF}">
-                <a14:hiddenLine xmlns:a14="http://schemas.microsoft.com/office/drawing/2010/main" xmlns:p14="http://schemas.microsoft.com/office/powerpoint/2010/main" xmlns:a16="http://schemas.microsoft.com/office/drawing/2014/main" xmlns="" w="9525">
+                <a14:hiddenLine xmlns="" xmlns:a16="http://schemas.microsoft.com/office/drawing/2014/main" xmlns:p14="http://schemas.microsoft.com/office/powerpoint/2010/main" xmlns:a14="http://schemas.microsoft.com/office/drawing/2010/main" w="9525">
                   <a:solidFill>
                     <a:srgbClr val="000000"/>
                   </a:solidFill>
@@ -14339,7 +14339,7 @@
             </a:ln>
             <a:extLst>
               <a:ext uri="{91240B29-F687-4f45-9708-019B960494DF}">
-                <a14:hiddenLine xmlns:a14="http://schemas.microsoft.com/office/drawing/2010/main" xmlns:p14="http://schemas.microsoft.com/office/powerpoint/2010/main" xmlns:a16="http://schemas.microsoft.com/office/drawing/2014/main" xmlns="" w="9525">
+                <a14:hiddenLine xmlns="" xmlns:a16="http://schemas.microsoft.com/office/drawing/2014/main" xmlns:p14="http://schemas.microsoft.com/office/powerpoint/2010/main" xmlns:a14="http://schemas.microsoft.com/office/drawing/2010/main" w="9525">
                   <a:solidFill>
                     <a:srgbClr val="000000"/>
                   </a:solidFill>
@@ -14416,7 +14416,7 @@
             </a:ln>
             <a:extLst>
               <a:ext uri="{91240B29-F687-4f45-9708-019B960494DF}">
-                <a14:hiddenLine xmlns:a14="http://schemas.microsoft.com/office/drawing/2010/main" xmlns:p14="http://schemas.microsoft.com/office/powerpoint/2010/main" xmlns:a16="http://schemas.microsoft.com/office/drawing/2014/main" xmlns="" w="9525">
+                <a14:hiddenLine xmlns="" xmlns:a16="http://schemas.microsoft.com/office/drawing/2014/main" xmlns:p14="http://schemas.microsoft.com/office/powerpoint/2010/main" xmlns:a14="http://schemas.microsoft.com/office/drawing/2010/main" w="9525">
                   <a:solidFill>
                     <a:srgbClr val="000000"/>
                   </a:solidFill>
@@ -14493,7 +14493,7 @@
             </a:ln>
             <a:extLst>
               <a:ext uri="{91240B29-F687-4f45-9708-019B960494DF}">
-                <a14:hiddenLine xmlns:a14="http://schemas.microsoft.com/office/drawing/2010/main" xmlns:p14="http://schemas.microsoft.com/office/powerpoint/2010/main" xmlns:a16="http://schemas.microsoft.com/office/drawing/2014/main" xmlns="" w="9525">
+                <a14:hiddenLine xmlns="" xmlns:a16="http://schemas.microsoft.com/office/drawing/2014/main" xmlns:p14="http://schemas.microsoft.com/office/powerpoint/2010/main" xmlns:a14="http://schemas.microsoft.com/office/drawing/2010/main" w="9525">
                   <a:solidFill>
                     <a:srgbClr val="000000"/>
                   </a:solidFill>
@@ -14598,7 +14598,7 @@
             </a:ln>
             <a:extLst>
               <a:ext uri="{91240B29-F687-4f45-9708-019B960494DF}">
-                <a14:hiddenLine xmlns:a14="http://schemas.microsoft.com/office/drawing/2010/main" xmlns:p14="http://schemas.microsoft.com/office/powerpoint/2010/main" xmlns:a16="http://schemas.microsoft.com/office/drawing/2014/main" xmlns="" w="9525">
+                <a14:hiddenLine xmlns="" xmlns:a16="http://schemas.microsoft.com/office/drawing/2014/main" xmlns:p14="http://schemas.microsoft.com/office/powerpoint/2010/main" xmlns:a14="http://schemas.microsoft.com/office/drawing/2010/main" w="9525">
                   <a:solidFill>
                     <a:srgbClr val="000000"/>
                   </a:solidFill>
@@ -14647,7 +14647,7 @@
             </a:ln>
             <a:extLst>
               <a:ext uri="{91240B29-F687-4f45-9708-019B960494DF}">
-                <a14:hiddenLine xmlns:a14="http://schemas.microsoft.com/office/drawing/2010/main" xmlns:p14="http://schemas.microsoft.com/office/powerpoint/2010/main" xmlns:a16="http://schemas.microsoft.com/office/drawing/2014/main" xmlns="" w="9525">
+                <a14:hiddenLine xmlns="" xmlns:a16="http://schemas.microsoft.com/office/drawing/2014/main" xmlns:p14="http://schemas.microsoft.com/office/powerpoint/2010/main" xmlns:a14="http://schemas.microsoft.com/office/drawing/2010/main" w="9525">
                   <a:solidFill>
                     <a:srgbClr val="000000"/>
                   </a:solidFill>
@@ -14727,7 +14727,7 @@
             </a:ln>
             <a:extLst>
               <a:ext uri="{91240B29-F687-4f45-9708-019B960494DF}">
-                <a14:hiddenLine xmlns:a14="http://schemas.microsoft.com/office/drawing/2010/main" xmlns:p14="http://schemas.microsoft.com/office/powerpoint/2010/main" xmlns:a16="http://schemas.microsoft.com/office/drawing/2014/main" xmlns="" w="9525">
+                <a14:hiddenLine xmlns="" xmlns:a16="http://schemas.microsoft.com/office/drawing/2014/main" xmlns:p14="http://schemas.microsoft.com/office/powerpoint/2010/main" xmlns:a14="http://schemas.microsoft.com/office/drawing/2010/main" w="9525">
                   <a:solidFill>
                     <a:srgbClr val="000000"/>
                   </a:solidFill>
@@ -14832,7 +14832,7 @@
             </a:ln>
             <a:extLst>
               <a:ext uri="{91240B29-F687-4f45-9708-019B960494DF}">
-                <a14:hiddenLine xmlns:a14="http://schemas.microsoft.com/office/drawing/2010/main" xmlns:p14="http://schemas.microsoft.com/office/powerpoint/2010/main" xmlns:a16="http://schemas.microsoft.com/office/drawing/2014/main" xmlns="" w="9525">
+                <a14:hiddenLine xmlns="" xmlns:a16="http://schemas.microsoft.com/office/drawing/2014/main" xmlns:p14="http://schemas.microsoft.com/office/powerpoint/2010/main" xmlns:a14="http://schemas.microsoft.com/office/drawing/2010/main" w="9525">
                   <a:solidFill>
                     <a:srgbClr val="000000"/>
                   </a:solidFill>
@@ -14909,7 +14909,7 @@
             </a:ln>
             <a:extLst>
               <a:ext uri="{91240B29-F687-4f45-9708-019B960494DF}">
-                <a14:hiddenLine xmlns:a14="http://schemas.microsoft.com/office/drawing/2010/main" xmlns:p14="http://schemas.microsoft.com/office/powerpoint/2010/main" xmlns:a16="http://schemas.microsoft.com/office/drawing/2014/main" xmlns="" w="9525">
+                <a14:hiddenLine xmlns="" xmlns:a16="http://schemas.microsoft.com/office/drawing/2014/main" xmlns:p14="http://schemas.microsoft.com/office/powerpoint/2010/main" xmlns:a14="http://schemas.microsoft.com/office/drawing/2010/main" w="9525">
                   <a:solidFill>
                     <a:srgbClr val="000000"/>
                   </a:solidFill>
@@ -15014,7 +15014,7 @@
             </a:ln>
             <a:extLst>
               <a:ext uri="{91240B29-F687-4f45-9708-019B960494DF}">
-                <a14:hiddenLine xmlns:a14="http://schemas.microsoft.com/office/drawing/2010/main" xmlns:p14="http://schemas.microsoft.com/office/powerpoint/2010/main" xmlns:a16="http://schemas.microsoft.com/office/drawing/2014/main" xmlns="" w="9525">
+                <a14:hiddenLine xmlns="" xmlns:a16="http://schemas.microsoft.com/office/drawing/2014/main" xmlns:p14="http://schemas.microsoft.com/office/powerpoint/2010/main" xmlns:a14="http://schemas.microsoft.com/office/drawing/2010/main" w="9525">
                   <a:solidFill>
                     <a:srgbClr val="000000"/>
                   </a:solidFill>
@@ -15094,7 +15094,7 @@
             </a:ln>
             <a:extLst>
               <a:ext uri="{91240B29-F687-4f45-9708-019B960494DF}">
-                <a14:hiddenLine xmlns:a14="http://schemas.microsoft.com/office/drawing/2010/main" xmlns:p14="http://schemas.microsoft.com/office/powerpoint/2010/main" xmlns:a16="http://schemas.microsoft.com/office/drawing/2014/main" xmlns="" w="9525">
+                <a14:hiddenLine xmlns="" xmlns:a16="http://schemas.microsoft.com/office/drawing/2014/main" xmlns:p14="http://schemas.microsoft.com/office/powerpoint/2010/main" xmlns:a14="http://schemas.microsoft.com/office/drawing/2010/main" w="9525">
                   <a:solidFill>
                     <a:srgbClr val="000000"/>
                   </a:solidFill>
@@ -15171,7 +15171,7 @@
             </a:ln>
             <a:extLst>
               <a:ext uri="{91240B29-F687-4f45-9708-019B960494DF}">
-                <a14:hiddenLine xmlns:a14="http://schemas.microsoft.com/office/drawing/2010/main" xmlns:p14="http://schemas.microsoft.com/office/powerpoint/2010/main" xmlns:a16="http://schemas.microsoft.com/office/drawing/2014/main" xmlns="" w="9525">
+                <a14:hiddenLine xmlns="" xmlns:a16="http://schemas.microsoft.com/office/drawing/2014/main" xmlns:p14="http://schemas.microsoft.com/office/powerpoint/2010/main" xmlns:a14="http://schemas.microsoft.com/office/drawing/2010/main" w="9525">
                   <a:solidFill>
                     <a:srgbClr val="000000"/>
                   </a:solidFill>
@@ -15276,7 +15276,7 @@
             </a:ln>
             <a:extLst>
               <a:ext uri="{91240B29-F687-4f45-9708-019B960494DF}">
-                <a14:hiddenLine xmlns:a14="http://schemas.microsoft.com/office/drawing/2010/main" xmlns:p14="http://schemas.microsoft.com/office/powerpoint/2010/main" xmlns:a16="http://schemas.microsoft.com/office/drawing/2014/main" xmlns="" w="9525">
+                <a14:hiddenLine xmlns="" xmlns:a16="http://schemas.microsoft.com/office/drawing/2014/main" xmlns:p14="http://schemas.microsoft.com/office/powerpoint/2010/main" xmlns:a14="http://schemas.microsoft.com/office/drawing/2010/main" w="9525">
                   <a:solidFill>
                     <a:srgbClr val="000000"/>
                   </a:solidFill>
@@ -15381,7 +15381,7 @@
             </a:ln>
             <a:extLst>
               <a:ext uri="{91240B29-F687-4f45-9708-019B960494DF}">
-                <a14:hiddenLine xmlns:a14="http://schemas.microsoft.com/office/drawing/2010/main" xmlns:p14="http://schemas.microsoft.com/office/powerpoint/2010/main" xmlns:a16="http://schemas.microsoft.com/office/drawing/2014/main" xmlns="" w="9525">
+                <a14:hiddenLine xmlns="" xmlns:a16="http://schemas.microsoft.com/office/drawing/2014/main" xmlns:p14="http://schemas.microsoft.com/office/powerpoint/2010/main" xmlns:a14="http://schemas.microsoft.com/office/drawing/2010/main" w="9525">
                   <a:solidFill>
                     <a:srgbClr val="000000"/>
                   </a:solidFill>
@@ -15461,7 +15461,7 @@
             </a:ln>
             <a:extLst>
               <a:ext uri="{91240B29-F687-4f45-9708-019B960494DF}">
-                <a14:hiddenLine xmlns:a14="http://schemas.microsoft.com/office/drawing/2010/main" xmlns:p14="http://schemas.microsoft.com/office/powerpoint/2010/main" xmlns:a16="http://schemas.microsoft.com/office/drawing/2014/main" xmlns="" w="9525">
+                <a14:hiddenLine xmlns="" xmlns:a16="http://schemas.microsoft.com/office/drawing/2014/main" xmlns:p14="http://schemas.microsoft.com/office/powerpoint/2010/main" xmlns:a14="http://schemas.microsoft.com/office/drawing/2010/main" w="9525">
                   <a:solidFill>
                     <a:srgbClr val="000000"/>
                   </a:solidFill>
@@ -15596,7 +15596,7 @@
             </a:ln>
             <a:extLst>
               <a:ext uri="{91240B29-F687-4f45-9708-019B960494DF}">
-                <a14:hiddenLine xmlns:a14="http://schemas.microsoft.com/office/drawing/2010/main" xmlns:p14="http://schemas.microsoft.com/office/powerpoint/2010/main" xmlns:a16="http://schemas.microsoft.com/office/drawing/2014/main" xmlns="" w="9525">
+                <a14:hiddenLine xmlns="" xmlns:a16="http://schemas.microsoft.com/office/drawing/2014/main" xmlns:p14="http://schemas.microsoft.com/office/powerpoint/2010/main" xmlns:a14="http://schemas.microsoft.com/office/drawing/2010/main" w="9525">
                   <a:solidFill>
                     <a:srgbClr val="000000"/>
                   </a:solidFill>
@@ -15910,7 +15910,7 @@
             </a:ln>
             <a:extLst>
               <a:ext uri="{91240B29-F687-4f45-9708-019B960494DF}">
-                <a14:hiddenLine xmlns:a14="http://schemas.microsoft.com/office/drawing/2010/main" xmlns:p14="http://schemas.microsoft.com/office/powerpoint/2010/main" xmlns:a16="http://schemas.microsoft.com/office/drawing/2014/main" xmlns="" w="9525">
+                <a14:hiddenLine xmlns="" xmlns:a16="http://schemas.microsoft.com/office/drawing/2014/main" xmlns:p14="http://schemas.microsoft.com/office/powerpoint/2010/main" xmlns:a14="http://schemas.microsoft.com/office/drawing/2010/main" w="9525">
                   <a:solidFill>
                     <a:srgbClr val="000000"/>
                   </a:solidFill>
@@ -16040,7 +16040,7 @@
             </a:ln>
             <a:extLst>
               <a:ext uri="{91240B29-F687-4f45-9708-019B960494DF}">
-                <a14:hiddenLine xmlns:a14="http://schemas.microsoft.com/office/drawing/2010/main" xmlns:p14="http://schemas.microsoft.com/office/powerpoint/2010/main" xmlns:a16="http://schemas.microsoft.com/office/drawing/2014/main" xmlns="" w="9525">
+                <a14:hiddenLine xmlns="" xmlns:a16="http://schemas.microsoft.com/office/drawing/2014/main" xmlns:p14="http://schemas.microsoft.com/office/powerpoint/2010/main" xmlns:a14="http://schemas.microsoft.com/office/drawing/2010/main" w="9525">
                   <a:solidFill>
                     <a:srgbClr val="000000"/>
                   </a:solidFill>
@@ -16145,7 +16145,7 @@
             </a:ln>
             <a:extLst>
               <a:ext uri="{91240B29-F687-4f45-9708-019B960494DF}">
-                <a14:hiddenLine xmlns:a14="http://schemas.microsoft.com/office/drawing/2010/main" xmlns:p14="http://schemas.microsoft.com/office/powerpoint/2010/main" xmlns:a16="http://schemas.microsoft.com/office/drawing/2014/main" xmlns="" w="9525">
+                <a14:hiddenLine xmlns="" xmlns:a16="http://schemas.microsoft.com/office/drawing/2014/main" xmlns:p14="http://schemas.microsoft.com/office/powerpoint/2010/main" xmlns:a14="http://schemas.microsoft.com/office/drawing/2010/main" w="9525">
                   <a:solidFill>
                     <a:srgbClr val="000000"/>
                   </a:solidFill>
@@ -16225,7 +16225,7 @@
             </a:ln>
             <a:extLst>
               <a:ext uri="{91240B29-F687-4f45-9708-019B960494DF}">
-                <a14:hiddenLine xmlns:a14="http://schemas.microsoft.com/office/drawing/2010/main" xmlns:p14="http://schemas.microsoft.com/office/powerpoint/2010/main" xmlns:a16="http://schemas.microsoft.com/office/drawing/2014/main" xmlns="" w="9525">
+                <a14:hiddenLine xmlns="" xmlns:a16="http://schemas.microsoft.com/office/drawing/2014/main" xmlns:p14="http://schemas.microsoft.com/office/powerpoint/2010/main" xmlns:a14="http://schemas.microsoft.com/office/drawing/2010/main" w="9525">
                   <a:solidFill>
                     <a:srgbClr val="000000"/>
                   </a:solidFill>
@@ -16330,7 +16330,7 @@
             </a:ln>
             <a:extLst>
               <a:ext uri="{91240B29-F687-4f45-9708-019B960494DF}">
-                <a14:hiddenLine xmlns:a14="http://schemas.microsoft.com/office/drawing/2010/main" xmlns:p14="http://schemas.microsoft.com/office/powerpoint/2010/main" xmlns:a16="http://schemas.microsoft.com/office/drawing/2014/main" xmlns="" w="9525">
+                <a14:hiddenLine xmlns="" xmlns:a16="http://schemas.microsoft.com/office/drawing/2014/main" xmlns:p14="http://schemas.microsoft.com/office/powerpoint/2010/main" xmlns:a14="http://schemas.microsoft.com/office/drawing/2010/main" w="9525">
                   <a:solidFill>
                     <a:srgbClr val="000000"/>
                   </a:solidFill>
@@ -16413,7 +16413,7 @@
             </a:ln>
             <a:extLst>
               <a:ext uri="{91240B29-F687-4f45-9708-019B960494DF}">
-                <a14:hiddenLine xmlns:a14="http://schemas.microsoft.com/office/drawing/2010/main" xmlns:p14="http://schemas.microsoft.com/office/powerpoint/2010/main" xmlns:a16="http://schemas.microsoft.com/office/drawing/2014/main" xmlns="" w="9525">
+                <a14:hiddenLine xmlns="" xmlns:a16="http://schemas.microsoft.com/office/drawing/2014/main" xmlns:p14="http://schemas.microsoft.com/office/powerpoint/2010/main" xmlns:a14="http://schemas.microsoft.com/office/drawing/2010/main" w="9525">
                   <a:solidFill>
                     <a:srgbClr val="000000"/>
                   </a:solidFill>
@@ -16518,7 +16518,7 @@
             </a:ln>
             <a:extLst>
               <a:ext uri="{91240B29-F687-4f45-9708-019B960494DF}">
-                <a14:hiddenLine xmlns:a14="http://schemas.microsoft.com/office/drawing/2010/main" xmlns:p14="http://schemas.microsoft.com/office/powerpoint/2010/main" xmlns:a16="http://schemas.microsoft.com/office/drawing/2014/main" xmlns="" w="9525">
+                <a14:hiddenLine xmlns="" xmlns:a16="http://schemas.microsoft.com/office/drawing/2014/main" xmlns:p14="http://schemas.microsoft.com/office/powerpoint/2010/main" xmlns:a14="http://schemas.microsoft.com/office/drawing/2010/main" w="9525">
                   <a:solidFill>
                     <a:srgbClr val="000000"/>
                   </a:solidFill>
@@ -16601,7 +16601,7 @@
             </a:ln>
             <a:extLst>
               <a:ext uri="{91240B29-F687-4f45-9708-019B960494DF}">
-                <a14:hiddenLine xmlns:a14="http://schemas.microsoft.com/office/drawing/2010/main" xmlns:p14="http://schemas.microsoft.com/office/powerpoint/2010/main" xmlns:a16="http://schemas.microsoft.com/office/drawing/2014/main" xmlns="" w="9525">
+                <a14:hiddenLine xmlns="" xmlns:a16="http://schemas.microsoft.com/office/drawing/2014/main" xmlns:p14="http://schemas.microsoft.com/office/powerpoint/2010/main" xmlns:a14="http://schemas.microsoft.com/office/drawing/2010/main" w="9525">
                   <a:solidFill>
                     <a:srgbClr val="000000"/>
                   </a:solidFill>
@@ -16706,7 +16706,7 @@
             </a:ln>
             <a:extLst>
               <a:ext uri="{91240B29-F687-4f45-9708-019B960494DF}">
-                <a14:hiddenLine xmlns:a14="http://schemas.microsoft.com/office/drawing/2010/main" xmlns:p14="http://schemas.microsoft.com/office/powerpoint/2010/main" xmlns:a16="http://schemas.microsoft.com/office/drawing/2014/main" xmlns="" w="9525">
+                <a14:hiddenLine xmlns="" xmlns:a16="http://schemas.microsoft.com/office/drawing/2014/main" xmlns:p14="http://schemas.microsoft.com/office/powerpoint/2010/main" xmlns:a14="http://schemas.microsoft.com/office/drawing/2010/main" w="9525">
                   <a:solidFill>
                     <a:srgbClr val="000000"/>
                   </a:solidFill>
@@ -16755,7 +16755,7 @@
             </a:ln>
             <a:extLst>
               <a:ext uri="{91240B29-F687-4f45-9708-019B960494DF}">
-                <a14:hiddenLine xmlns:a14="http://schemas.microsoft.com/office/drawing/2010/main" xmlns:p14="http://schemas.microsoft.com/office/powerpoint/2010/main" xmlns:a16="http://schemas.microsoft.com/office/drawing/2014/main" xmlns="" w="9525">
+                <a14:hiddenLine xmlns="" xmlns:a16="http://schemas.microsoft.com/office/drawing/2014/main" xmlns:p14="http://schemas.microsoft.com/office/powerpoint/2010/main" xmlns:a14="http://schemas.microsoft.com/office/drawing/2010/main" w="9525">
                   <a:solidFill>
                     <a:srgbClr val="000000"/>
                   </a:solidFill>
@@ -17153,7 +17153,7 @@
             <a:pPr lvl="1"/>
             <a:r>
               <a:rPr lang="pt-PT" sz="2200" dirty="0"/>
-              <a:t>Divisão do trabalho de cada elemento por classes:</a:t>
+              <a:t>Divisão do trabalho de cada elemento por funcionalidades:</a:t>
             </a:r>
           </a:p>
           <a:p>
@@ -17161,12 +17161,52 @@
               <a:buNone/>
             </a:pPr>
             <a:r>
-              <a:rPr lang="pt-PT" sz="2200" dirty="0"/>
-              <a:t>		</a:t>
+              <a:rPr lang="en-US" sz="2200" dirty="0" err="1"/>
+              <a:t>Árvore</a:t>
+            </a:r>
+            <a:r>
+              <a:rPr lang="en-US" sz="2200" dirty="0"/>
+              <a:t> </a:t>
+            </a:r>
+            <a:r>
+              <a:rPr lang="en-US" sz="2200" dirty="0" err="1"/>
+              <a:t>binária</a:t>
+            </a:r>
+            <a:r>
+              <a:rPr lang="en-US" sz="2200" dirty="0"/>
+              <a:t> de </a:t>
+            </a:r>
+            <a:r>
+              <a:rPr lang="en-US" sz="2200" dirty="0" err="1"/>
+              <a:t>pesquisa</a:t>
             </a:r>
             <a:r>
               <a:rPr lang="en-US" dirty="0"/>
-              <a:t>User			Stream			Admin	</a:t>
+              <a:t>	    Fila de </a:t>
+            </a:r>
+            <a:r>
+              <a:rPr lang="en-US" dirty="0" err="1"/>
+              <a:t>propridade</a:t>
+            </a:r>
+            <a:r>
+              <a:rPr lang="en-US" dirty="0"/>
+              <a:t>	    </a:t>
+            </a:r>
+            <a:r>
+              <a:rPr lang="en-US" dirty="0" err="1"/>
+              <a:t>Tabela</a:t>
+            </a:r>
+            <a:r>
+              <a:rPr lang="en-US" dirty="0"/>
+              <a:t> de </a:t>
+            </a:r>
+            <a:r>
+              <a:rPr lang="en-US" dirty="0" err="1"/>
+              <a:t>dispersão</a:t>
+            </a:r>
+            <a:r>
+              <a:rPr lang="en-US" dirty="0"/>
+              <a:t>	</a:t>
             </a:r>
           </a:p>
           <a:p>
@@ -17887,105 +17927,37 @@
         </p:spPr>
         <p:txBody>
           <a:bodyPr>
-            <a:normAutofit lnSpcReduction="10000"/>
+            <a:normAutofit/>
           </a:bodyPr>
           <a:lstStyle/>
           <a:p>
             <a:pPr algn="just"/>
             <a:r>
-              <a:rPr lang="pt-PT" dirty="0" err="1"/>
-              <a:t>StreamZ</a:t>
+              <a:rPr lang="pt-PT" dirty="0"/>
+              <a:t>Arvore</a:t>
             </a:r>
-            <a:r>
-              <a:rPr lang="pt-PT" dirty="0"/>
-              <a:t> é uma plataforma de </a:t>
-            </a:r>
-            <a:r>
-              <a:rPr lang="pt-PT" i="1" dirty="0" err="1"/>
-              <a:t>streaming</a:t>
-            </a:r>
-            <a:r>
-              <a:rPr lang="pt-PT" dirty="0"/>
-              <a:t> que permite, entre outras coisas, a criação de utilizadores e a sua interação com as </a:t>
-            </a:r>
-            <a:r>
-              <a:rPr lang="pt-PT" i="1" dirty="0" err="1"/>
-              <a:t>streams</a:t>
-            </a:r>
-            <a:r>
-              <a:rPr lang="pt-PT" i="1" dirty="0"/>
-              <a:t>.</a:t>
-            </a:r>
+            <a:endParaRPr lang="pt-PT" i="1" dirty="0"/>
           </a:p>
           <a:p>
             <a:pPr algn="just"/>
             <a:r>
               <a:rPr lang="pt-PT" dirty="0"/>
-              <a:t>Também foi pedido que a aplicação guardasse o seu estado em cada execução, usando ficheiros de texto.</a:t>
+              <a:t>Fila de prioridade</a:t>
             </a:r>
           </a:p>
           <a:p>
             <a:r>
               <a:rPr lang="pt-PT" dirty="0"/>
-              <a:t>Assim sendo, esta foi a estrutura básica retirada do problema:</a:t>
+              <a:t>Foi ainda pedida a criação de uma tabela de dispersão para manter um registo de todos os </a:t>
             </a:r>
-          </a:p>
-          <a:p>
-            <a:pPr lvl="1"/>
+            <a:r>
+              <a:rPr lang="pt-PT" dirty="0" err="1"/>
+              <a:t>streamers</a:t>
+            </a:r>
             <a:r>
               <a:rPr lang="pt-PT" dirty="0"/>
-              <a:t>Utilizadores</a:t>
+              <a:t> (ativos ou com conta eliminada)</a:t>
             </a:r>
-          </a:p>
-          <a:p>
-            <a:pPr lvl="2"/>
-            <a:r>
-              <a:rPr lang="pt-PT" dirty="0" err="1"/>
-              <a:t>Streamers</a:t>
-            </a:r>
-            <a:endParaRPr lang="pt-PT" dirty="0"/>
-          </a:p>
-          <a:p>
-            <a:pPr lvl="2"/>
-            <a:r>
-              <a:rPr lang="pt-PT" dirty="0"/>
-              <a:t>Visualizadores</a:t>
-            </a:r>
-          </a:p>
-          <a:p>
-            <a:pPr lvl="1"/>
-            <a:r>
-              <a:rPr lang="pt-PT" dirty="0" err="1"/>
-              <a:t>Streams</a:t>
-            </a:r>
-            <a:endParaRPr lang="pt-PT" dirty="0"/>
-          </a:p>
-          <a:p>
-            <a:pPr lvl="2"/>
-            <a:r>
-              <a:rPr lang="pt-PT" dirty="0"/>
-              <a:t>Privadas</a:t>
-            </a:r>
-          </a:p>
-          <a:p>
-            <a:pPr lvl="2"/>
-            <a:r>
-              <a:rPr lang="pt-PT" dirty="0"/>
-              <a:t>Públicas</a:t>
-            </a:r>
-          </a:p>
-          <a:p>
-            <a:pPr lvl="1"/>
-            <a:r>
-              <a:rPr lang="pt-PT" dirty="0"/>
-              <a:t>Administrador</a:t>
-            </a:r>
-          </a:p>
-          <a:p>
-            <a:pPr marL="457200" lvl="1" indent="0">
-              <a:buNone/>
-            </a:pPr>
-            <a:endParaRPr lang="pt-PT" dirty="0"/>
           </a:p>
         </p:txBody>
       </p:sp>
@@ -19225,7 +19197,7 @@
           <a:noFill/>
           <a:extLst>
             <a:ext uri="{909E8E84-426E-40dd-AFC4-6F175D3DCCD1}">
-              <a14:hiddenFill xmlns:a14="http://schemas.microsoft.com/office/drawing/2010/main" xmlns:a16="http://schemas.microsoft.com/office/drawing/2014/main" xmlns="">
+              <a14:hiddenFill xmlns="" xmlns:a16="http://schemas.microsoft.com/office/drawing/2014/main" xmlns:a14="http://schemas.microsoft.com/office/drawing/2010/main">
                 <a:solidFill>
                   <a:srgbClr val="FFFFFF"/>
                 </a:solidFill>
@@ -19317,7 +19289,7 @@
             </a:ln>
             <a:extLst>
               <a:ext uri="{91240B29-F687-4f45-9708-019B960494DF}">
-                <a14:hiddenLine xmlns:a14="http://schemas.microsoft.com/office/drawing/2010/main" xmlns:a16="http://schemas.microsoft.com/office/drawing/2014/main" xmlns="" w="9525">
+                <a14:hiddenLine xmlns="" xmlns:a16="http://schemas.microsoft.com/office/drawing/2014/main" xmlns:a14="http://schemas.microsoft.com/office/drawing/2010/main" w="9525">
                   <a:solidFill>
                     <a:srgbClr val="000000"/>
                   </a:solidFill>
@@ -19422,7 +19394,7 @@
             </a:ln>
             <a:extLst>
               <a:ext uri="{91240B29-F687-4f45-9708-019B960494DF}">
-                <a14:hiddenLine xmlns:a14="http://schemas.microsoft.com/office/drawing/2010/main" xmlns:a16="http://schemas.microsoft.com/office/drawing/2014/main" xmlns="" w="9525">
+                <a14:hiddenLine xmlns="" xmlns:a16="http://schemas.microsoft.com/office/drawing/2014/main" xmlns:a14="http://schemas.microsoft.com/office/drawing/2010/main" w="9525">
                   <a:solidFill>
                     <a:srgbClr val="000000"/>
                   </a:solidFill>
@@ -19527,7 +19499,7 @@
             </a:ln>
             <a:extLst>
               <a:ext uri="{91240B29-F687-4f45-9708-019B960494DF}">
-                <a14:hiddenLine xmlns:a14="http://schemas.microsoft.com/office/drawing/2010/main" xmlns:a16="http://schemas.microsoft.com/office/drawing/2014/main" xmlns="" w="9525">
+                <a14:hiddenLine xmlns="" xmlns:a16="http://schemas.microsoft.com/office/drawing/2014/main" xmlns:a14="http://schemas.microsoft.com/office/drawing/2010/main" w="9525">
                   <a:solidFill>
                     <a:srgbClr val="000000"/>
                   </a:solidFill>
@@ -19576,7 +19548,7 @@
             </a:ln>
             <a:extLst>
               <a:ext uri="{91240B29-F687-4f45-9708-019B960494DF}">
-                <a14:hiddenLine xmlns:a14="http://schemas.microsoft.com/office/drawing/2010/main" xmlns:a16="http://schemas.microsoft.com/office/drawing/2014/main" xmlns="" w="9525">
+                <a14:hiddenLine xmlns="" xmlns:a16="http://schemas.microsoft.com/office/drawing/2014/main" xmlns:a14="http://schemas.microsoft.com/office/drawing/2010/main" w="9525">
                   <a:solidFill>
                     <a:srgbClr val="000000"/>
                   </a:solidFill>
@@ -19681,7 +19653,7 @@
             </a:ln>
             <a:extLst>
               <a:ext uri="{91240B29-F687-4f45-9708-019B960494DF}">
-                <a14:hiddenLine xmlns:a14="http://schemas.microsoft.com/office/drawing/2010/main" xmlns:a16="http://schemas.microsoft.com/office/drawing/2014/main" xmlns="" w="9525">
+                <a14:hiddenLine xmlns="" xmlns:a16="http://schemas.microsoft.com/office/drawing/2014/main" xmlns:a14="http://schemas.microsoft.com/office/drawing/2010/main" w="9525">
                   <a:solidFill>
                     <a:srgbClr val="000000"/>
                   </a:solidFill>
@@ -19758,7 +19730,7 @@
             </a:ln>
             <a:extLst>
               <a:ext uri="{91240B29-F687-4f45-9708-019B960494DF}">
-                <a14:hiddenLine xmlns:a14="http://schemas.microsoft.com/office/drawing/2010/main" xmlns:a16="http://schemas.microsoft.com/office/drawing/2014/main" xmlns="" w="9525">
+                <a14:hiddenLine xmlns="" xmlns:a16="http://schemas.microsoft.com/office/drawing/2014/main" xmlns:a14="http://schemas.microsoft.com/office/drawing/2010/main" w="9525">
                   <a:solidFill>
                     <a:srgbClr val="000000"/>
                   </a:solidFill>
@@ -19835,7 +19807,7 @@
             </a:ln>
             <a:extLst>
               <a:ext uri="{91240B29-F687-4f45-9708-019B960494DF}">
-                <a14:hiddenLine xmlns:a14="http://schemas.microsoft.com/office/drawing/2010/main" xmlns:a16="http://schemas.microsoft.com/office/drawing/2014/main" xmlns="" w="9525">
+                <a14:hiddenLine xmlns="" xmlns:a16="http://schemas.microsoft.com/office/drawing/2014/main" xmlns:a14="http://schemas.microsoft.com/office/drawing/2010/main" w="9525">
                   <a:solidFill>
                     <a:srgbClr val="000000"/>
                   </a:solidFill>
@@ -19940,7 +19912,7 @@
             </a:ln>
             <a:extLst>
               <a:ext uri="{91240B29-F687-4f45-9708-019B960494DF}">
-                <a14:hiddenLine xmlns:a14="http://schemas.microsoft.com/office/drawing/2010/main" xmlns:a16="http://schemas.microsoft.com/office/drawing/2014/main" xmlns="" w="9525">
+                <a14:hiddenLine xmlns="" xmlns:a16="http://schemas.microsoft.com/office/drawing/2014/main" xmlns:a14="http://schemas.microsoft.com/office/drawing/2010/main" w="9525">
                   <a:solidFill>
                     <a:srgbClr val="000000"/>
                   </a:solidFill>
@@ -20017,7 +19989,7 @@
             </a:ln>
             <a:extLst>
               <a:ext uri="{91240B29-F687-4f45-9708-019B960494DF}">
-                <a14:hiddenLine xmlns:a14="http://schemas.microsoft.com/office/drawing/2010/main" xmlns:a16="http://schemas.microsoft.com/office/drawing/2014/main" xmlns="" w="9525">
+                <a14:hiddenLine xmlns="" xmlns:a16="http://schemas.microsoft.com/office/drawing/2014/main" xmlns:a14="http://schemas.microsoft.com/office/drawing/2010/main" w="9525">
                   <a:solidFill>
                     <a:srgbClr val="000000"/>
                   </a:solidFill>
@@ -20094,7 +20066,7 @@
             </a:ln>
             <a:extLst>
               <a:ext uri="{91240B29-F687-4f45-9708-019B960494DF}">
-                <a14:hiddenLine xmlns:a14="http://schemas.microsoft.com/office/drawing/2010/main" xmlns:a16="http://schemas.microsoft.com/office/drawing/2014/main" xmlns="" w="9525">
+                <a14:hiddenLine xmlns="" xmlns:a16="http://schemas.microsoft.com/office/drawing/2014/main" xmlns:a14="http://schemas.microsoft.com/office/drawing/2010/main" w="9525">
                   <a:solidFill>
                     <a:srgbClr val="000000"/>
                   </a:solidFill>
@@ -20199,7 +20171,7 @@
             </a:ln>
             <a:extLst>
               <a:ext uri="{91240B29-F687-4f45-9708-019B960494DF}">
-                <a14:hiddenLine xmlns:a14="http://schemas.microsoft.com/office/drawing/2010/main" xmlns:a16="http://schemas.microsoft.com/office/drawing/2014/main" xmlns="" w="9525">
+                <a14:hiddenLine xmlns="" xmlns:a16="http://schemas.microsoft.com/office/drawing/2014/main" xmlns:a14="http://schemas.microsoft.com/office/drawing/2010/main" w="9525">
                   <a:solidFill>
                     <a:srgbClr val="000000"/>
                   </a:solidFill>
@@ -20304,7 +20276,7 @@
             </a:ln>
             <a:extLst>
               <a:ext uri="{91240B29-F687-4f45-9708-019B960494DF}">
-                <a14:hiddenLine xmlns:a14="http://schemas.microsoft.com/office/drawing/2010/main" xmlns:a16="http://schemas.microsoft.com/office/drawing/2014/main" xmlns="" w="9525">
+                <a14:hiddenLine xmlns="" xmlns:a16="http://schemas.microsoft.com/office/drawing/2014/main" xmlns:a14="http://schemas.microsoft.com/office/drawing/2010/main" w="9525">
                   <a:solidFill>
                     <a:srgbClr val="000000"/>
                   </a:solidFill>
@@ -20381,7 +20353,7 @@
             </a:ln>
             <a:extLst>
               <a:ext uri="{91240B29-F687-4f45-9708-019B960494DF}">
-                <a14:hiddenLine xmlns:a14="http://schemas.microsoft.com/office/drawing/2010/main" xmlns:a16="http://schemas.microsoft.com/office/drawing/2014/main" xmlns="" w="9525">
+                <a14:hiddenLine xmlns="" xmlns:a16="http://schemas.microsoft.com/office/drawing/2014/main" xmlns:a14="http://schemas.microsoft.com/office/drawing/2010/main" w="9525">
                   <a:solidFill>
                     <a:srgbClr val="000000"/>
                   </a:solidFill>
@@ -20506,7 +20478,7 @@
             </a:ln>
             <a:extLst>
               <a:ext uri="{91240B29-F687-4f45-9708-019B960494DF}">
-                <a14:hiddenLine xmlns:a14="http://schemas.microsoft.com/office/drawing/2010/main" xmlns:a16="http://schemas.microsoft.com/office/drawing/2014/main" xmlns="" w="9525">
+                <a14:hiddenLine xmlns="" xmlns:a16="http://schemas.microsoft.com/office/drawing/2014/main" xmlns:a14="http://schemas.microsoft.com/office/drawing/2010/main" w="9525">
                   <a:solidFill>
                     <a:srgbClr val="000000"/>
                   </a:solidFill>
@@ -20583,7 +20555,7 @@
             </a:ln>
             <a:extLst>
               <a:ext uri="{91240B29-F687-4f45-9708-019B960494DF}">
-                <a14:hiddenLine xmlns:a14="http://schemas.microsoft.com/office/drawing/2010/main" xmlns:a16="http://schemas.microsoft.com/office/drawing/2014/main" xmlns="" w="9525">
+                <a14:hiddenLine xmlns="" xmlns:a16="http://schemas.microsoft.com/office/drawing/2014/main" xmlns:a14="http://schemas.microsoft.com/office/drawing/2010/main" w="9525">
                   <a:solidFill>
                     <a:srgbClr val="000000"/>
                   </a:solidFill>
@@ -20688,7 +20660,7 @@
             </a:ln>
             <a:extLst>
               <a:ext uri="{91240B29-F687-4f45-9708-019B960494DF}">
-                <a14:hiddenLine xmlns:a14="http://schemas.microsoft.com/office/drawing/2010/main" xmlns:a16="http://schemas.microsoft.com/office/drawing/2014/main" xmlns="" w="9525">
+                <a14:hiddenLine xmlns="" xmlns:a16="http://schemas.microsoft.com/office/drawing/2014/main" xmlns:a14="http://schemas.microsoft.com/office/drawing/2010/main" w="9525">
                   <a:solidFill>
                     <a:srgbClr val="000000"/>
                   </a:solidFill>
@@ -20793,7 +20765,7 @@
             </a:ln>
             <a:extLst>
               <a:ext uri="{91240B29-F687-4f45-9708-019B960494DF}">
-                <a14:hiddenLine xmlns:a14="http://schemas.microsoft.com/office/drawing/2010/main" xmlns:a16="http://schemas.microsoft.com/office/drawing/2014/main" xmlns="" w="9525">
+                <a14:hiddenLine xmlns="" xmlns:a16="http://schemas.microsoft.com/office/drawing/2014/main" xmlns:a14="http://schemas.microsoft.com/office/drawing/2010/main" w="9525">
                   <a:solidFill>
                     <a:srgbClr val="000000"/>
                   </a:solidFill>
@@ -20870,7 +20842,7 @@
             </a:ln>
             <a:extLst>
               <a:ext uri="{91240B29-F687-4f45-9708-019B960494DF}">
-                <a14:hiddenLine xmlns:a14="http://schemas.microsoft.com/office/drawing/2010/main" xmlns:a16="http://schemas.microsoft.com/office/drawing/2014/main" xmlns="" w="9525">
+                <a14:hiddenLine xmlns="" xmlns:a16="http://schemas.microsoft.com/office/drawing/2014/main" xmlns:a14="http://schemas.microsoft.com/office/drawing/2010/main" w="9525">
                   <a:solidFill>
                     <a:srgbClr val="000000"/>
                   </a:solidFill>
@@ -20975,7 +20947,7 @@
             </a:ln>
             <a:extLst>
               <a:ext uri="{91240B29-F687-4f45-9708-019B960494DF}">
-                <a14:hiddenLine xmlns:a14="http://schemas.microsoft.com/office/drawing/2010/main" xmlns:a16="http://schemas.microsoft.com/office/drawing/2014/main" xmlns="" w="9525">
+                <a14:hiddenLine xmlns="" xmlns:a16="http://schemas.microsoft.com/office/drawing/2014/main" xmlns:a14="http://schemas.microsoft.com/office/drawing/2010/main" w="9525">
                   <a:solidFill>
                     <a:srgbClr val="000000"/>
                   </a:solidFill>
@@ -21080,7 +21052,7 @@
             </a:ln>
             <a:extLst>
               <a:ext uri="{91240B29-F687-4f45-9708-019B960494DF}">
-                <a14:hiddenLine xmlns:a14="http://schemas.microsoft.com/office/drawing/2010/main" xmlns:a16="http://schemas.microsoft.com/office/drawing/2014/main" xmlns="" w="9525">
+                <a14:hiddenLine xmlns="" xmlns:a16="http://schemas.microsoft.com/office/drawing/2014/main" xmlns:a14="http://schemas.microsoft.com/office/drawing/2010/main" w="9525">
                   <a:solidFill>
                     <a:srgbClr val="000000"/>
                   </a:solidFill>
@@ -21151,7 +21123,7 @@
             </a:ln>
             <a:extLst>
               <a:ext uri="{91240B29-F687-4f45-9708-019B960494DF}">
-                <a14:hiddenLine xmlns:a14="http://schemas.microsoft.com/office/drawing/2010/main" xmlns:a16="http://schemas.microsoft.com/office/drawing/2014/main" xmlns="" w="9525">
+                <a14:hiddenLine xmlns="" xmlns:a16="http://schemas.microsoft.com/office/drawing/2014/main" xmlns:a14="http://schemas.microsoft.com/office/drawing/2010/main" w="9525">
                   <a:solidFill>
                     <a:srgbClr val="000000"/>
                   </a:solidFill>
@@ -21256,7 +21228,7 @@
             </a:ln>
             <a:extLst>
               <a:ext uri="{91240B29-F687-4f45-9708-019B960494DF}">
-                <a14:hiddenLine xmlns:a14="http://schemas.microsoft.com/office/drawing/2010/main" xmlns:a16="http://schemas.microsoft.com/office/drawing/2014/main" xmlns="" w="9525">
+                <a14:hiddenLine xmlns="" xmlns:a16="http://schemas.microsoft.com/office/drawing/2014/main" xmlns:a14="http://schemas.microsoft.com/office/drawing/2010/main" w="9525">
                   <a:solidFill>
                     <a:srgbClr val="000000"/>
                   </a:solidFill>
@@ -21327,7 +21299,7 @@
             </a:ln>
             <a:extLst>
               <a:ext uri="{91240B29-F687-4f45-9708-019B960494DF}">
-                <a14:hiddenLine xmlns:a14="http://schemas.microsoft.com/office/drawing/2010/main" xmlns:a16="http://schemas.microsoft.com/office/drawing/2014/main" xmlns="" w="9525">
+                <a14:hiddenLine xmlns="" xmlns:a16="http://schemas.microsoft.com/office/drawing/2014/main" xmlns:a14="http://schemas.microsoft.com/office/drawing/2010/main" w="9525">
                   <a:solidFill>
                     <a:srgbClr val="000000"/>
                   </a:solidFill>
@@ -21432,7 +21404,7 @@
             </a:ln>
             <a:extLst>
               <a:ext uri="{91240B29-F687-4f45-9708-019B960494DF}">
-                <a14:hiddenLine xmlns:a14="http://schemas.microsoft.com/office/drawing/2010/main" xmlns:a16="http://schemas.microsoft.com/office/drawing/2014/main" xmlns="" w="9525">
+                <a14:hiddenLine xmlns="" xmlns:a16="http://schemas.microsoft.com/office/drawing/2014/main" xmlns:a14="http://schemas.microsoft.com/office/drawing/2010/main" w="9525">
                   <a:solidFill>
                     <a:srgbClr val="000000"/>
                   </a:solidFill>
@@ -21515,7 +21487,7 @@
             </a:ln>
             <a:extLst>
               <a:ext uri="{91240B29-F687-4f45-9708-019B960494DF}">
-                <a14:hiddenLine xmlns:a14="http://schemas.microsoft.com/office/drawing/2010/main" xmlns:a16="http://schemas.microsoft.com/office/drawing/2014/main" xmlns="" w="9525">
+                <a14:hiddenLine xmlns="" xmlns:a16="http://schemas.microsoft.com/office/drawing/2014/main" xmlns:a14="http://schemas.microsoft.com/office/drawing/2010/main" w="9525">
                   <a:solidFill>
                     <a:srgbClr val="000000"/>
                   </a:solidFill>
@@ -21620,7 +21592,7 @@
             </a:ln>
             <a:extLst>
               <a:ext uri="{91240B29-F687-4f45-9708-019B960494DF}">
-                <a14:hiddenLine xmlns:a14="http://schemas.microsoft.com/office/drawing/2010/main" xmlns:a16="http://schemas.microsoft.com/office/drawing/2014/main" xmlns="" w="9525">
+                <a14:hiddenLine xmlns="" xmlns:a16="http://schemas.microsoft.com/office/drawing/2014/main" xmlns:a14="http://schemas.microsoft.com/office/drawing/2010/main" w="9525">
                   <a:solidFill>
                     <a:srgbClr val="000000"/>
                   </a:solidFill>
@@ -21703,7 +21675,7 @@
             </a:ln>
             <a:extLst>
               <a:ext uri="{91240B29-F687-4f45-9708-019B960494DF}">
-                <a14:hiddenLine xmlns:a14="http://schemas.microsoft.com/office/drawing/2010/main" xmlns:a16="http://schemas.microsoft.com/office/drawing/2014/main" xmlns="" w="9525">
+                <a14:hiddenLine xmlns="" xmlns:a16="http://schemas.microsoft.com/office/drawing/2014/main" xmlns:a14="http://schemas.microsoft.com/office/drawing/2010/main" w="9525">
                   <a:solidFill>
                     <a:srgbClr val="000000"/>
                   </a:solidFill>
@@ -21808,7 +21780,7 @@
             </a:ln>
             <a:extLst>
               <a:ext uri="{91240B29-F687-4f45-9708-019B960494DF}">
-                <a14:hiddenLine xmlns:a14="http://schemas.microsoft.com/office/drawing/2010/main" xmlns:a16="http://schemas.microsoft.com/office/drawing/2014/main" xmlns="" w="9525">
+                <a14:hiddenLine xmlns="" xmlns:a16="http://schemas.microsoft.com/office/drawing/2014/main" xmlns:a14="http://schemas.microsoft.com/office/drawing/2010/main" w="9525">
                   <a:solidFill>
                     <a:srgbClr val="000000"/>
                   </a:solidFill>
@@ -21857,7 +21829,7 @@
             </a:ln>
             <a:extLst>
               <a:ext uri="{91240B29-F687-4f45-9708-019B960494DF}">
-                <a14:hiddenLine xmlns:a14="http://schemas.microsoft.com/office/drawing/2010/main" xmlns:a16="http://schemas.microsoft.com/office/drawing/2014/main" xmlns="" w="9525">
+                <a14:hiddenLine xmlns="" xmlns:a16="http://schemas.microsoft.com/office/drawing/2014/main" xmlns:a14="http://schemas.microsoft.com/office/drawing/2010/main" w="9525">
                   <a:solidFill>
                     <a:srgbClr val="000000"/>
                   </a:solidFill>
@@ -21962,7 +21934,7 @@
             </a:ln>
             <a:extLst>
               <a:ext uri="{91240B29-F687-4f45-9708-019B960494DF}">
-                <a14:hiddenLine xmlns:a14="http://schemas.microsoft.com/office/drawing/2010/main" xmlns:a16="http://schemas.microsoft.com/office/drawing/2014/main" xmlns="" w="9525">
+                <a14:hiddenLine xmlns="" xmlns:a16="http://schemas.microsoft.com/office/drawing/2014/main" xmlns:a14="http://schemas.microsoft.com/office/drawing/2010/main" w="9525">
                   <a:solidFill>
                     <a:srgbClr val="000000"/>
                   </a:solidFill>
@@ -22039,7 +22011,7 @@
             </a:ln>
             <a:extLst>
               <a:ext uri="{91240B29-F687-4f45-9708-019B960494DF}">
-                <a14:hiddenLine xmlns:a14="http://schemas.microsoft.com/office/drawing/2010/main" xmlns:a16="http://schemas.microsoft.com/office/drawing/2014/main" xmlns="" w="9525">
+                <a14:hiddenLine xmlns="" xmlns:a16="http://schemas.microsoft.com/office/drawing/2014/main" xmlns:a14="http://schemas.microsoft.com/office/drawing/2010/main" w="9525">
                   <a:solidFill>
                     <a:srgbClr val="000000"/>
                   </a:solidFill>
@@ -22116,7 +22088,7 @@
             </a:ln>
             <a:extLst>
               <a:ext uri="{91240B29-F687-4f45-9708-019B960494DF}">
-                <a14:hiddenLine xmlns:a14="http://schemas.microsoft.com/office/drawing/2010/main" xmlns:a16="http://schemas.microsoft.com/office/drawing/2014/main" xmlns="" w="9525">
+                <a14:hiddenLine xmlns="" xmlns:a16="http://schemas.microsoft.com/office/drawing/2014/main" xmlns:a14="http://schemas.microsoft.com/office/drawing/2010/main" w="9525">
                   <a:solidFill>
                     <a:srgbClr val="000000"/>
                   </a:solidFill>
@@ -22221,7 +22193,7 @@
             </a:ln>
             <a:extLst>
               <a:ext uri="{91240B29-F687-4f45-9708-019B960494DF}">
-                <a14:hiddenLine xmlns:a14="http://schemas.microsoft.com/office/drawing/2010/main" xmlns:a16="http://schemas.microsoft.com/office/drawing/2014/main" xmlns="" w="9525">
+                <a14:hiddenLine xmlns="" xmlns:a16="http://schemas.microsoft.com/office/drawing/2014/main" xmlns:a14="http://schemas.microsoft.com/office/drawing/2010/main" w="9525">
                   <a:solidFill>
                     <a:srgbClr val="000000"/>
                   </a:solidFill>
@@ -22304,7 +22276,7 @@
             </a:ln>
             <a:extLst>
               <a:ext uri="{91240B29-F687-4f45-9708-019B960494DF}">
-                <a14:hiddenLine xmlns:a14="http://schemas.microsoft.com/office/drawing/2010/main" xmlns:a16="http://schemas.microsoft.com/office/drawing/2014/main" xmlns="" w="9525">
+                <a14:hiddenLine xmlns="" xmlns:a16="http://schemas.microsoft.com/office/drawing/2014/main" xmlns:a14="http://schemas.microsoft.com/office/drawing/2010/main" w="9525">
                   <a:solidFill>
                     <a:srgbClr val="000000"/>
                   </a:solidFill>
@@ -22381,7 +22353,7 @@
             </a:ln>
             <a:extLst>
               <a:ext uri="{91240B29-F687-4f45-9708-019B960494DF}">
-                <a14:hiddenLine xmlns:a14="http://schemas.microsoft.com/office/drawing/2010/main" xmlns:a16="http://schemas.microsoft.com/office/drawing/2014/main" xmlns="" w="9525">
+                <a14:hiddenLine xmlns="" xmlns:a16="http://schemas.microsoft.com/office/drawing/2014/main" xmlns:a14="http://schemas.microsoft.com/office/drawing/2010/main" w="9525">
                   <a:solidFill>
                     <a:srgbClr val="000000"/>
                   </a:solidFill>
@@ -22486,7 +22458,7 @@
             </a:ln>
             <a:extLst>
               <a:ext uri="{91240B29-F687-4f45-9708-019B960494DF}">
-                <a14:hiddenLine xmlns:a14="http://schemas.microsoft.com/office/drawing/2010/main" xmlns:a16="http://schemas.microsoft.com/office/drawing/2014/main" xmlns="" w="9525">
+                <a14:hiddenLine xmlns="" xmlns:a16="http://schemas.microsoft.com/office/drawing/2014/main" xmlns:a14="http://schemas.microsoft.com/office/drawing/2010/main" w="9525">
                   <a:solidFill>
                     <a:srgbClr val="000000"/>
                   </a:solidFill>
@@ -22563,7 +22535,7 @@
             </a:ln>
             <a:extLst>
               <a:ext uri="{91240B29-F687-4f45-9708-019B960494DF}">
-                <a14:hiddenLine xmlns:a14="http://schemas.microsoft.com/office/drawing/2010/main" xmlns:a16="http://schemas.microsoft.com/office/drawing/2014/main" xmlns="" w="9525">
+                <a14:hiddenLine xmlns="" xmlns:a16="http://schemas.microsoft.com/office/drawing/2014/main" xmlns:a14="http://schemas.microsoft.com/office/drawing/2010/main" w="9525">
                   <a:solidFill>
                     <a:srgbClr val="000000"/>
                   </a:solidFill>
@@ -22668,7 +22640,7 @@
             </a:ln>
             <a:extLst>
               <a:ext uri="{91240B29-F687-4f45-9708-019B960494DF}">
-                <a14:hiddenLine xmlns:a14="http://schemas.microsoft.com/office/drawing/2010/main" xmlns:a16="http://schemas.microsoft.com/office/drawing/2014/main" xmlns="" w="9525">
+                <a14:hiddenLine xmlns="" xmlns:a16="http://schemas.microsoft.com/office/drawing/2014/main" xmlns:a14="http://schemas.microsoft.com/office/drawing/2010/main" w="9525">
                   <a:solidFill>
                     <a:srgbClr val="000000"/>
                   </a:solidFill>
@@ -22745,7 +22717,7 @@
             </a:ln>
             <a:extLst>
               <a:ext uri="{91240B29-F687-4f45-9708-019B960494DF}">
-                <a14:hiddenLine xmlns:a14="http://schemas.microsoft.com/office/drawing/2010/main" xmlns:a16="http://schemas.microsoft.com/office/drawing/2014/main" xmlns="" w="9525">
+                <a14:hiddenLine xmlns="" xmlns:a16="http://schemas.microsoft.com/office/drawing/2014/main" xmlns:a14="http://schemas.microsoft.com/office/drawing/2010/main" w="9525">
                   <a:solidFill>
                     <a:srgbClr val="000000"/>
                   </a:solidFill>
@@ -22850,7 +22822,7 @@
             </a:ln>
             <a:extLst>
               <a:ext uri="{91240B29-F687-4f45-9708-019B960494DF}">
-                <a14:hiddenLine xmlns:a14="http://schemas.microsoft.com/office/drawing/2010/main" xmlns:a16="http://schemas.microsoft.com/office/drawing/2014/main" xmlns="" w="9525">
+                <a14:hiddenLine xmlns="" xmlns:a16="http://schemas.microsoft.com/office/drawing/2014/main" xmlns:a14="http://schemas.microsoft.com/office/drawing/2010/main" w="9525">
                   <a:solidFill>
                     <a:srgbClr val="000000"/>
                   </a:solidFill>
@@ -22899,7 +22871,7 @@
             </a:ln>
             <a:extLst>
               <a:ext uri="{91240B29-F687-4f45-9708-019B960494DF}">
-                <a14:hiddenLine xmlns:a14="http://schemas.microsoft.com/office/drawing/2010/main" xmlns:a16="http://schemas.microsoft.com/office/drawing/2014/main" xmlns="" w="9525">
+                <a14:hiddenLine xmlns="" xmlns:a16="http://schemas.microsoft.com/office/drawing/2014/main" xmlns:a14="http://schemas.microsoft.com/office/drawing/2010/main" w="9525">
                   <a:solidFill>
                     <a:srgbClr val="000000"/>
                   </a:solidFill>
@@ -22979,7 +22951,7 @@
             </a:ln>
             <a:extLst>
               <a:ext uri="{91240B29-F687-4f45-9708-019B960494DF}">
-                <a14:hiddenLine xmlns:a14="http://schemas.microsoft.com/office/drawing/2010/main" xmlns:a16="http://schemas.microsoft.com/office/drawing/2014/main" xmlns="" w="9525">
+                <a14:hiddenLine xmlns="" xmlns:a16="http://schemas.microsoft.com/office/drawing/2014/main" xmlns:a14="http://schemas.microsoft.com/office/drawing/2010/main" w="9525">
                   <a:solidFill>
                     <a:srgbClr val="000000"/>
                   </a:solidFill>
@@ -23084,7 +23056,7 @@
             </a:ln>
             <a:extLst>
               <a:ext uri="{91240B29-F687-4f45-9708-019B960494DF}">
-                <a14:hiddenLine xmlns:a14="http://schemas.microsoft.com/office/drawing/2010/main" xmlns:a16="http://schemas.microsoft.com/office/drawing/2014/main" xmlns="" w="9525">
+                <a14:hiddenLine xmlns="" xmlns:a16="http://schemas.microsoft.com/office/drawing/2014/main" xmlns:a14="http://schemas.microsoft.com/office/drawing/2010/main" w="9525">
                   <a:solidFill>
                     <a:srgbClr val="000000"/>
                   </a:solidFill>
@@ -23161,7 +23133,7 @@
             </a:ln>
             <a:extLst>
               <a:ext uri="{91240B29-F687-4f45-9708-019B960494DF}">
-                <a14:hiddenLine xmlns:a14="http://schemas.microsoft.com/office/drawing/2010/main" xmlns:a16="http://schemas.microsoft.com/office/drawing/2014/main" xmlns="" w="9525">
+                <a14:hiddenLine xmlns="" xmlns:a16="http://schemas.microsoft.com/office/drawing/2014/main" xmlns:a14="http://schemas.microsoft.com/office/drawing/2010/main" w="9525">
                   <a:solidFill>
                     <a:srgbClr val="000000"/>
                   </a:solidFill>
@@ -23266,7 +23238,7 @@
             </a:ln>
             <a:extLst>
               <a:ext uri="{91240B29-F687-4f45-9708-019B960494DF}">
-                <a14:hiddenLine xmlns:a14="http://schemas.microsoft.com/office/drawing/2010/main" xmlns:a16="http://schemas.microsoft.com/office/drawing/2014/main" xmlns="" w="9525">
+                <a14:hiddenLine xmlns="" xmlns:a16="http://schemas.microsoft.com/office/drawing/2014/main" xmlns:a14="http://schemas.microsoft.com/office/drawing/2010/main" w="9525">
                   <a:solidFill>
                     <a:srgbClr val="000000"/>
                   </a:solidFill>
@@ -23371,7 +23343,7 @@
             </a:ln>
             <a:extLst>
               <a:ext uri="{91240B29-F687-4f45-9708-019B960494DF}">
-                <a14:hiddenLine xmlns:a14="http://schemas.microsoft.com/office/drawing/2010/main" xmlns:a16="http://schemas.microsoft.com/office/drawing/2014/main" xmlns="" w="9525">
+                <a14:hiddenLine xmlns="" xmlns:a16="http://schemas.microsoft.com/office/drawing/2014/main" xmlns:a14="http://schemas.microsoft.com/office/drawing/2010/main" w="9525">
                   <a:solidFill>
                     <a:srgbClr val="000000"/>
                   </a:solidFill>
@@ -23451,7 +23423,7 @@
             </a:ln>
             <a:extLst>
               <a:ext uri="{91240B29-F687-4f45-9708-019B960494DF}">
-                <a14:hiddenLine xmlns:a14="http://schemas.microsoft.com/office/drawing/2010/main" xmlns:a16="http://schemas.microsoft.com/office/drawing/2014/main" xmlns="" w="9525">
+                <a14:hiddenLine xmlns="" xmlns:a16="http://schemas.microsoft.com/office/drawing/2014/main" xmlns:a14="http://schemas.microsoft.com/office/drawing/2010/main" w="9525">
                   <a:solidFill>
                     <a:srgbClr val="000000"/>
                   </a:solidFill>
@@ -23528,7 +23500,7 @@
             </a:ln>
             <a:extLst>
               <a:ext uri="{91240B29-F687-4f45-9708-019B960494DF}">
-                <a14:hiddenLine xmlns:a14="http://schemas.microsoft.com/office/drawing/2010/main" xmlns:a16="http://schemas.microsoft.com/office/drawing/2014/main" xmlns="" w="9525">
+                <a14:hiddenLine xmlns="" xmlns:a16="http://schemas.microsoft.com/office/drawing/2014/main" xmlns:a14="http://schemas.microsoft.com/office/drawing/2010/main" w="9525">
                   <a:solidFill>
                     <a:srgbClr val="000000"/>
                   </a:solidFill>
@@ -23633,7 +23605,7 @@
             </a:ln>
             <a:extLst>
               <a:ext uri="{91240B29-F687-4f45-9708-019B960494DF}">
-                <a14:hiddenLine xmlns:a14="http://schemas.microsoft.com/office/drawing/2010/main" xmlns:a16="http://schemas.microsoft.com/office/drawing/2014/main" xmlns="" w="9525">
+                <a14:hiddenLine xmlns="" xmlns:a16="http://schemas.microsoft.com/office/drawing/2014/main" xmlns:a14="http://schemas.microsoft.com/office/drawing/2010/main" w="9525">
                   <a:solidFill>
                     <a:srgbClr val="000000"/>
                   </a:solidFill>
@@ -23738,7 +23710,7 @@
             </a:ln>
             <a:extLst>
               <a:ext uri="{91240B29-F687-4f45-9708-019B960494DF}">
-                <a14:hiddenLine xmlns:a14="http://schemas.microsoft.com/office/drawing/2010/main" xmlns:a16="http://schemas.microsoft.com/office/drawing/2014/main" xmlns="" w="9525">
+                <a14:hiddenLine xmlns="" xmlns:a16="http://schemas.microsoft.com/office/drawing/2014/main" xmlns:a14="http://schemas.microsoft.com/office/drawing/2010/main" w="9525">
                   <a:solidFill>
                     <a:srgbClr val="000000"/>
                   </a:solidFill>
@@ -23815,7 +23787,7 @@
             </a:ln>
             <a:extLst>
               <a:ext uri="{91240B29-F687-4f45-9708-019B960494DF}">
-                <a14:hiddenLine xmlns:a14="http://schemas.microsoft.com/office/drawing/2010/main" xmlns:a16="http://schemas.microsoft.com/office/drawing/2014/main" xmlns="" w="9525">
+                <a14:hiddenLine xmlns="" xmlns:a16="http://schemas.microsoft.com/office/drawing/2014/main" xmlns:a14="http://schemas.microsoft.com/office/drawing/2010/main" w="9525">
                   <a:solidFill>
                     <a:srgbClr val="000000"/>
                   </a:solidFill>
@@ -23950,7 +23922,7 @@
             </a:ln>
             <a:extLst>
               <a:ext uri="{91240B29-F687-4f45-9708-019B960494DF}">
-                <a14:hiddenLine xmlns:a14="http://schemas.microsoft.com/office/drawing/2010/main" xmlns:a16="http://schemas.microsoft.com/office/drawing/2014/main" xmlns="" w="9525">
+                <a14:hiddenLine xmlns="" xmlns:a16="http://schemas.microsoft.com/office/drawing/2014/main" xmlns:a14="http://schemas.microsoft.com/office/drawing/2010/main" w="9525">
                   <a:solidFill>
                     <a:srgbClr val="000000"/>
                   </a:solidFill>
@@ -24033,7 +24005,7 @@
             </a:ln>
             <a:extLst>
               <a:ext uri="{91240B29-F687-4f45-9708-019B960494DF}">
-                <a14:hiddenLine xmlns:a14="http://schemas.microsoft.com/office/drawing/2010/main" xmlns:a16="http://schemas.microsoft.com/office/drawing/2014/main" xmlns="" w="9525">
+                <a14:hiddenLine xmlns="" xmlns:a16="http://schemas.microsoft.com/office/drawing/2014/main" xmlns:a14="http://schemas.microsoft.com/office/drawing/2010/main" w="9525">
                   <a:solidFill>
                     <a:srgbClr val="000000"/>
                   </a:solidFill>
@@ -24138,7 +24110,7 @@
             </a:ln>
             <a:extLst>
               <a:ext uri="{91240B29-F687-4f45-9708-019B960494DF}">
-                <a14:hiddenLine xmlns:a14="http://schemas.microsoft.com/office/drawing/2010/main" xmlns:a16="http://schemas.microsoft.com/office/drawing/2014/main" xmlns="" w="9525">
+                <a14:hiddenLine xmlns="" xmlns:a16="http://schemas.microsoft.com/office/drawing/2014/main" xmlns:a14="http://schemas.microsoft.com/office/drawing/2010/main" w="9525">
                   <a:solidFill>
                     <a:srgbClr val="000000"/>
                   </a:solidFill>
@@ -24285,7 +24257,7 @@
             </a:ln>
             <a:extLst>
               <a:ext uri="{91240B29-F687-4f45-9708-019B960494DF}">
-                <a14:hiddenLine xmlns:a14="http://schemas.microsoft.com/office/drawing/2010/main" xmlns:p14="http://schemas.microsoft.com/office/powerpoint/2010/main" xmlns:a16="http://schemas.microsoft.com/office/drawing/2014/main" xmlns="" w="9525">
+                <a14:hiddenLine xmlns="" xmlns:a16="http://schemas.microsoft.com/office/drawing/2014/main" xmlns:p14="http://schemas.microsoft.com/office/powerpoint/2010/main" xmlns:a14="http://schemas.microsoft.com/office/drawing/2010/main" w="9525">
                   <a:solidFill>
                     <a:srgbClr val="000000"/>
                   </a:solidFill>
@@ -24390,7 +24362,7 @@
             </a:ln>
             <a:extLst>
               <a:ext uri="{91240B29-F687-4f45-9708-019B960494DF}">
-                <a14:hiddenLine xmlns:a14="http://schemas.microsoft.com/office/drawing/2010/main" xmlns:p14="http://schemas.microsoft.com/office/powerpoint/2010/main" xmlns:a16="http://schemas.microsoft.com/office/drawing/2014/main" xmlns="" w="9525">
+                <a14:hiddenLine xmlns="" xmlns:a16="http://schemas.microsoft.com/office/drawing/2014/main" xmlns:p14="http://schemas.microsoft.com/office/powerpoint/2010/main" xmlns:a14="http://schemas.microsoft.com/office/drawing/2010/main" w="9525">
                   <a:solidFill>
                     <a:srgbClr val="000000"/>
                   </a:solidFill>
@@ -24495,7 +24467,7 @@
             </a:ln>
             <a:extLst>
               <a:ext uri="{91240B29-F687-4f45-9708-019B960494DF}">
-                <a14:hiddenLine xmlns:a14="http://schemas.microsoft.com/office/drawing/2010/main" xmlns:p14="http://schemas.microsoft.com/office/powerpoint/2010/main" xmlns:a16="http://schemas.microsoft.com/office/drawing/2014/main" xmlns="" w="9525">
+                <a14:hiddenLine xmlns="" xmlns:a16="http://schemas.microsoft.com/office/drawing/2014/main" xmlns:p14="http://schemas.microsoft.com/office/powerpoint/2010/main" xmlns:a14="http://schemas.microsoft.com/office/drawing/2010/main" w="9525">
                   <a:solidFill>
                     <a:srgbClr val="000000"/>
                   </a:solidFill>
@@ -24544,7 +24516,7 @@
             </a:ln>
             <a:extLst>
               <a:ext uri="{91240B29-F687-4f45-9708-019B960494DF}">
-                <a14:hiddenLine xmlns:a14="http://schemas.microsoft.com/office/drawing/2010/main" xmlns:p14="http://schemas.microsoft.com/office/powerpoint/2010/main" xmlns:a16="http://schemas.microsoft.com/office/drawing/2014/main" xmlns="" w="9525">
+                <a14:hiddenLine xmlns="" xmlns:a16="http://schemas.microsoft.com/office/drawing/2014/main" xmlns:p14="http://schemas.microsoft.com/office/powerpoint/2010/main" xmlns:a14="http://schemas.microsoft.com/office/drawing/2010/main" w="9525">
                   <a:solidFill>
                     <a:srgbClr val="000000"/>
                   </a:solidFill>
@@ -24649,7 +24621,7 @@
             </a:ln>
             <a:extLst>
               <a:ext uri="{91240B29-F687-4f45-9708-019B960494DF}">
-                <a14:hiddenLine xmlns:a14="http://schemas.microsoft.com/office/drawing/2010/main" xmlns:p14="http://schemas.microsoft.com/office/powerpoint/2010/main" xmlns:a16="http://schemas.microsoft.com/office/drawing/2014/main" xmlns="" w="9525">
+                <a14:hiddenLine xmlns="" xmlns:a16="http://schemas.microsoft.com/office/drawing/2014/main" xmlns:p14="http://schemas.microsoft.com/office/powerpoint/2010/main" xmlns:a14="http://schemas.microsoft.com/office/drawing/2010/main" w="9525">
                   <a:solidFill>
                     <a:srgbClr val="000000"/>
                   </a:solidFill>
@@ -24726,7 +24698,7 @@
             </a:ln>
             <a:extLst>
               <a:ext uri="{91240B29-F687-4f45-9708-019B960494DF}">
-                <a14:hiddenLine xmlns:a14="http://schemas.microsoft.com/office/drawing/2010/main" xmlns:p14="http://schemas.microsoft.com/office/powerpoint/2010/main" xmlns:a16="http://schemas.microsoft.com/office/drawing/2014/main" xmlns="" w="9525">
+                <a14:hiddenLine xmlns="" xmlns:a16="http://schemas.microsoft.com/office/drawing/2014/main" xmlns:p14="http://schemas.microsoft.com/office/powerpoint/2010/main" xmlns:a14="http://schemas.microsoft.com/office/drawing/2010/main" w="9525">
                   <a:solidFill>
                     <a:srgbClr val="000000"/>
                   </a:solidFill>
@@ -24803,7 +24775,7 @@
             </a:ln>
             <a:extLst>
               <a:ext uri="{91240B29-F687-4f45-9708-019B960494DF}">
-                <a14:hiddenLine xmlns:a14="http://schemas.microsoft.com/office/drawing/2010/main" xmlns:p14="http://schemas.microsoft.com/office/powerpoint/2010/main" xmlns:a16="http://schemas.microsoft.com/office/drawing/2014/main" xmlns="" w="9525">
+                <a14:hiddenLine xmlns="" xmlns:a16="http://schemas.microsoft.com/office/drawing/2014/main" xmlns:p14="http://schemas.microsoft.com/office/powerpoint/2010/main" xmlns:a14="http://schemas.microsoft.com/office/drawing/2010/main" w="9525">
                   <a:solidFill>
                     <a:srgbClr val="000000"/>
                   </a:solidFill>
@@ -24908,7 +24880,7 @@
             </a:ln>
             <a:extLst>
               <a:ext uri="{91240B29-F687-4f45-9708-019B960494DF}">
-                <a14:hiddenLine xmlns:a14="http://schemas.microsoft.com/office/drawing/2010/main" xmlns:p14="http://schemas.microsoft.com/office/powerpoint/2010/main" xmlns:a16="http://schemas.microsoft.com/office/drawing/2014/main" xmlns="" w="9525">
+                <a14:hiddenLine xmlns="" xmlns:a16="http://schemas.microsoft.com/office/drawing/2014/main" xmlns:p14="http://schemas.microsoft.com/office/powerpoint/2010/main" xmlns:a14="http://schemas.microsoft.com/office/drawing/2010/main" w="9525">
                   <a:solidFill>
                     <a:srgbClr val="000000"/>
                   </a:solidFill>
@@ -24985,7 +24957,7 @@
             </a:ln>
             <a:extLst>
               <a:ext uri="{91240B29-F687-4f45-9708-019B960494DF}">
-                <a14:hiddenLine xmlns:a14="http://schemas.microsoft.com/office/drawing/2010/main" xmlns:p14="http://schemas.microsoft.com/office/powerpoint/2010/main" xmlns:a16="http://schemas.microsoft.com/office/drawing/2014/main" xmlns="" w="9525">
+                <a14:hiddenLine xmlns="" xmlns:a16="http://schemas.microsoft.com/office/drawing/2014/main" xmlns:p14="http://schemas.microsoft.com/office/powerpoint/2010/main" xmlns:a14="http://schemas.microsoft.com/office/drawing/2010/main" w="9525">
                   <a:solidFill>
                     <a:srgbClr val="000000"/>
                   </a:solidFill>
@@ -25062,7 +25034,7 @@
             </a:ln>
             <a:extLst>
               <a:ext uri="{91240B29-F687-4f45-9708-019B960494DF}">
-                <a14:hiddenLine xmlns:a14="http://schemas.microsoft.com/office/drawing/2010/main" xmlns:p14="http://schemas.microsoft.com/office/powerpoint/2010/main" xmlns:a16="http://schemas.microsoft.com/office/drawing/2014/main" xmlns="" w="9525">
+                <a14:hiddenLine xmlns="" xmlns:a16="http://schemas.microsoft.com/office/drawing/2014/main" xmlns:p14="http://schemas.microsoft.com/office/powerpoint/2010/main" xmlns:a14="http://schemas.microsoft.com/office/drawing/2010/main" w="9525">
                   <a:solidFill>
                     <a:srgbClr val="000000"/>
                   </a:solidFill>
@@ -25167,7 +25139,7 @@
             </a:ln>
             <a:extLst>
               <a:ext uri="{91240B29-F687-4f45-9708-019B960494DF}">
-                <a14:hiddenLine xmlns:a14="http://schemas.microsoft.com/office/drawing/2010/main" xmlns:p14="http://schemas.microsoft.com/office/powerpoint/2010/main" xmlns:a16="http://schemas.microsoft.com/office/drawing/2014/main" xmlns="" w="9525">
+                <a14:hiddenLine xmlns="" xmlns:a16="http://schemas.microsoft.com/office/drawing/2014/main" xmlns:p14="http://schemas.microsoft.com/office/powerpoint/2010/main" xmlns:a14="http://schemas.microsoft.com/office/drawing/2010/main" w="9525">
                   <a:solidFill>
                     <a:srgbClr val="000000"/>
                   </a:solidFill>
@@ -25272,7 +25244,7 @@
             </a:ln>
             <a:extLst>
               <a:ext uri="{91240B29-F687-4f45-9708-019B960494DF}">
-                <a14:hiddenLine xmlns:a14="http://schemas.microsoft.com/office/drawing/2010/main" xmlns:p14="http://schemas.microsoft.com/office/powerpoint/2010/main" xmlns:a16="http://schemas.microsoft.com/office/drawing/2014/main" xmlns="" w="9525">
+                <a14:hiddenLine xmlns="" xmlns:a16="http://schemas.microsoft.com/office/drawing/2014/main" xmlns:p14="http://schemas.microsoft.com/office/powerpoint/2010/main" xmlns:a14="http://schemas.microsoft.com/office/drawing/2010/main" w="9525">
                   <a:solidFill>
                     <a:srgbClr val="000000"/>
                   </a:solidFill>
@@ -25349,7 +25321,7 @@
             </a:ln>
             <a:extLst>
               <a:ext uri="{91240B29-F687-4f45-9708-019B960494DF}">
-                <a14:hiddenLine xmlns:a14="http://schemas.microsoft.com/office/drawing/2010/main" xmlns:p14="http://schemas.microsoft.com/office/powerpoint/2010/main" xmlns:a16="http://schemas.microsoft.com/office/drawing/2014/main" xmlns="" w="9525">
+                <a14:hiddenLine xmlns="" xmlns:a16="http://schemas.microsoft.com/office/drawing/2014/main" xmlns:p14="http://schemas.microsoft.com/office/powerpoint/2010/main" xmlns:a14="http://schemas.microsoft.com/office/drawing/2010/main" w="9525">
                   <a:solidFill>
                     <a:srgbClr val="000000"/>
                   </a:solidFill>
@@ -25474,7 +25446,7 @@
             </a:ln>
             <a:extLst>
               <a:ext uri="{91240B29-F687-4f45-9708-019B960494DF}">
-                <a14:hiddenLine xmlns:a14="http://schemas.microsoft.com/office/drawing/2010/main" xmlns:p14="http://schemas.microsoft.com/office/powerpoint/2010/main" xmlns:a16="http://schemas.microsoft.com/office/drawing/2014/main" xmlns="" w="9525">
+                <a14:hiddenLine xmlns="" xmlns:a16="http://schemas.microsoft.com/office/drawing/2014/main" xmlns:p14="http://schemas.microsoft.com/office/powerpoint/2010/main" xmlns:a14="http://schemas.microsoft.com/office/drawing/2010/main" w="9525">
                   <a:solidFill>
                     <a:srgbClr val="000000"/>
                   </a:solidFill>
@@ -25551,7 +25523,7 @@
             </a:ln>
             <a:extLst>
               <a:ext uri="{91240B29-F687-4f45-9708-019B960494DF}">
-                <a14:hiddenLine xmlns:a14="http://schemas.microsoft.com/office/drawing/2010/main" xmlns:p14="http://schemas.microsoft.com/office/powerpoint/2010/main" xmlns:a16="http://schemas.microsoft.com/office/drawing/2014/main" xmlns="" w="9525">
+                <a14:hiddenLine xmlns="" xmlns:a16="http://schemas.microsoft.com/office/drawing/2014/main" xmlns:p14="http://schemas.microsoft.com/office/powerpoint/2010/main" xmlns:a14="http://schemas.microsoft.com/office/drawing/2010/main" w="9525">
                   <a:solidFill>
                     <a:srgbClr val="000000"/>
                   </a:solidFill>
@@ -25656,7 +25628,7 @@
             </a:ln>
             <a:extLst>
               <a:ext uri="{91240B29-F687-4f45-9708-019B960494DF}">
-                <a14:hiddenLine xmlns:a14="http://schemas.microsoft.com/office/drawing/2010/main" xmlns:p14="http://schemas.microsoft.com/office/powerpoint/2010/main" xmlns:a16="http://schemas.microsoft.com/office/drawing/2014/main" xmlns="" w="9525">
+                <a14:hiddenLine xmlns="" xmlns:a16="http://schemas.microsoft.com/office/drawing/2014/main" xmlns:p14="http://schemas.microsoft.com/office/powerpoint/2010/main" xmlns:a14="http://schemas.microsoft.com/office/drawing/2010/main" w="9525">
                   <a:solidFill>
                     <a:srgbClr val="000000"/>
                   </a:solidFill>
@@ -25761,7 +25733,7 @@
             </a:ln>
             <a:extLst>
               <a:ext uri="{91240B29-F687-4f45-9708-019B960494DF}">
-                <a14:hiddenLine xmlns:a14="http://schemas.microsoft.com/office/drawing/2010/main" xmlns:p14="http://schemas.microsoft.com/office/powerpoint/2010/main" xmlns:a16="http://schemas.microsoft.com/office/drawing/2014/main" xmlns="" w="9525">
+                <a14:hiddenLine xmlns="" xmlns:a16="http://schemas.microsoft.com/office/drawing/2014/main" xmlns:p14="http://schemas.microsoft.com/office/powerpoint/2010/main" xmlns:a14="http://schemas.microsoft.com/office/drawing/2010/main" w="9525">
                   <a:solidFill>
                     <a:srgbClr val="000000"/>
                   </a:solidFill>
@@ -25838,7 +25810,7 @@
             </a:ln>
             <a:extLst>
               <a:ext uri="{91240B29-F687-4f45-9708-019B960494DF}">
-                <a14:hiddenLine xmlns:a14="http://schemas.microsoft.com/office/drawing/2010/main" xmlns:p14="http://schemas.microsoft.com/office/powerpoint/2010/main" xmlns:a16="http://schemas.microsoft.com/office/drawing/2014/main" xmlns="" w="9525">
+                <a14:hiddenLine xmlns="" xmlns:a16="http://schemas.microsoft.com/office/drawing/2014/main" xmlns:p14="http://schemas.microsoft.com/office/powerpoint/2010/main" xmlns:a14="http://schemas.microsoft.com/office/drawing/2010/main" w="9525">
                   <a:solidFill>
                     <a:srgbClr val="000000"/>
                   </a:solidFill>
@@ -25943,7 +25915,7 @@
             </a:ln>
             <a:extLst>
               <a:ext uri="{91240B29-F687-4f45-9708-019B960494DF}">
-                <a14:hiddenLine xmlns:a14="http://schemas.microsoft.com/office/drawing/2010/main" xmlns:p14="http://schemas.microsoft.com/office/powerpoint/2010/main" xmlns:a16="http://schemas.microsoft.com/office/drawing/2014/main" xmlns="" w="9525">
+                <a14:hiddenLine xmlns="" xmlns:a16="http://schemas.microsoft.com/office/drawing/2014/main" xmlns:p14="http://schemas.microsoft.com/office/powerpoint/2010/main" xmlns:a14="http://schemas.microsoft.com/office/drawing/2010/main" w="9525">
                   <a:solidFill>
                     <a:srgbClr val="000000"/>
                   </a:solidFill>
@@ -26048,7 +26020,7 @@
             </a:ln>
             <a:extLst>
               <a:ext uri="{91240B29-F687-4f45-9708-019B960494DF}">
-                <a14:hiddenLine xmlns:a14="http://schemas.microsoft.com/office/drawing/2010/main" xmlns:p14="http://schemas.microsoft.com/office/powerpoint/2010/main" xmlns:a16="http://schemas.microsoft.com/office/drawing/2014/main" xmlns="" w="9525">
+                <a14:hiddenLine xmlns="" xmlns:a16="http://schemas.microsoft.com/office/drawing/2014/main" xmlns:p14="http://schemas.microsoft.com/office/powerpoint/2010/main" xmlns:a14="http://schemas.microsoft.com/office/drawing/2010/main" w="9525">
                   <a:solidFill>
                     <a:srgbClr val="000000"/>
                   </a:solidFill>
@@ -26119,7 +26091,7 @@
             </a:ln>
             <a:extLst>
               <a:ext uri="{91240B29-F687-4f45-9708-019B960494DF}">
-                <a14:hiddenLine xmlns:a14="http://schemas.microsoft.com/office/drawing/2010/main" xmlns:p14="http://schemas.microsoft.com/office/powerpoint/2010/main" xmlns:a16="http://schemas.microsoft.com/office/drawing/2014/main" xmlns="" w="9525">
+                <a14:hiddenLine xmlns="" xmlns:a16="http://schemas.microsoft.com/office/drawing/2014/main" xmlns:p14="http://schemas.microsoft.com/office/powerpoint/2010/main" xmlns:a14="http://schemas.microsoft.com/office/drawing/2010/main" w="9525">
                   <a:solidFill>
                     <a:srgbClr val="000000"/>
                   </a:solidFill>
@@ -26224,7 +26196,7 @@
             </a:ln>
             <a:extLst>
               <a:ext uri="{91240B29-F687-4f45-9708-019B960494DF}">
-                <a14:hiddenLine xmlns:a14="http://schemas.microsoft.com/office/drawing/2010/main" xmlns:p14="http://schemas.microsoft.com/office/powerpoint/2010/main" xmlns:a16="http://schemas.microsoft.com/office/drawing/2014/main" xmlns="" w="9525">
+                <a14:hiddenLine xmlns="" xmlns:a16="http://schemas.microsoft.com/office/drawing/2014/main" xmlns:p14="http://schemas.microsoft.com/office/powerpoint/2010/main" xmlns:a14="http://schemas.microsoft.com/office/drawing/2010/main" w="9525">
                   <a:solidFill>
                     <a:srgbClr val="000000"/>
                   </a:solidFill>
@@ -26295,7 +26267,7 @@
             </a:ln>
             <a:extLst>
               <a:ext uri="{91240B29-F687-4f45-9708-019B960494DF}">
-                <a14:hiddenLine xmlns:a14="http://schemas.microsoft.com/office/drawing/2010/main" xmlns:p14="http://schemas.microsoft.com/office/powerpoint/2010/main" xmlns:a16="http://schemas.microsoft.com/office/drawing/2014/main" xmlns="" w="9525">
+                <a14:hiddenLine xmlns="" xmlns:a16="http://schemas.microsoft.com/office/drawing/2014/main" xmlns:p14="http://schemas.microsoft.com/office/powerpoint/2010/main" xmlns:a14="http://schemas.microsoft.com/office/drawing/2010/main" w="9525">
                   <a:solidFill>
                     <a:srgbClr val="000000"/>
                   </a:solidFill>
@@ -26400,7 +26372,7 @@
             </a:ln>
             <a:extLst>
               <a:ext uri="{91240B29-F687-4f45-9708-019B960494DF}">
-                <a14:hiddenLine xmlns:a14="http://schemas.microsoft.com/office/drawing/2010/main" xmlns:p14="http://schemas.microsoft.com/office/powerpoint/2010/main" xmlns:a16="http://schemas.microsoft.com/office/drawing/2014/main" xmlns="" w="9525">
+                <a14:hiddenLine xmlns="" xmlns:a16="http://schemas.microsoft.com/office/drawing/2014/main" xmlns:p14="http://schemas.microsoft.com/office/powerpoint/2010/main" xmlns:a14="http://schemas.microsoft.com/office/drawing/2010/main" w="9525">
                   <a:solidFill>
                     <a:srgbClr val="000000"/>
                   </a:solidFill>
@@ -26483,7 +26455,7 @@
             </a:ln>
             <a:extLst>
               <a:ext uri="{91240B29-F687-4f45-9708-019B960494DF}">
-                <a14:hiddenLine xmlns:a14="http://schemas.microsoft.com/office/drawing/2010/main" xmlns:p14="http://schemas.microsoft.com/office/powerpoint/2010/main" xmlns:a16="http://schemas.microsoft.com/office/drawing/2014/main" xmlns="" w="9525">
+                <a14:hiddenLine xmlns="" xmlns:a16="http://schemas.microsoft.com/office/drawing/2014/main" xmlns:p14="http://schemas.microsoft.com/office/powerpoint/2010/main" xmlns:a14="http://schemas.microsoft.com/office/drawing/2010/main" w="9525">
                   <a:solidFill>
                     <a:srgbClr val="000000"/>
                   </a:solidFill>
@@ -26588,7 +26560,7 @@
             </a:ln>
             <a:extLst>
               <a:ext uri="{91240B29-F687-4f45-9708-019B960494DF}">
-                <a14:hiddenLine xmlns:a14="http://schemas.microsoft.com/office/drawing/2010/main" xmlns:p14="http://schemas.microsoft.com/office/powerpoint/2010/main" xmlns:a16="http://schemas.microsoft.com/office/drawing/2014/main" xmlns="" w="9525">
+                <a14:hiddenLine xmlns="" xmlns:a16="http://schemas.microsoft.com/office/drawing/2014/main" xmlns:p14="http://schemas.microsoft.com/office/powerpoint/2010/main" xmlns:a14="http://schemas.microsoft.com/office/drawing/2010/main" w="9525">
                   <a:solidFill>
                     <a:srgbClr val="000000"/>
                   </a:solidFill>
@@ -26671,7 +26643,7 @@
             </a:ln>
             <a:extLst>
               <a:ext uri="{91240B29-F687-4f45-9708-019B960494DF}">
-                <a14:hiddenLine xmlns:a14="http://schemas.microsoft.com/office/drawing/2010/main" xmlns:p14="http://schemas.microsoft.com/office/powerpoint/2010/main" xmlns:a16="http://schemas.microsoft.com/office/drawing/2014/main" xmlns="" w="9525">
+                <a14:hiddenLine xmlns="" xmlns:a16="http://schemas.microsoft.com/office/drawing/2014/main" xmlns:p14="http://schemas.microsoft.com/office/powerpoint/2010/main" xmlns:a14="http://schemas.microsoft.com/office/drawing/2010/main" w="9525">
                   <a:solidFill>
                     <a:srgbClr val="000000"/>
                   </a:solidFill>
@@ -26776,7 +26748,7 @@
             </a:ln>
             <a:extLst>
               <a:ext uri="{91240B29-F687-4f45-9708-019B960494DF}">
-                <a14:hiddenLine xmlns:a14="http://schemas.microsoft.com/office/drawing/2010/main" xmlns:p14="http://schemas.microsoft.com/office/powerpoint/2010/main" xmlns:a16="http://schemas.microsoft.com/office/drawing/2014/main" xmlns="" w="9525">
+                <a14:hiddenLine xmlns="" xmlns:a16="http://schemas.microsoft.com/office/drawing/2014/main" xmlns:p14="http://schemas.microsoft.com/office/powerpoint/2010/main" xmlns:a14="http://schemas.microsoft.com/office/drawing/2010/main" w="9525">
                   <a:solidFill>
                     <a:srgbClr val="000000"/>
                   </a:solidFill>
@@ -26825,7 +26797,7 @@
             </a:ln>
             <a:extLst>
               <a:ext uri="{91240B29-F687-4f45-9708-019B960494DF}">
-                <a14:hiddenLine xmlns:a14="http://schemas.microsoft.com/office/drawing/2010/main" xmlns:p14="http://schemas.microsoft.com/office/powerpoint/2010/main" xmlns:a16="http://schemas.microsoft.com/office/drawing/2014/main" xmlns="" w="9525">
+                <a14:hiddenLine xmlns="" xmlns:a16="http://schemas.microsoft.com/office/drawing/2014/main" xmlns:p14="http://schemas.microsoft.com/office/powerpoint/2010/main" xmlns:a14="http://schemas.microsoft.com/office/drawing/2010/main" w="9525">
                   <a:solidFill>
                     <a:srgbClr val="000000"/>
                   </a:solidFill>
@@ -26930,7 +26902,7 @@
             </a:ln>
             <a:extLst>
               <a:ext uri="{91240B29-F687-4f45-9708-019B960494DF}">
-                <a14:hiddenLine xmlns:a14="http://schemas.microsoft.com/office/drawing/2010/main" xmlns:p14="http://schemas.microsoft.com/office/powerpoint/2010/main" xmlns:a16="http://schemas.microsoft.com/office/drawing/2014/main" xmlns="" w="9525">
+                <a14:hiddenLine xmlns="" xmlns:a16="http://schemas.microsoft.com/office/drawing/2014/main" xmlns:p14="http://schemas.microsoft.com/office/powerpoint/2010/main" xmlns:a14="http://schemas.microsoft.com/office/drawing/2010/main" w="9525">
                   <a:solidFill>
                     <a:srgbClr val="000000"/>
                   </a:solidFill>
@@ -27007,7 +26979,7 @@
             </a:ln>
             <a:extLst>
               <a:ext uri="{91240B29-F687-4f45-9708-019B960494DF}">
-                <a14:hiddenLine xmlns:a14="http://schemas.microsoft.com/office/drawing/2010/main" xmlns:p14="http://schemas.microsoft.com/office/powerpoint/2010/main" xmlns:a16="http://schemas.microsoft.com/office/drawing/2014/main" xmlns="" w="9525">
+                <a14:hiddenLine xmlns="" xmlns:a16="http://schemas.microsoft.com/office/drawing/2014/main" xmlns:p14="http://schemas.microsoft.com/office/powerpoint/2010/main" xmlns:a14="http://schemas.microsoft.com/office/drawing/2010/main" w="9525">
                   <a:solidFill>
                     <a:srgbClr val="000000"/>
                   </a:solidFill>
@@ -27084,7 +27056,7 @@
             </a:ln>
             <a:extLst>
               <a:ext uri="{91240B29-F687-4f45-9708-019B960494DF}">
-                <a14:hiddenLine xmlns:a14="http://schemas.microsoft.com/office/drawing/2010/main" xmlns:p14="http://schemas.microsoft.com/office/powerpoint/2010/main" xmlns:a16="http://schemas.microsoft.com/office/drawing/2014/main" xmlns="" w="9525">
+                <a14:hiddenLine xmlns="" xmlns:a16="http://schemas.microsoft.com/office/drawing/2014/main" xmlns:p14="http://schemas.microsoft.com/office/powerpoint/2010/main" xmlns:a14="http://schemas.microsoft.com/office/drawing/2010/main" w="9525">
                   <a:solidFill>
                     <a:srgbClr val="000000"/>
                   </a:solidFill>
@@ -27189,7 +27161,7 @@
             </a:ln>
             <a:extLst>
               <a:ext uri="{91240B29-F687-4f45-9708-019B960494DF}">
-                <a14:hiddenLine xmlns:a14="http://schemas.microsoft.com/office/drawing/2010/main" xmlns:p14="http://schemas.microsoft.com/office/powerpoint/2010/main" xmlns:a16="http://schemas.microsoft.com/office/drawing/2014/main" xmlns="" w="9525">
+                <a14:hiddenLine xmlns="" xmlns:a16="http://schemas.microsoft.com/office/drawing/2014/main" xmlns:p14="http://schemas.microsoft.com/office/powerpoint/2010/main" xmlns:a14="http://schemas.microsoft.com/office/drawing/2010/main" w="9525">
                   <a:solidFill>
                     <a:srgbClr val="000000"/>
                   </a:solidFill>
@@ -27272,7 +27244,7 @@
             </a:ln>
             <a:extLst>
               <a:ext uri="{91240B29-F687-4f45-9708-019B960494DF}">
-                <a14:hiddenLine xmlns:a14="http://schemas.microsoft.com/office/drawing/2010/main" xmlns:p14="http://schemas.microsoft.com/office/powerpoint/2010/main" xmlns:a16="http://schemas.microsoft.com/office/drawing/2014/main" xmlns="" w="9525">
+                <a14:hiddenLine xmlns="" xmlns:a16="http://schemas.microsoft.com/office/drawing/2014/main" xmlns:p14="http://schemas.microsoft.com/office/powerpoint/2010/main" xmlns:a14="http://schemas.microsoft.com/office/drawing/2010/main" w="9525">
                   <a:solidFill>
                     <a:srgbClr val="000000"/>
                   </a:solidFill>
@@ -27349,7 +27321,7 @@
             </a:ln>
             <a:extLst>
               <a:ext uri="{91240B29-F687-4f45-9708-019B960494DF}">
-                <a14:hiddenLine xmlns:a14="http://schemas.microsoft.com/office/drawing/2010/main" xmlns:p14="http://schemas.microsoft.com/office/powerpoint/2010/main" xmlns:a16="http://schemas.microsoft.com/office/drawing/2014/main" xmlns="" w="9525">
+                <a14:hiddenLine xmlns="" xmlns:a16="http://schemas.microsoft.com/office/drawing/2014/main" xmlns:p14="http://schemas.microsoft.com/office/powerpoint/2010/main" xmlns:a14="http://schemas.microsoft.com/office/drawing/2010/main" w="9525">
                   <a:solidFill>
                     <a:srgbClr val="000000"/>
                   </a:solidFill>
@@ -27454,7 +27426,7 @@
             </a:ln>
             <a:extLst>
               <a:ext uri="{91240B29-F687-4f45-9708-019B960494DF}">
-                <a14:hiddenLine xmlns:a14="http://schemas.microsoft.com/office/drawing/2010/main" xmlns:p14="http://schemas.microsoft.com/office/powerpoint/2010/main" xmlns:a16="http://schemas.microsoft.com/office/drawing/2014/main" xmlns="" w="9525">
+                <a14:hiddenLine xmlns="" xmlns:a16="http://schemas.microsoft.com/office/drawing/2014/main" xmlns:p14="http://schemas.microsoft.com/office/powerpoint/2010/main" xmlns:a14="http://schemas.microsoft.com/office/drawing/2010/main" w="9525">
                   <a:solidFill>
                     <a:srgbClr val="000000"/>
                   </a:solidFill>
@@ -27531,7 +27503,7 @@
             </a:ln>
             <a:extLst>
               <a:ext uri="{91240B29-F687-4f45-9708-019B960494DF}">
-                <a14:hiddenLine xmlns:a14="http://schemas.microsoft.com/office/drawing/2010/main" xmlns:p14="http://schemas.microsoft.com/office/powerpoint/2010/main" xmlns:a16="http://schemas.microsoft.com/office/drawing/2014/main" xmlns="" w="9525">
+                <a14:hiddenLine xmlns="" xmlns:a16="http://schemas.microsoft.com/office/drawing/2014/main" xmlns:p14="http://schemas.microsoft.com/office/powerpoint/2010/main" xmlns:a14="http://schemas.microsoft.com/office/drawing/2010/main" w="9525">
                   <a:solidFill>
                     <a:srgbClr val="000000"/>
                   </a:solidFill>
@@ -27636,7 +27608,7 @@
             </a:ln>
             <a:extLst>
               <a:ext uri="{91240B29-F687-4f45-9708-019B960494DF}">
-                <a14:hiddenLine xmlns:a14="http://schemas.microsoft.com/office/drawing/2010/main" xmlns:p14="http://schemas.microsoft.com/office/powerpoint/2010/main" xmlns:a16="http://schemas.microsoft.com/office/drawing/2014/main" xmlns="" w="9525">
+                <a14:hiddenLine xmlns="" xmlns:a16="http://schemas.microsoft.com/office/drawing/2014/main" xmlns:p14="http://schemas.microsoft.com/office/powerpoint/2010/main" xmlns:a14="http://schemas.microsoft.com/office/drawing/2010/main" w="9525">
                   <a:solidFill>
                     <a:srgbClr val="000000"/>
                   </a:solidFill>
@@ -27713,7 +27685,7 @@
             </a:ln>
             <a:extLst>
               <a:ext uri="{91240B29-F687-4f45-9708-019B960494DF}">
-                <a14:hiddenLine xmlns:a14="http://schemas.microsoft.com/office/drawing/2010/main" xmlns:p14="http://schemas.microsoft.com/office/powerpoint/2010/main" xmlns:a16="http://schemas.microsoft.com/office/drawing/2014/main" xmlns="" w="9525">
+                <a14:hiddenLine xmlns="" xmlns:a16="http://schemas.microsoft.com/office/drawing/2014/main" xmlns:p14="http://schemas.microsoft.com/office/powerpoint/2010/main" xmlns:a14="http://schemas.microsoft.com/office/drawing/2010/main" w="9525">
                   <a:solidFill>
                     <a:srgbClr val="000000"/>
                   </a:solidFill>
@@ -27818,7 +27790,7 @@
             </a:ln>
             <a:extLst>
               <a:ext uri="{91240B29-F687-4f45-9708-019B960494DF}">
-                <a14:hiddenLine xmlns:a14="http://schemas.microsoft.com/office/drawing/2010/main" xmlns:p14="http://schemas.microsoft.com/office/powerpoint/2010/main" xmlns:a16="http://schemas.microsoft.com/office/drawing/2014/main" xmlns="" w="9525">
+                <a14:hiddenLine xmlns="" xmlns:a16="http://schemas.microsoft.com/office/drawing/2014/main" xmlns:p14="http://schemas.microsoft.com/office/powerpoint/2010/main" xmlns:a14="http://schemas.microsoft.com/office/drawing/2010/main" w="9525">
                   <a:solidFill>
                     <a:srgbClr val="000000"/>
                   </a:solidFill>
@@ -27867,7 +27839,7 @@
             </a:ln>
             <a:extLst>
               <a:ext uri="{91240B29-F687-4f45-9708-019B960494DF}">
-                <a14:hiddenLine xmlns:a14="http://schemas.microsoft.com/office/drawing/2010/main" xmlns:p14="http://schemas.microsoft.com/office/powerpoint/2010/main" xmlns:a16="http://schemas.microsoft.com/office/drawing/2014/main" xmlns="" w="9525">
+                <a14:hiddenLine xmlns="" xmlns:a16="http://schemas.microsoft.com/office/drawing/2014/main" xmlns:p14="http://schemas.microsoft.com/office/powerpoint/2010/main" xmlns:a14="http://schemas.microsoft.com/office/drawing/2010/main" w="9525">
                   <a:solidFill>
                     <a:srgbClr val="000000"/>
                   </a:solidFill>
@@ -27947,7 +27919,7 @@
             </a:ln>
             <a:extLst>
               <a:ext uri="{91240B29-F687-4f45-9708-019B960494DF}">
-                <a14:hiddenLine xmlns:a14="http://schemas.microsoft.com/office/drawing/2010/main" xmlns:p14="http://schemas.microsoft.com/office/powerpoint/2010/main" xmlns:a16="http://schemas.microsoft.com/office/drawing/2014/main" xmlns="" w="9525">
+                <a14:hiddenLine xmlns="" xmlns:a16="http://schemas.microsoft.com/office/drawing/2014/main" xmlns:p14="http://schemas.microsoft.com/office/powerpoint/2010/main" xmlns:a14="http://schemas.microsoft.com/office/drawing/2010/main" w="9525">
                   <a:solidFill>
                     <a:srgbClr val="000000"/>
                   </a:solidFill>
@@ -28052,7 +28024,7 @@
             </a:ln>
             <a:extLst>
               <a:ext uri="{91240B29-F687-4f45-9708-019B960494DF}">
-                <a14:hiddenLine xmlns:a14="http://schemas.microsoft.com/office/drawing/2010/main" xmlns:p14="http://schemas.microsoft.com/office/powerpoint/2010/main" xmlns:a16="http://schemas.microsoft.com/office/drawing/2014/main" xmlns="" w="9525">
+                <a14:hiddenLine xmlns="" xmlns:a16="http://schemas.microsoft.com/office/drawing/2014/main" xmlns:p14="http://schemas.microsoft.com/office/powerpoint/2010/main" xmlns:a14="http://schemas.microsoft.com/office/drawing/2010/main" w="9525">
                   <a:solidFill>
                     <a:srgbClr val="000000"/>
                   </a:solidFill>
@@ -28129,7 +28101,7 @@
             </a:ln>
             <a:extLst>
               <a:ext uri="{91240B29-F687-4f45-9708-019B960494DF}">
-                <a14:hiddenLine xmlns:a14="http://schemas.microsoft.com/office/drawing/2010/main" xmlns:p14="http://schemas.microsoft.com/office/powerpoint/2010/main" xmlns:a16="http://schemas.microsoft.com/office/drawing/2014/main" xmlns="" w="9525">
+                <a14:hiddenLine xmlns="" xmlns:a16="http://schemas.microsoft.com/office/drawing/2014/main" xmlns:p14="http://schemas.microsoft.com/office/powerpoint/2010/main" xmlns:a14="http://schemas.microsoft.com/office/drawing/2010/main" w="9525">
                   <a:solidFill>
                     <a:srgbClr val="000000"/>
                   </a:solidFill>
@@ -28234,7 +28206,7 @@
             </a:ln>
             <a:extLst>
               <a:ext uri="{91240B29-F687-4f45-9708-019B960494DF}">
-                <a14:hiddenLine xmlns:a14="http://schemas.microsoft.com/office/drawing/2010/main" xmlns:p14="http://schemas.microsoft.com/office/powerpoint/2010/main" xmlns:a16="http://schemas.microsoft.com/office/drawing/2014/main" xmlns="" w="9525">
+                <a14:hiddenLine xmlns="" xmlns:a16="http://schemas.microsoft.com/office/drawing/2014/main" xmlns:p14="http://schemas.microsoft.com/office/powerpoint/2010/main" xmlns:a14="http://schemas.microsoft.com/office/drawing/2010/main" w="9525">
                   <a:solidFill>
                     <a:srgbClr val="000000"/>
                   </a:solidFill>
@@ -28339,7 +28311,7 @@
             </a:ln>
             <a:extLst>
               <a:ext uri="{91240B29-F687-4f45-9708-019B960494DF}">
-                <a14:hiddenLine xmlns:a14="http://schemas.microsoft.com/office/drawing/2010/main" xmlns:p14="http://schemas.microsoft.com/office/powerpoint/2010/main" xmlns:a16="http://schemas.microsoft.com/office/drawing/2014/main" xmlns="" w="9525">
+                <a14:hiddenLine xmlns="" xmlns:a16="http://schemas.microsoft.com/office/drawing/2014/main" xmlns:p14="http://schemas.microsoft.com/office/powerpoint/2010/main" xmlns:a14="http://schemas.microsoft.com/office/drawing/2010/main" w="9525">
                   <a:solidFill>
                     <a:srgbClr val="000000"/>
                   </a:solidFill>
@@ -28419,7 +28391,7 @@
             </a:ln>
             <a:extLst>
               <a:ext uri="{91240B29-F687-4f45-9708-019B960494DF}">
-                <a14:hiddenLine xmlns:a14="http://schemas.microsoft.com/office/drawing/2010/main" xmlns:p14="http://schemas.microsoft.com/office/powerpoint/2010/main" xmlns:a16="http://schemas.microsoft.com/office/drawing/2014/main" xmlns="" w="9525">
+                <a14:hiddenLine xmlns="" xmlns:a16="http://schemas.microsoft.com/office/drawing/2014/main" xmlns:p14="http://schemas.microsoft.com/office/powerpoint/2010/main" xmlns:a14="http://schemas.microsoft.com/office/drawing/2010/main" w="9525">
                   <a:solidFill>
                     <a:srgbClr val="000000"/>
                   </a:solidFill>
@@ -28496,7 +28468,7 @@
             </a:ln>
             <a:extLst>
               <a:ext uri="{91240B29-F687-4f45-9708-019B960494DF}">
-                <a14:hiddenLine xmlns:a14="http://schemas.microsoft.com/office/drawing/2010/main" xmlns:p14="http://schemas.microsoft.com/office/powerpoint/2010/main" xmlns:a16="http://schemas.microsoft.com/office/drawing/2014/main" xmlns="" w="9525">
+                <a14:hiddenLine xmlns="" xmlns:a16="http://schemas.microsoft.com/office/drawing/2014/main" xmlns:p14="http://schemas.microsoft.com/office/powerpoint/2010/main" xmlns:a14="http://schemas.microsoft.com/office/drawing/2010/main" w="9525">
                   <a:solidFill>
                     <a:srgbClr val="000000"/>
                   </a:solidFill>
@@ -28601,7 +28573,7 @@
             </a:ln>
             <a:extLst>
               <a:ext uri="{91240B29-F687-4f45-9708-019B960494DF}">
-                <a14:hiddenLine xmlns:a14="http://schemas.microsoft.com/office/drawing/2010/main" xmlns:p14="http://schemas.microsoft.com/office/powerpoint/2010/main" xmlns:a16="http://schemas.microsoft.com/office/drawing/2014/main" xmlns="" w="9525">
+                <a14:hiddenLine xmlns="" xmlns:a16="http://schemas.microsoft.com/office/drawing/2014/main" xmlns:p14="http://schemas.microsoft.com/office/powerpoint/2010/main" xmlns:a14="http://schemas.microsoft.com/office/drawing/2010/main" w="9525">
                   <a:solidFill>
                     <a:srgbClr val="000000"/>
                   </a:solidFill>
@@ -28706,7 +28678,7 @@
             </a:ln>
             <a:extLst>
               <a:ext uri="{91240B29-F687-4f45-9708-019B960494DF}">
-                <a14:hiddenLine xmlns:a14="http://schemas.microsoft.com/office/drawing/2010/main" xmlns:p14="http://schemas.microsoft.com/office/powerpoint/2010/main" xmlns:a16="http://schemas.microsoft.com/office/drawing/2014/main" xmlns="" w="9525">
+                <a14:hiddenLine xmlns="" xmlns:a16="http://schemas.microsoft.com/office/drawing/2014/main" xmlns:p14="http://schemas.microsoft.com/office/powerpoint/2010/main" xmlns:a14="http://schemas.microsoft.com/office/drawing/2010/main" w="9525">
                   <a:solidFill>
                     <a:srgbClr val="000000"/>
                   </a:solidFill>
@@ -28783,7 +28755,7 @@
             </a:ln>
             <a:extLst>
               <a:ext uri="{91240B29-F687-4f45-9708-019B960494DF}">
-                <a14:hiddenLine xmlns:a14="http://schemas.microsoft.com/office/drawing/2010/main" xmlns:p14="http://schemas.microsoft.com/office/powerpoint/2010/main" xmlns:a16="http://schemas.microsoft.com/office/drawing/2014/main" xmlns="" w="9525">
+                <a14:hiddenLine xmlns="" xmlns:a16="http://schemas.microsoft.com/office/drawing/2014/main" xmlns:p14="http://schemas.microsoft.com/office/powerpoint/2010/main" xmlns:a14="http://schemas.microsoft.com/office/drawing/2010/main" w="9525">
                   <a:solidFill>
                     <a:srgbClr val="000000"/>
                   </a:solidFill>
@@ -28918,7 +28890,7 @@
             </a:ln>
             <a:extLst>
               <a:ext uri="{91240B29-F687-4f45-9708-019B960494DF}">
-                <a14:hiddenLine xmlns:a14="http://schemas.microsoft.com/office/drawing/2010/main" xmlns:p14="http://schemas.microsoft.com/office/powerpoint/2010/main" xmlns:a16="http://schemas.microsoft.com/office/drawing/2014/main" xmlns="" w="9525">
+                <a14:hiddenLine xmlns="" xmlns:a16="http://schemas.microsoft.com/office/drawing/2014/main" xmlns:p14="http://schemas.microsoft.com/office/powerpoint/2010/main" xmlns:a14="http://schemas.microsoft.com/office/drawing/2010/main" w="9525">
                   <a:solidFill>
                     <a:srgbClr val="000000"/>
                   </a:solidFill>
@@ -29001,7 +28973,7 @@
             </a:ln>
             <a:extLst>
               <a:ext uri="{91240B29-F687-4f45-9708-019B960494DF}">
-                <a14:hiddenLine xmlns:a14="http://schemas.microsoft.com/office/drawing/2010/main" xmlns:p14="http://schemas.microsoft.com/office/powerpoint/2010/main" xmlns:a16="http://schemas.microsoft.com/office/drawing/2014/main" xmlns="" w="9525">
+                <a14:hiddenLine xmlns="" xmlns:a16="http://schemas.microsoft.com/office/drawing/2014/main" xmlns:p14="http://schemas.microsoft.com/office/powerpoint/2010/main" xmlns:a14="http://schemas.microsoft.com/office/drawing/2010/main" w="9525">
                   <a:solidFill>
                     <a:srgbClr val="000000"/>
                   </a:solidFill>
@@ -29106,7 +29078,7 @@
             </a:ln>
             <a:extLst>
               <a:ext uri="{91240B29-F687-4f45-9708-019B960494DF}">
-                <a14:hiddenLine xmlns:a14="http://schemas.microsoft.com/office/drawing/2010/main" xmlns:p14="http://schemas.microsoft.com/office/powerpoint/2010/main" xmlns:a16="http://schemas.microsoft.com/office/drawing/2014/main" xmlns="" w="9525">
+                <a14:hiddenLine xmlns="" xmlns:a16="http://schemas.microsoft.com/office/drawing/2014/main" xmlns:p14="http://schemas.microsoft.com/office/powerpoint/2010/main" xmlns:a14="http://schemas.microsoft.com/office/drawing/2010/main" w="9525">
                   <a:solidFill>
                     <a:srgbClr val="000000"/>
                   </a:solidFill>
@@ -29174,7 +29146,7 @@
           <a:noFill/>
           <a:extLst>
             <a:ext uri="{909E8E84-426E-40dd-AFC4-6F175D3DCCD1}">
-              <a14:hiddenFill xmlns:a14="http://schemas.microsoft.com/office/drawing/2010/main" xmlns:p14="http://schemas.microsoft.com/office/powerpoint/2010/main" xmlns:a16="http://schemas.microsoft.com/office/drawing/2014/main" xmlns="">
+              <a14:hiddenFill xmlns="" xmlns:a16="http://schemas.microsoft.com/office/drawing/2014/main" xmlns:p14="http://schemas.microsoft.com/office/powerpoint/2010/main" xmlns:a14="http://schemas.microsoft.com/office/drawing/2010/main">
                 <a:solidFill>
                   <a:srgbClr val="FFFFFF"/>
                 </a:solidFill>
@@ -29683,7 +29655,7 @@
             </a:ln>
             <a:extLst>
               <a:ext uri="{91240B29-F687-4f45-9708-019B960494DF}">
-                <a14:hiddenLine xmlns:a14="http://schemas.microsoft.com/office/drawing/2010/main" xmlns:p14="http://schemas.microsoft.com/office/powerpoint/2010/main" xmlns:a16="http://schemas.microsoft.com/office/drawing/2014/main" xmlns="" w="9525">
+                <a14:hiddenLine xmlns="" xmlns:a16="http://schemas.microsoft.com/office/drawing/2014/main" xmlns:p14="http://schemas.microsoft.com/office/powerpoint/2010/main" xmlns:a14="http://schemas.microsoft.com/office/drawing/2010/main" w="9525">
                   <a:solidFill>
                     <a:srgbClr val="000000"/>
                   </a:solidFill>
@@ -29788,7 +29760,7 @@
             </a:ln>
             <a:extLst>
               <a:ext uri="{91240B29-F687-4f45-9708-019B960494DF}">
-                <a14:hiddenLine xmlns:a14="http://schemas.microsoft.com/office/drawing/2010/main" xmlns:p14="http://schemas.microsoft.com/office/powerpoint/2010/main" xmlns:a16="http://schemas.microsoft.com/office/drawing/2014/main" xmlns="" w="9525">
+                <a14:hiddenLine xmlns="" xmlns:a16="http://schemas.microsoft.com/office/drawing/2014/main" xmlns:p14="http://schemas.microsoft.com/office/powerpoint/2010/main" xmlns:a14="http://schemas.microsoft.com/office/drawing/2010/main" w="9525">
                   <a:solidFill>
                     <a:srgbClr val="000000"/>
                   </a:solidFill>
@@ -29893,7 +29865,7 @@
             </a:ln>
             <a:extLst>
               <a:ext uri="{91240B29-F687-4f45-9708-019B960494DF}">
-                <a14:hiddenLine xmlns:a14="http://schemas.microsoft.com/office/drawing/2010/main" xmlns:p14="http://schemas.microsoft.com/office/powerpoint/2010/main" xmlns:a16="http://schemas.microsoft.com/office/drawing/2014/main" xmlns="" w="9525">
+                <a14:hiddenLine xmlns="" xmlns:a16="http://schemas.microsoft.com/office/drawing/2014/main" xmlns:p14="http://schemas.microsoft.com/office/powerpoint/2010/main" xmlns:a14="http://schemas.microsoft.com/office/drawing/2010/main" w="9525">
                   <a:solidFill>
                     <a:srgbClr val="000000"/>
                   </a:solidFill>
@@ -29970,7 +29942,7 @@
             </a:ln>
             <a:extLst>
               <a:ext uri="{91240B29-F687-4f45-9708-019B960494DF}">
-                <a14:hiddenLine xmlns:a14="http://schemas.microsoft.com/office/drawing/2010/main" xmlns:p14="http://schemas.microsoft.com/office/powerpoint/2010/main" xmlns:a16="http://schemas.microsoft.com/office/drawing/2014/main" xmlns="" w="9525">
+                <a14:hiddenLine xmlns="" xmlns:a16="http://schemas.microsoft.com/office/drawing/2014/main" xmlns:p14="http://schemas.microsoft.com/office/powerpoint/2010/main" xmlns:a14="http://schemas.microsoft.com/office/drawing/2010/main" w="9525">
                   <a:solidFill>
                     <a:srgbClr val="000000"/>
                   </a:solidFill>
@@ -30075,7 +30047,7 @@
             </a:ln>
             <a:extLst>
               <a:ext uri="{91240B29-F687-4f45-9708-019B960494DF}">
-                <a14:hiddenLine xmlns:a14="http://schemas.microsoft.com/office/drawing/2010/main" xmlns:p14="http://schemas.microsoft.com/office/powerpoint/2010/main" xmlns:a16="http://schemas.microsoft.com/office/drawing/2014/main" xmlns="" w="9525">
+                <a14:hiddenLine xmlns="" xmlns:a16="http://schemas.microsoft.com/office/drawing/2014/main" xmlns:p14="http://schemas.microsoft.com/office/powerpoint/2010/main" xmlns:a14="http://schemas.microsoft.com/office/drawing/2010/main" w="9525">
                   <a:solidFill>
                     <a:srgbClr val="000000"/>
                   </a:solidFill>
@@ -30152,7 +30124,7 @@
             </a:ln>
             <a:extLst>
               <a:ext uri="{91240B29-F687-4f45-9708-019B960494DF}">
-                <a14:hiddenLine xmlns:a14="http://schemas.microsoft.com/office/drawing/2010/main" xmlns:p14="http://schemas.microsoft.com/office/powerpoint/2010/main" xmlns:a16="http://schemas.microsoft.com/office/drawing/2014/main" xmlns="" w="9525">
+                <a14:hiddenLine xmlns="" xmlns:a16="http://schemas.microsoft.com/office/drawing/2014/main" xmlns:p14="http://schemas.microsoft.com/office/powerpoint/2010/main" xmlns:a14="http://schemas.microsoft.com/office/drawing/2010/main" w="9525">
                   <a:solidFill>
                     <a:srgbClr val="000000"/>
                   </a:solidFill>
@@ -30229,7 +30201,7 @@
             </a:ln>
             <a:extLst>
               <a:ext uri="{91240B29-F687-4f45-9708-019B960494DF}">
-                <a14:hiddenLine xmlns:a14="http://schemas.microsoft.com/office/drawing/2010/main" xmlns:p14="http://schemas.microsoft.com/office/powerpoint/2010/main" xmlns:a16="http://schemas.microsoft.com/office/drawing/2014/main" xmlns="" w="9525">
+                <a14:hiddenLine xmlns="" xmlns:a16="http://schemas.microsoft.com/office/drawing/2014/main" xmlns:p14="http://schemas.microsoft.com/office/powerpoint/2010/main" xmlns:a14="http://schemas.microsoft.com/office/drawing/2010/main" w="9525">
                   <a:solidFill>
                     <a:srgbClr val="000000"/>
                   </a:solidFill>
@@ -30334,7 +30306,7 @@
             </a:ln>
             <a:extLst>
               <a:ext uri="{91240B29-F687-4f45-9708-019B960494DF}">
-                <a14:hiddenLine xmlns:a14="http://schemas.microsoft.com/office/drawing/2010/main" xmlns:p14="http://schemas.microsoft.com/office/powerpoint/2010/main" xmlns:a16="http://schemas.microsoft.com/office/drawing/2014/main" xmlns="" w="9525">
+                <a14:hiddenLine xmlns="" xmlns:a16="http://schemas.microsoft.com/office/drawing/2014/main" xmlns:p14="http://schemas.microsoft.com/office/powerpoint/2010/main" xmlns:a14="http://schemas.microsoft.com/office/drawing/2010/main" w="9525">
                   <a:solidFill>
                     <a:srgbClr val="000000"/>
                   </a:solidFill>
@@ -30439,7 +30411,7 @@
             </a:ln>
             <a:extLst>
               <a:ext uri="{91240B29-F687-4f45-9708-019B960494DF}">
-                <a14:hiddenLine xmlns:a14="http://schemas.microsoft.com/office/drawing/2010/main" xmlns:p14="http://schemas.microsoft.com/office/powerpoint/2010/main" xmlns:a16="http://schemas.microsoft.com/office/drawing/2014/main" xmlns="" w="9525">
+                <a14:hiddenLine xmlns="" xmlns:a16="http://schemas.microsoft.com/office/drawing/2014/main" xmlns:p14="http://schemas.microsoft.com/office/powerpoint/2010/main" xmlns:a14="http://schemas.microsoft.com/office/drawing/2010/main" w="9525">
                   <a:solidFill>
                     <a:srgbClr val="000000"/>
                   </a:solidFill>
@@ -30516,7 +30488,7 @@
             </a:ln>
             <a:extLst>
               <a:ext uri="{91240B29-F687-4f45-9708-019B960494DF}">
-                <a14:hiddenLine xmlns:a14="http://schemas.microsoft.com/office/drawing/2010/main" xmlns:p14="http://schemas.microsoft.com/office/powerpoint/2010/main" xmlns:a16="http://schemas.microsoft.com/office/drawing/2014/main" xmlns="" w="9525">
+                <a14:hiddenLine xmlns="" xmlns:a16="http://schemas.microsoft.com/office/drawing/2014/main" xmlns:p14="http://schemas.microsoft.com/office/powerpoint/2010/main" xmlns:a14="http://schemas.microsoft.com/office/drawing/2010/main" w="9525">
                   <a:solidFill>
                     <a:srgbClr val="000000"/>
                   </a:solidFill>
@@ -30641,7 +30613,7 @@
             </a:ln>
             <a:extLst>
               <a:ext uri="{91240B29-F687-4f45-9708-019B960494DF}">
-                <a14:hiddenLine xmlns:a14="http://schemas.microsoft.com/office/drawing/2010/main" xmlns:p14="http://schemas.microsoft.com/office/powerpoint/2010/main" xmlns:a16="http://schemas.microsoft.com/office/drawing/2014/main" xmlns="" w="9525">
+                <a14:hiddenLine xmlns="" xmlns:a16="http://schemas.microsoft.com/office/drawing/2014/main" xmlns:p14="http://schemas.microsoft.com/office/powerpoint/2010/main" xmlns:a14="http://schemas.microsoft.com/office/drawing/2010/main" w="9525">
                   <a:solidFill>
                     <a:srgbClr val="000000"/>
                   </a:solidFill>
@@ -30755,7 +30727,7 @@
             </a:ln>
             <a:extLst>
               <a:ext uri="{91240B29-F687-4f45-9708-019B960494DF}">
-                <a14:hiddenLine xmlns:a14="http://schemas.microsoft.com/office/drawing/2010/main" xmlns:p14="http://schemas.microsoft.com/office/powerpoint/2010/main" xmlns:a16="http://schemas.microsoft.com/office/drawing/2014/main" xmlns="" w="9525">
+                <a14:hiddenLine xmlns="" xmlns:a16="http://schemas.microsoft.com/office/drawing/2014/main" xmlns:p14="http://schemas.microsoft.com/office/powerpoint/2010/main" xmlns:a14="http://schemas.microsoft.com/office/drawing/2010/main" w="9525">
                   <a:solidFill>
                     <a:srgbClr val="000000"/>
                   </a:solidFill>
@@ -30832,7 +30804,7 @@
             </a:ln>
             <a:extLst>
               <a:ext uri="{91240B29-F687-4f45-9708-019B960494DF}">
-                <a14:hiddenLine xmlns:a14="http://schemas.microsoft.com/office/drawing/2010/main" xmlns:p14="http://schemas.microsoft.com/office/powerpoint/2010/main" xmlns:a16="http://schemas.microsoft.com/office/drawing/2014/main" xmlns="" w="9525">
+                <a14:hiddenLine xmlns="" xmlns:a16="http://schemas.microsoft.com/office/drawing/2014/main" xmlns:p14="http://schemas.microsoft.com/office/powerpoint/2010/main" xmlns:a14="http://schemas.microsoft.com/office/drawing/2010/main" w="9525">
                   <a:solidFill>
                     <a:srgbClr val="000000"/>
                   </a:solidFill>
@@ -30909,7 +30881,7 @@
             </a:ln>
             <a:extLst>
               <a:ext uri="{91240B29-F687-4f45-9708-019B960494DF}">
-                <a14:hiddenLine xmlns:a14="http://schemas.microsoft.com/office/drawing/2010/main" xmlns:p14="http://schemas.microsoft.com/office/powerpoint/2010/main" xmlns:a16="http://schemas.microsoft.com/office/drawing/2014/main" xmlns="" w="9525">
+                <a14:hiddenLine xmlns="" xmlns:a16="http://schemas.microsoft.com/office/drawing/2014/main" xmlns:p14="http://schemas.microsoft.com/office/powerpoint/2010/main" xmlns:a14="http://schemas.microsoft.com/office/drawing/2010/main" w="9525">
                   <a:solidFill>
                     <a:srgbClr val="000000"/>
                   </a:solidFill>
@@ -31014,7 +30986,7 @@
             </a:ln>
             <a:extLst>
               <a:ext uri="{91240B29-F687-4f45-9708-019B960494DF}">
-                <a14:hiddenLine xmlns:a14="http://schemas.microsoft.com/office/drawing/2010/main" xmlns:p14="http://schemas.microsoft.com/office/powerpoint/2010/main" xmlns:a16="http://schemas.microsoft.com/office/drawing/2014/main" xmlns="" w="9525">
+                <a14:hiddenLine xmlns="" xmlns:a16="http://schemas.microsoft.com/office/drawing/2014/main" xmlns:p14="http://schemas.microsoft.com/office/powerpoint/2010/main" xmlns:a14="http://schemas.microsoft.com/office/drawing/2010/main" w="9525">
                   <a:solidFill>
                     <a:srgbClr val="000000"/>
                   </a:solidFill>
@@ -31063,7 +31035,7 @@
             </a:ln>
             <a:extLst>
               <a:ext uri="{91240B29-F687-4f45-9708-019B960494DF}">
-                <a14:hiddenLine xmlns:a14="http://schemas.microsoft.com/office/drawing/2010/main" xmlns:p14="http://schemas.microsoft.com/office/powerpoint/2010/main" xmlns:a16="http://schemas.microsoft.com/office/drawing/2014/main" xmlns="" w="9525">
+                <a14:hiddenLine xmlns="" xmlns:a16="http://schemas.microsoft.com/office/drawing/2014/main" xmlns:p14="http://schemas.microsoft.com/office/powerpoint/2010/main" xmlns:a14="http://schemas.microsoft.com/office/drawing/2010/main" w="9525">
                   <a:solidFill>
                     <a:srgbClr val="000000"/>
                   </a:solidFill>
@@ -31143,7 +31115,7 @@
             </a:ln>
             <a:extLst>
               <a:ext uri="{91240B29-F687-4f45-9708-019B960494DF}">
-                <a14:hiddenLine xmlns:a14="http://schemas.microsoft.com/office/drawing/2010/main" xmlns:p14="http://schemas.microsoft.com/office/powerpoint/2010/main" xmlns:a16="http://schemas.microsoft.com/office/drawing/2014/main" xmlns="" w="9525">
+                <a14:hiddenLine xmlns="" xmlns:a16="http://schemas.microsoft.com/office/drawing/2014/main" xmlns:p14="http://schemas.microsoft.com/office/powerpoint/2010/main" xmlns:a14="http://schemas.microsoft.com/office/drawing/2010/main" w="9525">
                   <a:solidFill>
                     <a:srgbClr val="000000"/>
                   </a:solidFill>
@@ -31248,7 +31220,7 @@
             </a:ln>
             <a:extLst>
               <a:ext uri="{91240B29-F687-4f45-9708-019B960494DF}">
-                <a14:hiddenLine xmlns:a14="http://schemas.microsoft.com/office/drawing/2010/main" xmlns:p14="http://schemas.microsoft.com/office/powerpoint/2010/main" xmlns:a16="http://schemas.microsoft.com/office/drawing/2014/main" xmlns="" w="9525">
+                <a14:hiddenLine xmlns="" xmlns:a16="http://schemas.microsoft.com/office/drawing/2014/main" xmlns:p14="http://schemas.microsoft.com/office/powerpoint/2010/main" xmlns:a14="http://schemas.microsoft.com/office/drawing/2010/main" w="9525">
                   <a:solidFill>
                     <a:srgbClr val="000000"/>
                   </a:solidFill>
@@ -31325,7 +31297,7 @@
             </a:ln>
             <a:extLst>
               <a:ext uri="{91240B29-F687-4f45-9708-019B960494DF}">
-                <a14:hiddenLine xmlns:a14="http://schemas.microsoft.com/office/drawing/2010/main" xmlns:p14="http://schemas.microsoft.com/office/powerpoint/2010/main" xmlns:a16="http://schemas.microsoft.com/office/drawing/2014/main" xmlns="" w="9525">
+                <a14:hiddenLine xmlns="" xmlns:a16="http://schemas.microsoft.com/office/drawing/2014/main" xmlns:p14="http://schemas.microsoft.com/office/powerpoint/2010/main" xmlns:a14="http://schemas.microsoft.com/office/drawing/2010/main" w="9525">
                   <a:solidFill>
                     <a:srgbClr val="000000"/>
                   </a:solidFill>
@@ -31430,7 +31402,7 @@
             </a:ln>
             <a:extLst>
               <a:ext uri="{91240B29-F687-4f45-9708-019B960494DF}">
-                <a14:hiddenLine xmlns:a14="http://schemas.microsoft.com/office/drawing/2010/main" xmlns:p14="http://schemas.microsoft.com/office/powerpoint/2010/main" xmlns:a16="http://schemas.microsoft.com/office/drawing/2014/main" xmlns="" w="9525">
+                <a14:hiddenLine xmlns="" xmlns:a16="http://schemas.microsoft.com/office/drawing/2014/main" xmlns:p14="http://schemas.microsoft.com/office/powerpoint/2010/main" xmlns:a14="http://schemas.microsoft.com/office/drawing/2010/main" w="9525">
                   <a:solidFill>
                     <a:srgbClr val="000000"/>
                   </a:solidFill>
@@ -31510,7 +31482,7 @@
             </a:ln>
             <a:extLst>
               <a:ext uri="{91240B29-F687-4f45-9708-019B960494DF}">
-                <a14:hiddenLine xmlns:a14="http://schemas.microsoft.com/office/drawing/2010/main" xmlns:p14="http://schemas.microsoft.com/office/powerpoint/2010/main" xmlns:a16="http://schemas.microsoft.com/office/drawing/2014/main" xmlns="" w="9525">
+                <a14:hiddenLine xmlns="" xmlns:a16="http://schemas.microsoft.com/office/drawing/2014/main" xmlns:p14="http://schemas.microsoft.com/office/powerpoint/2010/main" xmlns:a14="http://schemas.microsoft.com/office/drawing/2010/main" w="9525">
                   <a:solidFill>
                     <a:srgbClr val="000000"/>
                   </a:solidFill>
@@ -31587,7 +31559,7 @@
             </a:ln>
             <a:extLst>
               <a:ext uri="{91240B29-F687-4f45-9708-019B960494DF}">
-                <a14:hiddenLine xmlns:a14="http://schemas.microsoft.com/office/drawing/2010/main" xmlns:p14="http://schemas.microsoft.com/office/powerpoint/2010/main" xmlns:a16="http://schemas.microsoft.com/office/drawing/2014/main" xmlns="" w="9525">
+                <a14:hiddenLine xmlns="" xmlns:a16="http://schemas.microsoft.com/office/drawing/2014/main" xmlns:p14="http://schemas.microsoft.com/office/powerpoint/2010/main" xmlns:a14="http://schemas.microsoft.com/office/drawing/2010/main" w="9525">
                   <a:solidFill>
                     <a:srgbClr val="000000"/>
                   </a:solidFill>
@@ -31692,7 +31664,7 @@
             </a:ln>
             <a:extLst>
               <a:ext uri="{91240B29-F687-4f45-9708-019B960494DF}">
-                <a14:hiddenLine xmlns:a14="http://schemas.microsoft.com/office/drawing/2010/main" xmlns:p14="http://schemas.microsoft.com/office/powerpoint/2010/main" xmlns:a16="http://schemas.microsoft.com/office/drawing/2014/main" xmlns="" w="9525">
+                <a14:hiddenLine xmlns="" xmlns:a16="http://schemas.microsoft.com/office/drawing/2014/main" xmlns:p14="http://schemas.microsoft.com/office/powerpoint/2010/main" xmlns:a14="http://schemas.microsoft.com/office/drawing/2010/main" w="9525">
                   <a:solidFill>
                     <a:srgbClr val="000000"/>
                   </a:solidFill>
@@ -31797,7 +31769,7 @@
             </a:ln>
             <a:extLst>
               <a:ext uri="{91240B29-F687-4f45-9708-019B960494DF}">
-                <a14:hiddenLine xmlns:a14="http://schemas.microsoft.com/office/drawing/2010/main" xmlns:p14="http://schemas.microsoft.com/office/powerpoint/2010/main" xmlns:a16="http://schemas.microsoft.com/office/drawing/2014/main" xmlns="" w="9525">
+                <a14:hiddenLine xmlns="" xmlns:a16="http://schemas.microsoft.com/office/drawing/2014/main" xmlns:p14="http://schemas.microsoft.com/office/powerpoint/2010/main" xmlns:a14="http://schemas.microsoft.com/office/drawing/2010/main" w="9525">
                   <a:solidFill>
                     <a:srgbClr val="000000"/>
                   </a:solidFill>
@@ -31877,7 +31849,7 @@
             </a:ln>
             <a:extLst>
               <a:ext uri="{91240B29-F687-4f45-9708-019B960494DF}">
-                <a14:hiddenLine xmlns:a14="http://schemas.microsoft.com/office/drawing/2010/main" xmlns:p14="http://schemas.microsoft.com/office/powerpoint/2010/main" xmlns:a16="http://schemas.microsoft.com/office/drawing/2014/main" xmlns="" w="9525">
+                <a14:hiddenLine xmlns="" xmlns:a16="http://schemas.microsoft.com/office/drawing/2014/main" xmlns:p14="http://schemas.microsoft.com/office/powerpoint/2010/main" xmlns:a14="http://schemas.microsoft.com/office/drawing/2010/main" w="9525">
                   <a:solidFill>
                     <a:srgbClr val="000000"/>
                   </a:solidFill>
@@ -32012,7 +31984,7 @@
             </a:ln>
             <a:extLst>
               <a:ext uri="{91240B29-F687-4f45-9708-019B960494DF}">
-                <a14:hiddenLine xmlns:a14="http://schemas.microsoft.com/office/drawing/2010/main" xmlns:p14="http://schemas.microsoft.com/office/powerpoint/2010/main" xmlns:a16="http://schemas.microsoft.com/office/drawing/2014/main" xmlns="" w="9525">
+                <a14:hiddenLine xmlns="" xmlns:a16="http://schemas.microsoft.com/office/drawing/2014/main" xmlns:p14="http://schemas.microsoft.com/office/powerpoint/2010/main" xmlns:a14="http://schemas.microsoft.com/office/drawing/2010/main" w="9525">
                   <a:solidFill>
                     <a:srgbClr val="000000"/>
                   </a:solidFill>
@@ -32291,7 +32263,7 @@
             </a:ln>
             <a:extLst>
               <a:ext uri="{91240B29-F687-4f45-9708-019B960494DF}">
-                <a14:hiddenLine xmlns:a14="http://schemas.microsoft.com/office/drawing/2010/main" xmlns:p14="http://schemas.microsoft.com/office/powerpoint/2010/main" xmlns:a16="http://schemas.microsoft.com/office/drawing/2014/main" xmlns="" w="9525">
+                <a14:hiddenLine xmlns="" xmlns:a16="http://schemas.microsoft.com/office/drawing/2014/main" xmlns:p14="http://schemas.microsoft.com/office/powerpoint/2010/main" xmlns:a14="http://schemas.microsoft.com/office/drawing/2010/main" w="9525">
                   <a:solidFill>
                     <a:srgbClr val="000000"/>
                   </a:solidFill>
@@ -32421,7 +32393,7 @@
             </a:ln>
             <a:extLst>
               <a:ext uri="{91240B29-F687-4f45-9708-019B960494DF}">
-                <a14:hiddenLine xmlns:a14="http://schemas.microsoft.com/office/drawing/2010/main" xmlns:p14="http://schemas.microsoft.com/office/powerpoint/2010/main" xmlns:a16="http://schemas.microsoft.com/office/drawing/2014/main" xmlns="" w="9525">
+                <a14:hiddenLine xmlns="" xmlns:a16="http://schemas.microsoft.com/office/drawing/2014/main" xmlns:p14="http://schemas.microsoft.com/office/powerpoint/2010/main" xmlns:a14="http://schemas.microsoft.com/office/drawing/2010/main" w="9525">
                   <a:solidFill>
                     <a:srgbClr val="000000"/>
                   </a:solidFill>
@@ -32526,7 +32498,7 @@
             </a:ln>
             <a:extLst>
               <a:ext uri="{91240B29-F687-4f45-9708-019B960494DF}">
-                <a14:hiddenLine xmlns:a14="http://schemas.microsoft.com/office/drawing/2010/main" xmlns:p14="http://schemas.microsoft.com/office/powerpoint/2010/main" xmlns:a16="http://schemas.microsoft.com/office/drawing/2014/main" xmlns="" w="9525">
+                <a14:hiddenLine xmlns="" xmlns:a16="http://schemas.microsoft.com/office/drawing/2014/main" xmlns:p14="http://schemas.microsoft.com/office/powerpoint/2010/main" xmlns:a14="http://schemas.microsoft.com/office/drawing/2010/main" w="9525">
                   <a:solidFill>
                     <a:srgbClr val="000000"/>
                   </a:solidFill>
@@ -32606,7 +32578,7 @@
             </a:ln>
             <a:extLst>
               <a:ext uri="{91240B29-F687-4f45-9708-019B960494DF}">
-                <a14:hiddenLine xmlns:a14="http://schemas.microsoft.com/office/drawing/2010/main" xmlns:p14="http://schemas.microsoft.com/office/powerpoint/2010/main" xmlns:a16="http://schemas.microsoft.com/office/drawing/2014/main" xmlns="" w="9525">
+                <a14:hiddenLine xmlns="" xmlns:a16="http://schemas.microsoft.com/office/drawing/2014/main" xmlns:p14="http://schemas.microsoft.com/office/powerpoint/2010/main" xmlns:a14="http://schemas.microsoft.com/office/drawing/2010/main" w="9525">
                   <a:solidFill>
                     <a:srgbClr val="000000"/>
                   </a:solidFill>
@@ -32711,7 +32683,7 @@
             </a:ln>
             <a:extLst>
               <a:ext uri="{91240B29-F687-4f45-9708-019B960494DF}">
-                <a14:hiddenLine xmlns:a14="http://schemas.microsoft.com/office/drawing/2010/main" xmlns:p14="http://schemas.microsoft.com/office/powerpoint/2010/main" xmlns:a16="http://schemas.microsoft.com/office/drawing/2014/main" xmlns="" w="9525">
+                <a14:hiddenLine xmlns="" xmlns:a16="http://schemas.microsoft.com/office/drawing/2014/main" xmlns:p14="http://schemas.microsoft.com/office/powerpoint/2010/main" xmlns:a14="http://schemas.microsoft.com/office/drawing/2010/main" w="9525">
                   <a:solidFill>
                     <a:srgbClr val="000000"/>
                   </a:solidFill>
@@ -32794,7 +32766,7 @@
             </a:ln>
             <a:extLst>
               <a:ext uri="{91240B29-F687-4f45-9708-019B960494DF}">
-                <a14:hiddenLine xmlns:a14="http://schemas.microsoft.com/office/drawing/2010/main" xmlns:p14="http://schemas.microsoft.com/office/powerpoint/2010/main" xmlns:a16="http://schemas.microsoft.com/office/drawing/2014/main" xmlns="" w="9525">
+                <a14:hiddenLine xmlns="" xmlns:a16="http://schemas.microsoft.com/office/drawing/2014/main" xmlns:p14="http://schemas.microsoft.com/office/powerpoint/2010/main" xmlns:a14="http://schemas.microsoft.com/office/drawing/2010/main" w="9525">
                   <a:solidFill>
                     <a:srgbClr val="000000"/>
                   </a:solidFill>
@@ -32899,7 +32871,7 @@
             </a:ln>
             <a:extLst>
               <a:ext uri="{91240B29-F687-4f45-9708-019B960494DF}">
-                <a14:hiddenLine xmlns:a14="http://schemas.microsoft.com/office/drawing/2010/main" xmlns:p14="http://schemas.microsoft.com/office/powerpoint/2010/main" xmlns:a16="http://schemas.microsoft.com/office/drawing/2014/main" xmlns="" w="9525">
+                <a14:hiddenLine xmlns="" xmlns:a16="http://schemas.microsoft.com/office/drawing/2014/main" xmlns:p14="http://schemas.microsoft.com/office/powerpoint/2010/main" xmlns:a14="http://schemas.microsoft.com/office/drawing/2010/main" w="9525">
                   <a:solidFill>
                     <a:srgbClr val="000000"/>
                   </a:solidFill>
@@ -32982,7 +32954,7 @@
             </a:ln>
             <a:extLst>
               <a:ext uri="{91240B29-F687-4f45-9708-019B960494DF}">
-                <a14:hiddenLine xmlns:a14="http://schemas.microsoft.com/office/drawing/2010/main" xmlns:p14="http://schemas.microsoft.com/office/powerpoint/2010/main" xmlns:a16="http://schemas.microsoft.com/office/drawing/2014/main" xmlns="" w="9525">
+                <a14:hiddenLine xmlns="" xmlns:a16="http://schemas.microsoft.com/office/drawing/2014/main" xmlns:p14="http://schemas.microsoft.com/office/powerpoint/2010/main" xmlns:a14="http://schemas.microsoft.com/office/drawing/2010/main" w="9525">
                   <a:solidFill>
                     <a:srgbClr val="000000"/>
                   </a:solidFill>
@@ -33087,7 +33059,7 @@
             </a:ln>
             <a:extLst>
               <a:ext uri="{91240B29-F687-4f45-9708-019B960494DF}">
-                <a14:hiddenLine xmlns:a14="http://schemas.microsoft.com/office/drawing/2010/main" xmlns:p14="http://schemas.microsoft.com/office/powerpoint/2010/main" xmlns:a16="http://schemas.microsoft.com/office/drawing/2014/main" xmlns="" w="9525">
+                <a14:hiddenLine xmlns="" xmlns:a16="http://schemas.microsoft.com/office/drawing/2014/main" xmlns:p14="http://schemas.microsoft.com/office/powerpoint/2010/main" xmlns:a14="http://schemas.microsoft.com/office/drawing/2010/main" w="9525">
                   <a:solidFill>
                     <a:srgbClr val="000000"/>
                   </a:solidFill>
@@ -33136,7 +33108,7 @@
             </a:ln>
             <a:extLst>
               <a:ext uri="{91240B29-F687-4f45-9708-019B960494DF}">
-                <a14:hiddenLine xmlns:a14="http://schemas.microsoft.com/office/drawing/2010/main" xmlns:p14="http://schemas.microsoft.com/office/powerpoint/2010/main" xmlns:a16="http://schemas.microsoft.com/office/drawing/2014/main" xmlns="" w="9525">
+                <a14:hiddenLine xmlns="" xmlns:a16="http://schemas.microsoft.com/office/drawing/2014/main" xmlns:p14="http://schemas.microsoft.com/office/powerpoint/2010/main" xmlns:a14="http://schemas.microsoft.com/office/drawing/2010/main" w="9525">
                   <a:solidFill>
                     <a:srgbClr val="000000"/>
                   </a:solidFill>

--- a/Parte 2.pptx
+++ b/Parte 2.pptx
@@ -547,7 +547,7 @@
           <a:noFill/>
           <a:extLst>
             <a:ext uri="{909E8E84-426E-40dd-AFC4-6F175D3DCCD1}">
-              <a14:hiddenFill xmlns:a14="http://schemas.microsoft.com/office/drawing/2010/main" xmlns="">
+              <a14:hiddenFill xmlns="" xmlns:a14="http://schemas.microsoft.com/office/drawing/2010/main">
                 <a:solidFill>
                   <a:srgbClr val="FFFFFF"/>
                 </a:solidFill>
@@ -606,7 +606,7 @@
             </a:ln>
             <a:extLst>
               <a:ext uri="{91240B29-F687-4f45-9708-019B960494DF}">
-                <a14:hiddenLine xmlns:a14="http://schemas.microsoft.com/office/drawing/2010/main" xmlns="" w="9525">
+                <a14:hiddenLine xmlns="" xmlns:a14="http://schemas.microsoft.com/office/drawing/2010/main" w="9525">
                   <a:solidFill>
                     <a:srgbClr val="000000"/>
                   </a:solidFill>
@@ -696,7 +696,7 @@
             </a:ln>
             <a:extLst>
               <a:ext uri="{91240B29-F687-4f45-9708-019B960494DF}">
-                <a14:hiddenLine xmlns:a14="http://schemas.microsoft.com/office/drawing/2010/main" xmlns="" w="9525">
+                <a14:hiddenLine xmlns="" xmlns:a14="http://schemas.microsoft.com/office/drawing/2010/main" w="9525">
                   <a:solidFill>
                     <a:srgbClr val="000000"/>
                   </a:solidFill>
@@ -786,7 +786,7 @@
             </a:ln>
             <a:extLst>
               <a:ext uri="{91240B29-F687-4f45-9708-019B960494DF}">
-                <a14:hiddenLine xmlns:a14="http://schemas.microsoft.com/office/drawing/2010/main" xmlns="" w="9525">
+                <a14:hiddenLine xmlns="" xmlns:a14="http://schemas.microsoft.com/office/drawing/2010/main" w="9525">
                   <a:solidFill>
                     <a:srgbClr val="000000"/>
                   </a:solidFill>
@@ -820,7 +820,7 @@
             </a:ln>
             <a:extLst>
               <a:ext uri="{91240B29-F687-4f45-9708-019B960494DF}">
-                <a14:hiddenLine xmlns:a14="http://schemas.microsoft.com/office/drawing/2010/main" xmlns="" w="9525">
+                <a14:hiddenLine xmlns="" xmlns:a14="http://schemas.microsoft.com/office/drawing/2010/main" w="9525">
                   <a:solidFill>
                     <a:srgbClr val="000000"/>
                   </a:solidFill>
@@ -910,7 +910,7 @@
             </a:ln>
             <a:extLst>
               <a:ext uri="{91240B29-F687-4f45-9708-019B960494DF}">
-                <a14:hiddenLine xmlns:a14="http://schemas.microsoft.com/office/drawing/2010/main" xmlns="" w="9525">
+                <a14:hiddenLine xmlns="" xmlns:a14="http://schemas.microsoft.com/office/drawing/2010/main" w="9525">
                   <a:solidFill>
                     <a:srgbClr val="000000"/>
                   </a:solidFill>
@@ -972,7 +972,7 @@
             </a:ln>
             <a:extLst>
               <a:ext uri="{91240B29-F687-4f45-9708-019B960494DF}">
-                <a14:hiddenLine xmlns:a14="http://schemas.microsoft.com/office/drawing/2010/main" xmlns="" w="9525">
+                <a14:hiddenLine xmlns="" xmlns:a14="http://schemas.microsoft.com/office/drawing/2010/main" w="9525">
                   <a:solidFill>
                     <a:srgbClr val="000000"/>
                   </a:solidFill>
@@ -1034,7 +1034,7 @@
             </a:ln>
             <a:extLst>
               <a:ext uri="{91240B29-F687-4f45-9708-019B960494DF}">
-                <a14:hiddenLine xmlns:a14="http://schemas.microsoft.com/office/drawing/2010/main" xmlns="" w="9525">
+                <a14:hiddenLine xmlns="" xmlns:a14="http://schemas.microsoft.com/office/drawing/2010/main" w="9525">
                   <a:solidFill>
                     <a:srgbClr val="000000"/>
                   </a:solidFill>
@@ -1124,7 +1124,7 @@
             </a:ln>
             <a:extLst>
               <a:ext uri="{91240B29-F687-4f45-9708-019B960494DF}">
-                <a14:hiddenLine xmlns:a14="http://schemas.microsoft.com/office/drawing/2010/main" xmlns="" w="9525">
+                <a14:hiddenLine xmlns="" xmlns:a14="http://schemas.microsoft.com/office/drawing/2010/main" w="9525">
                   <a:solidFill>
                     <a:srgbClr val="000000"/>
                   </a:solidFill>
@@ -1186,7 +1186,7 @@
             </a:ln>
             <a:extLst>
               <a:ext uri="{91240B29-F687-4f45-9708-019B960494DF}">
-                <a14:hiddenLine xmlns:a14="http://schemas.microsoft.com/office/drawing/2010/main" xmlns="" w="9525">
+                <a14:hiddenLine xmlns="" xmlns:a14="http://schemas.microsoft.com/office/drawing/2010/main" w="9525">
                   <a:solidFill>
                     <a:srgbClr val="000000"/>
                   </a:solidFill>
@@ -1248,7 +1248,7 @@
             </a:ln>
             <a:extLst>
               <a:ext uri="{91240B29-F687-4f45-9708-019B960494DF}">
-                <a14:hiddenLine xmlns:a14="http://schemas.microsoft.com/office/drawing/2010/main" xmlns="" w="9525">
+                <a14:hiddenLine xmlns="" xmlns:a14="http://schemas.microsoft.com/office/drawing/2010/main" w="9525">
                   <a:solidFill>
                     <a:srgbClr val="000000"/>
                   </a:solidFill>
@@ -1338,7 +1338,7 @@
             </a:ln>
             <a:extLst>
               <a:ext uri="{91240B29-F687-4f45-9708-019B960494DF}">
-                <a14:hiddenLine xmlns:a14="http://schemas.microsoft.com/office/drawing/2010/main" xmlns="" w="9525">
+                <a14:hiddenLine xmlns="" xmlns:a14="http://schemas.microsoft.com/office/drawing/2010/main" w="9525">
                   <a:solidFill>
                     <a:srgbClr val="000000"/>
                   </a:solidFill>
@@ -1428,7 +1428,7 @@
             </a:ln>
             <a:extLst>
               <a:ext uri="{91240B29-F687-4f45-9708-019B960494DF}">
-                <a14:hiddenLine xmlns:a14="http://schemas.microsoft.com/office/drawing/2010/main" xmlns="" w="9525">
+                <a14:hiddenLine xmlns="" xmlns:a14="http://schemas.microsoft.com/office/drawing/2010/main" w="9525">
                   <a:solidFill>
                     <a:srgbClr val="000000"/>
                   </a:solidFill>
@@ -1490,7 +1490,7 @@
             </a:ln>
             <a:extLst>
               <a:ext uri="{91240B29-F687-4f45-9708-019B960494DF}">
-                <a14:hiddenLine xmlns:a14="http://schemas.microsoft.com/office/drawing/2010/main" xmlns="" w="9525">
+                <a14:hiddenLine xmlns="" xmlns:a14="http://schemas.microsoft.com/office/drawing/2010/main" w="9525">
                   <a:solidFill>
                     <a:srgbClr val="000000"/>
                   </a:solidFill>
@@ -1600,7 +1600,7 @@
             </a:ln>
             <a:extLst>
               <a:ext uri="{91240B29-F687-4f45-9708-019B960494DF}">
-                <a14:hiddenLine xmlns:a14="http://schemas.microsoft.com/office/drawing/2010/main" xmlns="" w="9525">
+                <a14:hiddenLine xmlns="" xmlns:a14="http://schemas.microsoft.com/office/drawing/2010/main" w="9525">
                   <a:solidFill>
                     <a:srgbClr val="000000"/>
                   </a:solidFill>
@@ -1662,7 +1662,7 @@
             </a:ln>
             <a:extLst>
               <a:ext uri="{91240B29-F687-4f45-9708-019B960494DF}">
-                <a14:hiddenLine xmlns:a14="http://schemas.microsoft.com/office/drawing/2010/main" xmlns="" w="9525">
+                <a14:hiddenLine xmlns="" xmlns:a14="http://schemas.microsoft.com/office/drawing/2010/main" w="9525">
                   <a:solidFill>
                     <a:srgbClr val="000000"/>
                   </a:solidFill>
@@ -1752,7 +1752,7 @@
             </a:ln>
             <a:extLst>
               <a:ext uri="{91240B29-F687-4f45-9708-019B960494DF}">
-                <a14:hiddenLine xmlns:a14="http://schemas.microsoft.com/office/drawing/2010/main" xmlns="" w="9525">
+                <a14:hiddenLine xmlns="" xmlns:a14="http://schemas.microsoft.com/office/drawing/2010/main" w="9525">
                   <a:solidFill>
                     <a:srgbClr val="000000"/>
                   </a:solidFill>
@@ -1842,7 +1842,7 @@
             </a:ln>
             <a:extLst>
               <a:ext uri="{91240B29-F687-4f45-9708-019B960494DF}">
-                <a14:hiddenLine xmlns:a14="http://schemas.microsoft.com/office/drawing/2010/main" xmlns="" w="9525">
+                <a14:hiddenLine xmlns="" xmlns:a14="http://schemas.microsoft.com/office/drawing/2010/main" w="9525">
                   <a:solidFill>
                     <a:srgbClr val="000000"/>
                   </a:solidFill>
@@ -1904,7 +1904,7 @@
             </a:ln>
             <a:extLst>
               <a:ext uri="{91240B29-F687-4f45-9708-019B960494DF}">
-                <a14:hiddenLine xmlns:a14="http://schemas.microsoft.com/office/drawing/2010/main" xmlns="" w="9525">
+                <a14:hiddenLine xmlns="" xmlns:a14="http://schemas.microsoft.com/office/drawing/2010/main" w="9525">
                   <a:solidFill>
                     <a:srgbClr val="000000"/>
                   </a:solidFill>
@@ -1994,7 +1994,7 @@
             </a:ln>
             <a:extLst>
               <a:ext uri="{91240B29-F687-4f45-9708-019B960494DF}">
-                <a14:hiddenLine xmlns:a14="http://schemas.microsoft.com/office/drawing/2010/main" xmlns="" w="9525">
+                <a14:hiddenLine xmlns="" xmlns:a14="http://schemas.microsoft.com/office/drawing/2010/main" w="9525">
                   <a:solidFill>
                     <a:srgbClr val="000000"/>
                   </a:solidFill>
@@ -2084,7 +2084,7 @@
             </a:ln>
             <a:extLst>
               <a:ext uri="{91240B29-F687-4f45-9708-019B960494DF}">
-                <a14:hiddenLine xmlns:a14="http://schemas.microsoft.com/office/drawing/2010/main" xmlns="" w="9525">
+                <a14:hiddenLine xmlns="" xmlns:a14="http://schemas.microsoft.com/office/drawing/2010/main" w="9525">
                   <a:solidFill>
                     <a:srgbClr val="000000"/>
                   </a:solidFill>
@@ -2140,7 +2140,7 @@
             </a:ln>
             <a:extLst>
               <a:ext uri="{91240B29-F687-4f45-9708-019B960494DF}">
-                <a14:hiddenLine xmlns:a14="http://schemas.microsoft.com/office/drawing/2010/main" xmlns="" w="9525">
+                <a14:hiddenLine xmlns="" xmlns:a14="http://schemas.microsoft.com/office/drawing/2010/main" w="9525">
                   <a:solidFill>
                     <a:srgbClr val="000000"/>
                   </a:solidFill>
@@ -2230,7 +2230,7 @@
             </a:ln>
             <a:extLst>
               <a:ext uri="{91240B29-F687-4f45-9708-019B960494DF}">
-                <a14:hiddenLine xmlns:a14="http://schemas.microsoft.com/office/drawing/2010/main" xmlns="" w="9525">
+                <a14:hiddenLine xmlns="" xmlns:a14="http://schemas.microsoft.com/office/drawing/2010/main" w="9525">
                   <a:solidFill>
                     <a:srgbClr val="000000"/>
                   </a:solidFill>
@@ -2286,7 +2286,7 @@
             </a:ln>
             <a:extLst>
               <a:ext uri="{91240B29-F687-4f45-9708-019B960494DF}">
-                <a14:hiddenLine xmlns:a14="http://schemas.microsoft.com/office/drawing/2010/main" xmlns="" w="9525">
+                <a14:hiddenLine xmlns="" xmlns:a14="http://schemas.microsoft.com/office/drawing/2010/main" w="9525">
                   <a:solidFill>
                     <a:srgbClr val="000000"/>
                   </a:solidFill>
@@ -2376,7 +2376,7 @@
             </a:ln>
             <a:extLst>
               <a:ext uri="{91240B29-F687-4f45-9708-019B960494DF}">
-                <a14:hiddenLine xmlns:a14="http://schemas.microsoft.com/office/drawing/2010/main" xmlns="" w="9525">
+                <a14:hiddenLine xmlns="" xmlns:a14="http://schemas.microsoft.com/office/drawing/2010/main" w="9525">
                   <a:solidFill>
                     <a:srgbClr val="000000"/>
                   </a:solidFill>
@@ -2444,7 +2444,7 @@
             </a:ln>
             <a:extLst>
               <a:ext uri="{91240B29-F687-4f45-9708-019B960494DF}">
-                <a14:hiddenLine xmlns:a14="http://schemas.microsoft.com/office/drawing/2010/main" xmlns="" w="9525">
+                <a14:hiddenLine xmlns="" xmlns:a14="http://schemas.microsoft.com/office/drawing/2010/main" w="9525">
                   <a:solidFill>
                     <a:srgbClr val="000000"/>
                   </a:solidFill>
@@ -2534,7 +2534,7 @@
             </a:ln>
             <a:extLst>
               <a:ext uri="{91240B29-F687-4f45-9708-019B960494DF}">
-                <a14:hiddenLine xmlns:a14="http://schemas.microsoft.com/office/drawing/2010/main" xmlns="" w="9525">
+                <a14:hiddenLine xmlns="" xmlns:a14="http://schemas.microsoft.com/office/drawing/2010/main" w="9525">
                   <a:solidFill>
                     <a:srgbClr val="000000"/>
                   </a:solidFill>
@@ -2602,7 +2602,7 @@
             </a:ln>
             <a:extLst>
               <a:ext uri="{91240B29-F687-4f45-9708-019B960494DF}">
-                <a14:hiddenLine xmlns:a14="http://schemas.microsoft.com/office/drawing/2010/main" xmlns="" w="9525">
+                <a14:hiddenLine xmlns="" xmlns:a14="http://schemas.microsoft.com/office/drawing/2010/main" w="9525">
                   <a:solidFill>
                     <a:srgbClr val="000000"/>
                   </a:solidFill>
@@ -2692,7 +2692,7 @@
             </a:ln>
             <a:extLst>
               <a:ext uri="{91240B29-F687-4f45-9708-019B960494DF}">
-                <a14:hiddenLine xmlns:a14="http://schemas.microsoft.com/office/drawing/2010/main" xmlns="" w="9525">
+                <a14:hiddenLine xmlns="" xmlns:a14="http://schemas.microsoft.com/office/drawing/2010/main" w="9525">
                   <a:solidFill>
                     <a:srgbClr val="000000"/>
                   </a:solidFill>
@@ -2726,7 +2726,7 @@
             </a:ln>
             <a:extLst>
               <a:ext uri="{91240B29-F687-4f45-9708-019B960494DF}">
-                <a14:hiddenLine xmlns:a14="http://schemas.microsoft.com/office/drawing/2010/main" xmlns="" w="9525">
+                <a14:hiddenLine xmlns="" xmlns:a14="http://schemas.microsoft.com/office/drawing/2010/main" w="9525">
                   <a:solidFill>
                     <a:srgbClr val="000000"/>
                   </a:solidFill>
@@ -2816,7 +2816,7 @@
             </a:ln>
             <a:extLst>
               <a:ext uri="{91240B29-F687-4f45-9708-019B960494DF}">
-                <a14:hiddenLine xmlns:a14="http://schemas.microsoft.com/office/drawing/2010/main" xmlns="" w="9525">
+                <a14:hiddenLine xmlns="" xmlns:a14="http://schemas.microsoft.com/office/drawing/2010/main" w="9525">
                   <a:solidFill>
                     <a:srgbClr val="000000"/>
                   </a:solidFill>
@@ -2878,7 +2878,7 @@
             </a:ln>
             <a:extLst>
               <a:ext uri="{91240B29-F687-4f45-9708-019B960494DF}">
-                <a14:hiddenLine xmlns:a14="http://schemas.microsoft.com/office/drawing/2010/main" xmlns="" w="9525">
+                <a14:hiddenLine xmlns="" xmlns:a14="http://schemas.microsoft.com/office/drawing/2010/main" w="9525">
                   <a:solidFill>
                     <a:srgbClr val="000000"/>
                   </a:solidFill>
@@ -2940,7 +2940,7 @@
             </a:ln>
             <a:extLst>
               <a:ext uri="{91240B29-F687-4f45-9708-019B960494DF}">
-                <a14:hiddenLine xmlns:a14="http://schemas.microsoft.com/office/drawing/2010/main" xmlns="" w="9525">
+                <a14:hiddenLine xmlns="" xmlns:a14="http://schemas.microsoft.com/office/drawing/2010/main" w="9525">
                   <a:solidFill>
                     <a:srgbClr val="000000"/>
                   </a:solidFill>
@@ -3030,7 +3030,7 @@
             </a:ln>
             <a:extLst>
               <a:ext uri="{91240B29-F687-4f45-9708-019B960494DF}">
-                <a14:hiddenLine xmlns:a14="http://schemas.microsoft.com/office/drawing/2010/main" xmlns="" w="9525">
+                <a14:hiddenLine xmlns="" xmlns:a14="http://schemas.microsoft.com/office/drawing/2010/main" w="9525">
                   <a:solidFill>
                     <a:srgbClr val="000000"/>
                   </a:solidFill>
@@ -3098,7 +3098,7 @@
             </a:ln>
             <a:extLst>
               <a:ext uri="{91240B29-F687-4f45-9708-019B960494DF}">
-                <a14:hiddenLine xmlns:a14="http://schemas.microsoft.com/office/drawing/2010/main" xmlns="" w="9525">
+                <a14:hiddenLine xmlns="" xmlns:a14="http://schemas.microsoft.com/office/drawing/2010/main" w="9525">
                   <a:solidFill>
                     <a:srgbClr val="000000"/>
                   </a:solidFill>
@@ -3160,7 +3160,7 @@
             </a:ln>
             <a:extLst>
               <a:ext uri="{91240B29-F687-4f45-9708-019B960494DF}">
-                <a14:hiddenLine xmlns:a14="http://schemas.microsoft.com/office/drawing/2010/main" xmlns="" w="9525">
+                <a14:hiddenLine xmlns="" xmlns:a14="http://schemas.microsoft.com/office/drawing/2010/main" w="9525">
                   <a:solidFill>
                     <a:srgbClr val="000000"/>
                   </a:solidFill>
@@ -3250,7 +3250,7 @@
             </a:ln>
             <a:extLst>
               <a:ext uri="{91240B29-F687-4f45-9708-019B960494DF}">
-                <a14:hiddenLine xmlns:a14="http://schemas.microsoft.com/office/drawing/2010/main" xmlns="" w="9525">
+                <a14:hiddenLine xmlns="" xmlns:a14="http://schemas.microsoft.com/office/drawing/2010/main" w="9525">
                   <a:solidFill>
                     <a:srgbClr val="000000"/>
                   </a:solidFill>
@@ -3312,7 +3312,7 @@
             </a:ln>
             <a:extLst>
               <a:ext uri="{91240B29-F687-4f45-9708-019B960494DF}">
-                <a14:hiddenLine xmlns:a14="http://schemas.microsoft.com/office/drawing/2010/main" xmlns="" w="9525">
+                <a14:hiddenLine xmlns="" xmlns:a14="http://schemas.microsoft.com/office/drawing/2010/main" w="9525">
                   <a:solidFill>
                     <a:srgbClr val="000000"/>
                   </a:solidFill>
@@ -3402,7 +3402,7 @@
             </a:ln>
             <a:extLst>
               <a:ext uri="{91240B29-F687-4f45-9708-019B960494DF}">
-                <a14:hiddenLine xmlns:a14="http://schemas.microsoft.com/office/drawing/2010/main" xmlns="" w="9525">
+                <a14:hiddenLine xmlns="" xmlns:a14="http://schemas.microsoft.com/office/drawing/2010/main" w="9525">
                   <a:solidFill>
                     <a:srgbClr val="000000"/>
                   </a:solidFill>
@@ -3464,7 +3464,7 @@
             </a:ln>
             <a:extLst>
               <a:ext uri="{91240B29-F687-4f45-9708-019B960494DF}">
-                <a14:hiddenLine xmlns:a14="http://schemas.microsoft.com/office/drawing/2010/main" xmlns="" w="9525">
+                <a14:hiddenLine xmlns="" xmlns:a14="http://schemas.microsoft.com/office/drawing/2010/main" w="9525">
                   <a:solidFill>
                     <a:srgbClr val="000000"/>
                   </a:solidFill>
@@ -3554,7 +3554,7 @@
             </a:ln>
             <a:extLst>
               <a:ext uri="{91240B29-F687-4f45-9708-019B960494DF}">
-                <a14:hiddenLine xmlns:a14="http://schemas.microsoft.com/office/drawing/2010/main" xmlns="" w="9525">
+                <a14:hiddenLine xmlns="" xmlns:a14="http://schemas.microsoft.com/office/drawing/2010/main" w="9525">
                   <a:solidFill>
                     <a:srgbClr val="000000"/>
                   </a:solidFill>
@@ -3588,7 +3588,7 @@
             </a:ln>
             <a:extLst>
               <a:ext uri="{91240B29-F687-4f45-9708-019B960494DF}">
-                <a14:hiddenLine xmlns:a14="http://schemas.microsoft.com/office/drawing/2010/main" xmlns="" w="9525">
+                <a14:hiddenLine xmlns="" xmlns:a14="http://schemas.microsoft.com/office/drawing/2010/main" w="9525">
                   <a:solidFill>
                     <a:srgbClr val="000000"/>
                   </a:solidFill>
@@ -3653,7 +3653,7 @@
             </a:ln>
             <a:extLst>
               <a:ext uri="{91240B29-F687-4f45-9708-019B960494DF}">
-                <a14:hiddenLine xmlns:a14="http://schemas.microsoft.com/office/drawing/2010/main" xmlns="" w="9525">
+                <a14:hiddenLine xmlns="" xmlns:a14="http://schemas.microsoft.com/office/drawing/2010/main" w="9525">
                   <a:solidFill>
                     <a:srgbClr val="000000"/>
                   </a:solidFill>
@@ -3743,7 +3743,7 @@
             </a:ln>
             <a:extLst>
               <a:ext uri="{91240B29-F687-4f45-9708-019B960494DF}">
-                <a14:hiddenLine xmlns:a14="http://schemas.microsoft.com/office/drawing/2010/main" xmlns="" w="9525">
+                <a14:hiddenLine xmlns="" xmlns:a14="http://schemas.microsoft.com/office/drawing/2010/main" w="9525">
                   <a:solidFill>
                     <a:srgbClr val="000000"/>
                   </a:solidFill>
@@ -3805,7 +3805,7 @@
             </a:ln>
             <a:extLst>
               <a:ext uri="{91240B29-F687-4f45-9708-019B960494DF}">
-                <a14:hiddenLine xmlns:a14="http://schemas.microsoft.com/office/drawing/2010/main" xmlns="" w="9525">
+                <a14:hiddenLine xmlns="" xmlns:a14="http://schemas.microsoft.com/office/drawing/2010/main" w="9525">
                   <a:solidFill>
                     <a:srgbClr val="000000"/>
                   </a:solidFill>
@@ -3895,7 +3895,7 @@
             </a:ln>
             <a:extLst>
               <a:ext uri="{91240B29-F687-4f45-9708-019B960494DF}">
-                <a14:hiddenLine xmlns:a14="http://schemas.microsoft.com/office/drawing/2010/main" xmlns="" w="9525">
+                <a14:hiddenLine xmlns="" xmlns:a14="http://schemas.microsoft.com/office/drawing/2010/main" w="9525">
                   <a:solidFill>
                     <a:srgbClr val="000000"/>
                   </a:solidFill>
@@ -3985,7 +3985,7 @@
             </a:ln>
             <a:extLst>
               <a:ext uri="{91240B29-F687-4f45-9708-019B960494DF}">
-                <a14:hiddenLine xmlns:a14="http://schemas.microsoft.com/office/drawing/2010/main" xmlns="" w="9525">
+                <a14:hiddenLine xmlns="" xmlns:a14="http://schemas.microsoft.com/office/drawing/2010/main" w="9525">
                   <a:solidFill>
                     <a:srgbClr val="000000"/>
                   </a:solidFill>
@@ -4050,7 +4050,7 @@
             </a:ln>
             <a:extLst>
               <a:ext uri="{91240B29-F687-4f45-9708-019B960494DF}">
-                <a14:hiddenLine xmlns:a14="http://schemas.microsoft.com/office/drawing/2010/main" xmlns="" w="9525">
+                <a14:hiddenLine xmlns="" xmlns:a14="http://schemas.microsoft.com/office/drawing/2010/main" w="9525">
                   <a:solidFill>
                     <a:srgbClr val="000000"/>
                   </a:solidFill>
@@ -4112,7 +4112,7 @@
             </a:ln>
             <a:extLst>
               <a:ext uri="{91240B29-F687-4f45-9708-019B960494DF}">
-                <a14:hiddenLine xmlns:a14="http://schemas.microsoft.com/office/drawing/2010/main" xmlns="" w="9525">
+                <a14:hiddenLine xmlns="" xmlns:a14="http://schemas.microsoft.com/office/drawing/2010/main" w="9525">
                   <a:solidFill>
                     <a:srgbClr val="000000"/>
                   </a:solidFill>
@@ -4202,7 +4202,7 @@
             </a:ln>
             <a:extLst>
               <a:ext uri="{91240B29-F687-4f45-9708-019B960494DF}">
-                <a14:hiddenLine xmlns:a14="http://schemas.microsoft.com/office/drawing/2010/main" xmlns="" w="9525">
+                <a14:hiddenLine xmlns="" xmlns:a14="http://schemas.microsoft.com/office/drawing/2010/main" w="9525">
                   <a:solidFill>
                     <a:srgbClr val="000000"/>
                   </a:solidFill>
@@ -4292,7 +4292,7 @@
             </a:ln>
             <a:extLst>
               <a:ext uri="{91240B29-F687-4f45-9708-019B960494DF}">
-                <a14:hiddenLine xmlns:a14="http://schemas.microsoft.com/office/drawing/2010/main" xmlns="" w="9525">
+                <a14:hiddenLine xmlns="" xmlns:a14="http://schemas.microsoft.com/office/drawing/2010/main" w="9525">
                   <a:solidFill>
                     <a:srgbClr val="000000"/>
                   </a:solidFill>
@@ -4354,7 +4354,7 @@
             </a:ln>
             <a:extLst>
               <a:ext uri="{91240B29-F687-4f45-9708-019B960494DF}">
-                <a14:hiddenLine xmlns:a14="http://schemas.microsoft.com/office/drawing/2010/main" xmlns="" w="9525">
+                <a14:hiddenLine xmlns="" xmlns:a14="http://schemas.microsoft.com/office/drawing/2010/main" w="9525">
                   <a:solidFill>
                     <a:srgbClr val="000000"/>
                   </a:solidFill>
@@ -4474,7 +4474,7 @@
             </a:ln>
             <a:extLst>
               <a:ext uri="{91240B29-F687-4f45-9708-019B960494DF}">
-                <a14:hiddenLine xmlns:a14="http://schemas.microsoft.com/office/drawing/2010/main" xmlns="" w="9525">
+                <a14:hiddenLine xmlns="" xmlns:a14="http://schemas.microsoft.com/office/drawing/2010/main" w="9525">
                   <a:solidFill>
                     <a:srgbClr val="000000"/>
                   </a:solidFill>
@@ -4542,7 +4542,7 @@
             </a:ln>
             <a:extLst>
               <a:ext uri="{91240B29-F687-4f45-9708-019B960494DF}">
-                <a14:hiddenLine xmlns:a14="http://schemas.microsoft.com/office/drawing/2010/main" xmlns="" w="9525">
+                <a14:hiddenLine xmlns="" xmlns:a14="http://schemas.microsoft.com/office/drawing/2010/main" w="9525">
                   <a:solidFill>
                     <a:srgbClr val="000000"/>
                   </a:solidFill>
@@ -4632,7 +4632,7 @@
             </a:ln>
             <a:extLst>
               <a:ext uri="{91240B29-F687-4f45-9708-019B960494DF}">
-                <a14:hiddenLine xmlns:a14="http://schemas.microsoft.com/office/drawing/2010/main" xmlns="" w="9525">
+                <a14:hiddenLine xmlns="" xmlns:a14="http://schemas.microsoft.com/office/drawing/2010/main" w="9525">
                   <a:solidFill>
                     <a:srgbClr val="000000"/>
                   </a:solidFill>
@@ -9497,7 +9497,7 @@
           <a:noFill/>
           <a:extLst>
             <a:ext uri="{909E8E84-426E-40dd-AFC4-6F175D3DCCD1}">
-              <a14:hiddenFill xmlns:a14="http://schemas.microsoft.com/office/drawing/2010/main" xmlns="">
+              <a14:hiddenFill xmlns="" xmlns:a14="http://schemas.microsoft.com/office/drawing/2010/main">
                 <a:solidFill>
                   <a:srgbClr val="FFFFFF"/>
                 </a:solidFill>
@@ -9571,7 +9571,7 @@
               </a:ln>
               <a:extLst>
                 <a:ext uri="{91240B29-F687-4f45-9708-019B960494DF}">
-                  <a14:hiddenLine xmlns:a14="http://schemas.microsoft.com/office/drawing/2010/main" xmlns="" w="9525">
+                  <a14:hiddenLine xmlns="" xmlns:a14="http://schemas.microsoft.com/office/drawing/2010/main" w="9525">
                     <a:solidFill>
                       <a:srgbClr val="000000"/>
                     </a:solidFill>
@@ -9661,7 +9661,7 @@
               </a:ln>
               <a:extLst>
                 <a:ext uri="{91240B29-F687-4f45-9708-019B960494DF}">
-                  <a14:hiddenLine xmlns:a14="http://schemas.microsoft.com/office/drawing/2010/main" xmlns="" w="9525">
+                  <a14:hiddenLine xmlns="" xmlns:a14="http://schemas.microsoft.com/office/drawing/2010/main" w="9525">
                     <a:solidFill>
                       <a:srgbClr val="000000"/>
                     </a:solidFill>
@@ -9751,7 +9751,7 @@
               </a:ln>
               <a:extLst>
                 <a:ext uri="{91240B29-F687-4f45-9708-019B960494DF}">
-                  <a14:hiddenLine xmlns:a14="http://schemas.microsoft.com/office/drawing/2010/main" xmlns="" w="9525">
+                  <a14:hiddenLine xmlns="" xmlns:a14="http://schemas.microsoft.com/office/drawing/2010/main" w="9525">
                     <a:solidFill>
                       <a:srgbClr val="000000"/>
                     </a:solidFill>
@@ -9813,7 +9813,7 @@
               </a:ln>
               <a:extLst>
                 <a:ext uri="{91240B29-F687-4f45-9708-019B960494DF}">
-                  <a14:hiddenLine xmlns:a14="http://schemas.microsoft.com/office/drawing/2010/main" xmlns="" w="9525">
+                  <a14:hiddenLine xmlns="" xmlns:a14="http://schemas.microsoft.com/office/drawing/2010/main" w="9525">
                     <a:solidFill>
                       <a:srgbClr val="000000"/>
                     </a:solidFill>
@@ -9903,7 +9903,7 @@
               </a:ln>
               <a:extLst>
                 <a:ext uri="{91240B29-F687-4f45-9708-019B960494DF}">
-                  <a14:hiddenLine xmlns:a14="http://schemas.microsoft.com/office/drawing/2010/main" xmlns="" w="9525">
+                  <a14:hiddenLine xmlns="" xmlns:a14="http://schemas.microsoft.com/office/drawing/2010/main" w="9525">
                     <a:solidFill>
                       <a:srgbClr val="000000"/>
                     </a:solidFill>
@@ -9965,7 +9965,7 @@
               </a:ln>
               <a:extLst>
                 <a:ext uri="{91240B29-F687-4f45-9708-019B960494DF}">
-                  <a14:hiddenLine xmlns:a14="http://schemas.microsoft.com/office/drawing/2010/main" xmlns="" w="9525">
+                  <a14:hiddenLine xmlns="" xmlns:a14="http://schemas.microsoft.com/office/drawing/2010/main" w="9525">
                     <a:solidFill>
                       <a:srgbClr val="000000"/>
                     </a:solidFill>
@@ -10027,7 +10027,7 @@
               </a:ln>
               <a:extLst>
                 <a:ext uri="{91240B29-F687-4f45-9708-019B960494DF}">
-                  <a14:hiddenLine xmlns:a14="http://schemas.microsoft.com/office/drawing/2010/main" xmlns="" w="9525">
+                  <a14:hiddenLine xmlns="" xmlns:a14="http://schemas.microsoft.com/office/drawing/2010/main" w="9525">
                     <a:solidFill>
                       <a:srgbClr val="000000"/>
                     </a:solidFill>
@@ -10117,7 +10117,7 @@
               </a:ln>
               <a:extLst>
                 <a:ext uri="{91240B29-F687-4f45-9708-019B960494DF}">
-                  <a14:hiddenLine xmlns:a14="http://schemas.microsoft.com/office/drawing/2010/main" xmlns="" w="9525">
+                  <a14:hiddenLine xmlns="" xmlns:a14="http://schemas.microsoft.com/office/drawing/2010/main" w="9525">
                     <a:solidFill>
                       <a:srgbClr val="000000"/>
                     </a:solidFill>
@@ -10207,7 +10207,7 @@
               </a:ln>
               <a:extLst>
                 <a:ext uri="{91240B29-F687-4f45-9708-019B960494DF}">
-                  <a14:hiddenLine xmlns:a14="http://schemas.microsoft.com/office/drawing/2010/main" xmlns="" w="9525">
+                  <a14:hiddenLine xmlns="" xmlns:a14="http://schemas.microsoft.com/office/drawing/2010/main" w="9525">
                     <a:solidFill>
                       <a:srgbClr val="000000"/>
                     </a:solidFill>
@@ -10269,7 +10269,7 @@
               </a:ln>
               <a:extLst>
                 <a:ext uri="{91240B29-F687-4f45-9708-019B960494DF}">
-                  <a14:hiddenLine xmlns:a14="http://schemas.microsoft.com/office/drawing/2010/main" xmlns="" w="9525">
+                  <a14:hiddenLine xmlns="" xmlns:a14="http://schemas.microsoft.com/office/drawing/2010/main" w="9525">
                     <a:solidFill>
                       <a:srgbClr val="000000"/>
                     </a:solidFill>
@@ -10379,7 +10379,7 @@
               </a:ln>
               <a:extLst>
                 <a:ext uri="{91240B29-F687-4f45-9708-019B960494DF}">
-                  <a14:hiddenLine xmlns:a14="http://schemas.microsoft.com/office/drawing/2010/main" xmlns="" w="9525">
+                  <a14:hiddenLine xmlns="" xmlns:a14="http://schemas.microsoft.com/office/drawing/2010/main" w="9525">
                     <a:solidFill>
                       <a:srgbClr val="000000"/>
                     </a:solidFill>
@@ -10463,7 +10463,7 @@
               </a:ln>
               <a:extLst>
                 <a:ext uri="{91240B29-F687-4f45-9708-019B960494DF}">
-                  <a14:hiddenLine xmlns:a14="http://schemas.microsoft.com/office/drawing/2010/main" xmlns="" w="9525">
+                  <a14:hiddenLine xmlns="" xmlns:a14="http://schemas.microsoft.com/office/drawing/2010/main" w="9525">
                     <a:solidFill>
                       <a:srgbClr val="000000"/>
                     </a:solidFill>
@@ -10525,7 +10525,7 @@
               </a:ln>
               <a:extLst>
                 <a:ext uri="{91240B29-F687-4f45-9708-019B960494DF}">
-                  <a14:hiddenLine xmlns:a14="http://schemas.microsoft.com/office/drawing/2010/main" xmlns="" w="9525">
+                  <a14:hiddenLine xmlns="" xmlns:a14="http://schemas.microsoft.com/office/drawing/2010/main" w="9525">
                     <a:solidFill>
                       <a:srgbClr val="000000"/>
                     </a:solidFill>
@@ -10587,7 +10587,7 @@
               </a:ln>
               <a:extLst>
                 <a:ext uri="{91240B29-F687-4f45-9708-019B960494DF}">
-                  <a14:hiddenLine xmlns:a14="http://schemas.microsoft.com/office/drawing/2010/main" xmlns="" w="9525">
+                  <a14:hiddenLine xmlns="" xmlns:a14="http://schemas.microsoft.com/office/drawing/2010/main" w="9525">
                     <a:solidFill>
                       <a:srgbClr val="000000"/>
                     </a:solidFill>
@@ -10677,7 +10677,7 @@
               </a:ln>
               <a:extLst>
                 <a:ext uri="{91240B29-F687-4f45-9708-019B960494DF}">
-                  <a14:hiddenLine xmlns:a14="http://schemas.microsoft.com/office/drawing/2010/main" xmlns="" w="9525">
+                  <a14:hiddenLine xmlns="" xmlns:a14="http://schemas.microsoft.com/office/drawing/2010/main" w="9525">
                     <a:solidFill>
                       <a:srgbClr val="000000"/>
                     </a:solidFill>
@@ -10711,7 +10711,7 @@
               </a:ln>
               <a:extLst>
                 <a:ext uri="{91240B29-F687-4f45-9708-019B960494DF}">
-                  <a14:hiddenLine xmlns:a14="http://schemas.microsoft.com/office/drawing/2010/main" xmlns="" w="9525">
+                  <a14:hiddenLine xmlns="" xmlns:a14="http://schemas.microsoft.com/office/drawing/2010/main" w="9525">
                     <a:solidFill>
                       <a:srgbClr val="000000"/>
                     </a:solidFill>
@@ -10776,7 +10776,7 @@
               </a:ln>
               <a:extLst>
                 <a:ext uri="{91240B29-F687-4f45-9708-019B960494DF}">
-                  <a14:hiddenLine xmlns:a14="http://schemas.microsoft.com/office/drawing/2010/main" xmlns="" w="9525">
+                  <a14:hiddenLine xmlns="" xmlns:a14="http://schemas.microsoft.com/office/drawing/2010/main" w="9525">
                     <a:solidFill>
                       <a:srgbClr val="000000"/>
                     </a:solidFill>
@@ -10866,7 +10866,7 @@
               </a:ln>
               <a:extLst>
                 <a:ext uri="{91240B29-F687-4f45-9708-019B960494DF}">
-                  <a14:hiddenLine xmlns:a14="http://schemas.microsoft.com/office/drawing/2010/main" xmlns="" w="9525">
+                  <a14:hiddenLine xmlns="" xmlns:a14="http://schemas.microsoft.com/office/drawing/2010/main" w="9525">
                     <a:solidFill>
                       <a:srgbClr val="000000"/>
                     </a:solidFill>
@@ -10928,7 +10928,7 @@
               </a:ln>
               <a:extLst>
                 <a:ext uri="{91240B29-F687-4f45-9708-019B960494DF}">
-                  <a14:hiddenLine xmlns:a14="http://schemas.microsoft.com/office/drawing/2010/main" xmlns="" w="9525">
+                  <a14:hiddenLine xmlns="" xmlns:a14="http://schemas.microsoft.com/office/drawing/2010/main" w="9525">
                     <a:solidFill>
                       <a:srgbClr val="000000"/>
                     </a:solidFill>
@@ -11018,7 +11018,7 @@
               </a:ln>
               <a:extLst>
                 <a:ext uri="{91240B29-F687-4f45-9708-019B960494DF}">
-                  <a14:hiddenLine xmlns:a14="http://schemas.microsoft.com/office/drawing/2010/main" xmlns="" w="9525">
+                  <a14:hiddenLine xmlns="" xmlns:a14="http://schemas.microsoft.com/office/drawing/2010/main" w="9525">
                     <a:solidFill>
                       <a:srgbClr val="000000"/>
                     </a:solidFill>
@@ -11083,7 +11083,7 @@
               </a:ln>
               <a:extLst>
                 <a:ext uri="{91240B29-F687-4f45-9708-019B960494DF}">
-                  <a14:hiddenLine xmlns:a14="http://schemas.microsoft.com/office/drawing/2010/main" xmlns="" w="9525">
+                  <a14:hiddenLine xmlns="" xmlns:a14="http://schemas.microsoft.com/office/drawing/2010/main" w="9525">
                     <a:solidFill>
                       <a:srgbClr val="000000"/>
                     </a:solidFill>
@@ -11145,7 +11145,7 @@
               </a:ln>
               <a:extLst>
                 <a:ext uri="{91240B29-F687-4f45-9708-019B960494DF}">
-                  <a14:hiddenLine xmlns:a14="http://schemas.microsoft.com/office/drawing/2010/main" xmlns="" w="9525">
+                  <a14:hiddenLine xmlns="" xmlns:a14="http://schemas.microsoft.com/office/drawing/2010/main" w="9525">
                     <a:solidFill>
                       <a:srgbClr val="000000"/>
                     </a:solidFill>
@@ -11235,7 +11235,7 @@
               </a:ln>
               <a:extLst>
                 <a:ext uri="{91240B29-F687-4f45-9708-019B960494DF}">
-                  <a14:hiddenLine xmlns:a14="http://schemas.microsoft.com/office/drawing/2010/main" xmlns="" w="9525">
+                  <a14:hiddenLine xmlns="" xmlns:a14="http://schemas.microsoft.com/office/drawing/2010/main" w="9525">
                     <a:solidFill>
                       <a:srgbClr val="000000"/>
                     </a:solidFill>
@@ -11325,7 +11325,7 @@
               </a:ln>
               <a:extLst>
                 <a:ext uri="{91240B29-F687-4f45-9708-019B960494DF}">
-                  <a14:hiddenLine xmlns:a14="http://schemas.microsoft.com/office/drawing/2010/main" xmlns="" w="9525">
+                  <a14:hiddenLine xmlns="" xmlns:a14="http://schemas.microsoft.com/office/drawing/2010/main" w="9525">
                     <a:solidFill>
                       <a:srgbClr val="000000"/>
                     </a:solidFill>
@@ -11390,7 +11390,7 @@
               </a:ln>
               <a:extLst>
                 <a:ext uri="{91240B29-F687-4f45-9708-019B960494DF}">
-                  <a14:hiddenLine xmlns:a14="http://schemas.microsoft.com/office/drawing/2010/main" xmlns="" w="9525">
+                  <a14:hiddenLine xmlns="" xmlns:a14="http://schemas.microsoft.com/office/drawing/2010/main" w="9525">
                     <a:solidFill>
                       <a:srgbClr val="000000"/>
                     </a:solidFill>
@@ -11510,7 +11510,7 @@
               </a:ln>
               <a:extLst>
                 <a:ext uri="{91240B29-F687-4f45-9708-019B960494DF}">
-                  <a14:hiddenLine xmlns:a14="http://schemas.microsoft.com/office/drawing/2010/main" xmlns="" w="9525">
+                  <a14:hiddenLine xmlns="" xmlns:a14="http://schemas.microsoft.com/office/drawing/2010/main" w="9525">
                     <a:solidFill>
                       <a:srgbClr val="000000"/>
                     </a:solidFill>
@@ -11591,7 +11591,7 @@
               </a:ln>
               <a:extLst>
                 <a:ext uri="{91240B29-F687-4f45-9708-019B960494DF}">
-                  <a14:hiddenLine xmlns:a14="http://schemas.microsoft.com/office/drawing/2010/main" xmlns="" w="9525">
+                  <a14:hiddenLine xmlns="" xmlns:a14="http://schemas.microsoft.com/office/drawing/2010/main" w="9525">
                     <a:solidFill>
                       <a:srgbClr val="000000"/>
                     </a:solidFill>
@@ -11706,7 +11706,7 @@
               </a:ln>
               <a:extLst>
                 <a:ext uri="{91240B29-F687-4f45-9708-019B960494DF}">
-                  <a14:hiddenLine xmlns:a14="http://schemas.microsoft.com/office/drawing/2010/main" xmlns="" w="9525">
+                  <a14:hiddenLine xmlns="" xmlns:a14="http://schemas.microsoft.com/office/drawing/2010/main" w="9525">
                     <a:solidFill>
                       <a:srgbClr val="000000"/>
                     </a:solidFill>
@@ -11796,7 +11796,7 @@
               </a:ln>
               <a:extLst>
                 <a:ext uri="{91240B29-F687-4f45-9708-019B960494DF}">
-                  <a14:hiddenLine xmlns:a14="http://schemas.microsoft.com/office/drawing/2010/main" xmlns="" w="9525">
+                  <a14:hiddenLine xmlns="" xmlns:a14="http://schemas.microsoft.com/office/drawing/2010/main" w="9525">
                     <a:solidFill>
                       <a:srgbClr val="000000"/>
                     </a:solidFill>
@@ -11861,7 +11861,7 @@
               </a:ln>
               <a:extLst>
                 <a:ext uri="{91240B29-F687-4f45-9708-019B960494DF}">
-                  <a14:hiddenLine xmlns:a14="http://schemas.microsoft.com/office/drawing/2010/main" xmlns="" w="9525">
+                  <a14:hiddenLine xmlns="" xmlns:a14="http://schemas.microsoft.com/office/drawing/2010/main" w="9525">
                     <a:solidFill>
                       <a:srgbClr val="000000"/>
                     </a:solidFill>
@@ -11951,7 +11951,7 @@
               </a:ln>
               <a:extLst>
                 <a:ext uri="{91240B29-F687-4f45-9708-019B960494DF}">
-                  <a14:hiddenLine xmlns:a14="http://schemas.microsoft.com/office/drawing/2010/main" xmlns="" w="9525">
+                  <a14:hiddenLine xmlns="" xmlns:a14="http://schemas.microsoft.com/office/drawing/2010/main" w="9525">
                     <a:solidFill>
                       <a:srgbClr val="000000"/>
                     </a:solidFill>
@@ -12019,7 +12019,7 @@
               </a:ln>
               <a:extLst>
                 <a:ext uri="{91240B29-F687-4f45-9708-019B960494DF}">
-                  <a14:hiddenLine xmlns:a14="http://schemas.microsoft.com/office/drawing/2010/main" xmlns="" w="9525">
+                  <a14:hiddenLine xmlns="" xmlns:a14="http://schemas.microsoft.com/office/drawing/2010/main" w="9525">
                     <a:solidFill>
                       <a:srgbClr val="000000"/>
                     </a:solidFill>
@@ -12109,7 +12109,7 @@
               </a:ln>
               <a:extLst>
                 <a:ext uri="{91240B29-F687-4f45-9708-019B960494DF}">
-                  <a14:hiddenLine xmlns:a14="http://schemas.microsoft.com/office/drawing/2010/main" xmlns="" w="9525">
+                  <a14:hiddenLine xmlns="" xmlns:a14="http://schemas.microsoft.com/office/drawing/2010/main" w="9525">
                     <a:solidFill>
                       <a:srgbClr val="000000"/>
                     </a:solidFill>
@@ -12177,7 +12177,7 @@
               </a:ln>
               <a:extLst>
                 <a:ext uri="{91240B29-F687-4f45-9708-019B960494DF}">
-                  <a14:hiddenLine xmlns:a14="http://schemas.microsoft.com/office/drawing/2010/main" xmlns="" w="9525">
+                  <a14:hiddenLine xmlns="" xmlns:a14="http://schemas.microsoft.com/office/drawing/2010/main" w="9525">
                     <a:solidFill>
                       <a:srgbClr val="000000"/>
                     </a:solidFill>
@@ -12267,7 +12267,7 @@
               </a:ln>
               <a:extLst>
                 <a:ext uri="{91240B29-F687-4f45-9708-019B960494DF}">
-                  <a14:hiddenLine xmlns:a14="http://schemas.microsoft.com/office/drawing/2010/main" xmlns="" w="9525">
+                  <a14:hiddenLine xmlns="" xmlns:a14="http://schemas.microsoft.com/office/drawing/2010/main" w="9525">
                     <a:solidFill>
                       <a:srgbClr val="000000"/>
                     </a:solidFill>
@@ -12301,7 +12301,7 @@
               </a:ln>
               <a:extLst>
                 <a:ext uri="{91240B29-F687-4f45-9708-019B960494DF}">
-                  <a14:hiddenLine xmlns:a14="http://schemas.microsoft.com/office/drawing/2010/main" xmlns="" w="9525">
+                  <a14:hiddenLine xmlns="" xmlns:a14="http://schemas.microsoft.com/office/drawing/2010/main" w="9525">
                     <a:solidFill>
                       <a:srgbClr val="000000"/>
                     </a:solidFill>
@@ -13267,7 +13267,7 @@
             </a:ln>
             <a:extLst>
               <a:ext uri="{91240B29-F687-4f45-9708-019B960494DF}">
-                <a14:hiddenLine xmlns="" xmlns:a16="http://schemas.microsoft.com/office/drawing/2014/main" xmlns:p14="http://schemas.microsoft.com/office/powerpoint/2010/main" xmlns:a14="http://schemas.microsoft.com/office/drawing/2010/main" w="9525">
+                <a14:hiddenLine xmlns:a14="http://schemas.microsoft.com/office/drawing/2010/main" xmlns:p14="http://schemas.microsoft.com/office/powerpoint/2010/main" xmlns:a16="http://schemas.microsoft.com/office/drawing/2014/main" xmlns="" w="9525">
                   <a:solidFill>
                     <a:srgbClr val="000000"/>
                   </a:solidFill>
@@ -13372,7 +13372,7 @@
             </a:ln>
             <a:extLst>
               <a:ext uri="{91240B29-F687-4f45-9708-019B960494DF}">
-                <a14:hiddenLine xmlns="" xmlns:a16="http://schemas.microsoft.com/office/drawing/2014/main" xmlns:p14="http://schemas.microsoft.com/office/powerpoint/2010/main" xmlns:a14="http://schemas.microsoft.com/office/drawing/2010/main" w="9525">
+                <a14:hiddenLine xmlns:a14="http://schemas.microsoft.com/office/drawing/2010/main" xmlns:p14="http://schemas.microsoft.com/office/powerpoint/2010/main" xmlns:a16="http://schemas.microsoft.com/office/drawing/2014/main" xmlns="" w="9525">
                   <a:solidFill>
                     <a:srgbClr val="000000"/>
                   </a:solidFill>
@@ -13477,7 +13477,7 @@
             </a:ln>
             <a:extLst>
               <a:ext uri="{91240B29-F687-4f45-9708-019B960494DF}">
-                <a14:hiddenLine xmlns="" xmlns:a16="http://schemas.microsoft.com/office/drawing/2014/main" xmlns:p14="http://schemas.microsoft.com/office/powerpoint/2010/main" xmlns:a14="http://schemas.microsoft.com/office/drawing/2010/main" w="9525">
+                <a14:hiddenLine xmlns:a14="http://schemas.microsoft.com/office/drawing/2010/main" xmlns:p14="http://schemas.microsoft.com/office/powerpoint/2010/main" xmlns:a16="http://schemas.microsoft.com/office/drawing/2014/main" xmlns="" w="9525">
                   <a:solidFill>
                     <a:srgbClr val="000000"/>
                   </a:solidFill>
@@ -13554,7 +13554,7 @@
             </a:ln>
             <a:extLst>
               <a:ext uri="{91240B29-F687-4f45-9708-019B960494DF}">
-                <a14:hiddenLine xmlns="" xmlns:a16="http://schemas.microsoft.com/office/drawing/2014/main" xmlns:p14="http://schemas.microsoft.com/office/powerpoint/2010/main" xmlns:a14="http://schemas.microsoft.com/office/drawing/2010/main" w="9525">
+                <a14:hiddenLine xmlns:a14="http://schemas.microsoft.com/office/drawing/2010/main" xmlns:p14="http://schemas.microsoft.com/office/powerpoint/2010/main" xmlns:a16="http://schemas.microsoft.com/office/drawing/2014/main" xmlns="" w="9525">
                   <a:solidFill>
                     <a:srgbClr val="000000"/>
                   </a:solidFill>
@@ -13659,7 +13659,7 @@
             </a:ln>
             <a:extLst>
               <a:ext uri="{91240B29-F687-4f45-9708-019B960494DF}">
-                <a14:hiddenLine xmlns="" xmlns:a16="http://schemas.microsoft.com/office/drawing/2014/main" xmlns:p14="http://schemas.microsoft.com/office/powerpoint/2010/main" xmlns:a14="http://schemas.microsoft.com/office/drawing/2010/main" w="9525">
+                <a14:hiddenLine xmlns:a14="http://schemas.microsoft.com/office/drawing/2010/main" xmlns:p14="http://schemas.microsoft.com/office/powerpoint/2010/main" xmlns:a16="http://schemas.microsoft.com/office/drawing/2014/main" xmlns="" w="9525">
                   <a:solidFill>
                     <a:srgbClr val="000000"/>
                   </a:solidFill>
@@ -13736,7 +13736,7 @@
             </a:ln>
             <a:extLst>
               <a:ext uri="{91240B29-F687-4f45-9708-019B960494DF}">
-                <a14:hiddenLine xmlns="" xmlns:a16="http://schemas.microsoft.com/office/drawing/2014/main" xmlns:p14="http://schemas.microsoft.com/office/powerpoint/2010/main" xmlns:a14="http://schemas.microsoft.com/office/drawing/2010/main" w="9525">
+                <a14:hiddenLine xmlns:a14="http://schemas.microsoft.com/office/drawing/2010/main" xmlns:p14="http://schemas.microsoft.com/office/powerpoint/2010/main" xmlns:a16="http://schemas.microsoft.com/office/drawing/2014/main" xmlns="" w="9525">
                   <a:solidFill>
                     <a:srgbClr val="000000"/>
                   </a:solidFill>
@@ -13813,7 +13813,7 @@
             </a:ln>
             <a:extLst>
               <a:ext uri="{91240B29-F687-4f45-9708-019B960494DF}">
-                <a14:hiddenLine xmlns="" xmlns:a16="http://schemas.microsoft.com/office/drawing/2014/main" xmlns:p14="http://schemas.microsoft.com/office/powerpoint/2010/main" xmlns:a14="http://schemas.microsoft.com/office/drawing/2010/main" w="9525">
+                <a14:hiddenLine xmlns:a14="http://schemas.microsoft.com/office/drawing/2010/main" xmlns:p14="http://schemas.microsoft.com/office/powerpoint/2010/main" xmlns:a16="http://schemas.microsoft.com/office/drawing/2014/main" xmlns="" w="9525">
                   <a:solidFill>
                     <a:srgbClr val="000000"/>
                   </a:solidFill>
@@ -13918,7 +13918,7 @@
             </a:ln>
             <a:extLst>
               <a:ext uri="{91240B29-F687-4f45-9708-019B960494DF}">
-                <a14:hiddenLine xmlns="" xmlns:a16="http://schemas.microsoft.com/office/drawing/2014/main" xmlns:p14="http://schemas.microsoft.com/office/powerpoint/2010/main" xmlns:a14="http://schemas.microsoft.com/office/drawing/2010/main" w="9525">
+                <a14:hiddenLine xmlns:a14="http://schemas.microsoft.com/office/drawing/2010/main" xmlns:p14="http://schemas.microsoft.com/office/powerpoint/2010/main" xmlns:a16="http://schemas.microsoft.com/office/drawing/2014/main" xmlns="" w="9525">
                   <a:solidFill>
                     <a:srgbClr val="000000"/>
                   </a:solidFill>
@@ -14023,7 +14023,7 @@
             </a:ln>
             <a:extLst>
               <a:ext uri="{91240B29-F687-4f45-9708-019B960494DF}">
-                <a14:hiddenLine xmlns="" xmlns:a16="http://schemas.microsoft.com/office/drawing/2014/main" xmlns:p14="http://schemas.microsoft.com/office/powerpoint/2010/main" xmlns:a14="http://schemas.microsoft.com/office/drawing/2010/main" w="9525">
+                <a14:hiddenLine xmlns:a14="http://schemas.microsoft.com/office/drawing/2010/main" xmlns:p14="http://schemas.microsoft.com/office/powerpoint/2010/main" xmlns:a16="http://schemas.microsoft.com/office/drawing/2014/main" xmlns="" w="9525">
                   <a:solidFill>
                     <a:srgbClr val="000000"/>
                   </a:solidFill>
@@ -14100,7 +14100,7 @@
             </a:ln>
             <a:extLst>
               <a:ext uri="{91240B29-F687-4f45-9708-019B960494DF}">
-                <a14:hiddenLine xmlns="" xmlns:a16="http://schemas.microsoft.com/office/drawing/2014/main" xmlns:p14="http://schemas.microsoft.com/office/powerpoint/2010/main" xmlns:a14="http://schemas.microsoft.com/office/drawing/2010/main" w="9525">
+                <a14:hiddenLine xmlns:a14="http://schemas.microsoft.com/office/drawing/2010/main" xmlns:p14="http://schemas.microsoft.com/office/powerpoint/2010/main" xmlns:a16="http://schemas.microsoft.com/office/drawing/2014/main" xmlns="" w="9525">
                   <a:solidFill>
                     <a:srgbClr val="000000"/>
                   </a:solidFill>
@@ -14225,7 +14225,7 @@
             </a:ln>
             <a:extLst>
               <a:ext uri="{91240B29-F687-4f45-9708-019B960494DF}">
-                <a14:hiddenLine xmlns="" xmlns:a16="http://schemas.microsoft.com/office/drawing/2014/main" xmlns:p14="http://schemas.microsoft.com/office/powerpoint/2010/main" xmlns:a14="http://schemas.microsoft.com/office/drawing/2010/main" w="9525">
+                <a14:hiddenLine xmlns:a14="http://schemas.microsoft.com/office/drawing/2010/main" xmlns:p14="http://schemas.microsoft.com/office/powerpoint/2010/main" xmlns:a16="http://schemas.microsoft.com/office/drawing/2014/main" xmlns="" w="9525">
                   <a:solidFill>
                     <a:srgbClr val="000000"/>
                   </a:solidFill>
@@ -14339,7 +14339,7 @@
             </a:ln>
             <a:extLst>
               <a:ext uri="{91240B29-F687-4f45-9708-019B960494DF}">
-                <a14:hiddenLine xmlns="" xmlns:a16="http://schemas.microsoft.com/office/drawing/2014/main" xmlns:p14="http://schemas.microsoft.com/office/powerpoint/2010/main" xmlns:a14="http://schemas.microsoft.com/office/drawing/2010/main" w="9525">
+                <a14:hiddenLine xmlns:a14="http://schemas.microsoft.com/office/drawing/2010/main" xmlns:p14="http://schemas.microsoft.com/office/powerpoint/2010/main" xmlns:a16="http://schemas.microsoft.com/office/drawing/2014/main" xmlns="" w="9525">
                   <a:solidFill>
                     <a:srgbClr val="000000"/>
                   </a:solidFill>
@@ -14416,7 +14416,7 @@
             </a:ln>
             <a:extLst>
               <a:ext uri="{91240B29-F687-4f45-9708-019B960494DF}">
-                <a14:hiddenLine xmlns="" xmlns:a16="http://schemas.microsoft.com/office/drawing/2014/main" xmlns:p14="http://schemas.microsoft.com/office/powerpoint/2010/main" xmlns:a14="http://schemas.microsoft.com/office/drawing/2010/main" w="9525">
+                <a14:hiddenLine xmlns:a14="http://schemas.microsoft.com/office/drawing/2010/main" xmlns:p14="http://schemas.microsoft.com/office/powerpoint/2010/main" xmlns:a16="http://schemas.microsoft.com/office/drawing/2014/main" xmlns="" w="9525">
                   <a:solidFill>
                     <a:srgbClr val="000000"/>
                   </a:solidFill>
@@ -14493,7 +14493,7 @@
             </a:ln>
             <a:extLst>
               <a:ext uri="{91240B29-F687-4f45-9708-019B960494DF}">
-                <a14:hiddenLine xmlns="" xmlns:a16="http://schemas.microsoft.com/office/drawing/2014/main" xmlns:p14="http://schemas.microsoft.com/office/powerpoint/2010/main" xmlns:a14="http://schemas.microsoft.com/office/drawing/2010/main" w="9525">
+                <a14:hiddenLine xmlns:a14="http://schemas.microsoft.com/office/drawing/2010/main" xmlns:p14="http://schemas.microsoft.com/office/powerpoint/2010/main" xmlns:a16="http://schemas.microsoft.com/office/drawing/2014/main" xmlns="" w="9525">
                   <a:solidFill>
                     <a:srgbClr val="000000"/>
                   </a:solidFill>
@@ -14598,7 +14598,7 @@
             </a:ln>
             <a:extLst>
               <a:ext uri="{91240B29-F687-4f45-9708-019B960494DF}">
-                <a14:hiddenLine xmlns="" xmlns:a16="http://schemas.microsoft.com/office/drawing/2014/main" xmlns:p14="http://schemas.microsoft.com/office/powerpoint/2010/main" xmlns:a14="http://schemas.microsoft.com/office/drawing/2010/main" w="9525">
+                <a14:hiddenLine xmlns:a14="http://schemas.microsoft.com/office/drawing/2010/main" xmlns:p14="http://schemas.microsoft.com/office/powerpoint/2010/main" xmlns:a16="http://schemas.microsoft.com/office/drawing/2014/main" xmlns="" w="9525">
                   <a:solidFill>
                     <a:srgbClr val="000000"/>
                   </a:solidFill>
@@ -14647,7 +14647,7 @@
             </a:ln>
             <a:extLst>
               <a:ext uri="{91240B29-F687-4f45-9708-019B960494DF}">
-                <a14:hiddenLine xmlns="" xmlns:a16="http://schemas.microsoft.com/office/drawing/2014/main" xmlns:p14="http://schemas.microsoft.com/office/powerpoint/2010/main" xmlns:a14="http://schemas.microsoft.com/office/drawing/2010/main" w="9525">
+                <a14:hiddenLine xmlns:a14="http://schemas.microsoft.com/office/drawing/2010/main" xmlns:p14="http://schemas.microsoft.com/office/powerpoint/2010/main" xmlns:a16="http://schemas.microsoft.com/office/drawing/2014/main" xmlns="" w="9525">
                   <a:solidFill>
                     <a:srgbClr val="000000"/>
                   </a:solidFill>
@@ -14727,7 +14727,7 @@
             </a:ln>
             <a:extLst>
               <a:ext uri="{91240B29-F687-4f45-9708-019B960494DF}">
-                <a14:hiddenLine xmlns="" xmlns:a16="http://schemas.microsoft.com/office/drawing/2014/main" xmlns:p14="http://schemas.microsoft.com/office/powerpoint/2010/main" xmlns:a14="http://schemas.microsoft.com/office/drawing/2010/main" w="9525">
+                <a14:hiddenLine xmlns:a14="http://schemas.microsoft.com/office/drawing/2010/main" xmlns:p14="http://schemas.microsoft.com/office/powerpoint/2010/main" xmlns:a16="http://schemas.microsoft.com/office/drawing/2014/main" xmlns="" w="9525">
                   <a:solidFill>
                     <a:srgbClr val="000000"/>
                   </a:solidFill>
@@ -14832,7 +14832,7 @@
             </a:ln>
             <a:extLst>
               <a:ext uri="{91240B29-F687-4f45-9708-019B960494DF}">
-                <a14:hiddenLine xmlns="" xmlns:a16="http://schemas.microsoft.com/office/drawing/2014/main" xmlns:p14="http://schemas.microsoft.com/office/powerpoint/2010/main" xmlns:a14="http://schemas.microsoft.com/office/drawing/2010/main" w="9525">
+                <a14:hiddenLine xmlns:a14="http://schemas.microsoft.com/office/drawing/2010/main" xmlns:p14="http://schemas.microsoft.com/office/powerpoint/2010/main" xmlns:a16="http://schemas.microsoft.com/office/drawing/2014/main" xmlns="" w="9525">
                   <a:solidFill>
                     <a:srgbClr val="000000"/>
                   </a:solidFill>
@@ -14909,7 +14909,7 @@
             </a:ln>
             <a:extLst>
               <a:ext uri="{91240B29-F687-4f45-9708-019B960494DF}">
-                <a14:hiddenLine xmlns="" xmlns:a16="http://schemas.microsoft.com/office/drawing/2014/main" xmlns:p14="http://schemas.microsoft.com/office/powerpoint/2010/main" xmlns:a14="http://schemas.microsoft.com/office/drawing/2010/main" w="9525">
+                <a14:hiddenLine xmlns:a14="http://schemas.microsoft.com/office/drawing/2010/main" xmlns:p14="http://schemas.microsoft.com/office/powerpoint/2010/main" xmlns:a16="http://schemas.microsoft.com/office/drawing/2014/main" xmlns="" w="9525">
                   <a:solidFill>
                     <a:srgbClr val="000000"/>
                   </a:solidFill>
@@ -15014,7 +15014,7 @@
             </a:ln>
             <a:extLst>
               <a:ext uri="{91240B29-F687-4f45-9708-019B960494DF}">
-                <a14:hiddenLine xmlns="" xmlns:a16="http://schemas.microsoft.com/office/drawing/2014/main" xmlns:p14="http://schemas.microsoft.com/office/powerpoint/2010/main" xmlns:a14="http://schemas.microsoft.com/office/drawing/2010/main" w="9525">
+                <a14:hiddenLine xmlns:a14="http://schemas.microsoft.com/office/drawing/2010/main" xmlns:p14="http://schemas.microsoft.com/office/powerpoint/2010/main" xmlns:a16="http://schemas.microsoft.com/office/drawing/2014/main" xmlns="" w="9525">
                   <a:solidFill>
                     <a:srgbClr val="000000"/>
                   </a:solidFill>
@@ -15094,7 +15094,7 @@
             </a:ln>
             <a:extLst>
               <a:ext uri="{91240B29-F687-4f45-9708-019B960494DF}">
-                <a14:hiddenLine xmlns="" xmlns:a16="http://schemas.microsoft.com/office/drawing/2014/main" xmlns:p14="http://schemas.microsoft.com/office/powerpoint/2010/main" xmlns:a14="http://schemas.microsoft.com/office/drawing/2010/main" w="9525">
+                <a14:hiddenLine xmlns:a14="http://schemas.microsoft.com/office/drawing/2010/main" xmlns:p14="http://schemas.microsoft.com/office/powerpoint/2010/main" xmlns:a16="http://schemas.microsoft.com/office/drawing/2014/main" xmlns="" w="9525">
                   <a:solidFill>
                     <a:srgbClr val="000000"/>
                   </a:solidFill>
@@ -15171,7 +15171,7 @@
             </a:ln>
             <a:extLst>
               <a:ext uri="{91240B29-F687-4f45-9708-019B960494DF}">
-                <a14:hiddenLine xmlns="" xmlns:a16="http://schemas.microsoft.com/office/drawing/2014/main" xmlns:p14="http://schemas.microsoft.com/office/powerpoint/2010/main" xmlns:a14="http://schemas.microsoft.com/office/drawing/2010/main" w="9525">
+                <a14:hiddenLine xmlns:a14="http://schemas.microsoft.com/office/drawing/2010/main" xmlns:p14="http://schemas.microsoft.com/office/powerpoint/2010/main" xmlns:a16="http://schemas.microsoft.com/office/drawing/2014/main" xmlns="" w="9525">
                   <a:solidFill>
                     <a:srgbClr val="000000"/>
                   </a:solidFill>
@@ -15276,7 +15276,7 @@
             </a:ln>
             <a:extLst>
               <a:ext uri="{91240B29-F687-4f45-9708-019B960494DF}">
-                <a14:hiddenLine xmlns="" xmlns:a16="http://schemas.microsoft.com/office/drawing/2014/main" xmlns:p14="http://schemas.microsoft.com/office/powerpoint/2010/main" xmlns:a14="http://schemas.microsoft.com/office/drawing/2010/main" w="9525">
+                <a14:hiddenLine xmlns:a14="http://schemas.microsoft.com/office/drawing/2010/main" xmlns:p14="http://schemas.microsoft.com/office/powerpoint/2010/main" xmlns:a16="http://schemas.microsoft.com/office/drawing/2014/main" xmlns="" w="9525">
                   <a:solidFill>
                     <a:srgbClr val="000000"/>
                   </a:solidFill>
@@ -15381,7 +15381,7 @@
             </a:ln>
             <a:extLst>
               <a:ext uri="{91240B29-F687-4f45-9708-019B960494DF}">
-                <a14:hiddenLine xmlns="" xmlns:a16="http://schemas.microsoft.com/office/drawing/2014/main" xmlns:p14="http://schemas.microsoft.com/office/powerpoint/2010/main" xmlns:a14="http://schemas.microsoft.com/office/drawing/2010/main" w="9525">
+                <a14:hiddenLine xmlns:a14="http://schemas.microsoft.com/office/drawing/2010/main" xmlns:p14="http://schemas.microsoft.com/office/powerpoint/2010/main" xmlns:a16="http://schemas.microsoft.com/office/drawing/2014/main" xmlns="" w="9525">
                   <a:solidFill>
                     <a:srgbClr val="000000"/>
                   </a:solidFill>
@@ -15461,7 +15461,7 @@
             </a:ln>
             <a:extLst>
               <a:ext uri="{91240B29-F687-4f45-9708-019B960494DF}">
-                <a14:hiddenLine xmlns="" xmlns:a16="http://schemas.microsoft.com/office/drawing/2014/main" xmlns:p14="http://schemas.microsoft.com/office/powerpoint/2010/main" xmlns:a14="http://schemas.microsoft.com/office/drawing/2010/main" w="9525">
+                <a14:hiddenLine xmlns:a14="http://schemas.microsoft.com/office/drawing/2010/main" xmlns:p14="http://schemas.microsoft.com/office/powerpoint/2010/main" xmlns:a16="http://schemas.microsoft.com/office/drawing/2014/main" xmlns="" w="9525">
                   <a:solidFill>
                     <a:srgbClr val="000000"/>
                   </a:solidFill>
@@ -15596,7 +15596,7 @@
             </a:ln>
             <a:extLst>
               <a:ext uri="{91240B29-F687-4f45-9708-019B960494DF}">
-                <a14:hiddenLine xmlns="" xmlns:a16="http://schemas.microsoft.com/office/drawing/2014/main" xmlns:p14="http://schemas.microsoft.com/office/powerpoint/2010/main" xmlns:a14="http://schemas.microsoft.com/office/drawing/2010/main" w="9525">
+                <a14:hiddenLine xmlns:a14="http://schemas.microsoft.com/office/drawing/2010/main" xmlns:p14="http://schemas.microsoft.com/office/powerpoint/2010/main" xmlns:a16="http://schemas.microsoft.com/office/drawing/2014/main" xmlns="" w="9525">
                   <a:solidFill>
                     <a:srgbClr val="000000"/>
                   </a:solidFill>
@@ -15910,7 +15910,7 @@
             </a:ln>
             <a:extLst>
               <a:ext uri="{91240B29-F687-4f45-9708-019B960494DF}">
-                <a14:hiddenLine xmlns="" xmlns:a16="http://schemas.microsoft.com/office/drawing/2014/main" xmlns:p14="http://schemas.microsoft.com/office/powerpoint/2010/main" xmlns:a14="http://schemas.microsoft.com/office/drawing/2010/main" w="9525">
+                <a14:hiddenLine xmlns:a14="http://schemas.microsoft.com/office/drawing/2010/main" xmlns:p14="http://schemas.microsoft.com/office/powerpoint/2010/main" xmlns:a16="http://schemas.microsoft.com/office/drawing/2014/main" xmlns="" w="9525">
                   <a:solidFill>
                     <a:srgbClr val="000000"/>
                   </a:solidFill>
@@ -16040,7 +16040,7 @@
             </a:ln>
             <a:extLst>
               <a:ext uri="{91240B29-F687-4f45-9708-019B960494DF}">
-                <a14:hiddenLine xmlns="" xmlns:a16="http://schemas.microsoft.com/office/drawing/2014/main" xmlns:p14="http://schemas.microsoft.com/office/powerpoint/2010/main" xmlns:a14="http://schemas.microsoft.com/office/drawing/2010/main" w="9525">
+                <a14:hiddenLine xmlns:a14="http://schemas.microsoft.com/office/drawing/2010/main" xmlns:p14="http://schemas.microsoft.com/office/powerpoint/2010/main" xmlns:a16="http://schemas.microsoft.com/office/drawing/2014/main" xmlns="" w="9525">
                   <a:solidFill>
                     <a:srgbClr val="000000"/>
                   </a:solidFill>
@@ -16145,7 +16145,7 @@
             </a:ln>
             <a:extLst>
               <a:ext uri="{91240B29-F687-4f45-9708-019B960494DF}">
-                <a14:hiddenLine xmlns="" xmlns:a16="http://schemas.microsoft.com/office/drawing/2014/main" xmlns:p14="http://schemas.microsoft.com/office/powerpoint/2010/main" xmlns:a14="http://schemas.microsoft.com/office/drawing/2010/main" w="9525">
+                <a14:hiddenLine xmlns:a14="http://schemas.microsoft.com/office/drawing/2010/main" xmlns:p14="http://schemas.microsoft.com/office/powerpoint/2010/main" xmlns:a16="http://schemas.microsoft.com/office/drawing/2014/main" xmlns="" w="9525">
                   <a:solidFill>
                     <a:srgbClr val="000000"/>
                   </a:solidFill>
@@ -16225,7 +16225,7 @@
             </a:ln>
             <a:extLst>
               <a:ext uri="{91240B29-F687-4f45-9708-019B960494DF}">
-                <a14:hiddenLine xmlns="" xmlns:a16="http://schemas.microsoft.com/office/drawing/2014/main" xmlns:p14="http://schemas.microsoft.com/office/powerpoint/2010/main" xmlns:a14="http://schemas.microsoft.com/office/drawing/2010/main" w="9525">
+                <a14:hiddenLine xmlns:a14="http://schemas.microsoft.com/office/drawing/2010/main" xmlns:p14="http://schemas.microsoft.com/office/powerpoint/2010/main" xmlns:a16="http://schemas.microsoft.com/office/drawing/2014/main" xmlns="" w="9525">
                   <a:solidFill>
                     <a:srgbClr val="000000"/>
                   </a:solidFill>
@@ -16330,7 +16330,7 @@
             </a:ln>
             <a:extLst>
               <a:ext uri="{91240B29-F687-4f45-9708-019B960494DF}">
-                <a14:hiddenLine xmlns="" xmlns:a16="http://schemas.microsoft.com/office/drawing/2014/main" xmlns:p14="http://schemas.microsoft.com/office/powerpoint/2010/main" xmlns:a14="http://schemas.microsoft.com/office/drawing/2010/main" w="9525">
+                <a14:hiddenLine xmlns:a14="http://schemas.microsoft.com/office/drawing/2010/main" xmlns:p14="http://schemas.microsoft.com/office/powerpoint/2010/main" xmlns:a16="http://schemas.microsoft.com/office/drawing/2014/main" xmlns="" w="9525">
                   <a:solidFill>
                     <a:srgbClr val="000000"/>
                   </a:solidFill>
@@ -16413,7 +16413,7 @@
             </a:ln>
             <a:extLst>
               <a:ext uri="{91240B29-F687-4f45-9708-019B960494DF}">
-                <a14:hiddenLine xmlns="" xmlns:a16="http://schemas.microsoft.com/office/drawing/2014/main" xmlns:p14="http://schemas.microsoft.com/office/powerpoint/2010/main" xmlns:a14="http://schemas.microsoft.com/office/drawing/2010/main" w="9525">
+                <a14:hiddenLine xmlns:a14="http://schemas.microsoft.com/office/drawing/2010/main" xmlns:p14="http://schemas.microsoft.com/office/powerpoint/2010/main" xmlns:a16="http://schemas.microsoft.com/office/drawing/2014/main" xmlns="" w="9525">
                   <a:solidFill>
                     <a:srgbClr val="000000"/>
                   </a:solidFill>
@@ -16518,7 +16518,7 @@
             </a:ln>
             <a:extLst>
               <a:ext uri="{91240B29-F687-4f45-9708-019B960494DF}">
-                <a14:hiddenLine xmlns="" xmlns:a16="http://schemas.microsoft.com/office/drawing/2014/main" xmlns:p14="http://schemas.microsoft.com/office/powerpoint/2010/main" xmlns:a14="http://schemas.microsoft.com/office/drawing/2010/main" w="9525">
+                <a14:hiddenLine xmlns:a14="http://schemas.microsoft.com/office/drawing/2010/main" xmlns:p14="http://schemas.microsoft.com/office/powerpoint/2010/main" xmlns:a16="http://schemas.microsoft.com/office/drawing/2014/main" xmlns="" w="9525">
                   <a:solidFill>
                     <a:srgbClr val="000000"/>
                   </a:solidFill>
@@ -16601,7 +16601,7 @@
             </a:ln>
             <a:extLst>
               <a:ext uri="{91240B29-F687-4f45-9708-019B960494DF}">
-                <a14:hiddenLine xmlns="" xmlns:a16="http://schemas.microsoft.com/office/drawing/2014/main" xmlns:p14="http://schemas.microsoft.com/office/powerpoint/2010/main" xmlns:a14="http://schemas.microsoft.com/office/drawing/2010/main" w="9525">
+                <a14:hiddenLine xmlns:a14="http://schemas.microsoft.com/office/drawing/2010/main" xmlns:p14="http://schemas.microsoft.com/office/powerpoint/2010/main" xmlns:a16="http://schemas.microsoft.com/office/drawing/2014/main" xmlns="" w="9525">
                   <a:solidFill>
                     <a:srgbClr val="000000"/>
                   </a:solidFill>
@@ -16706,7 +16706,7 @@
             </a:ln>
             <a:extLst>
               <a:ext uri="{91240B29-F687-4f45-9708-019B960494DF}">
-                <a14:hiddenLine xmlns="" xmlns:a16="http://schemas.microsoft.com/office/drawing/2014/main" xmlns:p14="http://schemas.microsoft.com/office/powerpoint/2010/main" xmlns:a14="http://schemas.microsoft.com/office/drawing/2010/main" w="9525">
+                <a14:hiddenLine xmlns:a14="http://schemas.microsoft.com/office/drawing/2010/main" xmlns:p14="http://schemas.microsoft.com/office/powerpoint/2010/main" xmlns:a16="http://schemas.microsoft.com/office/drawing/2014/main" xmlns="" w="9525">
                   <a:solidFill>
                     <a:srgbClr val="000000"/>
                   </a:solidFill>
@@ -16755,7 +16755,7 @@
             </a:ln>
             <a:extLst>
               <a:ext uri="{91240B29-F687-4f45-9708-019B960494DF}">
-                <a14:hiddenLine xmlns="" xmlns:a16="http://schemas.microsoft.com/office/drawing/2014/main" xmlns:p14="http://schemas.microsoft.com/office/powerpoint/2010/main" xmlns:a14="http://schemas.microsoft.com/office/drawing/2010/main" w="9525">
+                <a14:hiddenLine xmlns:a14="http://schemas.microsoft.com/office/drawing/2010/main" xmlns:p14="http://schemas.microsoft.com/office/powerpoint/2010/main" xmlns:a16="http://schemas.microsoft.com/office/drawing/2014/main" xmlns="" w="9525">
                   <a:solidFill>
                     <a:srgbClr val="000000"/>
                   </a:solidFill>
@@ -17934,7 +17934,23 @@
             <a:pPr algn="just"/>
             <a:r>
               <a:rPr lang="pt-PT" dirty="0"/>
-              <a:t>Arvore</a:t>
+              <a:t>A plataforma </a:t>
+            </a:r>
+            <a:r>
+              <a:rPr lang="pt-PT" dirty="0" err="1"/>
+              <a:t>StreamZ</a:t>
+            </a:r>
+            <a:r>
+              <a:rPr lang="pt-PT" dirty="0"/>
+              <a:t> contém agora um sistema de donativos. Cada donativo é caracterizado pelo nome do destinatário, montante e, ainda, uma avaliação ao </a:t>
+            </a:r>
+            <a:r>
+              <a:rPr lang="pt-PT" dirty="0" err="1"/>
+              <a:t>streamer</a:t>
+            </a:r>
+            <a:r>
+              <a:rPr lang="pt-PT" dirty="0"/>
+              <a:t>.</a:t>
             </a:r>
             <a:endParaRPr lang="pt-PT" i="1" dirty="0"/>
           </a:p>
@@ -17942,13 +17958,7 @@
             <a:pPr algn="just"/>
             <a:r>
               <a:rPr lang="pt-PT" dirty="0"/>
-              <a:t>Fila de prioridade</a:t>
-            </a:r>
-          </a:p>
-          <a:p>
-            <a:r>
-              <a:rPr lang="pt-PT" dirty="0"/>
-              <a:t>Foi ainda pedida a criação de uma tabela de dispersão para manter um registo de todos os </a:t>
+              <a:t>Também é permitido aos </a:t>
             </a:r>
             <a:r>
               <a:rPr lang="pt-PT" dirty="0" err="1"/>
@@ -17956,7 +17966,21 @@
             </a:r>
             <a:r>
               <a:rPr lang="pt-PT" dirty="0"/>
-              <a:t> (ativos ou com conta eliminada)</a:t>
+              <a:t> venderem os seus produtos, a pedido dos seus visualizadores.</a:t>
+            </a:r>
+          </a:p>
+          <a:p>
+            <a:r>
+              <a:rPr lang="pt-PT" dirty="0"/>
+              <a:t>Foi ainda feita uma implementação para manter um registo de todos os </a:t>
+            </a:r>
+            <a:r>
+              <a:rPr lang="pt-PT" dirty="0" err="1"/>
+              <a:t>streamers</a:t>
+            </a:r>
+            <a:r>
+              <a:rPr lang="pt-PT" dirty="0"/>
+              <a:t> (ativos ou com conta eliminada) da plataforma.</a:t>
             </a:r>
           </a:p>
         </p:txBody>
@@ -18053,113 +18077,44 @@
         </p:spPr>
         <p:txBody>
           <a:bodyPr>
-            <a:normAutofit fontScale="92500" lnSpcReduction="20000"/>
+            <a:normAutofit/>
           </a:bodyPr>
           <a:lstStyle/>
           <a:p>
-            <a:pPr marL="0" indent="0" algn="just">
-              <a:buNone/>
-            </a:pPr>
+            <a:pPr algn="just"/>
             <a:r>
               <a:rPr lang="pt-PT" dirty="0"/>
-              <a:t>A partir da estrutura básica, a solução evoluiu e pode ser resumida no seguinte esquema:</a:t>
+              <a:t>De modo a implementar o sistemas de donativos, foi criada uma árvore binária de pesquisa, onde estes se encontram ordenados pelo montante doado e, em caso de empate, pela avaliação que acompanha o donativo.</a:t>
             </a:r>
           </a:p>
           <a:p>
+            <a:pPr algn="just"/>
             <a:r>
               <a:rPr lang="pt-PT" dirty="0"/>
-              <a:t>Classe principal – </a:t>
+              <a:t>Para os </a:t>
             </a:r>
             <a:r>
               <a:rPr lang="pt-PT" dirty="0" err="1"/>
-              <a:t>StreamZ</a:t>
+              <a:t>streamers</a:t>
             </a:r>
             <a:r>
               <a:rPr lang="pt-PT" dirty="0"/>
-              <a:t> (onde estão incluídos os menus, os containers com os objetos guardados e onde são feitas as interações entre o </a:t>
+              <a:t> poderem vender merchandising, foi implementada uma fila prioridade, que ordena os pedidos dos utilizadores por menor número de produtos a adquirir, seguido da maior disponibilidade de compra, se for necessário desempatar.</a:t>
+            </a:r>
+          </a:p>
+          <a:p>
+            <a:pPr algn="just"/>
+            <a:r>
+              <a:rPr lang="pt-PT" dirty="0"/>
+              <a:t>Por fim, foi usada uma tabela de dispersão para manter o registo de todos os </a:t>
             </a:r>
             <a:r>
               <a:rPr lang="pt-PT" dirty="0" err="1"/>
-              <a:t>user</a:t>
+              <a:t>streamers</a:t>
             </a:r>
             <a:r>
               <a:rPr lang="pt-PT" dirty="0"/>
-              <a:t> (input) e esses objetos).</a:t>
-            </a:r>
-          </a:p>
-          <a:p>
-            <a:r>
-              <a:rPr lang="pt-PT" dirty="0"/>
-              <a:t>Classes mais importantes</a:t>
-            </a:r>
-          </a:p>
-          <a:p>
-            <a:pPr lvl="1"/>
-            <a:r>
-              <a:rPr lang="pt-PT" dirty="0" err="1"/>
-              <a:t>User</a:t>
-            </a:r>
-            <a:endParaRPr lang="pt-PT" dirty="0"/>
-          </a:p>
-          <a:p>
-            <a:pPr lvl="2"/>
-            <a:r>
-              <a:rPr lang="pt-PT" dirty="0" err="1"/>
-              <a:t>Streamer</a:t>
-            </a:r>
-            <a:endParaRPr lang="pt-PT" dirty="0"/>
-          </a:p>
-          <a:p>
-            <a:pPr lvl="2"/>
-            <a:r>
-              <a:rPr lang="pt-PT" dirty="0" err="1"/>
-              <a:t>Viewer</a:t>
-            </a:r>
-            <a:endParaRPr lang="pt-PT" dirty="0"/>
-          </a:p>
-          <a:p>
-            <a:pPr lvl="1"/>
-            <a:r>
-              <a:rPr lang="pt-PT" dirty="0" err="1"/>
-              <a:t>Stream</a:t>
-            </a:r>
-            <a:endParaRPr lang="pt-PT" dirty="0"/>
-          </a:p>
-          <a:p>
-            <a:pPr lvl="2"/>
-            <a:r>
-              <a:rPr lang="pt-PT" dirty="0" err="1"/>
-              <a:t>PublicStream</a:t>
-            </a:r>
-            <a:endParaRPr lang="pt-PT" dirty="0"/>
-          </a:p>
-          <a:p>
-            <a:pPr lvl="2"/>
-            <a:r>
-              <a:rPr lang="pt-PT" dirty="0" err="1"/>
-              <a:t>PrivateStream</a:t>
-            </a:r>
-            <a:endParaRPr lang="pt-PT" dirty="0"/>
-          </a:p>
-          <a:p>
-            <a:pPr lvl="2"/>
-            <a:r>
-              <a:rPr lang="pt-PT" dirty="0"/>
-              <a:t>PastStream (struct)</a:t>
-            </a:r>
-          </a:p>
-          <a:p>
-            <a:pPr lvl="1"/>
-            <a:r>
-              <a:rPr lang="pt-PT" dirty="0" err="1"/>
-              <a:t>Admin</a:t>
-            </a:r>
-            <a:endParaRPr lang="pt-PT" dirty="0"/>
-          </a:p>
-          <a:p>
-            <a:r>
-              <a:rPr lang="pt-PT" dirty="0"/>
-              <a:t>Classe auxiliar - Date</a:t>
+              <a:t>, ativos ou com conta eliminada, e são distinguidos pelo seu ID.</a:t>
             </a:r>
           </a:p>
         </p:txBody>
@@ -18793,7 +18748,7 @@
         </p:nvSpPr>
         <p:spPr>
           <a:xfrm>
-            <a:off x="1141413" y="2249487"/>
+            <a:off x="1141413" y="1707946"/>
             <a:ext cx="5561228" cy="4089170"/>
           </a:xfrm>
         </p:spPr>
@@ -18878,7 +18833,7 @@
         </p:nvSpPr>
         <p:spPr>
           <a:xfrm>
-            <a:off x="6445190" y="2244046"/>
+            <a:off x="6475630" y="1707946"/>
             <a:ext cx="4350058" cy="2308324"/>
           </a:xfrm>
           <a:prstGeom prst="rect">
@@ -19197,7 +19152,7 @@
           <a:noFill/>
           <a:extLst>
             <a:ext uri="{909E8E84-426E-40dd-AFC4-6F175D3DCCD1}">
-              <a14:hiddenFill xmlns="" xmlns:a16="http://schemas.microsoft.com/office/drawing/2014/main" xmlns:a14="http://schemas.microsoft.com/office/drawing/2010/main">
+              <a14:hiddenFill xmlns:a14="http://schemas.microsoft.com/office/drawing/2010/main" xmlns:a16="http://schemas.microsoft.com/office/drawing/2014/main" xmlns="">
                 <a:solidFill>
                   <a:srgbClr val="FFFFFF"/>
                 </a:solidFill>
@@ -19289,7 +19244,7 @@
             </a:ln>
             <a:extLst>
               <a:ext uri="{91240B29-F687-4f45-9708-019B960494DF}">
-                <a14:hiddenLine xmlns="" xmlns:a16="http://schemas.microsoft.com/office/drawing/2014/main" xmlns:a14="http://schemas.microsoft.com/office/drawing/2010/main" w="9525">
+                <a14:hiddenLine xmlns:a14="http://schemas.microsoft.com/office/drawing/2010/main" xmlns:a16="http://schemas.microsoft.com/office/drawing/2014/main" xmlns="" w="9525">
                   <a:solidFill>
                     <a:srgbClr val="000000"/>
                   </a:solidFill>
@@ -19394,7 +19349,7 @@
             </a:ln>
             <a:extLst>
               <a:ext uri="{91240B29-F687-4f45-9708-019B960494DF}">
-                <a14:hiddenLine xmlns="" xmlns:a16="http://schemas.microsoft.com/office/drawing/2014/main" xmlns:a14="http://schemas.microsoft.com/office/drawing/2010/main" w="9525">
+                <a14:hiddenLine xmlns:a14="http://schemas.microsoft.com/office/drawing/2010/main" xmlns:a16="http://schemas.microsoft.com/office/drawing/2014/main" xmlns="" w="9525">
                   <a:solidFill>
                     <a:srgbClr val="000000"/>
                   </a:solidFill>
@@ -19499,7 +19454,7 @@
             </a:ln>
             <a:extLst>
               <a:ext uri="{91240B29-F687-4f45-9708-019B960494DF}">
-                <a14:hiddenLine xmlns="" xmlns:a16="http://schemas.microsoft.com/office/drawing/2014/main" xmlns:a14="http://schemas.microsoft.com/office/drawing/2010/main" w="9525">
+                <a14:hiddenLine xmlns:a14="http://schemas.microsoft.com/office/drawing/2010/main" xmlns:a16="http://schemas.microsoft.com/office/drawing/2014/main" xmlns="" w="9525">
                   <a:solidFill>
                     <a:srgbClr val="000000"/>
                   </a:solidFill>
@@ -19548,7 +19503,7 @@
             </a:ln>
             <a:extLst>
               <a:ext uri="{91240B29-F687-4f45-9708-019B960494DF}">
-                <a14:hiddenLine xmlns="" xmlns:a16="http://schemas.microsoft.com/office/drawing/2014/main" xmlns:a14="http://schemas.microsoft.com/office/drawing/2010/main" w="9525">
+                <a14:hiddenLine xmlns:a14="http://schemas.microsoft.com/office/drawing/2010/main" xmlns:a16="http://schemas.microsoft.com/office/drawing/2014/main" xmlns="" w="9525">
                   <a:solidFill>
                     <a:srgbClr val="000000"/>
                   </a:solidFill>
@@ -19653,7 +19608,7 @@
             </a:ln>
             <a:extLst>
               <a:ext uri="{91240B29-F687-4f45-9708-019B960494DF}">
-                <a14:hiddenLine xmlns="" xmlns:a16="http://schemas.microsoft.com/office/drawing/2014/main" xmlns:a14="http://schemas.microsoft.com/office/drawing/2010/main" w="9525">
+                <a14:hiddenLine xmlns:a14="http://schemas.microsoft.com/office/drawing/2010/main" xmlns:a16="http://schemas.microsoft.com/office/drawing/2014/main" xmlns="" w="9525">
                   <a:solidFill>
                     <a:srgbClr val="000000"/>
                   </a:solidFill>
@@ -19730,7 +19685,7 @@
             </a:ln>
             <a:extLst>
               <a:ext uri="{91240B29-F687-4f45-9708-019B960494DF}">
-                <a14:hiddenLine xmlns="" xmlns:a16="http://schemas.microsoft.com/office/drawing/2014/main" xmlns:a14="http://schemas.microsoft.com/office/drawing/2010/main" w="9525">
+                <a14:hiddenLine xmlns:a14="http://schemas.microsoft.com/office/drawing/2010/main" xmlns:a16="http://schemas.microsoft.com/office/drawing/2014/main" xmlns="" w="9525">
                   <a:solidFill>
                     <a:srgbClr val="000000"/>
                   </a:solidFill>
@@ -19807,7 +19762,7 @@
             </a:ln>
             <a:extLst>
               <a:ext uri="{91240B29-F687-4f45-9708-019B960494DF}">
-                <a14:hiddenLine xmlns="" xmlns:a16="http://schemas.microsoft.com/office/drawing/2014/main" xmlns:a14="http://schemas.microsoft.com/office/drawing/2010/main" w="9525">
+                <a14:hiddenLine xmlns:a14="http://schemas.microsoft.com/office/drawing/2010/main" xmlns:a16="http://schemas.microsoft.com/office/drawing/2014/main" xmlns="" w="9525">
                   <a:solidFill>
                     <a:srgbClr val="000000"/>
                   </a:solidFill>
@@ -19912,7 +19867,7 @@
             </a:ln>
             <a:extLst>
               <a:ext uri="{91240B29-F687-4f45-9708-019B960494DF}">
-                <a14:hiddenLine xmlns="" xmlns:a16="http://schemas.microsoft.com/office/drawing/2014/main" xmlns:a14="http://schemas.microsoft.com/office/drawing/2010/main" w="9525">
+                <a14:hiddenLine xmlns:a14="http://schemas.microsoft.com/office/drawing/2010/main" xmlns:a16="http://schemas.microsoft.com/office/drawing/2014/main" xmlns="" w="9525">
                   <a:solidFill>
                     <a:srgbClr val="000000"/>
                   </a:solidFill>
@@ -19989,7 +19944,7 @@
             </a:ln>
             <a:extLst>
               <a:ext uri="{91240B29-F687-4f45-9708-019B960494DF}">
-                <a14:hiddenLine xmlns="" xmlns:a16="http://schemas.microsoft.com/office/drawing/2014/main" xmlns:a14="http://schemas.microsoft.com/office/drawing/2010/main" w="9525">
+                <a14:hiddenLine xmlns:a14="http://schemas.microsoft.com/office/drawing/2010/main" xmlns:a16="http://schemas.microsoft.com/office/drawing/2014/main" xmlns="" w="9525">
                   <a:solidFill>
                     <a:srgbClr val="000000"/>
                   </a:solidFill>
@@ -20066,7 +20021,7 @@
             </a:ln>
             <a:extLst>
               <a:ext uri="{91240B29-F687-4f45-9708-019B960494DF}">
-                <a14:hiddenLine xmlns="" xmlns:a16="http://schemas.microsoft.com/office/drawing/2014/main" xmlns:a14="http://schemas.microsoft.com/office/drawing/2010/main" w="9525">
+                <a14:hiddenLine xmlns:a14="http://schemas.microsoft.com/office/drawing/2010/main" xmlns:a16="http://schemas.microsoft.com/office/drawing/2014/main" xmlns="" w="9525">
                   <a:solidFill>
                     <a:srgbClr val="000000"/>
                   </a:solidFill>
@@ -20171,7 +20126,7 @@
             </a:ln>
             <a:extLst>
               <a:ext uri="{91240B29-F687-4f45-9708-019B960494DF}">
-                <a14:hiddenLine xmlns="" xmlns:a16="http://schemas.microsoft.com/office/drawing/2014/main" xmlns:a14="http://schemas.microsoft.com/office/drawing/2010/main" w="9525">
+                <a14:hiddenLine xmlns:a14="http://schemas.microsoft.com/office/drawing/2010/main" xmlns:a16="http://schemas.microsoft.com/office/drawing/2014/main" xmlns="" w="9525">
                   <a:solidFill>
                     <a:srgbClr val="000000"/>
                   </a:solidFill>
@@ -20276,7 +20231,7 @@
             </a:ln>
             <a:extLst>
               <a:ext uri="{91240B29-F687-4f45-9708-019B960494DF}">
-                <a14:hiddenLine xmlns="" xmlns:a16="http://schemas.microsoft.com/office/drawing/2014/main" xmlns:a14="http://schemas.microsoft.com/office/drawing/2010/main" w="9525">
+                <a14:hiddenLine xmlns:a14="http://schemas.microsoft.com/office/drawing/2010/main" xmlns:a16="http://schemas.microsoft.com/office/drawing/2014/main" xmlns="" w="9525">
                   <a:solidFill>
                     <a:srgbClr val="000000"/>
                   </a:solidFill>
@@ -20353,7 +20308,7 @@
             </a:ln>
             <a:extLst>
               <a:ext uri="{91240B29-F687-4f45-9708-019B960494DF}">
-                <a14:hiddenLine xmlns="" xmlns:a16="http://schemas.microsoft.com/office/drawing/2014/main" xmlns:a14="http://schemas.microsoft.com/office/drawing/2010/main" w="9525">
+                <a14:hiddenLine xmlns:a14="http://schemas.microsoft.com/office/drawing/2010/main" xmlns:a16="http://schemas.microsoft.com/office/drawing/2014/main" xmlns="" w="9525">
                   <a:solidFill>
                     <a:srgbClr val="000000"/>
                   </a:solidFill>
@@ -20478,7 +20433,7 @@
             </a:ln>
             <a:extLst>
               <a:ext uri="{91240B29-F687-4f45-9708-019B960494DF}">
-                <a14:hiddenLine xmlns="" xmlns:a16="http://schemas.microsoft.com/office/drawing/2014/main" xmlns:a14="http://schemas.microsoft.com/office/drawing/2010/main" w="9525">
+                <a14:hiddenLine xmlns:a14="http://schemas.microsoft.com/office/drawing/2010/main" xmlns:a16="http://schemas.microsoft.com/office/drawing/2014/main" xmlns="" w="9525">
                   <a:solidFill>
                     <a:srgbClr val="000000"/>
                   </a:solidFill>
@@ -20555,7 +20510,7 @@
             </a:ln>
             <a:extLst>
               <a:ext uri="{91240B29-F687-4f45-9708-019B960494DF}">
-                <a14:hiddenLine xmlns="" xmlns:a16="http://schemas.microsoft.com/office/drawing/2014/main" xmlns:a14="http://schemas.microsoft.com/office/drawing/2010/main" w="9525">
+                <a14:hiddenLine xmlns:a14="http://schemas.microsoft.com/office/drawing/2010/main" xmlns:a16="http://schemas.microsoft.com/office/drawing/2014/main" xmlns="" w="9525">
                   <a:solidFill>
                     <a:srgbClr val="000000"/>
                   </a:solidFill>
@@ -20660,7 +20615,7 @@
             </a:ln>
             <a:extLst>
               <a:ext uri="{91240B29-F687-4f45-9708-019B960494DF}">
-                <a14:hiddenLine xmlns="" xmlns:a16="http://schemas.microsoft.com/office/drawing/2014/main" xmlns:a14="http://schemas.microsoft.com/office/drawing/2010/main" w="9525">
+                <a14:hiddenLine xmlns:a14="http://schemas.microsoft.com/office/drawing/2010/main" xmlns:a16="http://schemas.microsoft.com/office/drawing/2014/main" xmlns="" w="9525">
                   <a:solidFill>
                     <a:srgbClr val="000000"/>
                   </a:solidFill>
@@ -20765,7 +20720,7 @@
             </a:ln>
             <a:extLst>
               <a:ext uri="{91240B29-F687-4f45-9708-019B960494DF}">
-                <a14:hiddenLine xmlns="" xmlns:a16="http://schemas.microsoft.com/office/drawing/2014/main" xmlns:a14="http://schemas.microsoft.com/office/drawing/2010/main" w="9525">
+                <a14:hiddenLine xmlns:a14="http://schemas.microsoft.com/office/drawing/2010/main" xmlns:a16="http://schemas.microsoft.com/office/drawing/2014/main" xmlns="" w="9525">
                   <a:solidFill>
                     <a:srgbClr val="000000"/>
                   </a:solidFill>
@@ -20842,7 +20797,7 @@
             </a:ln>
             <a:extLst>
               <a:ext uri="{91240B29-F687-4f45-9708-019B960494DF}">
-                <a14:hiddenLine xmlns="" xmlns:a16="http://schemas.microsoft.com/office/drawing/2014/main" xmlns:a14="http://schemas.microsoft.com/office/drawing/2010/main" w="9525">
+                <a14:hiddenLine xmlns:a14="http://schemas.microsoft.com/office/drawing/2010/main" xmlns:a16="http://schemas.microsoft.com/office/drawing/2014/main" xmlns="" w="9525">
                   <a:solidFill>
                     <a:srgbClr val="000000"/>
                   </a:solidFill>
@@ -20947,7 +20902,7 @@
             </a:ln>
             <a:extLst>
               <a:ext uri="{91240B29-F687-4f45-9708-019B960494DF}">
-                <a14:hiddenLine xmlns="" xmlns:a16="http://schemas.microsoft.com/office/drawing/2014/main" xmlns:a14="http://schemas.microsoft.com/office/drawing/2010/main" w="9525">
+                <a14:hiddenLine xmlns:a14="http://schemas.microsoft.com/office/drawing/2010/main" xmlns:a16="http://schemas.microsoft.com/office/drawing/2014/main" xmlns="" w="9525">
                   <a:solidFill>
                     <a:srgbClr val="000000"/>
                   </a:solidFill>
@@ -21052,7 +21007,7 @@
             </a:ln>
             <a:extLst>
               <a:ext uri="{91240B29-F687-4f45-9708-019B960494DF}">
-                <a14:hiddenLine xmlns="" xmlns:a16="http://schemas.microsoft.com/office/drawing/2014/main" xmlns:a14="http://schemas.microsoft.com/office/drawing/2010/main" w="9525">
+                <a14:hiddenLine xmlns:a14="http://schemas.microsoft.com/office/drawing/2010/main" xmlns:a16="http://schemas.microsoft.com/office/drawing/2014/main" xmlns="" w="9525">
                   <a:solidFill>
                     <a:srgbClr val="000000"/>
                   </a:solidFill>
@@ -21123,7 +21078,7 @@
             </a:ln>
             <a:extLst>
               <a:ext uri="{91240B29-F687-4f45-9708-019B960494DF}">
-                <a14:hiddenLine xmlns="" xmlns:a16="http://schemas.microsoft.com/office/drawing/2014/main" xmlns:a14="http://schemas.microsoft.com/office/drawing/2010/main" w="9525">
+                <a14:hiddenLine xmlns:a14="http://schemas.microsoft.com/office/drawing/2010/main" xmlns:a16="http://schemas.microsoft.com/office/drawing/2014/main" xmlns="" w="9525">
                   <a:solidFill>
                     <a:srgbClr val="000000"/>
                   </a:solidFill>
@@ -21228,7 +21183,7 @@
             </a:ln>
             <a:extLst>
               <a:ext uri="{91240B29-F687-4f45-9708-019B960494DF}">
-                <a14:hiddenLine xmlns="" xmlns:a16="http://schemas.microsoft.com/office/drawing/2014/main" xmlns:a14="http://schemas.microsoft.com/office/drawing/2010/main" w="9525">
+                <a14:hiddenLine xmlns:a14="http://schemas.microsoft.com/office/drawing/2010/main" xmlns:a16="http://schemas.microsoft.com/office/drawing/2014/main" xmlns="" w="9525">
                   <a:solidFill>
                     <a:srgbClr val="000000"/>
                   </a:solidFill>
@@ -21299,7 +21254,7 @@
             </a:ln>
             <a:extLst>
               <a:ext uri="{91240B29-F687-4f45-9708-019B960494DF}">
-                <a14:hiddenLine xmlns="" xmlns:a16="http://schemas.microsoft.com/office/drawing/2014/main" xmlns:a14="http://schemas.microsoft.com/office/drawing/2010/main" w="9525">
+                <a14:hiddenLine xmlns:a14="http://schemas.microsoft.com/office/drawing/2010/main" xmlns:a16="http://schemas.microsoft.com/office/drawing/2014/main" xmlns="" w="9525">
                   <a:solidFill>
                     <a:srgbClr val="000000"/>
                   </a:solidFill>
@@ -21404,7 +21359,7 @@
             </a:ln>
             <a:extLst>
               <a:ext uri="{91240B29-F687-4f45-9708-019B960494DF}">
-                <a14:hiddenLine xmlns="" xmlns:a16="http://schemas.microsoft.com/office/drawing/2014/main" xmlns:a14="http://schemas.microsoft.com/office/drawing/2010/main" w="9525">
+                <a14:hiddenLine xmlns:a14="http://schemas.microsoft.com/office/drawing/2010/main" xmlns:a16="http://schemas.microsoft.com/office/drawing/2014/main" xmlns="" w="9525">
                   <a:solidFill>
                     <a:srgbClr val="000000"/>
                   </a:solidFill>
@@ -21487,7 +21442,7 @@
             </a:ln>
             <a:extLst>
               <a:ext uri="{91240B29-F687-4f45-9708-019B960494DF}">
-                <a14:hiddenLine xmlns="" xmlns:a16="http://schemas.microsoft.com/office/drawing/2014/main" xmlns:a14="http://schemas.microsoft.com/office/drawing/2010/main" w="9525">
+                <a14:hiddenLine xmlns:a14="http://schemas.microsoft.com/office/drawing/2010/main" xmlns:a16="http://schemas.microsoft.com/office/drawing/2014/main" xmlns="" w="9525">
                   <a:solidFill>
                     <a:srgbClr val="000000"/>
                   </a:solidFill>
@@ -21592,7 +21547,7 @@
             </a:ln>
             <a:extLst>
               <a:ext uri="{91240B29-F687-4f45-9708-019B960494DF}">
-                <a14:hiddenLine xmlns="" xmlns:a16="http://schemas.microsoft.com/office/drawing/2014/main" xmlns:a14="http://schemas.microsoft.com/office/drawing/2010/main" w="9525">
+                <a14:hiddenLine xmlns:a14="http://schemas.microsoft.com/office/drawing/2010/main" xmlns:a16="http://schemas.microsoft.com/office/drawing/2014/main" xmlns="" w="9525">
                   <a:solidFill>
                     <a:srgbClr val="000000"/>
                   </a:solidFill>
@@ -21675,7 +21630,7 @@
             </a:ln>
             <a:extLst>
               <a:ext uri="{91240B29-F687-4f45-9708-019B960494DF}">
-                <a14:hiddenLine xmlns="" xmlns:a16="http://schemas.microsoft.com/office/drawing/2014/main" xmlns:a14="http://schemas.microsoft.com/office/drawing/2010/main" w="9525">
+                <a14:hiddenLine xmlns:a14="http://schemas.microsoft.com/office/drawing/2010/main" xmlns:a16="http://schemas.microsoft.com/office/drawing/2014/main" xmlns="" w="9525">
                   <a:solidFill>
                     <a:srgbClr val="000000"/>
                   </a:solidFill>
@@ -21780,7 +21735,7 @@
             </a:ln>
             <a:extLst>
               <a:ext uri="{91240B29-F687-4f45-9708-019B960494DF}">
-                <a14:hiddenLine xmlns="" xmlns:a16="http://schemas.microsoft.com/office/drawing/2014/main" xmlns:a14="http://schemas.microsoft.com/office/drawing/2010/main" w="9525">
+                <a14:hiddenLine xmlns:a14="http://schemas.microsoft.com/office/drawing/2010/main" xmlns:a16="http://schemas.microsoft.com/office/drawing/2014/main" xmlns="" w="9525">
                   <a:solidFill>
                     <a:srgbClr val="000000"/>
                   </a:solidFill>
@@ -21829,7 +21784,7 @@
             </a:ln>
             <a:extLst>
               <a:ext uri="{91240B29-F687-4f45-9708-019B960494DF}">
-                <a14:hiddenLine xmlns="" xmlns:a16="http://schemas.microsoft.com/office/drawing/2014/main" xmlns:a14="http://schemas.microsoft.com/office/drawing/2010/main" w="9525">
+                <a14:hiddenLine xmlns:a14="http://schemas.microsoft.com/office/drawing/2010/main" xmlns:a16="http://schemas.microsoft.com/office/drawing/2014/main" xmlns="" w="9525">
                   <a:solidFill>
                     <a:srgbClr val="000000"/>
                   </a:solidFill>
@@ -21934,7 +21889,7 @@
             </a:ln>
             <a:extLst>
               <a:ext uri="{91240B29-F687-4f45-9708-019B960494DF}">
-                <a14:hiddenLine xmlns="" xmlns:a16="http://schemas.microsoft.com/office/drawing/2014/main" xmlns:a14="http://schemas.microsoft.com/office/drawing/2010/main" w="9525">
+                <a14:hiddenLine xmlns:a14="http://schemas.microsoft.com/office/drawing/2010/main" xmlns:a16="http://schemas.microsoft.com/office/drawing/2014/main" xmlns="" w="9525">
                   <a:solidFill>
                     <a:srgbClr val="000000"/>
                   </a:solidFill>
@@ -22011,7 +21966,7 @@
             </a:ln>
             <a:extLst>
               <a:ext uri="{91240B29-F687-4f45-9708-019B960494DF}">
-                <a14:hiddenLine xmlns="" xmlns:a16="http://schemas.microsoft.com/office/drawing/2014/main" xmlns:a14="http://schemas.microsoft.com/office/drawing/2010/main" w="9525">
+                <a14:hiddenLine xmlns:a14="http://schemas.microsoft.com/office/drawing/2010/main" xmlns:a16="http://schemas.microsoft.com/office/drawing/2014/main" xmlns="" w="9525">
                   <a:solidFill>
                     <a:srgbClr val="000000"/>
                   </a:solidFill>
@@ -22088,7 +22043,7 @@
             </a:ln>
             <a:extLst>
               <a:ext uri="{91240B29-F687-4f45-9708-019B960494DF}">
-                <a14:hiddenLine xmlns="" xmlns:a16="http://schemas.microsoft.com/office/drawing/2014/main" xmlns:a14="http://schemas.microsoft.com/office/drawing/2010/main" w="9525">
+                <a14:hiddenLine xmlns:a14="http://schemas.microsoft.com/office/drawing/2010/main" xmlns:a16="http://schemas.microsoft.com/office/drawing/2014/main" xmlns="" w="9525">
                   <a:solidFill>
                     <a:srgbClr val="000000"/>
                   </a:solidFill>
@@ -22193,7 +22148,7 @@
             </a:ln>
             <a:extLst>
               <a:ext uri="{91240B29-F687-4f45-9708-019B960494DF}">
-                <a14:hiddenLine xmlns="" xmlns:a16="http://schemas.microsoft.com/office/drawing/2014/main" xmlns:a14="http://schemas.microsoft.com/office/drawing/2010/main" w="9525">
+                <a14:hiddenLine xmlns:a14="http://schemas.microsoft.com/office/drawing/2010/main" xmlns:a16="http://schemas.microsoft.com/office/drawing/2014/main" xmlns="" w="9525">
                   <a:solidFill>
                     <a:srgbClr val="000000"/>
                   </a:solidFill>
@@ -22276,7 +22231,7 @@
             </a:ln>
             <a:extLst>
               <a:ext uri="{91240B29-F687-4f45-9708-019B960494DF}">
-                <a14:hiddenLine xmlns="" xmlns:a16="http://schemas.microsoft.com/office/drawing/2014/main" xmlns:a14="http://schemas.microsoft.com/office/drawing/2010/main" w="9525">
+                <a14:hiddenLine xmlns:a14="http://schemas.microsoft.com/office/drawing/2010/main" xmlns:a16="http://schemas.microsoft.com/office/drawing/2014/main" xmlns="" w="9525">
                   <a:solidFill>
                     <a:srgbClr val="000000"/>
                   </a:solidFill>
@@ -22353,7 +22308,7 @@
             </a:ln>
             <a:extLst>
               <a:ext uri="{91240B29-F687-4f45-9708-019B960494DF}">
-                <a14:hiddenLine xmlns="" xmlns:a16="http://schemas.microsoft.com/office/drawing/2014/main" xmlns:a14="http://schemas.microsoft.com/office/drawing/2010/main" w="9525">
+                <a14:hiddenLine xmlns:a14="http://schemas.microsoft.com/office/drawing/2010/main" xmlns:a16="http://schemas.microsoft.com/office/drawing/2014/main" xmlns="" w="9525">
                   <a:solidFill>
                     <a:srgbClr val="000000"/>
                   </a:solidFill>
@@ -22458,7 +22413,7 @@
             </a:ln>
             <a:extLst>
               <a:ext uri="{91240B29-F687-4f45-9708-019B960494DF}">
-                <a14:hiddenLine xmlns="" xmlns:a16="http://schemas.microsoft.com/office/drawing/2014/main" xmlns:a14="http://schemas.microsoft.com/office/drawing/2010/main" w="9525">
+                <a14:hiddenLine xmlns:a14="http://schemas.microsoft.com/office/drawing/2010/main" xmlns:a16="http://schemas.microsoft.com/office/drawing/2014/main" xmlns="" w="9525">
                   <a:solidFill>
                     <a:srgbClr val="000000"/>
                   </a:solidFill>
@@ -22535,7 +22490,7 @@
             </a:ln>
             <a:extLst>
               <a:ext uri="{91240B29-F687-4f45-9708-019B960494DF}">
-                <a14:hiddenLine xmlns="" xmlns:a16="http://schemas.microsoft.com/office/drawing/2014/main" xmlns:a14="http://schemas.microsoft.com/office/drawing/2010/main" w="9525">
+                <a14:hiddenLine xmlns:a14="http://schemas.microsoft.com/office/drawing/2010/main" xmlns:a16="http://schemas.microsoft.com/office/drawing/2014/main" xmlns="" w="9525">
                   <a:solidFill>
                     <a:srgbClr val="000000"/>
                   </a:solidFill>
@@ -22640,7 +22595,7 @@
             </a:ln>
             <a:extLst>
               <a:ext uri="{91240B29-F687-4f45-9708-019B960494DF}">
-                <a14:hiddenLine xmlns="" xmlns:a16="http://schemas.microsoft.com/office/drawing/2014/main" xmlns:a14="http://schemas.microsoft.com/office/drawing/2010/main" w="9525">
+                <a14:hiddenLine xmlns:a14="http://schemas.microsoft.com/office/drawing/2010/main" xmlns:a16="http://schemas.microsoft.com/office/drawing/2014/main" xmlns="" w="9525">
                   <a:solidFill>
                     <a:srgbClr val="000000"/>
                   </a:solidFill>
@@ -22717,7 +22672,7 @@
             </a:ln>
             <a:extLst>
               <a:ext uri="{91240B29-F687-4f45-9708-019B960494DF}">
-                <a14:hiddenLine xmlns="" xmlns:a16="http://schemas.microsoft.com/office/drawing/2014/main" xmlns:a14="http://schemas.microsoft.com/office/drawing/2010/main" w="9525">
+                <a14:hiddenLine xmlns:a14="http://schemas.microsoft.com/office/drawing/2010/main" xmlns:a16="http://schemas.microsoft.com/office/drawing/2014/main" xmlns="" w="9525">
                   <a:solidFill>
                     <a:srgbClr val="000000"/>
                   </a:solidFill>
@@ -22822,7 +22777,7 @@
             </a:ln>
             <a:extLst>
               <a:ext uri="{91240B29-F687-4f45-9708-019B960494DF}">
-                <a14:hiddenLine xmlns="" xmlns:a16="http://schemas.microsoft.com/office/drawing/2014/main" xmlns:a14="http://schemas.microsoft.com/office/drawing/2010/main" w="9525">
+                <a14:hiddenLine xmlns:a14="http://schemas.microsoft.com/office/drawing/2010/main" xmlns:a16="http://schemas.microsoft.com/office/drawing/2014/main" xmlns="" w="9525">
                   <a:solidFill>
                     <a:srgbClr val="000000"/>
                   </a:solidFill>
@@ -22871,7 +22826,7 @@
             </a:ln>
             <a:extLst>
               <a:ext uri="{91240B29-F687-4f45-9708-019B960494DF}">
-                <a14:hiddenLine xmlns="" xmlns:a16="http://schemas.microsoft.com/office/drawing/2014/main" xmlns:a14="http://schemas.microsoft.com/office/drawing/2010/main" w="9525">
+                <a14:hiddenLine xmlns:a14="http://schemas.microsoft.com/office/drawing/2010/main" xmlns:a16="http://schemas.microsoft.com/office/drawing/2014/main" xmlns="" w="9525">
                   <a:solidFill>
                     <a:srgbClr val="000000"/>
                   </a:solidFill>
@@ -22951,7 +22906,7 @@
             </a:ln>
             <a:extLst>
               <a:ext uri="{91240B29-F687-4f45-9708-019B960494DF}">
-                <a14:hiddenLine xmlns="" xmlns:a16="http://schemas.microsoft.com/office/drawing/2014/main" xmlns:a14="http://schemas.microsoft.com/office/drawing/2010/main" w="9525">
+                <a14:hiddenLine xmlns:a14="http://schemas.microsoft.com/office/drawing/2010/main" xmlns:a16="http://schemas.microsoft.com/office/drawing/2014/main" xmlns="" w="9525">
                   <a:solidFill>
                     <a:srgbClr val="000000"/>
                   </a:solidFill>
@@ -23056,7 +23011,7 @@
             </a:ln>
             <a:extLst>
               <a:ext uri="{91240B29-F687-4f45-9708-019B960494DF}">
-                <a14:hiddenLine xmlns="" xmlns:a16="http://schemas.microsoft.com/office/drawing/2014/main" xmlns:a14="http://schemas.microsoft.com/office/drawing/2010/main" w="9525">
+                <a14:hiddenLine xmlns:a14="http://schemas.microsoft.com/office/drawing/2010/main" xmlns:a16="http://schemas.microsoft.com/office/drawing/2014/main" xmlns="" w="9525">
                   <a:solidFill>
                     <a:srgbClr val="000000"/>
                   </a:solidFill>
@@ -23133,7 +23088,7 @@
             </a:ln>
             <a:extLst>
               <a:ext uri="{91240B29-F687-4f45-9708-019B960494DF}">
-                <a14:hiddenLine xmlns="" xmlns:a16="http://schemas.microsoft.com/office/drawing/2014/main" xmlns:a14="http://schemas.microsoft.com/office/drawing/2010/main" w="9525">
+                <a14:hiddenLine xmlns:a14="http://schemas.microsoft.com/office/drawing/2010/main" xmlns:a16="http://schemas.microsoft.com/office/drawing/2014/main" xmlns="" w="9525">
                   <a:solidFill>
                     <a:srgbClr val="000000"/>
                   </a:solidFill>
@@ -23238,7 +23193,7 @@
             </a:ln>
             <a:extLst>
               <a:ext uri="{91240B29-F687-4f45-9708-019B960494DF}">
-                <a14:hiddenLine xmlns="" xmlns:a16="http://schemas.microsoft.com/office/drawing/2014/main" xmlns:a14="http://schemas.microsoft.com/office/drawing/2010/main" w="9525">
+                <a14:hiddenLine xmlns:a14="http://schemas.microsoft.com/office/drawing/2010/main" xmlns:a16="http://schemas.microsoft.com/office/drawing/2014/main" xmlns="" w="9525">
                   <a:solidFill>
                     <a:srgbClr val="000000"/>
                   </a:solidFill>
@@ -23343,7 +23298,7 @@
             </a:ln>
             <a:extLst>
               <a:ext uri="{91240B29-F687-4f45-9708-019B960494DF}">
-                <a14:hiddenLine xmlns="" xmlns:a16="http://schemas.microsoft.com/office/drawing/2014/main" xmlns:a14="http://schemas.microsoft.com/office/drawing/2010/main" w="9525">
+                <a14:hiddenLine xmlns:a14="http://schemas.microsoft.com/office/drawing/2010/main" xmlns:a16="http://schemas.microsoft.com/office/drawing/2014/main" xmlns="" w="9525">
                   <a:solidFill>
                     <a:srgbClr val="000000"/>
                   </a:solidFill>
@@ -23423,7 +23378,7 @@
             </a:ln>
             <a:extLst>
               <a:ext uri="{91240B29-F687-4f45-9708-019B960494DF}">
-                <a14:hiddenLine xmlns="" xmlns:a16="http://schemas.microsoft.com/office/drawing/2014/main" xmlns:a14="http://schemas.microsoft.com/office/drawing/2010/main" w="9525">
+                <a14:hiddenLine xmlns:a14="http://schemas.microsoft.com/office/drawing/2010/main" xmlns:a16="http://schemas.microsoft.com/office/drawing/2014/main" xmlns="" w="9525">
                   <a:solidFill>
                     <a:srgbClr val="000000"/>
                   </a:solidFill>
@@ -23500,7 +23455,7 @@
             </a:ln>
             <a:extLst>
               <a:ext uri="{91240B29-F687-4f45-9708-019B960494DF}">
-                <a14:hiddenLine xmlns="" xmlns:a16="http://schemas.microsoft.com/office/drawing/2014/main" xmlns:a14="http://schemas.microsoft.com/office/drawing/2010/main" w="9525">
+                <a14:hiddenLine xmlns:a14="http://schemas.microsoft.com/office/drawing/2010/main" xmlns:a16="http://schemas.microsoft.com/office/drawing/2014/main" xmlns="" w="9525">
                   <a:solidFill>
                     <a:srgbClr val="000000"/>
                   </a:solidFill>
@@ -23605,7 +23560,7 @@
             </a:ln>
             <a:extLst>
               <a:ext uri="{91240B29-F687-4f45-9708-019B960494DF}">
-                <a14:hiddenLine xmlns="" xmlns:a16="http://schemas.microsoft.com/office/drawing/2014/main" xmlns:a14="http://schemas.microsoft.com/office/drawing/2010/main" w="9525">
+                <a14:hiddenLine xmlns:a14="http://schemas.microsoft.com/office/drawing/2010/main" xmlns:a16="http://schemas.microsoft.com/office/drawing/2014/main" xmlns="" w="9525">
                   <a:solidFill>
                     <a:srgbClr val="000000"/>
                   </a:solidFill>
@@ -23710,7 +23665,7 @@
             </a:ln>
             <a:extLst>
               <a:ext uri="{91240B29-F687-4f45-9708-019B960494DF}">
-                <a14:hiddenLine xmlns="" xmlns:a16="http://schemas.microsoft.com/office/drawing/2014/main" xmlns:a14="http://schemas.microsoft.com/office/drawing/2010/main" w="9525">
+                <a14:hiddenLine xmlns:a14="http://schemas.microsoft.com/office/drawing/2010/main" xmlns:a16="http://schemas.microsoft.com/office/drawing/2014/main" xmlns="" w="9525">
                   <a:solidFill>
                     <a:srgbClr val="000000"/>
                   </a:solidFill>
@@ -23787,7 +23742,7 @@
             </a:ln>
             <a:extLst>
               <a:ext uri="{91240B29-F687-4f45-9708-019B960494DF}">
-                <a14:hiddenLine xmlns="" xmlns:a16="http://schemas.microsoft.com/office/drawing/2014/main" xmlns:a14="http://schemas.microsoft.com/office/drawing/2010/main" w="9525">
+                <a14:hiddenLine xmlns:a14="http://schemas.microsoft.com/office/drawing/2010/main" xmlns:a16="http://schemas.microsoft.com/office/drawing/2014/main" xmlns="" w="9525">
                   <a:solidFill>
                     <a:srgbClr val="000000"/>
                   </a:solidFill>
@@ -23922,7 +23877,7 @@
             </a:ln>
             <a:extLst>
               <a:ext uri="{91240B29-F687-4f45-9708-019B960494DF}">
-                <a14:hiddenLine xmlns="" xmlns:a16="http://schemas.microsoft.com/office/drawing/2014/main" xmlns:a14="http://schemas.microsoft.com/office/drawing/2010/main" w="9525">
+                <a14:hiddenLine xmlns:a14="http://schemas.microsoft.com/office/drawing/2010/main" xmlns:a16="http://schemas.microsoft.com/office/drawing/2014/main" xmlns="" w="9525">
                   <a:solidFill>
                     <a:srgbClr val="000000"/>
                   </a:solidFill>
@@ -24005,7 +23960,7 @@
             </a:ln>
             <a:extLst>
               <a:ext uri="{91240B29-F687-4f45-9708-019B960494DF}">
-                <a14:hiddenLine xmlns="" xmlns:a16="http://schemas.microsoft.com/office/drawing/2014/main" xmlns:a14="http://schemas.microsoft.com/office/drawing/2010/main" w="9525">
+                <a14:hiddenLine xmlns:a14="http://schemas.microsoft.com/office/drawing/2010/main" xmlns:a16="http://schemas.microsoft.com/office/drawing/2014/main" xmlns="" w="9525">
                   <a:solidFill>
                     <a:srgbClr val="000000"/>
                   </a:solidFill>
@@ -24110,7 +24065,7 @@
             </a:ln>
             <a:extLst>
               <a:ext uri="{91240B29-F687-4f45-9708-019B960494DF}">
-                <a14:hiddenLine xmlns="" xmlns:a16="http://schemas.microsoft.com/office/drawing/2014/main" xmlns:a14="http://schemas.microsoft.com/office/drawing/2010/main" w="9525">
+                <a14:hiddenLine xmlns:a14="http://schemas.microsoft.com/office/drawing/2010/main" xmlns:a16="http://schemas.microsoft.com/office/drawing/2014/main" xmlns="" w="9525">
                   <a:solidFill>
                     <a:srgbClr val="000000"/>
                   </a:solidFill>
@@ -24257,7 +24212,7 @@
             </a:ln>
             <a:extLst>
               <a:ext uri="{91240B29-F687-4f45-9708-019B960494DF}">
-                <a14:hiddenLine xmlns="" xmlns:a16="http://schemas.microsoft.com/office/drawing/2014/main" xmlns:p14="http://schemas.microsoft.com/office/powerpoint/2010/main" xmlns:a14="http://schemas.microsoft.com/office/drawing/2010/main" w="9525">
+                <a14:hiddenLine xmlns:a14="http://schemas.microsoft.com/office/drawing/2010/main" xmlns:p14="http://schemas.microsoft.com/office/powerpoint/2010/main" xmlns:a16="http://schemas.microsoft.com/office/drawing/2014/main" xmlns="" w="9525">
                   <a:solidFill>
                     <a:srgbClr val="000000"/>
                   </a:solidFill>
@@ -24362,7 +24317,7 @@
             </a:ln>
             <a:extLst>
               <a:ext uri="{91240B29-F687-4f45-9708-019B960494DF}">
-                <a14:hiddenLine xmlns="" xmlns:a16="http://schemas.microsoft.com/office/drawing/2014/main" xmlns:p14="http://schemas.microsoft.com/office/powerpoint/2010/main" xmlns:a14="http://schemas.microsoft.com/office/drawing/2010/main" w="9525">
+                <a14:hiddenLine xmlns:a14="http://schemas.microsoft.com/office/drawing/2010/main" xmlns:p14="http://schemas.microsoft.com/office/powerpoint/2010/main" xmlns:a16="http://schemas.microsoft.com/office/drawing/2014/main" xmlns="" w="9525">
                   <a:solidFill>
                     <a:srgbClr val="000000"/>
                   </a:solidFill>
@@ -24467,7 +24422,7 @@
             </a:ln>
             <a:extLst>
               <a:ext uri="{91240B29-F687-4f45-9708-019B960494DF}">
-                <a14:hiddenLine xmlns="" xmlns:a16="http://schemas.microsoft.com/office/drawing/2014/main" xmlns:p14="http://schemas.microsoft.com/office/powerpoint/2010/main" xmlns:a14="http://schemas.microsoft.com/office/drawing/2010/main" w="9525">
+                <a14:hiddenLine xmlns:a14="http://schemas.microsoft.com/office/drawing/2010/main" xmlns:p14="http://schemas.microsoft.com/office/powerpoint/2010/main" xmlns:a16="http://schemas.microsoft.com/office/drawing/2014/main" xmlns="" w="9525">
                   <a:solidFill>
                     <a:srgbClr val="000000"/>
                   </a:solidFill>
@@ -24516,7 +24471,7 @@
             </a:ln>
             <a:extLst>
               <a:ext uri="{91240B29-F687-4f45-9708-019B960494DF}">
-                <a14:hiddenLine xmlns="" xmlns:a16="http://schemas.microsoft.com/office/drawing/2014/main" xmlns:p14="http://schemas.microsoft.com/office/powerpoint/2010/main" xmlns:a14="http://schemas.microsoft.com/office/drawing/2010/main" w="9525">
+                <a14:hiddenLine xmlns:a14="http://schemas.microsoft.com/office/drawing/2010/main" xmlns:p14="http://schemas.microsoft.com/office/powerpoint/2010/main" xmlns:a16="http://schemas.microsoft.com/office/drawing/2014/main" xmlns="" w="9525">
                   <a:solidFill>
                     <a:srgbClr val="000000"/>
                   </a:solidFill>
@@ -24621,7 +24576,7 @@
             </a:ln>
             <a:extLst>
               <a:ext uri="{91240B29-F687-4f45-9708-019B960494DF}">
-                <a14:hiddenLine xmlns="" xmlns:a16="http://schemas.microsoft.com/office/drawing/2014/main" xmlns:p14="http://schemas.microsoft.com/office/powerpoint/2010/main" xmlns:a14="http://schemas.microsoft.com/office/drawing/2010/main" w="9525">
+                <a14:hiddenLine xmlns:a14="http://schemas.microsoft.com/office/drawing/2010/main" xmlns:p14="http://schemas.microsoft.com/office/powerpoint/2010/main" xmlns:a16="http://schemas.microsoft.com/office/drawing/2014/main" xmlns="" w="9525">
                   <a:solidFill>
                     <a:srgbClr val="000000"/>
                   </a:solidFill>
@@ -24698,7 +24653,7 @@
             </a:ln>
             <a:extLst>
               <a:ext uri="{91240B29-F687-4f45-9708-019B960494DF}">
-                <a14:hiddenLine xmlns="" xmlns:a16="http://schemas.microsoft.com/office/drawing/2014/main" xmlns:p14="http://schemas.microsoft.com/office/powerpoint/2010/main" xmlns:a14="http://schemas.microsoft.com/office/drawing/2010/main" w="9525">
+                <a14:hiddenLine xmlns:a14="http://schemas.microsoft.com/office/drawing/2010/main" xmlns:p14="http://schemas.microsoft.com/office/powerpoint/2010/main" xmlns:a16="http://schemas.microsoft.com/office/drawing/2014/main" xmlns="" w="9525">
                   <a:solidFill>
                     <a:srgbClr val="000000"/>
                   </a:solidFill>
@@ -24775,7 +24730,7 @@
             </a:ln>
             <a:extLst>
               <a:ext uri="{91240B29-F687-4f45-9708-019B960494DF}">
-                <a14:hiddenLine xmlns="" xmlns:a16="http://schemas.microsoft.com/office/drawing/2014/main" xmlns:p14="http://schemas.microsoft.com/office/powerpoint/2010/main" xmlns:a14="http://schemas.microsoft.com/office/drawing/2010/main" w="9525">
+                <a14:hiddenLine xmlns:a14="http://schemas.microsoft.com/office/drawing/2010/main" xmlns:p14="http://schemas.microsoft.com/office/powerpoint/2010/main" xmlns:a16="http://schemas.microsoft.com/office/drawing/2014/main" xmlns="" w="9525">
                   <a:solidFill>
                     <a:srgbClr val="000000"/>
                   </a:solidFill>
@@ -24880,7 +24835,7 @@
             </a:ln>
             <a:extLst>
               <a:ext uri="{91240B29-F687-4f45-9708-019B960494DF}">
-                <a14:hiddenLine xmlns="" xmlns:a16="http://schemas.microsoft.com/office/drawing/2014/main" xmlns:p14="http://schemas.microsoft.com/office/powerpoint/2010/main" xmlns:a14="http://schemas.microsoft.com/office/drawing/2010/main" w="9525">
+                <a14:hiddenLine xmlns:a14="http://schemas.microsoft.com/office/drawing/2010/main" xmlns:p14="http://schemas.microsoft.com/office/powerpoint/2010/main" xmlns:a16="http://schemas.microsoft.com/office/drawing/2014/main" xmlns="" w="9525">
                   <a:solidFill>
                     <a:srgbClr val="000000"/>
                   </a:solidFill>
@@ -24957,7 +24912,7 @@
             </a:ln>
             <a:extLst>
               <a:ext uri="{91240B29-F687-4f45-9708-019B960494DF}">
-                <a14:hiddenLine xmlns="" xmlns:a16="http://schemas.microsoft.com/office/drawing/2014/main" xmlns:p14="http://schemas.microsoft.com/office/powerpoint/2010/main" xmlns:a14="http://schemas.microsoft.com/office/drawing/2010/main" w="9525">
+                <a14:hiddenLine xmlns:a14="http://schemas.microsoft.com/office/drawing/2010/main" xmlns:p14="http://schemas.microsoft.com/office/powerpoint/2010/main" xmlns:a16="http://schemas.microsoft.com/office/drawing/2014/main" xmlns="" w="9525">
                   <a:solidFill>
                     <a:srgbClr val="000000"/>
                   </a:solidFill>
@@ -25034,7 +24989,7 @@
             </a:ln>
             <a:extLst>
               <a:ext uri="{91240B29-F687-4f45-9708-019B960494DF}">
-                <a14:hiddenLine xmlns="" xmlns:a16="http://schemas.microsoft.com/office/drawing/2014/main" xmlns:p14="http://schemas.microsoft.com/office/powerpoint/2010/main" xmlns:a14="http://schemas.microsoft.com/office/drawing/2010/main" w="9525">
+                <a14:hiddenLine xmlns:a14="http://schemas.microsoft.com/office/drawing/2010/main" xmlns:p14="http://schemas.microsoft.com/office/powerpoint/2010/main" xmlns:a16="http://schemas.microsoft.com/office/drawing/2014/main" xmlns="" w="9525">
                   <a:solidFill>
                     <a:srgbClr val="000000"/>
                   </a:solidFill>
@@ -25139,7 +25094,7 @@
             </a:ln>
             <a:extLst>
               <a:ext uri="{91240B29-F687-4f45-9708-019B960494DF}">
-                <a14:hiddenLine xmlns="" xmlns:a16="http://schemas.microsoft.com/office/drawing/2014/main" xmlns:p14="http://schemas.microsoft.com/office/powerpoint/2010/main" xmlns:a14="http://schemas.microsoft.com/office/drawing/2010/main" w="9525">
+                <a14:hiddenLine xmlns:a14="http://schemas.microsoft.com/office/drawing/2010/main" xmlns:p14="http://schemas.microsoft.com/office/powerpoint/2010/main" xmlns:a16="http://schemas.microsoft.com/office/drawing/2014/main" xmlns="" w="9525">
                   <a:solidFill>
                     <a:srgbClr val="000000"/>
                   </a:solidFill>
@@ -25244,7 +25199,7 @@
             </a:ln>
             <a:extLst>
               <a:ext uri="{91240B29-F687-4f45-9708-019B960494DF}">
-                <a14:hiddenLine xmlns="" xmlns:a16="http://schemas.microsoft.com/office/drawing/2014/main" xmlns:p14="http://schemas.microsoft.com/office/powerpoint/2010/main" xmlns:a14="http://schemas.microsoft.com/office/drawing/2010/main" w="9525">
+                <a14:hiddenLine xmlns:a14="http://schemas.microsoft.com/office/drawing/2010/main" xmlns:p14="http://schemas.microsoft.com/office/powerpoint/2010/main" xmlns:a16="http://schemas.microsoft.com/office/drawing/2014/main" xmlns="" w="9525">
                   <a:solidFill>
                     <a:srgbClr val="000000"/>
                   </a:solidFill>
@@ -25321,7 +25276,7 @@
             </a:ln>
             <a:extLst>
               <a:ext uri="{91240B29-F687-4f45-9708-019B960494DF}">
-                <a14:hiddenLine xmlns="" xmlns:a16="http://schemas.microsoft.com/office/drawing/2014/main" xmlns:p14="http://schemas.microsoft.com/office/powerpoint/2010/main" xmlns:a14="http://schemas.microsoft.com/office/drawing/2010/main" w="9525">
+                <a14:hiddenLine xmlns:a14="http://schemas.microsoft.com/office/drawing/2010/main" xmlns:p14="http://schemas.microsoft.com/office/powerpoint/2010/main" xmlns:a16="http://schemas.microsoft.com/office/drawing/2014/main" xmlns="" w="9525">
                   <a:solidFill>
                     <a:srgbClr val="000000"/>
                   </a:solidFill>
@@ -25446,7 +25401,7 @@
             </a:ln>
             <a:extLst>
               <a:ext uri="{91240B29-F687-4f45-9708-019B960494DF}">
-                <a14:hiddenLine xmlns="" xmlns:a16="http://schemas.microsoft.com/office/drawing/2014/main" xmlns:p14="http://schemas.microsoft.com/office/powerpoint/2010/main" xmlns:a14="http://schemas.microsoft.com/office/drawing/2010/main" w="9525">
+                <a14:hiddenLine xmlns:a14="http://schemas.microsoft.com/office/drawing/2010/main" xmlns:p14="http://schemas.microsoft.com/office/powerpoint/2010/main" xmlns:a16="http://schemas.microsoft.com/office/drawing/2014/main" xmlns="" w="9525">
                   <a:solidFill>
                     <a:srgbClr val="000000"/>
                   </a:solidFill>
@@ -25523,7 +25478,7 @@
             </a:ln>
             <a:extLst>
               <a:ext uri="{91240B29-F687-4f45-9708-019B960494DF}">
-                <a14:hiddenLine xmlns="" xmlns:a16="http://schemas.microsoft.com/office/drawing/2014/main" xmlns:p14="http://schemas.microsoft.com/office/powerpoint/2010/main" xmlns:a14="http://schemas.microsoft.com/office/drawing/2010/main" w="9525">
+                <a14:hiddenLine xmlns:a14="http://schemas.microsoft.com/office/drawing/2010/main" xmlns:p14="http://schemas.microsoft.com/office/powerpoint/2010/main" xmlns:a16="http://schemas.microsoft.com/office/drawing/2014/main" xmlns="" w="9525">
                   <a:solidFill>
                     <a:srgbClr val="000000"/>
                   </a:solidFill>
@@ -25628,7 +25583,7 @@
             </a:ln>
             <a:extLst>
               <a:ext uri="{91240B29-F687-4f45-9708-019B960494DF}">
-                <a14:hiddenLine xmlns="" xmlns:a16="http://schemas.microsoft.com/office/drawing/2014/main" xmlns:p14="http://schemas.microsoft.com/office/powerpoint/2010/main" xmlns:a14="http://schemas.microsoft.com/office/drawing/2010/main" w="9525">
+                <a14:hiddenLine xmlns:a14="http://schemas.microsoft.com/office/drawing/2010/main" xmlns:p14="http://schemas.microsoft.com/office/powerpoint/2010/main" xmlns:a16="http://schemas.microsoft.com/office/drawing/2014/main" xmlns="" w="9525">
                   <a:solidFill>
                     <a:srgbClr val="000000"/>
                   </a:solidFill>
@@ -25733,7 +25688,7 @@
             </a:ln>
             <a:extLst>
               <a:ext uri="{91240B29-F687-4f45-9708-019B960494DF}">
-                <a14:hiddenLine xmlns="" xmlns:a16="http://schemas.microsoft.com/office/drawing/2014/main" xmlns:p14="http://schemas.microsoft.com/office/powerpoint/2010/main" xmlns:a14="http://schemas.microsoft.com/office/drawing/2010/main" w="9525">
+                <a14:hiddenLine xmlns:a14="http://schemas.microsoft.com/office/drawing/2010/main" xmlns:p14="http://schemas.microsoft.com/office/powerpoint/2010/main" xmlns:a16="http://schemas.microsoft.com/office/drawing/2014/main" xmlns="" w="9525">
                   <a:solidFill>
                     <a:srgbClr val="000000"/>
                   </a:solidFill>
@@ -25810,7 +25765,7 @@
             </a:ln>
             <a:extLst>
               <a:ext uri="{91240B29-F687-4f45-9708-019B960494DF}">
-                <a14:hiddenLine xmlns="" xmlns:a16="http://schemas.microsoft.com/office/drawing/2014/main" xmlns:p14="http://schemas.microsoft.com/office/powerpoint/2010/main" xmlns:a14="http://schemas.microsoft.com/office/drawing/2010/main" w="9525">
+                <a14:hiddenLine xmlns:a14="http://schemas.microsoft.com/office/drawing/2010/main" xmlns:p14="http://schemas.microsoft.com/office/powerpoint/2010/main" xmlns:a16="http://schemas.microsoft.com/office/drawing/2014/main" xmlns="" w="9525">
                   <a:solidFill>
                     <a:srgbClr val="000000"/>
                   </a:solidFill>
@@ -25915,7 +25870,7 @@
             </a:ln>
             <a:extLst>
               <a:ext uri="{91240B29-F687-4f45-9708-019B960494DF}">
-                <a14:hiddenLine xmlns="" xmlns:a16="http://schemas.microsoft.com/office/drawing/2014/main" xmlns:p14="http://schemas.microsoft.com/office/powerpoint/2010/main" xmlns:a14="http://schemas.microsoft.com/office/drawing/2010/main" w="9525">
+                <a14:hiddenLine xmlns:a14="http://schemas.microsoft.com/office/drawing/2010/main" xmlns:p14="http://schemas.microsoft.com/office/powerpoint/2010/main" xmlns:a16="http://schemas.microsoft.com/office/drawing/2014/main" xmlns="" w="9525">
                   <a:solidFill>
                     <a:srgbClr val="000000"/>
                   </a:solidFill>
@@ -26020,7 +25975,7 @@
             </a:ln>
             <a:extLst>
               <a:ext uri="{91240B29-F687-4f45-9708-019B960494DF}">
-                <a14:hiddenLine xmlns="" xmlns:a16="http://schemas.microsoft.com/office/drawing/2014/main" xmlns:p14="http://schemas.microsoft.com/office/powerpoint/2010/main" xmlns:a14="http://schemas.microsoft.com/office/drawing/2010/main" w="9525">
+                <a14:hiddenLine xmlns:a14="http://schemas.microsoft.com/office/drawing/2010/main" xmlns:p14="http://schemas.microsoft.com/office/powerpoint/2010/main" xmlns:a16="http://schemas.microsoft.com/office/drawing/2014/main" xmlns="" w="9525">
                   <a:solidFill>
                     <a:srgbClr val="000000"/>
                   </a:solidFill>
@@ -26091,7 +26046,7 @@
             </a:ln>
             <a:extLst>
               <a:ext uri="{91240B29-F687-4f45-9708-019B960494DF}">
-                <a14:hiddenLine xmlns="" xmlns:a16="http://schemas.microsoft.com/office/drawing/2014/main" xmlns:p14="http://schemas.microsoft.com/office/powerpoint/2010/main" xmlns:a14="http://schemas.microsoft.com/office/drawing/2010/main" w="9525">
+                <a14:hiddenLine xmlns:a14="http://schemas.microsoft.com/office/drawing/2010/main" xmlns:p14="http://schemas.microsoft.com/office/powerpoint/2010/main" xmlns:a16="http://schemas.microsoft.com/office/drawing/2014/main" xmlns="" w="9525">
                   <a:solidFill>
                     <a:srgbClr val="000000"/>
                   </a:solidFill>
@@ -26196,7 +26151,7 @@
             </a:ln>
             <a:extLst>
               <a:ext uri="{91240B29-F687-4f45-9708-019B960494DF}">
-                <a14:hiddenLine xmlns="" xmlns:a16="http://schemas.microsoft.com/office/drawing/2014/main" xmlns:p14="http://schemas.microsoft.com/office/powerpoint/2010/main" xmlns:a14="http://schemas.microsoft.com/office/drawing/2010/main" w="9525">
+                <a14:hiddenLine xmlns:a14="http://schemas.microsoft.com/office/drawing/2010/main" xmlns:p14="http://schemas.microsoft.com/office/powerpoint/2010/main" xmlns:a16="http://schemas.microsoft.com/office/drawing/2014/main" xmlns="" w="9525">
                   <a:solidFill>
                     <a:srgbClr val="000000"/>
                   </a:solidFill>
@@ -26267,7 +26222,7 @@
             </a:ln>
             <a:extLst>
               <a:ext uri="{91240B29-F687-4f45-9708-019B960494DF}">
-                <a14:hiddenLine xmlns="" xmlns:a16="http://schemas.microsoft.com/office/drawing/2014/main" xmlns:p14="http://schemas.microsoft.com/office/powerpoint/2010/main" xmlns:a14="http://schemas.microsoft.com/office/drawing/2010/main" w="9525">
+                <a14:hiddenLine xmlns:a14="http://schemas.microsoft.com/office/drawing/2010/main" xmlns:p14="http://schemas.microsoft.com/office/powerpoint/2010/main" xmlns:a16="http://schemas.microsoft.com/office/drawing/2014/main" xmlns="" w="9525">
                   <a:solidFill>
                     <a:srgbClr val="000000"/>
                   </a:solidFill>
@@ -26372,7 +26327,7 @@
             </a:ln>
             <a:extLst>
               <a:ext uri="{91240B29-F687-4f45-9708-019B960494DF}">
-                <a14:hiddenLine xmlns="" xmlns:a16="http://schemas.microsoft.com/office/drawing/2014/main" xmlns:p14="http://schemas.microsoft.com/office/powerpoint/2010/main" xmlns:a14="http://schemas.microsoft.com/office/drawing/2010/main" w="9525">
+                <a14:hiddenLine xmlns:a14="http://schemas.microsoft.com/office/drawing/2010/main" xmlns:p14="http://schemas.microsoft.com/office/powerpoint/2010/main" xmlns:a16="http://schemas.microsoft.com/office/drawing/2014/main" xmlns="" w="9525">
                   <a:solidFill>
                     <a:srgbClr val="000000"/>
                   </a:solidFill>
@@ -26455,7 +26410,7 @@
             </a:ln>
             <a:extLst>
               <a:ext uri="{91240B29-F687-4f45-9708-019B960494DF}">
-                <a14:hiddenLine xmlns="" xmlns:a16="http://schemas.microsoft.com/office/drawing/2014/main" xmlns:p14="http://schemas.microsoft.com/office/powerpoint/2010/main" xmlns:a14="http://schemas.microsoft.com/office/drawing/2010/main" w="9525">
+                <a14:hiddenLine xmlns:a14="http://schemas.microsoft.com/office/drawing/2010/main" xmlns:p14="http://schemas.microsoft.com/office/powerpoint/2010/main" xmlns:a16="http://schemas.microsoft.com/office/drawing/2014/main" xmlns="" w="9525">
                   <a:solidFill>
                     <a:srgbClr val="000000"/>
                   </a:solidFill>
@@ -26560,7 +26515,7 @@
             </a:ln>
             <a:extLst>
               <a:ext uri="{91240B29-F687-4f45-9708-019B960494DF}">
-                <a14:hiddenLine xmlns="" xmlns:a16="http://schemas.microsoft.com/office/drawing/2014/main" xmlns:p14="http://schemas.microsoft.com/office/powerpoint/2010/main" xmlns:a14="http://schemas.microsoft.com/office/drawing/2010/main" w="9525">
+                <a14:hiddenLine xmlns:a14="http://schemas.microsoft.com/office/drawing/2010/main" xmlns:p14="http://schemas.microsoft.com/office/powerpoint/2010/main" xmlns:a16="http://schemas.microsoft.com/office/drawing/2014/main" xmlns="" w="9525">
                   <a:solidFill>
                     <a:srgbClr val="000000"/>
                   </a:solidFill>
@@ -26643,7 +26598,7 @@
             </a:ln>
             <a:extLst>
               <a:ext uri="{91240B29-F687-4f45-9708-019B960494DF}">
-                <a14:hiddenLine xmlns="" xmlns:a16="http://schemas.microsoft.com/office/drawing/2014/main" xmlns:p14="http://schemas.microsoft.com/office/powerpoint/2010/main" xmlns:a14="http://schemas.microsoft.com/office/drawing/2010/main" w="9525">
+                <a14:hiddenLine xmlns:a14="http://schemas.microsoft.com/office/drawing/2010/main" xmlns:p14="http://schemas.microsoft.com/office/powerpoint/2010/main" xmlns:a16="http://schemas.microsoft.com/office/drawing/2014/main" xmlns="" w="9525">
                   <a:solidFill>
                     <a:srgbClr val="000000"/>
                   </a:solidFill>
@@ -26748,7 +26703,7 @@
             </a:ln>
             <a:extLst>
               <a:ext uri="{91240B29-F687-4f45-9708-019B960494DF}">
-                <a14:hiddenLine xmlns="" xmlns:a16="http://schemas.microsoft.com/office/drawing/2014/main" xmlns:p14="http://schemas.microsoft.com/office/powerpoint/2010/main" xmlns:a14="http://schemas.microsoft.com/office/drawing/2010/main" w="9525">
+                <a14:hiddenLine xmlns:a14="http://schemas.microsoft.com/office/drawing/2010/main" xmlns:p14="http://schemas.microsoft.com/office/powerpoint/2010/main" xmlns:a16="http://schemas.microsoft.com/office/drawing/2014/main" xmlns="" w="9525">
                   <a:solidFill>
                     <a:srgbClr val="000000"/>
                   </a:solidFill>
@@ -26797,7 +26752,7 @@
             </a:ln>
             <a:extLst>
               <a:ext uri="{91240B29-F687-4f45-9708-019B960494DF}">
-                <a14:hiddenLine xmlns="" xmlns:a16="http://schemas.microsoft.com/office/drawing/2014/main" xmlns:p14="http://schemas.microsoft.com/office/powerpoint/2010/main" xmlns:a14="http://schemas.microsoft.com/office/drawing/2010/main" w="9525">
+                <a14:hiddenLine xmlns:a14="http://schemas.microsoft.com/office/drawing/2010/main" xmlns:p14="http://schemas.microsoft.com/office/powerpoint/2010/main" xmlns:a16="http://schemas.microsoft.com/office/drawing/2014/main" xmlns="" w="9525">
                   <a:solidFill>
                     <a:srgbClr val="000000"/>
                   </a:solidFill>
@@ -26902,7 +26857,7 @@
             </a:ln>
             <a:extLst>
               <a:ext uri="{91240B29-F687-4f45-9708-019B960494DF}">
-                <a14:hiddenLine xmlns="" xmlns:a16="http://schemas.microsoft.com/office/drawing/2014/main" xmlns:p14="http://schemas.microsoft.com/office/powerpoint/2010/main" xmlns:a14="http://schemas.microsoft.com/office/drawing/2010/main" w="9525">
+                <a14:hiddenLine xmlns:a14="http://schemas.microsoft.com/office/drawing/2010/main" xmlns:p14="http://schemas.microsoft.com/office/powerpoint/2010/main" xmlns:a16="http://schemas.microsoft.com/office/drawing/2014/main" xmlns="" w="9525">
                   <a:solidFill>
                     <a:srgbClr val="000000"/>
                   </a:solidFill>
@@ -26979,7 +26934,7 @@
             </a:ln>
             <a:extLst>
               <a:ext uri="{91240B29-F687-4f45-9708-019B960494DF}">
-                <a14:hiddenLine xmlns="" xmlns:a16="http://schemas.microsoft.com/office/drawing/2014/main" xmlns:p14="http://schemas.microsoft.com/office/powerpoint/2010/main" xmlns:a14="http://schemas.microsoft.com/office/drawing/2010/main" w="9525">
+                <a14:hiddenLine xmlns:a14="http://schemas.microsoft.com/office/drawing/2010/main" xmlns:p14="http://schemas.microsoft.com/office/powerpoint/2010/main" xmlns:a16="http://schemas.microsoft.com/office/drawing/2014/main" xmlns="" w="9525">
                   <a:solidFill>
                     <a:srgbClr val="000000"/>
                   </a:solidFill>
@@ -27056,7 +27011,7 @@
             </a:ln>
             <a:extLst>
               <a:ext uri="{91240B29-F687-4f45-9708-019B960494DF}">
-                <a14:hiddenLine xmlns="" xmlns:a16="http://schemas.microsoft.com/office/drawing/2014/main" xmlns:p14="http://schemas.microsoft.com/office/powerpoint/2010/main" xmlns:a14="http://schemas.microsoft.com/office/drawing/2010/main" w="9525">
+                <a14:hiddenLine xmlns:a14="http://schemas.microsoft.com/office/drawing/2010/main" xmlns:p14="http://schemas.microsoft.com/office/powerpoint/2010/main" xmlns:a16="http://schemas.microsoft.com/office/drawing/2014/main" xmlns="" w="9525">
                   <a:solidFill>
                     <a:srgbClr val="000000"/>
                   </a:solidFill>
@@ -27161,7 +27116,7 @@
             </a:ln>
             <a:extLst>
               <a:ext uri="{91240B29-F687-4f45-9708-019B960494DF}">
-                <a14:hiddenLine xmlns="" xmlns:a16="http://schemas.microsoft.com/office/drawing/2014/main" xmlns:p14="http://schemas.microsoft.com/office/powerpoint/2010/main" xmlns:a14="http://schemas.microsoft.com/office/drawing/2010/main" w="9525">
+                <a14:hiddenLine xmlns:a14="http://schemas.microsoft.com/office/drawing/2010/main" xmlns:p14="http://schemas.microsoft.com/office/powerpoint/2010/main" xmlns:a16="http://schemas.microsoft.com/office/drawing/2014/main" xmlns="" w="9525">
                   <a:solidFill>
                     <a:srgbClr val="000000"/>
                   </a:solidFill>
@@ -27244,7 +27199,7 @@
             </a:ln>
             <a:extLst>
               <a:ext uri="{91240B29-F687-4f45-9708-019B960494DF}">
-                <a14:hiddenLine xmlns="" xmlns:a16="http://schemas.microsoft.com/office/drawing/2014/main" xmlns:p14="http://schemas.microsoft.com/office/powerpoint/2010/main" xmlns:a14="http://schemas.microsoft.com/office/drawing/2010/main" w="9525">
+                <a14:hiddenLine xmlns:a14="http://schemas.microsoft.com/office/drawing/2010/main" xmlns:p14="http://schemas.microsoft.com/office/powerpoint/2010/main" xmlns:a16="http://schemas.microsoft.com/office/drawing/2014/main" xmlns="" w="9525">
                   <a:solidFill>
                     <a:srgbClr val="000000"/>
                   </a:solidFill>
@@ -27321,7 +27276,7 @@
             </a:ln>
             <a:extLst>
               <a:ext uri="{91240B29-F687-4f45-9708-019B960494DF}">
-                <a14:hiddenLine xmlns="" xmlns:a16="http://schemas.microsoft.com/office/drawing/2014/main" xmlns:p14="http://schemas.microsoft.com/office/powerpoint/2010/main" xmlns:a14="http://schemas.microsoft.com/office/drawing/2010/main" w="9525">
+                <a14:hiddenLine xmlns:a14="http://schemas.microsoft.com/office/drawing/2010/main" xmlns:p14="http://schemas.microsoft.com/office/powerpoint/2010/main" xmlns:a16="http://schemas.microsoft.com/office/drawing/2014/main" xmlns="" w="9525">
                   <a:solidFill>
                     <a:srgbClr val="000000"/>
                   </a:solidFill>
@@ -27426,7 +27381,7 @@
             </a:ln>
             <a:extLst>
               <a:ext uri="{91240B29-F687-4f45-9708-019B960494DF}">
-                <a14:hiddenLine xmlns="" xmlns:a16="http://schemas.microsoft.com/office/drawing/2014/main" xmlns:p14="http://schemas.microsoft.com/office/powerpoint/2010/main" xmlns:a14="http://schemas.microsoft.com/office/drawing/2010/main" w="9525">
+                <a14:hiddenLine xmlns:a14="http://schemas.microsoft.com/office/drawing/2010/main" xmlns:p14="http://schemas.microsoft.com/office/powerpoint/2010/main" xmlns:a16="http://schemas.microsoft.com/office/drawing/2014/main" xmlns="" w="9525">
                   <a:solidFill>
                     <a:srgbClr val="000000"/>
                   </a:solidFill>
@@ -27503,7 +27458,7 @@
             </a:ln>
             <a:extLst>
               <a:ext uri="{91240B29-F687-4f45-9708-019B960494DF}">
-                <a14:hiddenLine xmlns="" xmlns:a16="http://schemas.microsoft.com/office/drawing/2014/main" xmlns:p14="http://schemas.microsoft.com/office/powerpoint/2010/main" xmlns:a14="http://schemas.microsoft.com/office/drawing/2010/main" w="9525">
+                <a14:hiddenLine xmlns:a14="http://schemas.microsoft.com/office/drawing/2010/main" xmlns:p14="http://schemas.microsoft.com/office/powerpoint/2010/main" xmlns:a16="http://schemas.microsoft.com/office/drawing/2014/main" xmlns="" w="9525">
                   <a:solidFill>
                     <a:srgbClr val="000000"/>
                   </a:solidFill>
@@ -27608,7 +27563,7 @@
             </a:ln>
             <a:extLst>
               <a:ext uri="{91240B29-F687-4f45-9708-019B960494DF}">
-                <a14:hiddenLine xmlns="" xmlns:a16="http://schemas.microsoft.com/office/drawing/2014/main" xmlns:p14="http://schemas.microsoft.com/office/powerpoint/2010/main" xmlns:a14="http://schemas.microsoft.com/office/drawing/2010/main" w="9525">
+                <a14:hiddenLine xmlns:a14="http://schemas.microsoft.com/office/drawing/2010/main" xmlns:p14="http://schemas.microsoft.com/office/powerpoint/2010/main" xmlns:a16="http://schemas.microsoft.com/office/drawing/2014/main" xmlns="" w="9525">
                   <a:solidFill>
                     <a:srgbClr val="000000"/>
                   </a:solidFill>
@@ -27685,7 +27640,7 @@
             </a:ln>
             <a:extLst>
               <a:ext uri="{91240B29-F687-4f45-9708-019B960494DF}">
-                <a14:hiddenLine xmlns="" xmlns:a16="http://schemas.microsoft.com/office/drawing/2014/main" xmlns:p14="http://schemas.microsoft.com/office/powerpoint/2010/main" xmlns:a14="http://schemas.microsoft.com/office/drawing/2010/main" w="9525">
+                <a14:hiddenLine xmlns:a14="http://schemas.microsoft.com/office/drawing/2010/main" xmlns:p14="http://schemas.microsoft.com/office/powerpoint/2010/main" xmlns:a16="http://schemas.microsoft.com/office/drawing/2014/main" xmlns="" w="9525">
                   <a:solidFill>
                     <a:srgbClr val="000000"/>
                   </a:solidFill>
@@ -27790,7 +27745,7 @@
             </a:ln>
             <a:extLst>
               <a:ext uri="{91240B29-F687-4f45-9708-019B960494DF}">
-                <a14:hiddenLine xmlns="" xmlns:a16="http://schemas.microsoft.com/office/drawing/2014/main" xmlns:p14="http://schemas.microsoft.com/office/powerpoint/2010/main" xmlns:a14="http://schemas.microsoft.com/office/drawing/2010/main" w="9525">
+                <a14:hiddenLine xmlns:a14="http://schemas.microsoft.com/office/drawing/2010/main" xmlns:p14="http://schemas.microsoft.com/office/powerpoint/2010/main" xmlns:a16="http://schemas.microsoft.com/office/drawing/2014/main" xmlns="" w="9525">
                   <a:solidFill>
                     <a:srgbClr val="000000"/>
                   </a:solidFill>
@@ -27839,7 +27794,7 @@
             </a:ln>
             <a:extLst>
               <a:ext uri="{91240B29-F687-4f45-9708-019B960494DF}">
-                <a14:hiddenLine xmlns="" xmlns:a16="http://schemas.microsoft.com/office/drawing/2014/main" xmlns:p14="http://schemas.microsoft.com/office/powerpoint/2010/main" xmlns:a14="http://schemas.microsoft.com/office/drawing/2010/main" w="9525">
+                <a14:hiddenLine xmlns:a14="http://schemas.microsoft.com/office/drawing/2010/main" xmlns:p14="http://schemas.microsoft.com/office/powerpoint/2010/main" xmlns:a16="http://schemas.microsoft.com/office/drawing/2014/main" xmlns="" w="9525">
                   <a:solidFill>
                     <a:srgbClr val="000000"/>
                   </a:solidFill>
@@ -27919,7 +27874,7 @@
             </a:ln>
             <a:extLst>
               <a:ext uri="{91240B29-F687-4f45-9708-019B960494DF}">
-                <a14:hiddenLine xmlns="" xmlns:a16="http://schemas.microsoft.com/office/drawing/2014/main" xmlns:p14="http://schemas.microsoft.com/office/powerpoint/2010/main" xmlns:a14="http://schemas.microsoft.com/office/drawing/2010/main" w="9525">
+                <a14:hiddenLine xmlns:a14="http://schemas.microsoft.com/office/drawing/2010/main" xmlns:p14="http://schemas.microsoft.com/office/powerpoint/2010/main" xmlns:a16="http://schemas.microsoft.com/office/drawing/2014/main" xmlns="" w="9525">
                   <a:solidFill>
                     <a:srgbClr val="000000"/>
                   </a:solidFill>
@@ -28024,7 +27979,7 @@
             </a:ln>
             <a:extLst>
               <a:ext uri="{91240B29-F687-4f45-9708-019B960494DF}">
-                <a14:hiddenLine xmlns="" xmlns:a16="http://schemas.microsoft.com/office/drawing/2014/main" xmlns:p14="http://schemas.microsoft.com/office/powerpoint/2010/main" xmlns:a14="http://schemas.microsoft.com/office/drawing/2010/main" w="9525">
+                <a14:hiddenLine xmlns:a14="http://schemas.microsoft.com/office/drawing/2010/main" xmlns:p14="http://schemas.microsoft.com/office/powerpoint/2010/main" xmlns:a16="http://schemas.microsoft.com/office/drawing/2014/main" xmlns="" w="9525">
                   <a:solidFill>
                     <a:srgbClr val="000000"/>
                   </a:solidFill>
@@ -28101,7 +28056,7 @@
             </a:ln>
             <a:extLst>
               <a:ext uri="{91240B29-F687-4f45-9708-019B960494DF}">
-                <a14:hiddenLine xmlns="" xmlns:a16="http://schemas.microsoft.com/office/drawing/2014/main" xmlns:p14="http://schemas.microsoft.com/office/powerpoint/2010/main" xmlns:a14="http://schemas.microsoft.com/office/drawing/2010/main" w="9525">
+                <a14:hiddenLine xmlns:a14="http://schemas.microsoft.com/office/drawing/2010/main" xmlns:p14="http://schemas.microsoft.com/office/powerpoint/2010/main" xmlns:a16="http://schemas.microsoft.com/office/drawing/2014/main" xmlns="" w="9525">
                   <a:solidFill>
                     <a:srgbClr val="000000"/>
                   </a:solidFill>
@@ -28206,7 +28161,7 @@
             </a:ln>
             <a:extLst>
               <a:ext uri="{91240B29-F687-4f45-9708-019B960494DF}">
-                <a14:hiddenLine xmlns="" xmlns:a16="http://schemas.microsoft.com/office/drawing/2014/main" xmlns:p14="http://schemas.microsoft.com/office/powerpoint/2010/main" xmlns:a14="http://schemas.microsoft.com/office/drawing/2010/main" w="9525">
+                <a14:hiddenLine xmlns:a14="http://schemas.microsoft.com/office/drawing/2010/main" xmlns:p14="http://schemas.microsoft.com/office/powerpoint/2010/main" xmlns:a16="http://schemas.microsoft.com/office/drawing/2014/main" xmlns="" w="9525">
                   <a:solidFill>
                     <a:srgbClr val="000000"/>
                   </a:solidFill>
@@ -28311,7 +28266,7 @@
             </a:ln>
             <a:extLst>
               <a:ext uri="{91240B29-F687-4f45-9708-019B960494DF}">
-                <a14:hiddenLine xmlns="" xmlns:a16="http://schemas.microsoft.com/office/drawing/2014/main" xmlns:p14="http://schemas.microsoft.com/office/powerpoint/2010/main" xmlns:a14="http://schemas.microsoft.com/office/drawing/2010/main" w="9525">
+                <a14:hiddenLine xmlns:a14="http://schemas.microsoft.com/office/drawing/2010/main" xmlns:p14="http://schemas.microsoft.com/office/powerpoint/2010/main" xmlns:a16="http://schemas.microsoft.com/office/drawing/2014/main" xmlns="" w="9525">
                   <a:solidFill>
                     <a:srgbClr val="000000"/>
                   </a:solidFill>
@@ -28391,7 +28346,7 @@
             </a:ln>
             <a:extLst>
               <a:ext uri="{91240B29-F687-4f45-9708-019B960494DF}">
-                <a14:hiddenLine xmlns="" xmlns:a16="http://schemas.microsoft.com/office/drawing/2014/main" xmlns:p14="http://schemas.microsoft.com/office/powerpoint/2010/main" xmlns:a14="http://schemas.microsoft.com/office/drawing/2010/main" w="9525">
+                <a14:hiddenLine xmlns:a14="http://schemas.microsoft.com/office/drawing/2010/main" xmlns:p14="http://schemas.microsoft.com/office/powerpoint/2010/main" xmlns:a16="http://schemas.microsoft.com/office/drawing/2014/main" xmlns="" w="9525">
                   <a:solidFill>
                     <a:srgbClr val="000000"/>
                   </a:solidFill>
@@ -28468,7 +28423,7 @@
             </a:ln>
             <a:extLst>
               <a:ext uri="{91240B29-F687-4f45-9708-019B960494DF}">
-                <a14:hiddenLine xmlns="" xmlns:a16="http://schemas.microsoft.com/office/drawing/2014/main" xmlns:p14="http://schemas.microsoft.com/office/powerpoint/2010/main" xmlns:a14="http://schemas.microsoft.com/office/drawing/2010/main" w="9525">
+                <a14:hiddenLine xmlns:a14="http://schemas.microsoft.com/office/drawing/2010/main" xmlns:p14="http://schemas.microsoft.com/office/powerpoint/2010/main" xmlns:a16="http://schemas.microsoft.com/office/drawing/2014/main" xmlns="" w="9525">
                   <a:solidFill>
                     <a:srgbClr val="000000"/>
                   </a:solidFill>
@@ -28573,7 +28528,7 @@
             </a:ln>
             <a:extLst>
               <a:ext uri="{91240B29-F687-4f45-9708-019B960494DF}">
-                <a14:hiddenLine xmlns="" xmlns:a16="http://schemas.microsoft.com/office/drawing/2014/main" xmlns:p14="http://schemas.microsoft.com/office/powerpoint/2010/main" xmlns:a14="http://schemas.microsoft.com/office/drawing/2010/main" w="9525">
+                <a14:hiddenLine xmlns:a14="http://schemas.microsoft.com/office/drawing/2010/main" xmlns:p14="http://schemas.microsoft.com/office/powerpoint/2010/main" xmlns:a16="http://schemas.microsoft.com/office/drawing/2014/main" xmlns="" w="9525">
                   <a:solidFill>
                     <a:srgbClr val="000000"/>
                   </a:solidFill>
@@ -28678,7 +28633,7 @@
             </a:ln>
             <a:extLst>
               <a:ext uri="{91240B29-F687-4f45-9708-019B960494DF}">
-                <a14:hiddenLine xmlns="" xmlns:a16="http://schemas.microsoft.com/office/drawing/2014/main" xmlns:p14="http://schemas.microsoft.com/office/powerpoint/2010/main" xmlns:a14="http://schemas.microsoft.com/office/drawing/2010/main" w="9525">
+                <a14:hiddenLine xmlns:a14="http://schemas.microsoft.com/office/drawing/2010/main" xmlns:p14="http://schemas.microsoft.com/office/powerpoint/2010/main" xmlns:a16="http://schemas.microsoft.com/office/drawing/2014/main" xmlns="" w="9525">
                   <a:solidFill>
                     <a:srgbClr val="000000"/>
                   </a:solidFill>
@@ -28755,7 +28710,7 @@
             </a:ln>
             <a:extLst>
               <a:ext uri="{91240B29-F687-4f45-9708-019B960494DF}">
-                <a14:hiddenLine xmlns="" xmlns:a16="http://schemas.microsoft.com/office/drawing/2014/main" xmlns:p14="http://schemas.microsoft.com/office/powerpoint/2010/main" xmlns:a14="http://schemas.microsoft.com/office/drawing/2010/main" w="9525">
+                <a14:hiddenLine xmlns:a14="http://schemas.microsoft.com/office/drawing/2010/main" xmlns:p14="http://schemas.microsoft.com/office/powerpoint/2010/main" xmlns:a16="http://schemas.microsoft.com/office/drawing/2014/main" xmlns="" w="9525">
                   <a:solidFill>
                     <a:srgbClr val="000000"/>
                   </a:solidFill>
@@ -28890,7 +28845,7 @@
             </a:ln>
             <a:extLst>
               <a:ext uri="{91240B29-F687-4f45-9708-019B960494DF}">
-                <a14:hiddenLine xmlns="" xmlns:a16="http://schemas.microsoft.com/office/drawing/2014/main" xmlns:p14="http://schemas.microsoft.com/office/powerpoint/2010/main" xmlns:a14="http://schemas.microsoft.com/office/drawing/2010/main" w="9525">
+                <a14:hiddenLine xmlns:a14="http://schemas.microsoft.com/office/drawing/2010/main" xmlns:p14="http://schemas.microsoft.com/office/powerpoint/2010/main" xmlns:a16="http://schemas.microsoft.com/office/drawing/2014/main" xmlns="" w="9525">
                   <a:solidFill>
                     <a:srgbClr val="000000"/>
                   </a:solidFill>
@@ -28973,7 +28928,7 @@
             </a:ln>
             <a:extLst>
               <a:ext uri="{91240B29-F687-4f45-9708-019B960494DF}">
-                <a14:hiddenLine xmlns="" xmlns:a16="http://schemas.microsoft.com/office/drawing/2014/main" xmlns:p14="http://schemas.microsoft.com/office/powerpoint/2010/main" xmlns:a14="http://schemas.microsoft.com/office/drawing/2010/main" w="9525">
+                <a14:hiddenLine xmlns:a14="http://schemas.microsoft.com/office/drawing/2010/main" xmlns:p14="http://schemas.microsoft.com/office/powerpoint/2010/main" xmlns:a16="http://schemas.microsoft.com/office/drawing/2014/main" xmlns="" w="9525">
                   <a:solidFill>
                     <a:srgbClr val="000000"/>
                   </a:solidFill>
@@ -29078,7 +29033,7 @@
             </a:ln>
             <a:extLst>
               <a:ext uri="{91240B29-F687-4f45-9708-019B960494DF}">
-                <a14:hiddenLine xmlns="" xmlns:a16="http://schemas.microsoft.com/office/drawing/2014/main" xmlns:p14="http://schemas.microsoft.com/office/powerpoint/2010/main" xmlns:a14="http://schemas.microsoft.com/office/drawing/2010/main" w="9525">
+                <a14:hiddenLine xmlns:a14="http://schemas.microsoft.com/office/drawing/2010/main" xmlns:p14="http://schemas.microsoft.com/office/powerpoint/2010/main" xmlns:a16="http://schemas.microsoft.com/office/drawing/2014/main" xmlns="" w="9525">
                   <a:solidFill>
                     <a:srgbClr val="000000"/>
                   </a:solidFill>
@@ -29146,7 +29101,7 @@
           <a:noFill/>
           <a:extLst>
             <a:ext uri="{909E8E84-426E-40dd-AFC4-6F175D3DCCD1}">
-              <a14:hiddenFill xmlns="" xmlns:a16="http://schemas.microsoft.com/office/drawing/2014/main" xmlns:p14="http://schemas.microsoft.com/office/powerpoint/2010/main" xmlns:a14="http://schemas.microsoft.com/office/drawing/2010/main">
+              <a14:hiddenFill xmlns:a14="http://schemas.microsoft.com/office/drawing/2010/main" xmlns:p14="http://schemas.microsoft.com/office/powerpoint/2010/main" xmlns:a16="http://schemas.microsoft.com/office/drawing/2014/main" xmlns="">
                 <a:solidFill>
                   <a:srgbClr val="FFFFFF"/>
                 </a:solidFill>
@@ -29655,7 +29610,7 @@
             </a:ln>
             <a:extLst>
               <a:ext uri="{91240B29-F687-4f45-9708-019B960494DF}">
-                <a14:hiddenLine xmlns="" xmlns:a16="http://schemas.microsoft.com/office/drawing/2014/main" xmlns:p14="http://schemas.microsoft.com/office/powerpoint/2010/main" xmlns:a14="http://schemas.microsoft.com/office/drawing/2010/main" w="9525">
+                <a14:hiddenLine xmlns:a14="http://schemas.microsoft.com/office/drawing/2010/main" xmlns:p14="http://schemas.microsoft.com/office/powerpoint/2010/main" xmlns:a16="http://schemas.microsoft.com/office/drawing/2014/main" xmlns="" w="9525">
                   <a:solidFill>
                     <a:srgbClr val="000000"/>
                   </a:solidFill>
@@ -29760,7 +29715,7 @@
             </a:ln>
             <a:extLst>
               <a:ext uri="{91240B29-F687-4f45-9708-019B960494DF}">
-                <a14:hiddenLine xmlns="" xmlns:a16="http://schemas.microsoft.com/office/drawing/2014/main" xmlns:p14="http://schemas.microsoft.com/office/powerpoint/2010/main" xmlns:a14="http://schemas.microsoft.com/office/drawing/2010/main" w="9525">
+                <a14:hiddenLine xmlns:a14="http://schemas.microsoft.com/office/drawing/2010/main" xmlns:p14="http://schemas.microsoft.com/office/powerpoint/2010/main" xmlns:a16="http://schemas.microsoft.com/office/drawing/2014/main" xmlns="" w="9525">
                   <a:solidFill>
                     <a:srgbClr val="000000"/>
                   </a:solidFill>
@@ -29865,7 +29820,7 @@
             </a:ln>
             <a:extLst>
               <a:ext uri="{91240B29-F687-4f45-9708-019B960494DF}">
-                <a14:hiddenLine xmlns="" xmlns:a16="http://schemas.microsoft.com/office/drawing/2014/main" xmlns:p14="http://schemas.microsoft.com/office/powerpoint/2010/main" xmlns:a14="http://schemas.microsoft.com/office/drawing/2010/main" w="9525">
+                <a14:hiddenLine xmlns:a14="http://schemas.microsoft.com/office/drawing/2010/main" xmlns:p14="http://schemas.microsoft.com/office/powerpoint/2010/main" xmlns:a16="http://schemas.microsoft.com/office/drawing/2014/main" xmlns="" w="9525">
                   <a:solidFill>
                     <a:srgbClr val="000000"/>
                   </a:solidFill>
@@ -29942,7 +29897,7 @@
             </a:ln>
             <a:extLst>
               <a:ext uri="{91240B29-F687-4f45-9708-019B960494DF}">
-                <a14:hiddenLine xmlns="" xmlns:a16="http://schemas.microsoft.com/office/drawing/2014/main" xmlns:p14="http://schemas.microsoft.com/office/powerpoint/2010/main" xmlns:a14="http://schemas.microsoft.com/office/drawing/2010/main" w="9525">
+                <a14:hiddenLine xmlns:a14="http://schemas.microsoft.com/office/drawing/2010/main" xmlns:p14="http://schemas.microsoft.com/office/powerpoint/2010/main" xmlns:a16="http://schemas.microsoft.com/office/drawing/2014/main" xmlns="" w="9525">
                   <a:solidFill>
                     <a:srgbClr val="000000"/>
                   </a:solidFill>
@@ -30047,7 +30002,7 @@
             </a:ln>
             <a:extLst>
               <a:ext uri="{91240B29-F687-4f45-9708-019B960494DF}">
-                <a14:hiddenLine xmlns="" xmlns:a16="http://schemas.microsoft.com/office/drawing/2014/main" xmlns:p14="http://schemas.microsoft.com/office/powerpoint/2010/main" xmlns:a14="http://schemas.microsoft.com/office/drawing/2010/main" w="9525">
+                <a14:hiddenLine xmlns:a14="http://schemas.microsoft.com/office/drawing/2010/main" xmlns:p14="http://schemas.microsoft.com/office/powerpoint/2010/main" xmlns:a16="http://schemas.microsoft.com/office/drawing/2014/main" xmlns="" w="9525">
                   <a:solidFill>
                     <a:srgbClr val="000000"/>
                   </a:solidFill>
@@ -30124,7 +30079,7 @@
             </a:ln>
             <a:extLst>
               <a:ext uri="{91240B29-F687-4f45-9708-019B960494DF}">
-                <a14:hiddenLine xmlns="" xmlns:a16="http://schemas.microsoft.com/office/drawing/2014/main" xmlns:p14="http://schemas.microsoft.com/office/powerpoint/2010/main" xmlns:a14="http://schemas.microsoft.com/office/drawing/2010/main" w="9525">
+                <a14:hiddenLine xmlns:a14="http://schemas.microsoft.com/office/drawing/2010/main" xmlns:p14="http://schemas.microsoft.com/office/powerpoint/2010/main" xmlns:a16="http://schemas.microsoft.com/office/drawing/2014/main" xmlns="" w="9525">
                   <a:solidFill>
                     <a:srgbClr val="000000"/>
                   </a:solidFill>
@@ -30201,7 +30156,7 @@
             </a:ln>
             <a:extLst>
               <a:ext uri="{91240B29-F687-4f45-9708-019B960494DF}">
-                <a14:hiddenLine xmlns="" xmlns:a16="http://schemas.microsoft.com/office/drawing/2014/main" xmlns:p14="http://schemas.microsoft.com/office/powerpoint/2010/main" xmlns:a14="http://schemas.microsoft.com/office/drawing/2010/main" w="9525">
+                <a14:hiddenLine xmlns:a14="http://schemas.microsoft.com/office/drawing/2010/main" xmlns:p14="http://schemas.microsoft.com/office/powerpoint/2010/main" xmlns:a16="http://schemas.microsoft.com/office/drawing/2014/main" xmlns="" w="9525">
                   <a:solidFill>
                     <a:srgbClr val="000000"/>
                   </a:solidFill>
@@ -30306,7 +30261,7 @@
             </a:ln>
             <a:extLst>
               <a:ext uri="{91240B29-F687-4f45-9708-019B960494DF}">
-                <a14:hiddenLine xmlns="" xmlns:a16="http://schemas.microsoft.com/office/drawing/2014/main" xmlns:p14="http://schemas.microsoft.com/office/powerpoint/2010/main" xmlns:a14="http://schemas.microsoft.com/office/drawing/2010/main" w="9525">
+                <a14:hiddenLine xmlns:a14="http://schemas.microsoft.com/office/drawing/2010/main" xmlns:p14="http://schemas.microsoft.com/office/powerpoint/2010/main" xmlns:a16="http://schemas.microsoft.com/office/drawing/2014/main" xmlns="" w="9525">
                   <a:solidFill>
                     <a:srgbClr val="000000"/>
                   </a:solidFill>
@@ -30411,7 +30366,7 @@
             </a:ln>
             <a:extLst>
               <a:ext uri="{91240B29-F687-4f45-9708-019B960494DF}">
-                <a14:hiddenLine xmlns="" xmlns:a16="http://schemas.microsoft.com/office/drawing/2014/main" xmlns:p14="http://schemas.microsoft.com/office/powerpoint/2010/main" xmlns:a14="http://schemas.microsoft.com/office/drawing/2010/main" w="9525">
+                <a14:hiddenLine xmlns:a14="http://schemas.microsoft.com/office/drawing/2010/main" xmlns:p14="http://schemas.microsoft.com/office/powerpoint/2010/main" xmlns:a16="http://schemas.microsoft.com/office/drawing/2014/main" xmlns="" w="9525">
                   <a:solidFill>
                     <a:srgbClr val="000000"/>
                   </a:solidFill>
@@ -30488,7 +30443,7 @@
             </a:ln>
             <a:extLst>
               <a:ext uri="{91240B29-F687-4f45-9708-019B960494DF}">
-                <a14:hiddenLine xmlns="" xmlns:a16="http://schemas.microsoft.com/office/drawing/2014/main" xmlns:p14="http://schemas.microsoft.com/office/powerpoint/2010/main" xmlns:a14="http://schemas.microsoft.com/office/drawing/2010/main" w="9525">
+                <a14:hiddenLine xmlns:a14="http://schemas.microsoft.com/office/drawing/2010/main" xmlns:p14="http://schemas.microsoft.com/office/powerpoint/2010/main" xmlns:a16="http://schemas.microsoft.com/office/drawing/2014/main" xmlns="" w="9525">
                   <a:solidFill>
                     <a:srgbClr val="000000"/>
                   </a:solidFill>
@@ -30613,7 +30568,7 @@
             </a:ln>
             <a:extLst>
               <a:ext uri="{91240B29-F687-4f45-9708-019B960494DF}">
-                <a14:hiddenLine xmlns="" xmlns:a16="http://schemas.microsoft.com/office/drawing/2014/main" xmlns:p14="http://schemas.microsoft.com/office/powerpoint/2010/main" xmlns:a14="http://schemas.microsoft.com/office/drawing/2010/main" w="9525">
+                <a14:hiddenLine xmlns:a14="http://schemas.microsoft.com/office/drawing/2010/main" xmlns:p14="http://schemas.microsoft.com/office/powerpoint/2010/main" xmlns:a16="http://schemas.microsoft.com/office/drawing/2014/main" xmlns="" w="9525">
                   <a:solidFill>
                     <a:srgbClr val="000000"/>
                   </a:solidFill>
@@ -30727,7 +30682,7 @@
             </a:ln>
             <a:extLst>
               <a:ext uri="{91240B29-F687-4f45-9708-019B960494DF}">
-                <a14:hiddenLine xmlns="" xmlns:a16="http://schemas.microsoft.com/office/drawing/2014/main" xmlns:p14="http://schemas.microsoft.com/office/powerpoint/2010/main" xmlns:a14="http://schemas.microsoft.com/office/drawing/2010/main" w="9525">
+                <a14:hiddenLine xmlns:a14="http://schemas.microsoft.com/office/drawing/2010/main" xmlns:p14="http://schemas.microsoft.com/office/powerpoint/2010/main" xmlns:a16="http://schemas.microsoft.com/office/drawing/2014/main" xmlns="" w="9525">
                   <a:solidFill>
                     <a:srgbClr val="000000"/>
                   </a:solidFill>
@@ -30804,7 +30759,7 @@
             </a:ln>
             <a:extLst>
               <a:ext uri="{91240B29-F687-4f45-9708-019B960494DF}">
-                <a14:hiddenLine xmlns="" xmlns:a16="http://schemas.microsoft.com/office/drawing/2014/main" xmlns:p14="http://schemas.microsoft.com/office/powerpoint/2010/main" xmlns:a14="http://schemas.microsoft.com/office/drawing/2010/main" w="9525">
+                <a14:hiddenLine xmlns:a14="http://schemas.microsoft.com/office/drawing/2010/main" xmlns:p14="http://schemas.microsoft.com/office/powerpoint/2010/main" xmlns:a16="http://schemas.microsoft.com/office/drawing/2014/main" xmlns="" w="9525">
                   <a:solidFill>
                     <a:srgbClr val="000000"/>
                   </a:solidFill>
@@ -30881,7 +30836,7 @@
             </a:ln>
             <a:extLst>
               <a:ext uri="{91240B29-F687-4f45-9708-019B960494DF}">
-                <a14:hiddenLine xmlns="" xmlns:a16="http://schemas.microsoft.com/office/drawing/2014/main" xmlns:p14="http://schemas.microsoft.com/office/powerpoint/2010/main" xmlns:a14="http://schemas.microsoft.com/office/drawing/2010/main" w="9525">
+                <a14:hiddenLine xmlns:a14="http://schemas.microsoft.com/office/drawing/2010/main" xmlns:p14="http://schemas.microsoft.com/office/powerpoint/2010/main" xmlns:a16="http://schemas.microsoft.com/office/drawing/2014/main" xmlns="" w="9525">
                   <a:solidFill>
                     <a:srgbClr val="000000"/>
                   </a:solidFill>
@@ -30986,7 +30941,7 @@
             </a:ln>
             <a:extLst>
               <a:ext uri="{91240B29-F687-4f45-9708-019B960494DF}">
-                <a14:hiddenLine xmlns="" xmlns:a16="http://schemas.microsoft.com/office/drawing/2014/main" xmlns:p14="http://schemas.microsoft.com/office/powerpoint/2010/main" xmlns:a14="http://schemas.microsoft.com/office/drawing/2010/main" w="9525">
+                <a14:hiddenLine xmlns:a14="http://schemas.microsoft.com/office/drawing/2010/main" xmlns:p14="http://schemas.microsoft.com/office/powerpoint/2010/main" xmlns:a16="http://schemas.microsoft.com/office/drawing/2014/main" xmlns="" w="9525">
                   <a:solidFill>
                     <a:srgbClr val="000000"/>
                   </a:solidFill>
@@ -31035,7 +30990,7 @@
             </a:ln>
             <a:extLst>
               <a:ext uri="{91240B29-F687-4f45-9708-019B960494DF}">
-                <a14:hiddenLine xmlns="" xmlns:a16="http://schemas.microsoft.com/office/drawing/2014/main" xmlns:p14="http://schemas.microsoft.com/office/powerpoint/2010/main" xmlns:a14="http://schemas.microsoft.com/office/drawing/2010/main" w="9525">
+                <a14:hiddenLine xmlns:a14="http://schemas.microsoft.com/office/drawing/2010/main" xmlns:p14="http://schemas.microsoft.com/office/powerpoint/2010/main" xmlns:a16="http://schemas.microsoft.com/office/drawing/2014/main" xmlns="" w="9525">
                   <a:solidFill>
                     <a:srgbClr val="000000"/>
                   </a:solidFill>
@@ -31115,7 +31070,7 @@
             </a:ln>
             <a:extLst>
               <a:ext uri="{91240B29-F687-4f45-9708-019B960494DF}">
-                <a14:hiddenLine xmlns="" xmlns:a16="http://schemas.microsoft.com/office/drawing/2014/main" xmlns:p14="http://schemas.microsoft.com/office/powerpoint/2010/main" xmlns:a14="http://schemas.microsoft.com/office/drawing/2010/main" w="9525">
+                <a14:hiddenLine xmlns:a14="http://schemas.microsoft.com/office/drawing/2010/main" xmlns:p14="http://schemas.microsoft.com/office/powerpoint/2010/main" xmlns:a16="http://schemas.microsoft.com/office/drawing/2014/main" xmlns="" w="9525">
                   <a:solidFill>
                     <a:srgbClr val="000000"/>
                   </a:solidFill>
@@ -31220,7 +31175,7 @@
             </a:ln>
             <a:extLst>
               <a:ext uri="{91240B29-F687-4f45-9708-019B960494DF}">
-                <a14:hiddenLine xmlns="" xmlns:a16="http://schemas.microsoft.com/office/drawing/2014/main" xmlns:p14="http://schemas.microsoft.com/office/powerpoint/2010/main" xmlns:a14="http://schemas.microsoft.com/office/drawing/2010/main" w="9525">
+                <a14:hiddenLine xmlns:a14="http://schemas.microsoft.com/office/drawing/2010/main" xmlns:p14="http://schemas.microsoft.com/office/powerpoint/2010/main" xmlns:a16="http://schemas.microsoft.com/office/drawing/2014/main" xmlns="" w="9525">
                   <a:solidFill>
                     <a:srgbClr val="000000"/>
                   </a:solidFill>
@@ -31297,7 +31252,7 @@
             </a:ln>
             <a:extLst>
               <a:ext uri="{91240B29-F687-4f45-9708-019B960494DF}">
-                <a14:hiddenLine xmlns="" xmlns:a16="http://schemas.microsoft.com/office/drawing/2014/main" xmlns:p14="http://schemas.microsoft.com/office/powerpoint/2010/main" xmlns:a14="http://schemas.microsoft.com/office/drawing/2010/main" w="9525">
+                <a14:hiddenLine xmlns:a14="http://schemas.microsoft.com/office/drawing/2010/main" xmlns:p14="http://schemas.microsoft.com/office/powerpoint/2010/main" xmlns:a16="http://schemas.microsoft.com/office/drawing/2014/main" xmlns="" w="9525">
                   <a:solidFill>
                     <a:srgbClr val="000000"/>
                   </a:solidFill>
@@ -31402,7 +31357,7 @@
             </a:ln>
             <a:extLst>
               <a:ext uri="{91240B29-F687-4f45-9708-019B960494DF}">
-                <a14:hiddenLine xmlns="" xmlns:a16="http://schemas.microsoft.com/office/drawing/2014/main" xmlns:p14="http://schemas.microsoft.com/office/powerpoint/2010/main" xmlns:a14="http://schemas.microsoft.com/office/drawing/2010/main" w="9525">
+                <a14:hiddenLine xmlns:a14="http://schemas.microsoft.com/office/drawing/2010/main" xmlns:p14="http://schemas.microsoft.com/office/powerpoint/2010/main" xmlns:a16="http://schemas.microsoft.com/office/drawing/2014/main" xmlns="" w="9525">
                   <a:solidFill>
                     <a:srgbClr val="000000"/>
                   </a:solidFill>
@@ -31482,7 +31437,7 @@
             </a:ln>
             <a:extLst>
               <a:ext uri="{91240B29-F687-4f45-9708-019B960494DF}">
-                <a14:hiddenLine xmlns="" xmlns:a16="http://schemas.microsoft.com/office/drawing/2014/main" xmlns:p14="http://schemas.microsoft.com/office/powerpoint/2010/main" xmlns:a14="http://schemas.microsoft.com/office/drawing/2010/main" w="9525">
+                <a14:hiddenLine xmlns:a14="http://schemas.microsoft.com/office/drawing/2010/main" xmlns:p14="http://schemas.microsoft.com/office/powerpoint/2010/main" xmlns:a16="http://schemas.microsoft.com/office/drawing/2014/main" xmlns="" w="9525">
                   <a:solidFill>
                     <a:srgbClr val="000000"/>
                   </a:solidFill>
@@ -31559,7 +31514,7 @@
             </a:ln>
             <a:extLst>
               <a:ext uri="{91240B29-F687-4f45-9708-019B960494DF}">
-                <a14:hiddenLine xmlns="" xmlns:a16="http://schemas.microsoft.com/office/drawing/2014/main" xmlns:p14="http://schemas.microsoft.com/office/powerpoint/2010/main" xmlns:a14="http://schemas.microsoft.com/office/drawing/2010/main" w="9525">
+                <a14:hiddenLine xmlns:a14="http://schemas.microsoft.com/office/drawing/2010/main" xmlns:p14="http://schemas.microsoft.com/office/powerpoint/2010/main" xmlns:a16="http://schemas.microsoft.com/office/drawing/2014/main" xmlns="" w="9525">
                   <a:solidFill>
                     <a:srgbClr val="000000"/>
                   </a:solidFill>
@@ -31664,7 +31619,7 @@
             </a:ln>
             <a:extLst>
               <a:ext uri="{91240B29-F687-4f45-9708-019B960494DF}">
-                <a14:hiddenLine xmlns="" xmlns:a16="http://schemas.microsoft.com/office/drawing/2014/main" xmlns:p14="http://schemas.microsoft.com/office/powerpoint/2010/main" xmlns:a14="http://schemas.microsoft.com/office/drawing/2010/main" w="9525">
+                <a14:hiddenLine xmlns:a14="http://schemas.microsoft.com/office/drawing/2010/main" xmlns:p14="http://schemas.microsoft.com/office/powerpoint/2010/main" xmlns:a16="http://schemas.microsoft.com/office/drawing/2014/main" xmlns="" w="9525">
                   <a:solidFill>
                     <a:srgbClr val="000000"/>
                   </a:solidFill>
@@ -31769,7 +31724,7 @@
             </a:ln>
             <a:extLst>
               <a:ext uri="{91240B29-F687-4f45-9708-019B960494DF}">
-                <a14:hiddenLine xmlns="" xmlns:a16="http://schemas.microsoft.com/office/drawing/2014/main" xmlns:p14="http://schemas.microsoft.com/office/powerpoint/2010/main" xmlns:a14="http://schemas.microsoft.com/office/drawing/2010/main" w="9525">
+                <a14:hiddenLine xmlns:a14="http://schemas.microsoft.com/office/drawing/2010/main" xmlns:p14="http://schemas.microsoft.com/office/powerpoint/2010/main" xmlns:a16="http://schemas.microsoft.com/office/drawing/2014/main" xmlns="" w="9525">
                   <a:solidFill>
                     <a:srgbClr val="000000"/>
                   </a:solidFill>
@@ -31849,7 +31804,7 @@
             </a:ln>
             <a:extLst>
               <a:ext uri="{91240B29-F687-4f45-9708-019B960494DF}">
-                <a14:hiddenLine xmlns="" xmlns:a16="http://schemas.microsoft.com/office/drawing/2014/main" xmlns:p14="http://schemas.microsoft.com/office/powerpoint/2010/main" xmlns:a14="http://schemas.microsoft.com/office/drawing/2010/main" w="9525">
+                <a14:hiddenLine xmlns:a14="http://schemas.microsoft.com/office/drawing/2010/main" xmlns:p14="http://schemas.microsoft.com/office/powerpoint/2010/main" xmlns:a16="http://schemas.microsoft.com/office/drawing/2014/main" xmlns="" w="9525">
                   <a:solidFill>
                     <a:srgbClr val="000000"/>
                   </a:solidFill>
@@ -31984,7 +31939,7 @@
             </a:ln>
             <a:extLst>
               <a:ext uri="{91240B29-F687-4f45-9708-019B960494DF}">
-                <a14:hiddenLine xmlns="" xmlns:a16="http://schemas.microsoft.com/office/drawing/2014/main" xmlns:p14="http://schemas.microsoft.com/office/powerpoint/2010/main" xmlns:a14="http://schemas.microsoft.com/office/drawing/2010/main" w="9525">
+                <a14:hiddenLine xmlns:a14="http://schemas.microsoft.com/office/drawing/2010/main" xmlns:p14="http://schemas.microsoft.com/office/powerpoint/2010/main" xmlns:a16="http://schemas.microsoft.com/office/drawing/2014/main" xmlns="" w="9525">
                   <a:solidFill>
                     <a:srgbClr val="000000"/>
                   </a:solidFill>
@@ -32263,7 +32218,7 @@
             </a:ln>
             <a:extLst>
               <a:ext uri="{91240B29-F687-4f45-9708-019B960494DF}">
-                <a14:hiddenLine xmlns="" xmlns:a16="http://schemas.microsoft.com/office/drawing/2014/main" xmlns:p14="http://schemas.microsoft.com/office/powerpoint/2010/main" xmlns:a14="http://schemas.microsoft.com/office/drawing/2010/main" w="9525">
+                <a14:hiddenLine xmlns:a14="http://schemas.microsoft.com/office/drawing/2010/main" xmlns:p14="http://schemas.microsoft.com/office/powerpoint/2010/main" xmlns:a16="http://schemas.microsoft.com/office/drawing/2014/main" xmlns="" w="9525">
                   <a:solidFill>
                     <a:srgbClr val="000000"/>
                   </a:solidFill>
@@ -32393,7 +32348,7 @@
             </a:ln>
             <a:extLst>
               <a:ext uri="{91240B29-F687-4f45-9708-019B960494DF}">
-                <a14:hiddenLine xmlns="" xmlns:a16="http://schemas.microsoft.com/office/drawing/2014/main" xmlns:p14="http://schemas.microsoft.com/office/powerpoint/2010/main" xmlns:a14="http://schemas.microsoft.com/office/drawing/2010/main" w="9525">
+                <a14:hiddenLine xmlns:a14="http://schemas.microsoft.com/office/drawing/2010/main" xmlns:p14="http://schemas.microsoft.com/office/powerpoint/2010/main" xmlns:a16="http://schemas.microsoft.com/office/drawing/2014/main" xmlns="" w="9525">
                   <a:solidFill>
                     <a:srgbClr val="000000"/>
                   </a:solidFill>
@@ -32498,7 +32453,7 @@
             </a:ln>
             <a:extLst>
               <a:ext uri="{91240B29-F687-4f45-9708-019B960494DF}">
-                <a14:hiddenLine xmlns="" xmlns:a16="http://schemas.microsoft.com/office/drawing/2014/main" xmlns:p14="http://schemas.microsoft.com/office/powerpoint/2010/main" xmlns:a14="http://schemas.microsoft.com/office/drawing/2010/main" w="9525">
+                <a14:hiddenLine xmlns:a14="http://schemas.microsoft.com/office/drawing/2010/main" xmlns:p14="http://schemas.microsoft.com/office/powerpoint/2010/main" xmlns:a16="http://schemas.microsoft.com/office/drawing/2014/main" xmlns="" w="9525">
                   <a:solidFill>
                     <a:srgbClr val="000000"/>
                   </a:solidFill>
@@ -32578,7 +32533,7 @@
             </a:ln>
             <a:extLst>
               <a:ext uri="{91240B29-F687-4f45-9708-019B960494DF}">
-                <a14:hiddenLine xmlns="" xmlns:a16="http://schemas.microsoft.com/office/drawing/2014/main" xmlns:p14="http://schemas.microsoft.com/office/powerpoint/2010/main" xmlns:a14="http://schemas.microsoft.com/office/drawing/2010/main" w="9525">
+                <a14:hiddenLine xmlns:a14="http://schemas.microsoft.com/office/drawing/2010/main" xmlns:p14="http://schemas.microsoft.com/office/powerpoint/2010/main" xmlns:a16="http://schemas.microsoft.com/office/drawing/2014/main" xmlns="" w="9525">
                   <a:solidFill>
                     <a:srgbClr val="000000"/>
                   </a:solidFill>
@@ -32683,7 +32638,7 @@
             </a:ln>
             <a:extLst>
               <a:ext uri="{91240B29-F687-4f45-9708-019B960494DF}">
-                <a14:hiddenLine xmlns="" xmlns:a16="http://schemas.microsoft.com/office/drawing/2014/main" xmlns:p14="http://schemas.microsoft.com/office/powerpoint/2010/main" xmlns:a14="http://schemas.microsoft.com/office/drawing/2010/main" w="9525">
+                <a14:hiddenLine xmlns:a14="http://schemas.microsoft.com/office/drawing/2010/main" xmlns:p14="http://schemas.microsoft.com/office/powerpoint/2010/main" xmlns:a16="http://schemas.microsoft.com/office/drawing/2014/main" xmlns="" w="9525">
                   <a:solidFill>
                     <a:srgbClr val="000000"/>
                   </a:solidFill>
@@ -32766,7 +32721,7 @@
             </a:ln>
             <a:extLst>
               <a:ext uri="{91240B29-F687-4f45-9708-019B960494DF}">
-                <a14:hiddenLine xmlns="" xmlns:a16="http://schemas.microsoft.com/office/drawing/2014/main" xmlns:p14="http://schemas.microsoft.com/office/powerpoint/2010/main" xmlns:a14="http://schemas.microsoft.com/office/drawing/2010/main" w="9525">
+                <a14:hiddenLine xmlns:a14="http://schemas.microsoft.com/office/drawing/2010/main" xmlns:p14="http://schemas.microsoft.com/office/powerpoint/2010/main" xmlns:a16="http://schemas.microsoft.com/office/drawing/2014/main" xmlns="" w="9525">
                   <a:solidFill>
                     <a:srgbClr val="000000"/>
                   </a:solidFill>
@@ -32871,7 +32826,7 @@
             </a:ln>
             <a:extLst>
               <a:ext uri="{91240B29-F687-4f45-9708-019B960494DF}">
-                <a14:hiddenLine xmlns="" xmlns:a16="http://schemas.microsoft.com/office/drawing/2014/main" xmlns:p14="http://schemas.microsoft.com/office/powerpoint/2010/main" xmlns:a14="http://schemas.microsoft.com/office/drawing/2010/main" w="9525">
+                <a14:hiddenLine xmlns:a14="http://schemas.microsoft.com/office/drawing/2010/main" xmlns:p14="http://schemas.microsoft.com/office/powerpoint/2010/main" xmlns:a16="http://schemas.microsoft.com/office/drawing/2014/main" xmlns="" w="9525">
                   <a:solidFill>
                     <a:srgbClr val="000000"/>
                   </a:solidFill>
@@ -32954,7 +32909,7 @@
             </a:ln>
             <a:extLst>
               <a:ext uri="{91240B29-F687-4f45-9708-019B960494DF}">
-                <a14:hiddenLine xmlns="" xmlns:a16="http://schemas.microsoft.com/office/drawing/2014/main" xmlns:p14="http://schemas.microsoft.com/office/powerpoint/2010/main" xmlns:a14="http://schemas.microsoft.com/office/drawing/2010/main" w="9525">
+                <a14:hiddenLine xmlns:a14="http://schemas.microsoft.com/office/drawing/2010/main" xmlns:p14="http://schemas.microsoft.com/office/powerpoint/2010/main" xmlns:a16="http://schemas.microsoft.com/office/drawing/2014/main" xmlns="" w="9525">
                   <a:solidFill>
                     <a:srgbClr val="000000"/>
                   </a:solidFill>
@@ -33059,7 +33014,7 @@
             </a:ln>
             <a:extLst>
               <a:ext uri="{91240B29-F687-4f45-9708-019B960494DF}">
-                <a14:hiddenLine xmlns="" xmlns:a16="http://schemas.microsoft.com/office/drawing/2014/main" xmlns:p14="http://schemas.microsoft.com/office/powerpoint/2010/main" xmlns:a14="http://schemas.microsoft.com/office/drawing/2010/main" w="9525">
+                <a14:hiddenLine xmlns:a14="http://schemas.microsoft.com/office/drawing/2010/main" xmlns:p14="http://schemas.microsoft.com/office/powerpoint/2010/main" xmlns:a16="http://schemas.microsoft.com/office/drawing/2014/main" xmlns="" w="9525">
                   <a:solidFill>
                     <a:srgbClr val="000000"/>
                   </a:solidFill>
@@ -33108,7 +33063,7 @@
             </a:ln>
             <a:extLst>
               <a:ext uri="{91240B29-F687-4f45-9708-019B960494DF}">
-                <a14:hiddenLine xmlns="" xmlns:a16="http://schemas.microsoft.com/office/drawing/2014/main" xmlns:p14="http://schemas.microsoft.com/office/powerpoint/2010/main" xmlns:a14="http://schemas.microsoft.com/office/drawing/2010/main" w="9525">
+                <a14:hiddenLine xmlns:a14="http://schemas.microsoft.com/office/drawing/2010/main" xmlns:p14="http://schemas.microsoft.com/office/powerpoint/2010/main" xmlns:a16="http://schemas.microsoft.com/office/drawing/2014/main" xmlns="" w="9525">
                   <a:solidFill>
                     <a:srgbClr val="000000"/>
                   </a:solidFill>

--- a/Parte 2.pptx
+++ b/Parte 2.pptx
@@ -545,7 +545,7 @@
           <a:noFill/>
           <a:extLst>
             <a:ext uri="{909E8E84-426E-40dd-AFC4-6F175D3DCCD1}">
-              <a14:hiddenFill xmlns:a14="http://schemas.microsoft.com/office/drawing/2010/main" xmlns="">
+              <a14:hiddenFill xmlns="" xmlns:a14="http://schemas.microsoft.com/office/drawing/2010/main">
                 <a:solidFill>
                   <a:srgbClr val="FFFFFF"/>
                 </a:solidFill>
@@ -604,7 +604,7 @@
             </a:ln>
             <a:extLst>
               <a:ext uri="{91240B29-F687-4f45-9708-019B960494DF}">
-                <a14:hiddenLine xmlns:a14="http://schemas.microsoft.com/office/drawing/2010/main" xmlns="" w="9525">
+                <a14:hiddenLine xmlns="" xmlns:a14="http://schemas.microsoft.com/office/drawing/2010/main" w="9525">
                   <a:solidFill>
                     <a:srgbClr val="000000"/>
                   </a:solidFill>
@@ -694,7 +694,7 @@
             </a:ln>
             <a:extLst>
               <a:ext uri="{91240B29-F687-4f45-9708-019B960494DF}">
-                <a14:hiddenLine xmlns:a14="http://schemas.microsoft.com/office/drawing/2010/main" xmlns="" w="9525">
+                <a14:hiddenLine xmlns="" xmlns:a14="http://schemas.microsoft.com/office/drawing/2010/main" w="9525">
                   <a:solidFill>
                     <a:srgbClr val="000000"/>
                   </a:solidFill>
@@ -784,7 +784,7 @@
             </a:ln>
             <a:extLst>
               <a:ext uri="{91240B29-F687-4f45-9708-019B960494DF}">
-                <a14:hiddenLine xmlns:a14="http://schemas.microsoft.com/office/drawing/2010/main" xmlns="" w="9525">
+                <a14:hiddenLine xmlns="" xmlns:a14="http://schemas.microsoft.com/office/drawing/2010/main" w="9525">
                   <a:solidFill>
                     <a:srgbClr val="000000"/>
                   </a:solidFill>
@@ -818,7 +818,7 @@
             </a:ln>
             <a:extLst>
               <a:ext uri="{91240B29-F687-4f45-9708-019B960494DF}">
-                <a14:hiddenLine xmlns:a14="http://schemas.microsoft.com/office/drawing/2010/main" xmlns="" w="9525">
+                <a14:hiddenLine xmlns="" xmlns:a14="http://schemas.microsoft.com/office/drawing/2010/main" w="9525">
                   <a:solidFill>
                     <a:srgbClr val="000000"/>
                   </a:solidFill>
@@ -908,7 +908,7 @@
             </a:ln>
             <a:extLst>
               <a:ext uri="{91240B29-F687-4f45-9708-019B960494DF}">
-                <a14:hiddenLine xmlns:a14="http://schemas.microsoft.com/office/drawing/2010/main" xmlns="" w="9525">
+                <a14:hiddenLine xmlns="" xmlns:a14="http://schemas.microsoft.com/office/drawing/2010/main" w="9525">
                   <a:solidFill>
                     <a:srgbClr val="000000"/>
                   </a:solidFill>
@@ -970,7 +970,7 @@
             </a:ln>
             <a:extLst>
               <a:ext uri="{91240B29-F687-4f45-9708-019B960494DF}">
-                <a14:hiddenLine xmlns:a14="http://schemas.microsoft.com/office/drawing/2010/main" xmlns="" w="9525">
+                <a14:hiddenLine xmlns="" xmlns:a14="http://schemas.microsoft.com/office/drawing/2010/main" w="9525">
                   <a:solidFill>
                     <a:srgbClr val="000000"/>
                   </a:solidFill>
@@ -1032,7 +1032,7 @@
             </a:ln>
             <a:extLst>
               <a:ext uri="{91240B29-F687-4f45-9708-019B960494DF}">
-                <a14:hiddenLine xmlns:a14="http://schemas.microsoft.com/office/drawing/2010/main" xmlns="" w="9525">
+                <a14:hiddenLine xmlns="" xmlns:a14="http://schemas.microsoft.com/office/drawing/2010/main" w="9525">
                   <a:solidFill>
                     <a:srgbClr val="000000"/>
                   </a:solidFill>
@@ -1122,7 +1122,7 @@
             </a:ln>
             <a:extLst>
               <a:ext uri="{91240B29-F687-4f45-9708-019B960494DF}">
-                <a14:hiddenLine xmlns:a14="http://schemas.microsoft.com/office/drawing/2010/main" xmlns="" w="9525">
+                <a14:hiddenLine xmlns="" xmlns:a14="http://schemas.microsoft.com/office/drawing/2010/main" w="9525">
                   <a:solidFill>
                     <a:srgbClr val="000000"/>
                   </a:solidFill>
@@ -1184,7 +1184,7 @@
             </a:ln>
             <a:extLst>
               <a:ext uri="{91240B29-F687-4f45-9708-019B960494DF}">
-                <a14:hiddenLine xmlns:a14="http://schemas.microsoft.com/office/drawing/2010/main" xmlns="" w="9525">
+                <a14:hiddenLine xmlns="" xmlns:a14="http://schemas.microsoft.com/office/drawing/2010/main" w="9525">
                   <a:solidFill>
                     <a:srgbClr val="000000"/>
                   </a:solidFill>
@@ -1246,7 +1246,7 @@
             </a:ln>
             <a:extLst>
               <a:ext uri="{91240B29-F687-4f45-9708-019B960494DF}">
-                <a14:hiddenLine xmlns:a14="http://schemas.microsoft.com/office/drawing/2010/main" xmlns="" w="9525">
+                <a14:hiddenLine xmlns="" xmlns:a14="http://schemas.microsoft.com/office/drawing/2010/main" w="9525">
                   <a:solidFill>
                     <a:srgbClr val="000000"/>
                   </a:solidFill>
@@ -1336,7 +1336,7 @@
             </a:ln>
             <a:extLst>
               <a:ext uri="{91240B29-F687-4f45-9708-019B960494DF}">
-                <a14:hiddenLine xmlns:a14="http://schemas.microsoft.com/office/drawing/2010/main" xmlns="" w="9525">
+                <a14:hiddenLine xmlns="" xmlns:a14="http://schemas.microsoft.com/office/drawing/2010/main" w="9525">
                   <a:solidFill>
                     <a:srgbClr val="000000"/>
                   </a:solidFill>
@@ -1426,7 +1426,7 @@
             </a:ln>
             <a:extLst>
               <a:ext uri="{91240B29-F687-4f45-9708-019B960494DF}">
-                <a14:hiddenLine xmlns:a14="http://schemas.microsoft.com/office/drawing/2010/main" xmlns="" w="9525">
+                <a14:hiddenLine xmlns="" xmlns:a14="http://schemas.microsoft.com/office/drawing/2010/main" w="9525">
                   <a:solidFill>
                     <a:srgbClr val="000000"/>
                   </a:solidFill>
@@ -1488,7 +1488,7 @@
             </a:ln>
             <a:extLst>
               <a:ext uri="{91240B29-F687-4f45-9708-019B960494DF}">
-                <a14:hiddenLine xmlns:a14="http://schemas.microsoft.com/office/drawing/2010/main" xmlns="" w="9525">
+                <a14:hiddenLine xmlns="" xmlns:a14="http://schemas.microsoft.com/office/drawing/2010/main" w="9525">
                   <a:solidFill>
                     <a:srgbClr val="000000"/>
                   </a:solidFill>
@@ -1598,7 +1598,7 @@
             </a:ln>
             <a:extLst>
               <a:ext uri="{91240B29-F687-4f45-9708-019B960494DF}">
-                <a14:hiddenLine xmlns:a14="http://schemas.microsoft.com/office/drawing/2010/main" xmlns="" w="9525">
+                <a14:hiddenLine xmlns="" xmlns:a14="http://schemas.microsoft.com/office/drawing/2010/main" w="9525">
                   <a:solidFill>
                     <a:srgbClr val="000000"/>
                   </a:solidFill>
@@ -1660,7 +1660,7 @@
             </a:ln>
             <a:extLst>
               <a:ext uri="{91240B29-F687-4f45-9708-019B960494DF}">
-                <a14:hiddenLine xmlns:a14="http://schemas.microsoft.com/office/drawing/2010/main" xmlns="" w="9525">
+                <a14:hiddenLine xmlns="" xmlns:a14="http://schemas.microsoft.com/office/drawing/2010/main" w="9525">
                   <a:solidFill>
                     <a:srgbClr val="000000"/>
                   </a:solidFill>
@@ -1750,7 +1750,7 @@
             </a:ln>
             <a:extLst>
               <a:ext uri="{91240B29-F687-4f45-9708-019B960494DF}">
-                <a14:hiddenLine xmlns:a14="http://schemas.microsoft.com/office/drawing/2010/main" xmlns="" w="9525">
+                <a14:hiddenLine xmlns="" xmlns:a14="http://schemas.microsoft.com/office/drawing/2010/main" w="9525">
                   <a:solidFill>
                     <a:srgbClr val="000000"/>
                   </a:solidFill>
@@ -1840,7 +1840,7 @@
             </a:ln>
             <a:extLst>
               <a:ext uri="{91240B29-F687-4f45-9708-019B960494DF}">
-                <a14:hiddenLine xmlns:a14="http://schemas.microsoft.com/office/drawing/2010/main" xmlns="" w="9525">
+                <a14:hiddenLine xmlns="" xmlns:a14="http://schemas.microsoft.com/office/drawing/2010/main" w="9525">
                   <a:solidFill>
                     <a:srgbClr val="000000"/>
                   </a:solidFill>
@@ -1902,7 +1902,7 @@
             </a:ln>
             <a:extLst>
               <a:ext uri="{91240B29-F687-4f45-9708-019B960494DF}">
-                <a14:hiddenLine xmlns:a14="http://schemas.microsoft.com/office/drawing/2010/main" xmlns="" w="9525">
+                <a14:hiddenLine xmlns="" xmlns:a14="http://schemas.microsoft.com/office/drawing/2010/main" w="9525">
                   <a:solidFill>
                     <a:srgbClr val="000000"/>
                   </a:solidFill>
@@ -1992,7 +1992,7 @@
             </a:ln>
             <a:extLst>
               <a:ext uri="{91240B29-F687-4f45-9708-019B960494DF}">
-                <a14:hiddenLine xmlns:a14="http://schemas.microsoft.com/office/drawing/2010/main" xmlns="" w="9525">
+                <a14:hiddenLine xmlns="" xmlns:a14="http://schemas.microsoft.com/office/drawing/2010/main" w="9525">
                   <a:solidFill>
                     <a:srgbClr val="000000"/>
                   </a:solidFill>
@@ -2082,7 +2082,7 @@
             </a:ln>
             <a:extLst>
               <a:ext uri="{91240B29-F687-4f45-9708-019B960494DF}">
-                <a14:hiddenLine xmlns:a14="http://schemas.microsoft.com/office/drawing/2010/main" xmlns="" w="9525">
+                <a14:hiddenLine xmlns="" xmlns:a14="http://schemas.microsoft.com/office/drawing/2010/main" w="9525">
                   <a:solidFill>
                     <a:srgbClr val="000000"/>
                   </a:solidFill>
@@ -2138,7 +2138,7 @@
             </a:ln>
             <a:extLst>
               <a:ext uri="{91240B29-F687-4f45-9708-019B960494DF}">
-                <a14:hiddenLine xmlns:a14="http://schemas.microsoft.com/office/drawing/2010/main" xmlns="" w="9525">
+                <a14:hiddenLine xmlns="" xmlns:a14="http://schemas.microsoft.com/office/drawing/2010/main" w="9525">
                   <a:solidFill>
                     <a:srgbClr val="000000"/>
                   </a:solidFill>
@@ -2228,7 +2228,7 @@
             </a:ln>
             <a:extLst>
               <a:ext uri="{91240B29-F687-4f45-9708-019B960494DF}">
-                <a14:hiddenLine xmlns:a14="http://schemas.microsoft.com/office/drawing/2010/main" xmlns="" w="9525">
+                <a14:hiddenLine xmlns="" xmlns:a14="http://schemas.microsoft.com/office/drawing/2010/main" w="9525">
                   <a:solidFill>
                     <a:srgbClr val="000000"/>
                   </a:solidFill>
@@ -2284,7 +2284,7 @@
             </a:ln>
             <a:extLst>
               <a:ext uri="{91240B29-F687-4f45-9708-019B960494DF}">
-                <a14:hiddenLine xmlns:a14="http://schemas.microsoft.com/office/drawing/2010/main" xmlns="" w="9525">
+                <a14:hiddenLine xmlns="" xmlns:a14="http://schemas.microsoft.com/office/drawing/2010/main" w="9525">
                   <a:solidFill>
                     <a:srgbClr val="000000"/>
                   </a:solidFill>
@@ -2374,7 +2374,7 @@
             </a:ln>
             <a:extLst>
               <a:ext uri="{91240B29-F687-4f45-9708-019B960494DF}">
-                <a14:hiddenLine xmlns:a14="http://schemas.microsoft.com/office/drawing/2010/main" xmlns="" w="9525">
+                <a14:hiddenLine xmlns="" xmlns:a14="http://schemas.microsoft.com/office/drawing/2010/main" w="9525">
                   <a:solidFill>
                     <a:srgbClr val="000000"/>
                   </a:solidFill>
@@ -2442,7 +2442,7 @@
             </a:ln>
             <a:extLst>
               <a:ext uri="{91240B29-F687-4f45-9708-019B960494DF}">
-                <a14:hiddenLine xmlns:a14="http://schemas.microsoft.com/office/drawing/2010/main" xmlns="" w="9525">
+                <a14:hiddenLine xmlns="" xmlns:a14="http://schemas.microsoft.com/office/drawing/2010/main" w="9525">
                   <a:solidFill>
                     <a:srgbClr val="000000"/>
                   </a:solidFill>
@@ -2532,7 +2532,7 @@
             </a:ln>
             <a:extLst>
               <a:ext uri="{91240B29-F687-4f45-9708-019B960494DF}">
-                <a14:hiddenLine xmlns:a14="http://schemas.microsoft.com/office/drawing/2010/main" xmlns="" w="9525">
+                <a14:hiddenLine xmlns="" xmlns:a14="http://schemas.microsoft.com/office/drawing/2010/main" w="9525">
                   <a:solidFill>
                     <a:srgbClr val="000000"/>
                   </a:solidFill>
@@ -2600,7 +2600,7 @@
             </a:ln>
             <a:extLst>
               <a:ext uri="{91240B29-F687-4f45-9708-019B960494DF}">
-                <a14:hiddenLine xmlns:a14="http://schemas.microsoft.com/office/drawing/2010/main" xmlns="" w="9525">
+                <a14:hiddenLine xmlns="" xmlns:a14="http://schemas.microsoft.com/office/drawing/2010/main" w="9525">
                   <a:solidFill>
                     <a:srgbClr val="000000"/>
                   </a:solidFill>
@@ -2690,7 +2690,7 @@
             </a:ln>
             <a:extLst>
               <a:ext uri="{91240B29-F687-4f45-9708-019B960494DF}">
-                <a14:hiddenLine xmlns:a14="http://schemas.microsoft.com/office/drawing/2010/main" xmlns="" w="9525">
+                <a14:hiddenLine xmlns="" xmlns:a14="http://schemas.microsoft.com/office/drawing/2010/main" w="9525">
                   <a:solidFill>
                     <a:srgbClr val="000000"/>
                   </a:solidFill>
@@ -2724,7 +2724,7 @@
             </a:ln>
             <a:extLst>
               <a:ext uri="{91240B29-F687-4f45-9708-019B960494DF}">
-                <a14:hiddenLine xmlns:a14="http://schemas.microsoft.com/office/drawing/2010/main" xmlns="" w="9525">
+                <a14:hiddenLine xmlns="" xmlns:a14="http://schemas.microsoft.com/office/drawing/2010/main" w="9525">
                   <a:solidFill>
                     <a:srgbClr val="000000"/>
                   </a:solidFill>
@@ -2814,7 +2814,7 @@
             </a:ln>
             <a:extLst>
               <a:ext uri="{91240B29-F687-4f45-9708-019B960494DF}">
-                <a14:hiddenLine xmlns:a14="http://schemas.microsoft.com/office/drawing/2010/main" xmlns="" w="9525">
+                <a14:hiddenLine xmlns="" xmlns:a14="http://schemas.microsoft.com/office/drawing/2010/main" w="9525">
                   <a:solidFill>
                     <a:srgbClr val="000000"/>
                   </a:solidFill>
@@ -2876,7 +2876,7 @@
             </a:ln>
             <a:extLst>
               <a:ext uri="{91240B29-F687-4f45-9708-019B960494DF}">
-                <a14:hiddenLine xmlns:a14="http://schemas.microsoft.com/office/drawing/2010/main" xmlns="" w="9525">
+                <a14:hiddenLine xmlns="" xmlns:a14="http://schemas.microsoft.com/office/drawing/2010/main" w="9525">
                   <a:solidFill>
                     <a:srgbClr val="000000"/>
                   </a:solidFill>
@@ -2938,7 +2938,7 @@
             </a:ln>
             <a:extLst>
               <a:ext uri="{91240B29-F687-4f45-9708-019B960494DF}">
-                <a14:hiddenLine xmlns:a14="http://schemas.microsoft.com/office/drawing/2010/main" xmlns="" w="9525">
+                <a14:hiddenLine xmlns="" xmlns:a14="http://schemas.microsoft.com/office/drawing/2010/main" w="9525">
                   <a:solidFill>
                     <a:srgbClr val="000000"/>
                   </a:solidFill>
@@ -3028,7 +3028,7 @@
             </a:ln>
             <a:extLst>
               <a:ext uri="{91240B29-F687-4f45-9708-019B960494DF}">
-                <a14:hiddenLine xmlns:a14="http://schemas.microsoft.com/office/drawing/2010/main" xmlns="" w="9525">
+                <a14:hiddenLine xmlns="" xmlns:a14="http://schemas.microsoft.com/office/drawing/2010/main" w="9525">
                   <a:solidFill>
                     <a:srgbClr val="000000"/>
                   </a:solidFill>
@@ -3096,7 +3096,7 @@
             </a:ln>
             <a:extLst>
               <a:ext uri="{91240B29-F687-4f45-9708-019B960494DF}">
-                <a14:hiddenLine xmlns:a14="http://schemas.microsoft.com/office/drawing/2010/main" xmlns="" w="9525">
+                <a14:hiddenLine xmlns="" xmlns:a14="http://schemas.microsoft.com/office/drawing/2010/main" w="9525">
                   <a:solidFill>
                     <a:srgbClr val="000000"/>
                   </a:solidFill>
@@ -3158,7 +3158,7 @@
             </a:ln>
             <a:extLst>
               <a:ext uri="{91240B29-F687-4f45-9708-019B960494DF}">
-                <a14:hiddenLine xmlns:a14="http://schemas.microsoft.com/office/drawing/2010/main" xmlns="" w="9525">
+                <a14:hiddenLine xmlns="" xmlns:a14="http://schemas.microsoft.com/office/drawing/2010/main" w="9525">
                   <a:solidFill>
                     <a:srgbClr val="000000"/>
                   </a:solidFill>
@@ -3248,7 +3248,7 @@
             </a:ln>
             <a:extLst>
               <a:ext uri="{91240B29-F687-4f45-9708-019B960494DF}">
-                <a14:hiddenLine xmlns:a14="http://schemas.microsoft.com/office/drawing/2010/main" xmlns="" w="9525">
+                <a14:hiddenLine xmlns="" xmlns:a14="http://schemas.microsoft.com/office/drawing/2010/main" w="9525">
                   <a:solidFill>
                     <a:srgbClr val="000000"/>
                   </a:solidFill>
@@ -3310,7 +3310,7 @@
             </a:ln>
             <a:extLst>
               <a:ext uri="{91240B29-F687-4f45-9708-019B960494DF}">
-                <a14:hiddenLine xmlns:a14="http://schemas.microsoft.com/office/drawing/2010/main" xmlns="" w="9525">
+                <a14:hiddenLine xmlns="" xmlns:a14="http://schemas.microsoft.com/office/drawing/2010/main" w="9525">
                   <a:solidFill>
                     <a:srgbClr val="000000"/>
                   </a:solidFill>
@@ -3400,7 +3400,7 @@
             </a:ln>
             <a:extLst>
               <a:ext uri="{91240B29-F687-4f45-9708-019B960494DF}">
-                <a14:hiddenLine xmlns:a14="http://schemas.microsoft.com/office/drawing/2010/main" xmlns="" w="9525">
+                <a14:hiddenLine xmlns="" xmlns:a14="http://schemas.microsoft.com/office/drawing/2010/main" w="9525">
                   <a:solidFill>
                     <a:srgbClr val="000000"/>
                   </a:solidFill>
@@ -3462,7 +3462,7 @@
             </a:ln>
             <a:extLst>
               <a:ext uri="{91240B29-F687-4f45-9708-019B960494DF}">
-                <a14:hiddenLine xmlns:a14="http://schemas.microsoft.com/office/drawing/2010/main" xmlns="" w="9525">
+                <a14:hiddenLine xmlns="" xmlns:a14="http://schemas.microsoft.com/office/drawing/2010/main" w="9525">
                   <a:solidFill>
                     <a:srgbClr val="000000"/>
                   </a:solidFill>
@@ -3552,7 +3552,7 @@
             </a:ln>
             <a:extLst>
               <a:ext uri="{91240B29-F687-4f45-9708-019B960494DF}">
-                <a14:hiddenLine xmlns:a14="http://schemas.microsoft.com/office/drawing/2010/main" xmlns="" w="9525">
+                <a14:hiddenLine xmlns="" xmlns:a14="http://schemas.microsoft.com/office/drawing/2010/main" w="9525">
                   <a:solidFill>
                     <a:srgbClr val="000000"/>
                   </a:solidFill>
@@ -3586,7 +3586,7 @@
             </a:ln>
             <a:extLst>
               <a:ext uri="{91240B29-F687-4f45-9708-019B960494DF}">
-                <a14:hiddenLine xmlns:a14="http://schemas.microsoft.com/office/drawing/2010/main" xmlns="" w="9525">
+                <a14:hiddenLine xmlns="" xmlns:a14="http://schemas.microsoft.com/office/drawing/2010/main" w="9525">
                   <a:solidFill>
                     <a:srgbClr val="000000"/>
                   </a:solidFill>
@@ -3651,7 +3651,7 @@
             </a:ln>
             <a:extLst>
               <a:ext uri="{91240B29-F687-4f45-9708-019B960494DF}">
-                <a14:hiddenLine xmlns:a14="http://schemas.microsoft.com/office/drawing/2010/main" xmlns="" w="9525">
+                <a14:hiddenLine xmlns="" xmlns:a14="http://schemas.microsoft.com/office/drawing/2010/main" w="9525">
                   <a:solidFill>
                     <a:srgbClr val="000000"/>
                   </a:solidFill>
@@ -3741,7 +3741,7 @@
             </a:ln>
             <a:extLst>
               <a:ext uri="{91240B29-F687-4f45-9708-019B960494DF}">
-                <a14:hiddenLine xmlns:a14="http://schemas.microsoft.com/office/drawing/2010/main" xmlns="" w="9525">
+                <a14:hiddenLine xmlns="" xmlns:a14="http://schemas.microsoft.com/office/drawing/2010/main" w="9525">
                   <a:solidFill>
                     <a:srgbClr val="000000"/>
                   </a:solidFill>
@@ -3803,7 +3803,7 @@
             </a:ln>
             <a:extLst>
               <a:ext uri="{91240B29-F687-4f45-9708-019B960494DF}">
-                <a14:hiddenLine xmlns:a14="http://schemas.microsoft.com/office/drawing/2010/main" xmlns="" w="9525">
+                <a14:hiddenLine xmlns="" xmlns:a14="http://schemas.microsoft.com/office/drawing/2010/main" w="9525">
                   <a:solidFill>
                     <a:srgbClr val="000000"/>
                   </a:solidFill>
@@ -3893,7 +3893,7 @@
             </a:ln>
             <a:extLst>
               <a:ext uri="{91240B29-F687-4f45-9708-019B960494DF}">
-                <a14:hiddenLine xmlns:a14="http://schemas.microsoft.com/office/drawing/2010/main" xmlns="" w="9525">
+                <a14:hiddenLine xmlns="" xmlns:a14="http://schemas.microsoft.com/office/drawing/2010/main" w="9525">
                   <a:solidFill>
                     <a:srgbClr val="000000"/>
                   </a:solidFill>
@@ -3983,7 +3983,7 @@
             </a:ln>
             <a:extLst>
               <a:ext uri="{91240B29-F687-4f45-9708-019B960494DF}">
-                <a14:hiddenLine xmlns:a14="http://schemas.microsoft.com/office/drawing/2010/main" xmlns="" w="9525">
+                <a14:hiddenLine xmlns="" xmlns:a14="http://schemas.microsoft.com/office/drawing/2010/main" w="9525">
                   <a:solidFill>
                     <a:srgbClr val="000000"/>
                   </a:solidFill>
@@ -4048,7 +4048,7 @@
             </a:ln>
             <a:extLst>
               <a:ext uri="{91240B29-F687-4f45-9708-019B960494DF}">
-                <a14:hiddenLine xmlns:a14="http://schemas.microsoft.com/office/drawing/2010/main" xmlns="" w="9525">
+                <a14:hiddenLine xmlns="" xmlns:a14="http://schemas.microsoft.com/office/drawing/2010/main" w="9525">
                   <a:solidFill>
                     <a:srgbClr val="000000"/>
                   </a:solidFill>
@@ -4110,7 +4110,7 @@
             </a:ln>
             <a:extLst>
               <a:ext uri="{91240B29-F687-4f45-9708-019B960494DF}">
-                <a14:hiddenLine xmlns:a14="http://schemas.microsoft.com/office/drawing/2010/main" xmlns="" w="9525">
+                <a14:hiddenLine xmlns="" xmlns:a14="http://schemas.microsoft.com/office/drawing/2010/main" w="9525">
                   <a:solidFill>
                     <a:srgbClr val="000000"/>
                   </a:solidFill>
@@ -4200,7 +4200,7 @@
             </a:ln>
             <a:extLst>
               <a:ext uri="{91240B29-F687-4f45-9708-019B960494DF}">
-                <a14:hiddenLine xmlns:a14="http://schemas.microsoft.com/office/drawing/2010/main" xmlns="" w="9525">
+                <a14:hiddenLine xmlns="" xmlns:a14="http://schemas.microsoft.com/office/drawing/2010/main" w="9525">
                   <a:solidFill>
                     <a:srgbClr val="000000"/>
                   </a:solidFill>
@@ -4290,7 +4290,7 @@
             </a:ln>
             <a:extLst>
               <a:ext uri="{91240B29-F687-4f45-9708-019B960494DF}">
-                <a14:hiddenLine xmlns:a14="http://schemas.microsoft.com/office/drawing/2010/main" xmlns="" w="9525">
+                <a14:hiddenLine xmlns="" xmlns:a14="http://schemas.microsoft.com/office/drawing/2010/main" w="9525">
                   <a:solidFill>
                     <a:srgbClr val="000000"/>
                   </a:solidFill>
@@ -4352,7 +4352,7 @@
             </a:ln>
             <a:extLst>
               <a:ext uri="{91240B29-F687-4f45-9708-019B960494DF}">
-                <a14:hiddenLine xmlns:a14="http://schemas.microsoft.com/office/drawing/2010/main" xmlns="" w="9525">
+                <a14:hiddenLine xmlns="" xmlns:a14="http://schemas.microsoft.com/office/drawing/2010/main" w="9525">
                   <a:solidFill>
                     <a:srgbClr val="000000"/>
                   </a:solidFill>
@@ -4472,7 +4472,7 @@
             </a:ln>
             <a:extLst>
               <a:ext uri="{91240B29-F687-4f45-9708-019B960494DF}">
-                <a14:hiddenLine xmlns:a14="http://schemas.microsoft.com/office/drawing/2010/main" xmlns="" w="9525">
+                <a14:hiddenLine xmlns="" xmlns:a14="http://schemas.microsoft.com/office/drawing/2010/main" w="9525">
                   <a:solidFill>
                     <a:srgbClr val="000000"/>
                   </a:solidFill>
@@ -4540,7 +4540,7 @@
             </a:ln>
             <a:extLst>
               <a:ext uri="{91240B29-F687-4f45-9708-019B960494DF}">
-                <a14:hiddenLine xmlns:a14="http://schemas.microsoft.com/office/drawing/2010/main" xmlns="" w="9525">
+                <a14:hiddenLine xmlns="" xmlns:a14="http://schemas.microsoft.com/office/drawing/2010/main" w="9525">
                   <a:solidFill>
                     <a:srgbClr val="000000"/>
                   </a:solidFill>
@@ -4630,7 +4630,7 @@
             </a:ln>
             <a:extLst>
               <a:ext uri="{91240B29-F687-4f45-9708-019B960494DF}">
-                <a14:hiddenLine xmlns:a14="http://schemas.microsoft.com/office/drawing/2010/main" xmlns="" w="9525">
+                <a14:hiddenLine xmlns="" xmlns:a14="http://schemas.microsoft.com/office/drawing/2010/main" w="9525">
                   <a:solidFill>
                     <a:srgbClr val="000000"/>
                   </a:solidFill>
@@ -9495,7 +9495,7 @@
           <a:noFill/>
           <a:extLst>
             <a:ext uri="{909E8E84-426E-40dd-AFC4-6F175D3DCCD1}">
-              <a14:hiddenFill xmlns:a14="http://schemas.microsoft.com/office/drawing/2010/main" xmlns="">
+              <a14:hiddenFill xmlns="" xmlns:a14="http://schemas.microsoft.com/office/drawing/2010/main">
                 <a:solidFill>
                   <a:srgbClr val="FFFFFF"/>
                 </a:solidFill>
@@ -9569,7 +9569,7 @@
               </a:ln>
               <a:extLst>
                 <a:ext uri="{91240B29-F687-4f45-9708-019B960494DF}">
-                  <a14:hiddenLine xmlns:a14="http://schemas.microsoft.com/office/drawing/2010/main" xmlns="" w="9525">
+                  <a14:hiddenLine xmlns="" xmlns:a14="http://schemas.microsoft.com/office/drawing/2010/main" w="9525">
                     <a:solidFill>
                       <a:srgbClr val="000000"/>
                     </a:solidFill>
@@ -9659,7 +9659,7 @@
               </a:ln>
               <a:extLst>
                 <a:ext uri="{91240B29-F687-4f45-9708-019B960494DF}">
-                  <a14:hiddenLine xmlns:a14="http://schemas.microsoft.com/office/drawing/2010/main" xmlns="" w="9525">
+                  <a14:hiddenLine xmlns="" xmlns:a14="http://schemas.microsoft.com/office/drawing/2010/main" w="9525">
                     <a:solidFill>
                       <a:srgbClr val="000000"/>
                     </a:solidFill>
@@ -9749,7 +9749,7 @@
               </a:ln>
               <a:extLst>
                 <a:ext uri="{91240B29-F687-4f45-9708-019B960494DF}">
-                  <a14:hiddenLine xmlns:a14="http://schemas.microsoft.com/office/drawing/2010/main" xmlns="" w="9525">
+                  <a14:hiddenLine xmlns="" xmlns:a14="http://schemas.microsoft.com/office/drawing/2010/main" w="9525">
                     <a:solidFill>
                       <a:srgbClr val="000000"/>
                     </a:solidFill>
@@ -9811,7 +9811,7 @@
               </a:ln>
               <a:extLst>
                 <a:ext uri="{91240B29-F687-4f45-9708-019B960494DF}">
-                  <a14:hiddenLine xmlns:a14="http://schemas.microsoft.com/office/drawing/2010/main" xmlns="" w="9525">
+                  <a14:hiddenLine xmlns="" xmlns:a14="http://schemas.microsoft.com/office/drawing/2010/main" w="9525">
                     <a:solidFill>
                       <a:srgbClr val="000000"/>
                     </a:solidFill>
@@ -9901,7 +9901,7 @@
               </a:ln>
               <a:extLst>
                 <a:ext uri="{91240B29-F687-4f45-9708-019B960494DF}">
-                  <a14:hiddenLine xmlns:a14="http://schemas.microsoft.com/office/drawing/2010/main" xmlns="" w="9525">
+                  <a14:hiddenLine xmlns="" xmlns:a14="http://schemas.microsoft.com/office/drawing/2010/main" w="9525">
                     <a:solidFill>
                       <a:srgbClr val="000000"/>
                     </a:solidFill>
@@ -9963,7 +9963,7 @@
               </a:ln>
               <a:extLst>
                 <a:ext uri="{91240B29-F687-4f45-9708-019B960494DF}">
-                  <a14:hiddenLine xmlns:a14="http://schemas.microsoft.com/office/drawing/2010/main" xmlns="" w="9525">
+                  <a14:hiddenLine xmlns="" xmlns:a14="http://schemas.microsoft.com/office/drawing/2010/main" w="9525">
                     <a:solidFill>
                       <a:srgbClr val="000000"/>
                     </a:solidFill>
@@ -10025,7 +10025,7 @@
               </a:ln>
               <a:extLst>
                 <a:ext uri="{91240B29-F687-4f45-9708-019B960494DF}">
-                  <a14:hiddenLine xmlns:a14="http://schemas.microsoft.com/office/drawing/2010/main" xmlns="" w="9525">
+                  <a14:hiddenLine xmlns="" xmlns:a14="http://schemas.microsoft.com/office/drawing/2010/main" w="9525">
                     <a:solidFill>
                       <a:srgbClr val="000000"/>
                     </a:solidFill>
@@ -10115,7 +10115,7 @@
               </a:ln>
               <a:extLst>
                 <a:ext uri="{91240B29-F687-4f45-9708-019B960494DF}">
-                  <a14:hiddenLine xmlns:a14="http://schemas.microsoft.com/office/drawing/2010/main" xmlns="" w="9525">
+                  <a14:hiddenLine xmlns="" xmlns:a14="http://schemas.microsoft.com/office/drawing/2010/main" w="9525">
                     <a:solidFill>
                       <a:srgbClr val="000000"/>
                     </a:solidFill>
@@ -10205,7 +10205,7 @@
               </a:ln>
               <a:extLst>
                 <a:ext uri="{91240B29-F687-4f45-9708-019B960494DF}">
-                  <a14:hiddenLine xmlns:a14="http://schemas.microsoft.com/office/drawing/2010/main" xmlns="" w="9525">
+                  <a14:hiddenLine xmlns="" xmlns:a14="http://schemas.microsoft.com/office/drawing/2010/main" w="9525">
                     <a:solidFill>
                       <a:srgbClr val="000000"/>
                     </a:solidFill>
@@ -10267,7 +10267,7 @@
               </a:ln>
               <a:extLst>
                 <a:ext uri="{91240B29-F687-4f45-9708-019B960494DF}">
-                  <a14:hiddenLine xmlns:a14="http://schemas.microsoft.com/office/drawing/2010/main" xmlns="" w="9525">
+                  <a14:hiddenLine xmlns="" xmlns:a14="http://schemas.microsoft.com/office/drawing/2010/main" w="9525">
                     <a:solidFill>
                       <a:srgbClr val="000000"/>
                     </a:solidFill>
@@ -10377,7 +10377,7 @@
               </a:ln>
               <a:extLst>
                 <a:ext uri="{91240B29-F687-4f45-9708-019B960494DF}">
-                  <a14:hiddenLine xmlns:a14="http://schemas.microsoft.com/office/drawing/2010/main" xmlns="" w="9525">
+                  <a14:hiddenLine xmlns="" xmlns:a14="http://schemas.microsoft.com/office/drawing/2010/main" w="9525">
                     <a:solidFill>
                       <a:srgbClr val="000000"/>
                     </a:solidFill>
@@ -10461,7 +10461,7 @@
               </a:ln>
               <a:extLst>
                 <a:ext uri="{91240B29-F687-4f45-9708-019B960494DF}">
-                  <a14:hiddenLine xmlns:a14="http://schemas.microsoft.com/office/drawing/2010/main" xmlns="" w="9525">
+                  <a14:hiddenLine xmlns="" xmlns:a14="http://schemas.microsoft.com/office/drawing/2010/main" w="9525">
                     <a:solidFill>
                       <a:srgbClr val="000000"/>
                     </a:solidFill>
@@ -10523,7 +10523,7 @@
               </a:ln>
               <a:extLst>
                 <a:ext uri="{91240B29-F687-4f45-9708-019B960494DF}">
-                  <a14:hiddenLine xmlns:a14="http://schemas.microsoft.com/office/drawing/2010/main" xmlns="" w="9525">
+                  <a14:hiddenLine xmlns="" xmlns:a14="http://schemas.microsoft.com/office/drawing/2010/main" w="9525">
                     <a:solidFill>
                       <a:srgbClr val="000000"/>
                     </a:solidFill>
@@ -10585,7 +10585,7 @@
               </a:ln>
               <a:extLst>
                 <a:ext uri="{91240B29-F687-4f45-9708-019B960494DF}">
-                  <a14:hiddenLine xmlns:a14="http://schemas.microsoft.com/office/drawing/2010/main" xmlns="" w="9525">
+                  <a14:hiddenLine xmlns="" xmlns:a14="http://schemas.microsoft.com/office/drawing/2010/main" w="9525">
                     <a:solidFill>
                       <a:srgbClr val="000000"/>
                     </a:solidFill>
@@ -10675,7 +10675,7 @@
               </a:ln>
               <a:extLst>
                 <a:ext uri="{91240B29-F687-4f45-9708-019B960494DF}">
-                  <a14:hiddenLine xmlns:a14="http://schemas.microsoft.com/office/drawing/2010/main" xmlns="" w="9525">
+                  <a14:hiddenLine xmlns="" xmlns:a14="http://schemas.microsoft.com/office/drawing/2010/main" w="9525">
                     <a:solidFill>
                       <a:srgbClr val="000000"/>
                     </a:solidFill>
@@ -10709,7 +10709,7 @@
               </a:ln>
               <a:extLst>
                 <a:ext uri="{91240B29-F687-4f45-9708-019B960494DF}">
-                  <a14:hiddenLine xmlns:a14="http://schemas.microsoft.com/office/drawing/2010/main" xmlns="" w="9525">
+                  <a14:hiddenLine xmlns="" xmlns:a14="http://schemas.microsoft.com/office/drawing/2010/main" w="9525">
                     <a:solidFill>
                       <a:srgbClr val="000000"/>
                     </a:solidFill>
@@ -10774,7 +10774,7 @@
               </a:ln>
               <a:extLst>
                 <a:ext uri="{91240B29-F687-4f45-9708-019B960494DF}">
-                  <a14:hiddenLine xmlns:a14="http://schemas.microsoft.com/office/drawing/2010/main" xmlns="" w="9525">
+                  <a14:hiddenLine xmlns="" xmlns:a14="http://schemas.microsoft.com/office/drawing/2010/main" w="9525">
                     <a:solidFill>
                       <a:srgbClr val="000000"/>
                     </a:solidFill>
@@ -10864,7 +10864,7 @@
               </a:ln>
               <a:extLst>
                 <a:ext uri="{91240B29-F687-4f45-9708-019B960494DF}">
-                  <a14:hiddenLine xmlns:a14="http://schemas.microsoft.com/office/drawing/2010/main" xmlns="" w="9525">
+                  <a14:hiddenLine xmlns="" xmlns:a14="http://schemas.microsoft.com/office/drawing/2010/main" w="9525">
                     <a:solidFill>
                       <a:srgbClr val="000000"/>
                     </a:solidFill>
@@ -10926,7 +10926,7 @@
               </a:ln>
               <a:extLst>
                 <a:ext uri="{91240B29-F687-4f45-9708-019B960494DF}">
-                  <a14:hiddenLine xmlns:a14="http://schemas.microsoft.com/office/drawing/2010/main" xmlns="" w="9525">
+                  <a14:hiddenLine xmlns="" xmlns:a14="http://schemas.microsoft.com/office/drawing/2010/main" w="9525">
                     <a:solidFill>
                       <a:srgbClr val="000000"/>
                     </a:solidFill>
@@ -11016,7 +11016,7 @@
               </a:ln>
               <a:extLst>
                 <a:ext uri="{91240B29-F687-4f45-9708-019B960494DF}">
-                  <a14:hiddenLine xmlns:a14="http://schemas.microsoft.com/office/drawing/2010/main" xmlns="" w="9525">
+                  <a14:hiddenLine xmlns="" xmlns:a14="http://schemas.microsoft.com/office/drawing/2010/main" w="9525">
                     <a:solidFill>
                       <a:srgbClr val="000000"/>
                     </a:solidFill>
@@ -11081,7 +11081,7 @@
               </a:ln>
               <a:extLst>
                 <a:ext uri="{91240B29-F687-4f45-9708-019B960494DF}">
-                  <a14:hiddenLine xmlns:a14="http://schemas.microsoft.com/office/drawing/2010/main" xmlns="" w="9525">
+                  <a14:hiddenLine xmlns="" xmlns:a14="http://schemas.microsoft.com/office/drawing/2010/main" w="9525">
                     <a:solidFill>
                       <a:srgbClr val="000000"/>
                     </a:solidFill>
@@ -11143,7 +11143,7 @@
               </a:ln>
               <a:extLst>
                 <a:ext uri="{91240B29-F687-4f45-9708-019B960494DF}">
-                  <a14:hiddenLine xmlns:a14="http://schemas.microsoft.com/office/drawing/2010/main" xmlns="" w="9525">
+                  <a14:hiddenLine xmlns="" xmlns:a14="http://schemas.microsoft.com/office/drawing/2010/main" w="9525">
                     <a:solidFill>
                       <a:srgbClr val="000000"/>
                     </a:solidFill>
@@ -11233,7 +11233,7 @@
               </a:ln>
               <a:extLst>
                 <a:ext uri="{91240B29-F687-4f45-9708-019B960494DF}">
-                  <a14:hiddenLine xmlns:a14="http://schemas.microsoft.com/office/drawing/2010/main" xmlns="" w="9525">
+                  <a14:hiddenLine xmlns="" xmlns:a14="http://schemas.microsoft.com/office/drawing/2010/main" w="9525">
                     <a:solidFill>
                       <a:srgbClr val="000000"/>
                     </a:solidFill>
@@ -11323,7 +11323,7 @@
               </a:ln>
               <a:extLst>
                 <a:ext uri="{91240B29-F687-4f45-9708-019B960494DF}">
-                  <a14:hiddenLine xmlns:a14="http://schemas.microsoft.com/office/drawing/2010/main" xmlns="" w="9525">
+                  <a14:hiddenLine xmlns="" xmlns:a14="http://schemas.microsoft.com/office/drawing/2010/main" w="9525">
                     <a:solidFill>
                       <a:srgbClr val="000000"/>
                     </a:solidFill>
@@ -11388,7 +11388,7 @@
               </a:ln>
               <a:extLst>
                 <a:ext uri="{91240B29-F687-4f45-9708-019B960494DF}">
-                  <a14:hiddenLine xmlns:a14="http://schemas.microsoft.com/office/drawing/2010/main" xmlns="" w="9525">
+                  <a14:hiddenLine xmlns="" xmlns:a14="http://schemas.microsoft.com/office/drawing/2010/main" w="9525">
                     <a:solidFill>
                       <a:srgbClr val="000000"/>
                     </a:solidFill>
@@ -11508,7 +11508,7 @@
               </a:ln>
               <a:extLst>
                 <a:ext uri="{91240B29-F687-4f45-9708-019B960494DF}">
-                  <a14:hiddenLine xmlns:a14="http://schemas.microsoft.com/office/drawing/2010/main" xmlns="" w="9525">
+                  <a14:hiddenLine xmlns="" xmlns:a14="http://schemas.microsoft.com/office/drawing/2010/main" w="9525">
                     <a:solidFill>
                       <a:srgbClr val="000000"/>
                     </a:solidFill>
@@ -11589,7 +11589,7 @@
               </a:ln>
               <a:extLst>
                 <a:ext uri="{91240B29-F687-4f45-9708-019B960494DF}">
-                  <a14:hiddenLine xmlns:a14="http://schemas.microsoft.com/office/drawing/2010/main" xmlns="" w="9525">
+                  <a14:hiddenLine xmlns="" xmlns:a14="http://schemas.microsoft.com/office/drawing/2010/main" w="9525">
                     <a:solidFill>
                       <a:srgbClr val="000000"/>
                     </a:solidFill>
@@ -11704,7 +11704,7 @@
               </a:ln>
               <a:extLst>
                 <a:ext uri="{91240B29-F687-4f45-9708-019B960494DF}">
-                  <a14:hiddenLine xmlns:a14="http://schemas.microsoft.com/office/drawing/2010/main" xmlns="" w="9525">
+                  <a14:hiddenLine xmlns="" xmlns:a14="http://schemas.microsoft.com/office/drawing/2010/main" w="9525">
                     <a:solidFill>
                       <a:srgbClr val="000000"/>
                     </a:solidFill>
@@ -11794,7 +11794,7 @@
               </a:ln>
               <a:extLst>
                 <a:ext uri="{91240B29-F687-4f45-9708-019B960494DF}">
-                  <a14:hiddenLine xmlns:a14="http://schemas.microsoft.com/office/drawing/2010/main" xmlns="" w="9525">
+                  <a14:hiddenLine xmlns="" xmlns:a14="http://schemas.microsoft.com/office/drawing/2010/main" w="9525">
                     <a:solidFill>
                       <a:srgbClr val="000000"/>
                     </a:solidFill>
@@ -11859,7 +11859,7 @@
               </a:ln>
               <a:extLst>
                 <a:ext uri="{91240B29-F687-4f45-9708-019B960494DF}">
-                  <a14:hiddenLine xmlns:a14="http://schemas.microsoft.com/office/drawing/2010/main" xmlns="" w="9525">
+                  <a14:hiddenLine xmlns="" xmlns:a14="http://schemas.microsoft.com/office/drawing/2010/main" w="9525">
                     <a:solidFill>
                       <a:srgbClr val="000000"/>
                     </a:solidFill>
@@ -11949,7 +11949,7 @@
               </a:ln>
               <a:extLst>
                 <a:ext uri="{91240B29-F687-4f45-9708-019B960494DF}">
-                  <a14:hiddenLine xmlns:a14="http://schemas.microsoft.com/office/drawing/2010/main" xmlns="" w="9525">
+                  <a14:hiddenLine xmlns="" xmlns:a14="http://schemas.microsoft.com/office/drawing/2010/main" w="9525">
                     <a:solidFill>
                       <a:srgbClr val="000000"/>
                     </a:solidFill>
@@ -12017,7 +12017,7 @@
               </a:ln>
               <a:extLst>
                 <a:ext uri="{91240B29-F687-4f45-9708-019B960494DF}">
-                  <a14:hiddenLine xmlns:a14="http://schemas.microsoft.com/office/drawing/2010/main" xmlns="" w="9525">
+                  <a14:hiddenLine xmlns="" xmlns:a14="http://schemas.microsoft.com/office/drawing/2010/main" w="9525">
                     <a:solidFill>
                       <a:srgbClr val="000000"/>
                     </a:solidFill>
@@ -12107,7 +12107,7 @@
               </a:ln>
               <a:extLst>
                 <a:ext uri="{91240B29-F687-4f45-9708-019B960494DF}">
-                  <a14:hiddenLine xmlns:a14="http://schemas.microsoft.com/office/drawing/2010/main" xmlns="" w="9525">
+                  <a14:hiddenLine xmlns="" xmlns:a14="http://schemas.microsoft.com/office/drawing/2010/main" w="9525">
                     <a:solidFill>
                       <a:srgbClr val="000000"/>
                     </a:solidFill>
@@ -12175,7 +12175,7 @@
               </a:ln>
               <a:extLst>
                 <a:ext uri="{91240B29-F687-4f45-9708-019B960494DF}">
-                  <a14:hiddenLine xmlns:a14="http://schemas.microsoft.com/office/drawing/2010/main" xmlns="" w="9525">
+                  <a14:hiddenLine xmlns="" xmlns:a14="http://schemas.microsoft.com/office/drawing/2010/main" w="9525">
                     <a:solidFill>
                       <a:srgbClr val="000000"/>
                     </a:solidFill>
@@ -12265,7 +12265,7 @@
               </a:ln>
               <a:extLst>
                 <a:ext uri="{91240B29-F687-4f45-9708-019B960494DF}">
-                  <a14:hiddenLine xmlns:a14="http://schemas.microsoft.com/office/drawing/2010/main" xmlns="" w="9525">
+                  <a14:hiddenLine xmlns="" xmlns:a14="http://schemas.microsoft.com/office/drawing/2010/main" w="9525">
                     <a:solidFill>
                       <a:srgbClr val="000000"/>
                     </a:solidFill>
@@ -12299,7 +12299,7 @@
               </a:ln>
               <a:extLst>
                 <a:ext uri="{91240B29-F687-4f45-9708-019B960494DF}">
-                  <a14:hiddenLine xmlns:a14="http://schemas.microsoft.com/office/drawing/2010/main" xmlns="" w="9525">
+                  <a14:hiddenLine xmlns="" xmlns:a14="http://schemas.microsoft.com/office/drawing/2010/main" w="9525">
                     <a:solidFill>
                       <a:srgbClr val="000000"/>
                     </a:solidFill>
@@ -13694,7 +13694,7 @@
             </a:pPr>
             <a:r>
               <a:rPr lang="pt-PT" sz="2200" dirty="0"/>
-              <a:t>Ao invés de apenas dar essa opção ao </a:t>
+              <a:t>Ao invés de dar essa opção apenas aos </a:t>
             </a:r>
             <a:r>
               <a:rPr lang="pt-PT" sz="2200" i="1" dirty="0" err="1"/>
@@ -14937,7 +14937,7 @@
           <a:noFill/>
           <a:extLst>
             <a:ext uri="{909E8E84-426E-40dd-AFC4-6F175D3DCCD1}">
-              <a14:hiddenFill xmlns="" xmlns:a16="http://schemas.microsoft.com/office/drawing/2014/main" xmlns:a14="http://schemas.microsoft.com/office/drawing/2010/main">
+              <a14:hiddenFill xmlns:a14="http://schemas.microsoft.com/office/drawing/2010/main" xmlns:a16="http://schemas.microsoft.com/office/drawing/2014/main" xmlns="">
                 <a:solidFill>
                   <a:srgbClr val="FFFFFF"/>
                 </a:solidFill>
@@ -15029,7 +15029,7 @@
             </a:ln>
             <a:extLst>
               <a:ext uri="{91240B29-F687-4f45-9708-019B960494DF}">
-                <a14:hiddenLine xmlns="" xmlns:a16="http://schemas.microsoft.com/office/drawing/2014/main" xmlns:a14="http://schemas.microsoft.com/office/drawing/2010/main" w="9525">
+                <a14:hiddenLine xmlns:a14="http://schemas.microsoft.com/office/drawing/2010/main" xmlns:a16="http://schemas.microsoft.com/office/drawing/2014/main" xmlns="" w="9525">
                   <a:solidFill>
                     <a:srgbClr val="000000"/>
                   </a:solidFill>
@@ -15134,7 +15134,7 @@
             </a:ln>
             <a:extLst>
               <a:ext uri="{91240B29-F687-4f45-9708-019B960494DF}">
-                <a14:hiddenLine xmlns="" xmlns:a16="http://schemas.microsoft.com/office/drawing/2014/main" xmlns:a14="http://schemas.microsoft.com/office/drawing/2010/main" w="9525">
+                <a14:hiddenLine xmlns:a14="http://schemas.microsoft.com/office/drawing/2010/main" xmlns:a16="http://schemas.microsoft.com/office/drawing/2014/main" xmlns="" w="9525">
                   <a:solidFill>
                     <a:srgbClr val="000000"/>
                   </a:solidFill>
@@ -15239,7 +15239,7 @@
             </a:ln>
             <a:extLst>
               <a:ext uri="{91240B29-F687-4f45-9708-019B960494DF}">
-                <a14:hiddenLine xmlns="" xmlns:a16="http://schemas.microsoft.com/office/drawing/2014/main" xmlns:a14="http://schemas.microsoft.com/office/drawing/2010/main" w="9525">
+                <a14:hiddenLine xmlns:a14="http://schemas.microsoft.com/office/drawing/2010/main" xmlns:a16="http://schemas.microsoft.com/office/drawing/2014/main" xmlns="" w="9525">
                   <a:solidFill>
                     <a:srgbClr val="000000"/>
                   </a:solidFill>
@@ -15288,7 +15288,7 @@
             </a:ln>
             <a:extLst>
               <a:ext uri="{91240B29-F687-4f45-9708-019B960494DF}">
-                <a14:hiddenLine xmlns="" xmlns:a16="http://schemas.microsoft.com/office/drawing/2014/main" xmlns:a14="http://schemas.microsoft.com/office/drawing/2010/main" w="9525">
+                <a14:hiddenLine xmlns:a14="http://schemas.microsoft.com/office/drawing/2010/main" xmlns:a16="http://schemas.microsoft.com/office/drawing/2014/main" xmlns="" w="9525">
                   <a:solidFill>
                     <a:srgbClr val="000000"/>
                   </a:solidFill>
@@ -15393,7 +15393,7 @@
             </a:ln>
             <a:extLst>
               <a:ext uri="{91240B29-F687-4f45-9708-019B960494DF}">
-                <a14:hiddenLine xmlns="" xmlns:a16="http://schemas.microsoft.com/office/drawing/2014/main" xmlns:a14="http://schemas.microsoft.com/office/drawing/2010/main" w="9525">
+                <a14:hiddenLine xmlns:a14="http://schemas.microsoft.com/office/drawing/2010/main" xmlns:a16="http://schemas.microsoft.com/office/drawing/2014/main" xmlns="" w="9525">
                   <a:solidFill>
                     <a:srgbClr val="000000"/>
                   </a:solidFill>
@@ -15470,7 +15470,7 @@
             </a:ln>
             <a:extLst>
               <a:ext uri="{91240B29-F687-4f45-9708-019B960494DF}">
-                <a14:hiddenLine xmlns="" xmlns:a16="http://schemas.microsoft.com/office/drawing/2014/main" xmlns:a14="http://schemas.microsoft.com/office/drawing/2010/main" w="9525">
+                <a14:hiddenLine xmlns:a14="http://schemas.microsoft.com/office/drawing/2010/main" xmlns:a16="http://schemas.microsoft.com/office/drawing/2014/main" xmlns="" w="9525">
                   <a:solidFill>
                     <a:srgbClr val="000000"/>
                   </a:solidFill>
@@ -15547,7 +15547,7 @@
             </a:ln>
             <a:extLst>
               <a:ext uri="{91240B29-F687-4f45-9708-019B960494DF}">
-                <a14:hiddenLine xmlns="" xmlns:a16="http://schemas.microsoft.com/office/drawing/2014/main" xmlns:a14="http://schemas.microsoft.com/office/drawing/2010/main" w="9525">
+                <a14:hiddenLine xmlns:a14="http://schemas.microsoft.com/office/drawing/2010/main" xmlns:a16="http://schemas.microsoft.com/office/drawing/2014/main" xmlns="" w="9525">
                   <a:solidFill>
                     <a:srgbClr val="000000"/>
                   </a:solidFill>
@@ -15652,7 +15652,7 @@
             </a:ln>
             <a:extLst>
               <a:ext uri="{91240B29-F687-4f45-9708-019B960494DF}">
-                <a14:hiddenLine xmlns="" xmlns:a16="http://schemas.microsoft.com/office/drawing/2014/main" xmlns:a14="http://schemas.microsoft.com/office/drawing/2010/main" w="9525">
+                <a14:hiddenLine xmlns:a14="http://schemas.microsoft.com/office/drawing/2010/main" xmlns:a16="http://schemas.microsoft.com/office/drawing/2014/main" xmlns="" w="9525">
                   <a:solidFill>
                     <a:srgbClr val="000000"/>
                   </a:solidFill>
@@ -15729,7 +15729,7 @@
             </a:ln>
             <a:extLst>
               <a:ext uri="{91240B29-F687-4f45-9708-019B960494DF}">
-                <a14:hiddenLine xmlns="" xmlns:a16="http://schemas.microsoft.com/office/drawing/2014/main" xmlns:a14="http://schemas.microsoft.com/office/drawing/2010/main" w="9525">
+                <a14:hiddenLine xmlns:a14="http://schemas.microsoft.com/office/drawing/2010/main" xmlns:a16="http://schemas.microsoft.com/office/drawing/2014/main" xmlns="" w="9525">
                   <a:solidFill>
                     <a:srgbClr val="000000"/>
                   </a:solidFill>
@@ -15806,7 +15806,7 @@
             </a:ln>
             <a:extLst>
               <a:ext uri="{91240B29-F687-4f45-9708-019B960494DF}">
-                <a14:hiddenLine xmlns="" xmlns:a16="http://schemas.microsoft.com/office/drawing/2014/main" xmlns:a14="http://schemas.microsoft.com/office/drawing/2010/main" w="9525">
+                <a14:hiddenLine xmlns:a14="http://schemas.microsoft.com/office/drawing/2010/main" xmlns:a16="http://schemas.microsoft.com/office/drawing/2014/main" xmlns="" w="9525">
                   <a:solidFill>
                     <a:srgbClr val="000000"/>
                   </a:solidFill>
@@ -15911,7 +15911,7 @@
             </a:ln>
             <a:extLst>
               <a:ext uri="{91240B29-F687-4f45-9708-019B960494DF}">
-                <a14:hiddenLine xmlns="" xmlns:a16="http://schemas.microsoft.com/office/drawing/2014/main" xmlns:a14="http://schemas.microsoft.com/office/drawing/2010/main" w="9525">
+                <a14:hiddenLine xmlns:a14="http://schemas.microsoft.com/office/drawing/2010/main" xmlns:a16="http://schemas.microsoft.com/office/drawing/2014/main" xmlns="" w="9525">
                   <a:solidFill>
                     <a:srgbClr val="000000"/>
                   </a:solidFill>
@@ -16016,7 +16016,7 @@
             </a:ln>
             <a:extLst>
               <a:ext uri="{91240B29-F687-4f45-9708-019B960494DF}">
-                <a14:hiddenLine xmlns="" xmlns:a16="http://schemas.microsoft.com/office/drawing/2014/main" xmlns:a14="http://schemas.microsoft.com/office/drawing/2010/main" w="9525">
+                <a14:hiddenLine xmlns:a14="http://schemas.microsoft.com/office/drawing/2010/main" xmlns:a16="http://schemas.microsoft.com/office/drawing/2014/main" xmlns="" w="9525">
                   <a:solidFill>
                     <a:srgbClr val="000000"/>
                   </a:solidFill>
@@ -16093,7 +16093,7 @@
             </a:ln>
             <a:extLst>
               <a:ext uri="{91240B29-F687-4f45-9708-019B960494DF}">
-                <a14:hiddenLine xmlns="" xmlns:a16="http://schemas.microsoft.com/office/drawing/2014/main" xmlns:a14="http://schemas.microsoft.com/office/drawing/2010/main" w="9525">
+                <a14:hiddenLine xmlns:a14="http://schemas.microsoft.com/office/drawing/2010/main" xmlns:a16="http://schemas.microsoft.com/office/drawing/2014/main" xmlns="" w="9525">
                   <a:solidFill>
                     <a:srgbClr val="000000"/>
                   </a:solidFill>
@@ -16218,7 +16218,7 @@
             </a:ln>
             <a:extLst>
               <a:ext uri="{91240B29-F687-4f45-9708-019B960494DF}">
-                <a14:hiddenLine xmlns="" xmlns:a16="http://schemas.microsoft.com/office/drawing/2014/main" xmlns:a14="http://schemas.microsoft.com/office/drawing/2010/main" w="9525">
+                <a14:hiddenLine xmlns:a14="http://schemas.microsoft.com/office/drawing/2010/main" xmlns:a16="http://schemas.microsoft.com/office/drawing/2014/main" xmlns="" w="9525">
                   <a:solidFill>
                     <a:srgbClr val="000000"/>
                   </a:solidFill>
@@ -16295,7 +16295,7 @@
             </a:ln>
             <a:extLst>
               <a:ext uri="{91240B29-F687-4f45-9708-019B960494DF}">
-                <a14:hiddenLine xmlns="" xmlns:a16="http://schemas.microsoft.com/office/drawing/2014/main" xmlns:a14="http://schemas.microsoft.com/office/drawing/2010/main" w="9525">
+                <a14:hiddenLine xmlns:a14="http://schemas.microsoft.com/office/drawing/2010/main" xmlns:a16="http://schemas.microsoft.com/office/drawing/2014/main" xmlns="" w="9525">
                   <a:solidFill>
                     <a:srgbClr val="000000"/>
                   </a:solidFill>
@@ -16400,7 +16400,7 @@
             </a:ln>
             <a:extLst>
               <a:ext uri="{91240B29-F687-4f45-9708-019B960494DF}">
-                <a14:hiddenLine xmlns="" xmlns:a16="http://schemas.microsoft.com/office/drawing/2014/main" xmlns:a14="http://schemas.microsoft.com/office/drawing/2010/main" w="9525">
+                <a14:hiddenLine xmlns:a14="http://schemas.microsoft.com/office/drawing/2010/main" xmlns:a16="http://schemas.microsoft.com/office/drawing/2014/main" xmlns="" w="9525">
                   <a:solidFill>
                     <a:srgbClr val="000000"/>
                   </a:solidFill>
@@ -16505,7 +16505,7 @@
             </a:ln>
             <a:extLst>
               <a:ext uri="{91240B29-F687-4f45-9708-019B960494DF}">
-                <a14:hiddenLine xmlns="" xmlns:a16="http://schemas.microsoft.com/office/drawing/2014/main" xmlns:a14="http://schemas.microsoft.com/office/drawing/2010/main" w="9525">
+                <a14:hiddenLine xmlns:a14="http://schemas.microsoft.com/office/drawing/2010/main" xmlns:a16="http://schemas.microsoft.com/office/drawing/2014/main" xmlns="" w="9525">
                   <a:solidFill>
                     <a:srgbClr val="000000"/>
                   </a:solidFill>
@@ -16582,7 +16582,7 @@
             </a:ln>
             <a:extLst>
               <a:ext uri="{91240B29-F687-4f45-9708-019B960494DF}">
-                <a14:hiddenLine xmlns="" xmlns:a16="http://schemas.microsoft.com/office/drawing/2014/main" xmlns:a14="http://schemas.microsoft.com/office/drawing/2010/main" w="9525">
+                <a14:hiddenLine xmlns:a14="http://schemas.microsoft.com/office/drawing/2010/main" xmlns:a16="http://schemas.microsoft.com/office/drawing/2014/main" xmlns="" w="9525">
                   <a:solidFill>
                     <a:srgbClr val="000000"/>
                   </a:solidFill>
@@ -16687,7 +16687,7 @@
             </a:ln>
             <a:extLst>
               <a:ext uri="{91240B29-F687-4f45-9708-019B960494DF}">
-                <a14:hiddenLine xmlns="" xmlns:a16="http://schemas.microsoft.com/office/drawing/2014/main" xmlns:a14="http://schemas.microsoft.com/office/drawing/2010/main" w="9525">
+                <a14:hiddenLine xmlns:a14="http://schemas.microsoft.com/office/drawing/2010/main" xmlns:a16="http://schemas.microsoft.com/office/drawing/2014/main" xmlns="" w="9525">
                   <a:solidFill>
                     <a:srgbClr val="000000"/>
                   </a:solidFill>
@@ -16792,7 +16792,7 @@
             </a:ln>
             <a:extLst>
               <a:ext uri="{91240B29-F687-4f45-9708-019B960494DF}">
-                <a14:hiddenLine xmlns="" xmlns:a16="http://schemas.microsoft.com/office/drawing/2014/main" xmlns:a14="http://schemas.microsoft.com/office/drawing/2010/main" w="9525">
+                <a14:hiddenLine xmlns:a14="http://schemas.microsoft.com/office/drawing/2010/main" xmlns:a16="http://schemas.microsoft.com/office/drawing/2014/main" xmlns="" w="9525">
                   <a:solidFill>
                     <a:srgbClr val="000000"/>
                   </a:solidFill>
@@ -16863,7 +16863,7 @@
             </a:ln>
             <a:extLst>
               <a:ext uri="{91240B29-F687-4f45-9708-019B960494DF}">
-                <a14:hiddenLine xmlns="" xmlns:a16="http://schemas.microsoft.com/office/drawing/2014/main" xmlns:a14="http://schemas.microsoft.com/office/drawing/2010/main" w="9525">
+                <a14:hiddenLine xmlns:a14="http://schemas.microsoft.com/office/drawing/2010/main" xmlns:a16="http://schemas.microsoft.com/office/drawing/2014/main" xmlns="" w="9525">
                   <a:solidFill>
                     <a:srgbClr val="000000"/>
                   </a:solidFill>
@@ -16968,7 +16968,7 @@
             </a:ln>
             <a:extLst>
               <a:ext uri="{91240B29-F687-4f45-9708-019B960494DF}">
-                <a14:hiddenLine xmlns="" xmlns:a16="http://schemas.microsoft.com/office/drawing/2014/main" xmlns:a14="http://schemas.microsoft.com/office/drawing/2010/main" w="9525">
+                <a14:hiddenLine xmlns:a14="http://schemas.microsoft.com/office/drawing/2010/main" xmlns:a16="http://schemas.microsoft.com/office/drawing/2014/main" xmlns="" w="9525">
                   <a:solidFill>
                     <a:srgbClr val="000000"/>
                   </a:solidFill>
@@ -17039,7 +17039,7 @@
             </a:ln>
             <a:extLst>
               <a:ext uri="{91240B29-F687-4f45-9708-019B960494DF}">
-                <a14:hiddenLine xmlns="" xmlns:a16="http://schemas.microsoft.com/office/drawing/2014/main" xmlns:a14="http://schemas.microsoft.com/office/drawing/2010/main" w="9525">
+                <a14:hiddenLine xmlns:a14="http://schemas.microsoft.com/office/drawing/2010/main" xmlns:a16="http://schemas.microsoft.com/office/drawing/2014/main" xmlns="" w="9525">
                   <a:solidFill>
                     <a:srgbClr val="000000"/>
                   </a:solidFill>
@@ -17144,7 +17144,7 @@
             </a:ln>
             <a:extLst>
               <a:ext uri="{91240B29-F687-4f45-9708-019B960494DF}">
-                <a14:hiddenLine xmlns="" xmlns:a16="http://schemas.microsoft.com/office/drawing/2014/main" xmlns:a14="http://schemas.microsoft.com/office/drawing/2010/main" w="9525">
+                <a14:hiddenLine xmlns:a14="http://schemas.microsoft.com/office/drawing/2010/main" xmlns:a16="http://schemas.microsoft.com/office/drawing/2014/main" xmlns="" w="9525">
                   <a:solidFill>
                     <a:srgbClr val="000000"/>
                   </a:solidFill>
@@ -17227,7 +17227,7 @@
             </a:ln>
             <a:extLst>
               <a:ext uri="{91240B29-F687-4f45-9708-019B960494DF}">
-                <a14:hiddenLine xmlns="" xmlns:a16="http://schemas.microsoft.com/office/drawing/2014/main" xmlns:a14="http://schemas.microsoft.com/office/drawing/2010/main" w="9525">
+                <a14:hiddenLine xmlns:a14="http://schemas.microsoft.com/office/drawing/2010/main" xmlns:a16="http://schemas.microsoft.com/office/drawing/2014/main" xmlns="" w="9525">
                   <a:solidFill>
                     <a:srgbClr val="000000"/>
                   </a:solidFill>
@@ -17332,7 +17332,7 @@
             </a:ln>
             <a:extLst>
               <a:ext uri="{91240B29-F687-4f45-9708-019B960494DF}">
-                <a14:hiddenLine xmlns="" xmlns:a16="http://schemas.microsoft.com/office/drawing/2014/main" xmlns:a14="http://schemas.microsoft.com/office/drawing/2010/main" w="9525">
+                <a14:hiddenLine xmlns:a14="http://schemas.microsoft.com/office/drawing/2010/main" xmlns:a16="http://schemas.microsoft.com/office/drawing/2014/main" xmlns="" w="9525">
                   <a:solidFill>
                     <a:srgbClr val="000000"/>
                   </a:solidFill>
@@ -17415,7 +17415,7 @@
             </a:ln>
             <a:extLst>
               <a:ext uri="{91240B29-F687-4f45-9708-019B960494DF}">
-                <a14:hiddenLine xmlns="" xmlns:a16="http://schemas.microsoft.com/office/drawing/2014/main" xmlns:a14="http://schemas.microsoft.com/office/drawing/2010/main" w="9525">
+                <a14:hiddenLine xmlns:a14="http://schemas.microsoft.com/office/drawing/2010/main" xmlns:a16="http://schemas.microsoft.com/office/drawing/2014/main" xmlns="" w="9525">
                   <a:solidFill>
                     <a:srgbClr val="000000"/>
                   </a:solidFill>
@@ -17520,7 +17520,7 @@
             </a:ln>
             <a:extLst>
               <a:ext uri="{91240B29-F687-4f45-9708-019B960494DF}">
-                <a14:hiddenLine xmlns="" xmlns:a16="http://schemas.microsoft.com/office/drawing/2014/main" xmlns:a14="http://schemas.microsoft.com/office/drawing/2010/main" w="9525">
+                <a14:hiddenLine xmlns:a14="http://schemas.microsoft.com/office/drawing/2010/main" xmlns:a16="http://schemas.microsoft.com/office/drawing/2014/main" xmlns="" w="9525">
                   <a:solidFill>
                     <a:srgbClr val="000000"/>
                   </a:solidFill>
@@ -17569,7 +17569,7 @@
             </a:ln>
             <a:extLst>
               <a:ext uri="{91240B29-F687-4f45-9708-019B960494DF}">
-                <a14:hiddenLine xmlns="" xmlns:a16="http://schemas.microsoft.com/office/drawing/2014/main" xmlns:a14="http://schemas.microsoft.com/office/drawing/2010/main" w="9525">
+                <a14:hiddenLine xmlns:a14="http://schemas.microsoft.com/office/drawing/2010/main" xmlns:a16="http://schemas.microsoft.com/office/drawing/2014/main" xmlns="" w="9525">
                   <a:solidFill>
                     <a:srgbClr val="000000"/>
                   </a:solidFill>
@@ -17674,7 +17674,7 @@
             </a:ln>
             <a:extLst>
               <a:ext uri="{91240B29-F687-4f45-9708-019B960494DF}">
-                <a14:hiddenLine xmlns="" xmlns:a16="http://schemas.microsoft.com/office/drawing/2014/main" xmlns:a14="http://schemas.microsoft.com/office/drawing/2010/main" w="9525">
+                <a14:hiddenLine xmlns:a14="http://schemas.microsoft.com/office/drawing/2010/main" xmlns:a16="http://schemas.microsoft.com/office/drawing/2014/main" xmlns="" w="9525">
                   <a:solidFill>
                     <a:srgbClr val="000000"/>
                   </a:solidFill>
@@ -17751,7 +17751,7 @@
             </a:ln>
             <a:extLst>
               <a:ext uri="{91240B29-F687-4f45-9708-019B960494DF}">
-                <a14:hiddenLine xmlns="" xmlns:a16="http://schemas.microsoft.com/office/drawing/2014/main" xmlns:a14="http://schemas.microsoft.com/office/drawing/2010/main" w="9525">
+                <a14:hiddenLine xmlns:a14="http://schemas.microsoft.com/office/drawing/2010/main" xmlns:a16="http://schemas.microsoft.com/office/drawing/2014/main" xmlns="" w="9525">
                   <a:solidFill>
                     <a:srgbClr val="000000"/>
                   </a:solidFill>
@@ -17828,7 +17828,7 @@
             </a:ln>
             <a:extLst>
               <a:ext uri="{91240B29-F687-4f45-9708-019B960494DF}">
-                <a14:hiddenLine xmlns="" xmlns:a16="http://schemas.microsoft.com/office/drawing/2014/main" xmlns:a14="http://schemas.microsoft.com/office/drawing/2010/main" w="9525">
+                <a14:hiddenLine xmlns:a14="http://schemas.microsoft.com/office/drawing/2010/main" xmlns:a16="http://schemas.microsoft.com/office/drawing/2014/main" xmlns="" w="9525">
                   <a:solidFill>
                     <a:srgbClr val="000000"/>
                   </a:solidFill>
@@ -17933,7 +17933,7 @@
             </a:ln>
             <a:extLst>
               <a:ext uri="{91240B29-F687-4f45-9708-019B960494DF}">
-                <a14:hiddenLine xmlns="" xmlns:a16="http://schemas.microsoft.com/office/drawing/2014/main" xmlns:a14="http://schemas.microsoft.com/office/drawing/2010/main" w="9525">
+                <a14:hiddenLine xmlns:a14="http://schemas.microsoft.com/office/drawing/2010/main" xmlns:a16="http://schemas.microsoft.com/office/drawing/2014/main" xmlns="" w="9525">
                   <a:solidFill>
                     <a:srgbClr val="000000"/>
                   </a:solidFill>
@@ -18016,7 +18016,7 @@
             </a:ln>
             <a:extLst>
               <a:ext uri="{91240B29-F687-4f45-9708-019B960494DF}">
-                <a14:hiddenLine xmlns="" xmlns:a16="http://schemas.microsoft.com/office/drawing/2014/main" xmlns:a14="http://schemas.microsoft.com/office/drawing/2010/main" w="9525">
+                <a14:hiddenLine xmlns:a14="http://schemas.microsoft.com/office/drawing/2010/main" xmlns:a16="http://schemas.microsoft.com/office/drawing/2014/main" xmlns="" w="9525">
                   <a:solidFill>
                     <a:srgbClr val="000000"/>
                   </a:solidFill>
@@ -18093,7 +18093,7 @@
             </a:ln>
             <a:extLst>
               <a:ext uri="{91240B29-F687-4f45-9708-019B960494DF}">
-                <a14:hiddenLine xmlns="" xmlns:a16="http://schemas.microsoft.com/office/drawing/2014/main" xmlns:a14="http://schemas.microsoft.com/office/drawing/2010/main" w="9525">
+                <a14:hiddenLine xmlns:a14="http://schemas.microsoft.com/office/drawing/2010/main" xmlns:a16="http://schemas.microsoft.com/office/drawing/2014/main" xmlns="" w="9525">
                   <a:solidFill>
                     <a:srgbClr val="000000"/>
                   </a:solidFill>
@@ -18198,7 +18198,7 @@
             </a:ln>
             <a:extLst>
               <a:ext uri="{91240B29-F687-4f45-9708-019B960494DF}">
-                <a14:hiddenLine xmlns="" xmlns:a16="http://schemas.microsoft.com/office/drawing/2014/main" xmlns:a14="http://schemas.microsoft.com/office/drawing/2010/main" w="9525">
+                <a14:hiddenLine xmlns:a14="http://schemas.microsoft.com/office/drawing/2010/main" xmlns:a16="http://schemas.microsoft.com/office/drawing/2014/main" xmlns="" w="9525">
                   <a:solidFill>
                     <a:srgbClr val="000000"/>
                   </a:solidFill>
@@ -18275,7 +18275,7 @@
             </a:ln>
             <a:extLst>
               <a:ext uri="{91240B29-F687-4f45-9708-019B960494DF}">
-                <a14:hiddenLine xmlns="" xmlns:a16="http://schemas.microsoft.com/office/drawing/2014/main" xmlns:a14="http://schemas.microsoft.com/office/drawing/2010/main" w="9525">
+                <a14:hiddenLine xmlns:a14="http://schemas.microsoft.com/office/drawing/2010/main" xmlns:a16="http://schemas.microsoft.com/office/drawing/2014/main" xmlns="" w="9525">
                   <a:solidFill>
                     <a:srgbClr val="000000"/>
                   </a:solidFill>
@@ -18380,7 +18380,7 @@
             </a:ln>
             <a:extLst>
               <a:ext uri="{91240B29-F687-4f45-9708-019B960494DF}">
-                <a14:hiddenLine xmlns="" xmlns:a16="http://schemas.microsoft.com/office/drawing/2014/main" xmlns:a14="http://schemas.microsoft.com/office/drawing/2010/main" w="9525">
+                <a14:hiddenLine xmlns:a14="http://schemas.microsoft.com/office/drawing/2010/main" xmlns:a16="http://schemas.microsoft.com/office/drawing/2014/main" xmlns="" w="9525">
                   <a:solidFill>
                     <a:srgbClr val="000000"/>
                   </a:solidFill>
@@ -18457,7 +18457,7 @@
             </a:ln>
             <a:extLst>
               <a:ext uri="{91240B29-F687-4f45-9708-019B960494DF}">
-                <a14:hiddenLine xmlns="" xmlns:a16="http://schemas.microsoft.com/office/drawing/2014/main" xmlns:a14="http://schemas.microsoft.com/office/drawing/2010/main" w="9525">
+                <a14:hiddenLine xmlns:a14="http://schemas.microsoft.com/office/drawing/2010/main" xmlns:a16="http://schemas.microsoft.com/office/drawing/2014/main" xmlns="" w="9525">
                   <a:solidFill>
                     <a:srgbClr val="000000"/>
                   </a:solidFill>
@@ -18562,7 +18562,7 @@
             </a:ln>
             <a:extLst>
               <a:ext uri="{91240B29-F687-4f45-9708-019B960494DF}">
-                <a14:hiddenLine xmlns="" xmlns:a16="http://schemas.microsoft.com/office/drawing/2014/main" xmlns:a14="http://schemas.microsoft.com/office/drawing/2010/main" w="9525">
+                <a14:hiddenLine xmlns:a14="http://schemas.microsoft.com/office/drawing/2010/main" xmlns:a16="http://schemas.microsoft.com/office/drawing/2014/main" xmlns="" w="9525">
                   <a:solidFill>
                     <a:srgbClr val="000000"/>
                   </a:solidFill>
@@ -18611,7 +18611,7 @@
             </a:ln>
             <a:extLst>
               <a:ext uri="{91240B29-F687-4f45-9708-019B960494DF}">
-                <a14:hiddenLine xmlns="" xmlns:a16="http://schemas.microsoft.com/office/drawing/2014/main" xmlns:a14="http://schemas.microsoft.com/office/drawing/2010/main" w="9525">
+                <a14:hiddenLine xmlns:a14="http://schemas.microsoft.com/office/drawing/2010/main" xmlns:a16="http://schemas.microsoft.com/office/drawing/2014/main" xmlns="" w="9525">
                   <a:solidFill>
                     <a:srgbClr val="000000"/>
                   </a:solidFill>
@@ -18691,7 +18691,7 @@
             </a:ln>
             <a:extLst>
               <a:ext uri="{91240B29-F687-4f45-9708-019B960494DF}">
-                <a14:hiddenLine xmlns="" xmlns:a16="http://schemas.microsoft.com/office/drawing/2014/main" xmlns:a14="http://schemas.microsoft.com/office/drawing/2010/main" w="9525">
+                <a14:hiddenLine xmlns:a14="http://schemas.microsoft.com/office/drawing/2010/main" xmlns:a16="http://schemas.microsoft.com/office/drawing/2014/main" xmlns="" w="9525">
                   <a:solidFill>
                     <a:srgbClr val="000000"/>
                   </a:solidFill>
@@ -18796,7 +18796,7 @@
             </a:ln>
             <a:extLst>
               <a:ext uri="{91240B29-F687-4f45-9708-019B960494DF}">
-                <a14:hiddenLine xmlns="" xmlns:a16="http://schemas.microsoft.com/office/drawing/2014/main" xmlns:a14="http://schemas.microsoft.com/office/drawing/2010/main" w="9525">
+                <a14:hiddenLine xmlns:a14="http://schemas.microsoft.com/office/drawing/2010/main" xmlns:a16="http://schemas.microsoft.com/office/drawing/2014/main" xmlns="" w="9525">
                   <a:solidFill>
                     <a:srgbClr val="000000"/>
                   </a:solidFill>
@@ -18873,7 +18873,7 @@
             </a:ln>
             <a:extLst>
               <a:ext uri="{91240B29-F687-4f45-9708-019B960494DF}">
-                <a14:hiddenLine xmlns="" xmlns:a16="http://schemas.microsoft.com/office/drawing/2014/main" xmlns:a14="http://schemas.microsoft.com/office/drawing/2010/main" w="9525">
+                <a14:hiddenLine xmlns:a14="http://schemas.microsoft.com/office/drawing/2010/main" xmlns:a16="http://schemas.microsoft.com/office/drawing/2014/main" xmlns="" w="9525">
                   <a:solidFill>
                     <a:srgbClr val="000000"/>
                   </a:solidFill>
@@ -18978,7 +18978,7 @@
             </a:ln>
             <a:extLst>
               <a:ext uri="{91240B29-F687-4f45-9708-019B960494DF}">
-                <a14:hiddenLine xmlns="" xmlns:a16="http://schemas.microsoft.com/office/drawing/2014/main" xmlns:a14="http://schemas.microsoft.com/office/drawing/2010/main" w="9525">
+                <a14:hiddenLine xmlns:a14="http://schemas.microsoft.com/office/drawing/2010/main" xmlns:a16="http://schemas.microsoft.com/office/drawing/2014/main" xmlns="" w="9525">
                   <a:solidFill>
                     <a:srgbClr val="000000"/>
                   </a:solidFill>
@@ -19083,7 +19083,7 @@
             </a:ln>
             <a:extLst>
               <a:ext uri="{91240B29-F687-4f45-9708-019B960494DF}">
-                <a14:hiddenLine xmlns="" xmlns:a16="http://schemas.microsoft.com/office/drawing/2014/main" xmlns:a14="http://schemas.microsoft.com/office/drawing/2010/main" w="9525">
+                <a14:hiddenLine xmlns:a14="http://schemas.microsoft.com/office/drawing/2010/main" xmlns:a16="http://schemas.microsoft.com/office/drawing/2014/main" xmlns="" w="9525">
                   <a:solidFill>
                     <a:srgbClr val="000000"/>
                   </a:solidFill>
@@ -19163,7 +19163,7 @@
             </a:ln>
             <a:extLst>
               <a:ext uri="{91240B29-F687-4f45-9708-019B960494DF}">
-                <a14:hiddenLine xmlns="" xmlns:a16="http://schemas.microsoft.com/office/drawing/2014/main" xmlns:a14="http://schemas.microsoft.com/office/drawing/2010/main" w="9525">
+                <a14:hiddenLine xmlns:a14="http://schemas.microsoft.com/office/drawing/2010/main" xmlns:a16="http://schemas.microsoft.com/office/drawing/2014/main" xmlns="" w="9525">
                   <a:solidFill>
                     <a:srgbClr val="000000"/>
                   </a:solidFill>
@@ -19240,7 +19240,7 @@
             </a:ln>
             <a:extLst>
               <a:ext uri="{91240B29-F687-4f45-9708-019B960494DF}">
-                <a14:hiddenLine xmlns="" xmlns:a16="http://schemas.microsoft.com/office/drawing/2014/main" xmlns:a14="http://schemas.microsoft.com/office/drawing/2010/main" w="9525">
+                <a14:hiddenLine xmlns:a14="http://schemas.microsoft.com/office/drawing/2010/main" xmlns:a16="http://schemas.microsoft.com/office/drawing/2014/main" xmlns="" w="9525">
                   <a:solidFill>
                     <a:srgbClr val="000000"/>
                   </a:solidFill>
@@ -19345,7 +19345,7 @@
             </a:ln>
             <a:extLst>
               <a:ext uri="{91240B29-F687-4f45-9708-019B960494DF}">
-                <a14:hiddenLine xmlns="" xmlns:a16="http://schemas.microsoft.com/office/drawing/2014/main" xmlns:a14="http://schemas.microsoft.com/office/drawing/2010/main" w="9525">
+                <a14:hiddenLine xmlns:a14="http://schemas.microsoft.com/office/drawing/2010/main" xmlns:a16="http://schemas.microsoft.com/office/drawing/2014/main" xmlns="" w="9525">
                   <a:solidFill>
                     <a:srgbClr val="000000"/>
                   </a:solidFill>
@@ -19450,7 +19450,7 @@
             </a:ln>
             <a:extLst>
               <a:ext uri="{91240B29-F687-4f45-9708-019B960494DF}">
-                <a14:hiddenLine xmlns="" xmlns:a16="http://schemas.microsoft.com/office/drawing/2014/main" xmlns:a14="http://schemas.microsoft.com/office/drawing/2010/main" w="9525">
+                <a14:hiddenLine xmlns:a14="http://schemas.microsoft.com/office/drawing/2010/main" xmlns:a16="http://schemas.microsoft.com/office/drawing/2014/main" xmlns="" w="9525">
                   <a:solidFill>
                     <a:srgbClr val="000000"/>
                   </a:solidFill>
@@ -19527,7 +19527,7 @@
             </a:ln>
             <a:extLst>
               <a:ext uri="{91240B29-F687-4f45-9708-019B960494DF}">
-                <a14:hiddenLine xmlns="" xmlns:a16="http://schemas.microsoft.com/office/drawing/2014/main" xmlns:a14="http://schemas.microsoft.com/office/drawing/2010/main" w="9525">
+                <a14:hiddenLine xmlns:a14="http://schemas.microsoft.com/office/drawing/2010/main" xmlns:a16="http://schemas.microsoft.com/office/drawing/2014/main" xmlns="" w="9525">
                   <a:solidFill>
                     <a:srgbClr val="000000"/>
                   </a:solidFill>
@@ -19662,7 +19662,7 @@
             </a:ln>
             <a:extLst>
               <a:ext uri="{91240B29-F687-4f45-9708-019B960494DF}">
-                <a14:hiddenLine xmlns="" xmlns:a16="http://schemas.microsoft.com/office/drawing/2014/main" xmlns:a14="http://schemas.microsoft.com/office/drawing/2010/main" w="9525">
+                <a14:hiddenLine xmlns:a14="http://schemas.microsoft.com/office/drawing/2010/main" xmlns:a16="http://schemas.microsoft.com/office/drawing/2014/main" xmlns="" w="9525">
                   <a:solidFill>
                     <a:srgbClr val="000000"/>
                   </a:solidFill>
@@ -19745,7 +19745,7 @@
             </a:ln>
             <a:extLst>
               <a:ext uri="{91240B29-F687-4f45-9708-019B960494DF}">
-                <a14:hiddenLine xmlns="" xmlns:a16="http://schemas.microsoft.com/office/drawing/2014/main" xmlns:a14="http://schemas.microsoft.com/office/drawing/2010/main" w="9525">
+                <a14:hiddenLine xmlns:a14="http://schemas.microsoft.com/office/drawing/2010/main" xmlns:a16="http://schemas.microsoft.com/office/drawing/2014/main" xmlns="" w="9525">
                   <a:solidFill>
                     <a:srgbClr val="000000"/>
                   </a:solidFill>
@@ -19850,7 +19850,7 @@
             </a:ln>
             <a:extLst>
               <a:ext uri="{91240B29-F687-4f45-9708-019B960494DF}">
-                <a14:hiddenLine xmlns="" xmlns:a16="http://schemas.microsoft.com/office/drawing/2014/main" xmlns:a14="http://schemas.microsoft.com/office/drawing/2010/main" w="9525">
+                <a14:hiddenLine xmlns:a14="http://schemas.microsoft.com/office/drawing/2010/main" xmlns:a16="http://schemas.microsoft.com/office/drawing/2014/main" xmlns="" w="9525">
                   <a:solidFill>
                     <a:srgbClr val="000000"/>
                   </a:solidFill>
@@ -19997,7 +19997,7 @@
             </a:ln>
             <a:extLst>
               <a:ext uri="{91240B29-F687-4f45-9708-019B960494DF}">
-                <a14:hiddenLine xmlns="" xmlns:a16="http://schemas.microsoft.com/office/drawing/2014/main" xmlns:p14="http://schemas.microsoft.com/office/powerpoint/2010/main" xmlns:a14="http://schemas.microsoft.com/office/drawing/2010/main" w="9525">
+                <a14:hiddenLine xmlns:a14="http://schemas.microsoft.com/office/drawing/2010/main" xmlns:p14="http://schemas.microsoft.com/office/powerpoint/2010/main" xmlns:a16="http://schemas.microsoft.com/office/drawing/2014/main" xmlns="" w="9525">
                   <a:solidFill>
                     <a:srgbClr val="000000"/>
                   </a:solidFill>
@@ -20102,7 +20102,7 @@
             </a:ln>
             <a:extLst>
               <a:ext uri="{91240B29-F687-4f45-9708-019B960494DF}">
-                <a14:hiddenLine xmlns="" xmlns:a16="http://schemas.microsoft.com/office/drawing/2014/main" xmlns:p14="http://schemas.microsoft.com/office/powerpoint/2010/main" xmlns:a14="http://schemas.microsoft.com/office/drawing/2010/main" w="9525">
+                <a14:hiddenLine xmlns:a14="http://schemas.microsoft.com/office/drawing/2010/main" xmlns:p14="http://schemas.microsoft.com/office/powerpoint/2010/main" xmlns:a16="http://schemas.microsoft.com/office/drawing/2014/main" xmlns="" w="9525">
                   <a:solidFill>
                     <a:srgbClr val="000000"/>
                   </a:solidFill>
@@ -20207,7 +20207,7 @@
             </a:ln>
             <a:extLst>
               <a:ext uri="{91240B29-F687-4f45-9708-019B960494DF}">
-                <a14:hiddenLine xmlns="" xmlns:a16="http://schemas.microsoft.com/office/drawing/2014/main" xmlns:p14="http://schemas.microsoft.com/office/powerpoint/2010/main" xmlns:a14="http://schemas.microsoft.com/office/drawing/2010/main" w="9525">
+                <a14:hiddenLine xmlns:a14="http://schemas.microsoft.com/office/drawing/2010/main" xmlns:p14="http://schemas.microsoft.com/office/powerpoint/2010/main" xmlns:a16="http://schemas.microsoft.com/office/drawing/2014/main" xmlns="" w="9525">
                   <a:solidFill>
                     <a:srgbClr val="000000"/>
                   </a:solidFill>
@@ -20256,7 +20256,7 @@
             </a:ln>
             <a:extLst>
               <a:ext uri="{91240B29-F687-4f45-9708-019B960494DF}">
-                <a14:hiddenLine xmlns="" xmlns:a16="http://schemas.microsoft.com/office/drawing/2014/main" xmlns:p14="http://schemas.microsoft.com/office/powerpoint/2010/main" xmlns:a14="http://schemas.microsoft.com/office/drawing/2010/main" w="9525">
+                <a14:hiddenLine xmlns:a14="http://schemas.microsoft.com/office/drawing/2010/main" xmlns:p14="http://schemas.microsoft.com/office/powerpoint/2010/main" xmlns:a16="http://schemas.microsoft.com/office/drawing/2014/main" xmlns="" w="9525">
                   <a:solidFill>
                     <a:srgbClr val="000000"/>
                   </a:solidFill>
@@ -20361,7 +20361,7 @@
             </a:ln>
             <a:extLst>
               <a:ext uri="{91240B29-F687-4f45-9708-019B960494DF}">
-                <a14:hiddenLine xmlns="" xmlns:a16="http://schemas.microsoft.com/office/drawing/2014/main" xmlns:p14="http://schemas.microsoft.com/office/powerpoint/2010/main" xmlns:a14="http://schemas.microsoft.com/office/drawing/2010/main" w="9525">
+                <a14:hiddenLine xmlns:a14="http://schemas.microsoft.com/office/drawing/2010/main" xmlns:p14="http://schemas.microsoft.com/office/powerpoint/2010/main" xmlns:a16="http://schemas.microsoft.com/office/drawing/2014/main" xmlns="" w="9525">
                   <a:solidFill>
                     <a:srgbClr val="000000"/>
                   </a:solidFill>
@@ -20438,7 +20438,7 @@
             </a:ln>
             <a:extLst>
               <a:ext uri="{91240B29-F687-4f45-9708-019B960494DF}">
-                <a14:hiddenLine xmlns="" xmlns:a16="http://schemas.microsoft.com/office/drawing/2014/main" xmlns:p14="http://schemas.microsoft.com/office/powerpoint/2010/main" xmlns:a14="http://schemas.microsoft.com/office/drawing/2010/main" w="9525">
+                <a14:hiddenLine xmlns:a14="http://schemas.microsoft.com/office/drawing/2010/main" xmlns:p14="http://schemas.microsoft.com/office/powerpoint/2010/main" xmlns:a16="http://schemas.microsoft.com/office/drawing/2014/main" xmlns="" w="9525">
                   <a:solidFill>
                     <a:srgbClr val="000000"/>
                   </a:solidFill>
@@ -20515,7 +20515,7 @@
             </a:ln>
             <a:extLst>
               <a:ext uri="{91240B29-F687-4f45-9708-019B960494DF}">
-                <a14:hiddenLine xmlns="" xmlns:a16="http://schemas.microsoft.com/office/drawing/2014/main" xmlns:p14="http://schemas.microsoft.com/office/powerpoint/2010/main" xmlns:a14="http://schemas.microsoft.com/office/drawing/2010/main" w="9525">
+                <a14:hiddenLine xmlns:a14="http://schemas.microsoft.com/office/drawing/2010/main" xmlns:p14="http://schemas.microsoft.com/office/powerpoint/2010/main" xmlns:a16="http://schemas.microsoft.com/office/drawing/2014/main" xmlns="" w="9525">
                   <a:solidFill>
                     <a:srgbClr val="000000"/>
                   </a:solidFill>
@@ -20620,7 +20620,7 @@
             </a:ln>
             <a:extLst>
               <a:ext uri="{91240B29-F687-4f45-9708-019B960494DF}">
-                <a14:hiddenLine xmlns="" xmlns:a16="http://schemas.microsoft.com/office/drawing/2014/main" xmlns:p14="http://schemas.microsoft.com/office/powerpoint/2010/main" xmlns:a14="http://schemas.microsoft.com/office/drawing/2010/main" w="9525">
+                <a14:hiddenLine xmlns:a14="http://schemas.microsoft.com/office/drawing/2010/main" xmlns:p14="http://schemas.microsoft.com/office/powerpoint/2010/main" xmlns:a16="http://schemas.microsoft.com/office/drawing/2014/main" xmlns="" w="9525">
                   <a:solidFill>
                     <a:srgbClr val="000000"/>
                   </a:solidFill>
@@ -20697,7 +20697,7 @@
             </a:ln>
             <a:extLst>
               <a:ext uri="{91240B29-F687-4f45-9708-019B960494DF}">
-                <a14:hiddenLine xmlns="" xmlns:a16="http://schemas.microsoft.com/office/drawing/2014/main" xmlns:p14="http://schemas.microsoft.com/office/powerpoint/2010/main" xmlns:a14="http://schemas.microsoft.com/office/drawing/2010/main" w="9525">
+                <a14:hiddenLine xmlns:a14="http://schemas.microsoft.com/office/drawing/2010/main" xmlns:p14="http://schemas.microsoft.com/office/powerpoint/2010/main" xmlns:a16="http://schemas.microsoft.com/office/drawing/2014/main" xmlns="" w="9525">
                   <a:solidFill>
                     <a:srgbClr val="000000"/>
                   </a:solidFill>
@@ -20774,7 +20774,7 @@
             </a:ln>
             <a:extLst>
               <a:ext uri="{91240B29-F687-4f45-9708-019B960494DF}">
-                <a14:hiddenLine xmlns="" xmlns:a16="http://schemas.microsoft.com/office/drawing/2014/main" xmlns:p14="http://schemas.microsoft.com/office/powerpoint/2010/main" xmlns:a14="http://schemas.microsoft.com/office/drawing/2010/main" w="9525">
+                <a14:hiddenLine xmlns:a14="http://schemas.microsoft.com/office/drawing/2010/main" xmlns:p14="http://schemas.microsoft.com/office/powerpoint/2010/main" xmlns:a16="http://schemas.microsoft.com/office/drawing/2014/main" xmlns="" w="9525">
                   <a:solidFill>
                     <a:srgbClr val="000000"/>
                   </a:solidFill>
@@ -20879,7 +20879,7 @@
             </a:ln>
             <a:extLst>
               <a:ext uri="{91240B29-F687-4f45-9708-019B960494DF}">
-                <a14:hiddenLine xmlns="" xmlns:a16="http://schemas.microsoft.com/office/drawing/2014/main" xmlns:p14="http://schemas.microsoft.com/office/powerpoint/2010/main" xmlns:a14="http://schemas.microsoft.com/office/drawing/2010/main" w="9525">
+                <a14:hiddenLine xmlns:a14="http://schemas.microsoft.com/office/drawing/2010/main" xmlns:p14="http://schemas.microsoft.com/office/powerpoint/2010/main" xmlns:a16="http://schemas.microsoft.com/office/drawing/2014/main" xmlns="" w="9525">
                   <a:solidFill>
                     <a:srgbClr val="000000"/>
                   </a:solidFill>
@@ -20984,7 +20984,7 @@
             </a:ln>
             <a:extLst>
               <a:ext uri="{91240B29-F687-4f45-9708-019B960494DF}">
-                <a14:hiddenLine xmlns="" xmlns:a16="http://schemas.microsoft.com/office/drawing/2014/main" xmlns:p14="http://schemas.microsoft.com/office/powerpoint/2010/main" xmlns:a14="http://schemas.microsoft.com/office/drawing/2010/main" w="9525">
+                <a14:hiddenLine xmlns:a14="http://schemas.microsoft.com/office/drawing/2010/main" xmlns:p14="http://schemas.microsoft.com/office/powerpoint/2010/main" xmlns:a16="http://schemas.microsoft.com/office/drawing/2014/main" xmlns="" w="9525">
                   <a:solidFill>
                     <a:srgbClr val="000000"/>
                   </a:solidFill>
@@ -21061,7 +21061,7 @@
             </a:ln>
             <a:extLst>
               <a:ext uri="{91240B29-F687-4f45-9708-019B960494DF}">
-                <a14:hiddenLine xmlns="" xmlns:a16="http://schemas.microsoft.com/office/drawing/2014/main" xmlns:p14="http://schemas.microsoft.com/office/powerpoint/2010/main" xmlns:a14="http://schemas.microsoft.com/office/drawing/2010/main" w="9525">
+                <a14:hiddenLine xmlns:a14="http://schemas.microsoft.com/office/drawing/2010/main" xmlns:p14="http://schemas.microsoft.com/office/powerpoint/2010/main" xmlns:a16="http://schemas.microsoft.com/office/drawing/2014/main" xmlns="" w="9525">
                   <a:solidFill>
                     <a:srgbClr val="000000"/>
                   </a:solidFill>
@@ -21186,7 +21186,7 @@
             </a:ln>
             <a:extLst>
               <a:ext uri="{91240B29-F687-4f45-9708-019B960494DF}">
-                <a14:hiddenLine xmlns="" xmlns:a16="http://schemas.microsoft.com/office/drawing/2014/main" xmlns:p14="http://schemas.microsoft.com/office/powerpoint/2010/main" xmlns:a14="http://schemas.microsoft.com/office/drawing/2010/main" w="9525">
+                <a14:hiddenLine xmlns:a14="http://schemas.microsoft.com/office/drawing/2010/main" xmlns:p14="http://schemas.microsoft.com/office/powerpoint/2010/main" xmlns:a16="http://schemas.microsoft.com/office/drawing/2014/main" xmlns="" w="9525">
                   <a:solidFill>
                     <a:srgbClr val="000000"/>
                   </a:solidFill>
@@ -21263,7 +21263,7 @@
             </a:ln>
             <a:extLst>
               <a:ext uri="{91240B29-F687-4f45-9708-019B960494DF}">
-                <a14:hiddenLine xmlns="" xmlns:a16="http://schemas.microsoft.com/office/drawing/2014/main" xmlns:p14="http://schemas.microsoft.com/office/powerpoint/2010/main" xmlns:a14="http://schemas.microsoft.com/office/drawing/2010/main" w="9525">
+                <a14:hiddenLine xmlns:a14="http://schemas.microsoft.com/office/drawing/2010/main" xmlns:p14="http://schemas.microsoft.com/office/powerpoint/2010/main" xmlns:a16="http://schemas.microsoft.com/office/drawing/2014/main" xmlns="" w="9525">
                   <a:solidFill>
                     <a:srgbClr val="000000"/>
                   </a:solidFill>
@@ -21368,7 +21368,7 @@
             </a:ln>
             <a:extLst>
               <a:ext uri="{91240B29-F687-4f45-9708-019B960494DF}">
-                <a14:hiddenLine xmlns="" xmlns:a16="http://schemas.microsoft.com/office/drawing/2014/main" xmlns:p14="http://schemas.microsoft.com/office/powerpoint/2010/main" xmlns:a14="http://schemas.microsoft.com/office/drawing/2010/main" w="9525">
+                <a14:hiddenLine xmlns:a14="http://schemas.microsoft.com/office/drawing/2010/main" xmlns:p14="http://schemas.microsoft.com/office/powerpoint/2010/main" xmlns:a16="http://schemas.microsoft.com/office/drawing/2014/main" xmlns="" w="9525">
                   <a:solidFill>
                     <a:srgbClr val="000000"/>
                   </a:solidFill>
@@ -21473,7 +21473,7 @@
             </a:ln>
             <a:extLst>
               <a:ext uri="{91240B29-F687-4f45-9708-019B960494DF}">
-                <a14:hiddenLine xmlns="" xmlns:a16="http://schemas.microsoft.com/office/drawing/2014/main" xmlns:p14="http://schemas.microsoft.com/office/powerpoint/2010/main" xmlns:a14="http://schemas.microsoft.com/office/drawing/2010/main" w="9525">
+                <a14:hiddenLine xmlns:a14="http://schemas.microsoft.com/office/drawing/2010/main" xmlns:p14="http://schemas.microsoft.com/office/powerpoint/2010/main" xmlns:a16="http://schemas.microsoft.com/office/drawing/2014/main" xmlns="" w="9525">
                   <a:solidFill>
                     <a:srgbClr val="000000"/>
                   </a:solidFill>
@@ -21550,7 +21550,7 @@
             </a:ln>
             <a:extLst>
               <a:ext uri="{91240B29-F687-4f45-9708-019B960494DF}">
-                <a14:hiddenLine xmlns="" xmlns:a16="http://schemas.microsoft.com/office/drawing/2014/main" xmlns:p14="http://schemas.microsoft.com/office/powerpoint/2010/main" xmlns:a14="http://schemas.microsoft.com/office/drawing/2010/main" w="9525">
+                <a14:hiddenLine xmlns:a14="http://schemas.microsoft.com/office/drawing/2010/main" xmlns:p14="http://schemas.microsoft.com/office/powerpoint/2010/main" xmlns:a16="http://schemas.microsoft.com/office/drawing/2014/main" xmlns="" w="9525">
                   <a:solidFill>
                     <a:srgbClr val="000000"/>
                   </a:solidFill>
@@ -21655,7 +21655,7 @@
             </a:ln>
             <a:extLst>
               <a:ext uri="{91240B29-F687-4f45-9708-019B960494DF}">
-                <a14:hiddenLine xmlns="" xmlns:a16="http://schemas.microsoft.com/office/drawing/2014/main" xmlns:p14="http://schemas.microsoft.com/office/powerpoint/2010/main" xmlns:a14="http://schemas.microsoft.com/office/drawing/2010/main" w="9525">
+                <a14:hiddenLine xmlns:a14="http://schemas.microsoft.com/office/drawing/2010/main" xmlns:p14="http://schemas.microsoft.com/office/powerpoint/2010/main" xmlns:a16="http://schemas.microsoft.com/office/drawing/2014/main" xmlns="" w="9525">
                   <a:solidFill>
                     <a:srgbClr val="000000"/>
                   </a:solidFill>
@@ -21760,7 +21760,7 @@
             </a:ln>
             <a:extLst>
               <a:ext uri="{91240B29-F687-4f45-9708-019B960494DF}">
-                <a14:hiddenLine xmlns="" xmlns:a16="http://schemas.microsoft.com/office/drawing/2014/main" xmlns:p14="http://schemas.microsoft.com/office/powerpoint/2010/main" xmlns:a14="http://schemas.microsoft.com/office/drawing/2010/main" w="9525">
+                <a14:hiddenLine xmlns:a14="http://schemas.microsoft.com/office/drawing/2010/main" xmlns:p14="http://schemas.microsoft.com/office/powerpoint/2010/main" xmlns:a16="http://schemas.microsoft.com/office/drawing/2014/main" xmlns="" w="9525">
                   <a:solidFill>
                     <a:srgbClr val="000000"/>
                   </a:solidFill>
@@ -21831,7 +21831,7 @@
             </a:ln>
             <a:extLst>
               <a:ext uri="{91240B29-F687-4f45-9708-019B960494DF}">
-                <a14:hiddenLine xmlns="" xmlns:a16="http://schemas.microsoft.com/office/drawing/2014/main" xmlns:p14="http://schemas.microsoft.com/office/powerpoint/2010/main" xmlns:a14="http://schemas.microsoft.com/office/drawing/2010/main" w="9525">
+                <a14:hiddenLine xmlns:a14="http://schemas.microsoft.com/office/drawing/2010/main" xmlns:p14="http://schemas.microsoft.com/office/powerpoint/2010/main" xmlns:a16="http://schemas.microsoft.com/office/drawing/2014/main" xmlns="" w="9525">
                   <a:solidFill>
                     <a:srgbClr val="000000"/>
                   </a:solidFill>
@@ -21936,7 +21936,7 @@
             </a:ln>
             <a:extLst>
               <a:ext uri="{91240B29-F687-4f45-9708-019B960494DF}">
-                <a14:hiddenLine xmlns="" xmlns:a16="http://schemas.microsoft.com/office/drawing/2014/main" xmlns:p14="http://schemas.microsoft.com/office/powerpoint/2010/main" xmlns:a14="http://schemas.microsoft.com/office/drawing/2010/main" w="9525">
+                <a14:hiddenLine xmlns:a14="http://schemas.microsoft.com/office/drawing/2010/main" xmlns:p14="http://schemas.microsoft.com/office/powerpoint/2010/main" xmlns:a16="http://schemas.microsoft.com/office/drawing/2014/main" xmlns="" w="9525">
                   <a:solidFill>
                     <a:srgbClr val="000000"/>
                   </a:solidFill>
@@ -22007,7 +22007,7 @@
             </a:ln>
             <a:extLst>
               <a:ext uri="{91240B29-F687-4f45-9708-019B960494DF}">
-                <a14:hiddenLine xmlns="" xmlns:a16="http://schemas.microsoft.com/office/drawing/2014/main" xmlns:p14="http://schemas.microsoft.com/office/powerpoint/2010/main" xmlns:a14="http://schemas.microsoft.com/office/drawing/2010/main" w="9525">
+                <a14:hiddenLine xmlns:a14="http://schemas.microsoft.com/office/drawing/2010/main" xmlns:p14="http://schemas.microsoft.com/office/powerpoint/2010/main" xmlns:a16="http://schemas.microsoft.com/office/drawing/2014/main" xmlns="" w="9525">
                   <a:solidFill>
                     <a:srgbClr val="000000"/>
                   </a:solidFill>
@@ -22112,7 +22112,7 @@
             </a:ln>
             <a:extLst>
               <a:ext uri="{91240B29-F687-4f45-9708-019B960494DF}">
-                <a14:hiddenLine xmlns="" xmlns:a16="http://schemas.microsoft.com/office/drawing/2014/main" xmlns:p14="http://schemas.microsoft.com/office/powerpoint/2010/main" xmlns:a14="http://schemas.microsoft.com/office/drawing/2010/main" w="9525">
+                <a14:hiddenLine xmlns:a14="http://schemas.microsoft.com/office/drawing/2010/main" xmlns:p14="http://schemas.microsoft.com/office/powerpoint/2010/main" xmlns:a16="http://schemas.microsoft.com/office/drawing/2014/main" xmlns="" w="9525">
                   <a:solidFill>
                     <a:srgbClr val="000000"/>
                   </a:solidFill>
@@ -22195,7 +22195,7 @@
             </a:ln>
             <a:extLst>
               <a:ext uri="{91240B29-F687-4f45-9708-019B960494DF}">
-                <a14:hiddenLine xmlns="" xmlns:a16="http://schemas.microsoft.com/office/drawing/2014/main" xmlns:p14="http://schemas.microsoft.com/office/powerpoint/2010/main" xmlns:a14="http://schemas.microsoft.com/office/drawing/2010/main" w="9525">
+                <a14:hiddenLine xmlns:a14="http://schemas.microsoft.com/office/drawing/2010/main" xmlns:p14="http://schemas.microsoft.com/office/powerpoint/2010/main" xmlns:a16="http://schemas.microsoft.com/office/drawing/2014/main" xmlns="" w="9525">
                   <a:solidFill>
                     <a:srgbClr val="000000"/>
                   </a:solidFill>
@@ -22300,7 +22300,7 @@
             </a:ln>
             <a:extLst>
               <a:ext uri="{91240B29-F687-4f45-9708-019B960494DF}">
-                <a14:hiddenLine xmlns="" xmlns:a16="http://schemas.microsoft.com/office/drawing/2014/main" xmlns:p14="http://schemas.microsoft.com/office/powerpoint/2010/main" xmlns:a14="http://schemas.microsoft.com/office/drawing/2010/main" w="9525">
+                <a14:hiddenLine xmlns:a14="http://schemas.microsoft.com/office/drawing/2010/main" xmlns:p14="http://schemas.microsoft.com/office/powerpoint/2010/main" xmlns:a16="http://schemas.microsoft.com/office/drawing/2014/main" xmlns="" w="9525">
                   <a:solidFill>
                     <a:srgbClr val="000000"/>
                   </a:solidFill>
@@ -22383,7 +22383,7 @@
             </a:ln>
             <a:extLst>
               <a:ext uri="{91240B29-F687-4f45-9708-019B960494DF}">
-                <a14:hiddenLine xmlns="" xmlns:a16="http://schemas.microsoft.com/office/drawing/2014/main" xmlns:p14="http://schemas.microsoft.com/office/powerpoint/2010/main" xmlns:a14="http://schemas.microsoft.com/office/drawing/2010/main" w="9525">
+                <a14:hiddenLine xmlns:a14="http://schemas.microsoft.com/office/drawing/2010/main" xmlns:p14="http://schemas.microsoft.com/office/powerpoint/2010/main" xmlns:a16="http://schemas.microsoft.com/office/drawing/2014/main" xmlns="" w="9525">
                   <a:solidFill>
                     <a:srgbClr val="000000"/>
                   </a:solidFill>
@@ -22488,7 +22488,7 @@
             </a:ln>
             <a:extLst>
               <a:ext uri="{91240B29-F687-4f45-9708-019B960494DF}">
-                <a14:hiddenLine xmlns="" xmlns:a16="http://schemas.microsoft.com/office/drawing/2014/main" xmlns:p14="http://schemas.microsoft.com/office/powerpoint/2010/main" xmlns:a14="http://schemas.microsoft.com/office/drawing/2010/main" w="9525">
+                <a14:hiddenLine xmlns:a14="http://schemas.microsoft.com/office/drawing/2010/main" xmlns:p14="http://schemas.microsoft.com/office/powerpoint/2010/main" xmlns:a16="http://schemas.microsoft.com/office/drawing/2014/main" xmlns="" w="9525">
                   <a:solidFill>
                     <a:srgbClr val="000000"/>
                   </a:solidFill>
@@ -22537,7 +22537,7 @@
             </a:ln>
             <a:extLst>
               <a:ext uri="{91240B29-F687-4f45-9708-019B960494DF}">
-                <a14:hiddenLine xmlns="" xmlns:a16="http://schemas.microsoft.com/office/drawing/2014/main" xmlns:p14="http://schemas.microsoft.com/office/powerpoint/2010/main" xmlns:a14="http://schemas.microsoft.com/office/drawing/2010/main" w="9525">
+                <a14:hiddenLine xmlns:a14="http://schemas.microsoft.com/office/drawing/2010/main" xmlns:p14="http://schemas.microsoft.com/office/powerpoint/2010/main" xmlns:a16="http://schemas.microsoft.com/office/drawing/2014/main" xmlns="" w="9525">
                   <a:solidFill>
                     <a:srgbClr val="000000"/>
                   </a:solidFill>
@@ -22642,7 +22642,7 @@
             </a:ln>
             <a:extLst>
               <a:ext uri="{91240B29-F687-4f45-9708-019B960494DF}">
-                <a14:hiddenLine xmlns="" xmlns:a16="http://schemas.microsoft.com/office/drawing/2014/main" xmlns:p14="http://schemas.microsoft.com/office/powerpoint/2010/main" xmlns:a14="http://schemas.microsoft.com/office/drawing/2010/main" w="9525">
+                <a14:hiddenLine xmlns:a14="http://schemas.microsoft.com/office/drawing/2010/main" xmlns:p14="http://schemas.microsoft.com/office/powerpoint/2010/main" xmlns:a16="http://schemas.microsoft.com/office/drawing/2014/main" xmlns="" w="9525">
                   <a:solidFill>
                     <a:srgbClr val="000000"/>
                   </a:solidFill>
@@ -22719,7 +22719,7 @@
             </a:ln>
             <a:extLst>
               <a:ext uri="{91240B29-F687-4f45-9708-019B960494DF}">
-                <a14:hiddenLine xmlns="" xmlns:a16="http://schemas.microsoft.com/office/drawing/2014/main" xmlns:p14="http://schemas.microsoft.com/office/powerpoint/2010/main" xmlns:a14="http://schemas.microsoft.com/office/drawing/2010/main" w="9525">
+                <a14:hiddenLine xmlns:a14="http://schemas.microsoft.com/office/drawing/2010/main" xmlns:p14="http://schemas.microsoft.com/office/powerpoint/2010/main" xmlns:a16="http://schemas.microsoft.com/office/drawing/2014/main" xmlns="" w="9525">
                   <a:solidFill>
                     <a:srgbClr val="000000"/>
                   </a:solidFill>
@@ -22796,7 +22796,7 @@
             </a:ln>
             <a:extLst>
               <a:ext uri="{91240B29-F687-4f45-9708-019B960494DF}">
-                <a14:hiddenLine xmlns="" xmlns:a16="http://schemas.microsoft.com/office/drawing/2014/main" xmlns:p14="http://schemas.microsoft.com/office/powerpoint/2010/main" xmlns:a14="http://schemas.microsoft.com/office/drawing/2010/main" w="9525">
+                <a14:hiddenLine xmlns:a14="http://schemas.microsoft.com/office/drawing/2010/main" xmlns:p14="http://schemas.microsoft.com/office/powerpoint/2010/main" xmlns:a16="http://schemas.microsoft.com/office/drawing/2014/main" xmlns="" w="9525">
                   <a:solidFill>
                     <a:srgbClr val="000000"/>
                   </a:solidFill>
@@ -22901,7 +22901,7 @@
             </a:ln>
             <a:extLst>
               <a:ext uri="{91240B29-F687-4f45-9708-019B960494DF}">
-                <a14:hiddenLine xmlns="" xmlns:a16="http://schemas.microsoft.com/office/drawing/2014/main" xmlns:p14="http://schemas.microsoft.com/office/powerpoint/2010/main" xmlns:a14="http://schemas.microsoft.com/office/drawing/2010/main" w="9525">
+                <a14:hiddenLine xmlns:a14="http://schemas.microsoft.com/office/drawing/2010/main" xmlns:p14="http://schemas.microsoft.com/office/powerpoint/2010/main" xmlns:a16="http://schemas.microsoft.com/office/drawing/2014/main" xmlns="" w="9525">
                   <a:solidFill>
                     <a:srgbClr val="000000"/>
                   </a:solidFill>
@@ -22984,7 +22984,7 @@
             </a:ln>
             <a:extLst>
               <a:ext uri="{91240B29-F687-4f45-9708-019B960494DF}">
-                <a14:hiddenLine xmlns="" xmlns:a16="http://schemas.microsoft.com/office/drawing/2014/main" xmlns:p14="http://schemas.microsoft.com/office/powerpoint/2010/main" xmlns:a14="http://schemas.microsoft.com/office/drawing/2010/main" w="9525">
+                <a14:hiddenLine xmlns:a14="http://schemas.microsoft.com/office/drawing/2010/main" xmlns:p14="http://schemas.microsoft.com/office/powerpoint/2010/main" xmlns:a16="http://schemas.microsoft.com/office/drawing/2014/main" xmlns="" w="9525">
                   <a:solidFill>
                     <a:srgbClr val="000000"/>
                   </a:solidFill>
@@ -23061,7 +23061,7 @@
             </a:ln>
             <a:extLst>
               <a:ext uri="{91240B29-F687-4f45-9708-019B960494DF}">
-                <a14:hiddenLine xmlns="" xmlns:a16="http://schemas.microsoft.com/office/drawing/2014/main" xmlns:p14="http://schemas.microsoft.com/office/powerpoint/2010/main" xmlns:a14="http://schemas.microsoft.com/office/drawing/2010/main" w="9525">
+                <a14:hiddenLine xmlns:a14="http://schemas.microsoft.com/office/drawing/2010/main" xmlns:p14="http://schemas.microsoft.com/office/powerpoint/2010/main" xmlns:a16="http://schemas.microsoft.com/office/drawing/2014/main" xmlns="" w="9525">
                   <a:solidFill>
                     <a:srgbClr val="000000"/>
                   </a:solidFill>
@@ -23166,7 +23166,7 @@
             </a:ln>
             <a:extLst>
               <a:ext uri="{91240B29-F687-4f45-9708-019B960494DF}">
-                <a14:hiddenLine xmlns="" xmlns:a16="http://schemas.microsoft.com/office/drawing/2014/main" xmlns:p14="http://schemas.microsoft.com/office/powerpoint/2010/main" xmlns:a14="http://schemas.microsoft.com/office/drawing/2010/main" w="9525">
+                <a14:hiddenLine xmlns:a14="http://schemas.microsoft.com/office/drawing/2010/main" xmlns:p14="http://schemas.microsoft.com/office/powerpoint/2010/main" xmlns:a16="http://schemas.microsoft.com/office/drawing/2014/main" xmlns="" w="9525">
                   <a:solidFill>
                     <a:srgbClr val="000000"/>
                   </a:solidFill>
@@ -23243,7 +23243,7 @@
             </a:ln>
             <a:extLst>
               <a:ext uri="{91240B29-F687-4f45-9708-019B960494DF}">
-                <a14:hiddenLine xmlns="" xmlns:a16="http://schemas.microsoft.com/office/drawing/2014/main" xmlns:p14="http://schemas.microsoft.com/office/powerpoint/2010/main" xmlns:a14="http://schemas.microsoft.com/office/drawing/2010/main" w="9525">
+                <a14:hiddenLine xmlns:a14="http://schemas.microsoft.com/office/drawing/2010/main" xmlns:p14="http://schemas.microsoft.com/office/powerpoint/2010/main" xmlns:a16="http://schemas.microsoft.com/office/drawing/2014/main" xmlns="" w="9525">
                   <a:solidFill>
                     <a:srgbClr val="000000"/>
                   </a:solidFill>
@@ -23348,7 +23348,7 @@
             </a:ln>
             <a:extLst>
               <a:ext uri="{91240B29-F687-4f45-9708-019B960494DF}">
-                <a14:hiddenLine xmlns="" xmlns:a16="http://schemas.microsoft.com/office/drawing/2014/main" xmlns:p14="http://schemas.microsoft.com/office/powerpoint/2010/main" xmlns:a14="http://schemas.microsoft.com/office/drawing/2010/main" w="9525">
+                <a14:hiddenLine xmlns:a14="http://schemas.microsoft.com/office/drawing/2010/main" xmlns:p14="http://schemas.microsoft.com/office/powerpoint/2010/main" xmlns:a16="http://schemas.microsoft.com/office/drawing/2014/main" xmlns="" w="9525">
                   <a:solidFill>
                     <a:srgbClr val="000000"/>
                   </a:solidFill>
@@ -23425,7 +23425,7 @@
             </a:ln>
             <a:extLst>
               <a:ext uri="{91240B29-F687-4f45-9708-019B960494DF}">
-                <a14:hiddenLine xmlns="" xmlns:a16="http://schemas.microsoft.com/office/drawing/2014/main" xmlns:p14="http://schemas.microsoft.com/office/powerpoint/2010/main" xmlns:a14="http://schemas.microsoft.com/office/drawing/2010/main" w="9525">
+                <a14:hiddenLine xmlns:a14="http://schemas.microsoft.com/office/drawing/2010/main" xmlns:p14="http://schemas.microsoft.com/office/powerpoint/2010/main" xmlns:a16="http://schemas.microsoft.com/office/drawing/2014/main" xmlns="" w="9525">
                   <a:solidFill>
                     <a:srgbClr val="000000"/>
                   </a:solidFill>
@@ -23530,7 +23530,7 @@
             </a:ln>
             <a:extLst>
               <a:ext uri="{91240B29-F687-4f45-9708-019B960494DF}">
-                <a14:hiddenLine xmlns="" xmlns:a16="http://schemas.microsoft.com/office/drawing/2014/main" xmlns:p14="http://schemas.microsoft.com/office/powerpoint/2010/main" xmlns:a14="http://schemas.microsoft.com/office/drawing/2010/main" w="9525">
+                <a14:hiddenLine xmlns:a14="http://schemas.microsoft.com/office/drawing/2010/main" xmlns:p14="http://schemas.microsoft.com/office/powerpoint/2010/main" xmlns:a16="http://schemas.microsoft.com/office/drawing/2014/main" xmlns="" w="9525">
                   <a:solidFill>
                     <a:srgbClr val="000000"/>
                   </a:solidFill>
@@ -23579,7 +23579,7 @@
             </a:ln>
             <a:extLst>
               <a:ext uri="{91240B29-F687-4f45-9708-019B960494DF}">
-                <a14:hiddenLine xmlns="" xmlns:a16="http://schemas.microsoft.com/office/drawing/2014/main" xmlns:p14="http://schemas.microsoft.com/office/powerpoint/2010/main" xmlns:a14="http://schemas.microsoft.com/office/drawing/2010/main" w="9525">
+                <a14:hiddenLine xmlns:a14="http://schemas.microsoft.com/office/drawing/2010/main" xmlns:p14="http://schemas.microsoft.com/office/powerpoint/2010/main" xmlns:a16="http://schemas.microsoft.com/office/drawing/2014/main" xmlns="" w="9525">
                   <a:solidFill>
                     <a:srgbClr val="000000"/>
                   </a:solidFill>
@@ -23659,7 +23659,7 @@
             </a:ln>
             <a:extLst>
               <a:ext uri="{91240B29-F687-4f45-9708-019B960494DF}">
-                <a14:hiddenLine xmlns="" xmlns:a16="http://schemas.microsoft.com/office/drawing/2014/main" xmlns:p14="http://schemas.microsoft.com/office/powerpoint/2010/main" xmlns:a14="http://schemas.microsoft.com/office/drawing/2010/main" w="9525">
+                <a14:hiddenLine xmlns:a14="http://schemas.microsoft.com/office/drawing/2010/main" xmlns:p14="http://schemas.microsoft.com/office/powerpoint/2010/main" xmlns:a16="http://schemas.microsoft.com/office/drawing/2014/main" xmlns="" w="9525">
                   <a:solidFill>
                     <a:srgbClr val="000000"/>
                   </a:solidFill>
@@ -23764,7 +23764,7 @@
             </a:ln>
             <a:extLst>
               <a:ext uri="{91240B29-F687-4f45-9708-019B960494DF}">
-                <a14:hiddenLine xmlns="" xmlns:a16="http://schemas.microsoft.com/office/drawing/2014/main" xmlns:p14="http://schemas.microsoft.com/office/powerpoint/2010/main" xmlns:a14="http://schemas.microsoft.com/office/drawing/2010/main" w="9525">
+                <a14:hiddenLine xmlns:a14="http://schemas.microsoft.com/office/drawing/2010/main" xmlns:p14="http://schemas.microsoft.com/office/powerpoint/2010/main" xmlns:a16="http://schemas.microsoft.com/office/drawing/2014/main" xmlns="" w="9525">
                   <a:solidFill>
                     <a:srgbClr val="000000"/>
                   </a:solidFill>
@@ -23841,7 +23841,7 @@
             </a:ln>
             <a:extLst>
               <a:ext uri="{91240B29-F687-4f45-9708-019B960494DF}">
-                <a14:hiddenLine xmlns="" xmlns:a16="http://schemas.microsoft.com/office/drawing/2014/main" xmlns:p14="http://schemas.microsoft.com/office/powerpoint/2010/main" xmlns:a14="http://schemas.microsoft.com/office/drawing/2010/main" w="9525">
+                <a14:hiddenLine xmlns:a14="http://schemas.microsoft.com/office/drawing/2010/main" xmlns:p14="http://schemas.microsoft.com/office/powerpoint/2010/main" xmlns:a16="http://schemas.microsoft.com/office/drawing/2014/main" xmlns="" w="9525">
                   <a:solidFill>
                     <a:srgbClr val="000000"/>
                   </a:solidFill>
@@ -23946,7 +23946,7 @@
             </a:ln>
             <a:extLst>
               <a:ext uri="{91240B29-F687-4f45-9708-019B960494DF}">
-                <a14:hiddenLine xmlns="" xmlns:a16="http://schemas.microsoft.com/office/drawing/2014/main" xmlns:p14="http://schemas.microsoft.com/office/powerpoint/2010/main" xmlns:a14="http://schemas.microsoft.com/office/drawing/2010/main" w="9525">
+                <a14:hiddenLine xmlns:a14="http://schemas.microsoft.com/office/drawing/2010/main" xmlns:p14="http://schemas.microsoft.com/office/powerpoint/2010/main" xmlns:a16="http://schemas.microsoft.com/office/drawing/2014/main" xmlns="" w="9525">
                   <a:solidFill>
                     <a:srgbClr val="000000"/>
                   </a:solidFill>
@@ -24051,7 +24051,7 @@
             </a:ln>
             <a:extLst>
               <a:ext uri="{91240B29-F687-4f45-9708-019B960494DF}">
-                <a14:hiddenLine xmlns="" xmlns:a16="http://schemas.microsoft.com/office/drawing/2014/main" xmlns:p14="http://schemas.microsoft.com/office/powerpoint/2010/main" xmlns:a14="http://schemas.microsoft.com/office/drawing/2010/main" w="9525">
+                <a14:hiddenLine xmlns:a14="http://schemas.microsoft.com/office/drawing/2010/main" xmlns:p14="http://schemas.microsoft.com/office/powerpoint/2010/main" xmlns:a16="http://schemas.microsoft.com/office/drawing/2014/main" xmlns="" w="9525">
                   <a:solidFill>
                     <a:srgbClr val="000000"/>
                   </a:solidFill>
@@ -24131,7 +24131,7 @@
             </a:ln>
             <a:extLst>
               <a:ext uri="{91240B29-F687-4f45-9708-019B960494DF}">
-                <a14:hiddenLine xmlns="" xmlns:a16="http://schemas.microsoft.com/office/drawing/2014/main" xmlns:p14="http://schemas.microsoft.com/office/powerpoint/2010/main" xmlns:a14="http://schemas.microsoft.com/office/drawing/2010/main" w="9525">
+                <a14:hiddenLine xmlns:a14="http://schemas.microsoft.com/office/drawing/2010/main" xmlns:p14="http://schemas.microsoft.com/office/powerpoint/2010/main" xmlns:a16="http://schemas.microsoft.com/office/drawing/2014/main" xmlns="" w="9525">
                   <a:solidFill>
                     <a:srgbClr val="000000"/>
                   </a:solidFill>
@@ -24208,7 +24208,7 @@
             </a:ln>
             <a:extLst>
               <a:ext uri="{91240B29-F687-4f45-9708-019B960494DF}">
-                <a14:hiddenLine xmlns="" xmlns:a16="http://schemas.microsoft.com/office/drawing/2014/main" xmlns:p14="http://schemas.microsoft.com/office/powerpoint/2010/main" xmlns:a14="http://schemas.microsoft.com/office/drawing/2010/main" w="9525">
+                <a14:hiddenLine xmlns:a14="http://schemas.microsoft.com/office/drawing/2010/main" xmlns:p14="http://schemas.microsoft.com/office/powerpoint/2010/main" xmlns:a16="http://schemas.microsoft.com/office/drawing/2014/main" xmlns="" w="9525">
                   <a:solidFill>
                     <a:srgbClr val="000000"/>
                   </a:solidFill>
@@ -24313,7 +24313,7 @@
             </a:ln>
             <a:extLst>
               <a:ext uri="{91240B29-F687-4f45-9708-019B960494DF}">
-                <a14:hiddenLine xmlns="" xmlns:a16="http://schemas.microsoft.com/office/drawing/2014/main" xmlns:p14="http://schemas.microsoft.com/office/powerpoint/2010/main" xmlns:a14="http://schemas.microsoft.com/office/drawing/2010/main" w="9525">
+                <a14:hiddenLine xmlns:a14="http://schemas.microsoft.com/office/drawing/2010/main" xmlns:p14="http://schemas.microsoft.com/office/powerpoint/2010/main" xmlns:a16="http://schemas.microsoft.com/office/drawing/2014/main" xmlns="" w="9525">
                   <a:solidFill>
                     <a:srgbClr val="000000"/>
                   </a:solidFill>
@@ -24418,7 +24418,7 @@
             </a:ln>
             <a:extLst>
               <a:ext uri="{91240B29-F687-4f45-9708-019B960494DF}">
-                <a14:hiddenLine xmlns="" xmlns:a16="http://schemas.microsoft.com/office/drawing/2014/main" xmlns:p14="http://schemas.microsoft.com/office/powerpoint/2010/main" xmlns:a14="http://schemas.microsoft.com/office/drawing/2010/main" w="9525">
+                <a14:hiddenLine xmlns:a14="http://schemas.microsoft.com/office/drawing/2010/main" xmlns:p14="http://schemas.microsoft.com/office/powerpoint/2010/main" xmlns:a16="http://schemas.microsoft.com/office/drawing/2014/main" xmlns="" w="9525">
                   <a:solidFill>
                     <a:srgbClr val="000000"/>
                   </a:solidFill>
@@ -24495,7 +24495,7 @@
             </a:ln>
             <a:extLst>
               <a:ext uri="{91240B29-F687-4f45-9708-019B960494DF}">
-                <a14:hiddenLine xmlns="" xmlns:a16="http://schemas.microsoft.com/office/drawing/2014/main" xmlns:p14="http://schemas.microsoft.com/office/powerpoint/2010/main" xmlns:a14="http://schemas.microsoft.com/office/drawing/2010/main" w="9525">
+                <a14:hiddenLine xmlns:a14="http://schemas.microsoft.com/office/drawing/2010/main" xmlns:p14="http://schemas.microsoft.com/office/powerpoint/2010/main" xmlns:a16="http://schemas.microsoft.com/office/drawing/2014/main" xmlns="" w="9525">
                   <a:solidFill>
                     <a:srgbClr val="000000"/>
                   </a:solidFill>
@@ -24630,7 +24630,7 @@
             </a:ln>
             <a:extLst>
               <a:ext uri="{91240B29-F687-4f45-9708-019B960494DF}">
-                <a14:hiddenLine xmlns="" xmlns:a16="http://schemas.microsoft.com/office/drawing/2014/main" xmlns:p14="http://schemas.microsoft.com/office/powerpoint/2010/main" xmlns:a14="http://schemas.microsoft.com/office/drawing/2010/main" w="9525">
+                <a14:hiddenLine xmlns:a14="http://schemas.microsoft.com/office/drawing/2010/main" xmlns:p14="http://schemas.microsoft.com/office/powerpoint/2010/main" xmlns:a16="http://schemas.microsoft.com/office/drawing/2014/main" xmlns="" w="9525">
                   <a:solidFill>
                     <a:srgbClr val="000000"/>
                   </a:solidFill>
@@ -24713,7 +24713,7 @@
             </a:ln>
             <a:extLst>
               <a:ext uri="{91240B29-F687-4f45-9708-019B960494DF}">
-                <a14:hiddenLine xmlns="" xmlns:a16="http://schemas.microsoft.com/office/drawing/2014/main" xmlns:p14="http://schemas.microsoft.com/office/powerpoint/2010/main" xmlns:a14="http://schemas.microsoft.com/office/drawing/2010/main" w="9525">
+                <a14:hiddenLine xmlns:a14="http://schemas.microsoft.com/office/drawing/2010/main" xmlns:p14="http://schemas.microsoft.com/office/powerpoint/2010/main" xmlns:a16="http://schemas.microsoft.com/office/drawing/2014/main" xmlns="" w="9525">
                   <a:solidFill>
                     <a:srgbClr val="000000"/>
                   </a:solidFill>
@@ -24818,7 +24818,7 @@
             </a:ln>
             <a:extLst>
               <a:ext uri="{91240B29-F687-4f45-9708-019B960494DF}">
-                <a14:hiddenLine xmlns="" xmlns:a16="http://schemas.microsoft.com/office/drawing/2014/main" xmlns:p14="http://schemas.microsoft.com/office/powerpoint/2010/main" xmlns:a14="http://schemas.microsoft.com/office/drawing/2010/main" w="9525">
+                <a14:hiddenLine xmlns:a14="http://schemas.microsoft.com/office/drawing/2010/main" xmlns:p14="http://schemas.microsoft.com/office/powerpoint/2010/main" xmlns:a16="http://schemas.microsoft.com/office/drawing/2014/main" xmlns="" w="9525">
                   <a:solidFill>
                     <a:srgbClr val="000000"/>
                   </a:solidFill>
@@ -24886,7 +24886,7 @@
           <a:noFill/>
           <a:extLst>
             <a:ext uri="{909E8E84-426E-40dd-AFC4-6F175D3DCCD1}">
-              <a14:hiddenFill xmlns="" xmlns:a16="http://schemas.microsoft.com/office/drawing/2014/main" xmlns:p14="http://schemas.microsoft.com/office/powerpoint/2010/main" xmlns:a14="http://schemas.microsoft.com/office/drawing/2010/main">
+              <a14:hiddenFill xmlns:a14="http://schemas.microsoft.com/office/drawing/2010/main" xmlns:p14="http://schemas.microsoft.com/office/powerpoint/2010/main" xmlns:a16="http://schemas.microsoft.com/office/drawing/2014/main" xmlns="">
                 <a:solidFill>
                   <a:srgbClr val="FFFFFF"/>
                 </a:solidFill>
@@ -25421,7 +25421,7 @@
             </a:ln>
             <a:extLst>
               <a:ext uri="{91240B29-F687-4f45-9708-019B960494DF}">
-                <a14:hiddenLine xmlns="" xmlns:a16="http://schemas.microsoft.com/office/drawing/2014/main" xmlns:p14="http://schemas.microsoft.com/office/powerpoint/2010/main" xmlns:a14="http://schemas.microsoft.com/office/drawing/2010/main" w="9525">
+                <a14:hiddenLine xmlns:a14="http://schemas.microsoft.com/office/drawing/2010/main" xmlns:p14="http://schemas.microsoft.com/office/powerpoint/2010/main" xmlns:a16="http://schemas.microsoft.com/office/drawing/2014/main" xmlns="" w="9525">
                   <a:solidFill>
                     <a:srgbClr val="000000"/>
                   </a:solidFill>
@@ -25526,7 +25526,7 @@
             </a:ln>
             <a:extLst>
               <a:ext uri="{91240B29-F687-4f45-9708-019B960494DF}">
-                <a14:hiddenLine xmlns="" xmlns:a16="http://schemas.microsoft.com/office/drawing/2014/main" xmlns:p14="http://schemas.microsoft.com/office/powerpoint/2010/main" xmlns:a14="http://schemas.microsoft.com/office/drawing/2010/main" w="9525">
+                <a14:hiddenLine xmlns:a14="http://schemas.microsoft.com/office/drawing/2010/main" xmlns:p14="http://schemas.microsoft.com/office/powerpoint/2010/main" xmlns:a16="http://schemas.microsoft.com/office/drawing/2014/main" xmlns="" w="9525">
                   <a:solidFill>
                     <a:srgbClr val="000000"/>
                   </a:solidFill>
@@ -25631,7 +25631,7 @@
             </a:ln>
             <a:extLst>
               <a:ext uri="{91240B29-F687-4f45-9708-019B960494DF}">
-                <a14:hiddenLine xmlns="" xmlns:a16="http://schemas.microsoft.com/office/drawing/2014/main" xmlns:p14="http://schemas.microsoft.com/office/powerpoint/2010/main" xmlns:a14="http://schemas.microsoft.com/office/drawing/2010/main" w="9525">
+                <a14:hiddenLine xmlns:a14="http://schemas.microsoft.com/office/drawing/2010/main" xmlns:p14="http://schemas.microsoft.com/office/powerpoint/2010/main" xmlns:a16="http://schemas.microsoft.com/office/drawing/2014/main" xmlns="" w="9525">
                   <a:solidFill>
                     <a:srgbClr val="000000"/>
                   </a:solidFill>
@@ -25708,7 +25708,7 @@
             </a:ln>
             <a:extLst>
               <a:ext uri="{91240B29-F687-4f45-9708-019B960494DF}">
-                <a14:hiddenLine xmlns="" xmlns:a16="http://schemas.microsoft.com/office/drawing/2014/main" xmlns:p14="http://schemas.microsoft.com/office/powerpoint/2010/main" xmlns:a14="http://schemas.microsoft.com/office/drawing/2010/main" w="9525">
+                <a14:hiddenLine xmlns:a14="http://schemas.microsoft.com/office/drawing/2010/main" xmlns:p14="http://schemas.microsoft.com/office/powerpoint/2010/main" xmlns:a16="http://schemas.microsoft.com/office/drawing/2014/main" xmlns="" w="9525">
                   <a:solidFill>
                     <a:srgbClr val="000000"/>
                   </a:solidFill>
@@ -25813,7 +25813,7 @@
             </a:ln>
             <a:extLst>
               <a:ext uri="{91240B29-F687-4f45-9708-019B960494DF}">
-                <a14:hiddenLine xmlns="" xmlns:a16="http://schemas.microsoft.com/office/drawing/2014/main" xmlns:p14="http://schemas.microsoft.com/office/powerpoint/2010/main" xmlns:a14="http://schemas.microsoft.com/office/drawing/2010/main" w="9525">
+                <a14:hiddenLine xmlns:a14="http://schemas.microsoft.com/office/drawing/2010/main" xmlns:p14="http://schemas.microsoft.com/office/powerpoint/2010/main" xmlns:a16="http://schemas.microsoft.com/office/drawing/2014/main" xmlns="" w="9525">
                   <a:solidFill>
                     <a:srgbClr val="000000"/>
                   </a:solidFill>
@@ -25890,7 +25890,7 @@
             </a:ln>
             <a:extLst>
               <a:ext uri="{91240B29-F687-4f45-9708-019B960494DF}">
-                <a14:hiddenLine xmlns="" xmlns:a16="http://schemas.microsoft.com/office/drawing/2014/main" xmlns:p14="http://schemas.microsoft.com/office/powerpoint/2010/main" xmlns:a14="http://schemas.microsoft.com/office/drawing/2010/main" w="9525">
+                <a14:hiddenLine xmlns:a14="http://schemas.microsoft.com/office/drawing/2010/main" xmlns:p14="http://schemas.microsoft.com/office/powerpoint/2010/main" xmlns:a16="http://schemas.microsoft.com/office/drawing/2014/main" xmlns="" w="9525">
                   <a:solidFill>
                     <a:srgbClr val="000000"/>
                   </a:solidFill>
@@ -25967,7 +25967,7 @@
             </a:ln>
             <a:extLst>
               <a:ext uri="{91240B29-F687-4f45-9708-019B960494DF}">
-                <a14:hiddenLine xmlns="" xmlns:a16="http://schemas.microsoft.com/office/drawing/2014/main" xmlns:p14="http://schemas.microsoft.com/office/powerpoint/2010/main" xmlns:a14="http://schemas.microsoft.com/office/drawing/2010/main" w="9525">
+                <a14:hiddenLine xmlns:a14="http://schemas.microsoft.com/office/drawing/2010/main" xmlns:p14="http://schemas.microsoft.com/office/powerpoint/2010/main" xmlns:a16="http://schemas.microsoft.com/office/drawing/2014/main" xmlns="" w="9525">
                   <a:solidFill>
                     <a:srgbClr val="000000"/>
                   </a:solidFill>
@@ -26072,7 +26072,7 @@
             </a:ln>
             <a:extLst>
               <a:ext uri="{91240B29-F687-4f45-9708-019B960494DF}">
-                <a14:hiddenLine xmlns="" xmlns:a16="http://schemas.microsoft.com/office/drawing/2014/main" xmlns:p14="http://schemas.microsoft.com/office/powerpoint/2010/main" xmlns:a14="http://schemas.microsoft.com/office/drawing/2010/main" w="9525">
+                <a14:hiddenLine xmlns:a14="http://schemas.microsoft.com/office/drawing/2010/main" xmlns:p14="http://schemas.microsoft.com/office/powerpoint/2010/main" xmlns:a16="http://schemas.microsoft.com/office/drawing/2014/main" xmlns="" w="9525">
                   <a:solidFill>
                     <a:srgbClr val="000000"/>
                   </a:solidFill>
@@ -26177,7 +26177,7 @@
             </a:ln>
             <a:extLst>
               <a:ext uri="{91240B29-F687-4f45-9708-019B960494DF}">
-                <a14:hiddenLine xmlns="" xmlns:a16="http://schemas.microsoft.com/office/drawing/2014/main" xmlns:p14="http://schemas.microsoft.com/office/powerpoint/2010/main" xmlns:a14="http://schemas.microsoft.com/office/drawing/2010/main" w="9525">
+                <a14:hiddenLine xmlns:a14="http://schemas.microsoft.com/office/drawing/2010/main" xmlns:p14="http://schemas.microsoft.com/office/powerpoint/2010/main" xmlns:a16="http://schemas.microsoft.com/office/drawing/2014/main" xmlns="" w="9525">
                   <a:solidFill>
                     <a:srgbClr val="000000"/>
                   </a:solidFill>
@@ -26254,7 +26254,7 @@
             </a:ln>
             <a:extLst>
               <a:ext uri="{91240B29-F687-4f45-9708-019B960494DF}">
-                <a14:hiddenLine xmlns="" xmlns:a16="http://schemas.microsoft.com/office/drawing/2014/main" xmlns:p14="http://schemas.microsoft.com/office/powerpoint/2010/main" xmlns:a14="http://schemas.microsoft.com/office/drawing/2010/main" w="9525">
+                <a14:hiddenLine xmlns:a14="http://schemas.microsoft.com/office/drawing/2010/main" xmlns:p14="http://schemas.microsoft.com/office/powerpoint/2010/main" xmlns:a16="http://schemas.microsoft.com/office/drawing/2014/main" xmlns="" w="9525">
                   <a:solidFill>
                     <a:srgbClr val="000000"/>
                   </a:solidFill>
@@ -26379,7 +26379,7 @@
             </a:ln>
             <a:extLst>
               <a:ext uri="{91240B29-F687-4f45-9708-019B960494DF}">
-                <a14:hiddenLine xmlns="" xmlns:a16="http://schemas.microsoft.com/office/drawing/2014/main" xmlns:p14="http://schemas.microsoft.com/office/powerpoint/2010/main" xmlns:a14="http://schemas.microsoft.com/office/drawing/2010/main" w="9525">
+                <a14:hiddenLine xmlns:a14="http://schemas.microsoft.com/office/drawing/2010/main" xmlns:p14="http://schemas.microsoft.com/office/powerpoint/2010/main" xmlns:a16="http://schemas.microsoft.com/office/drawing/2014/main" xmlns="" w="9525">
                   <a:solidFill>
                     <a:srgbClr val="000000"/>
                   </a:solidFill>
@@ -26493,7 +26493,7 @@
             </a:ln>
             <a:extLst>
               <a:ext uri="{91240B29-F687-4f45-9708-019B960494DF}">
-                <a14:hiddenLine xmlns="" xmlns:a16="http://schemas.microsoft.com/office/drawing/2014/main" xmlns:p14="http://schemas.microsoft.com/office/powerpoint/2010/main" xmlns:a14="http://schemas.microsoft.com/office/drawing/2010/main" w="9525">
+                <a14:hiddenLine xmlns:a14="http://schemas.microsoft.com/office/drawing/2010/main" xmlns:p14="http://schemas.microsoft.com/office/powerpoint/2010/main" xmlns:a16="http://schemas.microsoft.com/office/drawing/2014/main" xmlns="" w="9525">
                   <a:solidFill>
                     <a:srgbClr val="000000"/>
                   </a:solidFill>
@@ -26570,7 +26570,7 @@
             </a:ln>
             <a:extLst>
               <a:ext uri="{91240B29-F687-4f45-9708-019B960494DF}">
-                <a14:hiddenLine xmlns="" xmlns:a16="http://schemas.microsoft.com/office/drawing/2014/main" xmlns:p14="http://schemas.microsoft.com/office/powerpoint/2010/main" xmlns:a14="http://schemas.microsoft.com/office/drawing/2010/main" w="9525">
+                <a14:hiddenLine xmlns:a14="http://schemas.microsoft.com/office/drawing/2010/main" xmlns:p14="http://schemas.microsoft.com/office/powerpoint/2010/main" xmlns:a16="http://schemas.microsoft.com/office/drawing/2014/main" xmlns="" w="9525">
                   <a:solidFill>
                     <a:srgbClr val="000000"/>
                   </a:solidFill>
@@ -26647,7 +26647,7 @@
             </a:ln>
             <a:extLst>
               <a:ext uri="{91240B29-F687-4f45-9708-019B960494DF}">
-                <a14:hiddenLine xmlns="" xmlns:a16="http://schemas.microsoft.com/office/drawing/2014/main" xmlns:p14="http://schemas.microsoft.com/office/powerpoint/2010/main" xmlns:a14="http://schemas.microsoft.com/office/drawing/2010/main" w="9525">
+                <a14:hiddenLine xmlns:a14="http://schemas.microsoft.com/office/drawing/2010/main" xmlns:p14="http://schemas.microsoft.com/office/powerpoint/2010/main" xmlns:a16="http://schemas.microsoft.com/office/drawing/2014/main" xmlns="" w="9525">
                   <a:solidFill>
                     <a:srgbClr val="000000"/>
                   </a:solidFill>
@@ -26752,7 +26752,7 @@
             </a:ln>
             <a:extLst>
               <a:ext uri="{91240B29-F687-4f45-9708-019B960494DF}">
-                <a14:hiddenLine xmlns="" xmlns:a16="http://schemas.microsoft.com/office/drawing/2014/main" xmlns:p14="http://schemas.microsoft.com/office/powerpoint/2010/main" xmlns:a14="http://schemas.microsoft.com/office/drawing/2010/main" w="9525">
+                <a14:hiddenLine xmlns:a14="http://schemas.microsoft.com/office/drawing/2010/main" xmlns:p14="http://schemas.microsoft.com/office/powerpoint/2010/main" xmlns:a16="http://schemas.microsoft.com/office/drawing/2014/main" xmlns="" w="9525">
                   <a:solidFill>
                     <a:srgbClr val="000000"/>
                   </a:solidFill>
@@ -26801,7 +26801,7 @@
             </a:ln>
             <a:extLst>
               <a:ext uri="{91240B29-F687-4f45-9708-019B960494DF}">
-                <a14:hiddenLine xmlns="" xmlns:a16="http://schemas.microsoft.com/office/drawing/2014/main" xmlns:p14="http://schemas.microsoft.com/office/powerpoint/2010/main" xmlns:a14="http://schemas.microsoft.com/office/drawing/2010/main" w="9525">
+                <a14:hiddenLine xmlns:a14="http://schemas.microsoft.com/office/drawing/2010/main" xmlns:p14="http://schemas.microsoft.com/office/powerpoint/2010/main" xmlns:a16="http://schemas.microsoft.com/office/drawing/2014/main" xmlns="" w="9525">
                   <a:solidFill>
                     <a:srgbClr val="000000"/>
                   </a:solidFill>
@@ -26881,7 +26881,7 @@
             </a:ln>
             <a:extLst>
               <a:ext uri="{91240B29-F687-4f45-9708-019B960494DF}">
-                <a14:hiddenLine xmlns="" xmlns:a16="http://schemas.microsoft.com/office/drawing/2014/main" xmlns:p14="http://schemas.microsoft.com/office/powerpoint/2010/main" xmlns:a14="http://schemas.microsoft.com/office/drawing/2010/main" w="9525">
+                <a14:hiddenLine xmlns:a14="http://schemas.microsoft.com/office/drawing/2010/main" xmlns:p14="http://schemas.microsoft.com/office/powerpoint/2010/main" xmlns:a16="http://schemas.microsoft.com/office/drawing/2014/main" xmlns="" w="9525">
                   <a:solidFill>
                     <a:srgbClr val="000000"/>
                   </a:solidFill>
@@ -26986,7 +26986,7 @@
             </a:ln>
             <a:extLst>
               <a:ext uri="{91240B29-F687-4f45-9708-019B960494DF}">
-                <a14:hiddenLine xmlns="" xmlns:a16="http://schemas.microsoft.com/office/drawing/2014/main" xmlns:p14="http://schemas.microsoft.com/office/powerpoint/2010/main" xmlns:a14="http://schemas.microsoft.com/office/drawing/2010/main" w="9525">
+                <a14:hiddenLine xmlns:a14="http://schemas.microsoft.com/office/drawing/2010/main" xmlns:p14="http://schemas.microsoft.com/office/powerpoint/2010/main" xmlns:a16="http://schemas.microsoft.com/office/drawing/2014/main" xmlns="" w="9525">
                   <a:solidFill>
                     <a:srgbClr val="000000"/>
                   </a:solidFill>
@@ -27063,7 +27063,7 @@
             </a:ln>
             <a:extLst>
               <a:ext uri="{91240B29-F687-4f45-9708-019B960494DF}">
-                <a14:hiddenLine xmlns="" xmlns:a16="http://schemas.microsoft.com/office/drawing/2014/main" xmlns:p14="http://schemas.microsoft.com/office/powerpoint/2010/main" xmlns:a14="http://schemas.microsoft.com/office/drawing/2010/main" w="9525">
+                <a14:hiddenLine xmlns:a14="http://schemas.microsoft.com/office/drawing/2010/main" xmlns:p14="http://schemas.microsoft.com/office/powerpoint/2010/main" xmlns:a16="http://schemas.microsoft.com/office/drawing/2014/main" xmlns="" w="9525">
                   <a:solidFill>
                     <a:srgbClr val="000000"/>
                   </a:solidFill>
@@ -27168,7 +27168,7 @@
             </a:ln>
             <a:extLst>
               <a:ext uri="{91240B29-F687-4f45-9708-019B960494DF}">
-                <a14:hiddenLine xmlns="" xmlns:a16="http://schemas.microsoft.com/office/drawing/2014/main" xmlns:p14="http://schemas.microsoft.com/office/powerpoint/2010/main" xmlns:a14="http://schemas.microsoft.com/office/drawing/2010/main" w="9525">
+                <a14:hiddenLine xmlns:a14="http://schemas.microsoft.com/office/drawing/2010/main" xmlns:p14="http://schemas.microsoft.com/office/powerpoint/2010/main" xmlns:a16="http://schemas.microsoft.com/office/drawing/2014/main" xmlns="" w="9525">
                   <a:solidFill>
                     <a:srgbClr val="000000"/>
                   </a:solidFill>
@@ -27248,7 +27248,7 @@
             </a:ln>
             <a:extLst>
               <a:ext uri="{91240B29-F687-4f45-9708-019B960494DF}">
-                <a14:hiddenLine xmlns="" xmlns:a16="http://schemas.microsoft.com/office/drawing/2014/main" xmlns:p14="http://schemas.microsoft.com/office/powerpoint/2010/main" xmlns:a14="http://schemas.microsoft.com/office/drawing/2010/main" w="9525">
+                <a14:hiddenLine xmlns:a14="http://schemas.microsoft.com/office/drawing/2010/main" xmlns:p14="http://schemas.microsoft.com/office/powerpoint/2010/main" xmlns:a16="http://schemas.microsoft.com/office/drawing/2014/main" xmlns="" w="9525">
                   <a:solidFill>
                     <a:srgbClr val="000000"/>
                   </a:solidFill>
@@ -27325,7 +27325,7 @@
             </a:ln>
             <a:extLst>
               <a:ext uri="{91240B29-F687-4f45-9708-019B960494DF}">
-                <a14:hiddenLine xmlns="" xmlns:a16="http://schemas.microsoft.com/office/drawing/2014/main" xmlns:p14="http://schemas.microsoft.com/office/powerpoint/2010/main" xmlns:a14="http://schemas.microsoft.com/office/drawing/2010/main" w="9525">
+                <a14:hiddenLine xmlns:a14="http://schemas.microsoft.com/office/drawing/2010/main" xmlns:p14="http://schemas.microsoft.com/office/powerpoint/2010/main" xmlns:a16="http://schemas.microsoft.com/office/drawing/2014/main" xmlns="" w="9525">
                   <a:solidFill>
                     <a:srgbClr val="000000"/>
                   </a:solidFill>
@@ -27430,7 +27430,7 @@
             </a:ln>
             <a:extLst>
               <a:ext uri="{91240B29-F687-4f45-9708-019B960494DF}">
-                <a14:hiddenLine xmlns="" xmlns:a16="http://schemas.microsoft.com/office/drawing/2014/main" xmlns:p14="http://schemas.microsoft.com/office/powerpoint/2010/main" xmlns:a14="http://schemas.microsoft.com/office/drawing/2010/main" w="9525">
+                <a14:hiddenLine xmlns:a14="http://schemas.microsoft.com/office/drawing/2010/main" xmlns:p14="http://schemas.microsoft.com/office/powerpoint/2010/main" xmlns:a16="http://schemas.microsoft.com/office/drawing/2014/main" xmlns="" w="9525">
                   <a:solidFill>
                     <a:srgbClr val="000000"/>
                   </a:solidFill>
@@ -27535,7 +27535,7 @@
             </a:ln>
             <a:extLst>
               <a:ext uri="{91240B29-F687-4f45-9708-019B960494DF}">
-                <a14:hiddenLine xmlns="" xmlns:a16="http://schemas.microsoft.com/office/drawing/2014/main" xmlns:p14="http://schemas.microsoft.com/office/powerpoint/2010/main" xmlns:a14="http://schemas.microsoft.com/office/drawing/2010/main" w="9525">
+                <a14:hiddenLine xmlns:a14="http://schemas.microsoft.com/office/drawing/2010/main" xmlns:p14="http://schemas.microsoft.com/office/powerpoint/2010/main" xmlns:a16="http://schemas.microsoft.com/office/drawing/2014/main" xmlns="" w="9525">
                   <a:solidFill>
                     <a:srgbClr val="000000"/>
                   </a:solidFill>
@@ -27615,7 +27615,7 @@
             </a:ln>
             <a:extLst>
               <a:ext uri="{91240B29-F687-4f45-9708-019B960494DF}">
-                <a14:hiddenLine xmlns="" xmlns:a16="http://schemas.microsoft.com/office/drawing/2014/main" xmlns:p14="http://schemas.microsoft.com/office/powerpoint/2010/main" xmlns:a14="http://schemas.microsoft.com/office/drawing/2010/main" w="9525">
+                <a14:hiddenLine xmlns:a14="http://schemas.microsoft.com/office/drawing/2010/main" xmlns:p14="http://schemas.microsoft.com/office/powerpoint/2010/main" xmlns:a16="http://schemas.microsoft.com/office/drawing/2014/main" xmlns="" w="9525">
                   <a:solidFill>
                     <a:srgbClr val="000000"/>
                   </a:solidFill>
@@ -27750,7 +27750,7 @@
             </a:ln>
             <a:extLst>
               <a:ext uri="{91240B29-F687-4f45-9708-019B960494DF}">
-                <a14:hiddenLine xmlns="" xmlns:a16="http://schemas.microsoft.com/office/drawing/2014/main" xmlns:p14="http://schemas.microsoft.com/office/powerpoint/2010/main" xmlns:a14="http://schemas.microsoft.com/office/drawing/2010/main" w="9525">
+                <a14:hiddenLine xmlns:a14="http://schemas.microsoft.com/office/drawing/2010/main" xmlns:p14="http://schemas.microsoft.com/office/powerpoint/2010/main" xmlns:a16="http://schemas.microsoft.com/office/drawing/2014/main" xmlns="" w="9525">
                   <a:solidFill>
                     <a:srgbClr val="000000"/>
                   </a:solidFill>
@@ -28033,7 +28033,7 @@
             </a:ln>
             <a:extLst>
               <a:ext uri="{91240B29-F687-4f45-9708-019B960494DF}">
-                <a14:hiddenLine xmlns="" xmlns:a16="http://schemas.microsoft.com/office/drawing/2014/main" xmlns:p14="http://schemas.microsoft.com/office/powerpoint/2010/main" xmlns:a14="http://schemas.microsoft.com/office/drawing/2010/main" w="9525">
+                <a14:hiddenLine xmlns:a14="http://schemas.microsoft.com/office/drawing/2010/main" xmlns:p14="http://schemas.microsoft.com/office/powerpoint/2010/main" xmlns:a16="http://schemas.microsoft.com/office/drawing/2014/main" xmlns="" w="9525">
                   <a:solidFill>
                     <a:srgbClr val="000000"/>
                   </a:solidFill>
@@ -28163,7 +28163,7 @@
             </a:ln>
             <a:extLst>
               <a:ext uri="{91240B29-F687-4f45-9708-019B960494DF}">
-                <a14:hiddenLine xmlns="" xmlns:a16="http://schemas.microsoft.com/office/drawing/2014/main" xmlns:p14="http://schemas.microsoft.com/office/powerpoint/2010/main" xmlns:a14="http://schemas.microsoft.com/office/drawing/2010/main" w="9525">
+                <a14:hiddenLine xmlns:a14="http://schemas.microsoft.com/office/drawing/2010/main" xmlns:p14="http://schemas.microsoft.com/office/powerpoint/2010/main" xmlns:a16="http://schemas.microsoft.com/office/drawing/2014/main" xmlns="" w="9525">
                   <a:solidFill>
                     <a:srgbClr val="000000"/>
                   </a:solidFill>
@@ -28268,7 +28268,7 @@
             </a:ln>
             <a:extLst>
               <a:ext uri="{91240B29-F687-4f45-9708-019B960494DF}">
-                <a14:hiddenLine xmlns="" xmlns:a16="http://schemas.microsoft.com/office/drawing/2014/main" xmlns:p14="http://schemas.microsoft.com/office/powerpoint/2010/main" xmlns:a14="http://schemas.microsoft.com/office/drawing/2010/main" w="9525">
+                <a14:hiddenLine xmlns:a14="http://schemas.microsoft.com/office/drawing/2010/main" xmlns:p14="http://schemas.microsoft.com/office/powerpoint/2010/main" xmlns:a16="http://schemas.microsoft.com/office/drawing/2014/main" xmlns="" w="9525">
                   <a:solidFill>
                     <a:srgbClr val="000000"/>
                   </a:solidFill>
@@ -28348,7 +28348,7 @@
             </a:ln>
             <a:extLst>
               <a:ext uri="{91240B29-F687-4f45-9708-019B960494DF}">
-                <a14:hiddenLine xmlns="" xmlns:a16="http://schemas.microsoft.com/office/drawing/2014/main" xmlns:p14="http://schemas.microsoft.com/office/powerpoint/2010/main" xmlns:a14="http://schemas.microsoft.com/office/drawing/2010/main" w="9525">
+                <a14:hiddenLine xmlns:a14="http://schemas.microsoft.com/office/drawing/2010/main" xmlns:p14="http://schemas.microsoft.com/office/powerpoint/2010/main" xmlns:a16="http://schemas.microsoft.com/office/drawing/2014/main" xmlns="" w="9525">
                   <a:solidFill>
                     <a:srgbClr val="000000"/>
                   </a:solidFill>
@@ -28453,7 +28453,7 @@
             </a:ln>
             <a:extLst>
               <a:ext uri="{91240B29-F687-4f45-9708-019B960494DF}">
-                <a14:hiddenLine xmlns="" xmlns:a16="http://schemas.microsoft.com/office/drawing/2014/main" xmlns:p14="http://schemas.microsoft.com/office/powerpoint/2010/main" xmlns:a14="http://schemas.microsoft.com/office/drawing/2010/main" w="9525">
+                <a14:hiddenLine xmlns:a14="http://schemas.microsoft.com/office/drawing/2010/main" xmlns:p14="http://schemas.microsoft.com/office/powerpoint/2010/main" xmlns:a16="http://schemas.microsoft.com/office/drawing/2014/main" xmlns="" w="9525">
                   <a:solidFill>
                     <a:srgbClr val="000000"/>
                   </a:solidFill>
@@ -28536,7 +28536,7 @@
             </a:ln>
             <a:extLst>
               <a:ext uri="{91240B29-F687-4f45-9708-019B960494DF}">
-                <a14:hiddenLine xmlns="" xmlns:a16="http://schemas.microsoft.com/office/drawing/2014/main" xmlns:p14="http://schemas.microsoft.com/office/powerpoint/2010/main" xmlns:a14="http://schemas.microsoft.com/office/drawing/2010/main" w="9525">
+                <a14:hiddenLine xmlns:a14="http://schemas.microsoft.com/office/drawing/2010/main" xmlns:p14="http://schemas.microsoft.com/office/powerpoint/2010/main" xmlns:a16="http://schemas.microsoft.com/office/drawing/2014/main" xmlns="" w="9525">
                   <a:solidFill>
                     <a:srgbClr val="000000"/>
                   </a:solidFill>
@@ -28641,7 +28641,7 @@
             </a:ln>
             <a:extLst>
               <a:ext uri="{91240B29-F687-4f45-9708-019B960494DF}">
-                <a14:hiddenLine xmlns="" xmlns:a16="http://schemas.microsoft.com/office/drawing/2014/main" xmlns:p14="http://schemas.microsoft.com/office/powerpoint/2010/main" xmlns:a14="http://schemas.microsoft.com/office/drawing/2010/main" w="9525">
+                <a14:hiddenLine xmlns:a14="http://schemas.microsoft.com/office/drawing/2010/main" xmlns:p14="http://schemas.microsoft.com/office/powerpoint/2010/main" xmlns:a16="http://schemas.microsoft.com/office/drawing/2014/main" xmlns="" w="9525">
                   <a:solidFill>
                     <a:srgbClr val="000000"/>
                   </a:solidFill>
@@ -28724,7 +28724,7 @@
             </a:ln>
             <a:extLst>
               <a:ext uri="{91240B29-F687-4f45-9708-019B960494DF}">
-                <a14:hiddenLine xmlns="" xmlns:a16="http://schemas.microsoft.com/office/drawing/2014/main" xmlns:p14="http://schemas.microsoft.com/office/powerpoint/2010/main" xmlns:a14="http://schemas.microsoft.com/office/drawing/2010/main" w="9525">
+                <a14:hiddenLine xmlns:a14="http://schemas.microsoft.com/office/drawing/2010/main" xmlns:p14="http://schemas.microsoft.com/office/powerpoint/2010/main" xmlns:a16="http://schemas.microsoft.com/office/drawing/2014/main" xmlns="" w="9525">
                   <a:solidFill>
                     <a:srgbClr val="000000"/>
                   </a:solidFill>
@@ -28829,7 +28829,7 @@
             </a:ln>
             <a:extLst>
               <a:ext uri="{91240B29-F687-4f45-9708-019B960494DF}">
-                <a14:hiddenLine xmlns="" xmlns:a16="http://schemas.microsoft.com/office/drawing/2014/main" xmlns:p14="http://schemas.microsoft.com/office/powerpoint/2010/main" xmlns:a14="http://schemas.microsoft.com/office/drawing/2010/main" w="9525">
+                <a14:hiddenLine xmlns:a14="http://schemas.microsoft.com/office/drawing/2010/main" xmlns:p14="http://schemas.microsoft.com/office/powerpoint/2010/main" xmlns:a16="http://schemas.microsoft.com/office/drawing/2014/main" xmlns="" w="9525">
                   <a:solidFill>
                     <a:srgbClr val="000000"/>
                   </a:solidFill>
@@ -28878,7 +28878,7 @@
             </a:ln>
             <a:extLst>
               <a:ext uri="{91240B29-F687-4f45-9708-019B960494DF}">
-                <a14:hiddenLine xmlns="" xmlns:a16="http://schemas.microsoft.com/office/drawing/2014/main" xmlns:p14="http://schemas.microsoft.com/office/powerpoint/2010/main" xmlns:a14="http://schemas.microsoft.com/office/drawing/2010/main" w="9525">
+                <a14:hiddenLine xmlns:a14="http://schemas.microsoft.com/office/drawing/2010/main" xmlns:p14="http://schemas.microsoft.com/office/powerpoint/2010/main" xmlns:a16="http://schemas.microsoft.com/office/drawing/2014/main" xmlns="" w="9525">
                   <a:solidFill>
                     <a:srgbClr val="000000"/>
                   </a:solidFill>
@@ -29168,7 +29168,7 @@
             </a:ln>
             <a:extLst>
               <a:ext uri="{91240B29-F687-4f45-9708-019B960494DF}">
-                <a14:hiddenLine xmlns="" xmlns:a16="http://schemas.microsoft.com/office/drawing/2014/main" xmlns:p14="http://schemas.microsoft.com/office/powerpoint/2010/main" xmlns:a14="http://schemas.microsoft.com/office/drawing/2010/main" w="9525">
+                <a14:hiddenLine xmlns:a14="http://schemas.microsoft.com/office/drawing/2010/main" xmlns:p14="http://schemas.microsoft.com/office/powerpoint/2010/main" xmlns:a16="http://schemas.microsoft.com/office/drawing/2014/main" xmlns="" w="9525">
                   <a:solidFill>
                     <a:srgbClr val="000000"/>
                   </a:solidFill>
@@ -29273,7 +29273,7 @@
             </a:ln>
             <a:extLst>
               <a:ext uri="{91240B29-F687-4f45-9708-019B960494DF}">
-                <a14:hiddenLine xmlns="" xmlns:a16="http://schemas.microsoft.com/office/drawing/2014/main" xmlns:p14="http://schemas.microsoft.com/office/powerpoint/2010/main" xmlns:a14="http://schemas.microsoft.com/office/drawing/2010/main" w="9525">
+                <a14:hiddenLine xmlns:a14="http://schemas.microsoft.com/office/drawing/2010/main" xmlns:p14="http://schemas.microsoft.com/office/powerpoint/2010/main" xmlns:a16="http://schemas.microsoft.com/office/drawing/2014/main" xmlns="" w="9525">
                   <a:solidFill>
                     <a:srgbClr val="000000"/>
                   </a:solidFill>
@@ -29378,7 +29378,7 @@
             </a:ln>
             <a:extLst>
               <a:ext uri="{91240B29-F687-4f45-9708-019B960494DF}">
-                <a14:hiddenLine xmlns="" xmlns:a16="http://schemas.microsoft.com/office/drawing/2014/main" xmlns:p14="http://schemas.microsoft.com/office/powerpoint/2010/main" xmlns:a14="http://schemas.microsoft.com/office/drawing/2010/main" w="9525">
+                <a14:hiddenLine xmlns:a14="http://schemas.microsoft.com/office/drawing/2010/main" xmlns:p14="http://schemas.microsoft.com/office/powerpoint/2010/main" xmlns:a16="http://schemas.microsoft.com/office/drawing/2014/main" xmlns="" w="9525">
                   <a:solidFill>
                     <a:srgbClr val="000000"/>
                   </a:solidFill>
@@ -29455,7 +29455,7 @@
             </a:ln>
             <a:extLst>
               <a:ext uri="{91240B29-F687-4f45-9708-019B960494DF}">
-                <a14:hiddenLine xmlns="" xmlns:a16="http://schemas.microsoft.com/office/drawing/2014/main" xmlns:p14="http://schemas.microsoft.com/office/powerpoint/2010/main" xmlns:a14="http://schemas.microsoft.com/office/drawing/2010/main" w="9525">
+                <a14:hiddenLine xmlns:a14="http://schemas.microsoft.com/office/drawing/2010/main" xmlns:p14="http://schemas.microsoft.com/office/powerpoint/2010/main" xmlns:a16="http://schemas.microsoft.com/office/drawing/2014/main" xmlns="" w="9525">
                   <a:solidFill>
                     <a:srgbClr val="000000"/>
                   </a:solidFill>
@@ -29560,7 +29560,7 @@
             </a:ln>
             <a:extLst>
               <a:ext uri="{91240B29-F687-4f45-9708-019B960494DF}">
-                <a14:hiddenLine xmlns="" xmlns:a16="http://schemas.microsoft.com/office/drawing/2014/main" xmlns:p14="http://schemas.microsoft.com/office/powerpoint/2010/main" xmlns:a14="http://schemas.microsoft.com/office/drawing/2010/main" w="9525">
+                <a14:hiddenLine xmlns:a14="http://schemas.microsoft.com/office/drawing/2010/main" xmlns:p14="http://schemas.microsoft.com/office/powerpoint/2010/main" xmlns:a16="http://schemas.microsoft.com/office/drawing/2014/main" xmlns="" w="9525">
                   <a:solidFill>
                     <a:srgbClr val="000000"/>
                   </a:solidFill>
@@ -29637,7 +29637,7 @@
             </a:ln>
             <a:extLst>
               <a:ext uri="{91240B29-F687-4f45-9708-019B960494DF}">
-                <a14:hiddenLine xmlns="" xmlns:a16="http://schemas.microsoft.com/office/drawing/2014/main" xmlns:p14="http://schemas.microsoft.com/office/powerpoint/2010/main" xmlns:a14="http://schemas.microsoft.com/office/drawing/2010/main" w="9525">
+                <a14:hiddenLine xmlns:a14="http://schemas.microsoft.com/office/drawing/2010/main" xmlns:p14="http://schemas.microsoft.com/office/powerpoint/2010/main" xmlns:a16="http://schemas.microsoft.com/office/drawing/2014/main" xmlns="" w="9525">
                   <a:solidFill>
                     <a:srgbClr val="000000"/>
                   </a:solidFill>
@@ -29714,7 +29714,7 @@
             </a:ln>
             <a:extLst>
               <a:ext uri="{91240B29-F687-4f45-9708-019B960494DF}">
-                <a14:hiddenLine xmlns="" xmlns:a16="http://schemas.microsoft.com/office/drawing/2014/main" xmlns:p14="http://schemas.microsoft.com/office/powerpoint/2010/main" xmlns:a14="http://schemas.microsoft.com/office/drawing/2010/main" w="9525">
+                <a14:hiddenLine xmlns:a14="http://schemas.microsoft.com/office/drawing/2010/main" xmlns:p14="http://schemas.microsoft.com/office/powerpoint/2010/main" xmlns:a16="http://schemas.microsoft.com/office/drawing/2014/main" xmlns="" w="9525">
                   <a:solidFill>
                     <a:srgbClr val="000000"/>
                   </a:solidFill>
@@ -29819,7 +29819,7 @@
             </a:ln>
             <a:extLst>
               <a:ext uri="{91240B29-F687-4f45-9708-019B960494DF}">
-                <a14:hiddenLine xmlns="" xmlns:a16="http://schemas.microsoft.com/office/drawing/2014/main" xmlns:p14="http://schemas.microsoft.com/office/powerpoint/2010/main" xmlns:a14="http://schemas.microsoft.com/office/drawing/2010/main" w="9525">
+                <a14:hiddenLine xmlns:a14="http://schemas.microsoft.com/office/drawing/2010/main" xmlns:p14="http://schemas.microsoft.com/office/powerpoint/2010/main" xmlns:a16="http://schemas.microsoft.com/office/drawing/2014/main" xmlns="" w="9525">
                   <a:solidFill>
                     <a:srgbClr val="000000"/>
                   </a:solidFill>
@@ -29924,7 +29924,7 @@
             </a:ln>
             <a:extLst>
               <a:ext uri="{91240B29-F687-4f45-9708-019B960494DF}">
-                <a14:hiddenLine xmlns="" xmlns:a16="http://schemas.microsoft.com/office/drawing/2014/main" xmlns:p14="http://schemas.microsoft.com/office/powerpoint/2010/main" xmlns:a14="http://schemas.microsoft.com/office/drawing/2010/main" w="9525">
+                <a14:hiddenLine xmlns:a14="http://schemas.microsoft.com/office/drawing/2010/main" xmlns:p14="http://schemas.microsoft.com/office/powerpoint/2010/main" xmlns:a16="http://schemas.microsoft.com/office/drawing/2014/main" xmlns="" w="9525">
                   <a:solidFill>
                     <a:srgbClr val="000000"/>
                   </a:solidFill>
@@ -30001,7 +30001,7 @@
             </a:ln>
             <a:extLst>
               <a:ext uri="{91240B29-F687-4f45-9708-019B960494DF}">
-                <a14:hiddenLine xmlns="" xmlns:a16="http://schemas.microsoft.com/office/drawing/2014/main" xmlns:p14="http://schemas.microsoft.com/office/powerpoint/2010/main" xmlns:a14="http://schemas.microsoft.com/office/drawing/2010/main" w="9525">
+                <a14:hiddenLine xmlns:a14="http://schemas.microsoft.com/office/drawing/2010/main" xmlns:p14="http://schemas.microsoft.com/office/powerpoint/2010/main" xmlns:a16="http://schemas.microsoft.com/office/drawing/2014/main" xmlns="" w="9525">
                   <a:solidFill>
                     <a:srgbClr val="000000"/>
                   </a:solidFill>
@@ -30126,7 +30126,7 @@
             </a:ln>
             <a:extLst>
               <a:ext uri="{91240B29-F687-4f45-9708-019B960494DF}">
-                <a14:hiddenLine xmlns="" xmlns:a16="http://schemas.microsoft.com/office/drawing/2014/main" xmlns:p14="http://schemas.microsoft.com/office/powerpoint/2010/main" xmlns:a14="http://schemas.microsoft.com/office/drawing/2010/main" w="9525">
+                <a14:hiddenLine xmlns:a14="http://schemas.microsoft.com/office/drawing/2010/main" xmlns:p14="http://schemas.microsoft.com/office/powerpoint/2010/main" xmlns:a16="http://schemas.microsoft.com/office/drawing/2014/main" xmlns="" w="9525">
                   <a:solidFill>
                     <a:srgbClr val="000000"/>
                   </a:solidFill>
@@ -30240,7 +30240,7 @@
             </a:ln>
             <a:extLst>
               <a:ext uri="{91240B29-F687-4f45-9708-019B960494DF}">
-                <a14:hiddenLine xmlns="" xmlns:a16="http://schemas.microsoft.com/office/drawing/2014/main" xmlns:p14="http://schemas.microsoft.com/office/powerpoint/2010/main" xmlns:a14="http://schemas.microsoft.com/office/drawing/2010/main" w="9525">
+                <a14:hiddenLine xmlns:a14="http://schemas.microsoft.com/office/drawing/2010/main" xmlns:p14="http://schemas.microsoft.com/office/powerpoint/2010/main" xmlns:a16="http://schemas.microsoft.com/office/drawing/2014/main" xmlns="" w="9525">
                   <a:solidFill>
                     <a:srgbClr val="000000"/>
                   </a:solidFill>
@@ -30317,7 +30317,7 @@
             </a:ln>
             <a:extLst>
               <a:ext uri="{91240B29-F687-4f45-9708-019B960494DF}">
-                <a14:hiddenLine xmlns="" xmlns:a16="http://schemas.microsoft.com/office/drawing/2014/main" xmlns:p14="http://schemas.microsoft.com/office/powerpoint/2010/main" xmlns:a14="http://schemas.microsoft.com/office/drawing/2010/main" w="9525">
+                <a14:hiddenLine xmlns:a14="http://schemas.microsoft.com/office/drawing/2010/main" xmlns:p14="http://schemas.microsoft.com/office/powerpoint/2010/main" xmlns:a16="http://schemas.microsoft.com/office/drawing/2014/main" xmlns="" w="9525">
                   <a:solidFill>
                     <a:srgbClr val="000000"/>
                   </a:solidFill>
@@ -30394,7 +30394,7 @@
             </a:ln>
             <a:extLst>
               <a:ext uri="{91240B29-F687-4f45-9708-019B960494DF}">
-                <a14:hiddenLine xmlns="" xmlns:a16="http://schemas.microsoft.com/office/drawing/2014/main" xmlns:p14="http://schemas.microsoft.com/office/powerpoint/2010/main" xmlns:a14="http://schemas.microsoft.com/office/drawing/2010/main" w="9525">
+                <a14:hiddenLine xmlns:a14="http://schemas.microsoft.com/office/drawing/2010/main" xmlns:p14="http://schemas.microsoft.com/office/powerpoint/2010/main" xmlns:a16="http://schemas.microsoft.com/office/drawing/2014/main" xmlns="" w="9525">
                   <a:solidFill>
                     <a:srgbClr val="000000"/>
                   </a:solidFill>
@@ -30499,7 +30499,7 @@
             </a:ln>
             <a:extLst>
               <a:ext uri="{91240B29-F687-4f45-9708-019B960494DF}">
-                <a14:hiddenLine xmlns="" xmlns:a16="http://schemas.microsoft.com/office/drawing/2014/main" xmlns:p14="http://schemas.microsoft.com/office/powerpoint/2010/main" xmlns:a14="http://schemas.microsoft.com/office/drawing/2010/main" w="9525">
+                <a14:hiddenLine xmlns:a14="http://schemas.microsoft.com/office/drawing/2010/main" xmlns:p14="http://schemas.microsoft.com/office/powerpoint/2010/main" xmlns:a16="http://schemas.microsoft.com/office/drawing/2014/main" xmlns="" w="9525">
                   <a:solidFill>
                     <a:srgbClr val="000000"/>
                   </a:solidFill>
@@ -30548,7 +30548,7 @@
             </a:ln>
             <a:extLst>
               <a:ext uri="{91240B29-F687-4f45-9708-019B960494DF}">
-                <a14:hiddenLine xmlns="" xmlns:a16="http://schemas.microsoft.com/office/drawing/2014/main" xmlns:p14="http://schemas.microsoft.com/office/powerpoint/2010/main" xmlns:a14="http://schemas.microsoft.com/office/drawing/2010/main" w="9525">
+                <a14:hiddenLine xmlns:a14="http://schemas.microsoft.com/office/drawing/2010/main" xmlns:p14="http://schemas.microsoft.com/office/powerpoint/2010/main" xmlns:a16="http://schemas.microsoft.com/office/drawing/2014/main" xmlns="" w="9525">
                   <a:solidFill>
                     <a:srgbClr val="000000"/>
                   </a:solidFill>
@@ -30628,7 +30628,7 @@
             </a:ln>
             <a:extLst>
               <a:ext uri="{91240B29-F687-4f45-9708-019B960494DF}">
-                <a14:hiddenLine xmlns="" xmlns:a16="http://schemas.microsoft.com/office/drawing/2014/main" xmlns:p14="http://schemas.microsoft.com/office/powerpoint/2010/main" xmlns:a14="http://schemas.microsoft.com/office/drawing/2010/main" w="9525">
+                <a14:hiddenLine xmlns:a14="http://schemas.microsoft.com/office/drawing/2010/main" xmlns:p14="http://schemas.microsoft.com/office/powerpoint/2010/main" xmlns:a16="http://schemas.microsoft.com/office/drawing/2014/main" xmlns="" w="9525">
                   <a:solidFill>
                     <a:srgbClr val="000000"/>
                   </a:solidFill>
@@ -30733,7 +30733,7 @@
             </a:ln>
             <a:extLst>
               <a:ext uri="{91240B29-F687-4f45-9708-019B960494DF}">
-                <a14:hiddenLine xmlns="" xmlns:a16="http://schemas.microsoft.com/office/drawing/2014/main" xmlns:p14="http://schemas.microsoft.com/office/powerpoint/2010/main" xmlns:a14="http://schemas.microsoft.com/office/drawing/2010/main" w="9525">
+                <a14:hiddenLine xmlns:a14="http://schemas.microsoft.com/office/drawing/2010/main" xmlns:p14="http://schemas.microsoft.com/office/powerpoint/2010/main" xmlns:a16="http://schemas.microsoft.com/office/drawing/2014/main" xmlns="" w="9525">
                   <a:solidFill>
                     <a:srgbClr val="000000"/>
                   </a:solidFill>
@@ -30810,7 +30810,7 @@
             </a:ln>
             <a:extLst>
               <a:ext uri="{91240B29-F687-4f45-9708-019B960494DF}">
-                <a14:hiddenLine xmlns="" xmlns:a16="http://schemas.microsoft.com/office/drawing/2014/main" xmlns:p14="http://schemas.microsoft.com/office/powerpoint/2010/main" xmlns:a14="http://schemas.microsoft.com/office/drawing/2010/main" w="9525">
+                <a14:hiddenLine xmlns:a14="http://schemas.microsoft.com/office/drawing/2010/main" xmlns:p14="http://schemas.microsoft.com/office/powerpoint/2010/main" xmlns:a16="http://schemas.microsoft.com/office/drawing/2014/main" xmlns="" w="9525">
                   <a:solidFill>
                     <a:srgbClr val="000000"/>
                   </a:solidFill>
@@ -30915,7 +30915,7 @@
             </a:ln>
             <a:extLst>
               <a:ext uri="{91240B29-F687-4f45-9708-019B960494DF}">
-                <a14:hiddenLine xmlns="" xmlns:a16="http://schemas.microsoft.com/office/drawing/2014/main" xmlns:p14="http://schemas.microsoft.com/office/powerpoint/2010/main" xmlns:a14="http://schemas.microsoft.com/office/drawing/2010/main" w="9525">
+                <a14:hiddenLine xmlns:a14="http://schemas.microsoft.com/office/drawing/2010/main" xmlns:p14="http://schemas.microsoft.com/office/powerpoint/2010/main" xmlns:a16="http://schemas.microsoft.com/office/drawing/2014/main" xmlns="" w="9525">
                   <a:solidFill>
                     <a:srgbClr val="000000"/>
                   </a:solidFill>
@@ -30995,7 +30995,7 @@
             </a:ln>
             <a:extLst>
               <a:ext uri="{91240B29-F687-4f45-9708-019B960494DF}">
-                <a14:hiddenLine xmlns="" xmlns:a16="http://schemas.microsoft.com/office/drawing/2014/main" xmlns:p14="http://schemas.microsoft.com/office/powerpoint/2010/main" xmlns:a14="http://schemas.microsoft.com/office/drawing/2010/main" w="9525">
+                <a14:hiddenLine xmlns:a14="http://schemas.microsoft.com/office/drawing/2010/main" xmlns:p14="http://schemas.microsoft.com/office/powerpoint/2010/main" xmlns:a16="http://schemas.microsoft.com/office/drawing/2014/main" xmlns="" w="9525">
                   <a:solidFill>
                     <a:srgbClr val="000000"/>
                   </a:solidFill>
@@ -31072,7 +31072,7 @@
             </a:ln>
             <a:extLst>
               <a:ext uri="{91240B29-F687-4f45-9708-019B960494DF}">
-                <a14:hiddenLine xmlns="" xmlns:a16="http://schemas.microsoft.com/office/drawing/2014/main" xmlns:p14="http://schemas.microsoft.com/office/powerpoint/2010/main" xmlns:a14="http://schemas.microsoft.com/office/drawing/2010/main" w="9525">
+                <a14:hiddenLine xmlns:a14="http://schemas.microsoft.com/office/drawing/2010/main" xmlns:p14="http://schemas.microsoft.com/office/powerpoint/2010/main" xmlns:a16="http://schemas.microsoft.com/office/drawing/2014/main" xmlns="" w="9525">
                   <a:solidFill>
                     <a:srgbClr val="000000"/>
                   </a:solidFill>
@@ -31177,7 +31177,7 @@
             </a:ln>
             <a:extLst>
               <a:ext uri="{91240B29-F687-4f45-9708-019B960494DF}">
-                <a14:hiddenLine xmlns="" xmlns:a16="http://schemas.microsoft.com/office/drawing/2014/main" xmlns:p14="http://schemas.microsoft.com/office/powerpoint/2010/main" xmlns:a14="http://schemas.microsoft.com/office/drawing/2010/main" w="9525">
+                <a14:hiddenLine xmlns:a14="http://schemas.microsoft.com/office/drawing/2010/main" xmlns:p14="http://schemas.microsoft.com/office/powerpoint/2010/main" xmlns:a16="http://schemas.microsoft.com/office/drawing/2014/main" xmlns="" w="9525">
                   <a:solidFill>
                     <a:srgbClr val="000000"/>
                   </a:solidFill>
@@ -31282,7 +31282,7 @@
             </a:ln>
             <a:extLst>
               <a:ext uri="{91240B29-F687-4f45-9708-019B960494DF}">
-                <a14:hiddenLine xmlns="" xmlns:a16="http://schemas.microsoft.com/office/drawing/2014/main" xmlns:p14="http://schemas.microsoft.com/office/powerpoint/2010/main" xmlns:a14="http://schemas.microsoft.com/office/drawing/2010/main" w="9525">
+                <a14:hiddenLine xmlns:a14="http://schemas.microsoft.com/office/drawing/2010/main" xmlns:p14="http://schemas.microsoft.com/office/powerpoint/2010/main" xmlns:a16="http://schemas.microsoft.com/office/drawing/2014/main" xmlns="" w="9525">
                   <a:solidFill>
                     <a:srgbClr val="000000"/>
                   </a:solidFill>
@@ -31362,7 +31362,7 @@
             </a:ln>
             <a:extLst>
               <a:ext uri="{91240B29-F687-4f45-9708-019B960494DF}">
-                <a14:hiddenLine xmlns="" xmlns:a16="http://schemas.microsoft.com/office/drawing/2014/main" xmlns:p14="http://schemas.microsoft.com/office/powerpoint/2010/main" xmlns:a14="http://schemas.microsoft.com/office/drawing/2010/main" w="9525">
+                <a14:hiddenLine xmlns:a14="http://schemas.microsoft.com/office/drawing/2010/main" xmlns:p14="http://schemas.microsoft.com/office/powerpoint/2010/main" xmlns:a16="http://schemas.microsoft.com/office/drawing/2014/main" xmlns="" w="9525">
                   <a:solidFill>
                     <a:srgbClr val="000000"/>
                   </a:solidFill>
@@ -31497,7 +31497,7 @@
             </a:ln>
             <a:extLst>
               <a:ext uri="{91240B29-F687-4f45-9708-019B960494DF}">
-                <a14:hiddenLine xmlns="" xmlns:a16="http://schemas.microsoft.com/office/drawing/2014/main" xmlns:p14="http://schemas.microsoft.com/office/powerpoint/2010/main" xmlns:a14="http://schemas.microsoft.com/office/drawing/2010/main" w="9525">
+                <a14:hiddenLine xmlns:a14="http://schemas.microsoft.com/office/drawing/2010/main" xmlns:p14="http://schemas.microsoft.com/office/powerpoint/2010/main" xmlns:a16="http://schemas.microsoft.com/office/drawing/2014/main" xmlns="" w="9525">
                   <a:solidFill>
                     <a:srgbClr val="000000"/>
                   </a:solidFill>
@@ -31649,7 +31649,7 @@
             </a:r>
             <a:r>
               <a:rPr lang="pt-PT" sz="1700" dirty="0"/>
-              <a:t> (disponibilizada a ele próprio).</a:t>
+              <a:t> (disponibilizada ao próprio).</a:t>
             </a:r>
           </a:p>
           <a:p>
@@ -31799,7 +31799,7 @@
             </a:ln>
             <a:extLst>
               <a:ext uri="{91240B29-F687-4f45-9708-019B960494DF}">
-                <a14:hiddenLine xmlns="" xmlns:a16="http://schemas.microsoft.com/office/drawing/2014/main" xmlns:p14="http://schemas.microsoft.com/office/powerpoint/2010/main" xmlns:a14="http://schemas.microsoft.com/office/drawing/2010/main" w="9525">
+                <a14:hiddenLine xmlns:a14="http://schemas.microsoft.com/office/drawing/2010/main" xmlns:p14="http://schemas.microsoft.com/office/powerpoint/2010/main" xmlns:a16="http://schemas.microsoft.com/office/drawing/2014/main" xmlns="" w="9525">
                   <a:solidFill>
                     <a:srgbClr val="000000"/>
                   </a:solidFill>
@@ -31929,7 +31929,7 @@
             </a:ln>
             <a:extLst>
               <a:ext uri="{91240B29-F687-4f45-9708-019B960494DF}">
-                <a14:hiddenLine xmlns="" xmlns:a16="http://schemas.microsoft.com/office/drawing/2014/main" xmlns:p14="http://schemas.microsoft.com/office/powerpoint/2010/main" xmlns:a14="http://schemas.microsoft.com/office/drawing/2010/main" w="9525">
+                <a14:hiddenLine xmlns:a14="http://schemas.microsoft.com/office/drawing/2010/main" xmlns:p14="http://schemas.microsoft.com/office/powerpoint/2010/main" xmlns:a16="http://schemas.microsoft.com/office/drawing/2014/main" xmlns="" w="9525">
                   <a:solidFill>
                     <a:srgbClr val="000000"/>
                   </a:solidFill>
@@ -32034,7 +32034,7 @@
             </a:ln>
             <a:extLst>
               <a:ext uri="{91240B29-F687-4f45-9708-019B960494DF}">
-                <a14:hiddenLine xmlns="" xmlns:a16="http://schemas.microsoft.com/office/drawing/2014/main" xmlns:p14="http://schemas.microsoft.com/office/powerpoint/2010/main" xmlns:a14="http://schemas.microsoft.com/office/drawing/2010/main" w="9525">
+                <a14:hiddenLine xmlns:a14="http://schemas.microsoft.com/office/drawing/2010/main" xmlns:p14="http://schemas.microsoft.com/office/powerpoint/2010/main" xmlns:a16="http://schemas.microsoft.com/office/drawing/2014/main" xmlns="" w="9525">
                   <a:solidFill>
                     <a:srgbClr val="000000"/>
                   </a:solidFill>
@@ -32114,7 +32114,7 @@
             </a:ln>
             <a:extLst>
               <a:ext uri="{91240B29-F687-4f45-9708-019B960494DF}">
-                <a14:hiddenLine xmlns="" xmlns:a16="http://schemas.microsoft.com/office/drawing/2014/main" xmlns:p14="http://schemas.microsoft.com/office/powerpoint/2010/main" xmlns:a14="http://schemas.microsoft.com/office/drawing/2010/main" w="9525">
+                <a14:hiddenLine xmlns:a14="http://schemas.microsoft.com/office/drawing/2010/main" xmlns:p14="http://schemas.microsoft.com/office/powerpoint/2010/main" xmlns:a16="http://schemas.microsoft.com/office/drawing/2014/main" xmlns="" w="9525">
                   <a:solidFill>
                     <a:srgbClr val="000000"/>
                   </a:solidFill>
@@ -32219,7 +32219,7 @@
             </a:ln>
             <a:extLst>
               <a:ext uri="{91240B29-F687-4f45-9708-019B960494DF}">
-                <a14:hiddenLine xmlns="" xmlns:a16="http://schemas.microsoft.com/office/drawing/2014/main" xmlns:p14="http://schemas.microsoft.com/office/powerpoint/2010/main" xmlns:a14="http://schemas.microsoft.com/office/drawing/2010/main" w="9525">
+                <a14:hiddenLine xmlns:a14="http://schemas.microsoft.com/office/drawing/2010/main" xmlns:p14="http://schemas.microsoft.com/office/powerpoint/2010/main" xmlns:a16="http://schemas.microsoft.com/office/drawing/2014/main" xmlns="" w="9525">
                   <a:solidFill>
                     <a:srgbClr val="000000"/>
                   </a:solidFill>
@@ -32302,7 +32302,7 @@
             </a:ln>
             <a:extLst>
               <a:ext uri="{91240B29-F687-4f45-9708-019B960494DF}">
-                <a14:hiddenLine xmlns="" xmlns:a16="http://schemas.microsoft.com/office/drawing/2014/main" xmlns:p14="http://schemas.microsoft.com/office/powerpoint/2010/main" xmlns:a14="http://schemas.microsoft.com/office/drawing/2010/main" w="9525">
+                <a14:hiddenLine xmlns:a14="http://schemas.microsoft.com/office/drawing/2010/main" xmlns:p14="http://schemas.microsoft.com/office/powerpoint/2010/main" xmlns:a16="http://schemas.microsoft.com/office/drawing/2014/main" xmlns="" w="9525">
                   <a:solidFill>
                     <a:srgbClr val="000000"/>
                   </a:solidFill>
@@ -32407,7 +32407,7 @@
             </a:ln>
             <a:extLst>
               <a:ext uri="{91240B29-F687-4f45-9708-019B960494DF}">
-                <a14:hiddenLine xmlns="" xmlns:a16="http://schemas.microsoft.com/office/drawing/2014/main" xmlns:p14="http://schemas.microsoft.com/office/powerpoint/2010/main" xmlns:a14="http://schemas.microsoft.com/office/drawing/2010/main" w="9525">
+                <a14:hiddenLine xmlns:a14="http://schemas.microsoft.com/office/drawing/2010/main" xmlns:p14="http://schemas.microsoft.com/office/powerpoint/2010/main" xmlns:a16="http://schemas.microsoft.com/office/drawing/2014/main" xmlns="" w="9525">
                   <a:solidFill>
                     <a:srgbClr val="000000"/>
                   </a:solidFill>
@@ -32490,7 +32490,7 @@
             </a:ln>
             <a:extLst>
               <a:ext uri="{91240B29-F687-4f45-9708-019B960494DF}">
-                <a14:hiddenLine xmlns="" xmlns:a16="http://schemas.microsoft.com/office/drawing/2014/main" xmlns:p14="http://schemas.microsoft.com/office/powerpoint/2010/main" xmlns:a14="http://schemas.microsoft.com/office/drawing/2010/main" w="9525">
+                <a14:hiddenLine xmlns:a14="http://schemas.microsoft.com/office/drawing/2010/main" xmlns:p14="http://schemas.microsoft.com/office/powerpoint/2010/main" xmlns:a16="http://schemas.microsoft.com/office/drawing/2014/main" xmlns="" w="9525">
                   <a:solidFill>
                     <a:srgbClr val="000000"/>
                   </a:solidFill>
@@ -32595,7 +32595,7 @@
             </a:ln>
             <a:extLst>
               <a:ext uri="{91240B29-F687-4f45-9708-019B960494DF}">
-                <a14:hiddenLine xmlns="" xmlns:a16="http://schemas.microsoft.com/office/drawing/2014/main" xmlns:p14="http://schemas.microsoft.com/office/powerpoint/2010/main" xmlns:a14="http://schemas.microsoft.com/office/drawing/2010/main" w="9525">
+                <a14:hiddenLine xmlns:a14="http://schemas.microsoft.com/office/drawing/2010/main" xmlns:p14="http://schemas.microsoft.com/office/powerpoint/2010/main" xmlns:a16="http://schemas.microsoft.com/office/drawing/2014/main" xmlns="" w="9525">
                   <a:solidFill>
                     <a:srgbClr val="000000"/>
                   </a:solidFill>
@@ -32644,7 +32644,7 @@
             </a:ln>
             <a:extLst>
               <a:ext uri="{91240B29-F687-4f45-9708-019B960494DF}">
-                <a14:hiddenLine xmlns="" xmlns:a16="http://schemas.microsoft.com/office/drawing/2014/main" xmlns:p14="http://schemas.microsoft.com/office/powerpoint/2010/main" xmlns:a14="http://schemas.microsoft.com/office/drawing/2010/main" w="9525">
+                <a14:hiddenLine xmlns:a14="http://schemas.microsoft.com/office/drawing/2010/main" xmlns:p14="http://schemas.microsoft.com/office/powerpoint/2010/main" xmlns:a16="http://schemas.microsoft.com/office/drawing/2014/main" xmlns="" w="9525">
                   <a:solidFill>
                     <a:srgbClr val="000000"/>
                   </a:solidFill>

--- a/Parte 2.pptx
+++ b/Parte 2.pptx
@@ -379,7 +379,7 @@
           <a:p>
             <a:fld id="{4F1D87AD-7F15-454B-AEBB-C308D2F86D9B}" type="slidenum">
               <a:rPr lang="en-US" smtClean="0"/>
-              <a:t>‹nº›</a:t>
+              <a:t>‹#›</a:t>
             </a:fld>
             <a:endParaRPr lang="en-US"/>
           </a:p>
@@ -545,7 +545,7 @@
           <a:noFill/>
           <a:extLst>
             <a:ext uri="{909E8E84-426E-40dd-AFC4-6F175D3DCCD1}">
-              <a14:hiddenFill xmlns="" xmlns:a14="http://schemas.microsoft.com/office/drawing/2010/main">
+              <a14:hiddenFill xmlns:a14="http://schemas.microsoft.com/office/drawing/2010/main" xmlns="">
                 <a:solidFill>
                   <a:srgbClr val="FFFFFF"/>
                 </a:solidFill>
@@ -604,7 +604,7 @@
             </a:ln>
             <a:extLst>
               <a:ext uri="{91240B29-F687-4f45-9708-019B960494DF}">
-                <a14:hiddenLine xmlns="" xmlns:a14="http://schemas.microsoft.com/office/drawing/2010/main" w="9525">
+                <a14:hiddenLine xmlns:a14="http://schemas.microsoft.com/office/drawing/2010/main" xmlns="" w="9525">
                   <a:solidFill>
                     <a:srgbClr val="000000"/>
                   </a:solidFill>
@@ -694,7 +694,7 @@
             </a:ln>
             <a:extLst>
               <a:ext uri="{91240B29-F687-4f45-9708-019B960494DF}">
-                <a14:hiddenLine xmlns="" xmlns:a14="http://schemas.microsoft.com/office/drawing/2010/main" w="9525">
+                <a14:hiddenLine xmlns:a14="http://schemas.microsoft.com/office/drawing/2010/main" xmlns="" w="9525">
                   <a:solidFill>
                     <a:srgbClr val="000000"/>
                   </a:solidFill>
@@ -784,7 +784,7 @@
             </a:ln>
             <a:extLst>
               <a:ext uri="{91240B29-F687-4f45-9708-019B960494DF}">
-                <a14:hiddenLine xmlns="" xmlns:a14="http://schemas.microsoft.com/office/drawing/2010/main" w="9525">
+                <a14:hiddenLine xmlns:a14="http://schemas.microsoft.com/office/drawing/2010/main" xmlns="" w="9525">
                   <a:solidFill>
                     <a:srgbClr val="000000"/>
                   </a:solidFill>
@@ -818,7 +818,7 @@
             </a:ln>
             <a:extLst>
               <a:ext uri="{91240B29-F687-4f45-9708-019B960494DF}">
-                <a14:hiddenLine xmlns="" xmlns:a14="http://schemas.microsoft.com/office/drawing/2010/main" w="9525">
+                <a14:hiddenLine xmlns:a14="http://schemas.microsoft.com/office/drawing/2010/main" xmlns="" w="9525">
                   <a:solidFill>
                     <a:srgbClr val="000000"/>
                   </a:solidFill>
@@ -908,7 +908,7 @@
             </a:ln>
             <a:extLst>
               <a:ext uri="{91240B29-F687-4f45-9708-019B960494DF}">
-                <a14:hiddenLine xmlns="" xmlns:a14="http://schemas.microsoft.com/office/drawing/2010/main" w="9525">
+                <a14:hiddenLine xmlns:a14="http://schemas.microsoft.com/office/drawing/2010/main" xmlns="" w="9525">
                   <a:solidFill>
                     <a:srgbClr val="000000"/>
                   </a:solidFill>
@@ -970,7 +970,7 @@
             </a:ln>
             <a:extLst>
               <a:ext uri="{91240B29-F687-4f45-9708-019B960494DF}">
-                <a14:hiddenLine xmlns="" xmlns:a14="http://schemas.microsoft.com/office/drawing/2010/main" w="9525">
+                <a14:hiddenLine xmlns:a14="http://schemas.microsoft.com/office/drawing/2010/main" xmlns="" w="9525">
                   <a:solidFill>
                     <a:srgbClr val="000000"/>
                   </a:solidFill>
@@ -1032,7 +1032,7 @@
             </a:ln>
             <a:extLst>
               <a:ext uri="{91240B29-F687-4f45-9708-019B960494DF}">
-                <a14:hiddenLine xmlns="" xmlns:a14="http://schemas.microsoft.com/office/drawing/2010/main" w="9525">
+                <a14:hiddenLine xmlns:a14="http://schemas.microsoft.com/office/drawing/2010/main" xmlns="" w="9525">
                   <a:solidFill>
                     <a:srgbClr val="000000"/>
                   </a:solidFill>
@@ -1122,7 +1122,7 @@
             </a:ln>
             <a:extLst>
               <a:ext uri="{91240B29-F687-4f45-9708-019B960494DF}">
-                <a14:hiddenLine xmlns="" xmlns:a14="http://schemas.microsoft.com/office/drawing/2010/main" w="9525">
+                <a14:hiddenLine xmlns:a14="http://schemas.microsoft.com/office/drawing/2010/main" xmlns="" w="9525">
                   <a:solidFill>
                     <a:srgbClr val="000000"/>
                   </a:solidFill>
@@ -1184,7 +1184,7 @@
             </a:ln>
             <a:extLst>
               <a:ext uri="{91240B29-F687-4f45-9708-019B960494DF}">
-                <a14:hiddenLine xmlns="" xmlns:a14="http://schemas.microsoft.com/office/drawing/2010/main" w="9525">
+                <a14:hiddenLine xmlns:a14="http://schemas.microsoft.com/office/drawing/2010/main" xmlns="" w="9525">
                   <a:solidFill>
                     <a:srgbClr val="000000"/>
                   </a:solidFill>
@@ -1246,7 +1246,7 @@
             </a:ln>
             <a:extLst>
               <a:ext uri="{91240B29-F687-4f45-9708-019B960494DF}">
-                <a14:hiddenLine xmlns="" xmlns:a14="http://schemas.microsoft.com/office/drawing/2010/main" w="9525">
+                <a14:hiddenLine xmlns:a14="http://schemas.microsoft.com/office/drawing/2010/main" xmlns="" w="9525">
                   <a:solidFill>
                     <a:srgbClr val="000000"/>
                   </a:solidFill>
@@ -1336,7 +1336,7 @@
             </a:ln>
             <a:extLst>
               <a:ext uri="{91240B29-F687-4f45-9708-019B960494DF}">
-                <a14:hiddenLine xmlns="" xmlns:a14="http://schemas.microsoft.com/office/drawing/2010/main" w="9525">
+                <a14:hiddenLine xmlns:a14="http://schemas.microsoft.com/office/drawing/2010/main" xmlns="" w="9525">
                   <a:solidFill>
                     <a:srgbClr val="000000"/>
                   </a:solidFill>
@@ -1426,7 +1426,7 @@
             </a:ln>
             <a:extLst>
               <a:ext uri="{91240B29-F687-4f45-9708-019B960494DF}">
-                <a14:hiddenLine xmlns="" xmlns:a14="http://schemas.microsoft.com/office/drawing/2010/main" w="9525">
+                <a14:hiddenLine xmlns:a14="http://schemas.microsoft.com/office/drawing/2010/main" xmlns="" w="9525">
                   <a:solidFill>
                     <a:srgbClr val="000000"/>
                   </a:solidFill>
@@ -1488,7 +1488,7 @@
             </a:ln>
             <a:extLst>
               <a:ext uri="{91240B29-F687-4f45-9708-019B960494DF}">
-                <a14:hiddenLine xmlns="" xmlns:a14="http://schemas.microsoft.com/office/drawing/2010/main" w="9525">
+                <a14:hiddenLine xmlns:a14="http://schemas.microsoft.com/office/drawing/2010/main" xmlns="" w="9525">
                   <a:solidFill>
                     <a:srgbClr val="000000"/>
                   </a:solidFill>
@@ -1598,7 +1598,7 @@
             </a:ln>
             <a:extLst>
               <a:ext uri="{91240B29-F687-4f45-9708-019B960494DF}">
-                <a14:hiddenLine xmlns="" xmlns:a14="http://schemas.microsoft.com/office/drawing/2010/main" w="9525">
+                <a14:hiddenLine xmlns:a14="http://schemas.microsoft.com/office/drawing/2010/main" xmlns="" w="9525">
                   <a:solidFill>
                     <a:srgbClr val="000000"/>
                   </a:solidFill>
@@ -1660,7 +1660,7 @@
             </a:ln>
             <a:extLst>
               <a:ext uri="{91240B29-F687-4f45-9708-019B960494DF}">
-                <a14:hiddenLine xmlns="" xmlns:a14="http://schemas.microsoft.com/office/drawing/2010/main" w="9525">
+                <a14:hiddenLine xmlns:a14="http://schemas.microsoft.com/office/drawing/2010/main" xmlns="" w="9525">
                   <a:solidFill>
                     <a:srgbClr val="000000"/>
                   </a:solidFill>
@@ -1750,7 +1750,7 @@
             </a:ln>
             <a:extLst>
               <a:ext uri="{91240B29-F687-4f45-9708-019B960494DF}">
-                <a14:hiddenLine xmlns="" xmlns:a14="http://schemas.microsoft.com/office/drawing/2010/main" w="9525">
+                <a14:hiddenLine xmlns:a14="http://schemas.microsoft.com/office/drawing/2010/main" xmlns="" w="9525">
                   <a:solidFill>
                     <a:srgbClr val="000000"/>
                   </a:solidFill>
@@ -1840,7 +1840,7 @@
             </a:ln>
             <a:extLst>
               <a:ext uri="{91240B29-F687-4f45-9708-019B960494DF}">
-                <a14:hiddenLine xmlns="" xmlns:a14="http://schemas.microsoft.com/office/drawing/2010/main" w="9525">
+                <a14:hiddenLine xmlns:a14="http://schemas.microsoft.com/office/drawing/2010/main" xmlns="" w="9525">
                   <a:solidFill>
                     <a:srgbClr val="000000"/>
                   </a:solidFill>
@@ -1902,7 +1902,7 @@
             </a:ln>
             <a:extLst>
               <a:ext uri="{91240B29-F687-4f45-9708-019B960494DF}">
-                <a14:hiddenLine xmlns="" xmlns:a14="http://schemas.microsoft.com/office/drawing/2010/main" w="9525">
+                <a14:hiddenLine xmlns:a14="http://schemas.microsoft.com/office/drawing/2010/main" xmlns="" w="9525">
                   <a:solidFill>
                     <a:srgbClr val="000000"/>
                   </a:solidFill>
@@ -1992,7 +1992,7 @@
             </a:ln>
             <a:extLst>
               <a:ext uri="{91240B29-F687-4f45-9708-019B960494DF}">
-                <a14:hiddenLine xmlns="" xmlns:a14="http://schemas.microsoft.com/office/drawing/2010/main" w="9525">
+                <a14:hiddenLine xmlns:a14="http://schemas.microsoft.com/office/drawing/2010/main" xmlns="" w="9525">
                   <a:solidFill>
                     <a:srgbClr val="000000"/>
                   </a:solidFill>
@@ -2082,7 +2082,7 @@
             </a:ln>
             <a:extLst>
               <a:ext uri="{91240B29-F687-4f45-9708-019B960494DF}">
-                <a14:hiddenLine xmlns="" xmlns:a14="http://schemas.microsoft.com/office/drawing/2010/main" w="9525">
+                <a14:hiddenLine xmlns:a14="http://schemas.microsoft.com/office/drawing/2010/main" xmlns="" w="9525">
                   <a:solidFill>
                     <a:srgbClr val="000000"/>
                   </a:solidFill>
@@ -2138,7 +2138,7 @@
             </a:ln>
             <a:extLst>
               <a:ext uri="{91240B29-F687-4f45-9708-019B960494DF}">
-                <a14:hiddenLine xmlns="" xmlns:a14="http://schemas.microsoft.com/office/drawing/2010/main" w="9525">
+                <a14:hiddenLine xmlns:a14="http://schemas.microsoft.com/office/drawing/2010/main" xmlns="" w="9525">
                   <a:solidFill>
                     <a:srgbClr val="000000"/>
                   </a:solidFill>
@@ -2228,7 +2228,7 @@
             </a:ln>
             <a:extLst>
               <a:ext uri="{91240B29-F687-4f45-9708-019B960494DF}">
-                <a14:hiddenLine xmlns="" xmlns:a14="http://schemas.microsoft.com/office/drawing/2010/main" w="9525">
+                <a14:hiddenLine xmlns:a14="http://schemas.microsoft.com/office/drawing/2010/main" xmlns="" w="9525">
                   <a:solidFill>
                     <a:srgbClr val="000000"/>
                   </a:solidFill>
@@ -2284,7 +2284,7 @@
             </a:ln>
             <a:extLst>
               <a:ext uri="{91240B29-F687-4f45-9708-019B960494DF}">
-                <a14:hiddenLine xmlns="" xmlns:a14="http://schemas.microsoft.com/office/drawing/2010/main" w="9525">
+                <a14:hiddenLine xmlns:a14="http://schemas.microsoft.com/office/drawing/2010/main" xmlns="" w="9525">
                   <a:solidFill>
                     <a:srgbClr val="000000"/>
                   </a:solidFill>
@@ -2374,7 +2374,7 @@
             </a:ln>
             <a:extLst>
               <a:ext uri="{91240B29-F687-4f45-9708-019B960494DF}">
-                <a14:hiddenLine xmlns="" xmlns:a14="http://schemas.microsoft.com/office/drawing/2010/main" w="9525">
+                <a14:hiddenLine xmlns:a14="http://schemas.microsoft.com/office/drawing/2010/main" xmlns="" w="9525">
                   <a:solidFill>
                     <a:srgbClr val="000000"/>
                   </a:solidFill>
@@ -2442,7 +2442,7 @@
             </a:ln>
             <a:extLst>
               <a:ext uri="{91240B29-F687-4f45-9708-019B960494DF}">
-                <a14:hiddenLine xmlns="" xmlns:a14="http://schemas.microsoft.com/office/drawing/2010/main" w="9525">
+                <a14:hiddenLine xmlns:a14="http://schemas.microsoft.com/office/drawing/2010/main" xmlns="" w="9525">
                   <a:solidFill>
                     <a:srgbClr val="000000"/>
                   </a:solidFill>
@@ -2532,7 +2532,7 @@
             </a:ln>
             <a:extLst>
               <a:ext uri="{91240B29-F687-4f45-9708-019B960494DF}">
-                <a14:hiddenLine xmlns="" xmlns:a14="http://schemas.microsoft.com/office/drawing/2010/main" w="9525">
+                <a14:hiddenLine xmlns:a14="http://schemas.microsoft.com/office/drawing/2010/main" xmlns="" w="9525">
                   <a:solidFill>
                     <a:srgbClr val="000000"/>
                   </a:solidFill>
@@ -2600,7 +2600,7 @@
             </a:ln>
             <a:extLst>
               <a:ext uri="{91240B29-F687-4f45-9708-019B960494DF}">
-                <a14:hiddenLine xmlns="" xmlns:a14="http://schemas.microsoft.com/office/drawing/2010/main" w="9525">
+                <a14:hiddenLine xmlns:a14="http://schemas.microsoft.com/office/drawing/2010/main" xmlns="" w="9525">
                   <a:solidFill>
                     <a:srgbClr val="000000"/>
                   </a:solidFill>
@@ -2690,7 +2690,7 @@
             </a:ln>
             <a:extLst>
               <a:ext uri="{91240B29-F687-4f45-9708-019B960494DF}">
-                <a14:hiddenLine xmlns="" xmlns:a14="http://schemas.microsoft.com/office/drawing/2010/main" w="9525">
+                <a14:hiddenLine xmlns:a14="http://schemas.microsoft.com/office/drawing/2010/main" xmlns="" w="9525">
                   <a:solidFill>
                     <a:srgbClr val="000000"/>
                   </a:solidFill>
@@ -2724,7 +2724,7 @@
             </a:ln>
             <a:extLst>
               <a:ext uri="{91240B29-F687-4f45-9708-019B960494DF}">
-                <a14:hiddenLine xmlns="" xmlns:a14="http://schemas.microsoft.com/office/drawing/2010/main" w="9525">
+                <a14:hiddenLine xmlns:a14="http://schemas.microsoft.com/office/drawing/2010/main" xmlns="" w="9525">
                   <a:solidFill>
                     <a:srgbClr val="000000"/>
                   </a:solidFill>
@@ -2814,7 +2814,7 @@
             </a:ln>
             <a:extLst>
               <a:ext uri="{91240B29-F687-4f45-9708-019B960494DF}">
-                <a14:hiddenLine xmlns="" xmlns:a14="http://schemas.microsoft.com/office/drawing/2010/main" w="9525">
+                <a14:hiddenLine xmlns:a14="http://schemas.microsoft.com/office/drawing/2010/main" xmlns="" w="9525">
                   <a:solidFill>
                     <a:srgbClr val="000000"/>
                   </a:solidFill>
@@ -2876,7 +2876,7 @@
             </a:ln>
             <a:extLst>
               <a:ext uri="{91240B29-F687-4f45-9708-019B960494DF}">
-                <a14:hiddenLine xmlns="" xmlns:a14="http://schemas.microsoft.com/office/drawing/2010/main" w="9525">
+                <a14:hiddenLine xmlns:a14="http://schemas.microsoft.com/office/drawing/2010/main" xmlns="" w="9525">
                   <a:solidFill>
                     <a:srgbClr val="000000"/>
                   </a:solidFill>
@@ -2938,7 +2938,7 @@
             </a:ln>
             <a:extLst>
               <a:ext uri="{91240B29-F687-4f45-9708-019B960494DF}">
-                <a14:hiddenLine xmlns="" xmlns:a14="http://schemas.microsoft.com/office/drawing/2010/main" w="9525">
+                <a14:hiddenLine xmlns:a14="http://schemas.microsoft.com/office/drawing/2010/main" xmlns="" w="9525">
                   <a:solidFill>
                     <a:srgbClr val="000000"/>
                   </a:solidFill>
@@ -3028,7 +3028,7 @@
             </a:ln>
             <a:extLst>
               <a:ext uri="{91240B29-F687-4f45-9708-019B960494DF}">
-                <a14:hiddenLine xmlns="" xmlns:a14="http://schemas.microsoft.com/office/drawing/2010/main" w="9525">
+                <a14:hiddenLine xmlns:a14="http://schemas.microsoft.com/office/drawing/2010/main" xmlns="" w="9525">
                   <a:solidFill>
                     <a:srgbClr val="000000"/>
                   </a:solidFill>
@@ -3096,7 +3096,7 @@
             </a:ln>
             <a:extLst>
               <a:ext uri="{91240B29-F687-4f45-9708-019B960494DF}">
-                <a14:hiddenLine xmlns="" xmlns:a14="http://schemas.microsoft.com/office/drawing/2010/main" w="9525">
+                <a14:hiddenLine xmlns:a14="http://schemas.microsoft.com/office/drawing/2010/main" xmlns="" w="9525">
                   <a:solidFill>
                     <a:srgbClr val="000000"/>
                   </a:solidFill>
@@ -3158,7 +3158,7 @@
             </a:ln>
             <a:extLst>
               <a:ext uri="{91240B29-F687-4f45-9708-019B960494DF}">
-                <a14:hiddenLine xmlns="" xmlns:a14="http://schemas.microsoft.com/office/drawing/2010/main" w="9525">
+                <a14:hiddenLine xmlns:a14="http://schemas.microsoft.com/office/drawing/2010/main" xmlns="" w="9525">
                   <a:solidFill>
                     <a:srgbClr val="000000"/>
                   </a:solidFill>
@@ -3248,7 +3248,7 @@
             </a:ln>
             <a:extLst>
               <a:ext uri="{91240B29-F687-4f45-9708-019B960494DF}">
-                <a14:hiddenLine xmlns="" xmlns:a14="http://schemas.microsoft.com/office/drawing/2010/main" w="9525">
+                <a14:hiddenLine xmlns:a14="http://schemas.microsoft.com/office/drawing/2010/main" xmlns="" w="9525">
                   <a:solidFill>
                     <a:srgbClr val="000000"/>
                   </a:solidFill>
@@ -3310,7 +3310,7 @@
             </a:ln>
             <a:extLst>
               <a:ext uri="{91240B29-F687-4f45-9708-019B960494DF}">
-                <a14:hiddenLine xmlns="" xmlns:a14="http://schemas.microsoft.com/office/drawing/2010/main" w="9525">
+                <a14:hiddenLine xmlns:a14="http://schemas.microsoft.com/office/drawing/2010/main" xmlns="" w="9525">
                   <a:solidFill>
                     <a:srgbClr val="000000"/>
                   </a:solidFill>
@@ -3400,7 +3400,7 @@
             </a:ln>
             <a:extLst>
               <a:ext uri="{91240B29-F687-4f45-9708-019B960494DF}">
-                <a14:hiddenLine xmlns="" xmlns:a14="http://schemas.microsoft.com/office/drawing/2010/main" w="9525">
+                <a14:hiddenLine xmlns:a14="http://schemas.microsoft.com/office/drawing/2010/main" xmlns="" w="9525">
                   <a:solidFill>
                     <a:srgbClr val="000000"/>
                   </a:solidFill>
@@ -3462,7 +3462,7 @@
             </a:ln>
             <a:extLst>
               <a:ext uri="{91240B29-F687-4f45-9708-019B960494DF}">
-                <a14:hiddenLine xmlns="" xmlns:a14="http://schemas.microsoft.com/office/drawing/2010/main" w="9525">
+                <a14:hiddenLine xmlns:a14="http://schemas.microsoft.com/office/drawing/2010/main" xmlns="" w="9525">
                   <a:solidFill>
                     <a:srgbClr val="000000"/>
                   </a:solidFill>
@@ -3552,7 +3552,7 @@
             </a:ln>
             <a:extLst>
               <a:ext uri="{91240B29-F687-4f45-9708-019B960494DF}">
-                <a14:hiddenLine xmlns="" xmlns:a14="http://schemas.microsoft.com/office/drawing/2010/main" w="9525">
+                <a14:hiddenLine xmlns:a14="http://schemas.microsoft.com/office/drawing/2010/main" xmlns="" w="9525">
                   <a:solidFill>
                     <a:srgbClr val="000000"/>
                   </a:solidFill>
@@ -3586,7 +3586,7 @@
             </a:ln>
             <a:extLst>
               <a:ext uri="{91240B29-F687-4f45-9708-019B960494DF}">
-                <a14:hiddenLine xmlns="" xmlns:a14="http://schemas.microsoft.com/office/drawing/2010/main" w="9525">
+                <a14:hiddenLine xmlns:a14="http://schemas.microsoft.com/office/drawing/2010/main" xmlns="" w="9525">
                   <a:solidFill>
                     <a:srgbClr val="000000"/>
                   </a:solidFill>
@@ -3651,7 +3651,7 @@
             </a:ln>
             <a:extLst>
               <a:ext uri="{91240B29-F687-4f45-9708-019B960494DF}">
-                <a14:hiddenLine xmlns="" xmlns:a14="http://schemas.microsoft.com/office/drawing/2010/main" w="9525">
+                <a14:hiddenLine xmlns:a14="http://schemas.microsoft.com/office/drawing/2010/main" xmlns="" w="9525">
                   <a:solidFill>
                     <a:srgbClr val="000000"/>
                   </a:solidFill>
@@ -3741,7 +3741,7 @@
             </a:ln>
             <a:extLst>
               <a:ext uri="{91240B29-F687-4f45-9708-019B960494DF}">
-                <a14:hiddenLine xmlns="" xmlns:a14="http://schemas.microsoft.com/office/drawing/2010/main" w="9525">
+                <a14:hiddenLine xmlns:a14="http://schemas.microsoft.com/office/drawing/2010/main" xmlns="" w="9525">
                   <a:solidFill>
                     <a:srgbClr val="000000"/>
                   </a:solidFill>
@@ -3803,7 +3803,7 @@
             </a:ln>
             <a:extLst>
               <a:ext uri="{91240B29-F687-4f45-9708-019B960494DF}">
-                <a14:hiddenLine xmlns="" xmlns:a14="http://schemas.microsoft.com/office/drawing/2010/main" w="9525">
+                <a14:hiddenLine xmlns:a14="http://schemas.microsoft.com/office/drawing/2010/main" xmlns="" w="9525">
                   <a:solidFill>
                     <a:srgbClr val="000000"/>
                   </a:solidFill>
@@ -3893,7 +3893,7 @@
             </a:ln>
             <a:extLst>
               <a:ext uri="{91240B29-F687-4f45-9708-019B960494DF}">
-                <a14:hiddenLine xmlns="" xmlns:a14="http://schemas.microsoft.com/office/drawing/2010/main" w="9525">
+                <a14:hiddenLine xmlns:a14="http://schemas.microsoft.com/office/drawing/2010/main" xmlns="" w="9525">
                   <a:solidFill>
                     <a:srgbClr val="000000"/>
                   </a:solidFill>
@@ -3983,7 +3983,7 @@
             </a:ln>
             <a:extLst>
               <a:ext uri="{91240B29-F687-4f45-9708-019B960494DF}">
-                <a14:hiddenLine xmlns="" xmlns:a14="http://schemas.microsoft.com/office/drawing/2010/main" w="9525">
+                <a14:hiddenLine xmlns:a14="http://schemas.microsoft.com/office/drawing/2010/main" xmlns="" w="9525">
                   <a:solidFill>
                     <a:srgbClr val="000000"/>
                   </a:solidFill>
@@ -4048,7 +4048,7 @@
             </a:ln>
             <a:extLst>
               <a:ext uri="{91240B29-F687-4f45-9708-019B960494DF}">
-                <a14:hiddenLine xmlns="" xmlns:a14="http://schemas.microsoft.com/office/drawing/2010/main" w="9525">
+                <a14:hiddenLine xmlns:a14="http://schemas.microsoft.com/office/drawing/2010/main" xmlns="" w="9525">
                   <a:solidFill>
                     <a:srgbClr val="000000"/>
                   </a:solidFill>
@@ -4110,7 +4110,7 @@
             </a:ln>
             <a:extLst>
               <a:ext uri="{91240B29-F687-4f45-9708-019B960494DF}">
-                <a14:hiddenLine xmlns="" xmlns:a14="http://schemas.microsoft.com/office/drawing/2010/main" w="9525">
+                <a14:hiddenLine xmlns:a14="http://schemas.microsoft.com/office/drawing/2010/main" xmlns="" w="9525">
                   <a:solidFill>
                     <a:srgbClr val="000000"/>
                   </a:solidFill>
@@ -4200,7 +4200,7 @@
             </a:ln>
             <a:extLst>
               <a:ext uri="{91240B29-F687-4f45-9708-019B960494DF}">
-                <a14:hiddenLine xmlns="" xmlns:a14="http://schemas.microsoft.com/office/drawing/2010/main" w="9525">
+                <a14:hiddenLine xmlns:a14="http://schemas.microsoft.com/office/drawing/2010/main" xmlns="" w="9525">
                   <a:solidFill>
                     <a:srgbClr val="000000"/>
                   </a:solidFill>
@@ -4290,7 +4290,7 @@
             </a:ln>
             <a:extLst>
               <a:ext uri="{91240B29-F687-4f45-9708-019B960494DF}">
-                <a14:hiddenLine xmlns="" xmlns:a14="http://schemas.microsoft.com/office/drawing/2010/main" w="9525">
+                <a14:hiddenLine xmlns:a14="http://schemas.microsoft.com/office/drawing/2010/main" xmlns="" w="9525">
                   <a:solidFill>
                     <a:srgbClr val="000000"/>
                   </a:solidFill>
@@ -4352,7 +4352,7 @@
             </a:ln>
             <a:extLst>
               <a:ext uri="{91240B29-F687-4f45-9708-019B960494DF}">
-                <a14:hiddenLine xmlns="" xmlns:a14="http://schemas.microsoft.com/office/drawing/2010/main" w="9525">
+                <a14:hiddenLine xmlns:a14="http://schemas.microsoft.com/office/drawing/2010/main" xmlns="" w="9525">
                   <a:solidFill>
                     <a:srgbClr val="000000"/>
                   </a:solidFill>
@@ -4472,7 +4472,7 @@
             </a:ln>
             <a:extLst>
               <a:ext uri="{91240B29-F687-4f45-9708-019B960494DF}">
-                <a14:hiddenLine xmlns="" xmlns:a14="http://schemas.microsoft.com/office/drawing/2010/main" w="9525">
+                <a14:hiddenLine xmlns:a14="http://schemas.microsoft.com/office/drawing/2010/main" xmlns="" w="9525">
                   <a:solidFill>
                     <a:srgbClr val="000000"/>
                   </a:solidFill>
@@ -4540,7 +4540,7 @@
             </a:ln>
             <a:extLst>
               <a:ext uri="{91240B29-F687-4f45-9708-019B960494DF}">
-                <a14:hiddenLine xmlns="" xmlns:a14="http://schemas.microsoft.com/office/drawing/2010/main" w="9525">
+                <a14:hiddenLine xmlns:a14="http://schemas.microsoft.com/office/drawing/2010/main" xmlns="" w="9525">
                   <a:solidFill>
                     <a:srgbClr val="000000"/>
                   </a:solidFill>
@@ -4630,7 +4630,7 @@
             </a:ln>
             <a:extLst>
               <a:ext uri="{91240B29-F687-4f45-9708-019B960494DF}">
-                <a14:hiddenLine xmlns="" xmlns:a14="http://schemas.microsoft.com/office/drawing/2010/main" w="9525">
+                <a14:hiddenLine xmlns:a14="http://schemas.microsoft.com/office/drawing/2010/main" xmlns="" w="9525">
                   <a:solidFill>
                     <a:srgbClr val="000000"/>
                   </a:solidFill>
@@ -4825,7 +4825,7 @@
           <a:p>
             <a:fld id="{40FE1B0E-D763-4525-8983-8614C84C5E4B}" type="slidenum">
               <a:rPr lang="pt-PT" smtClean="0"/>
-              <a:t>‹nº›</a:t>
+              <a:t>‹#›</a:t>
             </a:fld>
             <a:endParaRPr lang="pt-PT"/>
           </a:p>
@@ -5085,7 +5085,7 @@
           <a:p>
             <a:fld id="{40FE1B0E-D763-4525-8983-8614C84C5E4B}" type="slidenum">
               <a:rPr lang="pt-PT" smtClean="0"/>
-              <a:t>‹nº›</a:t>
+              <a:t>‹#›</a:t>
             </a:fld>
             <a:endParaRPr lang="pt-PT"/>
           </a:p>
@@ -5284,7 +5284,7 @@
           <a:p>
             <a:fld id="{40FE1B0E-D763-4525-8983-8614C84C5E4B}" type="slidenum">
               <a:rPr lang="pt-PT" smtClean="0"/>
-              <a:t>‹nº›</a:t>
+              <a:t>‹#›</a:t>
             </a:fld>
             <a:endParaRPr lang="pt-PT"/>
           </a:p>
@@ -5550,7 +5550,7 @@
           <a:p>
             <a:fld id="{40FE1B0E-D763-4525-8983-8614C84C5E4B}" type="slidenum">
               <a:rPr lang="pt-PT" smtClean="0"/>
-              <a:t>‹nº›</a:t>
+              <a:t>‹#›</a:t>
             </a:fld>
             <a:endParaRPr lang="pt-PT"/>
           </a:p>
@@ -5987,7 +5987,7 @@
           <a:p>
             <a:fld id="{40FE1B0E-D763-4525-8983-8614C84C5E4B}" type="slidenum">
               <a:rPr lang="pt-PT" smtClean="0"/>
-              <a:t>‹nº›</a:t>
+              <a:t>‹#›</a:t>
             </a:fld>
             <a:endParaRPr lang="pt-PT"/>
           </a:p>
@@ -6536,7 +6536,7 @@
           <a:p>
             <a:fld id="{40FE1B0E-D763-4525-8983-8614C84C5E4B}" type="slidenum">
               <a:rPr lang="pt-PT" smtClean="0"/>
-              <a:t>‹nº›</a:t>
+              <a:t>‹#›</a:t>
             </a:fld>
             <a:endParaRPr lang="pt-PT"/>
           </a:p>
@@ -7259,7 +7259,7 @@
           <a:p>
             <a:fld id="{40FE1B0E-D763-4525-8983-8614C84C5E4B}" type="slidenum">
               <a:rPr lang="pt-PT" smtClean="0"/>
-              <a:t>‹nº›</a:t>
+              <a:t>‹#›</a:t>
             </a:fld>
             <a:endParaRPr lang="pt-PT"/>
           </a:p>
@@ -7432,7 +7432,7 @@
           <a:p>
             <a:fld id="{40FE1B0E-D763-4525-8983-8614C84C5E4B}" type="slidenum">
               <a:rPr lang="pt-PT" smtClean="0"/>
-              <a:t>‹nº›</a:t>
+              <a:t>‹#›</a:t>
             </a:fld>
             <a:endParaRPr lang="pt-PT"/>
           </a:p>
@@ -7615,7 +7615,7 @@
           <a:p>
             <a:fld id="{40FE1B0E-D763-4525-8983-8614C84C5E4B}" type="slidenum">
               <a:rPr lang="pt-PT" smtClean="0"/>
-              <a:t>‹nº›</a:t>
+              <a:t>‹#›</a:t>
             </a:fld>
             <a:endParaRPr lang="pt-PT"/>
           </a:p>
@@ -7788,7 +7788,7 @@
           <a:p>
             <a:fld id="{40FE1B0E-D763-4525-8983-8614C84C5E4B}" type="slidenum">
               <a:rPr lang="pt-PT" smtClean="0"/>
-              <a:t>‹nº›</a:t>
+              <a:t>‹#›</a:t>
             </a:fld>
             <a:endParaRPr lang="pt-PT"/>
           </a:p>
@@ -8041,7 +8041,7 @@
           <a:p>
             <a:fld id="{40FE1B0E-D763-4525-8983-8614C84C5E4B}" type="slidenum">
               <a:rPr lang="pt-PT" smtClean="0"/>
-              <a:t>‹nº›</a:t>
+              <a:t>‹#›</a:t>
             </a:fld>
             <a:endParaRPr lang="pt-PT"/>
           </a:p>
@@ -8276,7 +8276,7 @@
           <a:p>
             <a:fld id="{40FE1B0E-D763-4525-8983-8614C84C5E4B}" type="slidenum">
               <a:rPr lang="pt-PT" smtClean="0"/>
-              <a:t>‹nº›</a:t>
+              <a:t>‹#›</a:t>
             </a:fld>
             <a:endParaRPr lang="pt-PT"/>
           </a:p>
@@ -8660,7 +8660,7 @@
           <a:p>
             <a:fld id="{40FE1B0E-D763-4525-8983-8614C84C5E4B}" type="slidenum">
               <a:rPr lang="pt-PT" smtClean="0"/>
-              <a:t>‹nº›</a:t>
+              <a:t>‹#›</a:t>
             </a:fld>
             <a:endParaRPr lang="pt-PT"/>
           </a:p>
@@ -8781,7 +8781,7 @@
           <a:p>
             <a:fld id="{40FE1B0E-D763-4525-8983-8614C84C5E4B}" type="slidenum">
               <a:rPr lang="pt-PT" smtClean="0"/>
-              <a:t>‹nº›</a:t>
+              <a:t>‹#›</a:t>
             </a:fld>
             <a:endParaRPr lang="pt-PT"/>
           </a:p>
@@ -8879,7 +8879,7 @@
           <a:p>
             <a:fld id="{40FE1B0E-D763-4525-8983-8614C84C5E4B}" type="slidenum">
               <a:rPr lang="pt-PT" smtClean="0"/>
-              <a:t>‹nº›</a:t>
+              <a:t>‹#›</a:t>
             </a:fld>
             <a:endParaRPr lang="pt-PT"/>
           </a:p>
@@ -9131,7 +9131,7 @@
           <a:p>
             <a:fld id="{40FE1B0E-D763-4525-8983-8614C84C5E4B}" type="slidenum">
               <a:rPr lang="pt-PT" smtClean="0"/>
-              <a:t>‹nº›</a:t>
+              <a:t>‹#›</a:t>
             </a:fld>
             <a:endParaRPr lang="pt-PT"/>
           </a:p>
@@ -9414,7 +9414,7 @@
           <a:p>
             <a:fld id="{40FE1B0E-D763-4525-8983-8614C84C5E4B}" type="slidenum">
               <a:rPr lang="pt-PT" smtClean="0"/>
-              <a:t>‹nº›</a:t>
+              <a:t>‹#›</a:t>
             </a:fld>
             <a:endParaRPr lang="pt-PT"/>
           </a:p>
@@ -9495,7 +9495,7 @@
           <a:noFill/>
           <a:extLst>
             <a:ext uri="{909E8E84-426E-40dd-AFC4-6F175D3DCCD1}">
-              <a14:hiddenFill xmlns="" xmlns:a14="http://schemas.microsoft.com/office/drawing/2010/main">
+              <a14:hiddenFill xmlns:a14="http://schemas.microsoft.com/office/drawing/2010/main" xmlns="">
                 <a:solidFill>
                   <a:srgbClr val="FFFFFF"/>
                 </a:solidFill>
@@ -9569,7 +9569,7 @@
               </a:ln>
               <a:extLst>
                 <a:ext uri="{91240B29-F687-4f45-9708-019B960494DF}">
-                  <a14:hiddenLine xmlns="" xmlns:a14="http://schemas.microsoft.com/office/drawing/2010/main" w="9525">
+                  <a14:hiddenLine xmlns:a14="http://schemas.microsoft.com/office/drawing/2010/main" xmlns="" w="9525">
                     <a:solidFill>
                       <a:srgbClr val="000000"/>
                     </a:solidFill>
@@ -9659,7 +9659,7 @@
               </a:ln>
               <a:extLst>
                 <a:ext uri="{91240B29-F687-4f45-9708-019B960494DF}">
-                  <a14:hiddenLine xmlns="" xmlns:a14="http://schemas.microsoft.com/office/drawing/2010/main" w="9525">
+                  <a14:hiddenLine xmlns:a14="http://schemas.microsoft.com/office/drawing/2010/main" xmlns="" w="9525">
                     <a:solidFill>
                       <a:srgbClr val="000000"/>
                     </a:solidFill>
@@ -9749,7 +9749,7 @@
               </a:ln>
               <a:extLst>
                 <a:ext uri="{91240B29-F687-4f45-9708-019B960494DF}">
-                  <a14:hiddenLine xmlns="" xmlns:a14="http://schemas.microsoft.com/office/drawing/2010/main" w="9525">
+                  <a14:hiddenLine xmlns:a14="http://schemas.microsoft.com/office/drawing/2010/main" xmlns="" w="9525">
                     <a:solidFill>
                       <a:srgbClr val="000000"/>
                     </a:solidFill>
@@ -9811,7 +9811,7 @@
               </a:ln>
               <a:extLst>
                 <a:ext uri="{91240B29-F687-4f45-9708-019B960494DF}">
-                  <a14:hiddenLine xmlns="" xmlns:a14="http://schemas.microsoft.com/office/drawing/2010/main" w="9525">
+                  <a14:hiddenLine xmlns:a14="http://schemas.microsoft.com/office/drawing/2010/main" xmlns="" w="9525">
                     <a:solidFill>
                       <a:srgbClr val="000000"/>
                     </a:solidFill>
@@ -9901,7 +9901,7 @@
               </a:ln>
               <a:extLst>
                 <a:ext uri="{91240B29-F687-4f45-9708-019B960494DF}">
-                  <a14:hiddenLine xmlns="" xmlns:a14="http://schemas.microsoft.com/office/drawing/2010/main" w="9525">
+                  <a14:hiddenLine xmlns:a14="http://schemas.microsoft.com/office/drawing/2010/main" xmlns="" w="9525">
                     <a:solidFill>
                       <a:srgbClr val="000000"/>
                     </a:solidFill>
@@ -9963,7 +9963,7 @@
               </a:ln>
               <a:extLst>
                 <a:ext uri="{91240B29-F687-4f45-9708-019B960494DF}">
-                  <a14:hiddenLine xmlns="" xmlns:a14="http://schemas.microsoft.com/office/drawing/2010/main" w="9525">
+                  <a14:hiddenLine xmlns:a14="http://schemas.microsoft.com/office/drawing/2010/main" xmlns="" w="9525">
                     <a:solidFill>
                       <a:srgbClr val="000000"/>
                     </a:solidFill>
@@ -10025,7 +10025,7 @@
               </a:ln>
               <a:extLst>
                 <a:ext uri="{91240B29-F687-4f45-9708-019B960494DF}">
-                  <a14:hiddenLine xmlns="" xmlns:a14="http://schemas.microsoft.com/office/drawing/2010/main" w="9525">
+                  <a14:hiddenLine xmlns:a14="http://schemas.microsoft.com/office/drawing/2010/main" xmlns="" w="9525">
                     <a:solidFill>
                       <a:srgbClr val="000000"/>
                     </a:solidFill>
@@ -10115,7 +10115,7 @@
               </a:ln>
               <a:extLst>
                 <a:ext uri="{91240B29-F687-4f45-9708-019B960494DF}">
-                  <a14:hiddenLine xmlns="" xmlns:a14="http://schemas.microsoft.com/office/drawing/2010/main" w="9525">
+                  <a14:hiddenLine xmlns:a14="http://schemas.microsoft.com/office/drawing/2010/main" xmlns="" w="9525">
                     <a:solidFill>
                       <a:srgbClr val="000000"/>
                     </a:solidFill>
@@ -10205,7 +10205,7 @@
               </a:ln>
               <a:extLst>
                 <a:ext uri="{91240B29-F687-4f45-9708-019B960494DF}">
-                  <a14:hiddenLine xmlns="" xmlns:a14="http://schemas.microsoft.com/office/drawing/2010/main" w="9525">
+                  <a14:hiddenLine xmlns:a14="http://schemas.microsoft.com/office/drawing/2010/main" xmlns="" w="9525">
                     <a:solidFill>
                       <a:srgbClr val="000000"/>
                     </a:solidFill>
@@ -10267,7 +10267,7 @@
               </a:ln>
               <a:extLst>
                 <a:ext uri="{91240B29-F687-4f45-9708-019B960494DF}">
-                  <a14:hiddenLine xmlns="" xmlns:a14="http://schemas.microsoft.com/office/drawing/2010/main" w="9525">
+                  <a14:hiddenLine xmlns:a14="http://schemas.microsoft.com/office/drawing/2010/main" xmlns="" w="9525">
                     <a:solidFill>
                       <a:srgbClr val="000000"/>
                     </a:solidFill>
@@ -10377,7 +10377,7 @@
               </a:ln>
               <a:extLst>
                 <a:ext uri="{91240B29-F687-4f45-9708-019B960494DF}">
-                  <a14:hiddenLine xmlns="" xmlns:a14="http://schemas.microsoft.com/office/drawing/2010/main" w="9525">
+                  <a14:hiddenLine xmlns:a14="http://schemas.microsoft.com/office/drawing/2010/main" xmlns="" w="9525">
                     <a:solidFill>
                       <a:srgbClr val="000000"/>
                     </a:solidFill>
@@ -10461,7 +10461,7 @@
               </a:ln>
               <a:extLst>
                 <a:ext uri="{91240B29-F687-4f45-9708-019B960494DF}">
-                  <a14:hiddenLine xmlns="" xmlns:a14="http://schemas.microsoft.com/office/drawing/2010/main" w="9525">
+                  <a14:hiddenLine xmlns:a14="http://schemas.microsoft.com/office/drawing/2010/main" xmlns="" w="9525">
                     <a:solidFill>
                       <a:srgbClr val="000000"/>
                     </a:solidFill>
@@ -10523,7 +10523,7 @@
               </a:ln>
               <a:extLst>
                 <a:ext uri="{91240B29-F687-4f45-9708-019B960494DF}">
-                  <a14:hiddenLine xmlns="" xmlns:a14="http://schemas.microsoft.com/office/drawing/2010/main" w="9525">
+                  <a14:hiddenLine xmlns:a14="http://schemas.microsoft.com/office/drawing/2010/main" xmlns="" w="9525">
                     <a:solidFill>
                       <a:srgbClr val="000000"/>
                     </a:solidFill>
@@ -10585,7 +10585,7 @@
               </a:ln>
               <a:extLst>
                 <a:ext uri="{91240B29-F687-4f45-9708-019B960494DF}">
-                  <a14:hiddenLine xmlns="" xmlns:a14="http://schemas.microsoft.com/office/drawing/2010/main" w="9525">
+                  <a14:hiddenLine xmlns:a14="http://schemas.microsoft.com/office/drawing/2010/main" xmlns="" w="9525">
                     <a:solidFill>
                       <a:srgbClr val="000000"/>
                     </a:solidFill>
@@ -10675,7 +10675,7 @@
               </a:ln>
               <a:extLst>
                 <a:ext uri="{91240B29-F687-4f45-9708-019B960494DF}">
-                  <a14:hiddenLine xmlns="" xmlns:a14="http://schemas.microsoft.com/office/drawing/2010/main" w="9525">
+                  <a14:hiddenLine xmlns:a14="http://schemas.microsoft.com/office/drawing/2010/main" xmlns="" w="9525">
                     <a:solidFill>
                       <a:srgbClr val="000000"/>
                     </a:solidFill>
@@ -10709,7 +10709,7 @@
               </a:ln>
               <a:extLst>
                 <a:ext uri="{91240B29-F687-4f45-9708-019B960494DF}">
-                  <a14:hiddenLine xmlns="" xmlns:a14="http://schemas.microsoft.com/office/drawing/2010/main" w="9525">
+                  <a14:hiddenLine xmlns:a14="http://schemas.microsoft.com/office/drawing/2010/main" xmlns="" w="9525">
                     <a:solidFill>
                       <a:srgbClr val="000000"/>
                     </a:solidFill>
@@ -10774,7 +10774,7 @@
               </a:ln>
               <a:extLst>
                 <a:ext uri="{91240B29-F687-4f45-9708-019B960494DF}">
-                  <a14:hiddenLine xmlns="" xmlns:a14="http://schemas.microsoft.com/office/drawing/2010/main" w="9525">
+                  <a14:hiddenLine xmlns:a14="http://schemas.microsoft.com/office/drawing/2010/main" xmlns="" w="9525">
                     <a:solidFill>
                       <a:srgbClr val="000000"/>
                     </a:solidFill>
@@ -10864,7 +10864,7 @@
               </a:ln>
               <a:extLst>
                 <a:ext uri="{91240B29-F687-4f45-9708-019B960494DF}">
-                  <a14:hiddenLine xmlns="" xmlns:a14="http://schemas.microsoft.com/office/drawing/2010/main" w="9525">
+                  <a14:hiddenLine xmlns:a14="http://schemas.microsoft.com/office/drawing/2010/main" xmlns="" w="9525">
                     <a:solidFill>
                       <a:srgbClr val="000000"/>
                     </a:solidFill>
@@ -10926,7 +10926,7 @@
               </a:ln>
               <a:extLst>
                 <a:ext uri="{91240B29-F687-4f45-9708-019B960494DF}">
-                  <a14:hiddenLine xmlns="" xmlns:a14="http://schemas.microsoft.com/office/drawing/2010/main" w="9525">
+                  <a14:hiddenLine xmlns:a14="http://schemas.microsoft.com/office/drawing/2010/main" xmlns="" w="9525">
                     <a:solidFill>
                       <a:srgbClr val="000000"/>
                     </a:solidFill>
@@ -11016,7 +11016,7 @@
               </a:ln>
               <a:extLst>
                 <a:ext uri="{91240B29-F687-4f45-9708-019B960494DF}">
-                  <a14:hiddenLine xmlns="" xmlns:a14="http://schemas.microsoft.com/office/drawing/2010/main" w="9525">
+                  <a14:hiddenLine xmlns:a14="http://schemas.microsoft.com/office/drawing/2010/main" xmlns="" w="9525">
                     <a:solidFill>
                       <a:srgbClr val="000000"/>
                     </a:solidFill>
@@ -11081,7 +11081,7 @@
               </a:ln>
               <a:extLst>
                 <a:ext uri="{91240B29-F687-4f45-9708-019B960494DF}">
-                  <a14:hiddenLine xmlns="" xmlns:a14="http://schemas.microsoft.com/office/drawing/2010/main" w="9525">
+                  <a14:hiddenLine xmlns:a14="http://schemas.microsoft.com/office/drawing/2010/main" xmlns="" w="9525">
                     <a:solidFill>
                       <a:srgbClr val="000000"/>
                     </a:solidFill>
@@ -11143,7 +11143,7 @@
               </a:ln>
               <a:extLst>
                 <a:ext uri="{91240B29-F687-4f45-9708-019B960494DF}">
-                  <a14:hiddenLine xmlns="" xmlns:a14="http://schemas.microsoft.com/office/drawing/2010/main" w="9525">
+                  <a14:hiddenLine xmlns:a14="http://schemas.microsoft.com/office/drawing/2010/main" xmlns="" w="9525">
                     <a:solidFill>
                       <a:srgbClr val="000000"/>
                     </a:solidFill>
@@ -11233,7 +11233,7 @@
               </a:ln>
               <a:extLst>
                 <a:ext uri="{91240B29-F687-4f45-9708-019B960494DF}">
-                  <a14:hiddenLine xmlns="" xmlns:a14="http://schemas.microsoft.com/office/drawing/2010/main" w="9525">
+                  <a14:hiddenLine xmlns:a14="http://schemas.microsoft.com/office/drawing/2010/main" xmlns="" w="9525">
                     <a:solidFill>
                       <a:srgbClr val="000000"/>
                     </a:solidFill>
@@ -11323,7 +11323,7 @@
               </a:ln>
               <a:extLst>
                 <a:ext uri="{91240B29-F687-4f45-9708-019B960494DF}">
-                  <a14:hiddenLine xmlns="" xmlns:a14="http://schemas.microsoft.com/office/drawing/2010/main" w="9525">
+                  <a14:hiddenLine xmlns:a14="http://schemas.microsoft.com/office/drawing/2010/main" xmlns="" w="9525">
                     <a:solidFill>
                       <a:srgbClr val="000000"/>
                     </a:solidFill>
@@ -11388,7 +11388,7 @@
               </a:ln>
               <a:extLst>
                 <a:ext uri="{91240B29-F687-4f45-9708-019B960494DF}">
-                  <a14:hiddenLine xmlns="" xmlns:a14="http://schemas.microsoft.com/office/drawing/2010/main" w="9525">
+                  <a14:hiddenLine xmlns:a14="http://schemas.microsoft.com/office/drawing/2010/main" xmlns="" w="9525">
                     <a:solidFill>
                       <a:srgbClr val="000000"/>
                     </a:solidFill>
@@ -11508,7 +11508,7 @@
               </a:ln>
               <a:extLst>
                 <a:ext uri="{91240B29-F687-4f45-9708-019B960494DF}">
-                  <a14:hiddenLine xmlns="" xmlns:a14="http://schemas.microsoft.com/office/drawing/2010/main" w="9525">
+                  <a14:hiddenLine xmlns:a14="http://schemas.microsoft.com/office/drawing/2010/main" xmlns="" w="9525">
                     <a:solidFill>
                       <a:srgbClr val="000000"/>
                     </a:solidFill>
@@ -11589,7 +11589,7 @@
               </a:ln>
               <a:extLst>
                 <a:ext uri="{91240B29-F687-4f45-9708-019B960494DF}">
-                  <a14:hiddenLine xmlns="" xmlns:a14="http://schemas.microsoft.com/office/drawing/2010/main" w="9525">
+                  <a14:hiddenLine xmlns:a14="http://schemas.microsoft.com/office/drawing/2010/main" xmlns="" w="9525">
                     <a:solidFill>
                       <a:srgbClr val="000000"/>
                     </a:solidFill>
@@ -11704,7 +11704,7 @@
               </a:ln>
               <a:extLst>
                 <a:ext uri="{91240B29-F687-4f45-9708-019B960494DF}">
-                  <a14:hiddenLine xmlns="" xmlns:a14="http://schemas.microsoft.com/office/drawing/2010/main" w="9525">
+                  <a14:hiddenLine xmlns:a14="http://schemas.microsoft.com/office/drawing/2010/main" xmlns="" w="9525">
                     <a:solidFill>
                       <a:srgbClr val="000000"/>
                     </a:solidFill>
@@ -11794,7 +11794,7 @@
               </a:ln>
               <a:extLst>
                 <a:ext uri="{91240B29-F687-4f45-9708-019B960494DF}">
-                  <a14:hiddenLine xmlns="" xmlns:a14="http://schemas.microsoft.com/office/drawing/2010/main" w="9525">
+                  <a14:hiddenLine xmlns:a14="http://schemas.microsoft.com/office/drawing/2010/main" xmlns="" w="9525">
                     <a:solidFill>
                       <a:srgbClr val="000000"/>
                     </a:solidFill>
@@ -11859,7 +11859,7 @@
               </a:ln>
               <a:extLst>
                 <a:ext uri="{91240B29-F687-4f45-9708-019B960494DF}">
-                  <a14:hiddenLine xmlns="" xmlns:a14="http://schemas.microsoft.com/office/drawing/2010/main" w="9525">
+                  <a14:hiddenLine xmlns:a14="http://schemas.microsoft.com/office/drawing/2010/main" xmlns="" w="9525">
                     <a:solidFill>
                       <a:srgbClr val="000000"/>
                     </a:solidFill>
@@ -11949,7 +11949,7 @@
               </a:ln>
               <a:extLst>
                 <a:ext uri="{91240B29-F687-4f45-9708-019B960494DF}">
-                  <a14:hiddenLine xmlns="" xmlns:a14="http://schemas.microsoft.com/office/drawing/2010/main" w="9525">
+                  <a14:hiddenLine xmlns:a14="http://schemas.microsoft.com/office/drawing/2010/main" xmlns="" w="9525">
                     <a:solidFill>
                       <a:srgbClr val="000000"/>
                     </a:solidFill>
@@ -12017,7 +12017,7 @@
               </a:ln>
               <a:extLst>
                 <a:ext uri="{91240B29-F687-4f45-9708-019B960494DF}">
-                  <a14:hiddenLine xmlns="" xmlns:a14="http://schemas.microsoft.com/office/drawing/2010/main" w="9525">
+                  <a14:hiddenLine xmlns:a14="http://schemas.microsoft.com/office/drawing/2010/main" xmlns="" w="9525">
                     <a:solidFill>
                       <a:srgbClr val="000000"/>
                     </a:solidFill>
@@ -12107,7 +12107,7 @@
               </a:ln>
               <a:extLst>
                 <a:ext uri="{91240B29-F687-4f45-9708-019B960494DF}">
-                  <a14:hiddenLine xmlns="" xmlns:a14="http://schemas.microsoft.com/office/drawing/2010/main" w="9525">
+                  <a14:hiddenLine xmlns:a14="http://schemas.microsoft.com/office/drawing/2010/main" xmlns="" w="9525">
                     <a:solidFill>
                       <a:srgbClr val="000000"/>
                     </a:solidFill>
@@ -12175,7 +12175,7 @@
               </a:ln>
               <a:extLst>
                 <a:ext uri="{91240B29-F687-4f45-9708-019B960494DF}">
-                  <a14:hiddenLine xmlns="" xmlns:a14="http://schemas.microsoft.com/office/drawing/2010/main" w="9525">
+                  <a14:hiddenLine xmlns:a14="http://schemas.microsoft.com/office/drawing/2010/main" xmlns="" w="9525">
                     <a:solidFill>
                       <a:srgbClr val="000000"/>
                     </a:solidFill>
@@ -12265,7 +12265,7 @@
               </a:ln>
               <a:extLst>
                 <a:ext uri="{91240B29-F687-4f45-9708-019B960494DF}">
-                  <a14:hiddenLine xmlns="" xmlns:a14="http://schemas.microsoft.com/office/drawing/2010/main" w="9525">
+                  <a14:hiddenLine xmlns:a14="http://schemas.microsoft.com/office/drawing/2010/main" xmlns="" w="9525">
                     <a:solidFill>
                       <a:srgbClr val="000000"/>
                     </a:solidFill>
@@ -12299,7 +12299,7 @@
               </a:ln>
               <a:extLst>
                 <a:ext uri="{91240B29-F687-4f45-9708-019B960494DF}">
-                  <a14:hiddenLine xmlns="" xmlns:a14="http://schemas.microsoft.com/office/drawing/2010/main" w="9525">
+                  <a14:hiddenLine xmlns:a14="http://schemas.microsoft.com/office/drawing/2010/main" xmlns="" w="9525">
                     <a:solidFill>
                       <a:srgbClr val="000000"/>
                     </a:solidFill>
@@ -12520,7 +12520,7 @@
           <a:p>
             <a:fld id="{40FE1B0E-D763-4525-8983-8614C84C5E4B}" type="slidenum">
               <a:rPr lang="pt-PT" smtClean="0"/>
-              <a:t>‹nº›</a:t>
+              <a:t>‹#›</a:t>
             </a:fld>
             <a:endParaRPr lang="pt-PT"/>
           </a:p>
@@ -13133,14 +13133,7 @@
                 <a:effectLst/>
                 <a:latin typeface="-apple-system"/>
               </a:rPr>
-              <a:t>Destaque de funcionalidade – uso de </a:t>
-            </a:r>
-            <a:r>
-              <a:rPr lang="pt-PT" b="0" i="0" dirty="0" err="1">
-                <a:effectLst/>
-                <a:latin typeface="-apple-system"/>
-              </a:rPr>
-              <a:t>Map</a:t>
+              <a:t>Destaque de funcionalidade – uso de UNORDERED Map</a:t>
             </a:r>
             <a:endParaRPr lang="pt-PT" dirty="0"/>
           </a:p>
@@ -13214,7 +13207,7 @@
           <a:p>
             <a:r>
               <a:rPr lang="pt-PT" dirty="0"/>
-              <a:t>Utilizado para associar o Nickname de cada User ao seu ID, ajudando no login.</a:t>
+              <a:t>Utilizado para associar o Nickname de cada User ao seu ID (sistema de login).</a:t>
             </a:r>
           </a:p>
           <a:p>
@@ -13680,7 +13673,7 @@
             </a:pPr>
             <a:r>
               <a:rPr lang="pt-PT" sz="2200" dirty="0"/>
-              <a:t>Algumas funcionalidades foram adicionadas ou alteradas em relação ao enunciado:</a:t>
+              <a:t>Algumas funcionalidades foram adicionadas em relação ao enunciado:</a:t>
             </a:r>
           </a:p>
           <a:p>
@@ -14533,15 +14526,21 @@
         </p:nvSpPr>
         <p:spPr>
           <a:xfrm>
-            <a:off x="1141413" y="1707946"/>
-            <a:ext cx="5561228" cy="4089170"/>
+            <a:off x="973449" y="1750814"/>
+            <a:ext cx="6092467" cy="4479790"/>
           </a:xfrm>
         </p:spPr>
         <p:txBody>
           <a:bodyPr>
-            <a:normAutofit fontScale="70000" lnSpcReduction="20000"/>
+            <a:normAutofit fontScale="55000" lnSpcReduction="20000"/>
           </a:bodyPr>
           <a:lstStyle/>
+          <a:p>
+            <a:r>
+              <a:rPr lang="pt-PT" dirty="0"/>
+              <a:t>100		//Max merch sales (global)</a:t>
+            </a:r>
+          </a:p>
           <a:p>
             <a:r>
               <a:rPr lang="pt-PT" dirty="0"/>
@@ -14563,25 +14562,31 @@
           <a:p>
             <a:r>
               <a:rPr lang="pt-PT" dirty="0"/>
-              <a:t>0           	//id do user</a:t>
+              <a:t>1		//Activity (0-2)</a:t>
             </a:r>
           </a:p>
           <a:p>
             <a:r>
               <a:rPr lang="pt-PT" dirty="0"/>
-              <a:t>*1          	//id da pastStream  (*)</a:t>
+              <a:t>0           		//id do user</a:t>
             </a:r>
           </a:p>
           <a:p>
             <a:r>
               <a:rPr lang="pt-PT" dirty="0"/>
-              <a:t>*3         	//id da pastStream  (*)</a:t>
+              <a:t>37		//Current merch sales</a:t>
             </a:r>
           </a:p>
           <a:p>
             <a:r>
               <a:rPr lang="pt-PT" dirty="0"/>
-              <a:t>*7        	//id da pastStream  (*)</a:t>
+              <a:t>*1          		//id da pastStream  (*)</a:t>
+            </a:r>
+          </a:p>
+          <a:p>
+            <a:r>
+              <a:rPr lang="pt-PT" dirty="0"/>
+              <a:t>*3         		//id da pastStream  (*)</a:t>
             </a:r>
           </a:p>
           <a:p>
@@ -14599,8 +14604,17 @@
           <a:p>
             <a:r>
               <a:rPr lang="pt-PT" dirty="0"/>
+              <a:t>|Monkin 7 5  	// Purchase (name nºprods availability)</a:t>
+            </a:r>
+          </a:p>
+          <a:p>
+            <a:r>
+              <a:rPr lang="pt-PT" dirty="0"/>
               <a:t>Outro User  	//2º user</a:t>
             </a:r>
+          </a:p>
+          <a:p>
+            <a:endParaRPr lang="pt-PT" dirty="0"/>
           </a:p>
         </p:txBody>
       </p:sp>
@@ -14618,8 +14632,8 @@
         </p:nvSpPr>
         <p:spPr>
           <a:xfrm>
-            <a:off x="6475630" y="1707946"/>
-            <a:ext cx="4350058" cy="2308324"/>
+            <a:off x="6591598" y="2551837"/>
+            <a:ext cx="4350058" cy="1754326"/>
           </a:xfrm>
           <a:prstGeom prst="rect">
             <a:avLst/>
@@ -14637,8 +14651,12 @@
               <a:buChar char="•"/>
             </a:pPr>
             <a:r>
+              <a:rPr lang="en-US" dirty="0" err="1"/>
+              <a:t>Pokimane</a:t>
+            </a:r>
+            <a:r>
               <a:rPr lang="en-US" dirty="0"/>
-              <a:t>Stream1			// Title</a:t>
+              <a:t>			// Title</a:t>
             </a:r>
           </a:p>
           <a:p>
@@ -14648,7 +14666,7 @@
             </a:pPr>
             <a:r>
               <a:rPr lang="en-US" dirty="0"/>
-              <a:t>0					// id</a:t>
+              <a:t>201.3				// Value</a:t>
             </a:r>
           </a:p>
           <a:p>
@@ -14658,7 +14676,7 @@
             </a:pPr>
             <a:r>
               <a:rPr lang="en-US" dirty="0"/>
-              <a:t>400				// nº views</a:t>
+              <a:t>4					// Rating</a:t>
             </a:r>
           </a:p>
           <a:p>
@@ -14668,7 +14686,7 @@
             </a:pPr>
             <a:r>
               <a:rPr lang="en-US" dirty="0"/>
-              <a:t>2020/11/13		// start date</a:t>
+              <a:t>Shroud				</a:t>
             </a:r>
           </a:p>
           <a:p>
@@ -14678,7 +14696,7 @@
             </a:pPr>
             <a:r>
               <a:rPr lang="en-US" dirty="0"/>
-              <a:t>Stream2		       // Title</a:t>
+              <a:t>20</a:t>
             </a:r>
           </a:p>
           <a:p>
@@ -14688,27 +14706,7 @@
             </a:pPr>
             <a:r>
               <a:rPr lang="en-US" dirty="0"/>
-              <a:t>1					// id</a:t>
-            </a:r>
-          </a:p>
-          <a:p>
-            <a:pPr marL="285750" indent="-285750">
-              <a:buFont typeface="Arial" panose="020B0604020202020204" pitchFamily="34" charset="0"/>
-              <a:buChar char="•"/>
-            </a:pPr>
-            <a:r>
-              <a:rPr lang="en-US" dirty="0"/>
-              <a:t>7					// nº views</a:t>
-            </a:r>
-          </a:p>
-          <a:p>
-            <a:pPr marL="285750" indent="-285750">
-              <a:buFont typeface="Arial" panose="020B0604020202020204" pitchFamily="34" charset="0"/>
-              <a:buChar char="•"/>
-            </a:pPr>
-            <a:r>
-              <a:rPr lang="en-US" dirty="0"/>
-              <a:t>2020/11/14		// start date</a:t>
+              <a:t>5</a:t>
             </a:r>
           </a:p>
         </p:txBody>
@@ -14722,13 +14720,15 @@
               </a:ext>
             </a:extLst>
           </p:cNvPr>
-          <p:cNvCxnSpPr/>
+          <p:cNvCxnSpPr>
+            <a:cxnSpLocks/>
+          </p:cNvCxnSpPr>
           <p:nvPr/>
         </p:nvCxnSpPr>
         <p:spPr>
           <a:xfrm>
-            <a:off x="5983550" y="2244046"/>
-            <a:ext cx="0" cy="3943690"/>
+            <a:off x="5983550" y="1707946"/>
+            <a:ext cx="0" cy="4479790"/>
           </a:xfrm>
           <a:prstGeom prst="line">
             <a:avLst/>
@@ -14805,8 +14805,8 @@
         </p:nvSpPr>
         <p:spPr>
           <a:xfrm>
-            <a:off x="8797347" y="6187736"/>
-            <a:ext cx="1594667" cy="369332"/>
+            <a:off x="9125820" y="6187736"/>
+            <a:ext cx="1351011" cy="369332"/>
           </a:xfrm>
           <a:prstGeom prst="rect">
             <a:avLst/>
@@ -14828,7 +14828,7 @@
           <a:p>
             <a:r>
               <a:rPr lang="en-US" dirty="0"/>
-              <a:t>pastStreams.txt</a:t>
+              <a:t>donations.txt</a:t>
             </a:r>
           </a:p>
         </p:txBody>
@@ -14937,7 +14937,7 @@
           <a:noFill/>
           <a:extLst>
             <a:ext uri="{909E8E84-426E-40dd-AFC4-6F175D3DCCD1}">
-              <a14:hiddenFill xmlns:a14="http://schemas.microsoft.com/office/drawing/2010/main" xmlns:a16="http://schemas.microsoft.com/office/drawing/2014/main" xmlns="">
+              <a14:hiddenFill xmlns="" xmlns:a16="http://schemas.microsoft.com/office/drawing/2014/main" xmlns:a14="http://schemas.microsoft.com/office/drawing/2010/main">
                 <a:solidFill>
                   <a:srgbClr val="FFFFFF"/>
                 </a:solidFill>
@@ -15029,7 +15029,7 @@
             </a:ln>
             <a:extLst>
               <a:ext uri="{91240B29-F687-4f45-9708-019B960494DF}">
-                <a14:hiddenLine xmlns:a14="http://schemas.microsoft.com/office/drawing/2010/main" xmlns:a16="http://schemas.microsoft.com/office/drawing/2014/main" xmlns="" w="9525">
+                <a14:hiddenLine xmlns="" xmlns:a16="http://schemas.microsoft.com/office/drawing/2014/main" xmlns:a14="http://schemas.microsoft.com/office/drawing/2010/main" w="9525">
                   <a:solidFill>
                     <a:srgbClr val="000000"/>
                   </a:solidFill>
@@ -15134,7 +15134,7 @@
             </a:ln>
             <a:extLst>
               <a:ext uri="{91240B29-F687-4f45-9708-019B960494DF}">
-                <a14:hiddenLine xmlns:a14="http://schemas.microsoft.com/office/drawing/2010/main" xmlns:a16="http://schemas.microsoft.com/office/drawing/2014/main" xmlns="" w="9525">
+                <a14:hiddenLine xmlns="" xmlns:a16="http://schemas.microsoft.com/office/drawing/2014/main" xmlns:a14="http://schemas.microsoft.com/office/drawing/2010/main" w="9525">
                   <a:solidFill>
                     <a:srgbClr val="000000"/>
                   </a:solidFill>
@@ -15239,7 +15239,7 @@
             </a:ln>
             <a:extLst>
               <a:ext uri="{91240B29-F687-4f45-9708-019B960494DF}">
-                <a14:hiddenLine xmlns:a14="http://schemas.microsoft.com/office/drawing/2010/main" xmlns:a16="http://schemas.microsoft.com/office/drawing/2014/main" xmlns="" w="9525">
+                <a14:hiddenLine xmlns="" xmlns:a16="http://schemas.microsoft.com/office/drawing/2014/main" xmlns:a14="http://schemas.microsoft.com/office/drawing/2010/main" w="9525">
                   <a:solidFill>
                     <a:srgbClr val="000000"/>
                   </a:solidFill>
@@ -15288,7 +15288,7 @@
             </a:ln>
             <a:extLst>
               <a:ext uri="{91240B29-F687-4f45-9708-019B960494DF}">
-                <a14:hiddenLine xmlns:a14="http://schemas.microsoft.com/office/drawing/2010/main" xmlns:a16="http://schemas.microsoft.com/office/drawing/2014/main" xmlns="" w="9525">
+                <a14:hiddenLine xmlns="" xmlns:a16="http://schemas.microsoft.com/office/drawing/2014/main" xmlns:a14="http://schemas.microsoft.com/office/drawing/2010/main" w="9525">
                   <a:solidFill>
                     <a:srgbClr val="000000"/>
                   </a:solidFill>
@@ -15393,7 +15393,7 @@
             </a:ln>
             <a:extLst>
               <a:ext uri="{91240B29-F687-4f45-9708-019B960494DF}">
-                <a14:hiddenLine xmlns:a14="http://schemas.microsoft.com/office/drawing/2010/main" xmlns:a16="http://schemas.microsoft.com/office/drawing/2014/main" xmlns="" w="9525">
+                <a14:hiddenLine xmlns="" xmlns:a16="http://schemas.microsoft.com/office/drawing/2014/main" xmlns:a14="http://schemas.microsoft.com/office/drawing/2010/main" w="9525">
                   <a:solidFill>
                     <a:srgbClr val="000000"/>
                   </a:solidFill>
@@ -15470,7 +15470,7 @@
             </a:ln>
             <a:extLst>
               <a:ext uri="{91240B29-F687-4f45-9708-019B960494DF}">
-                <a14:hiddenLine xmlns:a14="http://schemas.microsoft.com/office/drawing/2010/main" xmlns:a16="http://schemas.microsoft.com/office/drawing/2014/main" xmlns="" w="9525">
+                <a14:hiddenLine xmlns="" xmlns:a16="http://schemas.microsoft.com/office/drawing/2014/main" xmlns:a14="http://schemas.microsoft.com/office/drawing/2010/main" w="9525">
                   <a:solidFill>
                     <a:srgbClr val="000000"/>
                   </a:solidFill>
@@ -15547,7 +15547,7 @@
             </a:ln>
             <a:extLst>
               <a:ext uri="{91240B29-F687-4f45-9708-019B960494DF}">
-                <a14:hiddenLine xmlns:a14="http://schemas.microsoft.com/office/drawing/2010/main" xmlns:a16="http://schemas.microsoft.com/office/drawing/2014/main" xmlns="" w="9525">
+                <a14:hiddenLine xmlns="" xmlns:a16="http://schemas.microsoft.com/office/drawing/2014/main" xmlns:a14="http://schemas.microsoft.com/office/drawing/2010/main" w="9525">
                   <a:solidFill>
                     <a:srgbClr val="000000"/>
                   </a:solidFill>
@@ -15652,7 +15652,7 @@
             </a:ln>
             <a:extLst>
               <a:ext uri="{91240B29-F687-4f45-9708-019B960494DF}">
-                <a14:hiddenLine xmlns:a14="http://schemas.microsoft.com/office/drawing/2010/main" xmlns:a16="http://schemas.microsoft.com/office/drawing/2014/main" xmlns="" w="9525">
+                <a14:hiddenLine xmlns="" xmlns:a16="http://schemas.microsoft.com/office/drawing/2014/main" xmlns:a14="http://schemas.microsoft.com/office/drawing/2010/main" w="9525">
                   <a:solidFill>
                     <a:srgbClr val="000000"/>
                   </a:solidFill>
@@ -15729,7 +15729,7 @@
             </a:ln>
             <a:extLst>
               <a:ext uri="{91240B29-F687-4f45-9708-019B960494DF}">
-                <a14:hiddenLine xmlns:a14="http://schemas.microsoft.com/office/drawing/2010/main" xmlns:a16="http://schemas.microsoft.com/office/drawing/2014/main" xmlns="" w="9525">
+                <a14:hiddenLine xmlns="" xmlns:a16="http://schemas.microsoft.com/office/drawing/2014/main" xmlns:a14="http://schemas.microsoft.com/office/drawing/2010/main" w="9525">
                   <a:solidFill>
                     <a:srgbClr val="000000"/>
                   </a:solidFill>
@@ -15806,7 +15806,7 @@
             </a:ln>
             <a:extLst>
               <a:ext uri="{91240B29-F687-4f45-9708-019B960494DF}">
-                <a14:hiddenLine xmlns:a14="http://schemas.microsoft.com/office/drawing/2010/main" xmlns:a16="http://schemas.microsoft.com/office/drawing/2014/main" xmlns="" w="9525">
+                <a14:hiddenLine xmlns="" xmlns:a16="http://schemas.microsoft.com/office/drawing/2014/main" xmlns:a14="http://schemas.microsoft.com/office/drawing/2010/main" w="9525">
                   <a:solidFill>
                     <a:srgbClr val="000000"/>
                   </a:solidFill>
@@ -15911,7 +15911,7 @@
             </a:ln>
             <a:extLst>
               <a:ext uri="{91240B29-F687-4f45-9708-019B960494DF}">
-                <a14:hiddenLine xmlns:a14="http://schemas.microsoft.com/office/drawing/2010/main" xmlns:a16="http://schemas.microsoft.com/office/drawing/2014/main" xmlns="" w="9525">
+                <a14:hiddenLine xmlns="" xmlns:a16="http://schemas.microsoft.com/office/drawing/2014/main" xmlns:a14="http://schemas.microsoft.com/office/drawing/2010/main" w="9525">
                   <a:solidFill>
                     <a:srgbClr val="000000"/>
                   </a:solidFill>
@@ -16016,7 +16016,7 @@
             </a:ln>
             <a:extLst>
               <a:ext uri="{91240B29-F687-4f45-9708-019B960494DF}">
-                <a14:hiddenLine xmlns:a14="http://schemas.microsoft.com/office/drawing/2010/main" xmlns:a16="http://schemas.microsoft.com/office/drawing/2014/main" xmlns="" w="9525">
+                <a14:hiddenLine xmlns="" xmlns:a16="http://schemas.microsoft.com/office/drawing/2014/main" xmlns:a14="http://schemas.microsoft.com/office/drawing/2010/main" w="9525">
                   <a:solidFill>
                     <a:srgbClr val="000000"/>
                   </a:solidFill>
@@ -16093,7 +16093,7 @@
             </a:ln>
             <a:extLst>
               <a:ext uri="{91240B29-F687-4f45-9708-019B960494DF}">
-                <a14:hiddenLine xmlns:a14="http://schemas.microsoft.com/office/drawing/2010/main" xmlns:a16="http://schemas.microsoft.com/office/drawing/2014/main" xmlns="" w="9525">
+                <a14:hiddenLine xmlns="" xmlns:a16="http://schemas.microsoft.com/office/drawing/2014/main" xmlns:a14="http://schemas.microsoft.com/office/drawing/2010/main" w="9525">
                   <a:solidFill>
                     <a:srgbClr val="000000"/>
                   </a:solidFill>
@@ -16218,7 +16218,7 @@
             </a:ln>
             <a:extLst>
               <a:ext uri="{91240B29-F687-4f45-9708-019B960494DF}">
-                <a14:hiddenLine xmlns:a14="http://schemas.microsoft.com/office/drawing/2010/main" xmlns:a16="http://schemas.microsoft.com/office/drawing/2014/main" xmlns="" w="9525">
+                <a14:hiddenLine xmlns="" xmlns:a16="http://schemas.microsoft.com/office/drawing/2014/main" xmlns:a14="http://schemas.microsoft.com/office/drawing/2010/main" w="9525">
                   <a:solidFill>
                     <a:srgbClr val="000000"/>
                   </a:solidFill>
@@ -16295,7 +16295,7 @@
             </a:ln>
             <a:extLst>
               <a:ext uri="{91240B29-F687-4f45-9708-019B960494DF}">
-                <a14:hiddenLine xmlns:a14="http://schemas.microsoft.com/office/drawing/2010/main" xmlns:a16="http://schemas.microsoft.com/office/drawing/2014/main" xmlns="" w="9525">
+                <a14:hiddenLine xmlns="" xmlns:a16="http://schemas.microsoft.com/office/drawing/2014/main" xmlns:a14="http://schemas.microsoft.com/office/drawing/2010/main" w="9525">
                   <a:solidFill>
                     <a:srgbClr val="000000"/>
                   </a:solidFill>
@@ -16400,7 +16400,7 @@
             </a:ln>
             <a:extLst>
               <a:ext uri="{91240B29-F687-4f45-9708-019B960494DF}">
-                <a14:hiddenLine xmlns:a14="http://schemas.microsoft.com/office/drawing/2010/main" xmlns:a16="http://schemas.microsoft.com/office/drawing/2014/main" xmlns="" w="9525">
+                <a14:hiddenLine xmlns="" xmlns:a16="http://schemas.microsoft.com/office/drawing/2014/main" xmlns:a14="http://schemas.microsoft.com/office/drawing/2010/main" w="9525">
                   <a:solidFill>
                     <a:srgbClr val="000000"/>
                   </a:solidFill>
@@ -16505,7 +16505,7 @@
             </a:ln>
             <a:extLst>
               <a:ext uri="{91240B29-F687-4f45-9708-019B960494DF}">
-                <a14:hiddenLine xmlns:a14="http://schemas.microsoft.com/office/drawing/2010/main" xmlns:a16="http://schemas.microsoft.com/office/drawing/2014/main" xmlns="" w="9525">
+                <a14:hiddenLine xmlns="" xmlns:a16="http://schemas.microsoft.com/office/drawing/2014/main" xmlns:a14="http://schemas.microsoft.com/office/drawing/2010/main" w="9525">
                   <a:solidFill>
                     <a:srgbClr val="000000"/>
                   </a:solidFill>
@@ -16582,7 +16582,7 @@
             </a:ln>
             <a:extLst>
               <a:ext uri="{91240B29-F687-4f45-9708-019B960494DF}">
-                <a14:hiddenLine xmlns:a14="http://schemas.microsoft.com/office/drawing/2010/main" xmlns:a16="http://schemas.microsoft.com/office/drawing/2014/main" xmlns="" w="9525">
+                <a14:hiddenLine xmlns="" xmlns:a16="http://schemas.microsoft.com/office/drawing/2014/main" xmlns:a14="http://schemas.microsoft.com/office/drawing/2010/main" w="9525">
                   <a:solidFill>
                     <a:srgbClr val="000000"/>
                   </a:solidFill>
@@ -16687,7 +16687,7 @@
             </a:ln>
             <a:extLst>
               <a:ext uri="{91240B29-F687-4f45-9708-019B960494DF}">
-                <a14:hiddenLine xmlns:a14="http://schemas.microsoft.com/office/drawing/2010/main" xmlns:a16="http://schemas.microsoft.com/office/drawing/2014/main" xmlns="" w="9525">
+                <a14:hiddenLine xmlns="" xmlns:a16="http://schemas.microsoft.com/office/drawing/2014/main" xmlns:a14="http://schemas.microsoft.com/office/drawing/2010/main" w="9525">
                   <a:solidFill>
                     <a:srgbClr val="000000"/>
                   </a:solidFill>
@@ -16792,7 +16792,7 @@
             </a:ln>
             <a:extLst>
               <a:ext uri="{91240B29-F687-4f45-9708-019B960494DF}">
-                <a14:hiddenLine xmlns:a14="http://schemas.microsoft.com/office/drawing/2010/main" xmlns:a16="http://schemas.microsoft.com/office/drawing/2014/main" xmlns="" w="9525">
+                <a14:hiddenLine xmlns="" xmlns:a16="http://schemas.microsoft.com/office/drawing/2014/main" xmlns:a14="http://schemas.microsoft.com/office/drawing/2010/main" w="9525">
                   <a:solidFill>
                     <a:srgbClr val="000000"/>
                   </a:solidFill>
@@ -16863,7 +16863,7 @@
             </a:ln>
             <a:extLst>
               <a:ext uri="{91240B29-F687-4f45-9708-019B960494DF}">
-                <a14:hiddenLine xmlns:a14="http://schemas.microsoft.com/office/drawing/2010/main" xmlns:a16="http://schemas.microsoft.com/office/drawing/2014/main" xmlns="" w="9525">
+                <a14:hiddenLine xmlns="" xmlns:a16="http://schemas.microsoft.com/office/drawing/2014/main" xmlns:a14="http://schemas.microsoft.com/office/drawing/2010/main" w="9525">
                   <a:solidFill>
                     <a:srgbClr val="000000"/>
                   </a:solidFill>
@@ -16968,7 +16968,7 @@
             </a:ln>
             <a:extLst>
               <a:ext uri="{91240B29-F687-4f45-9708-019B960494DF}">
-                <a14:hiddenLine xmlns:a14="http://schemas.microsoft.com/office/drawing/2010/main" xmlns:a16="http://schemas.microsoft.com/office/drawing/2014/main" xmlns="" w="9525">
+                <a14:hiddenLine xmlns="" xmlns:a16="http://schemas.microsoft.com/office/drawing/2014/main" xmlns:a14="http://schemas.microsoft.com/office/drawing/2010/main" w="9525">
                   <a:solidFill>
                     <a:srgbClr val="000000"/>
                   </a:solidFill>
@@ -17039,7 +17039,7 @@
             </a:ln>
             <a:extLst>
               <a:ext uri="{91240B29-F687-4f45-9708-019B960494DF}">
-                <a14:hiddenLine xmlns:a14="http://schemas.microsoft.com/office/drawing/2010/main" xmlns:a16="http://schemas.microsoft.com/office/drawing/2014/main" xmlns="" w="9525">
+                <a14:hiddenLine xmlns="" xmlns:a16="http://schemas.microsoft.com/office/drawing/2014/main" xmlns:a14="http://schemas.microsoft.com/office/drawing/2010/main" w="9525">
                   <a:solidFill>
                     <a:srgbClr val="000000"/>
                   </a:solidFill>
@@ -17144,7 +17144,7 @@
             </a:ln>
             <a:extLst>
               <a:ext uri="{91240B29-F687-4f45-9708-019B960494DF}">
-                <a14:hiddenLine xmlns:a14="http://schemas.microsoft.com/office/drawing/2010/main" xmlns:a16="http://schemas.microsoft.com/office/drawing/2014/main" xmlns="" w="9525">
+                <a14:hiddenLine xmlns="" xmlns:a16="http://schemas.microsoft.com/office/drawing/2014/main" xmlns:a14="http://schemas.microsoft.com/office/drawing/2010/main" w="9525">
                   <a:solidFill>
                     <a:srgbClr val="000000"/>
                   </a:solidFill>
@@ -17227,7 +17227,7 @@
             </a:ln>
             <a:extLst>
               <a:ext uri="{91240B29-F687-4f45-9708-019B960494DF}">
-                <a14:hiddenLine xmlns:a14="http://schemas.microsoft.com/office/drawing/2010/main" xmlns:a16="http://schemas.microsoft.com/office/drawing/2014/main" xmlns="" w="9525">
+                <a14:hiddenLine xmlns="" xmlns:a16="http://schemas.microsoft.com/office/drawing/2014/main" xmlns:a14="http://schemas.microsoft.com/office/drawing/2010/main" w="9525">
                   <a:solidFill>
                     <a:srgbClr val="000000"/>
                   </a:solidFill>
@@ -17332,7 +17332,7 @@
             </a:ln>
             <a:extLst>
               <a:ext uri="{91240B29-F687-4f45-9708-019B960494DF}">
-                <a14:hiddenLine xmlns:a14="http://schemas.microsoft.com/office/drawing/2010/main" xmlns:a16="http://schemas.microsoft.com/office/drawing/2014/main" xmlns="" w="9525">
+                <a14:hiddenLine xmlns="" xmlns:a16="http://schemas.microsoft.com/office/drawing/2014/main" xmlns:a14="http://schemas.microsoft.com/office/drawing/2010/main" w="9525">
                   <a:solidFill>
                     <a:srgbClr val="000000"/>
                   </a:solidFill>
@@ -17415,7 +17415,7 @@
             </a:ln>
             <a:extLst>
               <a:ext uri="{91240B29-F687-4f45-9708-019B960494DF}">
-                <a14:hiddenLine xmlns:a14="http://schemas.microsoft.com/office/drawing/2010/main" xmlns:a16="http://schemas.microsoft.com/office/drawing/2014/main" xmlns="" w="9525">
+                <a14:hiddenLine xmlns="" xmlns:a16="http://schemas.microsoft.com/office/drawing/2014/main" xmlns:a14="http://schemas.microsoft.com/office/drawing/2010/main" w="9525">
                   <a:solidFill>
                     <a:srgbClr val="000000"/>
                   </a:solidFill>
@@ -17520,7 +17520,7 @@
             </a:ln>
             <a:extLst>
               <a:ext uri="{91240B29-F687-4f45-9708-019B960494DF}">
-                <a14:hiddenLine xmlns:a14="http://schemas.microsoft.com/office/drawing/2010/main" xmlns:a16="http://schemas.microsoft.com/office/drawing/2014/main" xmlns="" w="9525">
+                <a14:hiddenLine xmlns="" xmlns:a16="http://schemas.microsoft.com/office/drawing/2014/main" xmlns:a14="http://schemas.microsoft.com/office/drawing/2010/main" w="9525">
                   <a:solidFill>
                     <a:srgbClr val="000000"/>
                   </a:solidFill>
@@ -17569,7 +17569,7 @@
             </a:ln>
             <a:extLst>
               <a:ext uri="{91240B29-F687-4f45-9708-019B960494DF}">
-                <a14:hiddenLine xmlns:a14="http://schemas.microsoft.com/office/drawing/2010/main" xmlns:a16="http://schemas.microsoft.com/office/drawing/2014/main" xmlns="" w="9525">
+                <a14:hiddenLine xmlns="" xmlns:a16="http://schemas.microsoft.com/office/drawing/2014/main" xmlns:a14="http://schemas.microsoft.com/office/drawing/2010/main" w="9525">
                   <a:solidFill>
                     <a:srgbClr val="000000"/>
                   </a:solidFill>
@@ -17674,7 +17674,7 @@
             </a:ln>
             <a:extLst>
               <a:ext uri="{91240B29-F687-4f45-9708-019B960494DF}">
-                <a14:hiddenLine xmlns:a14="http://schemas.microsoft.com/office/drawing/2010/main" xmlns:a16="http://schemas.microsoft.com/office/drawing/2014/main" xmlns="" w="9525">
+                <a14:hiddenLine xmlns="" xmlns:a16="http://schemas.microsoft.com/office/drawing/2014/main" xmlns:a14="http://schemas.microsoft.com/office/drawing/2010/main" w="9525">
                   <a:solidFill>
                     <a:srgbClr val="000000"/>
                   </a:solidFill>
@@ -17751,7 +17751,7 @@
             </a:ln>
             <a:extLst>
               <a:ext uri="{91240B29-F687-4f45-9708-019B960494DF}">
-                <a14:hiddenLine xmlns:a14="http://schemas.microsoft.com/office/drawing/2010/main" xmlns:a16="http://schemas.microsoft.com/office/drawing/2014/main" xmlns="" w="9525">
+                <a14:hiddenLine xmlns="" xmlns:a16="http://schemas.microsoft.com/office/drawing/2014/main" xmlns:a14="http://schemas.microsoft.com/office/drawing/2010/main" w="9525">
                   <a:solidFill>
                     <a:srgbClr val="000000"/>
                   </a:solidFill>
@@ -17828,7 +17828,7 @@
             </a:ln>
             <a:extLst>
               <a:ext uri="{91240B29-F687-4f45-9708-019B960494DF}">
-                <a14:hiddenLine xmlns:a14="http://schemas.microsoft.com/office/drawing/2010/main" xmlns:a16="http://schemas.microsoft.com/office/drawing/2014/main" xmlns="" w="9525">
+                <a14:hiddenLine xmlns="" xmlns:a16="http://schemas.microsoft.com/office/drawing/2014/main" xmlns:a14="http://schemas.microsoft.com/office/drawing/2010/main" w="9525">
                   <a:solidFill>
                     <a:srgbClr val="000000"/>
                   </a:solidFill>
@@ -17933,7 +17933,7 @@
             </a:ln>
             <a:extLst>
               <a:ext uri="{91240B29-F687-4f45-9708-019B960494DF}">
-                <a14:hiddenLine xmlns:a14="http://schemas.microsoft.com/office/drawing/2010/main" xmlns:a16="http://schemas.microsoft.com/office/drawing/2014/main" xmlns="" w="9525">
+                <a14:hiddenLine xmlns="" xmlns:a16="http://schemas.microsoft.com/office/drawing/2014/main" xmlns:a14="http://schemas.microsoft.com/office/drawing/2010/main" w="9525">
                   <a:solidFill>
                     <a:srgbClr val="000000"/>
                   </a:solidFill>
@@ -18016,7 +18016,7 @@
             </a:ln>
             <a:extLst>
               <a:ext uri="{91240B29-F687-4f45-9708-019B960494DF}">
-                <a14:hiddenLine xmlns:a14="http://schemas.microsoft.com/office/drawing/2010/main" xmlns:a16="http://schemas.microsoft.com/office/drawing/2014/main" xmlns="" w="9525">
+                <a14:hiddenLine xmlns="" xmlns:a16="http://schemas.microsoft.com/office/drawing/2014/main" xmlns:a14="http://schemas.microsoft.com/office/drawing/2010/main" w="9525">
                   <a:solidFill>
                     <a:srgbClr val="000000"/>
                   </a:solidFill>
@@ -18093,7 +18093,7 @@
             </a:ln>
             <a:extLst>
               <a:ext uri="{91240B29-F687-4f45-9708-019B960494DF}">
-                <a14:hiddenLine xmlns:a14="http://schemas.microsoft.com/office/drawing/2010/main" xmlns:a16="http://schemas.microsoft.com/office/drawing/2014/main" xmlns="" w="9525">
+                <a14:hiddenLine xmlns="" xmlns:a16="http://schemas.microsoft.com/office/drawing/2014/main" xmlns:a14="http://schemas.microsoft.com/office/drawing/2010/main" w="9525">
                   <a:solidFill>
                     <a:srgbClr val="000000"/>
                   </a:solidFill>
@@ -18198,7 +18198,7 @@
             </a:ln>
             <a:extLst>
               <a:ext uri="{91240B29-F687-4f45-9708-019B960494DF}">
-                <a14:hiddenLine xmlns:a14="http://schemas.microsoft.com/office/drawing/2010/main" xmlns:a16="http://schemas.microsoft.com/office/drawing/2014/main" xmlns="" w="9525">
+                <a14:hiddenLine xmlns="" xmlns:a16="http://schemas.microsoft.com/office/drawing/2014/main" xmlns:a14="http://schemas.microsoft.com/office/drawing/2010/main" w="9525">
                   <a:solidFill>
                     <a:srgbClr val="000000"/>
                   </a:solidFill>
@@ -18275,7 +18275,7 @@
             </a:ln>
             <a:extLst>
               <a:ext uri="{91240B29-F687-4f45-9708-019B960494DF}">
-                <a14:hiddenLine xmlns:a14="http://schemas.microsoft.com/office/drawing/2010/main" xmlns:a16="http://schemas.microsoft.com/office/drawing/2014/main" xmlns="" w="9525">
+                <a14:hiddenLine xmlns="" xmlns:a16="http://schemas.microsoft.com/office/drawing/2014/main" xmlns:a14="http://schemas.microsoft.com/office/drawing/2010/main" w="9525">
                   <a:solidFill>
                     <a:srgbClr val="000000"/>
                   </a:solidFill>
@@ -18380,7 +18380,7 @@
             </a:ln>
             <a:extLst>
               <a:ext uri="{91240B29-F687-4f45-9708-019B960494DF}">
-                <a14:hiddenLine xmlns:a14="http://schemas.microsoft.com/office/drawing/2010/main" xmlns:a16="http://schemas.microsoft.com/office/drawing/2014/main" xmlns="" w="9525">
+                <a14:hiddenLine xmlns="" xmlns:a16="http://schemas.microsoft.com/office/drawing/2014/main" xmlns:a14="http://schemas.microsoft.com/office/drawing/2010/main" w="9525">
                   <a:solidFill>
                     <a:srgbClr val="000000"/>
                   </a:solidFill>
@@ -18457,7 +18457,7 @@
             </a:ln>
             <a:extLst>
               <a:ext uri="{91240B29-F687-4f45-9708-019B960494DF}">
-                <a14:hiddenLine xmlns:a14="http://schemas.microsoft.com/office/drawing/2010/main" xmlns:a16="http://schemas.microsoft.com/office/drawing/2014/main" xmlns="" w="9525">
+                <a14:hiddenLine xmlns="" xmlns:a16="http://schemas.microsoft.com/office/drawing/2014/main" xmlns:a14="http://schemas.microsoft.com/office/drawing/2010/main" w="9525">
                   <a:solidFill>
                     <a:srgbClr val="000000"/>
                   </a:solidFill>
@@ -18562,7 +18562,7 @@
             </a:ln>
             <a:extLst>
               <a:ext uri="{91240B29-F687-4f45-9708-019B960494DF}">
-                <a14:hiddenLine xmlns:a14="http://schemas.microsoft.com/office/drawing/2010/main" xmlns:a16="http://schemas.microsoft.com/office/drawing/2014/main" xmlns="" w="9525">
+                <a14:hiddenLine xmlns="" xmlns:a16="http://schemas.microsoft.com/office/drawing/2014/main" xmlns:a14="http://schemas.microsoft.com/office/drawing/2010/main" w="9525">
                   <a:solidFill>
                     <a:srgbClr val="000000"/>
                   </a:solidFill>
@@ -18611,7 +18611,7 @@
             </a:ln>
             <a:extLst>
               <a:ext uri="{91240B29-F687-4f45-9708-019B960494DF}">
-                <a14:hiddenLine xmlns:a14="http://schemas.microsoft.com/office/drawing/2010/main" xmlns:a16="http://schemas.microsoft.com/office/drawing/2014/main" xmlns="" w="9525">
+                <a14:hiddenLine xmlns="" xmlns:a16="http://schemas.microsoft.com/office/drawing/2014/main" xmlns:a14="http://schemas.microsoft.com/office/drawing/2010/main" w="9525">
                   <a:solidFill>
                     <a:srgbClr val="000000"/>
                   </a:solidFill>
@@ -18691,7 +18691,7 @@
             </a:ln>
             <a:extLst>
               <a:ext uri="{91240B29-F687-4f45-9708-019B960494DF}">
-                <a14:hiddenLine xmlns:a14="http://schemas.microsoft.com/office/drawing/2010/main" xmlns:a16="http://schemas.microsoft.com/office/drawing/2014/main" xmlns="" w="9525">
+                <a14:hiddenLine xmlns="" xmlns:a16="http://schemas.microsoft.com/office/drawing/2014/main" xmlns:a14="http://schemas.microsoft.com/office/drawing/2010/main" w="9525">
                   <a:solidFill>
                     <a:srgbClr val="000000"/>
                   </a:solidFill>
@@ -18796,7 +18796,7 @@
             </a:ln>
             <a:extLst>
               <a:ext uri="{91240B29-F687-4f45-9708-019B960494DF}">
-                <a14:hiddenLine xmlns:a14="http://schemas.microsoft.com/office/drawing/2010/main" xmlns:a16="http://schemas.microsoft.com/office/drawing/2014/main" xmlns="" w="9525">
+                <a14:hiddenLine xmlns="" xmlns:a16="http://schemas.microsoft.com/office/drawing/2014/main" xmlns:a14="http://schemas.microsoft.com/office/drawing/2010/main" w="9525">
                   <a:solidFill>
                     <a:srgbClr val="000000"/>
                   </a:solidFill>
@@ -18873,7 +18873,7 @@
             </a:ln>
             <a:extLst>
               <a:ext uri="{91240B29-F687-4f45-9708-019B960494DF}">
-                <a14:hiddenLine xmlns:a14="http://schemas.microsoft.com/office/drawing/2010/main" xmlns:a16="http://schemas.microsoft.com/office/drawing/2014/main" xmlns="" w="9525">
+                <a14:hiddenLine xmlns="" xmlns:a16="http://schemas.microsoft.com/office/drawing/2014/main" xmlns:a14="http://schemas.microsoft.com/office/drawing/2010/main" w="9525">
                   <a:solidFill>
                     <a:srgbClr val="000000"/>
                   </a:solidFill>
@@ -18978,7 +18978,7 @@
             </a:ln>
             <a:extLst>
               <a:ext uri="{91240B29-F687-4f45-9708-019B960494DF}">
-                <a14:hiddenLine xmlns:a14="http://schemas.microsoft.com/office/drawing/2010/main" xmlns:a16="http://schemas.microsoft.com/office/drawing/2014/main" xmlns="" w="9525">
+                <a14:hiddenLine xmlns="" xmlns:a16="http://schemas.microsoft.com/office/drawing/2014/main" xmlns:a14="http://schemas.microsoft.com/office/drawing/2010/main" w="9525">
                   <a:solidFill>
                     <a:srgbClr val="000000"/>
                   </a:solidFill>
@@ -19083,7 +19083,7 @@
             </a:ln>
             <a:extLst>
               <a:ext uri="{91240B29-F687-4f45-9708-019B960494DF}">
-                <a14:hiddenLine xmlns:a14="http://schemas.microsoft.com/office/drawing/2010/main" xmlns:a16="http://schemas.microsoft.com/office/drawing/2014/main" xmlns="" w="9525">
+                <a14:hiddenLine xmlns="" xmlns:a16="http://schemas.microsoft.com/office/drawing/2014/main" xmlns:a14="http://schemas.microsoft.com/office/drawing/2010/main" w="9525">
                   <a:solidFill>
                     <a:srgbClr val="000000"/>
                   </a:solidFill>
@@ -19163,7 +19163,7 @@
             </a:ln>
             <a:extLst>
               <a:ext uri="{91240B29-F687-4f45-9708-019B960494DF}">
-                <a14:hiddenLine xmlns:a14="http://schemas.microsoft.com/office/drawing/2010/main" xmlns:a16="http://schemas.microsoft.com/office/drawing/2014/main" xmlns="" w="9525">
+                <a14:hiddenLine xmlns="" xmlns:a16="http://schemas.microsoft.com/office/drawing/2014/main" xmlns:a14="http://schemas.microsoft.com/office/drawing/2010/main" w="9525">
                   <a:solidFill>
                     <a:srgbClr val="000000"/>
                   </a:solidFill>
@@ -19240,7 +19240,7 @@
             </a:ln>
             <a:extLst>
               <a:ext uri="{91240B29-F687-4f45-9708-019B960494DF}">
-                <a14:hiddenLine xmlns:a14="http://schemas.microsoft.com/office/drawing/2010/main" xmlns:a16="http://schemas.microsoft.com/office/drawing/2014/main" xmlns="" w="9525">
+                <a14:hiddenLine xmlns="" xmlns:a16="http://schemas.microsoft.com/office/drawing/2014/main" xmlns:a14="http://schemas.microsoft.com/office/drawing/2010/main" w="9525">
                   <a:solidFill>
                     <a:srgbClr val="000000"/>
                   </a:solidFill>
@@ -19345,7 +19345,7 @@
             </a:ln>
             <a:extLst>
               <a:ext uri="{91240B29-F687-4f45-9708-019B960494DF}">
-                <a14:hiddenLine xmlns:a14="http://schemas.microsoft.com/office/drawing/2010/main" xmlns:a16="http://schemas.microsoft.com/office/drawing/2014/main" xmlns="" w="9525">
+                <a14:hiddenLine xmlns="" xmlns:a16="http://schemas.microsoft.com/office/drawing/2014/main" xmlns:a14="http://schemas.microsoft.com/office/drawing/2010/main" w="9525">
                   <a:solidFill>
                     <a:srgbClr val="000000"/>
                   </a:solidFill>
@@ -19450,7 +19450,7 @@
             </a:ln>
             <a:extLst>
               <a:ext uri="{91240B29-F687-4f45-9708-019B960494DF}">
-                <a14:hiddenLine xmlns:a14="http://schemas.microsoft.com/office/drawing/2010/main" xmlns:a16="http://schemas.microsoft.com/office/drawing/2014/main" xmlns="" w="9525">
+                <a14:hiddenLine xmlns="" xmlns:a16="http://schemas.microsoft.com/office/drawing/2014/main" xmlns:a14="http://schemas.microsoft.com/office/drawing/2010/main" w="9525">
                   <a:solidFill>
                     <a:srgbClr val="000000"/>
                   </a:solidFill>
@@ -19527,7 +19527,7 @@
             </a:ln>
             <a:extLst>
               <a:ext uri="{91240B29-F687-4f45-9708-019B960494DF}">
-                <a14:hiddenLine xmlns:a14="http://schemas.microsoft.com/office/drawing/2010/main" xmlns:a16="http://schemas.microsoft.com/office/drawing/2014/main" xmlns="" w="9525">
+                <a14:hiddenLine xmlns="" xmlns:a16="http://schemas.microsoft.com/office/drawing/2014/main" xmlns:a14="http://schemas.microsoft.com/office/drawing/2010/main" w="9525">
                   <a:solidFill>
                     <a:srgbClr val="000000"/>
                   </a:solidFill>
@@ -19662,7 +19662,7 @@
             </a:ln>
             <a:extLst>
               <a:ext uri="{91240B29-F687-4f45-9708-019B960494DF}">
-                <a14:hiddenLine xmlns:a14="http://schemas.microsoft.com/office/drawing/2010/main" xmlns:a16="http://schemas.microsoft.com/office/drawing/2014/main" xmlns="" w="9525">
+                <a14:hiddenLine xmlns="" xmlns:a16="http://schemas.microsoft.com/office/drawing/2014/main" xmlns:a14="http://schemas.microsoft.com/office/drawing/2010/main" w="9525">
                   <a:solidFill>
                     <a:srgbClr val="000000"/>
                   </a:solidFill>
@@ -19745,7 +19745,7 @@
             </a:ln>
             <a:extLst>
               <a:ext uri="{91240B29-F687-4f45-9708-019B960494DF}">
-                <a14:hiddenLine xmlns:a14="http://schemas.microsoft.com/office/drawing/2010/main" xmlns:a16="http://schemas.microsoft.com/office/drawing/2014/main" xmlns="" w="9525">
+                <a14:hiddenLine xmlns="" xmlns:a16="http://schemas.microsoft.com/office/drawing/2014/main" xmlns:a14="http://schemas.microsoft.com/office/drawing/2010/main" w="9525">
                   <a:solidFill>
                     <a:srgbClr val="000000"/>
                   </a:solidFill>
@@ -19850,7 +19850,7 @@
             </a:ln>
             <a:extLst>
               <a:ext uri="{91240B29-F687-4f45-9708-019B960494DF}">
-                <a14:hiddenLine xmlns:a14="http://schemas.microsoft.com/office/drawing/2010/main" xmlns:a16="http://schemas.microsoft.com/office/drawing/2014/main" xmlns="" w="9525">
+                <a14:hiddenLine xmlns="" xmlns:a16="http://schemas.microsoft.com/office/drawing/2014/main" xmlns:a14="http://schemas.microsoft.com/office/drawing/2010/main" w="9525">
                   <a:solidFill>
                     <a:srgbClr val="000000"/>
                   </a:solidFill>
@@ -19997,7 +19997,7 @@
             </a:ln>
             <a:extLst>
               <a:ext uri="{91240B29-F687-4f45-9708-019B960494DF}">
-                <a14:hiddenLine xmlns:a14="http://schemas.microsoft.com/office/drawing/2010/main" xmlns:p14="http://schemas.microsoft.com/office/powerpoint/2010/main" xmlns:a16="http://schemas.microsoft.com/office/drawing/2014/main" xmlns="" w="9525">
+                <a14:hiddenLine xmlns="" xmlns:a16="http://schemas.microsoft.com/office/drawing/2014/main" xmlns:p14="http://schemas.microsoft.com/office/powerpoint/2010/main" xmlns:a14="http://schemas.microsoft.com/office/drawing/2010/main" w="9525">
                   <a:solidFill>
                     <a:srgbClr val="000000"/>
                   </a:solidFill>
@@ -20102,7 +20102,7 @@
             </a:ln>
             <a:extLst>
               <a:ext uri="{91240B29-F687-4f45-9708-019B960494DF}">
-                <a14:hiddenLine xmlns:a14="http://schemas.microsoft.com/office/drawing/2010/main" xmlns:p14="http://schemas.microsoft.com/office/powerpoint/2010/main" xmlns:a16="http://schemas.microsoft.com/office/drawing/2014/main" xmlns="" w="9525">
+                <a14:hiddenLine xmlns="" xmlns:a16="http://schemas.microsoft.com/office/drawing/2014/main" xmlns:p14="http://schemas.microsoft.com/office/powerpoint/2010/main" xmlns:a14="http://schemas.microsoft.com/office/drawing/2010/main" w="9525">
                   <a:solidFill>
                     <a:srgbClr val="000000"/>
                   </a:solidFill>
@@ -20207,7 +20207,7 @@
             </a:ln>
             <a:extLst>
               <a:ext uri="{91240B29-F687-4f45-9708-019B960494DF}">
-                <a14:hiddenLine xmlns:a14="http://schemas.microsoft.com/office/drawing/2010/main" xmlns:p14="http://schemas.microsoft.com/office/powerpoint/2010/main" xmlns:a16="http://schemas.microsoft.com/office/drawing/2014/main" xmlns="" w="9525">
+                <a14:hiddenLine xmlns="" xmlns:a16="http://schemas.microsoft.com/office/drawing/2014/main" xmlns:p14="http://schemas.microsoft.com/office/powerpoint/2010/main" xmlns:a14="http://schemas.microsoft.com/office/drawing/2010/main" w="9525">
                   <a:solidFill>
                     <a:srgbClr val="000000"/>
                   </a:solidFill>
@@ -20256,7 +20256,7 @@
             </a:ln>
             <a:extLst>
               <a:ext uri="{91240B29-F687-4f45-9708-019B960494DF}">
-                <a14:hiddenLine xmlns:a14="http://schemas.microsoft.com/office/drawing/2010/main" xmlns:p14="http://schemas.microsoft.com/office/powerpoint/2010/main" xmlns:a16="http://schemas.microsoft.com/office/drawing/2014/main" xmlns="" w="9525">
+                <a14:hiddenLine xmlns="" xmlns:a16="http://schemas.microsoft.com/office/drawing/2014/main" xmlns:p14="http://schemas.microsoft.com/office/powerpoint/2010/main" xmlns:a14="http://schemas.microsoft.com/office/drawing/2010/main" w="9525">
                   <a:solidFill>
                     <a:srgbClr val="000000"/>
                   </a:solidFill>
@@ -20361,7 +20361,7 @@
             </a:ln>
             <a:extLst>
               <a:ext uri="{91240B29-F687-4f45-9708-019B960494DF}">
-                <a14:hiddenLine xmlns:a14="http://schemas.microsoft.com/office/drawing/2010/main" xmlns:p14="http://schemas.microsoft.com/office/powerpoint/2010/main" xmlns:a16="http://schemas.microsoft.com/office/drawing/2014/main" xmlns="" w="9525">
+                <a14:hiddenLine xmlns="" xmlns:a16="http://schemas.microsoft.com/office/drawing/2014/main" xmlns:p14="http://schemas.microsoft.com/office/powerpoint/2010/main" xmlns:a14="http://schemas.microsoft.com/office/drawing/2010/main" w="9525">
                   <a:solidFill>
                     <a:srgbClr val="000000"/>
                   </a:solidFill>
@@ -20438,7 +20438,7 @@
             </a:ln>
             <a:extLst>
               <a:ext uri="{91240B29-F687-4f45-9708-019B960494DF}">
-                <a14:hiddenLine xmlns:a14="http://schemas.microsoft.com/office/drawing/2010/main" xmlns:p14="http://schemas.microsoft.com/office/powerpoint/2010/main" xmlns:a16="http://schemas.microsoft.com/office/drawing/2014/main" xmlns="" w="9525">
+                <a14:hiddenLine xmlns="" xmlns:a16="http://schemas.microsoft.com/office/drawing/2014/main" xmlns:p14="http://schemas.microsoft.com/office/powerpoint/2010/main" xmlns:a14="http://schemas.microsoft.com/office/drawing/2010/main" w="9525">
                   <a:solidFill>
                     <a:srgbClr val="000000"/>
                   </a:solidFill>
@@ -20515,7 +20515,7 @@
             </a:ln>
             <a:extLst>
               <a:ext uri="{91240B29-F687-4f45-9708-019B960494DF}">
-                <a14:hiddenLine xmlns:a14="http://schemas.microsoft.com/office/drawing/2010/main" xmlns:p14="http://schemas.microsoft.com/office/powerpoint/2010/main" xmlns:a16="http://schemas.microsoft.com/office/drawing/2014/main" xmlns="" w="9525">
+                <a14:hiddenLine xmlns="" xmlns:a16="http://schemas.microsoft.com/office/drawing/2014/main" xmlns:p14="http://schemas.microsoft.com/office/powerpoint/2010/main" xmlns:a14="http://schemas.microsoft.com/office/drawing/2010/main" w="9525">
                   <a:solidFill>
                     <a:srgbClr val="000000"/>
                   </a:solidFill>
@@ -20620,7 +20620,7 @@
             </a:ln>
             <a:extLst>
               <a:ext uri="{91240B29-F687-4f45-9708-019B960494DF}">
-                <a14:hiddenLine xmlns:a14="http://schemas.microsoft.com/office/drawing/2010/main" xmlns:p14="http://schemas.microsoft.com/office/powerpoint/2010/main" xmlns:a16="http://schemas.microsoft.com/office/drawing/2014/main" xmlns="" w="9525">
+                <a14:hiddenLine xmlns="" xmlns:a16="http://schemas.microsoft.com/office/drawing/2014/main" xmlns:p14="http://schemas.microsoft.com/office/powerpoint/2010/main" xmlns:a14="http://schemas.microsoft.com/office/drawing/2010/main" w="9525">
                   <a:solidFill>
                     <a:srgbClr val="000000"/>
                   </a:solidFill>
@@ -20697,7 +20697,7 @@
             </a:ln>
             <a:extLst>
               <a:ext uri="{91240B29-F687-4f45-9708-019B960494DF}">
-                <a14:hiddenLine xmlns:a14="http://schemas.microsoft.com/office/drawing/2010/main" xmlns:p14="http://schemas.microsoft.com/office/powerpoint/2010/main" xmlns:a16="http://schemas.microsoft.com/office/drawing/2014/main" xmlns="" w="9525">
+                <a14:hiddenLine xmlns="" xmlns:a16="http://schemas.microsoft.com/office/drawing/2014/main" xmlns:p14="http://schemas.microsoft.com/office/powerpoint/2010/main" xmlns:a14="http://schemas.microsoft.com/office/drawing/2010/main" w="9525">
                   <a:solidFill>
                     <a:srgbClr val="000000"/>
                   </a:solidFill>
@@ -20774,7 +20774,7 @@
             </a:ln>
             <a:extLst>
               <a:ext uri="{91240B29-F687-4f45-9708-019B960494DF}">
-                <a14:hiddenLine xmlns:a14="http://schemas.microsoft.com/office/drawing/2010/main" xmlns:p14="http://schemas.microsoft.com/office/powerpoint/2010/main" xmlns:a16="http://schemas.microsoft.com/office/drawing/2014/main" xmlns="" w="9525">
+                <a14:hiddenLine xmlns="" xmlns:a16="http://schemas.microsoft.com/office/drawing/2014/main" xmlns:p14="http://schemas.microsoft.com/office/powerpoint/2010/main" xmlns:a14="http://schemas.microsoft.com/office/drawing/2010/main" w="9525">
                   <a:solidFill>
                     <a:srgbClr val="000000"/>
                   </a:solidFill>
@@ -20879,7 +20879,7 @@
             </a:ln>
             <a:extLst>
               <a:ext uri="{91240B29-F687-4f45-9708-019B960494DF}">
-                <a14:hiddenLine xmlns:a14="http://schemas.microsoft.com/office/drawing/2010/main" xmlns:p14="http://schemas.microsoft.com/office/powerpoint/2010/main" xmlns:a16="http://schemas.microsoft.com/office/drawing/2014/main" xmlns="" w="9525">
+                <a14:hiddenLine xmlns="" xmlns:a16="http://schemas.microsoft.com/office/drawing/2014/main" xmlns:p14="http://schemas.microsoft.com/office/powerpoint/2010/main" xmlns:a14="http://schemas.microsoft.com/office/drawing/2010/main" w="9525">
                   <a:solidFill>
                     <a:srgbClr val="000000"/>
                   </a:solidFill>
@@ -20984,7 +20984,7 @@
             </a:ln>
             <a:extLst>
               <a:ext uri="{91240B29-F687-4f45-9708-019B960494DF}">
-                <a14:hiddenLine xmlns:a14="http://schemas.microsoft.com/office/drawing/2010/main" xmlns:p14="http://schemas.microsoft.com/office/powerpoint/2010/main" xmlns:a16="http://schemas.microsoft.com/office/drawing/2014/main" xmlns="" w="9525">
+                <a14:hiddenLine xmlns="" xmlns:a16="http://schemas.microsoft.com/office/drawing/2014/main" xmlns:p14="http://schemas.microsoft.com/office/powerpoint/2010/main" xmlns:a14="http://schemas.microsoft.com/office/drawing/2010/main" w="9525">
                   <a:solidFill>
                     <a:srgbClr val="000000"/>
                   </a:solidFill>
@@ -21061,7 +21061,7 @@
             </a:ln>
             <a:extLst>
               <a:ext uri="{91240B29-F687-4f45-9708-019B960494DF}">
-                <a14:hiddenLine xmlns:a14="http://schemas.microsoft.com/office/drawing/2010/main" xmlns:p14="http://schemas.microsoft.com/office/powerpoint/2010/main" xmlns:a16="http://schemas.microsoft.com/office/drawing/2014/main" xmlns="" w="9525">
+                <a14:hiddenLine xmlns="" xmlns:a16="http://schemas.microsoft.com/office/drawing/2014/main" xmlns:p14="http://schemas.microsoft.com/office/powerpoint/2010/main" xmlns:a14="http://schemas.microsoft.com/office/drawing/2010/main" w="9525">
                   <a:solidFill>
                     <a:srgbClr val="000000"/>
                   </a:solidFill>
@@ -21186,7 +21186,7 @@
             </a:ln>
             <a:extLst>
               <a:ext uri="{91240B29-F687-4f45-9708-019B960494DF}">
-                <a14:hiddenLine xmlns:a14="http://schemas.microsoft.com/office/drawing/2010/main" xmlns:p14="http://schemas.microsoft.com/office/powerpoint/2010/main" xmlns:a16="http://schemas.microsoft.com/office/drawing/2014/main" xmlns="" w="9525">
+                <a14:hiddenLine xmlns="" xmlns:a16="http://schemas.microsoft.com/office/drawing/2014/main" xmlns:p14="http://schemas.microsoft.com/office/powerpoint/2010/main" xmlns:a14="http://schemas.microsoft.com/office/drawing/2010/main" w="9525">
                   <a:solidFill>
                     <a:srgbClr val="000000"/>
                   </a:solidFill>
@@ -21263,7 +21263,7 @@
             </a:ln>
             <a:extLst>
               <a:ext uri="{91240B29-F687-4f45-9708-019B960494DF}">
-                <a14:hiddenLine xmlns:a14="http://schemas.microsoft.com/office/drawing/2010/main" xmlns:p14="http://schemas.microsoft.com/office/powerpoint/2010/main" xmlns:a16="http://schemas.microsoft.com/office/drawing/2014/main" xmlns="" w="9525">
+                <a14:hiddenLine xmlns="" xmlns:a16="http://schemas.microsoft.com/office/drawing/2014/main" xmlns:p14="http://schemas.microsoft.com/office/powerpoint/2010/main" xmlns:a14="http://schemas.microsoft.com/office/drawing/2010/main" w="9525">
                   <a:solidFill>
                     <a:srgbClr val="000000"/>
                   </a:solidFill>
@@ -21368,7 +21368,7 @@
             </a:ln>
             <a:extLst>
               <a:ext uri="{91240B29-F687-4f45-9708-019B960494DF}">
-                <a14:hiddenLine xmlns:a14="http://schemas.microsoft.com/office/drawing/2010/main" xmlns:p14="http://schemas.microsoft.com/office/powerpoint/2010/main" xmlns:a16="http://schemas.microsoft.com/office/drawing/2014/main" xmlns="" w="9525">
+                <a14:hiddenLine xmlns="" xmlns:a16="http://schemas.microsoft.com/office/drawing/2014/main" xmlns:p14="http://schemas.microsoft.com/office/powerpoint/2010/main" xmlns:a14="http://schemas.microsoft.com/office/drawing/2010/main" w="9525">
                   <a:solidFill>
                     <a:srgbClr val="000000"/>
                   </a:solidFill>
@@ -21473,7 +21473,7 @@
             </a:ln>
             <a:extLst>
               <a:ext uri="{91240B29-F687-4f45-9708-019B960494DF}">
-                <a14:hiddenLine xmlns:a14="http://schemas.microsoft.com/office/drawing/2010/main" xmlns:p14="http://schemas.microsoft.com/office/powerpoint/2010/main" xmlns:a16="http://schemas.microsoft.com/office/drawing/2014/main" xmlns="" w="9525">
+                <a14:hiddenLine xmlns="" xmlns:a16="http://schemas.microsoft.com/office/drawing/2014/main" xmlns:p14="http://schemas.microsoft.com/office/powerpoint/2010/main" xmlns:a14="http://schemas.microsoft.com/office/drawing/2010/main" w="9525">
                   <a:solidFill>
                     <a:srgbClr val="000000"/>
                   </a:solidFill>
@@ -21550,7 +21550,7 @@
             </a:ln>
             <a:extLst>
               <a:ext uri="{91240B29-F687-4f45-9708-019B960494DF}">
-                <a14:hiddenLine xmlns:a14="http://schemas.microsoft.com/office/drawing/2010/main" xmlns:p14="http://schemas.microsoft.com/office/powerpoint/2010/main" xmlns:a16="http://schemas.microsoft.com/office/drawing/2014/main" xmlns="" w="9525">
+                <a14:hiddenLine xmlns="" xmlns:a16="http://schemas.microsoft.com/office/drawing/2014/main" xmlns:p14="http://schemas.microsoft.com/office/powerpoint/2010/main" xmlns:a14="http://schemas.microsoft.com/office/drawing/2010/main" w="9525">
                   <a:solidFill>
                     <a:srgbClr val="000000"/>
                   </a:solidFill>
@@ -21655,7 +21655,7 @@
             </a:ln>
             <a:extLst>
               <a:ext uri="{91240B29-F687-4f45-9708-019B960494DF}">
-                <a14:hiddenLine xmlns:a14="http://schemas.microsoft.com/office/drawing/2010/main" xmlns:p14="http://schemas.microsoft.com/office/powerpoint/2010/main" xmlns:a16="http://schemas.microsoft.com/office/drawing/2014/main" xmlns="" w="9525">
+                <a14:hiddenLine xmlns="" xmlns:a16="http://schemas.microsoft.com/office/drawing/2014/main" xmlns:p14="http://schemas.microsoft.com/office/powerpoint/2010/main" xmlns:a14="http://schemas.microsoft.com/office/drawing/2010/main" w="9525">
                   <a:solidFill>
                     <a:srgbClr val="000000"/>
                   </a:solidFill>
@@ -21760,7 +21760,7 @@
             </a:ln>
             <a:extLst>
               <a:ext uri="{91240B29-F687-4f45-9708-019B960494DF}">
-                <a14:hiddenLine xmlns:a14="http://schemas.microsoft.com/office/drawing/2010/main" xmlns:p14="http://schemas.microsoft.com/office/powerpoint/2010/main" xmlns:a16="http://schemas.microsoft.com/office/drawing/2014/main" xmlns="" w="9525">
+                <a14:hiddenLine xmlns="" xmlns:a16="http://schemas.microsoft.com/office/drawing/2014/main" xmlns:p14="http://schemas.microsoft.com/office/powerpoint/2010/main" xmlns:a14="http://schemas.microsoft.com/office/drawing/2010/main" w="9525">
                   <a:solidFill>
                     <a:srgbClr val="000000"/>
                   </a:solidFill>
@@ -21831,7 +21831,7 @@
             </a:ln>
             <a:extLst>
               <a:ext uri="{91240B29-F687-4f45-9708-019B960494DF}">
-                <a14:hiddenLine xmlns:a14="http://schemas.microsoft.com/office/drawing/2010/main" xmlns:p14="http://schemas.microsoft.com/office/powerpoint/2010/main" xmlns:a16="http://schemas.microsoft.com/office/drawing/2014/main" xmlns="" w="9525">
+                <a14:hiddenLine xmlns="" xmlns:a16="http://schemas.microsoft.com/office/drawing/2014/main" xmlns:p14="http://schemas.microsoft.com/office/powerpoint/2010/main" xmlns:a14="http://schemas.microsoft.com/office/drawing/2010/main" w="9525">
                   <a:solidFill>
                     <a:srgbClr val="000000"/>
                   </a:solidFill>
@@ -21936,7 +21936,7 @@
             </a:ln>
             <a:extLst>
               <a:ext uri="{91240B29-F687-4f45-9708-019B960494DF}">
-                <a14:hiddenLine xmlns:a14="http://schemas.microsoft.com/office/drawing/2010/main" xmlns:p14="http://schemas.microsoft.com/office/powerpoint/2010/main" xmlns:a16="http://schemas.microsoft.com/office/drawing/2014/main" xmlns="" w="9525">
+                <a14:hiddenLine xmlns="" xmlns:a16="http://schemas.microsoft.com/office/drawing/2014/main" xmlns:p14="http://schemas.microsoft.com/office/powerpoint/2010/main" xmlns:a14="http://schemas.microsoft.com/office/drawing/2010/main" w="9525">
                   <a:solidFill>
                     <a:srgbClr val="000000"/>
                   </a:solidFill>
@@ -22007,7 +22007,7 @@
             </a:ln>
             <a:extLst>
               <a:ext uri="{91240B29-F687-4f45-9708-019B960494DF}">
-                <a14:hiddenLine xmlns:a14="http://schemas.microsoft.com/office/drawing/2010/main" xmlns:p14="http://schemas.microsoft.com/office/powerpoint/2010/main" xmlns:a16="http://schemas.microsoft.com/office/drawing/2014/main" xmlns="" w="9525">
+                <a14:hiddenLine xmlns="" xmlns:a16="http://schemas.microsoft.com/office/drawing/2014/main" xmlns:p14="http://schemas.microsoft.com/office/powerpoint/2010/main" xmlns:a14="http://schemas.microsoft.com/office/drawing/2010/main" w="9525">
                   <a:solidFill>
                     <a:srgbClr val="000000"/>
                   </a:solidFill>
@@ -22112,7 +22112,7 @@
             </a:ln>
             <a:extLst>
               <a:ext uri="{91240B29-F687-4f45-9708-019B960494DF}">
-                <a14:hiddenLine xmlns:a14="http://schemas.microsoft.com/office/drawing/2010/main" xmlns:p14="http://schemas.microsoft.com/office/powerpoint/2010/main" xmlns:a16="http://schemas.microsoft.com/office/drawing/2014/main" xmlns="" w="9525">
+                <a14:hiddenLine xmlns="" xmlns:a16="http://schemas.microsoft.com/office/drawing/2014/main" xmlns:p14="http://schemas.microsoft.com/office/powerpoint/2010/main" xmlns:a14="http://schemas.microsoft.com/office/drawing/2010/main" w="9525">
                   <a:solidFill>
                     <a:srgbClr val="000000"/>
                   </a:solidFill>
@@ -22195,7 +22195,7 @@
             </a:ln>
             <a:extLst>
               <a:ext uri="{91240B29-F687-4f45-9708-019B960494DF}">
-                <a14:hiddenLine xmlns:a14="http://schemas.microsoft.com/office/drawing/2010/main" xmlns:p14="http://schemas.microsoft.com/office/powerpoint/2010/main" xmlns:a16="http://schemas.microsoft.com/office/drawing/2014/main" xmlns="" w="9525">
+                <a14:hiddenLine xmlns="" xmlns:a16="http://schemas.microsoft.com/office/drawing/2014/main" xmlns:p14="http://schemas.microsoft.com/office/powerpoint/2010/main" xmlns:a14="http://schemas.microsoft.com/office/drawing/2010/main" w="9525">
                   <a:solidFill>
                     <a:srgbClr val="000000"/>
                   </a:solidFill>
@@ -22300,7 +22300,7 @@
             </a:ln>
             <a:extLst>
               <a:ext uri="{91240B29-F687-4f45-9708-019B960494DF}">
-                <a14:hiddenLine xmlns:a14="http://schemas.microsoft.com/office/drawing/2010/main" xmlns:p14="http://schemas.microsoft.com/office/powerpoint/2010/main" xmlns:a16="http://schemas.microsoft.com/office/drawing/2014/main" xmlns="" w="9525">
+                <a14:hiddenLine xmlns="" xmlns:a16="http://schemas.microsoft.com/office/drawing/2014/main" xmlns:p14="http://schemas.microsoft.com/office/powerpoint/2010/main" xmlns:a14="http://schemas.microsoft.com/office/drawing/2010/main" w="9525">
                   <a:solidFill>
                     <a:srgbClr val="000000"/>
                   </a:solidFill>
@@ -22383,7 +22383,7 @@
             </a:ln>
             <a:extLst>
               <a:ext uri="{91240B29-F687-4f45-9708-019B960494DF}">
-                <a14:hiddenLine xmlns:a14="http://schemas.microsoft.com/office/drawing/2010/main" xmlns:p14="http://schemas.microsoft.com/office/powerpoint/2010/main" xmlns:a16="http://schemas.microsoft.com/office/drawing/2014/main" xmlns="" w="9525">
+                <a14:hiddenLine xmlns="" xmlns:a16="http://schemas.microsoft.com/office/drawing/2014/main" xmlns:p14="http://schemas.microsoft.com/office/powerpoint/2010/main" xmlns:a14="http://schemas.microsoft.com/office/drawing/2010/main" w="9525">
                   <a:solidFill>
                     <a:srgbClr val="000000"/>
                   </a:solidFill>
@@ -22488,7 +22488,7 @@
             </a:ln>
             <a:extLst>
               <a:ext uri="{91240B29-F687-4f45-9708-019B960494DF}">
-                <a14:hiddenLine xmlns:a14="http://schemas.microsoft.com/office/drawing/2010/main" xmlns:p14="http://schemas.microsoft.com/office/powerpoint/2010/main" xmlns:a16="http://schemas.microsoft.com/office/drawing/2014/main" xmlns="" w="9525">
+                <a14:hiddenLine xmlns="" xmlns:a16="http://schemas.microsoft.com/office/drawing/2014/main" xmlns:p14="http://schemas.microsoft.com/office/powerpoint/2010/main" xmlns:a14="http://schemas.microsoft.com/office/drawing/2010/main" w="9525">
                   <a:solidFill>
                     <a:srgbClr val="000000"/>
                   </a:solidFill>
@@ -22537,7 +22537,7 @@
             </a:ln>
             <a:extLst>
               <a:ext uri="{91240B29-F687-4f45-9708-019B960494DF}">
-                <a14:hiddenLine xmlns:a14="http://schemas.microsoft.com/office/drawing/2010/main" xmlns:p14="http://schemas.microsoft.com/office/powerpoint/2010/main" xmlns:a16="http://schemas.microsoft.com/office/drawing/2014/main" xmlns="" w="9525">
+                <a14:hiddenLine xmlns="" xmlns:a16="http://schemas.microsoft.com/office/drawing/2014/main" xmlns:p14="http://schemas.microsoft.com/office/powerpoint/2010/main" xmlns:a14="http://schemas.microsoft.com/office/drawing/2010/main" w="9525">
                   <a:solidFill>
                     <a:srgbClr val="000000"/>
                   </a:solidFill>
@@ -22642,7 +22642,7 @@
             </a:ln>
             <a:extLst>
               <a:ext uri="{91240B29-F687-4f45-9708-019B960494DF}">
-                <a14:hiddenLine xmlns:a14="http://schemas.microsoft.com/office/drawing/2010/main" xmlns:p14="http://schemas.microsoft.com/office/powerpoint/2010/main" xmlns:a16="http://schemas.microsoft.com/office/drawing/2014/main" xmlns="" w="9525">
+                <a14:hiddenLine xmlns="" xmlns:a16="http://schemas.microsoft.com/office/drawing/2014/main" xmlns:p14="http://schemas.microsoft.com/office/powerpoint/2010/main" xmlns:a14="http://schemas.microsoft.com/office/drawing/2010/main" w="9525">
                   <a:solidFill>
                     <a:srgbClr val="000000"/>
                   </a:solidFill>
@@ -22719,7 +22719,7 @@
             </a:ln>
             <a:extLst>
               <a:ext uri="{91240B29-F687-4f45-9708-019B960494DF}">
-                <a14:hiddenLine xmlns:a14="http://schemas.microsoft.com/office/drawing/2010/main" xmlns:p14="http://schemas.microsoft.com/office/powerpoint/2010/main" xmlns:a16="http://schemas.microsoft.com/office/drawing/2014/main" xmlns="" w="9525">
+                <a14:hiddenLine xmlns="" xmlns:a16="http://schemas.microsoft.com/office/drawing/2014/main" xmlns:p14="http://schemas.microsoft.com/office/powerpoint/2010/main" xmlns:a14="http://schemas.microsoft.com/office/drawing/2010/main" w="9525">
                   <a:solidFill>
                     <a:srgbClr val="000000"/>
                   </a:solidFill>
@@ -22796,7 +22796,7 @@
             </a:ln>
             <a:extLst>
               <a:ext uri="{91240B29-F687-4f45-9708-019B960494DF}">
-                <a14:hiddenLine xmlns:a14="http://schemas.microsoft.com/office/drawing/2010/main" xmlns:p14="http://schemas.microsoft.com/office/powerpoint/2010/main" xmlns:a16="http://schemas.microsoft.com/office/drawing/2014/main" xmlns="" w="9525">
+                <a14:hiddenLine xmlns="" xmlns:a16="http://schemas.microsoft.com/office/drawing/2014/main" xmlns:p14="http://schemas.microsoft.com/office/powerpoint/2010/main" xmlns:a14="http://schemas.microsoft.com/office/drawing/2010/main" w="9525">
                   <a:solidFill>
                     <a:srgbClr val="000000"/>
                   </a:solidFill>
@@ -22901,7 +22901,7 @@
             </a:ln>
             <a:extLst>
               <a:ext uri="{91240B29-F687-4f45-9708-019B960494DF}">
-                <a14:hiddenLine xmlns:a14="http://schemas.microsoft.com/office/drawing/2010/main" xmlns:p14="http://schemas.microsoft.com/office/powerpoint/2010/main" xmlns:a16="http://schemas.microsoft.com/office/drawing/2014/main" xmlns="" w="9525">
+                <a14:hiddenLine xmlns="" xmlns:a16="http://schemas.microsoft.com/office/drawing/2014/main" xmlns:p14="http://schemas.microsoft.com/office/powerpoint/2010/main" xmlns:a14="http://schemas.microsoft.com/office/drawing/2010/main" w="9525">
                   <a:solidFill>
                     <a:srgbClr val="000000"/>
                   </a:solidFill>
@@ -22984,7 +22984,7 @@
             </a:ln>
             <a:extLst>
               <a:ext uri="{91240B29-F687-4f45-9708-019B960494DF}">
-                <a14:hiddenLine xmlns:a14="http://schemas.microsoft.com/office/drawing/2010/main" xmlns:p14="http://schemas.microsoft.com/office/powerpoint/2010/main" xmlns:a16="http://schemas.microsoft.com/office/drawing/2014/main" xmlns="" w="9525">
+                <a14:hiddenLine xmlns="" xmlns:a16="http://schemas.microsoft.com/office/drawing/2014/main" xmlns:p14="http://schemas.microsoft.com/office/powerpoint/2010/main" xmlns:a14="http://schemas.microsoft.com/office/drawing/2010/main" w="9525">
                   <a:solidFill>
                     <a:srgbClr val="000000"/>
                   </a:solidFill>
@@ -23061,7 +23061,7 @@
             </a:ln>
             <a:extLst>
               <a:ext uri="{91240B29-F687-4f45-9708-019B960494DF}">
-                <a14:hiddenLine xmlns:a14="http://schemas.microsoft.com/office/drawing/2010/main" xmlns:p14="http://schemas.microsoft.com/office/powerpoint/2010/main" xmlns:a16="http://schemas.microsoft.com/office/drawing/2014/main" xmlns="" w="9525">
+                <a14:hiddenLine xmlns="" xmlns:a16="http://schemas.microsoft.com/office/drawing/2014/main" xmlns:p14="http://schemas.microsoft.com/office/powerpoint/2010/main" xmlns:a14="http://schemas.microsoft.com/office/drawing/2010/main" w="9525">
                   <a:solidFill>
                     <a:srgbClr val="000000"/>
                   </a:solidFill>
@@ -23166,7 +23166,7 @@
             </a:ln>
             <a:extLst>
               <a:ext uri="{91240B29-F687-4f45-9708-019B960494DF}">
-                <a14:hiddenLine xmlns:a14="http://schemas.microsoft.com/office/drawing/2010/main" xmlns:p14="http://schemas.microsoft.com/office/powerpoint/2010/main" xmlns:a16="http://schemas.microsoft.com/office/drawing/2014/main" xmlns="" w="9525">
+                <a14:hiddenLine xmlns="" xmlns:a16="http://schemas.microsoft.com/office/drawing/2014/main" xmlns:p14="http://schemas.microsoft.com/office/powerpoint/2010/main" xmlns:a14="http://schemas.microsoft.com/office/drawing/2010/main" w="9525">
                   <a:solidFill>
                     <a:srgbClr val="000000"/>
                   </a:solidFill>
@@ -23243,7 +23243,7 @@
             </a:ln>
             <a:extLst>
               <a:ext uri="{91240B29-F687-4f45-9708-019B960494DF}">
-                <a14:hiddenLine xmlns:a14="http://schemas.microsoft.com/office/drawing/2010/main" xmlns:p14="http://schemas.microsoft.com/office/powerpoint/2010/main" xmlns:a16="http://schemas.microsoft.com/office/drawing/2014/main" xmlns="" w="9525">
+                <a14:hiddenLine xmlns="" xmlns:a16="http://schemas.microsoft.com/office/drawing/2014/main" xmlns:p14="http://schemas.microsoft.com/office/powerpoint/2010/main" xmlns:a14="http://schemas.microsoft.com/office/drawing/2010/main" w="9525">
                   <a:solidFill>
                     <a:srgbClr val="000000"/>
                   </a:solidFill>
@@ -23348,7 +23348,7 @@
             </a:ln>
             <a:extLst>
               <a:ext uri="{91240B29-F687-4f45-9708-019B960494DF}">
-                <a14:hiddenLine xmlns:a14="http://schemas.microsoft.com/office/drawing/2010/main" xmlns:p14="http://schemas.microsoft.com/office/powerpoint/2010/main" xmlns:a16="http://schemas.microsoft.com/office/drawing/2014/main" xmlns="" w="9525">
+                <a14:hiddenLine xmlns="" xmlns:a16="http://schemas.microsoft.com/office/drawing/2014/main" xmlns:p14="http://schemas.microsoft.com/office/powerpoint/2010/main" xmlns:a14="http://schemas.microsoft.com/office/drawing/2010/main" w="9525">
                   <a:solidFill>
                     <a:srgbClr val="000000"/>
                   </a:solidFill>
@@ -23425,7 +23425,7 @@
             </a:ln>
             <a:extLst>
               <a:ext uri="{91240B29-F687-4f45-9708-019B960494DF}">
-                <a14:hiddenLine xmlns:a14="http://schemas.microsoft.com/office/drawing/2010/main" xmlns:p14="http://schemas.microsoft.com/office/powerpoint/2010/main" xmlns:a16="http://schemas.microsoft.com/office/drawing/2014/main" xmlns="" w="9525">
+                <a14:hiddenLine xmlns="" xmlns:a16="http://schemas.microsoft.com/office/drawing/2014/main" xmlns:p14="http://schemas.microsoft.com/office/powerpoint/2010/main" xmlns:a14="http://schemas.microsoft.com/office/drawing/2010/main" w="9525">
                   <a:solidFill>
                     <a:srgbClr val="000000"/>
                   </a:solidFill>
@@ -23530,7 +23530,7 @@
             </a:ln>
             <a:extLst>
               <a:ext uri="{91240B29-F687-4f45-9708-019B960494DF}">
-                <a14:hiddenLine xmlns:a14="http://schemas.microsoft.com/office/drawing/2010/main" xmlns:p14="http://schemas.microsoft.com/office/powerpoint/2010/main" xmlns:a16="http://schemas.microsoft.com/office/drawing/2014/main" xmlns="" w="9525">
+                <a14:hiddenLine xmlns="" xmlns:a16="http://schemas.microsoft.com/office/drawing/2014/main" xmlns:p14="http://schemas.microsoft.com/office/powerpoint/2010/main" xmlns:a14="http://schemas.microsoft.com/office/drawing/2010/main" w="9525">
                   <a:solidFill>
                     <a:srgbClr val="000000"/>
                   </a:solidFill>
@@ -23579,7 +23579,7 @@
             </a:ln>
             <a:extLst>
               <a:ext uri="{91240B29-F687-4f45-9708-019B960494DF}">
-                <a14:hiddenLine xmlns:a14="http://schemas.microsoft.com/office/drawing/2010/main" xmlns:p14="http://schemas.microsoft.com/office/powerpoint/2010/main" xmlns:a16="http://schemas.microsoft.com/office/drawing/2014/main" xmlns="" w="9525">
+                <a14:hiddenLine xmlns="" xmlns:a16="http://schemas.microsoft.com/office/drawing/2014/main" xmlns:p14="http://schemas.microsoft.com/office/powerpoint/2010/main" xmlns:a14="http://schemas.microsoft.com/office/drawing/2010/main" w="9525">
                   <a:solidFill>
                     <a:srgbClr val="000000"/>
                   </a:solidFill>
@@ -23659,7 +23659,7 @@
             </a:ln>
             <a:extLst>
               <a:ext uri="{91240B29-F687-4f45-9708-019B960494DF}">
-                <a14:hiddenLine xmlns:a14="http://schemas.microsoft.com/office/drawing/2010/main" xmlns:p14="http://schemas.microsoft.com/office/powerpoint/2010/main" xmlns:a16="http://schemas.microsoft.com/office/drawing/2014/main" xmlns="" w="9525">
+                <a14:hiddenLine xmlns="" xmlns:a16="http://schemas.microsoft.com/office/drawing/2014/main" xmlns:p14="http://schemas.microsoft.com/office/powerpoint/2010/main" xmlns:a14="http://schemas.microsoft.com/office/drawing/2010/main" w="9525">
                   <a:solidFill>
                     <a:srgbClr val="000000"/>
                   </a:solidFill>
@@ -23764,7 +23764,7 @@
             </a:ln>
             <a:extLst>
               <a:ext uri="{91240B29-F687-4f45-9708-019B960494DF}">
-                <a14:hiddenLine xmlns:a14="http://schemas.microsoft.com/office/drawing/2010/main" xmlns:p14="http://schemas.microsoft.com/office/powerpoint/2010/main" xmlns:a16="http://schemas.microsoft.com/office/drawing/2014/main" xmlns="" w="9525">
+                <a14:hiddenLine xmlns="" xmlns:a16="http://schemas.microsoft.com/office/drawing/2014/main" xmlns:p14="http://schemas.microsoft.com/office/powerpoint/2010/main" xmlns:a14="http://schemas.microsoft.com/office/drawing/2010/main" w="9525">
                   <a:solidFill>
                     <a:srgbClr val="000000"/>
                   </a:solidFill>
@@ -23841,7 +23841,7 @@
             </a:ln>
             <a:extLst>
               <a:ext uri="{91240B29-F687-4f45-9708-019B960494DF}">
-                <a14:hiddenLine xmlns:a14="http://schemas.microsoft.com/office/drawing/2010/main" xmlns:p14="http://schemas.microsoft.com/office/powerpoint/2010/main" xmlns:a16="http://schemas.microsoft.com/office/drawing/2014/main" xmlns="" w="9525">
+                <a14:hiddenLine xmlns="" xmlns:a16="http://schemas.microsoft.com/office/drawing/2014/main" xmlns:p14="http://schemas.microsoft.com/office/powerpoint/2010/main" xmlns:a14="http://schemas.microsoft.com/office/drawing/2010/main" w="9525">
                   <a:solidFill>
                     <a:srgbClr val="000000"/>
                   </a:solidFill>
@@ -23946,7 +23946,7 @@
             </a:ln>
             <a:extLst>
               <a:ext uri="{91240B29-F687-4f45-9708-019B960494DF}">
-                <a14:hiddenLine xmlns:a14="http://schemas.microsoft.com/office/drawing/2010/main" xmlns:p14="http://schemas.microsoft.com/office/powerpoint/2010/main" xmlns:a16="http://schemas.microsoft.com/office/drawing/2014/main" xmlns="" w="9525">
+                <a14:hiddenLine xmlns="" xmlns:a16="http://schemas.microsoft.com/office/drawing/2014/main" xmlns:p14="http://schemas.microsoft.com/office/powerpoint/2010/main" xmlns:a14="http://schemas.microsoft.com/office/drawing/2010/main" w="9525">
                   <a:solidFill>
                     <a:srgbClr val="000000"/>
                   </a:solidFill>
@@ -24051,7 +24051,7 @@
             </a:ln>
             <a:extLst>
               <a:ext uri="{91240B29-F687-4f45-9708-019B960494DF}">
-                <a14:hiddenLine xmlns:a14="http://schemas.microsoft.com/office/drawing/2010/main" xmlns:p14="http://schemas.microsoft.com/office/powerpoint/2010/main" xmlns:a16="http://schemas.microsoft.com/office/drawing/2014/main" xmlns="" w="9525">
+                <a14:hiddenLine xmlns="" xmlns:a16="http://schemas.microsoft.com/office/drawing/2014/main" xmlns:p14="http://schemas.microsoft.com/office/powerpoint/2010/main" xmlns:a14="http://schemas.microsoft.com/office/drawing/2010/main" w="9525">
                   <a:solidFill>
                     <a:srgbClr val="000000"/>
                   </a:solidFill>
@@ -24131,7 +24131,7 @@
             </a:ln>
             <a:extLst>
               <a:ext uri="{91240B29-F687-4f45-9708-019B960494DF}">
-                <a14:hiddenLine xmlns:a14="http://schemas.microsoft.com/office/drawing/2010/main" xmlns:p14="http://schemas.microsoft.com/office/powerpoint/2010/main" xmlns:a16="http://schemas.microsoft.com/office/drawing/2014/main" xmlns="" w="9525">
+                <a14:hiddenLine xmlns="" xmlns:a16="http://schemas.microsoft.com/office/drawing/2014/main" xmlns:p14="http://schemas.microsoft.com/office/powerpoint/2010/main" xmlns:a14="http://schemas.microsoft.com/office/drawing/2010/main" w="9525">
                   <a:solidFill>
                     <a:srgbClr val="000000"/>
                   </a:solidFill>
@@ -24208,7 +24208,7 @@
             </a:ln>
             <a:extLst>
               <a:ext uri="{91240B29-F687-4f45-9708-019B960494DF}">
-                <a14:hiddenLine xmlns:a14="http://schemas.microsoft.com/office/drawing/2010/main" xmlns:p14="http://schemas.microsoft.com/office/powerpoint/2010/main" xmlns:a16="http://schemas.microsoft.com/office/drawing/2014/main" xmlns="" w="9525">
+                <a14:hiddenLine xmlns="" xmlns:a16="http://schemas.microsoft.com/office/drawing/2014/main" xmlns:p14="http://schemas.microsoft.com/office/powerpoint/2010/main" xmlns:a14="http://schemas.microsoft.com/office/drawing/2010/main" w="9525">
                   <a:solidFill>
                     <a:srgbClr val="000000"/>
                   </a:solidFill>
@@ -24313,7 +24313,7 @@
             </a:ln>
             <a:extLst>
               <a:ext uri="{91240B29-F687-4f45-9708-019B960494DF}">
-                <a14:hiddenLine xmlns:a14="http://schemas.microsoft.com/office/drawing/2010/main" xmlns:p14="http://schemas.microsoft.com/office/powerpoint/2010/main" xmlns:a16="http://schemas.microsoft.com/office/drawing/2014/main" xmlns="" w="9525">
+                <a14:hiddenLine xmlns="" xmlns:a16="http://schemas.microsoft.com/office/drawing/2014/main" xmlns:p14="http://schemas.microsoft.com/office/powerpoint/2010/main" xmlns:a14="http://schemas.microsoft.com/office/drawing/2010/main" w="9525">
                   <a:solidFill>
                     <a:srgbClr val="000000"/>
                   </a:solidFill>
@@ -24418,7 +24418,7 @@
             </a:ln>
             <a:extLst>
               <a:ext uri="{91240B29-F687-4f45-9708-019B960494DF}">
-                <a14:hiddenLine xmlns:a14="http://schemas.microsoft.com/office/drawing/2010/main" xmlns:p14="http://schemas.microsoft.com/office/powerpoint/2010/main" xmlns:a16="http://schemas.microsoft.com/office/drawing/2014/main" xmlns="" w="9525">
+                <a14:hiddenLine xmlns="" xmlns:a16="http://schemas.microsoft.com/office/drawing/2014/main" xmlns:p14="http://schemas.microsoft.com/office/powerpoint/2010/main" xmlns:a14="http://schemas.microsoft.com/office/drawing/2010/main" w="9525">
                   <a:solidFill>
                     <a:srgbClr val="000000"/>
                   </a:solidFill>
@@ -24495,7 +24495,7 @@
             </a:ln>
             <a:extLst>
               <a:ext uri="{91240B29-F687-4f45-9708-019B960494DF}">
-                <a14:hiddenLine xmlns:a14="http://schemas.microsoft.com/office/drawing/2010/main" xmlns:p14="http://schemas.microsoft.com/office/powerpoint/2010/main" xmlns:a16="http://schemas.microsoft.com/office/drawing/2014/main" xmlns="" w="9525">
+                <a14:hiddenLine xmlns="" xmlns:a16="http://schemas.microsoft.com/office/drawing/2014/main" xmlns:p14="http://schemas.microsoft.com/office/powerpoint/2010/main" xmlns:a14="http://schemas.microsoft.com/office/drawing/2010/main" w="9525">
                   <a:solidFill>
                     <a:srgbClr val="000000"/>
                   </a:solidFill>
@@ -24630,7 +24630,7 @@
             </a:ln>
             <a:extLst>
               <a:ext uri="{91240B29-F687-4f45-9708-019B960494DF}">
-                <a14:hiddenLine xmlns:a14="http://schemas.microsoft.com/office/drawing/2010/main" xmlns:p14="http://schemas.microsoft.com/office/powerpoint/2010/main" xmlns:a16="http://schemas.microsoft.com/office/drawing/2014/main" xmlns="" w="9525">
+                <a14:hiddenLine xmlns="" xmlns:a16="http://schemas.microsoft.com/office/drawing/2014/main" xmlns:p14="http://schemas.microsoft.com/office/powerpoint/2010/main" xmlns:a14="http://schemas.microsoft.com/office/drawing/2010/main" w="9525">
                   <a:solidFill>
                     <a:srgbClr val="000000"/>
                   </a:solidFill>
@@ -24713,7 +24713,7 @@
             </a:ln>
             <a:extLst>
               <a:ext uri="{91240B29-F687-4f45-9708-019B960494DF}">
-                <a14:hiddenLine xmlns:a14="http://schemas.microsoft.com/office/drawing/2010/main" xmlns:p14="http://schemas.microsoft.com/office/powerpoint/2010/main" xmlns:a16="http://schemas.microsoft.com/office/drawing/2014/main" xmlns="" w="9525">
+                <a14:hiddenLine xmlns="" xmlns:a16="http://schemas.microsoft.com/office/drawing/2014/main" xmlns:p14="http://schemas.microsoft.com/office/powerpoint/2010/main" xmlns:a14="http://schemas.microsoft.com/office/drawing/2010/main" w="9525">
                   <a:solidFill>
                     <a:srgbClr val="000000"/>
                   </a:solidFill>
@@ -24818,7 +24818,7 @@
             </a:ln>
             <a:extLst>
               <a:ext uri="{91240B29-F687-4f45-9708-019B960494DF}">
-                <a14:hiddenLine xmlns:a14="http://schemas.microsoft.com/office/drawing/2010/main" xmlns:p14="http://schemas.microsoft.com/office/powerpoint/2010/main" xmlns:a16="http://schemas.microsoft.com/office/drawing/2014/main" xmlns="" w="9525">
+                <a14:hiddenLine xmlns="" xmlns:a16="http://schemas.microsoft.com/office/drawing/2014/main" xmlns:p14="http://schemas.microsoft.com/office/powerpoint/2010/main" xmlns:a14="http://schemas.microsoft.com/office/drawing/2010/main" w="9525">
                   <a:solidFill>
                     <a:srgbClr val="000000"/>
                   </a:solidFill>
@@ -24886,7 +24886,7 @@
           <a:noFill/>
           <a:extLst>
             <a:ext uri="{909E8E84-426E-40dd-AFC4-6F175D3DCCD1}">
-              <a14:hiddenFill xmlns:a14="http://schemas.microsoft.com/office/drawing/2010/main" xmlns:p14="http://schemas.microsoft.com/office/powerpoint/2010/main" xmlns:a16="http://schemas.microsoft.com/office/drawing/2014/main" xmlns="">
+              <a14:hiddenFill xmlns="" xmlns:a16="http://schemas.microsoft.com/office/drawing/2014/main" xmlns:p14="http://schemas.microsoft.com/office/powerpoint/2010/main" xmlns:a14="http://schemas.microsoft.com/office/drawing/2010/main">
                 <a:solidFill>
                   <a:srgbClr val="FFFFFF"/>
                 </a:solidFill>
@@ -25421,7 +25421,7 @@
             </a:ln>
             <a:extLst>
               <a:ext uri="{91240B29-F687-4f45-9708-019B960494DF}">
-                <a14:hiddenLine xmlns:a14="http://schemas.microsoft.com/office/drawing/2010/main" xmlns:p14="http://schemas.microsoft.com/office/powerpoint/2010/main" xmlns:a16="http://schemas.microsoft.com/office/drawing/2014/main" xmlns="" w="9525">
+                <a14:hiddenLine xmlns="" xmlns:a16="http://schemas.microsoft.com/office/drawing/2014/main" xmlns:p14="http://schemas.microsoft.com/office/powerpoint/2010/main" xmlns:a14="http://schemas.microsoft.com/office/drawing/2010/main" w="9525">
                   <a:solidFill>
                     <a:srgbClr val="000000"/>
                   </a:solidFill>
@@ -25526,7 +25526,7 @@
             </a:ln>
             <a:extLst>
               <a:ext uri="{91240B29-F687-4f45-9708-019B960494DF}">
-                <a14:hiddenLine xmlns:a14="http://schemas.microsoft.com/office/drawing/2010/main" xmlns:p14="http://schemas.microsoft.com/office/powerpoint/2010/main" xmlns:a16="http://schemas.microsoft.com/office/drawing/2014/main" xmlns="" w="9525">
+                <a14:hiddenLine xmlns="" xmlns:a16="http://schemas.microsoft.com/office/drawing/2014/main" xmlns:p14="http://schemas.microsoft.com/office/powerpoint/2010/main" xmlns:a14="http://schemas.microsoft.com/office/drawing/2010/main" w="9525">
                   <a:solidFill>
                     <a:srgbClr val="000000"/>
                   </a:solidFill>
@@ -25631,7 +25631,7 @@
             </a:ln>
             <a:extLst>
               <a:ext uri="{91240B29-F687-4f45-9708-019B960494DF}">
-                <a14:hiddenLine xmlns:a14="http://schemas.microsoft.com/office/drawing/2010/main" xmlns:p14="http://schemas.microsoft.com/office/powerpoint/2010/main" xmlns:a16="http://schemas.microsoft.com/office/drawing/2014/main" xmlns="" w="9525">
+                <a14:hiddenLine xmlns="" xmlns:a16="http://schemas.microsoft.com/office/drawing/2014/main" xmlns:p14="http://schemas.microsoft.com/office/powerpoint/2010/main" xmlns:a14="http://schemas.microsoft.com/office/drawing/2010/main" w="9525">
                   <a:solidFill>
                     <a:srgbClr val="000000"/>
                   </a:solidFill>
@@ -25708,7 +25708,7 @@
             </a:ln>
             <a:extLst>
               <a:ext uri="{91240B29-F687-4f45-9708-019B960494DF}">
-                <a14:hiddenLine xmlns:a14="http://schemas.microsoft.com/office/drawing/2010/main" xmlns:p14="http://schemas.microsoft.com/office/powerpoint/2010/main" xmlns:a16="http://schemas.microsoft.com/office/drawing/2014/main" xmlns="" w="9525">
+                <a14:hiddenLine xmlns="" xmlns:a16="http://schemas.microsoft.com/office/drawing/2014/main" xmlns:p14="http://schemas.microsoft.com/office/powerpoint/2010/main" xmlns:a14="http://schemas.microsoft.com/office/drawing/2010/main" w="9525">
                   <a:solidFill>
                     <a:srgbClr val="000000"/>
                   </a:solidFill>
@@ -25813,7 +25813,7 @@
             </a:ln>
             <a:extLst>
               <a:ext uri="{91240B29-F687-4f45-9708-019B960494DF}">
-                <a14:hiddenLine xmlns:a14="http://schemas.microsoft.com/office/drawing/2010/main" xmlns:p14="http://schemas.microsoft.com/office/powerpoint/2010/main" xmlns:a16="http://schemas.microsoft.com/office/drawing/2014/main" xmlns="" w="9525">
+                <a14:hiddenLine xmlns="" xmlns:a16="http://schemas.microsoft.com/office/drawing/2014/main" xmlns:p14="http://schemas.microsoft.com/office/powerpoint/2010/main" xmlns:a14="http://schemas.microsoft.com/office/drawing/2010/main" w="9525">
                   <a:solidFill>
                     <a:srgbClr val="000000"/>
                   </a:solidFill>
@@ -25890,7 +25890,7 @@
             </a:ln>
             <a:extLst>
               <a:ext uri="{91240B29-F687-4f45-9708-019B960494DF}">
-                <a14:hiddenLine xmlns:a14="http://schemas.microsoft.com/office/drawing/2010/main" xmlns:p14="http://schemas.microsoft.com/office/powerpoint/2010/main" xmlns:a16="http://schemas.microsoft.com/office/drawing/2014/main" xmlns="" w="9525">
+                <a14:hiddenLine xmlns="" xmlns:a16="http://schemas.microsoft.com/office/drawing/2014/main" xmlns:p14="http://schemas.microsoft.com/office/powerpoint/2010/main" xmlns:a14="http://schemas.microsoft.com/office/drawing/2010/main" w="9525">
                   <a:solidFill>
                     <a:srgbClr val="000000"/>
                   </a:solidFill>
@@ -25967,7 +25967,7 @@
             </a:ln>
             <a:extLst>
               <a:ext uri="{91240B29-F687-4f45-9708-019B960494DF}">
-                <a14:hiddenLine xmlns:a14="http://schemas.microsoft.com/office/drawing/2010/main" xmlns:p14="http://schemas.microsoft.com/office/powerpoint/2010/main" xmlns:a16="http://schemas.microsoft.com/office/drawing/2014/main" xmlns="" w="9525">
+                <a14:hiddenLine xmlns="" xmlns:a16="http://schemas.microsoft.com/office/drawing/2014/main" xmlns:p14="http://schemas.microsoft.com/office/powerpoint/2010/main" xmlns:a14="http://schemas.microsoft.com/office/drawing/2010/main" w="9525">
                   <a:solidFill>
                     <a:srgbClr val="000000"/>
                   </a:solidFill>
@@ -26072,7 +26072,7 @@
             </a:ln>
             <a:extLst>
               <a:ext uri="{91240B29-F687-4f45-9708-019B960494DF}">
-                <a14:hiddenLine xmlns:a14="http://schemas.microsoft.com/office/drawing/2010/main" xmlns:p14="http://schemas.microsoft.com/office/powerpoint/2010/main" xmlns:a16="http://schemas.microsoft.com/office/drawing/2014/main" xmlns="" w="9525">
+                <a14:hiddenLine xmlns="" xmlns:a16="http://schemas.microsoft.com/office/drawing/2014/main" xmlns:p14="http://schemas.microsoft.com/office/powerpoint/2010/main" xmlns:a14="http://schemas.microsoft.com/office/drawing/2010/main" w="9525">
                   <a:solidFill>
                     <a:srgbClr val="000000"/>
                   </a:solidFill>
@@ -26177,7 +26177,7 @@
             </a:ln>
             <a:extLst>
               <a:ext uri="{91240B29-F687-4f45-9708-019B960494DF}">
-                <a14:hiddenLine xmlns:a14="http://schemas.microsoft.com/office/drawing/2010/main" xmlns:p14="http://schemas.microsoft.com/office/powerpoint/2010/main" xmlns:a16="http://schemas.microsoft.com/office/drawing/2014/main" xmlns="" w="9525">
+                <a14:hiddenLine xmlns="" xmlns:a16="http://schemas.microsoft.com/office/drawing/2014/main" xmlns:p14="http://schemas.microsoft.com/office/powerpoint/2010/main" xmlns:a14="http://schemas.microsoft.com/office/drawing/2010/main" w="9525">
                   <a:solidFill>
                     <a:srgbClr val="000000"/>
                   </a:solidFill>
@@ -26254,7 +26254,7 @@
             </a:ln>
             <a:extLst>
               <a:ext uri="{91240B29-F687-4f45-9708-019B960494DF}">
-                <a14:hiddenLine xmlns:a14="http://schemas.microsoft.com/office/drawing/2010/main" xmlns:p14="http://schemas.microsoft.com/office/powerpoint/2010/main" xmlns:a16="http://schemas.microsoft.com/office/drawing/2014/main" xmlns="" w="9525">
+                <a14:hiddenLine xmlns="" xmlns:a16="http://schemas.microsoft.com/office/drawing/2014/main" xmlns:p14="http://schemas.microsoft.com/office/powerpoint/2010/main" xmlns:a14="http://schemas.microsoft.com/office/drawing/2010/main" w="9525">
                   <a:solidFill>
                     <a:srgbClr val="000000"/>
                   </a:solidFill>
@@ -26379,7 +26379,7 @@
             </a:ln>
             <a:extLst>
               <a:ext uri="{91240B29-F687-4f45-9708-019B960494DF}">
-                <a14:hiddenLine xmlns:a14="http://schemas.microsoft.com/office/drawing/2010/main" xmlns:p14="http://schemas.microsoft.com/office/powerpoint/2010/main" xmlns:a16="http://schemas.microsoft.com/office/drawing/2014/main" xmlns="" w="9525">
+                <a14:hiddenLine xmlns="" xmlns:a16="http://schemas.microsoft.com/office/drawing/2014/main" xmlns:p14="http://schemas.microsoft.com/office/powerpoint/2010/main" xmlns:a14="http://schemas.microsoft.com/office/drawing/2010/main" w="9525">
                   <a:solidFill>
                     <a:srgbClr val="000000"/>
                   </a:solidFill>
@@ -26493,7 +26493,7 @@
             </a:ln>
             <a:extLst>
               <a:ext uri="{91240B29-F687-4f45-9708-019B960494DF}">
-                <a14:hiddenLine xmlns:a14="http://schemas.microsoft.com/office/drawing/2010/main" xmlns:p14="http://schemas.microsoft.com/office/powerpoint/2010/main" xmlns:a16="http://schemas.microsoft.com/office/drawing/2014/main" xmlns="" w="9525">
+                <a14:hiddenLine xmlns="" xmlns:a16="http://schemas.microsoft.com/office/drawing/2014/main" xmlns:p14="http://schemas.microsoft.com/office/powerpoint/2010/main" xmlns:a14="http://schemas.microsoft.com/office/drawing/2010/main" w="9525">
                   <a:solidFill>
                     <a:srgbClr val="000000"/>
                   </a:solidFill>
@@ -26570,7 +26570,7 @@
             </a:ln>
             <a:extLst>
               <a:ext uri="{91240B29-F687-4f45-9708-019B960494DF}">
-                <a14:hiddenLine xmlns:a14="http://schemas.microsoft.com/office/drawing/2010/main" xmlns:p14="http://schemas.microsoft.com/office/powerpoint/2010/main" xmlns:a16="http://schemas.microsoft.com/office/drawing/2014/main" xmlns="" w="9525">
+                <a14:hiddenLine xmlns="" xmlns:a16="http://schemas.microsoft.com/office/drawing/2014/main" xmlns:p14="http://schemas.microsoft.com/office/powerpoint/2010/main" xmlns:a14="http://schemas.microsoft.com/office/drawing/2010/main" w="9525">
                   <a:solidFill>
                     <a:srgbClr val="000000"/>
                   </a:solidFill>
@@ -26647,7 +26647,7 @@
             </a:ln>
             <a:extLst>
               <a:ext uri="{91240B29-F687-4f45-9708-019B960494DF}">
-                <a14:hiddenLine xmlns:a14="http://schemas.microsoft.com/office/drawing/2010/main" xmlns:p14="http://schemas.microsoft.com/office/powerpoint/2010/main" xmlns:a16="http://schemas.microsoft.com/office/drawing/2014/main" xmlns="" w="9525">
+                <a14:hiddenLine xmlns="" xmlns:a16="http://schemas.microsoft.com/office/drawing/2014/main" xmlns:p14="http://schemas.microsoft.com/office/powerpoint/2010/main" xmlns:a14="http://schemas.microsoft.com/office/drawing/2010/main" w="9525">
                   <a:solidFill>
                     <a:srgbClr val="000000"/>
                   </a:solidFill>
@@ -26752,7 +26752,7 @@
             </a:ln>
             <a:extLst>
               <a:ext uri="{91240B29-F687-4f45-9708-019B960494DF}">
-                <a14:hiddenLine xmlns:a14="http://schemas.microsoft.com/office/drawing/2010/main" xmlns:p14="http://schemas.microsoft.com/office/powerpoint/2010/main" xmlns:a16="http://schemas.microsoft.com/office/drawing/2014/main" xmlns="" w="9525">
+                <a14:hiddenLine xmlns="" xmlns:a16="http://schemas.microsoft.com/office/drawing/2014/main" xmlns:p14="http://schemas.microsoft.com/office/powerpoint/2010/main" xmlns:a14="http://schemas.microsoft.com/office/drawing/2010/main" w="9525">
                   <a:solidFill>
                     <a:srgbClr val="000000"/>
                   </a:solidFill>
@@ -26801,7 +26801,7 @@
             </a:ln>
             <a:extLst>
               <a:ext uri="{91240B29-F687-4f45-9708-019B960494DF}">
-                <a14:hiddenLine xmlns:a14="http://schemas.microsoft.com/office/drawing/2010/main" xmlns:p14="http://schemas.microsoft.com/office/powerpoint/2010/main" xmlns:a16="http://schemas.microsoft.com/office/drawing/2014/main" xmlns="" w="9525">
+                <a14:hiddenLine xmlns="" xmlns:a16="http://schemas.microsoft.com/office/drawing/2014/main" xmlns:p14="http://schemas.microsoft.com/office/powerpoint/2010/main" xmlns:a14="http://schemas.microsoft.com/office/drawing/2010/main" w="9525">
                   <a:solidFill>
                     <a:srgbClr val="000000"/>
                   </a:solidFill>
@@ -26881,7 +26881,7 @@
             </a:ln>
             <a:extLst>
               <a:ext uri="{91240B29-F687-4f45-9708-019B960494DF}">
-                <a14:hiddenLine xmlns:a14="http://schemas.microsoft.com/office/drawing/2010/main" xmlns:p14="http://schemas.microsoft.com/office/powerpoint/2010/main" xmlns:a16="http://schemas.microsoft.com/office/drawing/2014/main" xmlns="" w="9525">
+                <a14:hiddenLine xmlns="" xmlns:a16="http://schemas.microsoft.com/office/drawing/2014/main" xmlns:p14="http://schemas.microsoft.com/office/powerpoint/2010/main" xmlns:a14="http://schemas.microsoft.com/office/drawing/2010/main" w="9525">
                   <a:solidFill>
                     <a:srgbClr val="000000"/>
                   </a:solidFill>
@@ -26986,7 +26986,7 @@
             </a:ln>
             <a:extLst>
               <a:ext uri="{91240B29-F687-4f45-9708-019B960494DF}">
-                <a14:hiddenLine xmlns:a14="http://schemas.microsoft.com/office/drawing/2010/main" xmlns:p14="http://schemas.microsoft.com/office/powerpoint/2010/main" xmlns:a16="http://schemas.microsoft.com/office/drawing/2014/main" xmlns="" w="9525">
+                <a14:hiddenLine xmlns="" xmlns:a16="http://schemas.microsoft.com/office/drawing/2014/main" xmlns:p14="http://schemas.microsoft.com/office/powerpoint/2010/main" xmlns:a14="http://schemas.microsoft.com/office/drawing/2010/main" w="9525">
                   <a:solidFill>
                     <a:srgbClr val="000000"/>
                   </a:solidFill>
@@ -27063,7 +27063,7 @@
             </a:ln>
             <a:extLst>
               <a:ext uri="{91240B29-F687-4f45-9708-019B960494DF}">
-                <a14:hiddenLine xmlns:a14="http://schemas.microsoft.com/office/drawing/2010/main" xmlns:p14="http://schemas.microsoft.com/office/powerpoint/2010/main" xmlns:a16="http://schemas.microsoft.com/office/drawing/2014/main" xmlns="" w="9525">
+                <a14:hiddenLine xmlns="" xmlns:a16="http://schemas.microsoft.com/office/drawing/2014/main" xmlns:p14="http://schemas.microsoft.com/office/powerpoint/2010/main" xmlns:a14="http://schemas.microsoft.com/office/drawing/2010/main" w="9525">
                   <a:solidFill>
                     <a:srgbClr val="000000"/>
                   </a:solidFill>
@@ -27168,7 +27168,7 @@
             </a:ln>
             <a:extLst>
               <a:ext uri="{91240B29-F687-4f45-9708-019B960494DF}">
-                <a14:hiddenLine xmlns:a14="http://schemas.microsoft.com/office/drawing/2010/main" xmlns:p14="http://schemas.microsoft.com/office/powerpoint/2010/main" xmlns:a16="http://schemas.microsoft.com/office/drawing/2014/main" xmlns="" w="9525">
+                <a14:hiddenLine xmlns="" xmlns:a16="http://schemas.microsoft.com/office/drawing/2014/main" xmlns:p14="http://schemas.microsoft.com/office/powerpoint/2010/main" xmlns:a14="http://schemas.microsoft.com/office/drawing/2010/main" w="9525">
                   <a:solidFill>
                     <a:srgbClr val="000000"/>
                   </a:solidFill>
@@ -27248,7 +27248,7 @@
             </a:ln>
             <a:extLst>
               <a:ext uri="{91240B29-F687-4f45-9708-019B960494DF}">
-                <a14:hiddenLine xmlns:a14="http://schemas.microsoft.com/office/drawing/2010/main" xmlns:p14="http://schemas.microsoft.com/office/powerpoint/2010/main" xmlns:a16="http://schemas.microsoft.com/office/drawing/2014/main" xmlns="" w="9525">
+                <a14:hiddenLine xmlns="" xmlns:a16="http://schemas.microsoft.com/office/drawing/2014/main" xmlns:p14="http://schemas.microsoft.com/office/powerpoint/2010/main" xmlns:a14="http://schemas.microsoft.com/office/drawing/2010/main" w="9525">
                   <a:solidFill>
                     <a:srgbClr val="000000"/>
                   </a:solidFill>
@@ -27325,7 +27325,7 @@
             </a:ln>
             <a:extLst>
               <a:ext uri="{91240B29-F687-4f45-9708-019B960494DF}">
-                <a14:hiddenLine xmlns:a14="http://schemas.microsoft.com/office/drawing/2010/main" xmlns:p14="http://schemas.microsoft.com/office/powerpoint/2010/main" xmlns:a16="http://schemas.microsoft.com/office/drawing/2014/main" xmlns="" w="9525">
+                <a14:hiddenLine xmlns="" xmlns:a16="http://schemas.microsoft.com/office/drawing/2014/main" xmlns:p14="http://schemas.microsoft.com/office/powerpoint/2010/main" xmlns:a14="http://schemas.microsoft.com/office/drawing/2010/main" w="9525">
                   <a:solidFill>
                     <a:srgbClr val="000000"/>
                   </a:solidFill>
@@ -27430,7 +27430,7 @@
             </a:ln>
             <a:extLst>
               <a:ext uri="{91240B29-F687-4f45-9708-019B960494DF}">
-                <a14:hiddenLine xmlns:a14="http://schemas.microsoft.com/office/drawing/2010/main" xmlns:p14="http://schemas.microsoft.com/office/powerpoint/2010/main" xmlns:a16="http://schemas.microsoft.com/office/drawing/2014/main" xmlns="" w="9525">
+                <a14:hiddenLine xmlns="" xmlns:a16="http://schemas.microsoft.com/office/drawing/2014/main" xmlns:p14="http://schemas.microsoft.com/office/powerpoint/2010/main" xmlns:a14="http://schemas.microsoft.com/office/drawing/2010/main" w="9525">
                   <a:solidFill>
                     <a:srgbClr val="000000"/>
                   </a:solidFill>
@@ -27535,7 +27535,7 @@
             </a:ln>
             <a:extLst>
               <a:ext uri="{91240B29-F687-4f45-9708-019B960494DF}">
-                <a14:hiddenLine xmlns:a14="http://schemas.microsoft.com/office/drawing/2010/main" xmlns:p14="http://schemas.microsoft.com/office/powerpoint/2010/main" xmlns:a16="http://schemas.microsoft.com/office/drawing/2014/main" xmlns="" w="9525">
+                <a14:hiddenLine xmlns="" xmlns:a16="http://schemas.microsoft.com/office/drawing/2014/main" xmlns:p14="http://schemas.microsoft.com/office/powerpoint/2010/main" xmlns:a14="http://schemas.microsoft.com/office/drawing/2010/main" w="9525">
                   <a:solidFill>
                     <a:srgbClr val="000000"/>
                   </a:solidFill>
@@ -27615,7 +27615,7 @@
             </a:ln>
             <a:extLst>
               <a:ext uri="{91240B29-F687-4f45-9708-019B960494DF}">
-                <a14:hiddenLine xmlns:a14="http://schemas.microsoft.com/office/drawing/2010/main" xmlns:p14="http://schemas.microsoft.com/office/powerpoint/2010/main" xmlns:a16="http://schemas.microsoft.com/office/drawing/2014/main" xmlns="" w="9525">
+                <a14:hiddenLine xmlns="" xmlns:a16="http://schemas.microsoft.com/office/drawing/2014/main" xmlns:p14="http://schemas.microsoft.com/office/powerpoint/2010/main" xmlns:a14="http://schemas.microsoft.com/office/drawing/2010/main" w="9525">
                   <a:solidFill>
                     <a:srgbClr val="000000"/>
                   </a:solidFill>
@@ -27750,7 +27750,7 @@
             </a:ln>
             <a:extLst>
               <a:ext uri="{91240B29-F687-4f45-9708-019B960494DF}">
-                <a14:hiddenLine xmlns:a14="http://schemas.microsoft.com/office/drawing/2010/main" xmlns:p14="http://schemas.microsoft.com/office/powerpoint/2010/main" xmlns:a16="http://schemas.microsoft.com/office/drawing/2014/main" xmlns="" w="9525">
+                <a14:hiddenLine xmlns="" xmlns:a16="http://schemas.microsoft.com/office/drawing/2014/main" xmlns:p14="http://schemas.microsoft.com/office/powerpoint/2010/main" xmlns:a14="http://schemas.microsoft.com/office/drawing/2010/main" w="9525">
                   <a:solidFill>
                     <a:srgbClr val="000000"/>
                   </a:solidFill>
@@ -28033,7 +28033,7 @@
             </a:ln>
             <a:extLst>
               <a:ext uri="{91240B29-F687-4f45-9708-019B960494DF}">
-                <a14:hiddenLine xmlns:a14="http://schemas.microsoft.com/office/drawing/2010/main" xmlns:p14="http://schemas.microsoft.com/office/powerpoint/2010/main" xmlns:a16="http://schemas.microsoft.com/office/drawing/2014/main" xmlns="" w="9525">
+                <a14:hiddenLine xmlns="" xmlns:a16="http://schemas.microsoft.com/office/drawing/2014/main" xmlns:p14="http://schemas.microsoft.com/office/powerpoint/2010/main" xmlns:a14="http://schemas.microsoft.com/office/drawing/2010/main" w="9525">
                   <a:solidFill>
                     <a:srgbClr val="000000"/>
                   </a:solidFill>
@@ -28163,7 +28163,7 @@
             </a:ln>
             <a:extLst>
               <a:ext uri="{91240B29-F687-4f45-9708-019B960494DF}">
-                <a14:hiddenLine xmlns:a14="http://schemas.microsoft.com/office/drawing/2010/main" xmlns:p14="http://schemas.microsoft.com/office/powerpoint/2010/main" xmlns:a16="http://schemas.microsoft.com/office/drawing/2014/main" xmlns="" w="9525">
+                <a14:hiddenLine xmlns="" xmlns:a16="http://schemas.microsoft.com/office/drawing/2014/main" xmlns:p14="http://schemas.microsoft.com/office/powerpoint/2010/main" xmlns:a14="http://schemas.microsoft.com/office/drawing/2010/main" w="9525">
                   <a:solidFill>
                     <a:srgbClr val="000000"/>
                   </a:solidFill>
@@ -28268,7 +28268,7 @@
             </a:ln>
             <a:extLst>
               <a:ext uri="{91240B29-F687-4f45-9708-019B960494DF}">
-                <a14:hiddenLine xmlns:a14="http://schemas.microsoft.com/office/drawing/2010/main" xmlns:p14="http://schemas.microsoft.com/office/powerpoint/2010/main" xmlns:a16="http://schemas.microsoft.com/office/drawing/2014/main" xmlns="" w="9525">
+                <a14:hiddenLine xmlns="" xmlns:a16="http://schemas.microsoft.com/office/drawing/2014/main" xmlns:p14="http://schemas.microsoft.com/office/powerpoint/2010/main" xmlns:a14="http://schemas.microsoft.com/office/drawing/2010/main" w="9525">
                   <a:solidFill>
                     <a:srgbClr val="000000"/>
                   </a:solidFill>
@@ -28348,7 +28348,7 @@
             </a:ln>
             <a:extLst>
               <a:ext uri="{91240B29-F687-4f45-9708-019B960494DF}">
-                <a14:hiddenLine xmlns:a14="http://schemas.microsoft.com/office/drawing/2010/main" xmlns:p14="http://schemas.microsoft.com/office/powerpoint/2010/main" xmlns:a16="http://schemas.microsoft.com/office/drawing/2014/main" xmlns="" w="9525">
+                <a14:hiddenLine xmlns="" xmlns:a16="http://schemas.microsoft.com/office/drawing/2014/main" xmlns:p14="http://schemas.microsoft.com/office/powerpoint/2010/main" xmlns:a14="http://schemas.microsoft.com/office/drawing/2010/main" w="9525">
                   <a:solidFill>
                     <a:srgbClr val="000000"/>
                   </a:solidFill>
@@ -28453,7 +28453,7 @@
             </a:ln>
             <a:extLst>
               <a:ext uri="{91240B29-F687-4f45-9708-019B960494DF}">
-                <a14:hiddenLine xmlns:a14="http://schemas.microsoft.com/office/drawing/2010/main" xmlns:p14="http://schemas.microsoft.com/office/powerpoint/2010/main" xmlns:a16="http://schemas.microsoft.com/office/drawing/2014/main" xmlns="" w="9525">
+                <a14:hiddenLine xmlns="" xmlns:a16="http://schemas.microsoft.com/office/drawing/2014/main" xmlns:p14="http://schemas.microsoft.com/office/powerpoint/2010/main" xmlns:a14="http://schemas.microsoft.com/office/drawing/2010/main" w="9525">
                   <a:solidFill>
                     <a:srgbClr val="000000"/>
                   </a:solidFill>
@@ -28536,7 +28536,7 @@
             </a:ln>
             <a:extLst>
               <a:ext uri="{91240B29-F687-4f45-9708-019B960494DF}">
-                <a14:hiddenLine xmlns:a14="http://schemas.microsoft.com/office/drawing/2010/main" xmlns:p14="http://schemas.microsoft.com/office/powerpoint/2010/main" xmlns:a16="http://schemas.microsoft.com/office/drawing/2014/main" xmlns="" w="9525">
+                <a14:hiddenLine xmlns="" xmlns:a16="http://schemas.microsoft.com/office/drawing/2014/main" xmlns:p14="http://schemas.microsoft.com/office/powerpoint/2010/main" xmlns:a14="http://schemas.microsoft.com/office/drawing/2010/main" w="9525">
                   <a:solidFill>
                     <a:srgbClr val="000000"/>
                   </a:solidFill>
@@ -28641,7 +28641,7 @@
             </a:ln>
             <a:extLst>
               <a:ext uri="{91240B29-F687-4f45-9708-019B960494DF}">
-                <a14:hiddenLine xmlns:a14="http://schemas.microsoft.com/office/drawing/2010/main" xmlns:p14="http://schemas.microsoft.com/office/powerpoint/2010/main" xmlns:a16="http://schemas.microsoft.com/office/drawing/2014/main" xmlns="" w="9525">
+                <a14:hiddenLine xmlns="" xmlns:a16="http://schemas.microsoft.com/office/drawing/2014/main" xmlns:p14="http://schemas.microsoft.com/office/powerpoint/2010/main" xmlns:a14="http://schemas.microsoft.com/office/drawing/2010/main" w="9525">
                   <a:solidFill>
                     <a:srgbClr val="000000"/>
                   </a:solidFill>
@@ -28724,7 +28724,7 @@
             </a:ln>
             <a:extLst>
               <a:ext uri="{91240B29-F687-4f45-9708-019B960494DF}">
-                <a14:hiddenLine xmlns:a14="http://schemas.microsoft.com/office/drawing/2010/main" xmlns:p14="http://schemas.microsoft.com/office/powerpoint/2010/main" xmlns:a16="http://schemas.microsoft.com/office/drawing/2014/main" xmlns="" w="9525">
+                <a14:hiddenLine xmlns="" xmlns:a16="http://schemas.microsoft.com/office/drawing/2014/main" xmlns:p14="http://schemas.microsoft.com/office/powerpoint/2010/main" xmlns:a14="http://schemas.microsoft.com/office/drawing/2010/main" w="9525">
                   <a:solidFill>
                     <a:srgbClr val="000000"/>
                   </a:solidFill>
@@ -28829,7 +28829,7 @@
             </a:ln>
             <a:extLst>
               <a:ext uri="{91240B29-F687-4f45-9708-019B960494DF}">
-                <a14:hiddenLine xmlns:a14="http://schemas.microsoft.com/office/drawing/2010/main" xmlns:p14="http://schemas.microsoft.com/office/powerpoint/2010/main" xmlns:a16="http://schemas.microsoft.com/office/drawing/2014/main" xmlns="" w="9525">
+                <a14:hiddenLine xmlns="" xmlns:a16="http://schemas.microsoft.com/office/drawing/2014/main" xmlns:p14="http://schemas.microsoft.com/office/powerpoint/2010/main" xmlns:a14="http://schemas.microsoft.com/office/drawing/2010/main" w="9525">
                   <a:solidFill>
                     <a:srgbClr val="000000"/>
                   </a:solidFill>
@@ -28878,7 +28878,7 @@
             </a:ln>
             <a:extLst>
               <a:ext uri="{91240B29-F687-4f45-9708-019B960494DF}">
-                <a14:hiddenLine xmlns:a14="http://schemas.microsoft.com/office/drawing/2010/main" xmlns:p14="http://schemas.microsoft.com/office/powerpoint/2010/main" xmlns:a16="http://schemas.microsoft.com/office/drawing/2014/main" xmlns="" w="9525">
+                <a14:hiddenLine xmlns="" xmlns:a16="http://schemas.microsoft.com/office/drawing/2014/main" xmlns:p14="http://schemas.microsoft.com/office/powerpoint/2010/main" xmlns:a14="http://schemas.microsoft.com/office/drawing/2010/main" w="9525">
                   <a:solidFill>
                     <a:srgbClr val="000000"/>
                   </a:solidFill>
@@ -29168,7 +29168,7 @@
             </a:ln>
             <a:extLst>
               <a:ext uri="{91240B29-F687-4f45-9708-019B960494DF}">
-                <a14:hiddenLine xmlns:a14="http://schemas.microsoft.com/office/drawing/2010/main" xmlns:p14="http://schemas.microsoft.com/office/powerpoint/2010/main" xmlns:a16="http://schemas.microsoft.com/office/drawing/2014/main" xmlns="" w="9525">
+                <a14:hiddenLine xmlns="" xmlns:a16="http://schemas.microsoft.com/office/drawing/2014/main" xmlns:p14="http://schemas.microsoft.com/office/powerpoint/2010/main" xmlns:a14="http://schemas.microsoft.com/office/drawing/2010/main" w="9525">
                   <a:solidFill>
                     <a:srgbClr val="000000"/>
                   </a:solidFill>
@@ -29273,7 +29273,7 @@
             </a:ln>
             <a:extLst>
               <a:ext uri="{91240B29-F687-4f45-9708-019B960494DF}">
-                <a14:hiddenLine xmlns:a14="http://schemas.microsoft.com/office/drawing/2010/main" xmlns:p14="http://schemas.microsoft.com/office/powerpoint/2010/main" xmlns:a16="http://schemas.microsoft.com/office/drawing/2014/main" xmlns="" w="9525">
+                <a14:hiddenLine xmlns="" xmlns:a16="http://schemas.microsoft.com/office/drawing/2014/main" xmlns:p14="http://schemas.microsoft.com/office/powerpoint/2010/main" xmlns:a14="http://schemas.microsoft.com/office/drawing/2010/main" w="9525">
                   <a:solidFill>
                     <a:srgbClr val="000000"/>
                   </a:solidFill>
@@ -29378,7 +29378,7 @@
             </a:ln>
             <a:extLst>
               <a:ext uri="{91240B29-F687-4f45-9708-019B960494DF}">
-                <a14:hiddenLine xmlns:a14="http://schemas.microsoft.com/office/drawing/2010/main" xmlns:p14="http://schemas.microsoft.com/office/powerpoint/2010/main" xmlns:a16="http://schemas.microsoft.com/office/drawing/2014/main" xmlns="" w="9525">
+                <a14:hiddenLine xmlns="" xmlns:a16="http://schemas.microsoft.com/office/drawing/2014/main" xmlns:p14="http://schemas.microsoft.com/office/powerpoint/2010/main" xmlns:a14="http://schemas.microsoft.com/office/drawing/2010/main" w="9525">
                   <a:solidFill>
                     <a:srgbClr val="000000"/>
                   </a:solidFill>
@@ -29455,7 +29455,7 @@
             </a:ln>
             <a:extLst>
               <a:ext uri="{91240B29-F687-4f45-9708-019B960494DF}">
-                <a14:hiddenLine xmlns:a14="http://schemas.microsoft.com/office/drawing/2010/main" xmlns:p14="http://schemas.microsoft.com/office/powerpoint/2010/main" xmlns:a16="http://schemas.microsoft.com/office/drawing/2014/main" xmlns="" w="9525">
+                <a14:hiddenLine xmlns="" xmlns:a16="http://schemas.microsoft.com/office/drawing/2014/main" xmlns:p14="http://schemas.microsoft.com/office/powerpoint/2010/main" xmlns:a14="http://schemas.microsoft.com/office/drawing/2010/main" w="9525">
                   <a:solidFill>
                     <a:srgbClr val="000000"/>
                   </a:solidFill>
@@ -29560,7 +29560,7 @@
             </a:ln>
             <a:extLst>
               <a:ext uri="{91240B29-F687-4f45-9708-019B960494DF}">
-                <a14:hiddenLine xmlns:a14="http://schemas.microsoft.com/office/drawing/2010/main" xmlns:p14="http://schemas.microsoft.com/office/powerpoint/2010/main" xmlns:a16="http://schemas.microsoft.com/office/drawing/2014/main" xmlns="" w="9525">
+                <a14:hiddenLine xmlns="" xmlns:a16="http://schemas.microsoft.com/office/drawing/2014/main" xmlns:p14="http://schemas.microsoft.com/office/powerpoint/2010/main" xmlns:a14="http://schemas.microsoft.com/office/drawing/2010/main" w="9525">
                   <a:solidFill>
                     <a:srgbClr val="000000"/>
                   </a:solidFill>
@@ -29637,7 +29637,7 @@
             </a:ln>
             <a:extLst>
               <a:ext uri="{91240B29-F687-4f45-9708-019B960494DF}">
-                <a14:hiddenLine xmlns:a14="http://schemas.microsoft.com/office/drawing/2010/main" xmlns:p14="http://schemas.microsoft.com/office/powerpoint/2010/main" xmlns:a16="http://schemas.microsoft.com/office/drawing/2014/main" xmlns="" w="9525">
+                <a14:hiddenLine xmlns="" xmlns:a16="http://schemas.microsoft.com/office/drawing/2014/main" xmlns:p14="http://schemas.microsoft.com/office/powerpoint/2010/main" xmlns:a14="http://schemas.microsoft.com/office/drawing/2010/main" w="9525">
                   <a:solidFill>
                     <a:srgbClr val="000000"/>
                   </a:solidFill>
@@ -29714,7 +29714,7 @@
             </a:ln>
             <a:extLst>
               <a:ext uri="{91240B29-F687-4f45-9708-019B960494DF}">
-                <a14:hiddenLine xmlns:a14="http://schemas.microsoft.com/office/drawing/2010/main" xmlns:p14="http://schemas.microsoft.com/office/powerpoint/2010/main" xmlns:a16="http://schemas.microsoft.com/office/drawing/2014/main" xmlns="" w="9525">
+                <a14:hiddenLine xmlns="" xmlns:a16="http://schemas.microsoft.com/office/drawing/2014/main" xmlns:p14="http://schemas.microsoft.com/office/powerpoint/2010/main" xmlns:a14="http://schemas.microsoft.com/office/drawing/2010/main" w="9525">
                   <a:solidFill>
                     <a:srgbClr val="000000"/>
                   </a:solidFill>
@@ -29819,7 +29819,7 @@
             </a:ln>
             <a:extLst>
               <a:ext uri="{91240B29-F687-4f45-9708-019B960494DF}">
-                <a14:hiddenLine xmlns:a14="http://schemas.microsoft.com/office/drawing/2010/main" xmlns:p14="http://schemas.microsoft.com/office/powerpoint/2010/main" xmlns:a16="http://schemas.microsoft.com/office/drawing/2014/main" xmlns="" w="9525">
+                <a14:hiddenLine xmlns="" xmlns:a16="http://schemas.microsoft.com/office/drawing/2014/main" xmlns:p14="http://schemas.microsoft.com/office/powerpoint/2010/main" xmlns:a14="http://schemas.microsoft.com/office/drawing/2010/main" w="9525">
                   <a:solidFill>
                     <a:srgbClr val="000000"/>
                   </a:solidFill>
@@ -29924,7 +29924,7 @@
             </a:ln>
             <a:extLst>
               <a:ext uri="{91240B29-F687-4f45-9708-019B960494DF}">
-                <a14:hiddenLine xmlns:a14="http://schemas.microsoft.com/office/drawing/2010/main" xmlns:p14="http://schemas.microsoft.com/office/powerpoint/2010/main" xmlns:a16="http://schemas.microsoft.com/office/drawing/2014/main" xmlns="" w="9525">
+                <a14:hiddenLine xmlns="" xmlns:a16="http://schemas.microsoft.com/office/drawing/2014/main" xmlns:p14="http://schemas.microsoft.com/office/powerpoint/2010/main" xmlns:a14="http://schemas.microsoft.com/office/drawing/2010/main" w="9525">
                   <a:solidFill>
                     <a:srgbClr val="000000"/>
                   </a:solidFill>
@@ -30001,7 +30001,7 @@
             </a:ln>
             <a:extLst>
               <a:ext uri="{91240B29-F687-4f45-9708-019B960494DF}">
-                <a14:hiddenLine xmlns:a14="http://schemas.microsoft.com/office/drawing/2010/main" xmlns:p14="http://schemas.microsoft.com/office/powerpoint/2010/main" xmlns:a16="http://schemas.microsoft.com/office/drawing/2014/main" xmlns="" w="9525">
+                <a14:hiddenLine xmlns="" xmlns:a16="http://schemas.microsoft.com/office/drawing/2014/main" xmlns:p14="http://schemas.microsoft.com/office/powerpoint/2010/main" xmlns:a14="http://schemas.microsoft.com/office/drawing/2010/main" w="9525">
                   <a:solidFill>
                     <a:srgbClr val="000000"/>
                   </a:solidFill>
@@ -30126,7 +30126,7 @@
             </a:ln>
             <a:extLst>
               <a:ext uri="{91240B29-F687-4f45-9708-019B960494DF}">
-                <a14:hiddenLine xmlns:a14="http://schemas.microsoft.com/office/drawing/2010/main" xmlns:p14="http://schemas.microsoft.com/office/powerpoint/2010/main" xmlns:a16="http://schemas.microsoft.com/office/drawing/2014/main" xmlns="" w="9525">
+                <a14:hiddenLine xmlns="" xmlns:a16="http://schemas.microsoft.com/office/drawing/2014/main" xmlns:p14="http://schemas.microsoft.com/office/powerpoint/2010/main" xmlns:a14="http://schemas.microsoft.com/office/drawing/2010/main" w="9525">
                   <a:solidFill>
                     <a:srgbClr val="000000"/>
                   </a:solidFill>
@@ -30240,7 +30240,7 @@
             </a:ln>
             <a:extLst>
               <a:ext uri="{91240B29-F687-4f45-9708-019B960494DF}">
-                <a14:hiddenLine xmlns:a14="http://schemas.microsoft.com/office/drawing/2010/main" xmlns:p14="http://schemas.microsoft.com/office/powerpoint/2010/main" xmlns:a16="http://schemas.microsoft.com/office/drawing/2014/main" xmlns="" w="9525">
+                <a14:hiddenLine xmlns="" xmlns:a16="http://schemas.microsoft.com/office/drawing/2014/main" xmlns:p14="http://schemas.microsoft.com/office/powerpoint/2010/main" xmlns:a14="http://schemas.microsoft.com/office/drawing/2010/main" w="9525">
                   <a:solidFill>
                     <a:srgbClr val="000000"/>
                   </a:solidFill>
@@ -30317,7 +30317,7 @@
             </a:ln>
             <a:extLst>
               <a:ext uri="{91240B29-F687-4f45-9708-019B960494DF}">
-                <a14:hiddenLine xmlns:a14="http://schemas.microsoft.com/office/drawing/2010/main" xmlns:p14="http://schemas.microsoft.com/office/powerpoint/2010/main" xmlns:a16="http://schemas.microsoft.com/office/drawing/2014/main" xmlns="" w="9525">
+                <a14:hiddenLine xmlns="" xmlns:a16="http://schemas.microsoft.com/office/drawing/2014/main" xmlns:p14="http://schemas.microsoft.com/office/powerpoint/2010/main" xmlns:a14="http://schemas.microsoft.com/office/drawing/2010/main" w="9525">
                   <a:solidFill>
                     <a:srgbClr val="000000"/>
                   </a:solidFill>
@@ -30394,7 +30394,7 @@
             </a:ln>
             <a:extLst>
               <a:ext uri="{91240B29-F687-4f45-9708-019B960494DF}">
-                <a14:hiddenLine xmlns:a14="http://schemas.microsoft.com/office/drawing/2010/main" xmlns:p14="http://schemas.microsoft.com/office/powerpoint/2010/main" xmlns:a16="http://schemas.microsoft.com/office/drawing/2014/main" xmlns="" w="9525">
+                <a14:hiddenLine xmlns="" xmlns:a16="http://schemas.microsoft.com/office/drawing/2014/main" xmlns:p14="http://schemas.microsoft.com/office/powerpoint/2010/main" xmlns:a14="http://schemas.microsoft.com/office/drawing/2010/main" w="9525">
                   <a:solidFill>
                     <a:srgbClr val="000000"/>
                   </a:solidFill>
@@ -30499,7 +30499,7 @@
             </a:ln>
             <a:extLst>
               <a:ext uri="{91240B29-F687-4f45-9708-019B960494DF}">
-                <a14:hiddenLine xmlns:a14="http://schemas.microsoft.com/office/drawing/2010/main" xmlns:p14="http://schemas.microsoft.com/office/powerpoint/2010/main" xmlns:a16="http://schemas.microsoft.com/office/drawing/2014/main" xmlns="" w="9525">
+                <a14:hiddenLine xmlns="" xmlns:a16="http://schemas.microsoft.com/office/drawing/2014/main" xmlns:p14="http://schemas.microsoft.com/office/powerpoint/2010/main" xmlns:a14="http://schemas.microsoft.com/office/drawing/2010/main" w="9525">
                   <a:solidFill>
                     <a:srgbClr val="000000"/>
                   </a:solidFill>
@@ -30548,7 +30548,7 @@
             </a:ln>
             <a:extLst>
               <a:ext uri="{91240B29-F687-4f45-9708-019B960494DF}">
-                <a14:hiddenLine xmlns:a14="http://schemas.microsoft.com/office/drawing/2010/main" xmlns:p14="http://schemas.microsoft.com/office/powerpoint/2010/main" xmlns:a16="http://schemas.microsoft.com/office/drawing/2014/main" xmlns="" w="9525">
+                <a14:hiddenLine xmlns="" xmlns:a16="http://schemas.microsoft.com/office/drawing/2014/main" xmlns:p14="http://schemas.microsoft.com/office/powerpoint/2010/main" xmlns:a14="http://schemas.microsoft.com/office/drawing/2010/main" w="9525">
                   <a:solidFill>
                     <a:srgbClr val="000000"/>
                   </a:solidFill>
@@ -30628,7 +30628,7 @@
             </a:ln>
             <a:extLst>
               <a:ext uri="{91240B29-F687-4f45-9708-019B960494DF}">
-                <a14:hiddenLine xmlns:a14="http://schemas.microsoft.com/office/drawing/2010/main" xmlns:p14="http://schemas.microsoft.com/office/powerpoint/2010/main" xmlns:a16="http://schemas.microsoft.com/office/drawing/2014/main" xmlns="" w="9525">
+                <a14:hiddenLine xmlns="" xmlns:a16="http://schemas.microsoft.com/office/drawing/2014/main" xmlns:p14="http://schemas.microsoft.com/office/powerpoint/2010/main" xmlns:a14="http://schemas.microsoft.com/office/drawing/2010/main" w="9525">
                   <a:solidFill>
                     <a:srgbClr val="000000"/>
                   </a:solidFill>
@@ -30733,7 +30733,7 @@
             </a:ln>
             <a:extLst>
               <a:ext uri="{91240B29-F687-4f45-9708-019B960494DF}">
-                <a14:hiddenLine xmlns:a14="http://schemas.microsoft.com/office/drawing/2010/main" xmlns:p14="http://schemas.microsoft.com/office/powerpoint/2010/main" xmlns:a16="http://schemas.microsoft.com/office/drawing/2014/main" xmlns="" w="9525">
+                <a14:hiddenLine xmlns="" xmlns:a16="http://schemas.microsoft.com/office/drawing/2014/main" xmlns:p14="http://schemas.microsoft.com/office/powerpoint/2010/main" xmlns:a14="http://schemas.microsoft.com/office/drawing/2010/main" w="9525">
                   <a:solidFill>
                     <a:srgbClr val="000000"/>
                   </a:solidFill>
@@ -30810,7 +30810,7 @@
             </a:ln>
             <a:extLst>
               <a:ext uri="{91240B29-F687-4f45-9708-019B960494DF}">
-                <a14:hiddenLine xmlns:a14="http://schemas.microsoft.com/office/drawing/2010/main" xmlns:p14="http://schemas.microsoft.com/office/powerpoint/2010/main" xmlns:a16="http://schemas.microsoft.com/office/drawing/2014/main" xmlns="" w="9525">
+                <a14:hiddenLine xmlns="" xmlns:a16="http://schemas.microsoft.com/office/drawing/2014/main" xmlns:p14="http://schemas.microsoft.com/office/powerpoint/2010/main" xmlns:a14="http://schemas.microsoft.com/office/drawing/2010/main" w="9525">
                   <a:solidFill>
                     <a:srgbClr val="000000"/>
                   </a:solidFill>
@@ -30915,7 +30915,7 @@
             </a:ln>
             <a:extLst>
               <a:ext uri="{91240B29-F687-4f45-9708-019B960494DF}">
-                <a14:hiddenLine xmlns:a14="http://schemas.microsoft.com/office/drawing/2010/main" xmlns:p14="http://schemas.microsoft.com/office/powerpoint/2010/main" xmlns:a16="http://schemas.microsoft.com/office/drawing/2014/main" xmlns="" w="9525">
+                <a14:hiddenLine xmlns="" xmlns:a16="http://schemas.microsoft.com/office/drawing/2014/main" xmlns:p14="http://schemas.microsoft.com/office/powerpoint/2010/main" xmlns:a14="http://schemas.microsoft.com/office/drawing/2010/main" w="9525">
                   <a:solidFill>
                     <a:srgbClr val="000000"/>
                   </a:solidFill>
@@ -30995,7 +30995,7 @@
             </a:ln>
             <a:extLst>
               <a:ext uri="{91240B29-F687-4f45-9708-019B960494DF}">
-                <a14:hiddenLine xmlns:a14="http://schemas.microsoft.com/office/drawing/2010/main" xmlns:p14="http://schemas.microsoft.com/office/powerpoint/2010/main" xmlns:a16="http://schemas.microsoft.com/office/drawing/2014/main" xmlns="" w="9525">
+                <a14:hiddenLine xmlns="" xmlns:a16="http://schemas.microsoft.com/office/drawing/2014/main" xmlns:p14="http://schemas.microsoft.com/office/powerpoint/2010/main" xmlns:a14="http://schemas.microsoft.com/office/drawing/2010/main" w="9525">
                   <a:solidFill>
                     <a:srgbClr val="000000"/>
                   </a:solidFill>
@@ -31072,7 +31072,7 @@
             </a:ln>
             <a:extLst>
               <a:ext uri="{91240B29-F687-4f45-9708-019B960494DF}">
-                <a14:hiddenLine xmlns:a14="http://schemas.microsoft.com/office/drawing/2010/main" xmlns:p14="http://schemas.microsoft.com/office/powerpoint/2010/main" xmlns:a16="http://schemas.microsoft.com/office/drawing/2014/main" xmlns="" w="9525">
+                <a14:hiddenLine xmlns="" xmlns:a16="http://schemas.microsoft.com/office/drawing/2014/main" xmlns:p14="http://schemas.microsoft.com/office/powerpoint/2010/main" xmlns:a14="http://schemas.microsoft.com/office/drawing/2010/main" w="9525">
                   <a:solidFill>
                     <a:srgbClr val="000000"/>
                   </a:solidFill>
@@ -31177,7 +31177,7 @@
             </a:ln>
             <a:extLst>
               <a:ext uri="{91240B29-F687-4f45-9708-019B960494DF}">
-                <a14:hiddenLine xmlns:a14="http://schemas.microsoft.com/office/drawing/2010/main" xmlns:p14="http://schemas.microsoft.com/office/powerpoint/2010/main" xmlns:a16="http://schemas.microsoft.com/office/drawing/2014/main" xmlns="" w="9525">
+                <a14:hiddenLine xmlns="" xmlns:a16="http://schemas.microsoft.com/office/drawing/2014/main" xmlns:p14="http://schemas.microsoft.com/office/powerpoint/2010/main" xmlns:a14="http://schemas.microsoft.com/office/drawing/2010/main" w="9525">
                   <a:solidFill>
                     <a:srgbClr val="000000"/>
                   </a:solidFill>
@@ -31282,7 +31282,7 @@
             </a:ln>
             <a:extLst>
               <a:ext uri="{91240B29-F687-4f45-9708-019B960494DF}">
-                <a14:hiddenLine xmlns:a14="http://schemas.microsoft.com/office/drawing/2010/main" xmlns:p14="http://schemas.microsoft.com/office/powerpoint/2010/main" xmlns:a16="http://schemas.microsoft.com/office/drawing/2014/main" xmlns="" w="9525">
+                <a14:hiddenLine xmlns="" xmlns:a16="http://schemas.microsoft.com/office/drawing/2014/main" xmlns:p14="http://schemas.microsoft.com/office/powerpoint/2010/main" xmlns:a14="http://schemas.microsoft.com/office/drawing/2010/main" w="9525">
                   <a:solidFill>
                     <a:srgbClr val="000000"/>
                   </a:solidFill>
@@ -31362,7 +31362,7 @@
             </a:ln>
             <a:extLst>
               <a:ext uri="{91240B29-F687-4f45-9708-019B960494DF}">
-                <a14:hiddenLine xmlns:a14="http://schemas.microsoft.com/office/drawing/2010/main" xmlns:p14="http://schemas.microsoft.com/office/powerpoint/2010/main" xmlns:a16="http://schemas.microsoft.com/office/drawing/2014/main" xmlns="" w="9525">
+                <a14:hiddenLine xmlns="" xmlns:a16="http://schemas.microsoft.com/office/drawing/2014/main" xmlns:p14="http://schemas.microsoft.com/office/powerpoint/2010/main" xmlns:a14="http://schemas.microsoft.com/office/drawing/2010/main" w="9525">
                   <a:solidFill>
                     <a:srgbClr val="000000"/>
                   </a:solidFill>
@@ -31497,7 +31497,7 @@
             </a:ln>
             <a:extLst>
               <a:ext uri="{91240B29-F687-4f45-9708-019B960494DF}">
-                <a14:hiddenLine xmlns:a14="http://schemas.microsoft.com/office/drawing/2010/main" xmlns:p14="http://schemas.microsoft.com/office/powerpoint/2010/main" xmlns:a16="http://schemas.microsoft.com/office/drawing/2014/main" xmlns="" w="9525">
+                <a14:hiddenLine xmlns="" xmlns:a16="http://schemas.microsoft.com/office/drawing/2014/main" xmlns:p14="http://schemas.microsoft.com/office/powerpoint/2010/main" xmlns:a14="http://schemas.microsoft.com/office/drawing/2010/main" w="9525">
                   <a:solidFill>
                     <a:srgbClr val="000000"/>
                   </a:solidFill>
@@ -31799,7 +31799,7 @@
             </a:ln>
             <a:extLst>
               <a:ext uri="{91240B29-F687-4f45-9708-019B960494DF}">
-                <a14:hiddenLine xmlns:a14="http://schemas.microsoft.com/office/drawing/2010/main" xmlns:p14="http://schemas.microsoft.com/office/powerpoint/2010/main" xmlns:a16="http://schemas.microsoft.com/office/drawing/2014/main" xmlns="" w="9525">
+                <a14:hiddenLine xmlns="" xmlns:a16="http://schemas.microsoft.com/office/drawing/2014/main" xmlns:p14="http://schemas.microsoft.com/office/powerpoint/2010/main" xmlns:a14="http://schemas.microsoft.com/office/drawing/2010/main" w="9525">
                   <a:solidFill>
                     <a:srgbClr val="000000"/>
                   </a:solidFill>
@@ -31929,7 +31929,7 @@
             </a:ln>
             <a:extLst>
               <a:ext uri="{91240B29-F687-4f45-9708-019B960494DF}">
-                <a14:hiddenLine xmlns:a14="http://schemas.microsoft.com/office/drawing/2010/main" xmlns:p14="http://schemas.microsoft.com/office/powerpoint/2010/main" xmlns:a16="http://schemas.microsoft.com/office/drawing/2014/main" xmlns="" w="9525">
+                <a14:hiddenLine xmlns="" xmlns:a16="http://schemas.microsoft.com/office/drawing/2014/main" xmlns:p14="http://schemas.microsoft.com/office/powerpoint/2010/main" xmlns:a14="http://schemas.microsoft.com/office/drawing/2010/main" w="9525">
                   <a:solidFill>
                     <a:srgbClr val="000000"/>
                   </a:solidFill>
@@ -32034,7 +32034,7 @@
             </a:ln>
             <a:extLst>
               <a:ext uri="{91240B29-F687-4f45-9708-019B960494DF}">
-                <a14:hiddenLine xmlns:a14="http://schemas.microsoft.com/office/drawing/2010/main" xmlns:p14="http://schemas.microsoft.com/office/powerpoint/2010/main" xmlns:a16="http://schemas.microsoft.com/office/drawing/2014/main" xmlns="" w="9525">
+                <a14:hiddenLine xmlns="" xmlns:a16="http://schemas.microsoft.com/office/drawing/2014/main" xmlns:p14="http://schemas.microsoft.com/office/powerpoint/2010/main" xmlns:a14="http://schemas.microsoft.com/office/drawing/2010/main" w="9525">
                   <a:solidFill>
                     <a:srgbClr val="000000"/>
                   </a:solidFill>
@@ -32114,7 +32114,7 @@
             </a:ln>
             <a:extLst>
               <a:ext uri="{91240B29-F687-4f45-9708-019B960494DF}">
-                <a14:hiddenLine xmlns:a14="http://schemas.microsoft.com/office/drawing/2010/main" xmlns:p14="http://schemas.microsoft.com/office/powerpoint/2010/main" xmlns:a16="http://schemas.microsoft.com/office/drawing/2014/main" xmlns="" w="9525">
+                <a14:hiddenLine xmlns="" xmlns:a16="http://schemas.microsoft.com/office/drawing/2014/main" xmlns:p14="http://schemas.microsoft.com/office/powerpoint/2010/main" xmlns:a14="http://schemas.microsoft.com/office/drawing/2010/main" w="9525">
                   <a:solidFill>
                     <a:srgbClr val="000000"/>
                   </a:solidFill>
@@ -32219,7 +32219,7 @@
             </a:ln>
             <a:extLst>
               <a:ext uri="{91240B29-F687-4f45-9708-019B960494DF}">
-                <a14:hiddenLine xmlns:a14="http://schemas.microsoft.com/office/drawing/2010/main" xmlns:p14="http://schemas.microsoft.com/office/powerpoint/2010/main" xmlns:a16="http://schemas.microsoft.com/office/drawing/2014/main" xmlns="" w="9525">
+                <a14:hiddenLine xmlns="" xmlns:a16="http://schemas.microsoft.com/office/drawing/2014/main" xmlns:p14="http://schemas.microsoft.com/office/powerpoint/2010/main" xmlns:a14="http://schemas.microsoft.com/office/drawing/2010/main" w="9525">
                   <a:solidFill>
                     <a:srgbClr val="000000"/>
                   </a:solidFill>
@@ -32302,7 +32302,7 @@
             </a:ln>
             <a:extLst>
               <a:ext uri="{91240B29-F687-4f45-9708-019B960494DF}">
-                <a14:hiddenLine xmlns:a14="http://schemas.microsoft.com/office/drawing/2010/main" xmlns:p14="http://schemas.microsoft.com/office/powerpoint/2010/main" xmlns:a16="http://schemas.microsoft.com/office/drawing/2014/main" xmlns="" w="9525">
+                <a14:hiddenLine xmlns="" xmlns:a16="http://schemas.microsoft.com/office/drawing/2014/main" xmlns:p14="http://schemas.microsoft.com/office/powerpoint/2010/main" xmlns:a14="http://schemas.microsoft.com/office/drawing/2010/main" w="9525">
                   <a:solidFill>
                     <a:srgbClr val="000000"/>
                   </a:solidFill>
@@ -32407,7 +32407,7 @@
             </a:ln>
             <a:extLst>
               <a:ext uri="{91240B29-F687-4f45-9708-019B960494DF}">
-                <a14:hiddenLine xmlns:a14="http://schemas.microsoft.com/office/drawing/2010/main" xmlns:p14="http://schemas.microsoft.com/office/powerpoint/2010/main" xmlns:a16="http://schemas.microsoft.com/office/drawing/2014/main" xmlns="" w="9525">
+                <a14:hiddenLine xmlns="" xmlns:a16="http://schemas.microsoft.com/office/drawing/2014/main" xmlns:p14="http://schemas.microsoft.com/office/powerpoint/2010/main" xmlns:a14="http://schemas.microsoft.com/office/drawing/2010/main" w="9525">
                   <a:solidFill>
                     <a:srgbClr val="000000"/>
                   </a:solidFill>
@@ -32490,7 +32490,7 @@
             </a:ln>
             <a:extLst>
               <a:ext uri="{91240B29-F687-4f45-9708-019B960494DF}">
-                <a14:hiddenLine xmlns:a14="http://schemas.microsoft.com/office/drawing/2010/main" xmlns:p14="http://schemas.microsoft.com/office/powerpoint/2010/main" xmlns:a16="http://schemas.microsoft.com/office/drawing/2014/main" xmlns="" w="9525">
+                <a14:hiddenLine xmlns="" xmlns:a16="http://schemas.microsoft.com/office/drawing/2014/main" xmlns:p14="http://schemas.microsoft.com/office/powerpoint/2010/main" xmlns:a14="http://schemas.microsoft.com/office/drawing/2010/main" w="9525">
                   <a:solidFill>
                     <a:srgbClr val="000000"/>
                   </a:solidFill>
@@ -32595,7 +32595,7 @@
             </a:ln>
             <a:extLst>
               <a:ext uri="{91240B29-F687-4f45-9708-019B960494DF}">
-                <a14:hiddenLine xmlns:a14="http://schemas.microsoft.com/office/drawing/2010/main" xmlns:p14="http://schemas.microsoft.com/office/powerpoint/2010/main" xmlns:a16="http://schemas.microsoft.com/office/drawing/2014/main" xmlns="" w="9525">
+                <a14:hiddenLine xmlns="" xmlns:a16="http://schemas.microsoft.com/office/drawing/2014/main" xmlns:p14="http://schemas.microsoft.com/office/powerpoint/2010/main" xmlns:a14="http://schemas.microsoft.com/office/drawing/2010/main" w="9525">
                   <a:solidFill>
                     <a:srgbClr val="000000"/>
                   </a:solidFill>
@@ -32644,7 +32644,7 @@
             </a:ln>
             <a:extLst>
               <a:ext uri="{91240B29-F687-4f45-9708-019B960494DF}">
-                <a14:hiddenLine xmlns:a14="http://schemas.microsoft.com/office/drawing/2010/main" xmlns:p14="http://schemas.microsoft.com/office/powerpoint/2010/main" xmlns:a16="http://schemas.microsoft.com/office/drawing/2014/main" xmlns="" w="9525">
+                <a14:hiddenLine xmlns="" xmlns:a16="http://schemas.microsoft.com/office/drawing/2014/main" xmlns:p14="http://schemas.microsoft.com/office/powerpoint/2010/main" xmlns:a14="http://schemas.microsoft.com/office/drawing/2010/main" w="9525">
                   <a:solidFill>
                     <a:srgbClr val="000000"/>
                   </a:solidFill>

--- a/Parte 2.pptx
+++ b/Parte 2.pptx
@@ -379,7 +379,7 @@
           <a:p>
             <a:fld id="{4F1D87AD-7F15-454B-AEBB-C308D2F86D9B}" type="slidenum">
               <a:rPr lang="en-US" smtClean="0"/>
-              <a:t>‹#›</a:t>
+              <a:t>‹nº›</a:t>
             </a:fld>
             <a:endParaRPr lang="en-US"/>
           </a:p>
@@ -4825,7 +4825,7 @@
           <a:p>
             <a:fld id="{40FE1B0E-D763-4525-8983-8614C84C5E4B}" type="slidenum">
               <a:rPr lang="pt-PT" smtClean="0"/>
-              <a:t>‹#›</a:t>
+              <a:t>‹nº›</a:t>
             </a:fld>
             <a:endParaRPr lang="pt-PT"/>
           </a:p>
@@ -5085,7 +5085,7 @@
           <a:p>
             <a:fld id="{40FE1B0E-D763-4525-8983-8614C84C5E4B}" type="slidenum">
               <a:rPr lang="pt-PT" smtClean="0"/>
-              <a:t>‹#›</a:t>
+              <a:t>‹nº›</a:t>
             </a:fld>
             <a:endParaRPr lang="pt-PT"/>
           </a:p>
@@ -5284,7 +5284,7 @@
           <a:p>
             <a:fld id="{40FE1B0E-D763-4525-8983-8614C84C5E4B}" type="slidenum">
               <a:rPr lang="pt-PT" smtClean="0"/>
-              <a:t>‹#›</a:t>
+              <a:t>‹nº›</a:t>
             </a:fld>
             <a:endParaRPr lang="pt-PT"/>
           </a:p>
@@ -5550,7 +5550,7 @@
           <a:p>
             <a:fld id="{40FE1B0E-D763-4525-8983-8614C84C5E4B}" type="slidenum">
               <a:rPr lang="pt-PT" smtClean="0"/>
-              <a:t>‹#›</a:t>
+              <a:t>‹nº›</a:t>
             </a:fld>
             <a:endParaRPr lang="pt-PT"/>
           </a:p>
@@ -5987,7 +5987,7 @@
           <a:p>
             <a:fld id="{40FE1B0E-D763-4525-8983-8614C84C5E4B}" type="slidenum">
               <a:rPr lang="pt-PT" smtClean="0"/>
-              <a:t>‹#›</a:t>
+              <a:t>‹nº›</a:t>
             </a:fld>
             <a:endParaRPr lang="pt-PT"/>
           </a:p>
@@ -6536,7 +6536,7 @@
           <a:p>
             <a:fld id="{40FE1B0E-D763-4525-8983-8614C84C5E4B}" type="slidenum">
               <a:rPr lang="pt-PT" smtClean="0"/>
-              <a:t>‹#›</a:t>
+              <a:t>‹nº›</a:t>
             </a:fld>
             <a:endParaRPr lang="pt-PT"/>
           </a:p>
@@ -7259,7 +7259,7 @@
           <a:p>
             <a:fld id="{40FE1B0E-D763-4525-8983-8614C84C5E4B}" type="slidenum">
               <a:rPr lang="pt-PT" smtClean="0"/>
-              <a:t>‹#›</a:t>
+              <a:t>‹nº›</a:t>
             </a:fld>
             <a:endParaRPr lang="pt-PT"/>
           </a:p>
@@ -7432,7 +7432,7 @@
           <a:p>
             <a:fld id="{40FE1B0E-D763-4525-8983-8614C84C5E4B}" type="slidenum">
               <a:rPr lang="pt-PT" smtClean="0"/>
-              <a:t>‹#›</a:t>
+              <a:t>‹nº›</a:t>
             </a:fld>
             <a:endParaRPr lang="pt-PT"/>
           </a:p>
@@ -7615,7 +7615,7 @@
           <a:p>
             <a:fld id="{40FE1B0E-D763-4525-8983-8614C84C5E4B}" type="slidenum">
               <a:rPr lang="pt-PT" smtClean="0"/>
-              <a:t>‹#›</a:t>
+              <a:t>‹nº›</a:t>
             </a:fld>
             <a:endParaRPr lang="pt-PT"/>
           </a:p>
@@ -7788,7 +7788,7 @@
           <a:p>
             <a:fld id="{40FE1B0E-D763-4525-8983-8614C84C5E4B}" type="slidenum">
               <a:rPr lang="pt-PT" smtClean="0"/>
-              <a:t>‹#›</a:t>
+              <a:t>‹nº›</a:t>
             </a:fld>
             <a:endParaRPr lang="pt-PT"/>
           </a:p>
@@ -8041,7 +8041,7 @@
           <a:p>
             <a:fld id="{40FE1B0E-D763-4525-8983-8614C84C5E4B}" type="slidenum">
               <a:rPr lang="pt-PT" smtClean="0"/>
-              <a:t>‹#›</a:t>
+              <a:t>‹nº›</a:t>
             </a:fld>
             <a:endParaRPr lang="pt-PT"/>
           </a:p>
@@ -8276,7 +8276,7 @@
           <a:p>
             <a:fld id="{40FE1B0E-D763-4525-8983-8614C84C5E4B}" type="slidenum">
               <a:rPr lang="pt-PT" smtClean="0"/>
-              <a:t>‹#›</a:t>
+              <a:t>‹nº›</a:t>
             </a:fld>
             <a:endParaRPr lang="pt-PT"/>
           </a:p>
@@ -8660,7 +8660,7 @@
           <a:p>
             <a:fld id="{40FE1B0E-D763-4525-8983-8614C84C5E4B}" type="slidenum">
               <a:rPr lang="pt-PT" smtClean="0"/>
-              <a:t>‹#›</a:t>
+              <a:t>‹nº›</a:t>
             </a:fld>
             <a:endParaRPr lang="pt-PT"/>
           </a:p>
@@ -8781,7 +8781,7 @@
           <a:p>
             <a:fld id="{40FE1B0E-D763-4525-8983-8614C84C5E4B}" type="slidenum">
               <a:rPr lang="pt-PT" smtClean="0"/>
-              <a:t>‹#›</a:t>
+              <a:t>‹nº›</a:t>
             </a:fld>
             <a:endParaRPr lang="pt-PT"/>
           </a:p>
@@ -8879,7 +8879,7 @@
           <a:p>
             <a:fld id="{40FE1B0E-D763-4525-8983-8614C84C5E4B}" type="slidenum">
               <a:rPr lang="pt-PT" smtClean="0"/>
-              <a:t>‹#›</a:t>
+              <a:t>‹nº›</a:t>
             </a:fld>
             <a:endParaRPr lang="pt-PT"/>
           </a:p>
@@ -9131,7 +9131,7 @@
           <a:p>
             <a:fld id="{40FE1B0E-D763-4525-8983-8614C84C5E4B}" type="slidenum">
               <a:rPr lang="pt-PT" smtClean="0"/>
-              <a:t>‹#›</a:t>
+              <a:t>‹nº›</a:t>
             </a:fld>
             <a:endParaRPr lang="pt-PT"/>
           </a:p>
@@ -9414,7 +9414,7 @@
           <a:p>
             <a:fld id="{40FE1B0E-D763-4525-8983-8614C84C5E4B}" type="slidenum">
               <a:rPr lang="pt-PT" smtClean="0"/>
-              <a:t>‹#›</a:t>
+              <a:t>‹nº›</a:t>
             </a:fld>
             <a:endParaRPr lang="pt-PT"/>
           </a:p>
@@ -12520,7 +12520,7 @@
           <a:p>
             <a:fld id="{40FE1B0E-D763-4525-8983-8614C84C5E4B}" type="slidenum">
               <a:rPr lang="pt-PT" smtClean="0"/>
-              <a:t>‹#›</a:t>
+              <a:t>‹nº›</a:t>
             </a:fld>
             <a:endParaRPr lang="pt-PT"/>
           </a:p>
@@ -14656,7 +14656,7 @@
             </a:r>
             <a:r>
               <a:rPr lang="en-US" dirty="0"/>
-              <a:t>			// Title</a:t>
+              <a:t>			// Streamer</a:t>
             </a:r>
           </a:p>
           <a:p>
